--- a/complete-guide-to-elasticsearch/프레젠테이션1.pptx
+++ b/complete-guide-to-elasticsearch/프레젠테이션1.pptx
@@ -9,6 +9,12 @@
     <p:sldId id="273" r:id="rId3"/>
     <p:sldId id="274" r:id="rId4"/>
     <p:sldId id="275" r:id="rId5"/>
+    <p:sldId id="276" r:id="rId6"/>
+    <p:sldId id="277" r:id="rId7"/>
+    <p:sldId id="278" r:id="rId8"/>
+    <p:sldId id="279" r:id="rId9"/>
+    <p:sldId id="280" r:id="rId10"/>
+    <p:sldId id="281" r:id="rId11"/>
   </p:sldIdLst>
   <p:sldSz cx="12192000" cy="6858000"/>
   <p:notesSz cx="6858000" cy="9144000"/>
@@ -246,7 +252,7 @@
           <a:p>
             <a:fld id="{3083E1A9-A397-4745-BD5D-6E8E767939EE}" type="datetimeFigureOut">
               <a:rPr kumimoji="1" lang="ko-Kore-KR" altLang="en-US" smtClean="0"/>
-              <a:t>2022. 8. 14.</a:t>
+              <a:t>2022. 8. 15.</a:t>
             </a:fld>
             <a:endParaRPr kumimoji="1" lang="ko-Kore-KR" altLang="en-US"/>
           </a:p>
@@ -416,7 +422,7 @@
           <a:p>
             <a:fld id="{3083E1A9-A397-4745-BD5D-6E8E767939EE}" type="datetimeFigureOut">
               <a:rPr kumimoji="1" lang="ko-Kore-KR" altLang="en-US" smtClean="0"/>
-              <a:t>2022. 8. 14.</a:t>
+              <a:t>2022. 8. 15.</a:t>
             </a:fld>
             <a:endParaRPr kumimoji="1" lang="ko-Kore-KR" altLang="en-US"/>
           </a:p>
@@ -596,7 +602,7 @@
           <a:p>
             <a:fld id="{3083E1A9-A397-4745-BD5D-6E8E767939EE}" type="datetimeFigureOut">
               <a:rPr kumimoji="1" lang="ko-Kore-KR" altLang="en-US" smtClean="0"/>
-              <a:t>2022. 8. 14.</a:t>
+              <a:t>2022. 8. 15.</a:t>
             </a:fld>
             <a:endParaRPr kumimoji="1" lang="ko-Kore-KR" altLang="en-US"/>
           </a:p>
@@ -766,7 +772,7 @@
           <a:p>
             <a:fld id="{3083E1A9-A397-4745-BD5D-6E8E767939EE}" type="datetimeFigureOut">
               <a:rPr kumimoji="1" lang="ko-Kore-KR" altLang="en-US" smtClean="0"/>
-              <a:t>2022. 8. 14.</a:t>
+              <a:t>2022. 8. 15.</a:t>
             </a:fld>
             <a:endParaRPr kumimoji="1" lang="ko-Kore-KR" altLang="en-US"/>
           </a:p>
@@ -1012,7 +1018,7 @@
           <a:p>
             <a:fld id="{3083E1A9-A397-4745-BD5D-6E8E767939EE}" type="datetimeFigureOut">
               <a:rPr kumimoji="1" lang="ko-Kore-KR" altLang="en-US" smtClean="0"/>
-              <a:t>2022. 8. 14.</a:t>
+              <a:t>2022. 8. 15.</a:t>
             </a:fld>
             <a:endParaRPr kumimoji="1" lang="ko-Kore-KR" altLang="en-US"/>
           </a:p>
@@ -1244,7 +1250,7 @@
           <a:p>
             <a:fld id="{3083E1A9-A397-4745-BD5D-6E8E767939EE}" type="datetimeFigureOut">
               <a:rPr kumimoji="1" lang="ko-Kore-KR" altLang="en-US" smtClean="0"/>
-              <a:t>2022. 8. 14.</a:t>
+              <a:t>2022. 8. 15.</a:t>
             </a:fld>
             <a:endParaRPr kumimoji="1" lang="ko-Kore-KR" altLang="en-US"/>
           </a:p>
@@ -1611,7 +1617,7 @@
           <a:p>
             <a:fld id="{3083E1A9-A397-4745-BD5D-6E8E767939EE}" type="datetimeFigureOut">
               <a:rPr kumimoji="1" lang="ko-Kore-KR" altLang="en-US" smtClean="0"/>
-              <a:t>2022. 8. 14.</a:t>
+              <a:t>2022. 8. 15.</a:t>
             </a:fld>
             <a:endParaRPr kumimoji="1" lang="ko-Kore-KR" altLang="en-US"/>
           </a:p>
@@ -1729,7 +1735,7 @@
           <a:p>
             <a:fld id="{3083E1A9-A397-4745-BD5D-6E8E767939EE}" type="datetimeFigureOut">
               <a:rPr kumimoji="1" lang="ko-Kore-KR" altLang="en-US" smtClean="0"/>
-              <a:t>2022. 8. 14.</a:t>
+              <a:t>2022. 8. 15.</a:t>
             </a:fld>
             <a:endParaRPr kumimoji="1" lang="ko-Kore-KR" altLang="en-US"/>
           </a:p>
@@ -1824,7 +1830,7 @@
           <a:p>
             <a:fld id="{3083E1A9-A397-4745-BD5D-6E8E767939EE}" type="datetimeFigureOut">
               <a:rPr kumimoji="1" lang="ko-Kore-KR" altLang="en-US" smtClean="0"/>
-              <a:t>2022. 8. 14.</a:t>
+              <a:t>2022. 8. 15.</a:t>
             </a:fld>
             <a:endParaRPr kumimoji="1" lang="ko-Kore-KR" altLang="en-US"/>
           </a:p>
@@ -2101,7 +2107,7 @@
           <a:p>
             <a:fld id="{3083E1A9-A397-4745-BD5D-6E8E767939EE}" type="datetimeFigureOut">
               <a:rPr kumimoji="1" lang="ko-Kore-KR" altLang="en-US" smtClean="0"/>
-              <a:t>2022. 8. 14.</a:t>
+              <a:t>2022. 8. 15.</a:t>
             </a:fld>
             <a:endParaRPr kumimoji="1" lang="ko-Kore-KR" altLang="en-US"/>
           </a:p>
@@ -2358,7 +2364,7 @@
           <a:p>
             <a:fld id="{3083E1A9-A397-4745-BD5D-6E8E767939EE}" type="datetimeFigureOut">
               <a:rPr kumimoji="1" lang="ko-Kore-KR" altLang="en-US" smtClean="0"/>
-              <a:t>2022. 8. 14.</a:t>
+              <a:t>2022. 8. 15.</a:t>
             </a:fld>
             <a:endParaRPr kumimoji="1" lang="ko-Kore-KR" altLang="en-US"/>
           </a:p>
@@ -2571,7 +2577,7 @@
           <a:p>
             <a:fld id="{3083E1A9-A397-4745-BD5D-6E8E767939EE}" type="datetimeFigureOut">
               <a:rPr kumimoji="1" lang="ko-Kore-KR" altLang="en-US" smtClean="0"/>
-              <a:t>2022. 8. 14.</a:t>
+              <a:t>2022. 8. 15.</a:t>
             </a:fld>
             <a:endParaRPr kumimoji="1" lang="ko-Kore-KR" altLang="en-US"/>
           </a:p>
@@ -3792,6 +3798,920 @@
     <p:extLst>
       <p:ext uri="{BB962C8B-B14F-4D97-AF65-F5344CB8AC3E}">
         <p14:creationId xmlns:p14="http://schemas.microsoft.com/office/powerpoint/2010/main" val="1473685870"/>
+      </p:ext>
+    </p:extLst>
+  </p:cSld>
+  <p:clrMapOvr>
+    <a:masterClrMapping/>
+  </p:clrMapOvr>
+</p:sld>
+</file>
+
+<file path=ppt/slides/slide10.xml><?xml version="1.0" encoding="utf-8"?>
+<p:sld xmlns:a="http://schemas.openxmlformats.org/drawingml/2006/main" xmlns:r="http://schemas.openxmlformats.org/officeDocument/2006/relationships" xmlns:p="http://schemas.openxmlformats.org/presentationml/2006/main">
+  <p:cSld>
+    <p:spTree>
+      <p:nvGrpSpPr>
+        <p:cNvPr id="1" name=""/>
+        <p:cNvGrpSpPr/>
+        <p:nvPr/>
+      </p:nvGrpSpPr>
+      <p:grpSpPr>
+        <a:xfrm>
+          <a:off x="0" y="0"/>
+          <a:ext cx="0" cy="0"/>
+          <a:chOff x="0" y="0"/>
+          <a:chExt cx="0" cy="0"/>
+        </a:xfrm>
+      </p:grpSpPr>
+      <p:sp>
+        <p:nvSpPr>
+          <p:cNvPr id="20" name="직사각형 19">
+            <a:extLst>
+              <a:ext uri="{FF2B5EF4-FFF2-40B4-BE49-F238E27FC236}">
+                <a16:creationId xmlns:a16="http://schemas.microsoft.com/office/drawing/2014/main" id="{5F7720A0-5B3A-A442-9D7C-0D41E91EDB73}"/>
+              </a:ext>
+            </a:extLst>
+          </p:cNvPr>
+          <p:cNvSpPr/>
+          <p:nvPr/>
+        </p:nvSpPr>
+        <p:spPr>
+          <a:xfrm>
+            <a:off x="177446" y="2353062"/>
+            <a:ext cx="3403036" cy="1230175"/>
+          </a:xfrm>
+          <a:prstGeom prst="rect">
+            <a:avLst/>
+          </a:prstGeom>
+          <a:ln w="25400">
+            <a:solidFill>
+              <a:srgbClr val="5DA2C5"/>
+            </a:solidFill>
+          </a:ln>
+        </p:spPr>
+        <p:style>
+          <a:lnRef idx="1">
+            <a:schemeClr val="accent1"/>
+          </a:lnRef>
+          <a:fillRef idx="0">
+            <a:schemeClr val="accent1"/>
+          </a:fillRef>
+          <a:effectRef idx="0">
+            <a:schemeClr val="accent1"/>
+          </a:effectRef>
+          <a:fontRef idx="minor">
+            <a:schemeClr val="tx1"/>
+          </a:fontRef>
+        </p:style>
+        <p:txBody>
+          <a:bodyPr rtlCol="0" anchor="ctr"/>
+          <a:lstStyle/>
+          <a:p>
+            <a:pPr algn="ctr"/>
+            <a:endParaRPr kumimoji="1" lang="ko-Kore-KR" altLang="en-US"/>
+          </a:p>
+        </p:txBody>
+      </p:sp>
+      <p:sp>
+        <p:nvSpPr>
+          <p:cNvPr id="21" name="TextBox 20">
+            <a:extLst>
+              <a:ext uri="{FF2B5EF4-FFF2-40B4-BE49-F238E27FC236}">
+                <a16:creationId xmlns:a16="http://schemas.microsoft.com/office/drawing/2014/main" id="{874B133C-8779-1D47-9121-BA9FD6552223}"/>
+              </a:ext>
+            </a:extLst>
+          </p:cNvPr>
+          <p:cNvSpPr txBox="1"/>
+          <p:nvPr/>
+        </p:nvSpPr>
+        <p:spPr>
+          <a:xfrm>
+            <a:off x="258323" y="2629594"/>
+            <a:ext cx="2727248" cy="276999"/>
+          </a:xfrm>
+          <a:prstGeom prst="rect">
+            <a:avLst/>
+          </a:prstGeom>
+          <a:noFill/>
+        </p:spPr>
+        <p:txBody>
+          <a:bodyPr wrap="square" rtlCol="0">
+            <a:spAutoFit/>
+          </a:bodyPr>
+          <a:lstStyle/>
+          <a:p>
+            <a:r>
+              <a:rPr kumimoji="1" lang="en-US" altLang="ko-Kore-KR" sz="1200" b="1" dirty="0">
+                <a:solidFill>
+                  <a:srgbClr val="5DA2C5"/>
+                </a:solidFill>
+                <a:latin typeface="SHeadG" panose="02030600000101010101" pitchFamily="18" charset="-127"/>
+                <a:ea typeface="SHeadG" panose="02030600000101010101" pitchFamily="18" charset="-127"/>
+              </a:rPr>
+              <a:t>Input: “I REALLY like beer!”</a:t>
+            </a:r>
+          </a:p>
+        </p:txBody>
+      </p:sp>
+      <p:sp>
+        <p:nvSpPr>
+          <p:cNvPr id="22" name="TextBox 21">
+            <a:extLst>
+              <a:ext uri="{FF2B5EF4-FFF2-40B4-BE49-F238E27FC236}">
+                <a16:creationId xmlns:a16="http://schemas.microsoft.com/office/drawing/2014/main" id="{2BF2F4C2-D715-A249-8F9D-1643050B8621}"/>
+              </a:ext>
+            </a:extLst>
+          </p:cNvPr>
+          <p:cNvSpPr txBox="1"/>
+          <p:nvPr/>
+        </p:nvSpPr>
+        <p:spPr>
+          <a:xfrm>
+            <a:off x="258323" y="3044625"/>
+            <a:ext cx="2727248" cy="276999"/>
+          </a:xfrm>
+          <a:prstGeom prst="rect">
+            <a:avLst/>
+          </a:prstGeom>
+          <a:noFill/>
+        </p:spPr>
+        <p:txBody>
+          <a:bodyPr wrap="square" rtlCol="0">
+            <a:spAutoFit/>
+          </a:bodyPr>
+          <a:lstStyle/>
+          <a:p>
+            <a:r>
+              <a:rPr kumimoji="1" lang="en-US" altLang="ko-Kore-KR" sz="1200" b="1" dirty="0">
+                <a:solidFill>
+                  <a:srgbClr val="5DA2C5"/>
+                </a:solidFill>
+                <a:latin typeface="SHeadG" panose="02030600000101010101" pitchFamily="18" charset="-127"/>
+                <a:ea typeface="SHeadG" panose="02030600000101010101" pitchFamily="18" charset="-127"/>
+              </a:rPr>
+              <a:t>Output: “I REALLY like beer!”</a:t>
+            </a:r>
+          </a:p>
+        </p:txBody>
+      </p:sp>
+      <p:sp>
+        <p:nvSpPr>
+          <p:cNvPr id="23" name="직사각형 22">
+            <a:extLst>
+              <a:ext uri="{FF2B5EF4-FFF2-40B4-BE49-F238E27FC236}">
+                <a16:creationId xmlns:a16="http://schemas.microsoft.com/office/drawing/2014/main" id="{55AD141B-04C1-7A48-A474-C898F2082186}"/>
+              </a:ext>
+            </a:extLst>
+          </p:cNvPr>
+          <p:cNvSpPr/>
+          <p:nvPr/>
+        </p:nvSpPr>
+        <p:spPr>
+          <a:xfrm>
+            <a:off x="4214583" y="2353062"/>
+            <a:ext cx="3651460" cy="1230175"/>
+          </a:xfrm>
+          <a:prstGeom prst="rect">
+            <a:avLst/>
+          </a:prstGeom>
+          <a:ln w="25400">
+            <a:solidFill>
+              <a:srgbClr val="5DA2C5"/>
+            </a:solidFill>
+          </a:ln>
+        </p:spPr>
+        <p:style>
+          <a:lnRef idx="1">
+            <a:schemeClr val="accent1"/>
+          </a:lnRef>
+          <a:fillRef idx="0">
+            <a:schemeClr val="accent1"/>
+          </a:fillRef>
+          <a:effectRef idx="0">
+            <a:schemeClr val="accent1"/>
+          </a:effectRef>
+          <a:fontRef idx="minor">
+            <a:schemeClr val="tx1"/>
+          </a:fontRef>
+        </p:style>
+        <p:txBody>
+          <a:bodyPr rtlCol="0" anchor="ctr"/>
+          <a:lstStyle/>
+          <a:p>
+            <a:pPr algn="ctr"/>
+            <a:endParaRPr kumimoji="1" lang="ko-Kore-KR" altLang="en-US"/>
+          </a:p>
+        </p:txBody>
+      </p:sp>
+      <p:sp>
+        <p:nvSpPr>
+          <p:cNvPr id="24" name="TextBox 23">
+            <a:extLst>
+              <a:ext uri="{FF2B5EF4-FFF2-40B4-BE49-F238E27FC236}">
+                <a16:creationId xmlns:a16="http://schemas.microsoft.com/office/drawing/2014/main" id="{5DFCEB02-8491-B243-BC76-B118B5AEEB0F}"/>
+              </a:ext>
+            </a:extLst>
+          </p:cNvPr>
+          <p:cNvSpPr txBox="1"/>
+          <p:nvPr/>
+        </p:nvSpPr>
+        <p:spPr>
+          <a:xfrm>
+            <a:off x="4295460" y="2629594"/>
+            <a:ext cx="3030755" cy="276999"/>
+          </a:xfrm>
+          <a:prstGeom prst="rect">
+            <a:avLst/>
+          </a:prstGeom>
+          <a:noFill/>
+        </p:spPr>
+        <p:txBody>
+          <a:bodyPr wrap="square" rtlCol="0">
+            <a:spAutoFit/>
+          </a:bodyPr>
+          <a:lstStyle/>
+          <a:p>
+            <a:r>
+              <a:rPr kumimoji="1" lang="en-US" altLang="ko-Kore-KR" sz="1200" b="1" dirty="0">
+                <a:solidFill>
+                  <a:srgbClr val="5DA2C5"/>
+                </a:solidFill>
+                <a:latin typeface="SHeadG" panose="02030600000101010101" pitchFamily="18" charset="-127"/>
+                <a:ea typeface="SHeadG" panose="02030600000101010101" pitchFamily="18" charset="-127"/>
+              </a:rPr>
+              <a:t>Input: “I REALLY like beer!”</a:t>
+            </a:r>
+          </a:p>
+        </p:txBody>
+      </p:sp>
+      <p:sp>
+        <p:nvSpPr>
+          <p:cNvPr id="25" name="TextBox 24">
+            <a:extLst>
+              <a:ext uri="{FF2B5EF4-FFF2-40B4-BE49-F238E27FC236}">
+                <a16:creationId xmlns:a16="http://schemas.microsoft.com/office/drawing/2014/main" id="{207DD15B-3A3C-C342-AC92-776D9B05C81F}"/>
+              </a:ext>
+            </a:extLst>
+          </p:cNvPr>
+          <p:cNvSpPr txBox="1"/>
+          <p:nvPr/>
+        </p:nvSpPr>
+        <p:spPr>
+          <a:xfrm>
+            <a:off x="4295461" y="3044625"/>
+            <a:ext cx="3570582" cy="276999"/>
+          </a:xfrm>
+          <a:prstGeom prst="rect">
+            <a:avLst/>
+          </a:prstGeom>
+          <a:noFill/>
+        </p:spPr>
+        <p:txBody>
+          <a:bodyPr wrap="square" rtlCol="0">
+            <a:spAutoFit/>
+          </a:bodyPr>
+          <a:lstStyle/>
+          <a:p>
+            <a:r>
+              <a:rPr kumimoji="1" lang="en-US" altLang="ko-Kore-KR" sz="1200" b="1" dirty="0">
+                <a:solidFill>
+                  <a:srgbClr val="5DA2C5"/>
+                </a:solidFill>
+                <a:latin typeface="SHeadG" panose="02030600000101010101" pitchFamily="18" charset="-127"/>
+                <a:ea typeface="SHeadG" panose="02030600000101010101" pitchFamily="18" charset="-127"/>
+              </a:rPr>
+              <a:t>Output: [“I”,“REALLY”, “like”, “beer”]</a:t>
+            </a:r>
+          </a:p>
+        </p:txBody>
+      </p:sp>
+      <p:sp>
+        <p:nvSpPr>
+          <p:cNvPr id="26" name="직사각형 25">
+            <a:extLst>
+              <a:ext uri="{FF2B5EF4-FFF2-40B4-BE49-F238E27FC236}">
+                <a16:creationId xmlns:a16="http://schemas.microsoft.com/office/drawing/2014/main" id="{455DD617-1E0E-4544-B7C4-B3B479B222B9}"/>
+              </a:ext>
+            </a:extLst>
+          </p:cNvPr>
+          <p:cNvSpPr/>
+          <p:nvPr/>
+        </p:nvSpPr>
+        <p:spPr>
+          <a:xfrm>
+            <a:off x="8582226" y="2353062"/>
+            <a:ext cx="3570581" cy="1230175"/>
+          </a:xfrm>
+          <a:prstGeom prst="rect">
+            <a:avLst/>
+          </a:prstGeom>
+          <a:ln w="25400">
+            <a:solidFill>
+              <a:srgbClr val="5DA2C5"/>
+            </a:solidFill>
+          </a:ln>
+        </p:spPr>
+        <p:style>
+          <a:lnRef idx="1">
+            <a:schemeClr val="accent1"/>
+          </a:lnRef>
+          <a:fillRef idx="0">
+            <a:schemeClr val="accent1"/>
+          </a:fillRef>
+          <a:effectRef idx="0">
+            <a:schemeClr val="accent1"/>
+          </a:effectRef>
+          <a:fontRef idx="minor">
+            <a:schemeClr val="tx1"/>
+          </a:fontRef>
+        </p:style>
+        <p:txBody>
+          <a:bodyPr rtlCol="0" anchor="ctr"/>
+          <a:lstStyle/>
+          <a:p>
+            <a:pPr algn="ctr"/>
+            <a:endParaRPr kumimoji="1" lang="ko-Kore-KR" altLang="en-US"/>
+          </a:p>
+        </p:txBody>
+      </p:sp>
+      <p:sp>
+        <p:nvSpPr>
+          <p:cNvPr id="27" name="TextBox 26">
+            <a:extLst>
+              <a:ext uri="{FF2B5EF4-FFF2-40B4-BE49-F238E27FC236}">
+                <a16:creationId xmlns:a16="http://schemas.microsoft.com/office/drawing/2014/main" id="{BA0F5F67-2F60-024F-9C8A-62673CC4EA7B}"/>
+              </a:ext>
+            </a:extLst>
+          </p:cNvPr>
+          <p:cNvSpPr txBox="1"/>
+          <p:nvPr/>
+        </p:nvSpPr>
+        <p:spPr>
+          <a:xfrm>
+            <a:off x="8663103" y="2629594"/>
+            <a:ext cx="3489703" cy="276999"/>
+          </a:xfrm>
+          <a:prstGeom prst="rect">
+            <a:avLst/>
+          </a:prstGeom>
+          <a:noFill/>
+        </p:spPr>
+        <p:txBody>
+          <a:bodyPr wrap="square" rtlCol="0">
+            <a:spAutoFit/>
+          </a:bodyPr>
+          <a:lstStyle/>
+          <a:p>
+            <a:r>
+              <a:rPr kumimoji="1" lang="en-US" altLang="ko-Kore-KR" sz="1200" b="1" dirty="0">
+                <a:solidFill>
+                  <a:srgbClr val="5DA2C5"/>
+                </a:solidFill>
+                <a:latin typeface="SHeadG" panose="02030600000101010101" pitchFamily="18" charset="-127"/>
+                <a:ea typeface="SHeadG" panose="02030600000101010101" pitchFamily="18" charset="-127"/>
+              </a:rPr>
+              <a:t>Input: “I”, “REALLY”, “like”, “beer”</a:t>
+            </a:r>
+          </a:p>
+        </p:txBody>
+      </p:sp>
+      <p:sp>
+        <p:nvSpPr>
+          <p:cNvPr id="28" name="TextBox 27">
+            <a:extLst>
+              <a:ext uri="{FF2B5EF4-FFF2-40B4-BE49-F238E27FC236}">
+                <a16:creationId xmlns:a16="http://schemas.microsoft.com/office/drawing/2014/main" id="{FD68558B-5F0C-CF41-B40B-AD71059A9829}"/>
+              </a:ext>
+            </a:extLst>
+          </p:cNvPr>
+          <p:cNvSpPr txBox="1"/>
+          <p:nvPr/>
+        </p:nvSpPr>
+        <p:spPr>
+          <a:xfrm>
+            <a:off x="8663104" y="3044625"/>
+            <a:ext cx="3528896" cy="276999"/>
+          </a:xfrm>
+          <a:prstGeom prst="rect">
+            <a:avLst/>
+          </a:prstGeom>
+          <a:noFill/>
+        </p:spPr>
+        <p:txBody>
+          <a:bodyPr wrap="square" rtlCol="0">
+            <a:spAutoFit/>
+          </a:bodyPr>
+          <a:lstStyle/>
+          <a:p>
+            <a:r>
+              <a:rPr kumimoji="1" lang="en-US" altLang="ko-Kore-KR" sz="1200" b="1" dirty="0">
+                <a:solidFill>
+                  <a:srgbClr val="5DA2C5"/>
+                </a:solidFill>
+                <a:latin typeface="SHeadG" panose="02030600000101010101" pitchFamily="18" charset="-127"/>
+                <a:ea typeface="SHeadG" panose="02030600000101010101" pitchFamily="18" charset="-127"/>
+              </a:rPr>
+              <a:t>Output: “</a:t>
+            </a:r>
+            <a:r>
+              <a:rPr kumimoji="1" lang="en-US" altLang="ko-Kore-KR" sz="1200" b="1" dirty="0" err="1">
+                <a:solidFill>
+                  <a:srgbClr val="5DA2C5"/>
+                </a:solidFill>
+                <a:latin typeface="SHeadG" panose="02030600000101010101" pitchFamily="18" charset="-127"/>
+                <a:ea typeface="SHeadG" panose="02030600000101010101" pitchFamily="18" charset="-127"/>
+              </a:rPr>
+              <a:t>i</a:t>
+            </a:r>
+            <a:r>
+              <a:rPr kumimoji="1" lang="en-US" altLang="ko-Kore-KR" sz="1200" b="1" dirty="0">
+                <a:solidFill>
+                  <a:srgbClr val="5DA2C5"/>
+                </a:solidFill>
+                <a:latin typeface="SHeadG" panose="02030600000101010101" pitchFamily="18" charset="-127"/>
+                <a:ea typeface="SHeadG" panose="02030600000101010101" pitchFamily="18" charset="-127"/>
+              </a:rPr>
+              <a:t>”, “really”, “like”, “beer”</a:t>
+            </a:r>
+          </a:p>
+        </p:txBody>
+      </p:sp>
+      <p:cxnSp>
+        <p:nvCxnSpPr>
+          <p:cNvPr id="29" name="직선 화살표 연결선 28">
+            <a:extLst>
+              <a:ext uri="{FF2B5EF4-FFF2-40B4-BE49-F238E27FC236}">
+                <a16:creationId xmlns:a16="http://schemas.microsoft.com/office/drawing/2014/main" id="{4ACA5879-E67D-9B40-B8E8-0E8E7D68099C}"/>
+              </a:ext>
+            </a:extLst>
+          </p:cNvPr>
+          <p:cNvCxnSpPr>
+            <a:cxnSpLocks/>
+          </p:cNvCxnSpPr>
+          <p:nvPr/>
+        </p:nvCxnSpPr>
+        <p:spPr>
+          <a:xfrm>
+            <a:off x="3723702" y="2910992"/>
+            <a:ext cx="397525" cy="0"/>
+          </a:xfrm>
+          <a:prstGeom prst="straightConnector1">
+            <a:avLst/>
+          </a:prstGeom>
+          <a:ln w="25400">
+            <a:solidFill>
+              <a:srgbClr val="5DA2C5"/>
+            </a:solidFill>
+            <a:tailEnd type="stealth" w="lg" len="lg"/>
+          </a:ln>
+        </p:spPr>
+        <p:style>
+          <a:lnRef idx="1">
+            <a:schemeClr val="accent1"/>
+          </a:lnRef>
+          <a:fillRef idx="0">
+            <a:schemeClr val="accent1"/>
+          </a:fillRef>
+          <a:effectRef idx="0">
+            <a:schemeClr val="accent1"/>
+          </a:effectRef>
+          <a:fontRef idx="minor">
+            <a:schemeClr val="tx1"/>
+          </a:fontRef>
+        </p:style>
+      </p:cxnSp>
+      <p:cxnSp>
+        <p:nvCxnSpPr>
+          <p:cNvPr id="31" name="직선 화살표 연결선 30">
+            <a:extLst>
+              <a:ext uri="{FF2B5EF4-FFF2-40B4-BE49-F238E27FC236}">
+                <a16:creationId xmlns:a16="http://schemas.microsoft.com/office/drawing/2014/main" id="{703D2B90-112A-754C-8FC2-583B4DCC36CE}"/>
+              </a:ext>
+            </a:extLst>
+          </p:cNvPr>
+          <p:cNvCxnSpPr>
+            <a:cxnSpLocks/>
+          </p:cNvCxnSpPr>
+          <p:nvPr/>
+        </p:nvCxnSpPr>
+        <p:spPr>
+          <a:xfrm>
+            <a:off x="8040478" y="2918313"/>
+            <a:ext cx="397525" cy="0"/>
+          </a:xfrm>
+          <a:prstGeom prst="straightConnector1">
+            <a:avLst/>
+          </a:prstGeom>
+          <a:ln w="25400">
+            <a:solidFill>
+              <a:srgbClr val="5DA2C5"/>
+            </a:solidFill>
+            <a:tailEnd type="stealth" w="lg" len="lg"/>
+          </a:ln>
+        </p:spPr>
+        <p:style>
+          <a:lnRef idx="1">
+            <a:schemeClr val="accent1"/>
+          </a:lnRef>
+          <a:fillRef idx="0">
+            <a:schemeClr val="accent1"/>
+          </a:fillRef>
+          <a:effectRef idx="0">
+            <a:schemeClr val="accent1"/>
+          </a:effectRef>
+          <a:fontRef idx="minor">
+            <a:schemeClr val="tx1"/>
+          </a:fontRef>
+        </p:style>
+      </p:cxnSp>
+      <p:sp>
+        <p:nvSpPr>
+          <p:cNvPr id="32" name="TextBox 31">
+            <a:extLst>
+              <a:ext uri="{FF2B5EF4-FFF2-40B4-BE49-F238E27FC236}">
+                <a16:creationId xmlns:a16="http://schemas.microsoft.com/office/drawing/2014/main" id="{2FD6BE23-3431-3940-B2B8-193CDE07A231}"/>
+              </a:ext>
+            </a:extLst>
+          </p:cNvPr>
+          <p:cNvSpPr txBox="1"/>
+          <p:nvPr/>
+        </p:nvSpPr>
+        <p:spPr>
+          <a:xfrm>
+            <a:off x="928740" y="1438662"/>
+            <a:ext cx="1900447" cy="338554"/>
+          </a:xfrm>
+          <a:prstGeom prst="rect">
+            <a:avLst/>
+          </a:prstGeom>
+          <a:noFill/>
+        </p:spPr>
+        <p:txBody>
+          <a:bodyPr wrap="square" rtlCol="0">
+            <a:spAutoFit/>
+          </a:bodyPr>
+          <a:lstStyle/>
+          <a:p>
+            <a:pPr algn="ctr"/>
+            <a:r>
+              <a:rPr kumimoji="1" lang="en-US" altLang="ko-Kore-KR" sz="1600" b="1" dirty="0">
+                <a:solidFill>
+                  <a:srgbClr val="5DA2C5"/>
+                </a:solidFill>
+                <a:latin typeface="SHeadG" panose="02030600000101010101" pitchFamily="18" charset="-127"/>
+                <a:ea typeface="SHeadG" panose="02030600000101010101" pitchFamily="18" charset="-127"/>
+              </a:rPr>
+              <a:t>Character filters</a:t>
+            </a:r>
+            <a:endParaRPr kumimoji="1" lang="ko-Kore-KR" altLang="en-US" sz="1600" b="1" dirty="0">
+              <a:solidFill>
+                <a:srgbClr val="5DA2C5"/>
+              </a:solidFill>
+              <a:latin typeface="SHeadG" panose="02030600000101010101" pitchFamily="18" charset="-127"/>
+              <a:ea typeface="SHeadG" panose="02030600000101010101" pitchFamily="18" charset="-127"/>
+            </a:endParaRPr>
+          </a:p>
+        </p:txBody>
+      </p:sp>
+      <p:sp>
+        <p:nvSpPr>
+          <p:cNvPr id="33" name="TextBox 32">
+            <a:extLst>
+              <a:ext uri="{FF2B5EF4-FFF2-40B4-BE49-F238E27FC236}">
+                <a16:creationId xmlns:a16="http://schemas.microsoft.com/office/drawing/2014/main" id="{8ACDFA4E-3E07-DD47-B343-0CE12F2EE4FE}"/>
+              </a:ext>
+            </a:extLst>
+          </p:cNvPr>
+          <p:cNvSpPr txBox="1"/>
+          <p:nvPr/>
+        </p:nvSpPr>
+        <p:spPr>
+          <a:xfrm>
+            <a:off x="5145776" y="1438138"/>
+            <a:ext cx="1900447" cy="338554"/>
+          </a:xfrm>
+          <a:prstGeom prst="rect">
+            <a:avLst/>
+          </a:prstGeom>
+          <a:noFill/>
+        </p:spPr>
+        <p:txBody>
+          <a:bodyPr wrap="square" rtlCol="0">
+            <a:spAutoFit/>
+          </a:bodyPr>
+          <a:lstStyle/>
+          <a:p>
+            <a:pPr algn="ctr"/>
+            <a:r>
+              <a:rPr kumimoji="1" lang="en-US" altLang="ko-Kore-KR" sz="1600" b="1" dirty="0">
+                <a:solidFill>
+                  <a:srgbClr val="5DA2C5"/>
+                </a:solidFill>
+                <a:latin typeface="SHeadG" panose="02030600000101010101" pitchFamily="18" charset="-127"/>
+                <a:ea typeface="SHeadG" panose="02030600000101010101" pitchFamily="18" charset="-127"/>
+              </a:rPr>
+              <a:t>Tokenizer</a:t>
+            </a:r>
+            <a:endParaRPr kumimoji="1" lang="ko-Kore-KR" altLang="en-US" sz="1600" b="1" dirty="0">
+              <a:solidFill>
+                <a:srgbClr val="5DA2C5"/>
+              </a:solidFill>
+              <a:latin typeface="SHeadG" panose="02030600000101010101" pitchFamily="18" charset="-127"/>
+              <a:ea typeface="SHeadG" panose="02030600000101010101" pitchFamily="18" charset="-127"/>
+            </a:endParaRPr>
+          </a:p>
+        </p:txBody>
+      </p:sp>
+      <p:sp>
+        <p:nvSpPr>
+          <p:cNvPr id="34" name="TextBox 33">
+            <a:extLst>
+              <a:ext uri="{FF2B5EF4-FFF2-40B4-BE49-F238E27FC236}">
+                <a16:creationId xmlns:a16="http://schemas.microsoft.com/office/drawing/2014/main" id="{08843841-35AE-5A4D-9B71-A66908F99803}"/>
+              </a:ext>
+            </a:extLst>
+          </p:cNvPr>
+          <p:cNvSpPr txBox="1"/>
+          <p:nvPr/>
+        </p:nvSpPr>
+        <p:spPr>
+          <a:xfrm>
+            <a:off x="9417292" y="1433066"/>
+            <a:ext cx="1900447" cy="338554"/>
+          </a:xfrm>
+          <a:prstGeom prst="rect">
+            <a:avLst/>
+          </a:prstGeom>
+          <a:noFill/>
+        </p:spPr>
+        <p:txBody>
+          <a:bodyPr wrap="square" rtlCol="0">
+            <a:spAutoFit/>
+          </a:bodyPr>
+          <a:lstStyle/>
+          <a:p>
+            <a:pPr algn="ctr"/>
+            <a:r>
+              <a:rPr kumimoji="1" lang="en-US" altLang="ko-Kore-KR" sz="1600" b="1" dirty="0">
+                <a:solidFill>
+                  <a:srgbClr val="5DA2C5"/>
+                </a:solidFill>
+                <a:latin typeface="SHeadG" panose="02030600000101010101" pitchFamily="18" charset="-127"/>
+                <a:ea typeface="SHeadG" panose="02030600000101010101" pitchFamily="18" charset="-127"/>
+              </a:rPr>
+              <a:t>Token filters</a:t>
+            </a:r>
+            <a:endParaRPr kumimoji="1" lang="ko-Kore-KR" altLang="en-US" sz="1600" b="1" dirty="0">
+              <a:solidFill>
+                <a:srgbClr val="5DA2C5"/>
+              </a:solidFill>
+              <a:latin typeface="SHeadG" panose="02030600000101010101" pitchFamily="18" charset="-127"/>
+              <a:ea typeface="SHeadG" panose="02030600000101010101" pitchFamily="18" charset="-127"/>
+            </a:endParaRPr>
+          </a:p>
+        </p:txBody>
+      </p:sp>
+      <p:sp>
+        <p:nvSpPr>
+          <p:cNvPr id="35" name="TextBox 34">
+            <a:extLst>
+              <a:ext uri="{FF2B5EF4-FFF2-40B4-BE49-F238E27FC236}">
+                <a16:creationId xmlns:a16="http://schemas.microsoft.com/office/drawing/2014/main" id="{77B6C6C8-B091-AC47-8A4D-D4337DB236F9}"/>
+              </a:ext>
+            </a:extLst>
+          </p:cNvPr>
+          <p:cNvSpPr txBox="1"/>
+          <p:nvPr/>
+        </p:nvSpPr>
+        <p:spPr>
+          <a:xfrm>
+            <a:off x="915575" y="1876242"/>
+            <a:ext cx="1900447" cy="261610"/>
+          </a:xfrm>
+          <a:prstGeom prst="rect">
+            <a:avLst/>
+          </a:prstGeom>
+          <a:noFill/>
+        </p:spPr>
+        <p:txBody>
+          <a:bodyPr wrap="square" rtlCol="0">
+            <a:spAutoFit/>
+          </a:bodyPr>
+          <a:lstStyle/>
+          <a:p>
+            <a:pPr algn="ctr"/>
+            <a:r>
+              <a:rPr kumimoji="1" lang="en-US" altLang="ko-Kore-KR" sz="1050" dirty="0">
+                <a:solidFill>
+                  <a:srgbClr val="5DA2C5"/>
+                </a:solidFill>
+                <a:latin typeface="SHeadG" panose="02030600000101010101" pitchFamily="18" charset="-127"/>
+                <a:ea typeface="SHeadG" panose="02030600000101010101" pitchFamily="18" charset="-127"/>
+              </a:rPr>
+              <a:t>(none)</a:t>
+            </a:r>
+            <a:endParaRPr kumimoji="1" lang="ko-Kore-KR" altLang="en-US" sz="1050" dirty="0">
+              <a:solidFill>
+                <a:srgbClr val="5DA2C5"/>
+              </a:solidFill>
+              <a:latin typeface="SHeadG" panose="02030600000101010101" pitchFamily="18" charset="-127"/>
+              <a:ea typeface="SHeadG" panose="02030600000101010101" pitchFamily="18" charset="-127"/>
+            </a:endParaRPr>
+          </a:p>
+        </p:txBody>
+      </p:sp>
+      <p:sp>
+        <p:nvSpPr>
+          <p:cNvPr id="36" name="TextBox 35">
+            <a:extLst>
+              <a:ext uri="{FF2B5EF4-FFF2-40B4-BE49-F238E27FC236}">
+                <a16:creationId xmlns:a16="http://schemas.microsoft.com/office/drawing/2014/main" id="{6FCF00B2-E837-9C4A-9D6D-D6D0D39EE67B}"/>
+              </a:ext>
+            </a:extLst>
+          </p:cNvPr>
+          <p:cNvSpPr txBox="1"/>
+          <p:nvPr/>
+        </p:nvSpPr>
+        <p:spPr>
+          <a:xfrm>
+            <a:off x="5130528" y="1914724"/>
+            <a:ext cx="1900447" cy="261610"/>
+          </a:xfrm>
+          <a:prstGeom prst="rect">
+            <a:avLst/>
+          </a:prstGeom>
+          <a:noFill/>
+        </p:spPr>
+        <p:txBody>
+          <a:bodyPr wrap="square" rtlCol="0">
+            <a:spAutoFit/>
+          </a:bodyPr>
+          <a:lstStyle/>
+          <a:p>
+            <a:pPr algn="ctr"/>
+            <a:r>
+              <a:rPr kumimoji="1" lang="en-US" altLang="ko-Kore-KR" sz="1050" dirty="0">
+                <a:solidFill>
+                  <a:srgbClr val="5DA2C5"/>
+                </a:solidFill>
+                <a:latin typeface="SHeadG" panose="02030600000101010101" pitchFamily="18" charset="-127"/>
+                <a:ea typeface="SHeadG" panose="02030600000101010101" pitchFamily="18" charset="-127"/>
+              </a:rPr>
+              <a:t>standard</a:t>
+            </a:r>
+            <a:endParaRPr kumimoji="1" lang="ko-Kore-KR" altLang="en-US" sz="1050" dirty="0">
+              <a:solidFill>
+                <a:srgbClr val="5DA2C5"/>
+              </a:solidFill>
+              <a:latin typeface="SHeadG" panose="02030600000101010101" pitchFamily="18" charset="-127"/>
+              <a:ea typeface="SHeadG" panose="02030600000101010101" pitchFamily="18" charset="-127"/>
+            </a:endParaRPr>
+          </a:p>
+        </p:txBody>
+      </p:sp>
+      <p:sp>
+        <p:nvSpPr>
+          <p:cNvPr id="37" name="TextBox 36">
+            <a:extLst>
+              <a:ext uri="{FF2B5EF4-FFF2-40B4-BE49-F238E27FC236}">
+                <a16:creationId xmlns:a16="http://schemas.microsoft.com/office/drawing/2014/main" id="{6E27100A-7A12-6D47-82F3-3467BD11DADE}"/>
+              </a:ext>
+            </a:extLst>
+          </p:cNvPr>
+          <p:cNvSpPr txBox="1"/>
+          <p:nvPr/>
+        </p:nvSpPr>
+        <p:spPr>
+          <a:xfrm>
+            <a:off x="9457730" y="1909652"/>
+            <a:ext cx="1900447" cy="261610"/>
+          </a:xfrm>
+          <a:prstGeom prst="rect">
+            <a:avLst/>
+          </a:prstGeom>
+          <a:noFill/>
+        </p:spPr>
+        <p:txBody>
+          <a:bodyPr wrap="square" rtlCol="0">
+            <a:spAutoFit/>
+          </a:bodyPr>
+          <a:lstStyle/>
+          <a:p>
+            <a:pPr algn="ctr"/>
+            <a:r>
+              <a:rPr kumimoji="1" lang="en-US" altLang="ko-Kore-KR" sz="1050" dirty="0">
+                <a:solidFill>
+                  <a:srgbClr val="5DA2C5"/>
+                </a:solidFill>
+                <a:latin typeface="SHeadG" panose="02030600000101010101" pitchFamily="18" charset="-127"/>
+                <a:ea typeface="SHeadG" panose="02030600000101010101" pitchFamily="18" charset="-127"/>
+              </a:rPr>
+              <a:t>[“lowercase”]</a:t>
+            </a:r>
+            <a:endParaRPr kumimoji="1" lang="ko-Kore-KR" altLang="en-US" sz="1050" dirty="0">
+              <a:solidFill>
+                <a:srgbClr val="5DA2C5"/>
+              </a:solidFill>
+              <a:latin typeface="SHeadG" panose="02030600000101010101" pitchFamily="18" charset="-127"/>
+              <a:ea typeface="SHeadG" panose="02030600000101010101" pitchFamily="18" charset="-127"/>
+            </a:endParaRPr>
+          </a:p>
+        </p:txBody>
+      </p:sp>
+      <p:cxnSp>
+        <p:nvCxnSpPr>
+          <p:cNvPr id="4" name="꺾인 연결선[E] 3">
+            <a:extLst>
+              <a:ext uri="{FF2B5EF4-FFF2-40B4-BE49-F238E27FC236}">
+                <a16:creationId xmlns:a16="http://schemas.microsoft.com/office/drawing/2014/main" id="{913F60C3-CACF-DF44-AEA2-5EA1D2943BCB}"/>
+              </a:ext>
+            </a:extLst>
+          </p:cNvPr>
+          <p:cNvCxnSpPr>
+            <a:cxnSpLocks/>
+          </p:cNvCxnSpPr>
+          <p:nvPr/>
+        </p:nvCxnSpPr>
+        <p:spPr>
+          <a:xfrm rot="5400000" flipH="1" flipV="1">
+            <a:off x="6165125" y="-1570100"/>
+            <a:ext cx="1" cy="10775697"/>
+          </a:xfrm>
+          <a:prstGeom prst="bentConnector3">
+            <a:avLst>
+              <a:gd name="adj1" fmla="val -22860000000"/>
+            </a:avLst>
+          </a:prstGeom>
+        </p:spPr>
+        <p:style>
+          <a:lnRef idx="1">
+            <a:schemeClr val="accent1"/>
+          </a:lnRef>
+          <a:fillRef idx="0">
+            <a:schemeClr val="accent1"/>
+          </a:fillRef>
+          <a:effectRef idx="0">
+            <a:schemeClr val="accent1"/>
+          </a:effectRef>
+          <a:fontRef idx="minor">
+            <a:schemeClr val="tx1"/>
+          </a:fontRef>
+        </p:style>
+      </p:cxnSp>
+      <p:sp>
+        <p:nvSpPr>
+          <p:cNvPr id="45" name="TextBox 44">
+            <a:extLst>
+              <a:ext uri="{FF2B5EF4-FFF2-40B4-BE49-F238E27FC236}">
+                <a16:creationId xmlns:a16="http://schemas.microsoft.com/office/drawing/2014/main" id="{018B79EE-C4DD-C440-937B-AAF4D651ED2C}"/>
+              </a:ext>
+            </a:extLst>
+          </p:cNvPr>
+          <p:cNvSpPr txBox="1"/>
+          <p:nvPr/>
+        </p:nvSpPr>
+        <p:spPr>
+          <a:xfrm>
+            <a:off x="4521946" y="4255744"/>
+            <a:ext cx="3036733" cy="338554"/>
+          </a:xfrm>
+          <a:prstGeom prst="rect">
+            <a:avLst/>
+          </a:prstGeom>
+          <a:noFill/>
+        </p:spPr>
+        <p:txBody>
+          <a:bodyPr wrap="square" rtlCol="0">
+            <a:spAutoFit/>
+          </a:bodyPr>
+          <a:lstStyle/>
+          <a:p>
+            <a:pPr algn="ctr"/>
+            <a:r>
+              <a:rPr kumimoji="1" lang="en-US" altLang="ko-Kore-KR" sz="1600" b="1" dirty="0">
+                <a:solidFill>
+                  <a:srgbClr val="5DA2C5"/>
+                </a:solidFill>
+                <a:latin typeface="SHeadG" panose="02030600000101010101" pitchFamily="18" charset="-127"/>
+                <a:ea typeface="SHeadG" panose="02030600000101010101" pitchFamily="18" charset="-127"/>
+              </a:rPr>
+              <a:t>STANDARD ANALYZER</a:t>
+            </a:r>
+            <a:endParaRPr kumimoji="1" lang="ko-Kore-KR" altLang="en-US" sz="1600" b="1" dirty="0">
+              <a:solidFill>
+                <a:srgbClr val="5DA2C5"/>
+              </a:solidFill>
+              <a:latin typeface="SHeadG" panose="02030600000101010101" pitchFamily="18" charset="-127"/>
+              <a:ea typeface="SHeadG" panose="02030600000101010101" pitchFamily="18" charset="-127"/>
+            </a:endParaRPr>
+          </a:p>
+        </p:txBody>
+      </p:sp>
+    </p:spTree>
+    <p:extLst>
+      <p:ext uri="{BB962C8B-B14F-4D97-AF65-F5344CB8AC3E}">
+        <p14:creationId xmlns:p14="http://schemas.microsoft.com/office/powerpoint/2010/main" val="1011342054"/>
       </p:ext>
     </p:extLst>
   </p:cSld>
@@ -8875,6 +9795,6768 @@
 </p:sld>
 </file>
 
+<file path=ppt/slides/slide5.xml><?xml version="1.0" encoding="utf-8"?>
+<p:sld xmlns:a="http://schemas.openxmlformats.org/drawingml/2006/main" xmlns:r="http://schemas.openxmlformats.org/officeDocument/2006/relationships" xmlns:p="http://schemas.openxmlformats.org/presentationml/2006/main">
+  <p:cSld>
+    <p:spTree>
+      <p:nvGrpSpPr>
+        <p:cNvPr id="1" name=""/>
+        <p:cNvGrpSpPr/>
+        <p:nvPr/>
+      </p:nvGrpSpPr>
+      <p:grpSpPr>
+        <a:xfrm>
+          <a:off x="0" y="0"/>
+          <a:ext cx="0" cy="0"/>
+          <a:chOff x="0" y="0"/>
+          <a:chExt cx="0" cy="0"/>
+        </a:xfrm>
+      </p:grpSpPr>
+      <p:sp>
+        <p:nvSpPr>
+          <p:cNvPr id="28" name="직사각형 27">
+            <a:extLst>
+              <a:ext uri="{FF2B5EF4-FFF2-40B4-BE49-F238E27FC236}">
+                <a16:creationId xmlns:a16="http://schemas.microsoft.com/office/drawing/2014/main" id="{96F4DFD9-DB3B-4E42-AA0A-6FF750F8E725}"/>
+              </a:ext>
+            </a:extLst>
+          </p:cNvPr>
+          <p:cNvSpPr/>
+          <p:nvPr/>
+        </p:nvSpPr>
+        <p:spPr>
+          <a:xfrm>
+            <a:off x="1345233" y="1703066"/>
+            <a:ext cx="1510041" cy="926304"/>
+          </a:xfrm>
+          <a:prstGeom prst="rect">
+            <a:avLst/>
+          </a:prstGeom>
+          <a:ln w="25400">
+            <a:solidFill>
+              <a:srgbClr val="5DA2C5"/>
+            </a:solidFill>
+          </a:ln>
+        </p:spPr>
+        <p:style>
+          <a:lnRef idx="1">
+            <a:schemeClr val="accent1"/>
+          </a:lnRef>
+          <a:fillRef idx="0">
+            <a:schemeClr val="accent1"/>
+          </a:fillRef>
+          <a:effectRef idx="0">
+            <a:schemeClr val="accent1"/>
+          </a:effectRef>
+          <a:fontRef idx="minor">
+            <a:schemeClr val="tx1"/>
+          </a:fontRef>
+        </p:style>
+        <p:txBody>
+          <a:bodyPr rtlCol="0" anchor="ctr"/>
+          <a:lstStyle/>
+          <a:p>
+            <a:pPr algn="ctr"/>
+            <a:endParaRPr kumimoji="1" lang="ko-Kore-KR" altLang="en-US"/>
+          </a:p>
+        </p:txBody>
+      </p:sp>
+      <p:sp>
+        <p:nvSpPr>
+          <p:cNvPr id="29" name="TextBox 28">
+            <a:extLst>
+              <a:ext uri="{FF2B5EF4-FFF2-40B4-BE49-F238E27FC236}">
+                <a16:creationId xmlns:a16="http://schemas.microsoft.com/office/drawing/2014/main" id="{FE621992-284E-E548-920C-4342397EAA57}"/>
+              </a:ext>
+            </a:extLst>
+          </p:cNvPr>
+          <p:cNvSpPr txBox="1"/>
+          <p:nvPr/>
+        </p:nvSpPr>
+        <p:spPr>
+          <a:xfrm>
+            <a:off x="1437761" y="2027718"/>
+            <a:ext cx="1324984" cy="276999"/>
+          </a:xfrm>
+          <a:prstGeom prst="rect">
+            <a:avLst/>
+          </a:prstGeom>
+          <a:solidFill>
+            <a:srgbClr val="5DA2C5"/>
+          </a:solidFill>
+        </p:spPr>
+        <p:txBody>
+          <a:bodyPr wrap="square" rtlCol="0">
+            <a:spAutoFit/>
+          </a:bodyPr>
+          <a:lstStyle/>
+          <a:p>
+            <a:pPr algn="ctr"/>
+            <a:r>
+              <a:rPr kumimoji="1" lang="en-US" altLang="ko-Kore-KR" sz="1200" b="1" dirty="0">
+                <a:solidFill>
+                  <a:schemeClr val="bg1"/>
+                </a:solidFill>
+                <a:latin typeface="SHeadG" panose="02030600000101010101" pitchFamily="18" charset="-127"/>
+                <a:ea typeface="SHeadG" panose="02030600000101010101" pitchFamily="18" charset="-127"/>
+              </a:rPr>
+              <a:t>Visitor A</a:t>
+            </a:r>
+            <a:endParaRPr kumimoji="1" lang="ko-Kore-KR" altLang="en-US" sz="1200" b="1" dirty="0">
+              <a:solidFill>
+                <a:schemeClr val="bg1"/>
+              </a:solidFill>
+              <a:latin typeface="SHeadG" panose="02030600000101010101" pitchFamily="18" charset="-127"/>
+              <a:ea typeface="SHeadG" panose="02030600000101010101" pitchFamily="18" charset="-127"/>
+            </a:endParaRPr>
+          </a:p>
+        </p:txBody>
+      </p:sp>
+      <p:grpSp>
+        <p:nvGrpSpPr>
+          <p:cNvPr id="9" name="그룹 8">
+            <a:extLst>
+              <a:ext uri="{FF2B5EF4-FFF2-40B4-BE49-F238E27FC236}">
+                <a16:creationId xmlns:a16="http://schemas.microsoft.com/office/drawing/2014/main" id="{9314EC1A-B544-7448-ABA4-D56FA39B51D3}"/>
+              </a:ext>
+            </a:extLst>
+          </p:cNvPr>
+          <p:cNvGrpSpPr/>
+          <p:nvPr/>
+        </p:nvGrpSpPr>
+        <p:grpSpPr>
+          <a:xfrm>
+            <a:off x="3188931" y="1496195"/>
+            <a:ext cx="1617043" cy="1617043"/>
+            <a:chOff x="3188931" y="1496195"/>
+            <a:chExt cx="1617043" cy="1617043"/>
+          </a:xfrm>
+        </p:grpSpPr>
+        <p:pic>
+          <p:nvPicPr>
+            <p:cNvPr id="3" name="그림 2">
+              <a:extLst>
+                <a:ext uri="{FF2B5EF4-FFF2-40B4-BE49-F238E27FC236}">
+                  <a16:creationId xmlns:a16="http://schemas.microsoft.com/office/drawing/2014/main" id="{2ACD835C-0C4A-A646-B468-6CE02778F2F8}"/>
+                </a:ext>
+              </a:extLst>
+            </p:cNvPr>
+            <p:cNvPicPr>
+              <a:picLocks noChangeAspect="1"/>
+            </p:cNvPicPr>
+            <p:nvPr/>
+          </p:nvPicPr>
+          <p:blipFill>
+            <a:blip r:embed="rId2"/>
+            <a:stretch>
+              <a:fillRect/>
+            </a:stretch>
+          </p:blipFill>
+          <p:spPr>
+            <a:xfrm>
+              <a:off x="3188931" y="1496195"/>
+              <a:ext cx="1617043" cy="1617043"/>
+            </a:xfrm>
+            <a:prstGeom prst="rect">
+              <a:avLst/>
+            </a:prstGeom>
+          </p:spPr>
+        </p:pic>
+        <p:sp>
+          <p:nvSpPr>
+            <p:cNvPr id="5" name="TextBox 4">
+              <a:extLst>
+                <a:ext uri="{FF2B5EF4-FFF2-40B4-BE49-F238E27FC236}">
+                  <a16:creationId xmlns:a16="http://schemas.microsoft.com/office/drawing/2014/main" id="{715FA731-ED3A-244C-96C8-E964B15E11E5}"/>
+                </a:ext>
+              </a:extLst>
+            </p:cNvPr>
+            <p:cNvSpPr txBox="1"/>
+            <p:nvPr/>
+          </p:nvSpPr>
+          <p:spPr>
+            <a:xfrm>
+              <a:off x="3461512" y="2130584"/>
+              <a:ext cx="1010805" cy="584775"/>
+            </a:xfrm>
+            <a:prstGeom prst="rect">
+              <a:avLst/>
+            </a:prstGeom>
+            <a:noFill/>
+          </p:spPr>
+          <p:txBody>
+            <a:bodyPr wrap="square" rtlCol="0">
+              <a:spAutoFit/>
+            </a:bodyPr>
+            <a:lstStyle/>
+            <a:p>
+              <a:r>
+                <a:rPr kumimoji="1" lang="en-US" altLang="ko-Kore-KR" sz="800" b="1" dirty="0">
+                  <a:solidFill>
+                    <a:srgbClr val="0070C0"/>
+                  </a:solidFill>
+                  <a:latin typeface="SHeadG" panose="02030600000101010101" pitchFamily="18" charset="-127"/>
+                  <a:ea typeface="SHeadG" panose="02030600000101010101" pitchFamily="18" charset="-127"/>
+                </a:rPr>
+                <a:t>{</a:t>
+              </a:r>
+            </a:p>
+            <a:p>
+              <a:r>
+                <a:rPr kumimoji="1" lang="en-US" altLang="ko-Kore-KR" sz="800" b="1" dirty="0">
+                  <a:solidFill>
+                    <a:srgbClr val="0070C0"/>
+                  </a:solidFill>
+                  <a:latin typeface="SHeadG" panose="02030600000101010101" pitchFamily="18" charset="-127"/>
+                  <a:ea typeface="SHeadG" panose="02030600000101010101" pitchFamily="18" charset="-127"/>
+                </a:rPr>
+                <a:t>  “price”: 99,</a:t>
+              </a:r>
+            </a:p>
+            <a:p>
+              <a:r>
+                <a:rPr kumimoji="1" lang="en-US" altLang="ko-Kore-KR" sz="800" b="1" dirty="0">
+                  <a:solidFill>
+                    <a:srgbClr val="0070C0"/>
+                  </a:solidFill>
+                  <a:latin typeface="SHeadG" panose="02030600000101010101" pitchFamily="18" charset="-127"/>
+                  <a:ea typeface="SHeadG" panose="02030600000101010101" pitchFamily="18" charset="-127"/>
+                </a:rPr>
+                <a:t>  “</a:t>
+              </a:r>
+              <a:r>
+                <a:rPr kumimoji="1" lang="en-US" altLang="ko-Kore-KR" sz="800" b="1" dirty="0" err="1">
+                  <a:solidFill>
+                    <a:srgbClr val="0070C0"/>
+                  </a:solidFill>
+                  <a:latin typeface="SHeadG" panose="02030600000101010101" pitchFamily="18" charset="-127"/>
+                  <a:ea typeface="SHeadG" panose="02030600000101010101" pitchFamily="18" charset="-127"/>
+                </a:rPr>
+                <a:t>in_stock</a:t>
+              </a:r>
+              <a:r>
+                <a:rPr kumimoji="1" lang="en-US" altLang="ko-Kore-KR" sz="800" b="1" dirty="0">
+                  <a:solidFill>
+                    <a:srgbClr val="0070C0"/>
+                  </a:solidFill>
+                  <a:latin typeface="SHeadG" panose="02030600000101010101" pitchFamily="18" charset="-127"/>
+                  <a:ea typeface="SHeadG" panose="02030600000101010101" pitchFamily="18" charset="-127"/>
+                </a:rPr>
+                <a:t>”: 6</a:t>
+              </a:r>
+            </a:p>
+            <a:p>
+              <a:r>
+                <a:rPr kumimoji="1" lang="en-US" altLang="ko-Kore-KR" sz="800" b="1" dirty="0">
+                  <a:solidFill>
+                    <a:srgbClr val="0070C0"/>
+                  </a:solidFill>
+                  <a:latin typeface="SHeadG" panose="02030600000101010101" pitchFamily="18" charset="-127"/>
+                  <a:ea typeface="SHeadG" panose="02030600000101010101" pitchFamily="18" charset="-127"/>
+                </a:rPr>
+                <a:t>}</a:t>
+              </a:r>
+              <a:endParaRPr kumimoji="1" lang="ko-Kore-KR" altLang="en-US" sz="800" b="1" dirty="0">
+                <a:solidFill>
+                  <a:srgbClr val="0070C0"/>
+                </a:solidFill>
+                <a:latin typeface="SHeadG" panose="02030600000101010101" pitchFamily="18" charset="-127"/>
+                <a:ea typeface="SHeadG" panose="02030600000101010101" pitchFamily="18" charset="-127"/>
+              </a:endParaRPr>
+            </a:p>
+          </p:txBody>
+        </p:sp>
+      </p:grpSp>
+      <p:pic>
+        <p:nvPicPr>
+          <p:cNvPr id="1026" name="Picture 2" descr="elasticsearch icon">
+            <a:extLst>
+              <a:ext uri="{FF2B5EF4-FFF2-40B4-BE49-F238E27FC236}">
+                <a16:creationId xmlns:a16="http://schemas.microsoft.com/office/drawing/2014/main" id="{5FDFAC07-DF53-A940-AA94-86F641E09C23}"/>
+              </a:ext>
+            </a:extLst>
+          </p:cNvPr>
+          <p:cNvPicPr>
+            <a:picLocks noChangeAspect="1" noChangeArrowheads="1"/>
+          </p:cNvPicPr>
+          <p:nvPr/>
+        </p:nvPicPr>
+        <p:blipFill>
+          <a:blip r:embed="rId3">
+            <a:extLst>
+              <a:ext uri="{28A0092B-C50C-407E-A947-70E740481C1C}">
+                <a14:useLocalDpi xmlns:a14="http://schemas.microsoft.com/office/drawing/2010/main" val="0"/>
+              </a:ext>
+            </a:extLst>
+          </a:blip>
+          <a:srcRect/>
+          <a:stretch>
+            <a:fillRect/>
+          </a:stretch>
+        </p:blipFill>
+        <p:spPr bwMode="auto">
+          <a:xfrm>
+            <a:off x="8194548" y="2869248"/>
+            <a:ext cx="1600200" cy="1600200"/>
+          </a:xfrm>
+          <a:prstGeom prst="rect">
+            <a:avLst/>
+          </a:prstGeom>
+          <a:noFill/>
+          <a:extLst>
+            <a:ext uri="{909E8E84-426E-40DD-AFC4-6F175D3DCCD1}">
+              <a14:hiddenFill xmlns:a14="http://schemas.microsoft.com/office/drawing/2010/main">
+                <a:solidFill>
+                  <a:srgbClr val="FFFFFF"/>
+                </a:solidFill>
+              </a14:hiddenFill>
+            </a:ext>
+          </a:extLst>
+        </p:spPr>
+      </p:pic>
+      <p:cxnSp>
+        <p:nvCxnSpPr>
+          <p:cNvPr id="35" name="직선 화살표 연결선 34">
+            <a:extLst>
+              <a:ext uri="{FF2B5EF4-FFF2-40B4-BE49-F238E27FC236}">
+                <a16:creationId xmlns:a16="http://schemas.microsoft.com/office/drawing/2014/main" id="{1EA00ACF-32D0-E34F-A134-904CC5B33E6C}"/>
+              </a:ext>
+            </a:extLst>
+          </p:cNvPr>
+          <p:cNvCxnSpPr>
+            <a:cxnSpLocks/>
+            <a:endCxn id="3" idx="3"/>
+          </p:cNvCxnSpPr>
+          <p:nvPr/>
+        </p:nvCxnSpPr>
+        <p:spPr>
+          <a:xfrm flipH="1" flipV="1">
+            <a:off x="4805974" y="2304717"/>
+            <a:ext cx="3333418" cy="680506"/>
+          </a:xfrm>
+          <a:prstGeom prst="straightConnector1">
+            <a:avLst/>
+          </a:prstGeom>
+          <a:ln w="25400">
+            <a:solidFill>
+              <a:srgbClr val="5DA2C5"/>
+            </a:solidFill>
+            <a:tailEnd type="stealth" w="lg" len="lg"/>
+          </a:ln>
+        </p:spPr>
+        <p:style>
+          <a:lnRef idx="1">
+            <a:schemeClr val="accent1"/>
+          </a:lnRef>
+          <a:fillRef idx="0">
+            <a:schemeClr val="accent1"/>
+          </a:fillRef>
+          <a:effectRef idx="0">
+            <a:schemeClr val="accent1"/>
+          </a:effectRef>
+          <a:fontRef idx="minor">
+            <a:schemeClr val="tx1"/>
+          </a:fontRef>
+        </p:style>
+      </p:cxnSp>
+      <p:sp>
+        <p:nvSpPr>
+          <p:cNvPr id="40" name="TextBox 39">
+            <a:extLst>
+              <a:ext uri="{FF2B5EF4-FFF2-40B4-BE49-F238E27FC236}">
+                <a16:creationId xmlns:a16="http://schemas.microsoft.com/office/drawing/2014/main" id="{EB4A030F-ACAE-FF4E-90A1-A1AADAA4BD2C}"/>
+              </a:ext>
+            </a:extLst>
+          </p:cNvPr>
+          <p:cNvSpPr txBox="1"/>
+          <p:nvPr/>
+        </p:nvSpPr>
+        <p:spPr>
+          <a:xfrm rot="647374">
+            <a:off x="5667996" y="2714606"/>
+            <a:ext cx="1510041" cy="276999"/>
+          </a:xfrm>
+          <a:prstGeom prst="rect">
+            <a:avLst/>
+          </a:prstGeom>
+          <a:noFill/>
+        </p:spPr>
+        <p:txBody>
+          <a:bodyPr wrap="square" rtlCol="0">
+            <a:spAutoFit/>
+          </a:bodyPr>
+          <a:lstStyle/>
+          <a:p>
+            <a:pPr algn="ctr"/>
+            <a:r>
+              <a:rPr kumimoji="1" lang="en" altLang="ko-Kore-KR" sz="1200" b="1" dirty="0">
+                <a:solidFill>
+                  <a:srgbClr val="5DA2C5"/>
+                </a:solidFill>
+                <a:latin typeface="SHeadG" panose="02030600000101010101" pitchFamily="18" charset="-127"/>
+                <a:ea typeface="SHeadG" panose="02030600000101010101" pitchFamily="18" charset="-127"/>
+              </a:rPr>
+              <a:t>1. Product</a:t>
+            </a:r>
+            <a:r>
+              <a:rPr kumimoji="1" lang="ko-KR" altLang="en-US" sz="1200" b="1" dirty="0">
+                <a:solidFill>
+                  <a:srgbClr val="5DA2C5"/>
+                </a:solidFill>
+                <a:latin typeface="SHeadG" panose="02030600000101010101" pitchFamily="18" charset="-127"/>
+                <a:ea typeface="SHeadG" panose="02030600000101010101" pitchFamily="18" charset="-127"/>
+              </a:rPr>
+              <a:t> 조회</a:t>
+            </a:r>
+            <a:endParaRPr kumimoji="1" lang="ko-Kore-KR" altLang="en-US" sz="1200" b="1" dirty="0">
+              <a:solidFill>
+                <a:srgbClr val="5DA2C5"/>
+              </a:solidFill>
+              <a:latin typeface="SHeadG" panose="02030600000101010101" pitchFamily="18" charset="-127"/>
+              <a:ea typeface="SHeadG" panose="02030600000101010101" pitchFamily="18" charset="-127"/>
+            </a:endParaRPr>
+          </a:p>
+        </p:txBody>
+      </p:sp>
+      <p:sp>
+        <p:nvSpPr>
+          <p:cNvPr id="42" name="직사각형 41">
+            <a:extLst>
+              <a:ext uri="{FF2B5EF4-FFF2-40B4-BE49-F238E27FC236}">
+                <a16:creationId xmlns:a16="http://schemas.microsoft.com/office/drawing/2014/main" id="{1D9EC43C-1854-154D-B359-D6DC2554A136}"/>
+              </a:ext>
+            </a:extLst>
+          </p:cNvPr>
+          <p:cNvSpPr/>
+          <p:nvPr/>
+        </p:nvSpPr>
+        <p:spPr>
+          <a:xfrm>
+            <a:off x="1345233" y="4123178"/>
+            <a:ext cx="1510041" cy="926304"/>
+          </a:xfrm>
+          <a:prstGeom prst="rect">
+            <a:avLst/>
+          </a:prstGeom>
+          <a:ln w="25400">
+            <a:solidFill>
+              <a:srgbClr val="5DA2C5"/>
+            </a:solidFill>
+          </a:ln>
+        </p:spPr>
+        <p:style>
+          <a:lnRef idx="1">
+            <a:schemeClr val="accent1"/>
+          </a:lnRef>
+          <a:fillRef idx="0">
+            <a:schemeClr val="accent1"/>
+          </a:fillRef>
+          <a:effectRef idx="0">
+            <a:schemeClr val="accent1"/>
+          </a:effectRef>
+          <a:fontRef idx="minor">
+            <a:schemeClr val="tx1"/>
+          </a:fontRef>
+        </p:style>
+        <p:txBody>
+          <a:bodyPr rtlCol="0" anchor="ctr"/>
+          <a:lstStyle/>
+          <a:p>
+            <a:pPr algn="ctr"/>
+            <a:endParaRPr kumimoji="1" lang="ko-Kore-KR" altLang="en-US"/>
+          </a:p>
+        </p:txBody>
+      </p:sp>
+      <p:sp>
+        <p:nvSpPr>
+          <p:cNvPr id="44" name="TextBox 43">
+            <a:extLst>
+              <a:ext uri="{FF2B5EF4-FFF2-40B4-BE49-F238E27FC236}">
+                <a16:creationId xmlns:a16="http://schemas.microsoft.com/office/drawing/2014/main" id="{5FE56DED-3BA2-F448-8EDF-7036B8FA9FBC}"/>
+              </a:ext>
+            </a:extLst>
+          </p:cNvPr>
+          <p:cNvSpPr txBox="1"/>
+          <p:nvPr/>
+        </p:nvSpPr>
+        <p:spPr>
+          <a:xfrm>
+            <a:off x="1437761" y="4447830"/>
+            <a:ext cx="1324984" cy="276999"/>
+          </a:xfrm>
+          <a:prstGeom prst="rect">
+            <a:avLst/>
+          </a:prstGeom>
+          <a:solidFill>
+            <a:srgbClr val="5DA2C5"/>
+          </a:solidFill>
+        </p:spPr>
+        <p:txBody>
+          <a:bodyPr wrap="square" rtlCol="0">
+            <a:spAutoFit/>
+          </a:bodyPr>
+          <a:lstStyle/>
+          <a:p>
+            <a:pPr algn="ctr"/>
+            <a:r>
+              <a:rPr kumimoji="1" lang="en-US" altLang="ko-Kore-KR" sz="1200" b="1" dirty="0">
+                <a:solidFill>
+                  <a:schemeClr val="bg1"/>
+                </a:solidFill>
+                <a:latin typeface="SHeadG" panose="02030600000101010101" pitchFamily="18" charset="-127"/>
+                <a:ea typeface="SHeadG" panose="02030600000101010101" pitchFamily="18" charset="-127"/>
+              </a:rPr>
+              <a:t>Visitor B</a:t>
+            </a:r>
+            <a:endParaRPr kumimoji="1" lang="ko-Kore-KR" altLang="en-US" sz="1200" b="1" dirty="0">
+              <a:solidFill>
+                <a:schemeClr val="bg1"/>
+              </a:solidFill>
+              <a:latin typeface="SHeadG" panose="02030600000101010101" pitchFamily="18" charset="-127"/>
+              <a:ea typeface="SHeadG" panose="02030600000101010101" pitchFamily="18" charset="-127"/>
+            </a:endParaRPr>
+          </a:p>
+        </p:txBody>
+      </p:sp>
+      <p:grpSp>
+        <p:nvGrpSpPr>
+          <p:cNvPr id="45" name="그룹 44">
+            <a:extLst>
+              <a:ext uri="{FF2B5EF4-FFF2-40B4-BE49-F238E27FC236}">
+                <a16:creationId xmlns:a16="http://schemas.microsoft.com/office/drawing/2014/main" id="{B2B8C8C6-2D16-F943-AE4B-6D04D8BC955A}"/>
+              </a:ext>
+            </a:extLst>
+          </p:cNvPr>
+          <p:cNvGrpSpPr/>
+          <p:nvPr/>
+        </p:nvGrpSpPr>
+        <p:grpSpPr>
+          <a:xfrm>
+            <a:off x="3188931" y="3916307"/>
+            <a:ext cx="1617043" cy="1617043"/>
+            <a:chOff x="3188931" y="1496195"/>
+            <a:chExt cx="1617043" cy="1617043"/>
+          </a:xfrm>
+        </p:grpSpPr>
+        <p:pic>
+          <p:nvPicPr>
+            <p:cNvPr id="46" name="그림 45">
+              <a:extLst>
+                <a:ext uri="{FF2B5EF4-FFF2-40B4-BE49-F238E27FC236}">
+                  <a16:creationId xmlns:a16="http://schemas.microsoft.com/office/drawing/2014/main" id="{E698D69B-BAB0-594A-87E9-CD5781FB208C}"/>
+                </a:ext>
+              </a:extLst>
+            </p:cNvPr>
+            <p:cNvPicPr>
+              <a:picLocks noChangeAspect="1"/>
+            </p:cNvPicPr>
+            <p:nvPr/>
+          </p:nvPicPr>
+          <p:blipFill>
+            <a:blip r:embed="rId2"/>
+            <a:stretch>
+              <a:fillRect/>
+            </a:stretch>
+          </p:blipFill>
+          <p:spPr>
+            <a:xfrm>
+              <a:off x="3188931" y="1496195"/>
+              <a:ext cx="1617043" cy="1617043"/>
+            </a:xfrm>
+            <a:prstGeom prst="rect">
+              <a:avLst/>
+            </a:prstGeom>
+          </p:spPr>
+        </p:pic>
+        <p:sp>
+          <p:nvSpPr>
+            <p:cNvPr id="47" name="TextBox 46">
+              <a:extLst>
+                <a:ext uri="{FF2B5EF4-FFF2-40B4-BE49-F238E27FC236}">
+                  <a16:creationId xmlns:a16="http://schemas.microsoft.com/office/drawing/2014/main" id="{845E82BE-CC32-8D42-B818-02A6703A3E40}"/>
+                </a:ext>
+              </a:extLst>
+            </p:cNvPr>
+            <p:cNvSpPr txBox="1"/>
+            <p:nvPr/>
+          </p:nvSpPr>
+          <p:spPr>
+            <a:xfrm>
+              <a:off x="3461512" y="2130584"/>
+              <a:ext cx="1010805" cy="584775"/>
+            </a:xfrm>
+            <a:prstGeom prst="rect">
+              <a:avLst/>
+            </a:prstGeom>
+            <a:noFill/>
+          </p:spPr>
+          <p:txBody>
+            <a:bodyPr wrap="square" rtlCol="0">
+              <a:spAutoFit/>
+            </a:bodyPr>
+            <a:lstStyle/>
+            <a:p>
+              <a:r>
+                <a:rPr kumimoji="1" lang="en-US" altLang="ko-Kore-KR" sz="800" b="1" dirty="0">
+                  <a:solidFill>
+                    <a:srgbClr val="0070C0"/>
+                  </a:solidFill>
+                  <a:latin typeface="SHeadG" panose="02030600000101010101" pitchFamily="18" charset="-127"/>
+                  <a:ea typeface="SHeadG" panose="02030600000101010101" pitchFamily="18" charset="-127"/>
+                </a:rPr>
+                <a:t>{</a:t>
+              </a:r>
+            </a:p>
+            <a:p>
+              <a:r>
+                <a:rPr kumimoji="1" lang="en-US" altLang="ko-Kore-KR" sz="800" b="1" dirty="0">
+                  <a:solidFill>
+                    <a:srgbClr val="0070C0"/>
+                  </a:solidFill>
+                  <a:latin typeface="SHeadG" panose="02030600000101010101" pitchFamily="18" charset="-127"/>
+                  <a:ea typeface="SHeadG" panose="02030600000101010101" pitchFamily="18" charset="-127"/>
+                </a:rPr>
+                <a:t>  “price”: 99,</a:t>
+              </a:r>
+            </a:p>
+            <a:p>
+              <a:r>
+                <a:rPr kumimoji="1" lang="en-US" altLang="ko-Kore-KR" sz="800" b="1" dirty="0">
+                  <a:solidFill>
+                    <a:srgbClr val="0070C0"/>
+                  </a:solidFill>
+                  <a:latin typeface="SHeadG" panose="02030600000101010101" pitchFamily="18" charset="-127"/>
+                  <a:ea typeface="SHeadG" panose="02030600000101010101" pitchFamily="18" charset="-127"/>
+                </a:rPr>
+                <a:t>  “</a:t>
+              </a:r>
+              <a:r>
+                <a:rPr kumimoji="1" lang="en-US" altLang="ko-Kore-KR" sz="800" b="1" dirty="0" err="1">
+                  <a:solidFill>
+                    <a:srgbClr val="0070C0"/>
+                  </a:solidFill>
+                  <a:latin typeface="SHeadG" panose="02030600000101010101" pitchFamily="18" charset="-127"/>
+                  <a:ea typeface="SHeadG" panose="02030600000101010101" pitchFamily="18" charset="-127"/>
+                </a:rPr>
+                <a:t>in_stock</a:t>
+              </a:r>
+              <a:r>
+                <a:rPr kumimoji="1" lang="en-US" altLang="ko-Kore-KR" sz="800" b="1" dirty="0">
+                  <a:solidFill>
+                    <a:srgbClr val="0070C0"/>
+                  </a:solidFill>
+                  <a:latin typeface="SHeadG" panose="02030600000101010101" pitchFamily="18" charset="-127"/>
+                  <a:ea typeface="SHeadG" panose="02030600000101010101" pitchFamily="18" charset="-127"/>
+                </a:rPr>
+                <a:t>”: 6</a:t>
+              </a:r>
+            </a:p>
+            <a:p>
+              <a:r>
+                <a:rPr kumimoji="1" lang="en-US" altLang="ko-Kore-KR" sz="800" b="1" dirty="0">
+                  <a:solidFill>
+                    <a:srgbClr val="0070C0"/>
+                  </a:solidFill>
+                  <a:latin typeface="SHeadG" panose="02030600000101010101" pitchFamily="18" charset="-127"/>
+                  <a:ea typeface="SHeadG" panose="02030600000101010101" pitchFamily="18" charset="-127"/>
+                </a:rPr>
+                <a:t>}</a:t>
+              </a:r>
+              <a:endParaRPr kumimoji="1" lang="ko-Kore-KR" altLang="en-US" sz="800" b="1" dirty="0">
+                <a:solidFill>
+                  <a:srgbClr val="0070C0"/>
+                </a:solidFill>
+                <a:latin typeface="SHeadG" panose="02030600000101010101" pitchFamily="18" charset="-127"/>
+                <a:ea typeface="SHeadG" panose="02030600000101010101" pitchFamily="18" charset="-127"/>
+              </a:endParaRPr>
+            </a:p>
+          </p:txBody>
+        </p:sp>
+      </p:grpSp>
+      <p:cxnSp>
+        <p:nvCxnSpPr>
+          <p:cNvPr id="50" name="직선 화살표 연결선 49">
+            <a:extLst>
+              <a:ext uri="{FF2B5EF4-FFF2-40B4-BE49-F238E27FC236}">
+                <a16:creationId xmlns:a16="http://schemas.microsoft.com/office/drawing/2014/main" id="{36210ADC-7BFC-6340-B691-8CD965A4FE74}"/>
+              </a:ext>
+            </a:extLst>
+          </p:cNvPr>
+          <p:cNvCxnSpPr>
+            <a:cxnSpLocks/>
+          </p:cNvCxnSpPr>
+          <p:nvPr/>
+        </p:nvCxnSpPr>
+        <p:spPr>
+          <a:xfrm flipH="1">
+            <a:off x="4763181" y="3824253"/>
+            <a:ext cx="3278262" cy="710613"/>
+          </a:xfrm>
+          <a:prstGeom prst="straightConnector1">
+            <a:avLst/>
+          </a:prstGeom>
+          <a:ln w="25400">
+            <a:solidFill>
+              <a:srgbClr val="5DA2C5"/>
+            </a:solidFill>
+            <a:tailEnd type="stealth" w="lg" len="lg"/>
+          </a:ln>
+        </p:spPr>
+        <p:style>
+          <a:lnRef idx="1">
+            <a:schemeClr val="accent1"/>
+          </a:lnRef>
+          <a:fillRef idx="0">
+            <a:schemeClr val="accent1"/>
+          </a:fillRef>
+          <a:effectRef idx="0">
+            <a:schemeClr val="accent1"/>
+          </a:effectRef>
+          <a:fontRef idx="minor">
+            <a:schemeClr val="tx1"/>
+          </a:fontRef>
+        </p:style>
+      </p:cxnSp>
+      <p:sp>
+        <p:nvSpPr>
+          <p:cNvPr id="51" name="TextBox 50">
+            <a:extLst>
+              <a:ext uri="{FF2B5EF4-FFF2-40B4-BE49-F238E27FC236}">
+                <a16:creationId xmlns:a16="http://schemas.microsoft.com/office/drawing/2014/main" id="{BDDBCA92-8C43-9E4E-A2C8-329EF6EDA2CB}"/>
+              </a:ext>
+            </a:extLst>
+          </p:cNvPr>
+          <p:cNvSpPr txBox="1"/>
+          <p:nvPr/>
+        </p:nvSpPr>
+        <p:spPr>
+          <a:xfrm rot="20780329">
+            <a:off x="5505821" y="3888551"/>
+            <a:ext cx="1510041" cy="276999"/>
+          </a:xfrm>
+          <a:prstGeom prst="rect">
+            <a:avLst/>
+          </a:prstGeom>
+          <a:noFill/>
+        </p:spPr>
+        <p:txBody>
+          <a:bodyPr wrap="square" rtlCol="0">
+            <a:spAutoFit/>
+          </a:bodyPr>
+          <a:lstStyle/>
+          <a:p>
+            <a:pPr algn="ctr"/>
+            <a:r>
+              <a:rPr kumimoji="1" lang="en-US" altLang="ko-KR" sz="1200" b="1" dirty="0">
+                <a:solidFill>
+                  <a:srgbClr val="5DA2C5"/>
+                </a:solidFill>
+                <a:latin typeface="SHeadG" panose="02030600000101010101" pitchFamily="18" charset="-127"/>
+                <a:ea typeface="SHeadG" panose="02030600000101010101" pitchFamily="18" charset="-127"/>
+              </a:rPr>
+              <a:t>2</a:t>
+            </a:r>
+            <a:r>
+              <a:rPr kumimoji="1" lang="en" altLang="ko-Kore-KR" sz="1200" b="1" dirty="0">
+                <a:solidFill>
+                  <a:srgbClr val="5DA2C5"/>
+                </a:solidFill>
+                <a:latin typeface="SHeadG" panose="02030600000101010101" pitchFamily="18" charset="-127"/>
+                <a:ea typeface="SHeadG" panose="02030600000101010101" pitchFamily="18" charset="-127"/>
+              </a:rPr>
+              <a:t>. Product</a:t>
+            </a:r>
+            <a:r>
+              <a:rPr kumimoji="1" lang="ko-KR" altLang="en-US" sz="1200" b="1" dirty="0">
+                <a:solidFill>
+                  <a:srgbClr val="5DA2C5"/>
+                </a:solidFill>
+                <a:latin typeface="SHeadG" panose="02030600000101010101" pitchFamily="18" charset="-127"/>
+                <a:ea typeface="SHeadG" panose="02030600000101010101" pitchFamily="18" charset="-127"/>
+              </a:rPr>
+              <a:t> 조회</a:t>
+            </a:r>
+            <a:endParaRPr kumimoji="1" lang="ko-Kore-KR" altLang="en-US" sz="1200" b="1" dirty="0">
+              <a:solidFill>
+                <a:srgbClr val="5DA2C5"/>
+              </a:solidFill>
+              <a:latin typeface="SHeadG" panose="02030600000101010101" pitchFamily="18" charset="-127"/>
+              <a:ea typeface="SHeadG" panose="02030600000101010101" pitchFamily="18" charset="-127"/>
+            </a:endParaRPr>
+          </a:p>
+        </p:txBody>
+      </p:sp>
+      <p:cxnSp>
+        <p:nvCxnSpPr>
+          <p:cNvPr id="52" name="직선 화살표 연결선 51">
+            <a:extLst>
+              <a:ext uri="{FF2B5EF4-FFF2-40B4-BE49-F238E27FC236}">
+                <a16:creationId xmlns:a16="http://schemas.microsoft.com/office/drawing/2014/main" id="{4DCFC929-6742-7E44-B744-1ED5BF754134}"/>
+              </a:ext>
+            </a:extLst>
+          </p:cNvPr>
+          <p:cNvCxnSpPr>
+            <a:cxnSpLocks/>
+          </p:cNvCxnSpPr>
+          <p:nvPr/>
+        </p:nvCxnSpPr>
+        <p:spPr>
+          <a:xfrm flipH="1" flipV="1">
+            <a:off x="4861130" y="1985531"/>
+            <a:ext cx="3333418" cy="680506"/>
+          </a:xfrm>
+          <a:prstGeom prst="straightConnector1">
+            <a:avLst/>
+          </a:prstGeom>
+          <a:ln w="25400">
+            <a:solidFill>
+              <a:srgbClr val="5DA2C5"/>
+            </a:solidFill>
+            <a:headEnd type="stealth" w="lg" len="lg"/>
+            <a:tailEnd type="none" w="lg" len="lg"/>
+          </a:ln>
+        </p:spPr>
+        <p:style>
+          <a:lnRef idx="1">
+            <a:schemeClr val="accent1"/>
+          </a:lnRef>
+          <a:fillRef idx="0">
+            <a:schemeClr val="accent1"/>
+          </a:fillRef>
+          <a:effectRef idx="0">
+            <a:schemeClr val="accent1"/>
+          </a:effectRef>
+          <a:fontRef idx="minor">
+            <a:schemeClr val="tx1"/>
+          </a:fontRef>
+        </p:style>
+      </p:cxnSp>
+      <p:sp>
+        <p:nvSpPr>
+          <p:cNvPr id="53" name="TextBox 52">
+            <a:extLst>
+              <a:ext uri="{FF2B5EF4-FFF2-40B4-BE49-F238E27FC236}">
+                <a16:creationId xmlns:a16="http://schemas.microsoft.com/office/drawing/2014/main" id="{4EEF4420-BAC3-DB4E-A6E7-69A60DB6D5C2}"/>
+              </a:ext>
+            </a:extLst>
+          </p:cNvPr>
+          <p:cNvSpPr txBox="1"/>
+          <p:nvPr/>
+        </p:nvSpPr>
+        <p:spPr>
+          <a:xfrm rot="647374">
+            <a:off x="5637360" y="2045863"/>
+            <a:ext cx="2155822" cy="276999"/>
+          </a:xfrm>
+          <a:prstGeom prst="rect">
+            <a:avLst/>
+          </a:prstGeom>
+          <a:noFill/>
+        </p:spPr>
+        <p:txBody>
+          <a:bodyPr wrap="square" rtlCol="0">
+            <a:spAutoFit/>
+          </a:bodyPr>
+          <a:lstStyle/>
+          <a:p>
+            <a:pPr algn="ctr"/>
+            <a:r>
+              <a:rPr kumimoji="1" lang="en" altLang="ko-Kore-KR" sz="1200" b="1" dirty="0">
+                <a:solidFill>
+                  <a:srgbClr val="5DA2C5"/>
+                </a:solidFill>
+                <a:latin typeface="SHeadG" panose="02030600000101010101" pitchFamily="18" charset="-127"/>
+                <a:ea typeface="SHeadG" panose="02030600000101010101" pitchFamily="18" charset="-127"/>
+              </a:rPr>
+              <a:t>3. </a:t>
+            </a:r>
+            <a:r>
+              <a:rPr kumimoji="1" lang="en-US" altLang="ko-Kore-KR" sz="1200" b="1" dirty="0" err="1">
+                <a:solidFill>
+                  <a:srgbClr val="5DA2C5"/>
+                </a:solidFill>
+                <a:latin typeface="SHeadG" panose="02030600000101010101" pitchFamily="18" charset="-127"/>
+                <a:ea typeface="SHeadG" panose="02030600000101010101" pitchFamily="18" charset="-127"/>
+              </a:rPr>
+              <a:t>in_stock</a:t>
+            </a:r>
+            <a:r>
+              <a:rPr kumimoji="1" lang="ko-KR" altLang="en-US" sz="1200" b="1" dirty="0">
+                <a:solidFill>
+                  <a:srgbClr val="5DA2C5"/>
+                </a:solidFill>
+                <a:latin typeface="SHeadG" panose="02030600000101010101" pitchFamily="18" charset="-127"/>
+                <a:ea typeface="SHeadG" panose="02030600000101010101" pitchFamily="18" charset="-127"/>
+              </a:rPr>
+              <a:t>을 </a:t>
+            </a:r>
+            <a:r>
+              <a:rPr kumimoji="1" lang="en-US" altLang="ko-KR" sz="1200" b="1" dirty="0">
+                <a:solidFill>
+                  <a:srgbClr val="5DA2C5"/>
+                </a:solidFill>
+                <a:latin typeface="SHeadG" panose="02030600000101010101" pitchFamily="18" charset="-127"/>
+                <a:ea typeface="SHeadG" panose="02030600000101010101" pitchFamily="18" charset="-127"/>
+              </a:rPr>
+              <a:t>5</a:t>
+            </a:r>
+            <a:r>
+              <a:rPr kumimoji="1" lang="ko-KR" altLang="en-US" sz="1200" b="1" dirty="0">
+                <a:solidFill>
+                  <a:srgbClr val="5DA2C5"/>
+                </a:solidFill>
+                <a:latin typeface="SHeadG" panose="02030600000101010101" pitchFamily="18" charset="-127"/>
+                <a:ea typeface="SHeadG" panose="02030600000101010101" pitchFamily="18" charset="-127"/>
+              </a:rPr>
+              <a:t>로 업데이트</a:t>
+            </a:r>
+            <a:endParaRPr kumimoji="1" lang="ko-Kore-KR" altLang="en-US" sz="1200" b="1" dirty="0">
+              <a:solidFill>
+                <a:srgbClr val="5DA2C5"/>
+              </a:solidFill>
+              <a:latin typeface="SHeadG" panose="02030600000101010101" pitchFamily="18" charset="-127"/>
+              <a:ea typeface="SHeadG" panose="02030600000101010101" pitchFamily="18" charset="-127"/>
+            </a:endParaRPr>
+          </a:p>
+        </p:txBody>
+      </p:sp>
+      <p:cxnSp>
+        <p:nvCxnSpPr>
+          <p:cNvPr id="54" name="직선 화살표 연결선 53">
+            <a:extLst>
+              <a:ext uri="{FF2B5EF4-FFF2-40B4-BE49-F238E27FC236}">
+                <a16:creationId xmlns:a16="http://schemas.microsoft.com/office/drawing/2014/main" id="{D4A77269-E564-BF41-AA84-FE0D070DB614}"/>
+              </a:ext>
+            </a:extLst>
+          </p:cNvPr>
+          <p:cNvCxnSpPr>
+            <a:cxnSpLocks/>
+          </p:cNvCxnSpPr>
+          <p:nvPr/>
+        </p:nvCxnSpPr>
+        <p:spPr>
+          <a:xfrm flipH="1">
+            <a:off x="4861130" y="4082103"/>
+            <a:ext cx="3278262" cy="710613"/>
+          </a:xfrm>
+          <a:prstGeom prst="straightConnector1">
+            <a:avLst/>
+          </a:prstGeom>
+          <a:ln w="25400">
+            <a:solidFill>
+              <a:srgbClr val="5DA2C5"/>
+            </a:solidFill>
+            <a:headEnd type="stealth" w="lg" len="lg"/>
+            <a:tailEnd type="none" w="lg" len="lg"/>
+          </a:ln>
+        </p:spPr>
+        <p:style>
+          <a:lnRef idx="1">
+            <a:schemeClr val="accent1"/>
+          </a:lnRef>
+          <a:fillRef idx="0">
+            <a:schemeClr val="accent1"/>
+          </a:fillRef>
+          <a:effectRef idx="0">
+            <a:schemeClr val="accent1"/>
+          </a:effectRef>
+          <a:fontRef idx="minor">
+            <a:schemeClr val="tx1"/>
+          </a:fontRef>
+        </p:style>
+      </p:cxnSp>
+      <p:sp>
+        <p:nvSpPr>
+          <p:cNvPr id="55" name="TextBox 54">
+            <a:extLst>
+              <a:ext uri="{FF2B5EF4-FFF2-40B4-BE49-F238E27FC236}">
+                <a16:creationId xmlns:a16="http://schemas.microsoft.com/office/drawing/2014/main" id="{EC3217F5-114B-3247-B091-85D8166EE57C}"/>
+              </a:ext>
+            </a:extLst>
+          </p:cNvPr>
+          <p:cNvSpPr txBox="1"/>
+          <p:nvPr/>
+        </p:nvSpPr>
+        <p:spPr>
+          <a:xfrm rot="20780329">
+            <a:off x="5450949" y="4480479"/>
+            <a:ext cx="2098623" cy="276999"/>
+          </a:xfrm>
+          <a:prstGeom prst="rect">
+            <a:avLst/>
+          </a:prstGeom>
+          <a:noFill/>
+        </p:spPr>
+        <p:txBody>
+          <a:bodyPr wrap="square" rtlCol="0">
+            <a:spAutoFit/>
+          </a:bodyPr>
+          <a:lstStyle/>
+          <a:p>
+            <a:pPr algn="ctr"/>
+            <a:r>
+              <a:rPr kumimoji="1" lang="en-US" altLang="ko-KR" sz="1200" b="1" dirty="0">
+                <a:solidFill>
+                  <a:srgbClr val="5DA2C5"/>
+                </a:solidFill>
+                <a:latin typeface="SHeadG" panose="02030600000101010101" pitchFamily="18" charset="-127"/>
+                <a:ea typeface="SHeadG" panose="02030600000101010101" pitchFamily="18" charset="-127"/>
+              </a:rPr>
+              <a:t>4.</a:t>
+            </a:r>
+            <a:r>
+              <a:rPr kumimoji="1" lang="ko-KR" altLang="en-US" sz="1200" b="1" dirty="0">
+                <a:solidFill>
+                  <a:srgbClr val="5DA2C5"/>
+                </a:solidFill>
+                <a:latin typeface="SHeadG" panose="02030600000101010101" pitchFamily="18" charset="-127"/>
+                <a:ea typeface="SHeadG" panose="02030600000101010101" pitchFamily="18" charset="-127"/>
+              </a:rPr>
+              <a:t> </a:t>
+            </a:r>
+            <a:r>
+              <a:rPr kumimoji="1" lang="en-US" altLang="ko-KR" sz="1200" b="1" dirty="0" err="1">
+                <a:solidFill>
+                  <a:srgbClr val="5DA2C5"/>
+                </a:solidFill>
+                <a:latin typeface="SHeadG" panose="02030600000101010101" pitchFamily="18" charset="-127"/>
+                <a:ea typeface="SHeadG" panose="02030600000101010101" pitchFamily="18" charset="-127"/>
+              </a:rPr>
+              <a:t>in_stock</a:t>
+            </a:r>
+            <a:r>
+              <a:rPr kumimoji="1" lang="ko-KR" altLang="en-US" sz="1200" b="1" dirty="0">
+                <a:solidFill>
+                  <a:srgbClr val="5DA2C5"/>
+                </a:solidFill>
+                <a:latin typeface="SHeadG" panose="02030600000101010101" pitchFamily="18" charset="-127"/>
+                <a:ea typeface="SHeadG" panose="02030600000101010101" pitchFamily="18" charset="-127"/>
+              </a:rPr>
+              <a:t>을 </a:t>
+            </a:r>
+            <a:r>
+              <a:rPr kumimoji="1" lang="en-US" altLang="ko-KR" sz="1200" b="1" dirty="0">
+                <a:solidFill>
+                  <a:srgbClr val="5DA2C5"/>
+                </a:solidFill>
+                <a:latin typeface="SHeadG" panose="02030600000101010101" pitchFamily="18" charset="-127"/>
+                <a:ea typeface="SHeadG" panose="02030600000101010101" pitchFamily="18" charset="-127"/>
+              </a:rPr>
+              <a:t>5</a:t>
+            </a:r>
+            <a:r>
+              <a:rPr kumimoji="1" lang="ko-KR" altLang="en-US" sz="1200" b="1" dirty="0">
+                <a:solidFill>
+                  <a:srgbClr val="5DA2C5"/>
+                </a:solidFill>
+                <a:latin typeface="SHeadG" panose="02030600000101010101" pitchFamily="18" charset="-127"/>
+                <a:ea typeface="SHeadG" panose="02030600000101010101" pitchFamily="18" charset="-127"/>
+              </a:rPr>
+              <a:t>로 업데이트</a:t>
+            </a:r>
+            <a:endParaRPr kumimoji="1" lang="ko-Kore-KR" altLang="en-US" sz="1200" b="1" dirty="0">
+              <a:solidFill>
+                <a:srgbClr val="5DA2C5"/>
+              </a:solidFill>
+              <a:latin typeface="SHeadG" panose="02030600000101010101" pitchFamily="18" charset="-127"/>
+              <a:ea typeface="SHeadG" panose="02030600000101010101" pitchFamily="18" charset="-127"/>
+            </a:endParaRPr>
+          </a:p>
+        </p:txBody>
+      </p:sp>
+      <p:sp>
+        <p:nvSpPr>
+          <p:cNvPr id="56" name="TextBox 55">
+            <a:extLst>
+              <a:ext uri="{FF2B5EF4-FFF2-40B4-BE49-F238E27FC236}">
+                <a16:creationId xmlns:a16="http://schemas.microsoft.com/office/drawing/2014/main" id="{1198E2B8-524E-714B-A076-CC69D9565F8A}"/>
+              </a:ext>
+            </a:extLst>
+          </p:cNvPr>
+          <p:cNvSpPr txBox="1"/>
+          <p:nvPr/>
+        </p:nvSpPr>
+        <p:spPr>
+          <a:xfrm>
+            <a:off x="8239627" y="4772862"/>
+            <a:ext cx="2755207" cy="276999"/>
+          </a:xfrm>
+          <a:prstGeom prst="rect">
+            <a:avLst/>
+          </a:prstGeom>
+          <a:noFill/>
+        </p:spPr>
+        <p:txBody>
+          <a:bodyPr wrap="square" rtlCol="0">
+            <a:spAutoFit/>
+          </a:bodyPr>
+          <a:lstStyle/>
+          <a:p>
+            <a:r>
+              <a:rPr kumimoji="1" lang="en-US" altLang="ko-Kore-KR" sz="1200" b="1" dirty="0">
+                <a:solidFill>
+                  <a:srgbClr val="5DA2C5"/>
+                </a:solidFill>
+                <a:latin typeface="SHeadG" panose="02030600000101010101" pitchFamily="18" charset="-127"/>
+                <a:ea typeface="SHeadG" panose="02030600000101010101" pitchFamily="18" charset="-127"/>
+              </a:rPr>
+              <a:t>”</a:t>
+            </a:r>
+            <a:r>
+              <a:rPr kumimoji="1" lang="en-US" altLang="ko-Kore-KR" sz="1200" b="1" dirty="0" err="1">
+                <a:solidFill>
+                  <a:srgbClr val="5DA2C5"/>
+                </a:solidFill>
+                <a:latin typeface="SHeadG" panose="02030600000101010101" pitchFamily="18" charset="-127"/>
+                <a:ea typeface="SHeadG" panose="02030600000101010101" pitchFamily="18" charset="-127"/>
+              </a:rPr>
+              <a:t>in_stock</a:t>
+            </a:r>
+            <a:r>
+              <a:rPr kumimoji="1" lang="en-US" altLang="ko-Kore-KR" sz="1200" b="1" dirty="0">
+                <a:solidFill>
+                  <a:srgbClr val="5DA2C5"/>
+                </a:solidFill>
+                <a:latin typeface="SHeadG" panose="02030600000101010101" pitchFamily="18" charset="-127"/>
+                <a:ea typeface="SHeadG" panose="02030600000101010101" pitchFamily="18" charset="-127"/>
+              </a:rPr>
+              <a:t>”: 5 </a:t>
+            </a:r>
+            <a:r>
+              <a:rPr kumimoji="1" lang="en-US" altLang="ko-Kore-KR" sz="1200" b="1" dirty="0">
+                <a:solidFill>
+                  <a:srgbClr val="5DA2C5"/>
+                </a:solidFill>
+                <a:latin typeface="SHeadG" panose="02030600000101010101" pitchFamily="18" charset="-127"/>
+                <a:ea typeface="SHeadG" panose="02030600000101010101" pitchFamily="18" charset="-127"/>
+                <a:sym typeface="Wingdings" pitchFamily="2" charset="2"/>
+              </a:rPr>
+              <a:t> </a:t>
+            </a:r>
+            <a:r>
+              <a:rPr kumimoji="1" lang="ko-KR" altLang="en-US" sz="1200" b="1" dirty="0">
+                <a:solidFill>
+                  <a:srgbClr val="5DA2C5"/>
+                </a:solidFill>
+                <a:latin typeface="SHeadG" panose="02030600000101010101" pitchFamily="18" charset="-127"/>
+                <a:ea typeface="SHeadG" panose="02030600000101010101" pitchFamily="18" charset="-127"/>
+                <a:sym typeface="Wingdings" pitchFamily="2" charset="2"/>
+              </a:rPr>
+              <a:t>잘못된 값</a:t>
+            </a:r>
+            <a:endParaRPr kumimoji="1" lang="ko-Kore-KR" altLang="en-US" sz="1200" b="1" dirty="0">
+              <a:solidFill>
+                <a:srgbClr val="5DA2C5"/>
+              </a:solidFill>
+              <a:latin typeface="SHeadG" panose="02030600000101010101" pitchFamily="18" charset="-127"/>
+              <a:ea typeface="SHeadG" panose="02030600000101010101" pitchFamily="18" charset="-127"/>
+            </a:endParaRPr>
+          </a:p>
+        </p:txBody>
+      </p:sp>
+    </p:spTree>
+    <p:extLst>
+      <p:ext uri="{BB962C8B-B14F-4D97-AF65-F5344CB8AC3E}">
+        <p14:creationId xmlns:p14="http://schemas.microsoft.com/office/powerpoint/2010/main" val="3631056626"/>
+      </p:ext>
+    </p:extLst>
+  </p:cSld>
+  <p:clrMapOvr>
+    <a:masterClrMapping/>
+  </p:clrMapOvr>
+</p:sld>
+</file>
+
+<file path=ppt/slides/slide6.xml><?xml version="1.0" encoding="utf-8"?>
+<p:sld xmlns:a="http://schemas.openxmlformats.org/drawingml/2006/main" xmlns:r="http://schemas.openxmlformats.org/officeDocument/2006/relationships" xmlns:p="http://schemas.openxmlformats.org/presentationml/2006/main">
+  <p:cSld>
+    <p:spTree>
+      <p:nvGrpSpPr>
+        <p:cNvPr id="1" name=""/>
+        <p:cNvGrpSpPr/>
+        <p:nvPr/>
+      </p:nvGrpSpPr>
+      <p:grpSpPr>
+        <a:xfrm>
+          <a:off x="0" y="0"/>
+          <a:ext cx="0" cy="0"/>
+          <a:chOff x="0" y="0"/>
+          <a:chExt cx="0" cy="0"/>
+        </a:xfrm>
+      </p:grpSpPr>
+      <p:sp>
+        <p:nvSpPr>
+          <p:cNvPr id="28" name="직사각형 27">
+            <a:extLst>
+              <a:ext uri="{FF2B5EF4-FFF2-40B4-BE49-F238E27FC236}">
+                <a16:creationId xmlns:a16="http://schemas.microsoft.com/office/drawing/2014/main" id="{96F4DFD9-DB3B-4E42-AA0A-6FF750F8E725}"/>
+              </a:ext>
+            </a:extLst>
+          </p:cNvPr>
+          <p:cNvSpPr/>
+          <p:nvPr/>
+        </p:nvSpPr>
+        <p:spPr>
+          <a:xfrm>
+            <a:off x="1345233" y="1703066"/>
+            <a:ext cx="1510041" cy="926304"/>
+          </a:xfrm>
+          <a:prstGeom prst="rect">
+            <a:avLst/>
+          </a:prstGeom>
+          <a:ln w="25400">
+            <a:solidFill>
+              <a:srgbClr val="5DA2C5"/>
+            </a:solidFill>
+          </a:ln>
+        </p:spPr>
+        <p:style>
+          <a:lnRef idx="1">
+            <a:schemeClr val="accent1"/>
+          </a:lnRef>
+          <a:fillRef idx="0">
+            <a:schemeClr val="accent1"/>
+          </a:fillRef>
+          <a:effectRef idx="0">
+            <a:schemeClr val="accent1"/>
+          </a:effectRef>
+          <a:fontRef idx="minor">
+            <a:schemeClr val="tx1"/>
+          </a:fontRef>
+        </p:style>
+        <p:txBody>
+          <a:bodyPr rtlCol="0" anchor="ctr"/>
+          <a:lstStyle/>
+          <a:p>
+            <a:pPr algn="ctr"/>
+            <a:endParaRPr kumimoji="1" lang="ko-Kore-KR" altLang="en-US"/>
+          </a:p>
+        </p:txBody>
+      </p:sp>
+      <p:sp>
+        <p:nvSpPr>
+          <p:cNvPr id="29" name="TextBox 28">
+            <a:extLst>
+              <a:ext uri="{FF2B5EF4-FFF2-40B4-BE49-F238E27FC236}">
+                <a16:creationId xmlns:a16="http://schemas.microsoft.com/office/drawing/2014/main" id="{FE621992-284E-E548-920C-4342397EAA57}"/>
+              </a:ext>
+            </a:extLst>
+          </p:cNvPr>
+          <p:cNvSpPr txBox="1"/>
+          <p:nvPr/>
+        </p:nvSpPr>
+        <p:spPr>
+          <a:xfrm>
+            <a:off x="1437761" y="2027718"/>
+            <a:ext cx="1324984" cy="276999"/>
+          </a:xfrm>
+          <a:prstGeom prst="rect">
+            <a:avLst/>
+          </a:prstGeom>
+          <a:solidFill>
+            <a:srgbClr val="5DA2C5"/>
+          </a:solidFill>
+        </p:spPr>
+        <p:txBody>
+          <a:bodyPr wrap="square" rtlCol="0">
+            <a:spAutoFit/>
+          </a:bodyPr>
+          <a:lstStyle/>
+          <a:p>
+            <a:pPr algn="ctr"/>
+            <a:r>
+              <a:rPr kumimoji="1" lang="en-US" altLang="ko-Kore-KR" sz="1200" b="1" dirty="0">
+                <a:solidFill>
+                  <a:schemeClr val="bg1"/>
+                </a:solidFill>
+                <a:latin typeface="SHeadG" panose="02030600000101010101" pitchFamily="18" charset="-127"/>
+                <a:ea typeface="SHeadG" panose="02030600000101010101" pitchFamily="18" charset="-127"/>
+              </a:rPr>
+              <a:t>Visitor A</a:t>
+            </a:r>
+            <a:endParaRPr kumimoji="1" lang="ko-Kore-KR" altLang="en-US" sz="1200" b="1" dirty="0">
+              <a:solidFill>
+                <a:schemeClr val="bg1"/>
+              </a:solidFill>
+              <a:latin typeface="SHeadG" panose="02030600000101010101" pitchFamily="18" charset="-127"/>
+              <a:ea typeface="SHeadG" panose="02030600000101010101" pitchFamily="18" charset="-127"/>
+            </a:endParaRPr>
+          </a:p>
+        </p:txBody>
+      </p:sp>
+      <p:grpSp>
+        <p:nvGrpSpPr>
+          <p:cNvPr id="9" name="그룹 8">
+            <a:extLst>
+              <a:ext uri="{FF2B5EF4-FFF2-40B4-BE49-F238E27FC236}">
+                <a16:creationId xmlns:a16="http://schemas.microsoft.com/office/drawing/2014/main" id="{9314EC1A-B544-7448-ABA4-D56FA39B51D3}"/>
+              </a:ext>
+            </a:extLst>
+          </p:cNvPr>
+          <p:cNvGrpSpPr/>
+          <p:nvPr/>
+        </p:nvGrpSpPr>
+        <p:grpSpPr>
+          <a:xfrm>
+            <a:off x="3188931" y="1496195"/>
+            <a:ext cx="1617043" cy="1617043"/>
+            <a:chOff x="3188931" y="1496195"/>
+            <a:chExt cx="1617043" cy="1617043"/>
+          </a:xfrm>
+        </p:grpSpPr>
+        <p:pic>
+          <p:nvPicPr>
+            <p:cNvPr id="3" name="그림 2">
+              <a:extLst>
+                <a:ext uri="{FF2B5EF4-FFF2-40B4-BE49-F238E27FC236}">
+                  <a16:creationId xmlns:a16="http://schemas.microsoft.com/office/drawing/2014/main" id="{2ACD835C-0C4A-A646-B468-6CE02778F2F8}"/>
+                </a:ext>
+              </a:extLst>
+            </p:cNvPr>
+            <p:cNvPicPr>
+              <a:picLocks noChangeAspect="1"/>
+            </p:cNvPicPr>
+            <p:nvPr/>
+          </p:nvPicPr>
+          <p:blipFill>
+            <a:blip r:embed="rId2"/>
+            <a:stretch>
+              <a:fillRect/>
+            </a:stretch>
+          </p:blipFill>
+          <p:spPr>
+            <a:xfrm>
+              <a:off x="3188931" y="1496195"/>
+              <a:ext cx="1617043" cy="1617043"/>
+            </a:xfrm>
+            <a:prstGeom prst="rect">
+              <a:avLst/>
+            </a:prstGeom>
+          </p:spPr>
+        </p:pic>
+        <p:sp>
+          <p:nvSpPr>
+            <p:cNvPr id="5" name="TextBox 4">
+              <a:extLst>
+                <a:ext uri="{FF2B5EF4-FFF2-40B4-BE49-F238E27FC236}">
+                  <a16:creationId xmlns:a16="http://schemas.microsoft.com/office/drawing/2014/main" id="{715FA731-ED3A-244C-96C8-E964B15E11E5}"/>
+                </a:ext>
+              </a:extLst>
+            </p:cNvPr>
+            <p:cNvSpPr txBox="1"/>
+            <p:nvPr/>
+          </p:nvSpPr>
+          <p:spPr>
+            <a:xfrm>
+              <a:off x="3461512" y="2130584"/>
+              <a:ext cx="1010805" cy="584775"/>
+            </a:xfrm>
+            <a:prstGeom prst="rect">
+              <a:avLst/>
+            </a:prstGeom>
+            <a:noFill/>
+          </p:spPr>
+          <p:txBody>
+            <a:bodyPr wrap="square" rtlCol="0">
+              <a:spAutoFit/>
+            </a:bodyPr>
+            <a:lstStyle/>
+            <a:p>
+              <a:r>
+                <a:rPr kumimoji="1" lang="en-US" altLang="ko-Kore-KR" sz="800" b="1" dirty="0">
+                  <a:solidFill>
+                    <a:srgbClr val="0070C0"/>
+                  </a:solidFill>
+                  <a:latin typeface="SHeadG" panose="02030600000101010101" pitchFamily="18" charset="-127"/>
+                  <a:ea typeface="SHeadG" panose="02030600000101010101" pitchFamily="18" charset="-127"/>
+                </a:rPr>
+                <a:t>{</a:t>
+              </a:r>
+            </a:p>
+            <a:p>
+              <a:r>
+                <a:rPr kumimoji="1" lang="en-US" altLang="ko-Kore-KR" sz="800" b="1" dirty="0">
+                  <a:solidFill>
+                    <a:srgbClr val="0070C0"/>
+                  </a:solidFill>
+                  <a:latin typeface="SHeadG" panose="02030600000101010101" pitchFamily="18" charset="-127"/>
+                  <a:ea typeface="SHeadG" panose="02030600000101010101" pitchFamily="18" charset="-127"/>
+                </a:rPr>
+                <a:t>  “price”: 99,</a:t>
+              </a:r>
+            </a:p>
+            <a:p>
+              <a:r>
+                <a:rPr kumimoji="1" lang="en-US" altLang="ko-Kore-KR" sz="800" b="1" dirty="0">
+                  <a:solidFill>
+                    <a:srgbClr val="0070C0"/>
+                  </a:solidFill>
+                  <a:latin typeface="SHeadG" panose="02030600000101010101" pitchFamily="18" charset="-127"/>
+                  <a:ea typeface="SHeadG" panose="02030600000101010101" pitchFamily="18" charset="-127"/>
+                </a:rPr>
+                <a:t>  “</a:t>
+              </a:r>
+              <a:r>
+                <a:rPr kumimoji="1" lang="en-US" altLang="ko-Kore-KR" sz="800" b="1" dirty="0" err="1">
+                  <a:solidFill>
+                    <a:srgbClr val="0070C0"/>
+                  </a:solidFill>
+                  <a:latin typeface="SHeadG" panose="02030600000101010101" pitchFamily="18" charset="-127"/>
+                  <a:ea typeface="SHeadG" panose="02030600000101010101" pitchFamily="18" charset="-127"/>
+                </a:rPr>
+                <a:t>in_stock</a:t>
+              </a:r>
+              <a:r>
+                <a:rPr kumimoji="1" lang="en-US" altLang="ko-Kore-KR" sz="800" b="1" dirty="0">
+                  <a:solidFill>
+                    <a:srgbClr val="0070C0"/>
+                  </a:solidFill>
+                  <a:latin typeface="SHeadG" panose="02030600000101010101" pitchFamily="18" charset="-127"/>
+                  <a:ea typeface="SHeadG" panose="02030600000101010101" pitchFamily="18" charset="-127"/>
+                </a:rPr>
+                <a:t>”: 6</a:t>
+              </a:r>
+            </a:p>
+            <a:p>
+              <a:r>
+                <a:rPr kumimoji="1" lang="en-US" altLang="ko-Kore-KR" sz="800" b="1" dirty="0">
+                  <a:solidFill>
+                    <a:srgbClr val="0070C0"/>
+                  </a:solidFill>
+                  <a:latin typeface="SHeadG" panose="02030600000101010101" pitchFamily="18" charset="-127"/>
+                  <a:ea typeface="SHeadG" panose="02030600000101010101" pitchFamily="18" charset="-127"/>
+                </a:rPr>
+                <a:t>}</a:t>
+              </a:r>
+              <a:endParaRPr kumimoji="1" lang="ko-Kore-KR" altLang="en-US" sz="800" b="1" dirty="0">
+                <a:solidFill>
+                  <a:srgbClr val="0070C0"/>
+                </a:solidFill>
+                <a:latin typeface="SHeadG" panose="02030600000101010101" pitchFamily="18" charset="-127"/>
+                <a:ea typeface="SHeadG" panose="02030600000101010101" pitchFamily="18" charset="-127"/>
+              </a:endParaRPr>
+            </a:p>
+          </p:txBody>
+        </p:sp>
+      </p:grpSp>
+      <p:pic>
+        <p:nvPicPr>
+          <p:cNvPr id="1026" name="Picture 2" descr="elasticsearch icon">
+            <a:extLst>
+              <a:ext uri="{FF2B5EF4-FFF2-40B4-BE49-F238E27FC236}">
+                <a16:creationId xmlns:a16="http://schemas.microsoft.com/office/drawing/2014/main" id="{5FDFAC07-DF53-A940-AA94-86F641E09C23}"/>
+              </a:ext>
+            </a:extLst>
+          </p:cNvPr>
+          <p:cNvPicPr>
+            <a:picLocks noChangeAspect="1" noChangeArrowheads="1"/>
+          </p:cNvPicPr>
+          <p:nvPr/>
+        </p:nvPicPr>
+        <p:blipFill>
+          <a:blip r:embed="rId3">
+            <a:extLst>
+              <a:ext uri="{28A0092B-C50C-407E-A947-70E740481C1C}">
+                <a14:useLocalDpi xmlns:a14="http://schemas.microsoft.com/office/drawing/2010/main" val="0"/>
+              </a:ext>
+            </a:extLst>
+          </a:blip>
+          <a:srcRect/>
+          <a:stretch>
+            <a:fillRect/>
+          </a:stretch>
+        </p:blipFill>
+        <p:spPr bwMode="auto">
+          <a:xfrm>
+            <a:off x="8194548" y="2869248"/>
+            <a:ext cx="1600200" cy="1600200"/>
+          </a:xfrm>
+          <a:prstGeom prst="rect">
+            <a:avLst/>
+          </a:prstGeom>
+          <a:noFill/>
+          <a:extLst>
+            <a:ext uri="{909E8E84-426E-40DD-AFC4-6F175D3DCCD1}">
+              <a14:hiddenFill xmlns:a14="http://schemas.microsoft.com/office/drawing/2010/main">
+                <a:solidFill>
+                  <a:srgbClr val="FFFFFF"/>
+                </a:solidFill>
+              </a14:hiddenFill>
+            </a:ext>
+          </a:extLst>
+        </p:spPr>
+      </p:pic>
+      <p:cxnSp>
+        <p:nvCxnSpPr>
+          <p:cNvPr id="35" name="직선 화살표 연결선 34">
+            <a:extLst>
+              <a:ext uri="{FF2B5EF4-FFF2-40B4-BE49-F238E27FC236}">
+                <a16:creationId xmlns:a16="http://schemas.microsoft.com/office/drawing/2014/main" id="{1EA00ACF-32D0-E34F-A134-904CC5B33E6C}"/>
+              </a:ext>
+            </a:extLst>
+          </p:cNvPr>
+          <p:cNvCxnSpPr>
+            <a:cxnSpLocks/>
+            <a:endCxn id="3" idx="3"/>
+          </p:cNvCxnSpPr>
+          <p:nvPr/>
+        </p:nvCxnSpPr>
+        <p:spPr>
+          <a:xfrm flipH="1" flipV="1">
+            <a:off x="4805974" y="2304717"/>
+            <a:ext cx="3333418" cy="680506"/>
+          </a:xfrm>
+          <a:prstGeom prst="straightConnector1">
+            <a:avLst/>
+          </a:prstGeom>
+          <a:ln w="25400">
+            <a:solidFill>
+              <a:srgbClr val="5DA2C5"/>
+            </a:solidFill>
+            <a:tailEnd type="stealth" w="lg" len="lg"/>
+          </a:ln>
+        </p:spPr>
+        <p:style>
+          <a:lnRef idx="1">
+            <a:schemeClr val="accent1"/>
+          </a:lnRef>
+          <a:fillRef idx="0">
+            <a:schemeClr val="accent1"/>
+          </a:fillRef>
+          <a:effectRef idx="0">
+            <a:schemeClr val="accent1"/>
+          </a:effectRef>
+          <a:fontRef idx="minor">
+            <a:schemeClr val="tx1"/>
+          </a:fontRef>
+        </p:style>
+      </p:cxnSp>
+      <p:sp>
+        <p:nvSpPr>
+          <p:cNvPr id="40" name="TextBox 39">
+            <a:extLst>
+              <a:ext uri="{FF2B5EF4-FFF2-40B4-BE49-F238E27FC236}">
+                <a16:creationId xmlns:a16="http://schemas.microsoft.com/office/drawing/2014/main" id="{EB4A030F-ACAE-FF4E-90A1-A1AADAA4BD2C}"/>
+              </a:ext>
+            </a:extLst>
+          </p:cNvPr>
+          <p:cNvSpPr txBox="1"/>
+          <p:nvPr/>
+        </p:nvSpPr>
+        <p:spPr>
+          <a:xfrm rot="647374">
+            <a:off x="5667996" y="2714606"/>
+            <a:ext cx="1510041" cy="276999"/>
+          </a:xfrm>
+          <a:prstGeom prst="rect">
+            <a:avLst/>
+          </a:prstGeom>
+          <a:noFill/>
+        </p:spPr>
+        <p:txBody>
+          <a:bodyPr wrap="square" rtlCol="0">
+            <a:spAutoFit/>
+          </a:bodyPr>
+          <a:lstStyle/>
+          <a:p>
+            <a:pPr algn="ctr"/>
+            <a:r>
+              <a:rPr kumimoji="1" lang="en" altLang="ko-Kore-KR" sz="1200" b="1" dirty="0">
+                <a:solidFill>
+                  <a:srgbClr val="5DA2C5"/>
+                </a:solidFill>
+                <a:latin typeface="SHeadG" panose="02030600000101010101" pitchFamily="18" charset="-127"/>
+                <a:ea typeface="SHeadG" panose="02030600000101010101" pitchFamily="18" charset="-127"/>
+              </a:rPr>
+              <a:t>1. Product</a:t>
+            </a:r>
+            <a:r>
+              <a:rPr kumimoji="1" lang="ko-KR" altLang="en-US" sz="1200" b="1" dirty="0">
+                <a:solidFill>
+                  <a:srgbClr val="5DA2C5"/>
+                </a:solidFill>
+                <a:latin typeface="SHeadG" panose="02030600000101010101" pitchFamily="18" charset="-127"/>
+                <a:ea typeface="SHeadG" panose="02030600000101010101" pitchFamily="18" charset="-127"/>
+              </a:rPr>
+              <a:t> 조회</a:t>
+            </a:r>
+            <a:endParaRPr kumimoji="1" lang="ko-Kore-KR" altLang="en-US" sz="1200" b="1" dirty="0">
+              <a:solidFill>
+                <a:srgbClr val="5DA2C5"/>
+              </a:solidFill>
+              <a:latin typeface="SHeadG" panose="02030600000101010101" pitchFamily="18" charset="-127"/>
+              <a:ea typeface="SHeadG" panose="02030600000101010101" pitchFamily="18" charset="-127"/>
+            </a:endParaRPr>
+          </a:p>
+        </p:txBody>
+      </p:sp>
+      <p:sp>
+        <p:nvSpPr>
+          <p:cNvPr id="42" name="직사각형 41">
+            <a:extLst>
+              <a:ext uri="{FF2B5EF4-FFF2-40B4-BE49-F238E27FC236}">
+                <a16:creationId xmlns:a16="http://schemas.microsoft.com/office/drawing/2014/main" id="{1D9EC43C-1854-154D-B359-D6DC2554A136}"/>
+              </a:ext>
+            </a:extLst>
+          </p:cNvPr>
+          <p:cNvSpPr/>
+          <p:nvPr/>
+        </p:nvSpPr>
+        <p:spPr>
+          <a:xfrm>
+            <a:off x="1345233" y="4123178"/>
+            <a:ext cx="1510041" cy="926304"/>
+          </a:xfrm>
+          <a:prstGeom prst="rect">
+            <a:avLst/>
+          </a:prstGeom>
+          <a:ln w="25400">
+            <a:solidFill>
+              <a:srgbClr val="5DA2C5"/>
+            </a:solidFill>
+          </a:ln>
+        </p:spPr>
+        <p:style>
+          <a:lnRef idx="1">
+            <a:schemeClr val="accent1"/>
+          </a:lnRef>
+          <a:fillRef idx="0">
+            <a:schemeClr val="accent1"/>
+          </a:fillRef>
+          <a:effectRef idx="0">
+            <a:schemeClr val="accent1"/>
+          </a:effectRef>
+          <a:fontRef idx="minor">
+            <a:schemeClr val="tx1"/>
+          </a:fontRef>
+        </p:style>
+        <p:txBody>
+          <a:bodyPr rtlCol="0" anchor="ctr"/>
+          <a:lstStyle/>
+          <a:p>
+            <a:pPr algn="ctr"/>
+            <a:endParaRPr kumimoji="1" lang="ko-Kore-KR" altLang="en-US"/>
+          </a:p>
+        </p:txBody>
+      </p:sp>
+      <p:sp>
+        <p:nvSpPr>
+          <p:cNvPr id="44" name="TextBox 43">
+            <a:extLst>
+              <a:ext uri="{FF2B5EF4-FFF2-40B4-BE49-F238E27FC236}">
+                <a16:creationId xmlns:a16="http://schemas.microsoft.com/office/drawing/2014/main" id="{5FE56DED-3BA2-F448-8EDF-7036B8FA9FBC}"/>
+              </a:ext>
+            </a:extLst>
+          </p:cNvPr>
+          <p:cNvSpPr txBox="1"/>
+          <p:nvPr/>
+        </p:nvSpPr>
+        <p:spPr>
+          <a:xfrm>
+            <a:off x="1437761" y="4447830"/>
+            <a:ext cx="1324984" cy="276999"/>
+          </a:xfrm>
+          <a:prstGeom prst="rect">
+            <a:avLst/>
+          </a:prstGeom>
+          <a:solidFill>
+            <a:srgbClr val="5DA2C5"/>
+          </a:solidFill>
+        </p:spPr>
+        <p:txBody>
+          <a:bodyPr wrap="square" rtlCol="0">
+            <a:spAutoFit/>
+          </a:bodyPr>
+          <a:lstStyle/>
+          <a:p>
+            <a:pPr algn="ctr"/>
+            <a:r>
+              <a:rPr kumimoji="1" lang="en-US" altLang="ko-Kore-KR" sz="1200" b="1" dirty="0">
+                <a:solidFill>
+                  <a:schemeClr val="bg1"/>
+                </a:solidFill>
+                <a:latin typeface="SHeadG" panose="02030600000101010101" pitchFamily="18" charset="-127"/>
+                <a:ea typeface="SHeadG" panose="02030600000101010101" pitchFamily="18" charset="-127"/>
+              </a:rPr>
+              <a:t>Visitor B</a:t>
+            </a:r>
+            <a:endParaRPr kumimoji="1" lang="ko-Kore-KR" altLang="en-US" sz="1200" b="1" dirty="0">
+              <a:solidFill>
+                <a:schemeClr val="bg1"/>
+              </a:solidFill>
+              <a:latin typeface="SHeadG" panose="02030600000101010101" pitchFamily="18" charset="-127"/>
+              <a:ea typeface="SHeadG" panose="02030600000101010101" pitchFamily="18" charset="-127"/>
+            </a:endParaRPr>
+          </a:p>
+        </p:txBody>
+      </p:sp>
+      <p:grpSp>
+        <p:nvGrpSpPr>
+          <p:cNvPr id="45" name="그룹 44">
+            <a:extLst>
+              <a:ext uri="{FF2B5EF4-FFF2-40B4-BE49-F238E27FC236}">
+                <a16:creationId xmlns:a16="http://schemas.microsoft.com/office/drawing/2014/main" id="{B2B8C8C6-2D16-F943-AE4B-6D04D8BC955A}"/>
+              </a:ext>
+            </a:extLst>
+          </p:cNvPr>
+          <p:cNvGrpSpPr/>
+          <p:nvPr/>
+        </p:nvGrpSpPr>
+        <p:grpSpPr>
+          <a:xfrm>
+            <a:off x="3188931" y="3916307"/>
+            <a:ext cx="1617043" cy="1617043"/>
+            <a:chOff x="3188931" y="1496195"/>
+            <a:chExt cx="1617043" cy="1617043"/>
+          </a:xfrm>
+        </p:grpSpPr>
+        <p:pic>
+          <p:nvPicPr>
+            <p:cNvPr id="46" name="그림 45">
+              <a:extLst>
+                <a:ext uri="{FF2B5EF4-FFF2-40B4-BE49-F238E27FC236}">
+                  <a16:creationId xmlns:a16="http://schemas.microsoft.com/office/drawing/2014/main" id="{E698D69B-BAB0-594A-87E9-CD5781FB208C}"/>
+                </a:ext>
+              </a:extLst>
+            </p:cNvPr>
+            <p:cNvPicPr>
+              <a:picLocks noChangeAspect="1"/>
+            </p:cNvPicPr>
+            <p:nvPr/>
+          </p:nvPicPr>
+          <p:blipFill>
+            <a:blip r:embed="rId2"/>
+            <a:stretch>
+              <a:fillRect/>
+            </a:stretch>
+          </p:blipFill>
+          <p:spPr>
+            <a:xfrm>
+              <a:off x="3188931" y="1496195"/>
+              <a:ext cx="1617043" cy="1617043"/>
+            </a:xfrm>
+            <a:prstGeom prst="rect">
+              <a:avLst/>
+            </a:prstGeom>
+          </p:spPr>
+        </p:pic>
+        <p:sp>
+          <p:nvSpPr>
+            <p:cNvPr id="47" name="TextBox 46">
+              <a:extLst>
+                <a:ext uri="{FF2B5EF4-FFF2-40B4-BE49-F238E27FC236}">
+                  <a16:creationId xmlns:a16="http://schemas.microsoft.com/office/drawing/2014/main" id="{845E82BE-CC32-8D42-B818-02A6703A3E40}"/>
+                </a:ext>
+              </a:extLst>
+            </p:cNvPr>
+            <p:cNvSpPr txBox="1"/>
+            <p:nvPr/>
+          </p:nvSpPr>
+          <p:spPr>
+            <a:xfrm>
+              <a:off x="3461512" y="2130584"/>
+              <a:ext cx="1010805" cy="584775"/>
+            </a:xfrm>
+            <a:prstGeom prst="rect">
+              <a:avLst/>
+            </a:prstGeom>
+            <a:noFill/>
+          </p:spPr>
+          <p:txBody>
+            <a:bodyPr wrap="square" rtlCol="0">
+              <a:spAutoFit/>
+            </a:bodyPr>
+            <a:lstStyle/>
+            <a:p>
+              <a:r>
+                <a:rPr kumimoji="1" lang="en-US" altLang="ko-Kore-KR" sz="800" b="1" dirty="0">
+                  <a:solidFill>
+                    <a:srgbClr val="0070C0"/>
+                  </a:solidFill>
+                  <a:latin typeface="SHeadG" panose="02030600000101010101" pitchFamily="18" charset="-127"/>
+                  <a:ea typeface="SHeadG" panose="02030600000101010101" pitchFamily="18" charset="-127"/>
+                </a:rPr>
+                <a:t>{</a:t>
+              </a:r>
+            </a:p>
+            <a:p>
+              <a:r>
+                <a:rPr kumimoji="1" lang="en-US" altLang="ko-Kore-KR" sz="800" b="1" dirty="0">
+                  <a:solidFill>
+                    <a:srgbClr val="0070C0"/>
+                  </a:solidFill>
+                  <a:latin typeface="SHeadG" panose="02030600000101010101" pitchFamily="18" charset="-127"/>
+                  <a:ea typeface="SHeadG" panose="02030600000101010101" pitchFamily="18" charset="-127"/>
+                </a:rPr>
+                <a:t>  “price”: 99,</a:t>
+              </a:r>
+            </a:p>
+            <a:p>
+              <a:r>
+                <a:rPr kumimoji="1" lang="en-US" altLang="ko-Kore-KR" sz="800" b="1" dirty="0">
+                  <a:solidFill>
+                    <a:srgbClr val="0070C0"/>
+                  </a:solidFill>
+                  <a:latin typeface="SHeadG" panose="02030600000101010101" pitchFamily="18" charset="-127"/>
+                  <a:ea typeface="SHeadG" panose="02030600000101010101" pitchFamily="18" charset="-127"/>
+                </a:rPr>
+                <a:t>  “</a:t>
+              </a:r>
+              <a:r>
+                <a:rPr kumimoji="1" lang="en-US" altLang="ko-Kore-KR" sz="800" b="1" dirty="0" err="1">
+                  <a:solidFill>
+                    <a:srgbClr val="0070C0"/>
+                  </a:solidFill>
+                  <a:latin typeface="SHeadG" panose="02030600000101010101" pitchFamily="18" charset="-127"/>
+                  <a:ea typeface="SHeadG" panose="02030600000101010101" pitchFamily="18" charset="-127"/>
+                </a:rPr>
+                <a:t>in_stock</a:t>
+              </a:r>
+              <a:r>
+                <a:rPr kumimoji="1" lang="en-US" altLang="ko-Kore-KR" sz="800" b="1" dirty="0">
+                  <a:solidFill>
+                    <a:srgbClr val="0070C0"/>
+                  </a:solidFill>
+                  <a:latin typeface="SHeadG" panose="02030600000101010101" pitchFamily="18" charset="-127"/>
+                  <a:ea typeface="SHeadG" panose="02030600000101010101" pitchFamily="18" charset="-127"/>
+                </a:rPr>
+                <a:t>”: 6</a:t>
+              </a:r>
+            </a:p>
+            <a:p>
+              <a:r>
+                <a:rPr kumimoji="1" lang="en-US" altLang="ko-Kore-KR" sz="800" b="1" dirty="0">
+                  <a:solidFill>
+                    <a:srgbClr val="0070C0"/>
+                  </a:solidFill>
+                  <a:latin typeface="SHeadG" panose="02030600000101010101" pitchFamily="18" charset="-127"/>
+                  <a:ea typeface="SHeadG" panose="02030600000101010101" pitchFamily="18" charset="-127"/>
+                </a:rPr>
+                <a:t>}</a:t>
+              </a:r>
+              <a:endParaRPr kumimoji="1" lang="ko-Kore-KR" altLang="en-US" sz="800" b="1" dirty="0">
+                <a:solidFill>
+                  <a:srgbClr val="0070C0"/>
+                </a:solidFill>
+                <a:latin typeface="SHeadG" panose="02030600000101010101" pitchFamily="18" charset="-127"/>
+                <a:ea typeface="SHeadG" panose="02030600000101010101" pitchFamily="18" charset="-127"/>
+              </a:endParaRPr>
+            </a:p>
+          </p:txBody>
+        </p:sp>
+      </p:grpSp>
+      <p:cxnSp>
+        <p:nvCxnSpPr>
+          <p:cNvPr id="50" name="직선 화살표 연결선 49">
+            <a:extLst>
+              <a:ext uri="{FF2B5EF4-FFF2-40B4-BE49-F238E27FC236}">
+                <a16:creationId xmlns:a16="http://schemas.microsoft.com/office/drawing/2014/main" id="{36210ADC-7BFC-6340-B691-8CD965A4FE74}"/>
+              </a:ext>
+            </a:extLst>
+          </p:cNvPr>
+          <p:cNvCxnSpPr>
+            <a:cxnSpLocks/>
+          </p:cNvCxnSpPr>
+          <p:nvPr/>
+        </p:nvCxnSpPr>
+        <p:spPr>
+          <a:xfrm flipH="1">
+            <a:off x="4763181" y="3824253"/>
+            <a:ext cx="3278262" cy="710613"/>
+          </a:xfrm>
+          <a:prstGeom prst="straightConnector1">
+            <a:avLst/>
+          </a:prstGeom>
+          <a:ln w="25400">
+            <a:solidFill>
+              <a:srgbClr val="5DA2C5"/>
+            </a:solidFill>
+            <a:tailEnd type="stealth" w="lg" len="lg"/>
+          </a:ln>
+        </p:spPr>
+        <p:style>
+          <a:lnRef idx="1">
+            <a:schemeClr val="accent1"/>
+          </a:lnRef>
+          <a:fillRef idx="0">
+            <a:schemeClr val="accent1"/>
+          </a:fillRef>
+          <a:effectRef idx="0">
+            <a:schemeClr val="accent1"/>
+          </a:effectRef>
+          <a:fontRef idx="minor">
+            <a:schemeClr val="tx1"/>
+          </a:fontRef>
+        </p:style>
+      </p:cxnSp>
+      <p:sp>
+        <p:nvSpPr>
+          <p:cNvPr id="51" name="TextBox 50">
+            <a:extLst>
+              <a:ext uri="{FF2B5EF4-FFF2-40B4-BE49-F238E27FC236}">
+                <a16:creationId xmlns:a16="http://schemas.microsoft.com/office/drawing/2014/main" id="{BDDBCA92-8C43-9E4E-A2C8-329EF6EDA2CB}"/>
+              </a:ext>
+            </a:extLst>
+          </p:cNvPr>
+          <p:cNvSpPr txBox="1"/>
+          <p:nvPr/>
+        </p:nvSpPr>
+        <p:spPr>
+          <a:xfrm rot="20780329">
+            <a:off x="5505821" y="3888551"/>
+            <a:ext cx="1510041" cy="276999"/>
+          </a:xfrm>
+          <a:prstGeom prst="rect">
+            <a:avLst/>
+          </a:prstGeom>
+          <a:noFill/>
+        </p:spPr>
+        <p:txBody>
+          <a:bodyPr wrap="square" rtlCol="0">
+            <a:spAutoFit/>
+          </a:bodyPr>
+          <a:lstStyle/>
+          <a:p>
+            <a:pPr algn="ctr"/>
+            <a:r>
+              <a:rPr kumimoji="1" lang="en-US" altLang="ko-KR" sz="1200" b="1" dirty="0">
+                <a:solidFill>
+                  <a:srgbClr val="5DA2C5"/>
+                </a:solidFill>
+                <a:latin typeface="SHeadG" panose="02030600000101010101" pitchFamily="18" charset="-127"/>
+                <a:ea typeface="SHeadG" panose="02030600000101010101" pitchFamily="18" charset="-127"/>
+              </a:rPr>
+              <a:t>2</a:t>
+            </a:r>
+            <a:r>
+              <a:rPr kumimoji="1" lang="en" altLang="ko-Kore-KR" sz="1200" b="1" dirty="0">
+                <a:solidFill>
+                  <a:srgbClr val="5DA2C5"/>
+                </a:solidFill>
+                <a:latin typeface="SHeadG" panose="02030600000101010101" pitchFamily="18" charset="-127"/>
+                <a:ea typeface="SHeadG" panose="02030600000101010101" pitchFamily="18" charset="-127"/>
+              </a:rPr>
+              <a:t>. Product</a:t>
+            </a:r>
+            <a:r>
+              <a:rPr kumimoji="1" lang="ko-KR" altLang="en-US" sz="1200" b="1" dirty="0">
+                <a:solidFill>
+                  <a:srgbClr val="5DA2C5"/>
+                </a:solidFill>
+                <a:latin typeface="SHeadG" panose="02030600000101010101" pitchFamily="18" charset="-127"/>
+                <a:ea typeface="SHeadG" panose="02030600000101010101" pitchFamily="18" charset="-127"/>
+              </a:rPr>
+              <a:t> 조회</a:t>
+            </a:r>
+            <a:endParaRPr kumimoji="1" lang="ko-Kore-KR" altLang="en-US" sz="1200" b="1" dirty="0">
+              <a:solidFill>
+                <a:srgbClr val="5DA2C5"/>
+              </a:solidFill>
+              <a:latin typeface="SHeadG" panose="02030600000101010101" pitchFamily="18" charset="-127"/>
+              <a:ea typeface="SHeadG" panose="02030600000101010101" pitchFamily="18" charset="-127"/>
+            </a:endParaRPr>
+          </a:p>
+        </p:txBody>
+      </p:sp>
+      <p:cxnSp>
+        <p:nvCxnSpPr>
+          <p:cNvPr id="52" name="직선 화살표 연결선 51">
+            <a:extLst>
+              <a:ext uri="{FF2B5EF4-FFF2-40B4-BE49-F238E27FC236}">
+                <a16:creationId xmlns:a16="http://schemas.microsoft.com/office/drawing/2014/main" id="{4DCFC929-6742-7E44-B744-1ED5BF754134}"/>
+              </a:ext>
+            </a:extLst>
+          </p:cNvPr>
+          <p:cNvCxnSpPr>
+            <a:cxnSpLocks/>
+          </p:cNvCxnSpPr>
+          <p:nvPr/>
+        </p:nvCxnSpPr>
+        <p:spPr>
+          <a:xfrm flipH="1" flipV="1">
+            <a:off x="4861130" y="1985531"/>
+            <a:ext cx="3333418" cy="680506"/>
+          </a:xfrm>
+          <a:prstGeom prst="straightConnector1">
+            <a:avLst/>
+          </a:prstGeom>
+          <a:ln w="25400">
+            <a:solidFill>
+              <a:srgbClr val="5DA2C5"/>
+            </a:solidFill>
+            <a:headEnd type="stealth" w="lg" len="lg"/>
+            <a:tailEnd type="none" w="lg" len="lg"/>
+          </a:ln>
+        </p:spPr>
+        <p:style>
+          <a:lnRef idx="1">
+            <a:schemeClr val="accent1"/>
+          </a:lnRef>
+          <a:fillRef idx="0">
+            <a:schemeClr val="accent1"/>
+          </a:fillRef>
+          <a:effectRef idx="0">
+            <a:schemeClr val="accent1"/>
+          </a:effectRef>
+          <a:fontRef idx="minor">
+            <a:schemeClr val="tx1"/>
+          </a:fontRef>
+        </p:style>
+      </p:cxnSp>
+      <p:sp>
+        <p:nvSpPr>
+          <p:cNvPr id="53" name="TextBox 52">
+            <a:extLst>
+              <a:ext uri="{FF2B5EF4-FFF2-40B4-BE49-F238E27FC236}">
+                <a16:creationId xmlns:a16="http://schemas.microsoft.com/office/drawing/2014/main" id="{4EEF4420-BAC3-DB4E-A6E7-69A60DB6D5C2}"/>
+              </a:ext>
+            </a:extLst>
+          </p:cNvPr>
+          <p:cNvSpPr txBox="1"/>
+          <p:nvPr/>
+        </p:nvSpPr>
+        <p:spPr>
+          <a:xfrm rot="748107">
+            <a:off x="4920031" y="2048326"/>
+            <a:ext cx="3590481" cy="276999"/>
+          </a:xfrm>
+          <a:prstGeom prst="rect">
+            <a:avLst/>
+          </a:prstGeom>
+          <a:noFill/>
+        </p:spPr>
+        <p:txBody>
+          <a:bodyPr wrap="square" rtlCol="0">
+            <a:spAutoFit/>
+          </a:bodyPr>
+          <a:lstStyle/>
+          <a:p>
+            <a:pPr algn="ctr"/>
+            <a:r>
+              <a:rPr kumimoji="1" lang="en-US" altLang="ko-KR" sz="1200" b="1" dirty="0">
+                <a:solidFill>
+                  <a:srgbClr val="5DA2C5"/>
+                </a:solidFill>
+                <a:latin typeface="SHeadG" panose="02030600000101010101" pitchFamily="18" charset="-127"/>
+                <a:ea typeface="SHeadG" panose="02030600000101010101" pitchFamily="18" charset="-127"/>
+              </a:rPr>
+              <a:t>3.</a:t>
+            </a:r>
+            <a:r>
+              <a:rPr kumimoji="1" lang="ko-KR" altLang="en-US" sz="1200" b="1" dirty="0">
+                <a:solidFill>
+                  <a:srgbClr val="5DA2C5"/>
+                </a:solidFill>
+                <a:latin typeface="SHeadG" panose="02030600000101010101" pitchFamily="18" charset="-127"/>
+                <a:ea typeface="SHeadG" panose="02030600000101010101" pitchFamily="18" charset="-127"/>
+              </a:rPr>
+              <a:t> </a:t>
+            </a:r>
+            <a:r>
+              <a:rPr kumimoji="1" lang="en-US" altLang="ko-KR" sz="1200" b="1" dirty="0">
+                <a:solidFill>
+                  <a:srgbClr val="5DA2C5"/>
+                </a:solidFill>
+                <a:latin typeface="SHeadG" panose="02030600000101010101" pitchFamily="18" charset="-127"/>
+                <a:ea typeface="SHeadG" panose="02030600000101010101" pitchFamily="18" charset="-127"/>
+              </a:rPr>
+              <a:t>POST products/_update/100?version=1</a:t>
+            </a:r>
+            <a:endParaRPr kumimoji="1" lang="ko-Kore-KR" altLang="en-US" sz="1200" b="1" dirty="0">
+              <a:solidFill>
+                <a:srgbClr val="5DA2C5"/>
+              </a:solidFill>
+              <a:latin typeface="SHeadG" panose="02030600000101010101" pitchFamily="18" charset="-127"/>
+              <a:ea typeface="SHeadG" panose="02030600000101010101" pitchFamily="18" charset="-127"/>
+            </a:endParaRPr>
+          </a:p>
+        </p:txBody>
+      </p:sp>
+      <p:cxnSp>
+        <p:nvCxnSpPr>
+          <p:cNvPr id="54" name="직선 화살표 연결선 53">
+            <a:extLst>
+              <a:ext uri="{FF2B5EF4-FFF2-40B4-BE49-F238E27FC236}">
+                <a16:creationId xmlns:a16="http://schemas.microsoft.com/office/drawing/2014/main" id="{D4A77269-E564-BF41-AA84-FE0D070DB614}"/>
+              </a:ext>
+            </a:extLst>
+          </p:cNvPr>
+          <p:cNvCxnSpPr>
+            <a:cxnSpLocks/>
+          </p:cNvCxnSpPr>
+          <p:nvPr/>
+        </p:nvCxnSpPr>
+        <p:spPr>
+          <a:xfrm flipH="1">
+            <a:off x="4861130" y="4082103"/>
+            <a:ext cx="3278262" cy="710613"/>
+          </a:xfrm>
+          <a:prstGeom prst="straightConnector1">
+            <a:avLst/>
+          </a:prstGeom>
+          <a:ln w="25400">
+            <a:solidFill>
+              <a:srgbClr val="5DA2C5"/>
+            </a:solidFill>
+            <a:headEnd type="stealth" w="lg" len="lg"/>
+            <a:tailEnd type="none" w="lg" len="lg"/>
+          </a:ln>
+        </p:spPr>
+        <p:style>
+          <a:lnRef idx="1">
+            <a:schemeClr val="accent1"/>
+          </a:lnRef>
+          <a:fillRef idx="0">
+            <a:schemeClr val="accent1"/>
+          </a:fillRef>
+          <a:effectRef idx="0">
+            <a:schemeClr val="accent1"/>
+          </a:effectRef>
+          <a:fontRef idx="minor">
+            <a:schemeClr val="tx1"/>
+          </a:fontRef>
+        </p:style>
+      </p:cxnSp>
+      <p:sp>
+        <p:nvSpPr>
+          <p:cNvPr id="55" name="TextBox 54">
+            <a:extLst>
+              <a:ext uri="{FF2B5EF4-FFF2-40B4-BE49-F238E27FC236}">
+                <a16:creationId xmlns:a16="http://schemas.microsoft.com/office/drawing/2014/main" id="{EC3217F5-114B-3247-B091-85D8166EE57C}"/>
+              </a:ext>
+            </a:extLst>
+          </p:cNvPr>
+          <p:cNvSpPr txBox="1"/>
+          <p:nvPr/>
+        </p:nvSpPr>
+        <p:spPr>
+          <a:xfrm rot="20780329">
+            <a:off x="5450949" y="4480479"/>
+            <a:ext cx="2098623" cy="276999"/>
+          </a:xfrm>
+          <a:prstGeom prst="rect">
+            <a:avLst/>
+          </a:prstGeom>
+          <a:noFill/>
+        </p:spPr>
+        <p:txBody>
+          <a:bodyPr wrap="square" rtlCol="0">
+            <a:spAutoFit/>
+          </a:bodyPr>
+          <a:lstStyle/>
+          <a:p>
+            <a:pPr algn="ctr"/>
+            <a:r>
+              <a:rPr kumimoji="1" lang="en-US" altLang="ko-KR" sz="1200" b="1" dirty="0">
+                <a:solidFill>
+                  <a:srgbClr val="5DA2C5"/>
+                </a:solidFill>
+                <a:latin typeface="SHeadG" panose="02030600000101010101" pitchFamily="18" charset="-127"/>
+                <a:ea typeface="SHeadG" panose="02030600000101010101" pitchFamily="18" charset="-127"/>
+              </a:rPr>
+              <a:t>4.</a:t>
+            </a:r>
+            <a:r>
+              <a:rPr kumimoji="1" lang="ko-KR" altLang="en-US" sz="1200" b="1" dirty="0">
+                <a:solidFill>
+                  <a:srgbClr val="5DA2C5"/>
+                </a:solidFill>
+                <a:latin typeface="SHeadG" panose="02030600000101010101" pitchFamily="18" charset="-127"/>
+                <a:ea typeface="SHeadG" panose="02030600000101010101" pitchFamily="18" charset="-127"/>
+              </a:rPr>
+              <a:t> </a:t>
+            </a:r>
+            <a:r>
+              <a:rPr kumimoji="1" lang="en-US" altLang="ko-KR" sz="1200" b="1" dirty="0" err="1">
+                <a:solidFill>
+                  <a:srgbClr val="5DA2C5"/>
+                </a:solidFill>
+                <a:latin typeface="SHeadG" panose="02030600000101010101" pitchFamily="18" charset="-127"/>
+                <a:ea typeface="SHeadG" panose="02030600000101010101" pitchFamily="18" charset="-127"/>
+              </a:rPr>
+              <a:t>in_stock</a:t>
+            </a:r>
+            <a:r>
+              <a:rPr kumimoji="1" lang="ko-KR" altLang="en-US" sz="1200" b="1" dirty="0">
+                <a:solidFill>
+                  <a:srgbClr val="5DA2C5"/>
+                </a:solidFill>
+                <a:latin typeface="SHeadG" panose="02030600000101010101" pitchFamily="18" charset="-127"/>
+                <a:ea typeface="SHeadG" panose="02030600000101010101" pitchFamily="18" charset="-127"/>
+              </a:rPr>
+              <a:t>을 </a:t>
+            </a:r>
+            <a:r>
+              <a:rPr kumimoji="1" lang="en-US" altLang="ko-KR" sz="1200" b="1" dirty="0">
+                <a:solidFill>
+                  <a:srgbClr val="5DA2C5"/>
+                </a:solidFill>
+                <a:latin typeface="SHeadG" panose="02030600000101010101" pitchFamily="18" charset="-127"/>
+                <a:ea typeface="SHeadG" panose="02030600000101010101" pitchFamily="18" charset="-127"/>
+              </a:rPr>
+              <a:t>5</a:t>
+            </a:r>
+            <a:r>
+              <a:rPr kumimoji="1" lang="ko-KR" altLang="en-US" sz="1200" b="1" dirty="0">
+                <a:solidFill>
+                  <a:srgbClr val="5DA2C5"/>
+                </a:solidFill>
+                <a:latin typeface="SHeadG" panose="02030600000101010101" pitchFamily="18" charset="-127"/>
+                <a:ea typeface="SHeadG" panose="02030600000101010101" pitchFamily="18" charset="-127"/>
+              </a:rPr>
+              <a:t>로 업데이트</a:t>
+            </a:r>
+            <a:endParaRPr kumimoji="1" lang="ko-Kore-KR" altLang="en-US" sz="1200" b="1" dirty="0">
+              <a:solidFill>
+                <a:srgbClr val="5DA2C5"/>
+              </a:solidFill>
+              <a:latin typeface="SHeadG" panose="02030600000101010101" pitchFamily="18" charset="-127"/>
+              <a:ea typeface="SHeadG" panose="02030600000101010101" pitchFamily="18" charset="-127"/>
+            </a:endParaRPr>
+          </a:p>
+        </p:txBody>
+      </p:sp>
+      <p:sp>
+        <p:nvSpPr>
+          <p:cNvPr id="56" name="TextBox 55">
+            <a:extLst>
+              <a:ext uri="{FF2B5EF4-FFF2-40B4-BE49-F238E27FC236}">
+                <a16:creationId xmlns:a16="http://schemas.microsoft.com/office/drawing/2014/main" id="{1198E2B8-524E-714B-A076-CC69D9565F8A}"/>
+              </a:ext>
+            </a:extLst>
+          </p:cNvPr>
+          <p:cNvSpPr txBox="1"/>
+          <p:nvPr/>
+        </p:nvSpPr>
+        <p:spPr>
+          <a:xfrm>
+            <a:off x="8239627" y="4772862"/>
+            <a:ext cx="2755207" cy="276999"/>
+          </a:xfrm>
+          <a:prstGeom prst="rect">
+            <a:avLst/>
+          </a:prstGeom>
+          <a:noFill/>
+        </p:spPr>
+        <p:txBody>
+          <a:bodyPr wrap="square" rtlCol="0">
+            <a:spAutoFit/>
+          </a:bodyPr>
+          <a:lstStyle/>
+          <a:p>
+            <a:r>
+              <a:rPr kumimoji="1" lang="en-US" altLang="ko-Kore-KR" sz="1200" b="1" dirty="0">
+                <a:solidFill>
+                  <a:srgbClr val="5DA2C5"/>
+                </a:solidFill>
+                <a:latin typeface="SHeadG" panose="02030600000101010101" pitchFamily="18" charset="-127"/>
+                <a:ea typeface="SHeadG" panose="02030600000101010101" pitchFamily="18" charset="-127"/>
+              </a:rPr>
+              <a:t>”</a:t>
+            </a:r>
+            <a:r>
+              <a:rPr kumimoji="1" lang="en-US" altLang="ko-Kore-KR" sz="1200" b="1" dirty="0" err="1">
+                <a:solidFill>
+                  <a:srgbClr val="5DA2C5"/>
+                </a:solidFill>
+                <a:latin typeface="SHeadG" panose="02030600000101010101" pitchFamily="18" charset="-127"/>
+                <a:ea typeface="SHeadG" panose="02030600000101010101" pitchFamily="18" charset="-127"/>
+              </a:rPr>
+              <a:t>in_stock</a:t>
+            </a:r>
+            <a:r>
+              <a:rPr kumimoji="1" lang="en-US" altLang="ko-Kore-KR" sz="1200" b="1" dirty="0">
+                <a:solidFill>
+                  <a:srgbClr val="5DA2C5"/>
+                </a:solidFill>
+                <a:latin typeface="SHeadG" panose="02030600000101010101" pitchFamily="18" charset="-127"/>
+                <a:ea typeface="SHeadG" panose="02030600000101010101" pitchFamily="18" charset="-127"/>
+              </a:rPr>
+              <a:t>”: 5 </a:t>
+            </a:r>
+            <a:r>
+              <a:rPr kumimoji="1" lang="en-US" altLang="ko-Kore-KR" sz="1200" b="1" dirty="0">
+                <a:solidFill>
+                  <a:srgbClr val="5DA2C5"/>
+                </a:solidFill>
+                <a:latin typeface="SHeadG" panose="02030600000101010101" pitchFamily="18" charset="-127"/>
+                <a:ea typeface="SHeadG" panose="02030600000101010101" pitchFamily="18" charset="-127"/>
+                <a:sym typeface="Wingdings" pitchFamily="2" charset="2"/>
+              </a:rPr>
+              <a:t> </a:t>
+            </a:r>
+            <a:r>
+              <a:rPr kumimoji="1" lang="ko-KR" altLang="en-US" sz="1200" b="1" dirty="0">
+                <a:solidFill>
+                  <a:srgbClr val="5DA2C5"/>
+                </a:solidFill>
+                <a:latin typeface="SHeadG" panose="02030600000101010101" pitchFamily="18" charset="-127"/>
+                <a:ea typeface="SHeadG" panose="02030600000101010101" pitchFamily="18" charset="-127"/>
+                <a:sym typeface="Wingdings" pitchFamily="2" charset="2"/>
+              </a:rPr>
+              <a:t>잘못된 값</a:t>
+            </a:r>
+            <a:endParaRPr kumimoji="1" lang="ko-Kore-KR" altLang="en-US" sz="1200" b="1" dirty="0">
+              <a:solidFill>
+                <a:srgbClr val="5DA2C5"/>
+              </a:solidFill>
+              <a:latin typeface="SHeadG" panose="02030600000101010101" pitchFamily="18" charset="-127"/>
+              <a:ea typeface="SHeadG" panose="02030600000101010101" pitchFamily="18" charset="-127"/>
+            </a:endParaRPr>
+          </a:p>
+        </p:txBody>
+      </p:sp>
+      <p:sp>
+        <p:nvSpPr>
+          <p:cNvPr id="22" name="TextBox 21">
+            <a:extLst>
+              <a:ext uri="{FF2B5EF4-FFF2-40B4-BE49-F238E27FC236}">
+                <a16:creationId xmlns:a16="http://schemas.microsoft.com/office/drawing/2014/main" id="{C2E8956C-F84A-0945-BFCA-A3944A589D10}"/>
+              </a:ext>
+            </a:extLst>
+          </p:cNvPr>
+          <p:cNvSpPr txBox="1"/>
+          <p:nvPr/>
+        </p:nvSpPr>
+        <p:spPr>
+          <a:xfrm>
+            <a:off x="3960064" y="567826"/>
+            <a:ext cx="2755207" cy="584775"/>
+          </a:xfrm>
+          <a:prstGeom prst="rect">
+            <a:avLst/>
+          </a:prstGeom>
+          <a:noFill/>
+        </p:spPr>
+        <p:txBody>
+          <a:bodyPr wrap="square" rtlCol="0">
+            <a:spAutoFit/>
+          </a:bodyPr>
+          <a:lstStyle/>
+          <a:p>
+            <a:r>
+              <a:rPr kumimoji="1" lang="ko-KR" altLang="en-US" sz="3200" b="1" dirty="0">
+                <a:solidFill>
+                  <a:srgbClr val="5DA2C5"/>
+                </a:solidFill>
+                <a:latin typeface="SHeadG" panose="02030600000101010101" pitchFamily="18" charset="-127"/>
+                <a:ea typeface="SHeadG" panose="02030600000101010101" pitchFamily="18" charset="-127"/>
+              </a:rPr>
+              <a:t>과거 방식</a:t>
+            </a:r>
+            <a:endParaRPr kumimoji="1" lang="ko-Kore-KR" altLang="en-US" sz="3200" b="1" dirty="0">
+              <a:solidFill>
+                <a:srgbClr val="5DA2C5"/>
+              </a:solidFill>
+              <a:latin typeface="SHeadG" panose="02030600000101010101" pitchFamily="18" charset="-127"/>
+              <a:ea typeface="SHeadG" panose="02030600000101010101" pitchFamily="18" charset="-127"/>
+            </a:endParaRPr>
+          </a:p>
+        </p:txBody>
+      </p:sp>
+    </p:spTree>
+    <p:extLst>
+      <p:ext uri="{BB962C8B-B14F-4D97-AF65-F5344CB8AC3E}">
+        <p14:creationId xmlns:p14="http://schemas.microsoft.com/office/powerpoint/2010/main" val="1687043223"/>
+      </p:ext>
+    </p:extLst>
+  </p:cSld>
+  <p:clrMapOvr>
+    <a:masterClrMapping/>
+  </p:clrMapOvr>
+</p:sld>
+</file>
+
+<file path=ppt/slides/slide7.xml><?xml version="1.0" encoding="utf-8"?>
+<p:sld xmlns:a="http://schemas.openxmlformats.org/drawingml/2006/main" xmlns:r="http://schemas.openxmlformats.org/officeDocument/2006/relationships" xmlns:p="http://schemas.openxmlformats.org/presentationml/2006/main">
+  <p:cSld>
+    <p:spTree>
+      <p:nvGrpSpPr>
+        <p:cNvPr id="1" name=""/>
+        <p:cNvGrpSpPr/>
+        <p:nvPr/>
+      </p:nvGrpSpPr>
+      <p:grpSpPr>
+        <a:xfrm>
+          <a:off x="0" y="0"/>
+          <a:ext cx="0" cy="0"/>
+          <a:chOff x="0" y="0"/>
+          <a:chExt cx="0" cy="0"/>
+        </a:xfrm>
+      </p:grpSpPr>
+      <p:grpSp>
+        <p:nvGrpSpPr>
+          <p:cNvPr id="9" name="그룹 8">
+            <a:extLst>
+              <a:ext uri="{FF2B5EF4-FFF2-40B4-BE49-F238E27FC236}">
+                <a16:creationId xmlns:a16="http://schemas.microsoft.com/office/drawing/2014/main" id="{9314EC1A-B544-7448-ABA4-D56FA39B51D3}"/>
+              </a:ext>
+            </a:extLst>
+          </p:cNvPr>
+          <p:cNvGrpSpPr/>
+          <p:nvPr/>
+        </p:nvGrpSpPr>
+        <p:grpSpPr>
+          <a:xfrm>
+            <a:off x="840438" y="2869248"/>
+            <a:ext cx="2672042" cy="1617043"/>
+            <a:chOff x="3188931" y="1496195"/>
+            <a:chExt cx="1617043" cy="1617043"/>
+          </a:xfrm>
+        </p:grpSpPr>
+        <p:pic>
+          <p:nvPicPr>
+            <p:cNvPr id="3" name="그림 2">
+              <a:extLst>
+                <a:ext uri="{FF2B5EF4-FFF2-40B4-BE49-F238E27FC236}">
+                  <a16:creationId xmlns:a16="http://schemas.microsoft.com/office/drawing/2014/main" id="{2ACD835C-0C4A-A646-B468-6CE02778F2F8}"/>
+                </a:ext>
+              </a:extLst>
+            </p:cNvPr>
+            <p:cNvPicPr>
+              <a:picLocks noChangeAspect="1"/>
+            </p:cNvPicPr>
+            <p:nvPr/>
+          </p:nvPicPr>
+          <p:blipFill>
+            <a:blip r:embed="rId2"/>
+            <a:stretch>
+              <a:fillRect/>
+            </a:stretch>
+          </p:blipFill>
+          <p:spPr>
+            <a:xfrm>
+              <a:off x="3188931" y="1496195"/>
+              <a:ext cx="1617043" cy="1617043"/>
+            </a:xfrm>
+            <a:prstGeom prst="rect">
+              <a:avLst/>
+            </a:prstGeom>
+          </p:spPr>
+        </p:pic>
+        <p:sp>
+          <p:nvSpPr>
+            <p:cNvPr id="5" name="TextBox 4">
+              <a:extLst>
+                <a:ext uri="{FF2B5EF4-FFF2-40B4-BE49-F238E27FC236}">
+                  <a16:creationId xmlns:a16="http://schemas.microsoft.com/office/drawing/2014/main" id="{715FA731-ED3A-244C-96C8-E964B15E11E5}"/>
+                </a:ext>
+              </a:extLst>
+            </p:cNvPr>
+            <p:cNvSpPr txBox="1"/>
+            <p:nvPr/>
+          </p:nvSpPr>
+          <p:spPr>
+            <a:xfrm>
+              <a:off x="3465695" y="2052499"/>
+              <a:ext cx="1010805" cy="738664"/>
+            </a:xfrm>
+            <a:prstGeom prst="rect">
+              <a:avLst/>
+            </a:prstGeom>
+            <a:noFill/>
+          </p:spPr>
+          <p:txBody>
+            <a:bodyPr wrap="square" rtlCol="0">
+              <a:spAutoFit/>
+            </a:bodyPr>
+            <a:lstStyle/>
+            <a:p>
+              <a:r>
+                <a:rPr kumimoji="1" lang="en-US" altLang="ko-Kore-KR" sz="1050" b="1" dirty="0">
+                  <a:solidFill>
+                    <a:srgbClr val="0070C0"/>
+                  </a:solidFill>
+                  <a:latin typeface="SHeadG" panose="02030600000101010101" pitchFamily="18" charset="-127"/>
+                  <a:ea typeface="SHeadG" panose="02030600000101010101" pitchFamily="18" charset="-127"/>
+                </a:rPr>
+                <a:t>{</a:t>
+              </a:r>
+            </a:p>
+            <a:p>
+              <a:r>
+                <a:rPr kumimoji="1" lang="en-US" altLang="ko-Kore-KR" sz="1050" b="1" dirty="0">
+                  <a:solidFill>
+                    <a:srgbClr val="0070C0"/>
+                  </a:solidFill>
+                  <a:latin typeface="SHeadG" panose="02030600000101010101" pitchFamily="18" charset="-127"/>
+                  <a:ea typeface="SHeadG" panose="02030600000101010101" pitchFamily="18" charset="-127"/>
+                </a:rPr>
+                <a:t>  “_</a:t>
+              </a:r>
+              <a:r>
+                <a:rPr kumimoji="1" lang="en-US" altLang="ko-Kore-KR" sz="1050" b="1" dirty="0" err="1">
+                  <a:solidFill>
+                    <a:srgbClr val="0070C0"/>
+                  </a:solidFill>
+                  <a:latin typeface="SHeadG" panose="02030600000101010101" pitchFamily="18" charset="-127"/>
+                  <a:ea typeface="SHeadG" panose="02030600000101010101" pitchFamily="18" charset="-127"/>
+                </a:rPr>
+                <a:t>primary_term</a:t>
+              </a:r>
+              <a:r>
+                <a:rPr kumimoji="1" lang="en-US" altLang="ko-Kore-KR" sz="1050" b="1" dirty="0">
+                  <a:solidFill>
+                    <a:srgbClr val="0070C0"/>
+                  </a:solidFill>
+                  <a:latin typeface="SHeadG" panose="02030600000101010101" pitchFamily="18" charset="-127"/>
+                  <a:ea typeface="SHeadG" panose="02030600000101010101" pitchFamily="18" charset="-127"/>
+                </a:rPr>
+                <a:t>”: 1,</a:t>
+              </a:r>
+            </a:p>
+            <a:p>
+              <a:r>
+                <a:rPr kumimoji="1" lang="en-US" altLang="ko-Kore-KR" sz="1050" b="1" dirty="0">
+                  <a:solidFill>
+                    <a:srgbClr val="0070C0"/>
+                  </a:solidFill>
+                  <a:latin typeface="SHeadG" panose="02030600000101010101" pitchFamily="18" charset="-127"/>
+                  <a:ea typeface="SHeadG" panose="02030600000101010101" pitchFamily="18" charset="-127"/>
+                </a:rPr>
+                <a:t>  “_</a:t>
+              </a:r>
+              <a:r>
+                <a:rPr kumimoji="1" lang="en-US" altLang="ko-Kore-KR" sz="1050" b="1" dirty="0" err="1">
+                  <a:solidFill>
+                    <a:srgbClr val="0070C0"/>
+                  </a:solidFill>
+                  <a:latin typeface="SHeadG" panose="02030600000101010101" pitchFamily="18" charset="-127"/>
+                  <a:ea typeface="SHeadG" panose="02030600000101010101" pitchFamily="18" charset="-127"/>
+                </a:rPr>
+                <a:t>seq_no</a:t>
+              </a:r>
+              <a:r>
+                <a:rPr kumimoji="1" lang="en-US" altLang="ko-Kore-KR" sz="1050" b="1" dirty="0">
+                  <a:solidFill>
+                    <a:srgbClr val="0070C0"/>
+                  </a:solidFill>
+                  <a:latin typeface="SHeadG" panose="02030600000101010101" pitchFamily="18" charset="-127"/>
+                  <a:ea typeface="SHeadG" panose="02030600000101010101" pitchFamily="18" charset="-127"/>
+                </a:rPr>
+                <a:t>”: 71</a:t>
+              </a:r>
+            </a:p>
+            <a:p>
+              <a:r>
+                <a:rPr kumimoji="1" lang="en-US" altLang="ko-Kore-KR" sz="1050" b="1" dirty="0">
+                  <a:solidFill>
+                    <a:srgbClr val="0070C0"/>
+                  </a:solidFill>
+                  <a:latin typeface="SHeadG" panose="02030600000101010101" pitchFamily="18" charset="-127"/>
+                  <a:ea typeface="SHeadG" panose="02030600000101010101" pitchFamily="18" charset="-127"/>
+                </a:rPr>
+                <a:t>}</a:t>
+              </a:r>
+              <a:endParaRPr kumimoji="1" lang="ko-Kore-KR" altLang="en-US" sz="1050" b="1" dirty="0">
+                <a:solidFill>
+                  <a:srgbClr val="0070C0"/>
+                </a:solidFill>
+                <a:latin typeface="SHeadG" panose="02030600000101010101" pitchFamily="18" charset="-127"/>
+                <a:ea typeface="SHeadG" panose="02030600000101010101" pitchFamily="18" charset="-127"/>
+              </a:endParaRPr>
+            </a:p>
+          </p:txBody>
+        </p:sp>
+      </p:grpSp>
+      <p:pic>
+        <p:nvPicPr>
+          <p:cNvPr id="1026" name="Picture 2" descr="elasticsearch icon">
+            <a:extLst>
+              <a:ext uri="{FF2B5EF4-FFF2-40B4-BE49-F238E27FC236}">
+                <a16:creationId xmlns:a16="http://schemas.microsoft.com/office/drawing/2014/main" id="{5FDFAC07-DF53-A940-AA94-86F641E09C23}"/>
+              </a:ext>
+            </a:extLst>
+          </p:cNvPr>
+          <p:cNvPicPr>
+            <a:picLocks noChangeAspect="1" noChangeArrowheads="1"/>
+          </p:cNvPicPr>
+          <p:nvPr/>
+        </p:nvPicPr>
+        <p:blipFill>
+          <a:blip r:embed="rId3">
+            <a:extLst>
+              <a:ext uri="{28A0092B-C50C-407E-A947-70E740481C1C}">
+                <a14:useLocalDpi xmlns:a14="http://schemas.microsoft.com/office/drawing/2010/main" val="0"/>
+              </a:ext>
+            </a:extLst>
+          </a:blip>
+          <a:srcRect/>
+          <a:stretch>
+            <a:fillRect/>
+          </a:stretch>
+        </p:blipFill>
+        <p:spPr bwMode="auto">
+          <a:xfrm>
+            <a:off x="8585843" y="2869248"/>
+            <a:ext cx="1600200" cy="1600200"/>
+          </a:xfrm>
+          <a:prstGeom prst="rect">
+            <a:avLst/>
+          </a:prstGeom>
+          <a:noFill/>
+          <a:extLst>
+            <a:ext uri="{909E8E84-426E-40DD-AFC4-6F175D3DCCD1}">
+              <a14:hiddenFill xmlns:a14="http://schemas.microsoft.com/office/drawing/2010/main">
+                <a:solidFill>
+                  <a:srgbClr val="FFFFFF"/>
+                </a:solidFill>
+              </a14:hiddenFill>
+            </a:ext>
+          </a:extLst>
+        </p:spPr>
+      </p:pic>
+      <p:cxnSp>
+        <p:nvCxnSpPr>
+          <p:cNvPr id="24" name="직선 화살표 연결선 23">
+            <a:extLst>
+              <a:ext uri="{FF2B5EF4-FFF2-40B4-BE49-F238E27FC236}">
+                <a16:creationId xmlns:a16="http://schemas.microsoft.com/office/drawing/2014/main" id="{51C6EC38-0922-B543-8355-E27AF40C112A}"/>
+              </a:ext>
+            </a:extLst>
+          </p:cNvPr>
+          <p:cNvCxnSpPr>
+            <a:cxnSpLocks/>
+          </p:cNvCxnSpPr>
+          <p:nvPr/>
+        </p:nvCxnSpPr>
+        <p:spPr>
+          <a:xfrm flipH="1">
+            <a:off x="3512481" y="3425552"/>
+            <a:ext cx="4827288" cy="0"/>
+          </a:xfrm>
+          <a:prstGeom prst="straightConnector1">
+            <a:avLst/>
+          </a:prstGeom>
+          <a:ln w="25400">
+            <a:solidFill>
+              <a:srgbClr val="5DA2C5"/>
+            </a:solidFill>
+            <a:tailEnd type="stealth" w="lg" len="lg"/>
+          </a:ln>
+        </p:spPr>
+        <p:style>
+          <a:lnRef idx="1">
+            <a:schemeClr val="accent1"/>
+          </a:lnRef>
+          <a:fillRef idx="0">
+            <a:schemeClr val="accent1"/>
+          </a:fillRef>
+          <a:effectRef idx="0">
+            <a:schemeClr val="accent1"/>
+          </a:effectRef>
+          <a:fontRef idx="minor">
+            <a:schemeClr val="tx1"/>
+          </a:fontRef>
+        </p:style>
+      </p:cxnSp>
+      <p:cxnSp>
+        <p:nvCxnSpPr>
+          <p:cNvPr id="26" name="직선 화살표 연결선 25">
+            <a:extLst>
+              <a:ext uri="{FF2B5EF4-FFF2-40B4-BE49-F238E27FC236}">
+                <a16:creationId xmlns:a16="http://schemas.microsoft.com/office/drawing/2014/main" id="{41E48564-3F99-B146-AD40-AD31E991C156}"/>
+              </a:ext>
+            </a:extLst>
+          </p:cNvPr>
+          <p:cNvCxnSpPr>
+            <a:cxnSpLocks/>
+          </p:cNvCxnSpPr>
+          <p:nvPr/>
+        </p:nvCxnSpPr>
+        <p:spPr>
+          <a:xfrm>
+            <a:off x="3512480" y="3794884"/>
+            <a:ext cx="4827289" cy="0"/>
+          </a:xfrm>
+          <a:prstGeom prst="straightConnector1">
+            <a:avLst/>
+          </a:prstGeom>
+          <a:ln w="25400">
+            <a:solidFill>
+              <a:srgbClr val="5DA2C5"/>
+            </a:solidFill>
+            <a:tailEnd type="stealth" w="lg" len="lg"/>
+          </a:ln>
+        </p:spPr>
+        <p:style>
+          <a:lnRef idx="1">
+            <a:schemeClr val="accent1"/>
+          </a:lnRef>
+          <a:fillRef idx="0">
+            <a:schemeClr val="accent1"/>
+          </a:fillRef>
+          <a:effectRef idx="0">
+            <a:schemeClr val="accent1"/>
+          </a:effectRef>
+          <a:fontRef idx="minor">
+            <a:schemeClr val="tx1"/>
+          </a:fontRef>
+        </p:style>
+      </p:cxnSp>
+      <p:sp>
+        <p:nvSpPr>
+          <p:cNvPr id="31" name="TextBox 30">
+            <a:extLst>
+              <a:ext uri="{FF2B5EF4-FFF2-40B4-BE49-F238E27FC236}">
+                <a16:creationId xmlns:a16="http://schemas.microsoft.com/office/drawing/2014/main" id="{934CC134-A571-1A49-A48F-21F4D8C2CDD5}"/>
+              </a:ext>
+            </a:extLst>
+          </p:cNvPr>
+          <p:cNvSpPr txBox="1"/>
+          <p:nvPr/>
+        </p:nvSpPr>
+        <p:spPr>
+          <a:xfrm>
+            <a:off x="4383723" y="2963887"/>
+            <a:ext cx="2755207" cy="276999"/>
+          </a:xfrm>
+          <a:prstGeom prst="rect">
+            <a:avLst/>
+          </a:prstGeom>
+          <a:noFill/>
+        </p:spPr>
+        <p:txBody>
+          <a:bodyPr wrap="square" rtlCol="0">
+            <a:spAutoFit/>
+          </a:bodyPr>
+          <a:lstStyle/>
+          <a:p>
+            <a:pPr algn="ctr"/>
+            <a:r>
+              <a:rPr kumimoji="1" lang="en-US" altLang="ko-Kore-KR" sz="1200" b="1" dirty="0">
+                <a:solidFill>
+                  <a:srgbClr val="5DA2C5"/>
+                </a:solidFill>
+                <a:latin typeface="SHeadG" panose="02030600000101010101" pitchFamily="18" charset="-127"/>
+                <a:ea typeface="SHeadG" panose="02030600000101010101" pitchFamily="18" charset="-127"/>
+              </a:rPr>
+              <a:t>Product </a:t>
+            </a:r>
+            <a:r>
+              <a:rPr kumimoji="1" lang="ko-KR" altLang="en-US" sz="1200" b="1" dirty="0">
+                <a:solidFill>
+                  <a:srgbClr val="5DA2C5"/>
+                </a:solidFill>
+                <a:latin typeface="SHeadG" panose="02030600000101010101" pitchFamily="18" charset="-127"/>
+                <a:ea typeface="SHeadG" panose="02030600000101010101" pitchFamily="18" charset="-127"/>
+              </a:rPr>
+              <a:t>조회</a:t>
+            </a:r>
+            <a:endParaRPr kumimoji="1" lang="ko-Kore-KR" altLang="en-US" sz="1200" b="1" dirty="0">
+              <a:solidFill>
+                <a:srgbClr val="5DA2C5"/>
+              </a:solidFill>
+              <a:latin typeface="SHeadG" panose="02030600000101010101" pitchFamily="18" charset="-127"/>
+              <a:ea typeface="SHeadG" panose="02030600000101010101" pitchFamily="18" charset="-127"/>
+            </a:endParaRPr>
+          </a:p>
+        </p:txBody>
+      </p:sp>
+      <p:sp>
+        <p:nvSpPr>
+          <p:cNvPr id="32" name="TextBox 31">
+            <a:extLst>
+              <a:ext uri="{FF2B5EF4-FFF2-40B4-BE49-F238E27FC236}">
+                <a16:creationId xmlns:a16="http://schemas.microsoft.com/office/drawing/2014/main" id="{22A7965D-B09C-6E4F-A39E-F210C48BBFD0}"/>
+              </a:ext>
+            </a:extLst>
+          </p:cNvPr>
+          <p:cNvSpPr txBox="1"/>
+          <p:nvPr/>
+        </p:nvSpPr>
+        <p:spPr>
+          <a:xfrm>
+            <a:off x="3422420" y="3887616"/>
+            <a:ext cx="5092280" cy="276999"/>
+          </a:xfrm>
+          <a:prstGeom prst="rect">
+            <a:avLst/>
+          </a:prstGeom>
+          <a:noFill/>
+        </p:spPr>
+        <p:txBody>
+          <a:bodyPr wrap="square" rtlCol="0">
+            <a:spAutoFit/>
+          </a:bodyPr>
+          <a:lstStyle/>
+          <a:p>
+            <a:pPr algn="ctr"/>
+            <a:r>
+              <a:rPr kumimoji="1" lang="en-US" altLang="ko-Kore-KR" sz="1200" b="1" dirty="0">
+                <a:solidFill>
+                  <a:srgbClr val="5DA2C5"/>
+                </a:solidFill>
+                <a:latin typeface="SHeadG" panose="02030600000101010101" pitchFamily="18" charset="-127"/>
+                <a:ea typeface="SHeadG" panose="02030600000101010101" pitchFamily="18" charset="-127"/>
+              </a:rPr>
+              <a:t>POST products/_update/100?if_primary_term=1&amp;if_seq_no=71</a:t>
+            </a:r>
+            <a:endParaRPr kumimoji="1" lang="ko-Kore-KR" altLang="en-US" sz="1200" b="1" dirty="0">
+              <a:solidFill>
+                <a:srgbClr val="5DA2C5"/>
+              </a:solidFill>
+              <a:latin typeface="SHeadG" panose="02030600000101010101" pitchFamily="18" charset="-127"/>
+              <a:ea typeface="SHeadG" panose="02030600000101010101" pitchFamily="18" charset="-127"/>
+            </a:endParaRPr>
+          </a:p>
+        </p:txBody>
+      </p:sp>
+    </p:spTree>
+    <p:extLst>
+      <p:ext uri="{BB962C8B-B14F-4D97-AF65-F5344CB8AC3E}">
+        <p14:creationId xmlns:p14="http://schemas.microsoft.com/office/powerpoint/2010/main" val="3083771078"/>
+      </p:ext>
+    </p:extLst>
+  </p:cSld>
+  <p:clrMapOvr>
+    <a:masterClrMapping/>
+  </p:clrMapOvr>
+</p:sld>
+</file>
+
+<file path=ppt/slides/slide8.xml><?xml version="1.0" encoding="utf-8"?>
+<p:sld xmlns:a="http://schemas.openxmlformats.org/drawingml/2006/main" xmlns:r="http://schemas.openxmlformats.org/officeDocument/2006/relationships" xmlns:p="http://schemas.openxmlformats.org/presentationml/2006/main">
+  <p:cSld>
+    <p:spTree>
+      <p:nvGrpSpPr>
+        <p:cNvPr id="1" name=""/>
+        <p:cNvGrpSpPr/>
+        <p:nvPr/>
+      </p:nvGrpSpPr>
+      <p:grpSpPr>
+        <a:xfrm>
+          <a:off x="0" y="0"/>
+          <a:ext cx="0" cy="0"/>
+          <a:chOff x="0" y="0"/>
+          <a:chExt cx="0" cy="0"/>
+        </a:xfrm>
+      </p:grpSpPr>
+      <p:cxnSp>
+        <p:nvCxnSpPr>
+          <p:cNvPr id="26" name="직선 화살표 연결선 25">
+            <a:extLst>
+              <a:ext uri="{FF2B5EF4-FFF2-40B4-BE49-F238E27FC236}">
+                <a16:creationId xmlns:a16="http://schemas.microsoft.com/office/drawing/2014/main" id="{41E48564-3F99-B146-AD40-AD31E991C156}"/>
+              </a:ext>
+            </a:extLst>
+          </p:cNvPr>
+          <p:cNvCxnSpPr>
+            <a:cxnSpLocks/>
+          </p:cNvCxnSpPr>
+          <p:nvPr/>
+        </p:nvCxnSpPr>
+        <p:spPr>
+          <a:xfrm>
+            <a:off x="804231" y="3750815"/>
+            <a:ext cx="3685487" cy="1"/>
+          </a:xfrm>
+          <a:prstGeom prst="straightConnector1">
+            <a:avLst/>
+          </a:prstGeom>
+          <a:ln w="25400">
+            <a:solidFill>
+              <a:srgbClr val="5DA2C5"/>
+            </a:solidFill>
+            <a:tailEnd type="stealth" w="lg" len="lg"/>
+          </a:ln>
+        </p:spPr>
+        <p:style>
+          <a:lnRef idx="1">
+            <a:schemeClr val="accent1"/>
+          </a:lnRef>
+          <a:fillRef idx="0">
+            <a:schemeClr val="accent1"/>
+          </a:fillRef>
+          <a:effectRef idx="0">
+            <a:schemeClr val="accent1"/>
+          </a:effectRef>
+          <a:fontRef idx="minor">
+            <a:schemeClr val="tx1"/>
+          </a:fontRef>
+        </p:style>
+      </p:cxnSp>
+      <p:sp>
+        <p:nvSpPr>
+          <p:cNvPr id="32" name="TextBox 31">
+            <a:extLst>
+              <a:ext uri="{FF2B5EF4-FFF2-40B4-BE49-F238E27FC236}">
+                <a16:creationId xmlns:a16="http://schemas.microsoft.com/office/drawing/2014/main" id="{22A7965D-B09C-6E4F-A39E-F210C48BBFD0}"/>
+              </a:ext>
+            </a:extLst>
+          </p:cNvPr>
+          <p:cNvSpPr txBox="1"/>
+          <p:nvPr/>
+        </p:nvSpPr>
+        <p:spPr>
+          <a:xfrm>
+            <a:off x="830368" y="3411684"/>
+            <a:ext cx="3685488" cy="276999"/>
+          </a:xfrm>
+          <a:prstGeom prst="rect">
+            <a:avLst/>
+          </a:prstGeom>
+          <a:noFill/>
+        </p:spPr>
+        <p:txBody>
+          <a:bodyPr wrap="square" rtlCol="0">
+            <a:spAutoFit/>
+          </a:bodyPr>
+          <a:lstStyle/>
+          <a:p>
+            <a:pPr algn="ctr"/>
+            <a:r>
+              <a:rPr kumimoji="1" lang="en-US" altLang="ko-Kore-KR" sz="1200" b="1" dirty="0">
+                <a:solidFill>
+                  <a:srgbClr val="5DA2C5"/>
+                </a:solidFill>
+                <a:latin typeface="SHeadG" panose="02030600000101010101" pitchFamily="18" charset="-127"/>
+                <a:ea typeface="SHeadG" panose="02030600000101010101" pitchFamily="18" charset="-127"/>
+              </a:rPr>
+              <a:t>POST products/_</a:t>
+            </a:r>
+            <a:r>
+              <a:rPr kumimoji="1" lang="en-US" altLang="ko-Kore-KR" sz="1200" b="1" dirty="0" err="1">
+                <a:solidFill>
+                  <a:srgbClr val="5DA2C5"/>
+                </a:solidFill>
+                <a:latin typeface="SHeadG" panose="02030600000101010101" pitchFamily="18" charset="-127"/>
+                <a:ea typeface="SHeadG" panose="02030600000101010101" pitchFamily="18" charset="-127"/>
+              </a:rPr>
+              <a:t>update_by_query</a:t>
+            </a:r>
+            <a:endParaRPr kumimoji="1" lang="ko-Kore-KR" altLang="en-US" sz="1200" b="1" dirty="0">
+              <a:solidFill>
+                <a:srgbClr val="5DA2C5"/>
+              </a:solidFill>
+              <a:latin typeface="SHeadG" panose="02030600000101010101" pitchFamily="18" charset="-127"/>
+              <a:ea typeface="SHeadG" panose="02030600000101010101" pitchFamily="18" charset="-127"/>
+            </a:endParaRPr>
+          </a:p>
+        </p:txBody>
+      </p:sp>
+      <p:sp>
+        <p:nvSpPr>
+          <p:cNvPr id="10" name="타원 9">
+            <a:extLst>
+              <a:ext uri="{FF2B5EF4-FFF2-40B4-BE49-F238E27FC236}">
+                <a16:creationId xmlns:a16="http://schemas.microsoft.com/office/drawing/2014/main" id="{B9474CAC-B674-5349-957B-9FA9DB3ABA17}"/>
+              </a:ext>
+            </a:extLst>
+          </p:cNvPr>
+          <p:cNvSpPr/>
+          <p:nvPr/>
+        </p:nvSpPr>
+        <p:spPr>
+          <a:xfrm>
+            <a:off x="4622213" y="3133871"/>
+            <a:ext cx="1355075" cy="1233889"/>
+          </a:xfrm>
+          <a:prstGeom prst="ellipse">
+            <a:avLst/>
+          </a:prstGeom>
+          <a:solidFill>
+            <a:schemeClr val="accent4">
+              <a:lumMod val="75000"/>
+            </a:schemeClr>
+          </a:solidFill>
+          <a:ln>
+            <a:noFill/>
+          </a:ln>
+        </p:spPr>
+        <p:style>
+          <a:lnRef idx="2">
+            <a:schemeClr val="accent1">
+              <a:shade val="50000"/>
+            </a:schemeClr>
+          </a:lnRef>
+          <a:fillRef idx="1">
+            <a:schemeClr val="accent1"/>
+          </a:fillRef>
+          <a:effectRef idx="0">
+            <a:schemeClr val="accent1"/>
+          </a:effectRef>
+          <a:fontRef idx="minor">
+            <a:schemeClr val="lt1"/>
+          </a:fontRef>
+        </p:style>
+        <p:txBody>
+          <a:bodyPr rtlCol="0" anchor="ctr"/>
+          <a:lstStyle/>
+          <a:p>
+            <a:pPr algn="ctr"/>
+            <a:endParaRPr kumimoji="1" lang="ko-Kore-KR" altLang="en-US" sz="1200" dirty="0"/>
+          </a:p>
+        </p:txBody>
+      </p:sp>
+      <p:sp>
+        <p:nvSpPr>
+          <p:cNvPr id="12" name="TextBox 11">
+            <a:extLst>
+              <a:ext uri="{FF2B5EF4-FFF2-40B4-BE49-F238E27FC236}">
+                <a16:creationId xmlns:a16="http://schemas.microsoft.com/office/drawing/2014/main" id="{3C16D7A7-6A16-E442-8EC4-2198C3815417}"/>
+              </a:ext>
+            </a:extLst>
+          </p:cNvPr>
+          <p:cNvSpPr txBox="1"/>
+          <p:nvPr/>
+        </p:nvSpPr>
+        <p:spPr>
+          <a:xfrm>
+            <a:off x="4728568" y="3550184"/>
+            <a:ext cx="1142363" cy="430887"/>
+          </a:xfrm>
+          <a:prstGeom prst="rect">
+            <a:avLst/>
+          </a:prstGeom>
+          <a:noFill/>
+        </p:spPr>
+        <p:txBody>
+          <a:bodyPr wrap="square">
+            <a:spAutoFit/>
+          </a:bodyPr>
+          <a:lstStyle/>
+          <a:p>
+            <a:pPr algn="ctr"/>
+            <a:r>
+              <a:rPr kumimoji="1" lang="en-US" altLang="ko-Kore-KR" sz="1100" b="1" dirty="0">
+                <a:solidFill>
+                  <a:schemeClr val="bg1"/>
+                </a:solidFill>
+                <a:latin typeface="SHeadG" panose="02030600000101010101" pitchFamily="18" charset="-127"/>
+                <a:ea typeface="SHeadG" panose="02030600000101010101" pitchFamily="18" charset="-127"/>
+              </a:rPr>
+              <a:t>Coordinating </a:t>
+            </a:r>
+          </a:p>
+          <a:p>
+            <a:pPr algn="ctr"/>
+            <a:r>
+              <a:rPr kumimoji="1" lang="en-US" altLang="ko-Kore-KR" sz="1100" b="1" dirty="0">
+                <a:solidFill>
+                  <a:schemeClr val="bg1"/>
+                </a:solidFill>
+                <a:latin typeface="SHeadG" panose="02030600000101010101" pitchFamily="18" charset="-127"/>
+                <a:ea typeface="SHeadG" panose="02030600000101010101" pitchFamily="18" charset="-127"/>
+              </a:rPr>
+              <a:t>node</a:t>
+            </a:r>
+            <a:endParaRPr kumimoji="1" lang="ko-Kore-KR" altLang="en-US" sz="1100" dirty="0">
+              <a:solidFill>
+                <a:schemeClr val="bg1"/>
+              </a:solidFill>
+            </a:endParaRPr>
+          </a:p>
+        </p:txBody>
+      </p:sp>
+      <p:cxnSp>
+        <p:nvCxnSpPr>
+          <p:cNvPr id="13" name="직선 화살표 연결선 12">
+            <a:extLst>
+              <a:ext uri="{FF2B5EF4-FFF2-40B4-BE49-F238E27FC236}">
+                <a16:creationId xmlns:a16="http://schemas.microsoft.com/office/drawing/2014/main" id="{6B5E380C-73F0-E549-A866-1A65ACF6F65A}"/>
+              </a:ext>
+            </a:extLst>
+          </p:cNvPr>
+          <p:cNvCxnSpPr>
+            <a:cxnSpLocks/>
+          </p:cNvCxnSpPr>
+          <p:nvPr/>
+        </p:nvCxnSpPr>
+        <p:spPr>
+          <a:xfrm flipV="1">
+            <a:off x="5299749" y="1961001"/>
+            <a:ext cx="0" cy="1035586"/>
+          </a:xfrm>
+          <a:prstGeom prst="straightConnector1">
+            <a:avLst/>
+          </a:prstGeom>
+          <a:ln w="25400">
+            <a:solidFill>
+              <a:srgbClr val="5DA2C5"/>
+            </a:solidFill>
+            <a:tailEnd type="stealth" w="lg" len="lg"/>
+          </a:ln>
+        </p:spPr>
+        <p:style>
+          <a:lnRef idx="1">
+            <a:schemeClr val="accent1"/>
+          </a:lnRef>
+          <a:fillRef idx="0">
+            <a:schemeClr val="accent1"/>
+          </a:fillRef>
+          <a:effectRef idx="0">
+            <a:schemeClr val="accent1"/>
+          </a:effectRef>
+          <a:fontRef idx="minor">
+            <a:schemeClr val="tx1"/>
+          </a:fontRef>
+        </p:style>
+      </p:cxnSp>
+      <p:sp>
+        <p:nvSpPr>
+          <p:cNvPr id="17" name="TextBox 16">
+            <a:extLst>
+              <a:ext uri="{FF2B5EF4-FFF2-40B4-BE49-F238E27FC236}">
+                <a16:creationId xmlns:a16="http://schemas.microsoft.com/office/drawing/2014/main" id="{952CA317-5034-314D-A463-2E69E3343FBB}"/>
+              </a:ext>
+            </a:extLst>
+          </p:cNvPr>
+          <p:cNvSpPr txBox="1"/>
+          <p:nvPr/>
+        </p:nvSpPr>
+        <p:spPr>
+          <a:xfrm>
+            <a:off x="3519085" y="2246042"/>
+            <a:ext cx="1900447" cy="276999"/>
+          </a:xfrm>
+          <a:prstGeom prst="rect">
+            <a:avLst/>
+          </a:prstGeom>
+          <a:noFill/>
+        </p:spPr>
+        <p:txBody>
+          <a:bodyPr wrap="square" rtlCol="0">
+            <a:spAutoFit/>
+          </a:bodyPr>
+          <a:lstStyle/>
+          <a:p>
+            <a:pPr algn="ctr"/>
+            <a:r>
+              <a:rPr kumimoji="1" lang="en-US" altLang="ko-Kore-KR" sz="1200" b="1" dirty="0">
+                <a:solidFill>
+                  <a:srgbClr val="5DA2C5"/>
+                </a:solidFill>
+                <a:latin typeface="SHeadG" panose="02030600000101010101" pitchFamily="18" charset="-127"/>
+                <a:ea typeface="SHeadG" panose="02030600000101010101" pitchFamily="18" charset="-127"/>
+              </a:rPr>
+              <a:t>Snapshot</a:t>
+            </a:r>
+            <a:r>
+              <a:rPr kumimoji="1" lang="en-US" altLang="ko-KR" sz="1200" b="1" dirty="0">
+                <a:solidFill>
+                  <a:srgbClr val="5DA2C5"/>
+                </a:solidFill>
+                <a:latin typeface="SHeadG" panose="02030600000101010101" pitchFamily="18" charset="-127"/>
+                <a:ea typeface="SHeadG" panose="02030600000101010101" pitchFamily="18" charset="-127"/>
+              </a:rPr>
+              <a:t> </a:t>
+            </a:r>
+            <a:r>
+              <a:rPr kumimoji="1" lang="ko-KR" altLang="en-US" sz="1200" b="1" dirty="0">
+                <a:solidFill>
+                  <a:srgbClr val="5DA2C5"/>
+                </a:solidFill>
+                <a:latin typeface="SHeadG" panose="02030600000101010101" pitchFamily="18" charset="-127"/>
+                <a:ea typeface="SHeadG" panose="02030600000101010101" pitchFamily="18" charset="-127"/>
+              </a:rPr>
+              <a:t>생성</a:t>
+            </a:r>
+            <a:endParaRPr kumimoji="1" lang="ko-Kore-KR" altLang="en-US" sz="1200" b="1" dirty="0">
+              <a:solidFill>
+                <a:srgbClr val="5DA2C5"/>
+              </a:solidFill>
+              <a:latin typeface="SHeadG" panose="02030600000101010101" pitchFamily="18" charset="-127"/>
+              <a:ea typeface="SHeadG" panose="02030600000101010101" pitchFamily="18" charset="-127"/>
+            </a:endParaRPr>
+          </a:p>
+        </p:txBody>
+      </p:sp>
+      <p:pic>
+        <p:nvPicPr>
+          <p:cNvPr id="11" name="그림 10">
+            <a:extLst>
+              <a:ext uri="{FF2B5EF4-FFF2-40B4-BE49-F238E27FC236}">
+                <a16:creationId xmlns:a16="http://schemas.microsoft.com/office/drawing/2014/main" id="{CF758A58-DB9B-F340-981A-8CECB7792726}"/>
+              </a:ext>
+            </a:extLst>
+          </p:cNvPr>
+          <p:cNvPicPr>
+            <a:picLocks noChangeAspect="1"/>
+          </p:cNvPicPr>
+          <p:nvPr/>
+        </p:nvPicPr>
+        <p:blipFill>
+          <a:blip r:embed="rId2">
+            <a:duotone>
+              <a:schemeClr val="accent5">
+                <a:shade val="45000"/>
+                <a:satMod val="135000"/>
+              </a:schemeClr>
+              <a:prstClr val="white"/>
+            </a:duotone>
+          </a:blip>
+          <a:stretch>
+            <a:fillRect/>
+          </a:stretch>
+        </p:blipFill>
+        <p:spPr>
+          <a:xfrm>
+            <a:off x="4757787" y="618789"/>
+            <a:ext cx="1083923" cy="1083923"/>
+          </a:xfrm>
+          <a:prstGeom prst="rect">
+            <a:avLst/>
+          </a:prstGeom>
+        </p:spPr>
+      </p:pic>
+      <p:grpSp>
+        <p:nvGrpSpPr>
+          <p:cNvPr id="19" name="그룹 18">
+            <a:extLst>
+              <a:ext uri="{FF2B5EF4-FFF2-40B4-BE49-F238E27FC236}">
+                <a16:creationId xmlns:a16="http://schemas.microsoft.com/office/drawing/2014/main" id="{3776252C-D22C-4442-A821-1A1E85AE8B6B}"/>
+              </a:ext>
+            </a:extLst>
+          </p:cNvPr>
+          <p:cNvGrpSpPr/>
+          <p:nvPr/>
+        </p:nvGrpSpPr>
+        <p:grpSpPr>
+          <a:xfrm>
+            <a:off x="6892252" y="1160748"/>
+            <a:ext cx="1531346" cy="1518850"/>
+            <a:chOff x="6862890" y="1425713"/>
+            <a:chExt cx="1531346" cy="1518850"/>
+          </a:xfrm>
+        </p:grpSpPr>
+        <p:pic>
+          <p:nvPicPr>
+            <p:cNvPr id="16" name="그림 15">
+              <a:extLst>
+                <a:ext uri="{FF2B5EF4-FFF2-40B4-BE49-F238E27FC236}">
+                  <a16:creationId xmlns:a16="http://schemas.microsoft.com/office/drawing/2014/main" id="{4A0FC73F-6CAF-F347-9401-47AB3AFC5EAA}"/>
+                </a:ext>
+              </a:extLst>
+            </p:cNvPr>
+            <p:cNvPicPr>
+              <a:picLocks noChangeAspect="1"/>
+            </p:cNvPicPr>
+            <p:nvPr/>
+          </p:nvPicPr>
+          <p:blipFill>
+            <a:blip r:embed="rId3">
+              <a:duotone>
+                <a:schemeClr val="accent5">
+                  <a:shade val="45000"/>
+                  <a:satMod val="135000"/>
+                </a:schemeClr>
+                <a:prstClr val="white"/>
+              </a:duotone>
+            </a:blip>
+            <a:stretch>
+              <a:fillRect/>
+            </a:stretch>
+          </p:blipFill>
+          <p:spPr>
+            <a:xfrm>
+              <a:off x="7110774" y="1702712"/>
+              <a:ext cx="1035585" cy="1035585"/>
+            </a:xfrm>
+            <a:prstGeom prst="rect">
+              <a:avLst/>
+            </a:prstGeom>
+          </p:spPr>
+        </p:pic>
+        <p:sp>
+          <p:nvSpPr>
+            <p:cNvPr id="18" name="TextBox 17">
+              <a:extLst>
+                <a:ext uri="{FF2B5EF4-FFF2-40B4-BE49-F238E27FC236}">
+                  <a16:creationId xmlns:a16="http://schemas.microsoft.com/office/drawing/2014/main" id="{46353E94-D239-A444-A110-1B0BEFDE5E5D}"/>
+                </a:ext>
+              </a:extLst>
+            </p:cNvPr>
+            <p:cNvSpPr txBox="1"/>
+            <p:nvPr/>
+          </p:nvSpPr>
+          <p:spPr>
+            <a:xfrm>
+              <a:off x="6862891" y="1425713"/>
+              <a:ext cx="1531345" cy="246221"/>
+            </a:xfrm>
+            <a:prstGeom prst="rect">
+              <a:avLst/>
+            </a:prstGeom>
+            <a:noFill/>
+          </p:spPr>
+          <p:txBody>
+            <a:bodyPr wrap="square" rtlCol="0">
+              <a:spAutoFit/>
+            </a:bodyPr>
+            <a:lstStyle/>
+            <a:p>
+              <a:pPr algn="ctr"/>
+              <a:r>
+                <a:rPr kumimoji="1" lang="en-US" altLang="ko-Kore-KR" sz="1000" b="1" dirty="0">
+                  <a:solidFill>
+                    <a:srgbClr val="5DA2C5"/>
+                  </a:solidFill>
+                  <a:latin typeface="SHeadG" panose="02030600000101010101" pitchFamily="18" charset="-127"/>
+                  <a:ea typeface="SHeadG" panose="02030600000101010101" pitchFamily="18" charset="-127"/>
+                </a:rPr>
+                <a:t>SEARCH QUERY</a:t>
+              </a:r>
+              <a:endParaRPr kumimoji="1" lang="ko-Kore-KR" altLang="en-US" sz="1000" b="1" dirty="0">
+                <a:solidFill>
+                  <a:srgbClr val="5DA2C5"/>
+                </a:solidFill>
+                <a:latin typeface="SHeadG" panose="02030600000101010101" pitchFamily="18" charset="-127"/>
+                <a:ea typeface="SHeadG" panose="02030600000101010101" pitchFamily="18" charset="-127"/>
+              </a:endParaRPr>
+            </a:p>
+          </p:txBody>
+        </p:sp>
+        <p:sp>
+          <p:nvSpPr>
+            <p:cNvPr id="27" name="TextBox 26">
+              <a:extLst>
+                <a:ext uri="{FF2B5EF4-FFF2-40B4-BE49-F238E27FC236}">
+                  <a16:creationId xmlns:a16="http://schemas.microsoft.com/office/drawing/2014/main" id="{96A037A8-7C2D-894F-8E8C-37A024FFFB7C}"/>
+                </a:ext>
+              </a:extLst>
+            </p:cNvPr>
+            <p:cNvSpPr txBox="1"/>
+            <p:nvPr/>
+          </p:nvSpPr>
+          <p:spPr>
+            <a:xfrm>
+              <a:off x="6862890" y="2698342"/>
+              <a:ext cx="1531345" cy="246221"/>
+            </a:xfrm>
+            <a:prstGeom prst="rect">
+              <a:avLst/>
+            </a:prstGeom>
+            <a:noFill/>
+          </p:spPr>
+          <p:txBody>
+            <a:bodyPr wrap="square" rtlCol="0">
+              <a:spAutoFit/>
+            </a:bodyPr>
+            <a:lstStyle/>
+            <a:p>
+              <a:pPr algn="ctr"/>
+              <a:r>
+                <a:rPr kumimoji="1" lang="en-US" altLang="ko-Kore-KR" sz="1000" b="1" dirty="0">
+                  <a:solidFill>
+                    <a:srgbClr val="5DA2C5"/>
+                  </a:solidFill>
+                  <a:latin typeface="SHeadG" panose="02030600000101010101" pitchFamily="18" charset="-127"/>
+                  <a:ea typeface="SHeadG" panose="02030600000101010101" pitchFamily="18" charset="-127"/>
+                </a:rPr>
+                <a:t>BULK UPDATE</a:t>
+              </a:r>
+              <a:endParaRPr kumimoji="1" lang="ko-Kore-KR" altLang="en-US" sz="1000" b="1" dirty="0">
+                <a:solidFill>
+                  <a:srgbClr val="5DA2C5"/>
+                </a:solidFill>
+                <a:latin typeface="SHeadG" panose="02030600000101010101" pitchFamily="18" charset="-127"/>
+                <a:ea typeface="SHeadG" panose="02030600000101010101" pitchFamily="18" charset="-127"/>
+              </a:endParaRPr>
+            </a:p>
+          </p:txBody>
+        </p:sp>
+      </p:grpSp>
+      <p:grpSp>
+        <p:nvGrpSpPr>
+          <p:cNvPr id="28" name="그룹 27">
+            <a:extLst>
+              <a:ext uri="{FF2B5EF4-FFF2-40B4-BE49-F238E27FC236}">
+                <a16:creationId xmlns:a16="http://schemas.microsoft.com/office/drawing/2014/main" id="{B3BB51B6-5665-894C-9891-022101399726}"/>
+              </a:ext>
+            </a:extLst>
+          </p:cNvPr>
+          <p:cNvGrpSpPr/>
+          <p:nvPr/>
+        </p:nvGrpSpPr>
+        <p:grpSpPr>
+          <a:xfrm>
+            <a:off x="6892252" y="2874412"/>
+            <a:ext cx="1531346" cy="1518850"/>
+            <a:chOff x="6862890" y="1425713"/>
+            <a:chExt cx="1531346" cy="1518850"/>
+          </a:xfrm>
+        </p:grpSpPr>
+        <p:pic>
+          <p:nvPicPr>
+            <p:cNvPr id="29" name="그림 28">
+              <a:extLst>
+                <a:ext uri="{FF2B5EF4-FFF2-40B4-BE49-F238E27FC236}">
+                  <a16:creationId xmlns:a16="http://schemas.microsoft.com/office/drawing/2014/main" id="{E4CB9835-7EB1-CC42-9EB8-47FAC3AEE7B1}"/>
+                </a:ext>
+              </a:extLst>
+            </p:cNvPr>
+            <p:cNvPicPr>
+              <a:picLocks noChangeAspect="1"/>
+            </p:cNvPicPr>
+            <p:nvPr/>
+          </p:nvPicPr>
+          <p:blipFill>
+            <a:blip r:embed="rId3">
+              <a:duotone>
+                <a:schemeClr val="accent5">
+                  <a:shade val="45000"/>
+                  <a:satMod val="135000"/>
+                </a:schemeClr>
+                <a:prstClr val="white"/>
+              </a:duotone>
+            </a:blip>
+            <a:stretch>
+              <a:fillRect/>
+            </a:stretch>
+          </p:blipFill>
+          <p:spPr>
+            <a:xfrm>
+              <a:off x="7110774" y="1702712"/>
+              <a:ext cx="1035585" cy="1035585"/>
+            </a:xfrm>
+            <a:prstGeom prst="rect">
+              <a:avLst/>
+            </a:prstGeom>
+          </p:spPr>
+        </p:pic>
+        <p:sp>
+          <p:nvSpPr>
+            <p:cNvPr id="30" name="TextBox 29">
+              <a:extLst>
+                <a:ext uri="{FF2B5EF4-FFF2-40B4-BE49-F238E27FC236}">
+                  <a16:creationId xmlns:a16="http://schemas.microsoft.com/office/drawing/2014/main" id="{C4129957-78CE-A64C-A385-2F04916DE5F0}"/>
+                </a:ext>
+              </a:extLst>
+            </p:cNvPr>
+            <p:cNvSpPr txBox="1"/>
+            <p:nvPr/>
+          </p:nvSpPr>
+          <p:spPr>
+            <a:xfrm>
+              <a:off x="6862891" y="1425713"/>
+              <a:ext cx="1531345" cy="246221"/>
+            </a:xfrm>
+            <a:prstGeom prst="rect">
+              <a:avLst/>
+            </a:prstGeom>
+            <a:noFill/>
+          </p:spPr>
+          <p:txBody>
+            <a:bodyPr wrap="square" rtlCol="0">
+              <a:spAutoFit/>
+            </a:bodyPr>
+            <a:lstStyle/>
+            <a:p>
+              <a:pPr algn="ctr"/>
+              <a:r>
+                <a:rPr kumimoji="1" lang="en-US" altLang="ko-Kore-KR" sz="1000" b="1" dirty="0">
+                  <a:solidFill>
+                    <a:srgbClr val="5DA2C5"/>
+                  </a:solidFill>
+                  <a:latin typeface="SHeadG" panose="02030600000101010101" pitchFamily="18" charset="-127"/>
+                  <a:ea typeface="SHeadG" panose="02030600000101010101" pitchFamily="18" charset="-127"/>
+                </a:rPr>
+                <a:t>SEARCH QUERY</a:t>
+              </a:r>
+              <a:endParaRPr kumimoji="1" lang="ko-Kore-KR" altLang="en-US" sz="1000" b="1" dirty="0">
+                <a:solidFill>
+                  <a:srgbClr val="5DA2C5"/>
+                </a:solidFill>
+                <a:latin typeface="SHeadG" panose="02030600000101010101" pitchFamily="18" charset="-127"/>
+                <a:ea typeface="SHeadG" panose="02030600000101010101" pitchFamily="18" charset="-127"/>
+              </a:endParaRPr>
+            </a:p>
+          </p:txBody>
+        </p:sp>
+        <p:sp>
+          <p:nvSpPr>
+            <p:cNvPr id="33" name="TextBox 32">
+              <a:extLst>
+                <a:ext uri="{FF2B5EF4-FFF2-40B4-BE49-F238E27FC236}">
+                  <a16:creationId xmlns:a16="http://schemas.microsoft.com/office/drawing/2014/main" id="{10009197-7DFE-A148-99BC-6109C3CCC08D}"/>
+                </a:ext>
+              </a:extLst>
+            </p:cNvPr>
+            <p:cNvSpPr txBox="1"/>
+            <p:nvPr/>
+          </p:nvSpPr>
+          <p:spPr>
+            <a:xfrm>
+              <a:off x="6862890" y="2698342"/>
+              <a:ext cx="1531345" cy="246221"/>
+            </a:xfrm>
+            <a:prstGeom prst="rect">
+              <a:avLst/>
+            </a:prstGeom>
+            <a:noFill/>
+          </p:spPr>
+          <p:txBody>
+            <a:bodyPr wrap="square" rtlCol="0">
+              <a:spAutoFit/>
+            </a:bodyPr>
+            <a:lstStyle/>
+            <a:p>
+              <a:pPr algn="ctr"/>
+              <a:r>
+                <a:rPr kumimoji="1" lang="en-US" altLang="ko-Kore-KR" sz="1000" b="1" dirty="0">
+                  <a:solidFill>
+                    <a:srgbClr val="5DA2C5"/>
+                  </a:solidFill>
+                  <a:latin typeface="SHeadG" panose="02030600000101010101" pitchFamily="18" charset="-127"/>
+                  <a:ea typeface="SHeadG" panose="02030600000101010101" pitchFamily="18" charset="-127"/>
+                </a:rPr>
+                <a:t>BULK UPDATE</a:t>
+              </a:r>
+              <a:endParaRPr kumimoji="1" lang="ko-Kore-KR" altLang="en-US" sz="1000" b="1" dirty="0">
+                <a:solidFill>
+                  <a:srgbClr val="5DA2C5"/>
+                </a:solidFill>
+                <a:latin typeface="SHeadG" panose="02030600000101010101" pitchFamily="18" charset="-127"/>
+                <a:ea typeface="SHeadG" panose="02030600000101010101" pitchFamily="18" charset="-127"/>
+              </a:endParaRPr>
+            </a:p>
+          </p:txBody>
+        </p:sp>
+      </p:grpSp>
+      <p:grpSp>
+        <p:nvGrpSpPr>
+          <p:cNvPr id="34" name="그룹 33">
+            <a:extLst>
+              <a:ext uri="{FF2B5EF4-FFF2-40B4-BE49-F238E27FC236}">
+                <a16:creationId xmlns:a16="http://schemas.microsoft.com/office/drawing/2014/main" id="{038381B6-EA2E-364A-9653-9D483990AEBE}"/>
+              </a:ext>
+            </a:extLst>
+          </p:cNvPr>
+          <p:cNvGrpSpPr/>
+          <p:nvPr/>
+        </p:nvGrpSpPr>
+        <p:grpSpPr>
+          <a:xfrm>
+            <a:off x="6892252" y="4588076"/>
+            <a:ext cx="1531346" cy="1518850"/>
+            <a:chOff x="6862890" y="1425713"/>
+            <a:chExt cx="1531346" cy="1518850"/>
+          </a:xfrm>
+        </p:grpSpPr>
+        <p:pic>
+          <p:nvPicPr>
+            <p:cNvPr id="35" name="그림 34">
+              <a:extLst>
+                <a:ext uri="{FF2B5EF4-FFF2-40B4-BE49-F238E27FC236}">
+                  <a16:creationId xmlns:a16="http://schemas.microsoft.com/office/drawing/2014/main" id="{397481A2-A18A-B049-9084-C4A452B34841}"/>
+                </a:ext>
+              </a:extLst>
+            </p:cNvPr>
+            <p:cNvPicPr>
+              <a:picLocks noChangeAspect="1"/>
+            </p:cNvPicPr>
+            <p:nvPr/>
+          </p:nvPicPr>
+          <p:blipFill>
+            <a:blip r:embed="rId3">
+              <a:duotone>
+                <a:schemeClr val="accent5">
+                  <a:shade val="45000"/>
+                  <a:satMod val="135000"/>
+                </a:schemeClr>
+                <a:prstClr val="white"/>
+              </a:duotone>
+            </a:blip>
+            <a:stretch>
+              <a:fillRect/>
+            </a:stretch>
+          </p:blipFill>
+          <p:spPr>
+            <a:xfrm>
+              <a:off x="7110774" y="1702712"/>
+              <a:ext cx="1035585" cy="1035585"/>
+            </a:xfrm>
+            <a:prstGeom prst="rect">
+              <a:avLst/>
+            </a:prstGeom>
+          </p:spPr>
+        </p:pic>
+        <p:sp>
+          <p:nvSpPr>
+            <p:cNvPr id="36" name="TextBox 35">
+              <a:extLst>
+                <a:ext uri="{FF2B5EF4-FFF2-40B4-BE49-F238E27FC236}">
+                  <a16:creationId xmlns:a16="http://schemas.microsoft.com/office/drawing/2014/main" id="{A00940BC-84D0-BB42-B724-683967B439D3}"/>
+                </a:ext>
+              </a:extLst>
+            </p:cNvPr>
+            <p:cNvSpPr txBox="1"/>
+            <p:nvPr/>
+          </p:nvSpPr>
+          <p:spPr>
+            <a:xfrm>
+              <a:off x="6862891" y="1425713"/>
+              <a:ext cx="1531345" cy="246221"/>
+            </a:xfrm>
+            <a:prstGeom prst="rect">
+              <a:avLst/>
+            </a:prstGeom>
+            <a:noFill/>
+          </p:spPr>
+          <p:txBody>
+            <a:bodyPr wrap="square" rtlCol="0">
+              <a:spAutoFit/>
+            </a:bodyPr>
+            <a:lstStyle/>
+            <a:p>
+              <a:pPr algn="ctr"/>
+              <a:r>
+                <a:rPr kumimoji="1" lang="en-US" altLang="ko-Kore-KR" sz="1000" b="1" dirty="0">
+                  <a:solidFill>
+                    <a:srgbClr val="5DA2C5"/>
+                  </a:solidFill>
+                  <a:latin typeface="SHeadG" panose="02030600000101010101" pitchFamily="18" charset="-127"/>
+                  <a:ea typeface="SHeadG" panose="02030600000101010101" pitchFamily="18" charset="-127"/>
+                </a:rPr>
+                <a:t>SEARCH QUERY</a:t>
+              </a:r>
+              <a:endParaRPr kumimoji="1" lang="ko-Kore-KR" altLang="en-US" sz="1000" b="1" dirty="0">
+                <a:solidFill>
+                  <a:srgbClr val="5DA2C5"/>
+                </a:solidFill>
+                <a:latin typeface="SHeadG" panose="02030600000101010101" pitchFamily="18" charset="-127"/>
+                <a:ea typeface="SHeadG" panose="02030600000101010101" pitchFamily="18" charset="-127"/>
+              </a:endParaRPr>
+            </a:p>
+          </p:txBody>
+        </p:sp>
+        <p:sp>
+          <p:nvSpPr>
+            <p:cNvPr id="37" name="TextBox 36">
+              <a:extLst>
+                <a:ext uri="{FF2B5EF4-FFF2-40B4-BE49-F238E27FC236}">
+                  <a16:creationId xmlns:a16="http://schemas.microsoft.com/office/drawing/2014/main" id="{CE368F38-536B-9540-AD2A-1B6A4D3BBD96}"/>
+                </a:ext>
+              </a:extLst>
+            </p:cNvPr>
+            <p:cNvSpPr txBox="1"/>
+            <p:nvPr/>
+          </p:nvSpPr>
+          <p:spPr>
+            <a:xfrm>
+              <a:off x="6862890" y="2698342"/>
+              <a:ext cx="1531345" cy="246221"/>
+            </a:xfrm>
+            <a:prstGeom prst="rect">
+              <a:avLst/>
+            </a:prstGeom>
+            <a:noFill/>
+          </p:spPr>
+          <p:txBody>
+            <a:bodyPr wrap="square" rtlCol="0">
+              <a:spAutoFit/>
+            </a:bodyPr>
+            <a:lstStyle/>
+            <a:p>
+              <a:pPr algn="ctr"/>
+              <a:r>
+                <a:rPr kumimoji="1" lang="en-US" altLang="ko-Kore-KR" sz="1000" b="1" dirty="0">
+                  <a:solidFill>
+                    <a:srgbClr val="5DA2C5"/>
+                  </a:solidFill>
+                  <a:latin typeface="SHeadG" panose="02030600000101010101" pitchFamily="18" charset="-127"/>
+                  <a:ea typeface="SHeadG" panose="02030600000101010101" pitchFamily="18" charset="-127"/>
+                </a:rPr>
+                <a:t>BULK UPDATE</a:t>
+              </a:r>
+              <a:endParaRPr kumimoji="1" lang="ko-Kore-KR" altLang="en-US" sz="1000" b="1" dirty="0">
+                <a:solidFill>
+                  <a:srgbClr val="5DA2C5"/>
+                </a:solidFill>
+                <a:latin typeface="SHeadG" panose="02030600000101010101" pitchFamily="18" charset="-127"/>
+                <a:ea typeface="SHeadG" panose="02030600000101010101" pitchFamily="18" charset="-127"/>
+              </a:endParaRPr>
+            </a:p>
+          </p:txBody>
+        </p:sp>
+      </p:grpSp>
+      <p:grpSp>
+        <p:nvGrpSpPr>
+          <p:cNvPr id="20" name="그룹 19">
+            <a:extLst>
+              <a:ext uri="{FF2B5EF4-FFF2-40B4-BE49-F238E27FC236}">
+                <a16:creationId xmlns:a16="http://schemas.microsoft.com/office/drawing/2014/main" id="{895DB5A6-C1B5-AC48-AC44-E5BC5B951E9E}"/>
+              </a:ext>
+            </a:extLst>
+          </p:cNvPr>
+          <p:cNvGrpSpPr/>
+          <p:nvPr/>
+        </p:nvGrpSpPr>
+        <p:grpSpPr>
+          <a:xfrm>
+            <a:off x="9247112" y="1044186"/>
+            <a:ext cx="2033744" cy="563176"/>
+            <a:chOff x="8641602" y="1531501"/>
+            <a:chExt cx="2033744" cy="563176"/>
+          </a:xfrm>
+        </p:grpSpPr>
+        <p:sp>
+          <p:nvSpPr>
+            <p:cNvPr id="39" name="직사각형 38">
+              <a:extLst>
+                <a:ext uri="{FF2B5EF4-FFF2-40B4-BE49-F238E27FC236}">
+                  <a16:creationId xmlns:a16="http://schemas.microsoft.com/office/drawing/2014/main" id="{C3015845-7385-2047-A46D-5A3E6D9628D4}"/>
+                </a:ext>
+              </a:extLst>
+            </p:cNvPr>
+            <p:cNvSpPr/>
+            <p:nvPr/>
+          </p:nvSpPr>
+          <p:spPr>
+            <a:xfrm>
+              <a:off x="8641602" y="1531501"/>
+              <a:ext cx="2033744" cy="563176"/>
+            </a:xfrm>
+            <a:prstGeom prst="rect">
+              <a:avLst/>
+            </a:prstGeom>
+            <a:ln w="25400">
+              <a:solidFill>
+                <a:schemeClr val="bg1">
+                  <a:lumMod val="85000"/>
+                </a:schemeClr>
+              </a:solidFill>
+            </a:ln>
+          </p:spPr>
+          <p:style>
+            <a:lnRef idx="1">
+              <a:schemeClr val="accent1"/>
+            </a:lnRef>
+            <a:fillRef idx="0">
+              <a:schemeClr val="accent1"/>
+            </a:fillRef>
+            <a:effectRef idx="0">
+              <a:schemeClr val="accent1"/>
+            </a:effectRef>
+            <a:fontRef idx="minor">
+              <a:schemeClr val="tx1"/>
+            </a:fontRef>
+          </p:style>
+          <p:txBody>
+            <a:bodyPr rtlCol="0" anchor="ctr"/>
+            <a:lstStyle/>
+            <a:p>
+              <a:pPr algn="ctr"/>
+              <a:endParaRPr kumimoji="1" lang="ko-Kore-KR" altLang="en-US" sz="1000"/>
+            </a:p>
+          </p:txBody>
+        </p:sp>
+        <p:sp>
+          <p:nvSpPr>
+            <p:cNvPr id="50" name="모서리가 둥근 직사각형 49">
+              <a:extLst>
+                <a:ext uri="{FF2B5EF4-FFF2-40B4-BE49-F238E27FC236}">
+                  <a16:creationId xmlns:a16="http://schemas.microsoft.com/office/drawing/2014/main" id="{F69FC84A-062E-2749-AE3A-3A804E97A841}"/>
+                </a:ext>
+              </a:extLst>
+            </p:cNvPr>
+            <p:cNvSpPr/>
+            <p:nvPr/>
+          </p:nvSpPr>
+          <p:spPr>
+            <a:xfrm>
+              <a:off x="8738929" y="1571709"/>
+              <a:ext cx="308956" cy="224040"/>
+            </a:xfrm>
+            <a:prstGeom prst="roundRect">
+              <a:avLst/>
+            </a:prstGeom>
+            <a:solidFill>
+              <a:schemeClr val="accent4">
+                <a:lumMod val="40000"/>
+                <a:lumOff val="60000"/>
+              </a:schemeClr>
+            </a:solidFill>
+            <a:ln>
+              <a:noFill/>
+            </a:ln>
+          </p:spPr>
+          <p:style>
+            <a:lnRef idx="2">
+              <a:schemeClr val="accent1">
+                <a:shade val="50000"/>
+              </a:schemeClr>
+            </a:lnRef>
+            <a:fillRef idx="1">
+              <a:schemeClr val="accent1"/>
+            </a:fillRef>
+            <a:effectRef idx="0">
+              <a:schemeClr val="accent1"/>
+            </a:effectRef>
+            <a:fontRef idx="minor">
+              <a:schemeClr val="lt1"/>
+            </a:fontRef>
+          </p:style>
+          <p:txBody>
+            <a:bodyPr rtlCol="0" anchor="ctr"/>
+            <a:lstStyle/>
+            <a:p>
+              <a:pPr algn="ctr"/>
+              <a:endParaRPr kumimoji="1" lang="ko-Kore-KR" altLang="en-US" sz="1000"/>
+            </a:p>
+          </p:txBody>
+        </p:sp>
+        <p:sp>
+          <p:nvSpPr>
+            <p:cNvPr id="48" name="모서리가 둥근 직사각형 47">
+              <a:extLst>
+                <a:ext uri="{FF2B5EF4-FFF2-40B4-BE49-F238E27FC236}">
+                  <a16:creationId xmlns:a16="http://schemas.microsoft.com/office/drawing/2014/main" id="{6AD4BC7B-5A2B-B84A-9814-40F294210077}"/>
+                </a:ext>
+              </a:extLst>
+            </p:cNvPr>
+            <p:cNvSpPr/>
+            <p:nvPr/>
+          </p:nvSpPr>
+          <p:spPr>
+            <a:xfrm>
+              <a:off x="9120677" y="1568004"/>
+              <a:ext cx="308956" cy="224040"/>
+            </a:xfrm>
+            <a:prstGeom prst="roundRect">
+              <a:avLst/>
+            </a:prstGeom>
+            <a:solidFill>
+              <a:schemeClr val="bg1">
+                <a:lumMod val="95000"/>
+              </a:schemeClr>
+            </a:solidFill>
+            <a:ln>
+              <a:noFill/>
+            </a:ln>
+          </p:spPr>
+          <p:style>
+            <a:lnRef idx="2">
+              <a:schemeClr val="accent1">
+                <a:shade val="50000"/>
+              </a:schemeClr>
+            </a:lnRef>
+            <a:fillRef idx="1">
+              <a:schemeClr val="accent1"/>
+            </a:fillRef>
+            <a:effectRef idx="0">
+              <a:schemeClr val="accent1"/>
+            </a:effectRef>
+            <a:fontRef idx="minor">
+              <a:schemeClr val="lt1"/>
+            </a:fontRef>
+          </p:style>
+          <p:txBody>
+            <a:bodyPr rtlCol="0" anchor="ctr"/>
+            <a:lstStyle/>
+            <a:p>
+              <a:pPr algn="ctr"/>
+              <a:endParaRPr kumimoji="1" lang="ko-Kore-KR" altLang="en-US" sz="1000"/>
+            </a:p>
+          </p:txBody>
+        </p:sp>
+        <p:sp>
+          <p:nvSpPr>
+            <p:cNvPr id="52" name="모서리가 둥근 직사각형 51">
+              <a:extLst>
+                <a:ext uri="{FF2B5EF4-FFF2-40B4-BE49-F238E27FC236}">
+                  <a16:creationId xmlns:a16="http://schemas.microsoft.com/office/drawing/2014/main" id="{F3360EB6-9C17-1942-84F0-2583577A9323}"/>
+                </a:ext>
+              </a:extLst>
+            </p:cNvPr>
+            <p:cNvSpPr/>
+            <p:nvPr/>
+          </p:nvSpPr>
+          <p:spPr>
+            <a:xfrm>
+              <a:off x="9493711" y="1568004"/>
+              <a:ext cx="308956" cy="224040"/>
+            </a:xfrm>
+            <a:prstGeom prst="roundRect">
+              <a:avLst/>
+            </a:prstGeom>
+            <a:solidFill>
+              <a:schemeClr val="bg1">
+                <a:lumMod val="95000"/>
+              </a:schemeClr>
+            </a:solidFill>
+            <a:ln>
+              <a:noFill/>
+            </a:ln>
+          </p:spPr>
+          <p:style>
+            <a:lnRef idx="2">
+              <a:schemeClr val="accent1">
+                <a:shade val="50000"/>
+              </a:schemeClr>
+            </a:lnRef>
+            <a:fillRef idx="1">
+              <a:schemeClr val="accent1"/>
+            </a:fillRef>
+            <a:effectRef idx="0">
+              <a:schemeClr val="accent1"/>
+            </a:effectRef>
+            <a:fontRef idx="minor">
+              <a:schemeClr val="lt1"/>
+            </a:fontRef>
+          </p:style>
+          <p:txBody>
+            <a:bodyPr rtlCol="0" anchor="ctr"/>
+            <a:lstStyle/>
+            <a:p>
+              <a:pPr algn="ctr"/>
+              <a:endParaRPr kumimoji="1" lang="ko-Kore-KR" altLang="en-US" sz="1000"/>
+            </a:p>
+          </p:txBody>
+        </p:sp>
+        <p:sp>
+          <p:nvSpPr>
+            <p:cNvPr id="53" name="모서리가 둥근 직사각형 52">
+              <a:extLst>
+                <a:ext uri="{FF2B5EF4-FFF2-40B4-BE49-F238E27FC236}">
+                  <a16:creationId xmlns:a16="http://schemas.microsoft.com/office/drawing/2014/main" id="{6C4C0DF3-DECB-EA49-8B30-000C72E96CAA}"/>
+                </a:ext>
+              </a:extLst>
+            </p:cNvPr>
+            <p:cNvSpPr/>
+            <p:nvPr/>
+          </p:nvSpPr>
+          <p:spPr>
+            <a:xfrm>
+              <a:off x="9866745" y="1568004"/>
+              <a:ext cx="308956" cy="224040"/>
+            </a:xfrm>
+            <a:prstGeom prst="roundRect">
+              <a:avLst/>
+            </a:prstGeom>
+            <a:solidFill>
+              <a:schemeClr val="bg1">
+                <a:lumMod val="95000"/>
+              </a:schemeClr>
+            </a:solidFill>
+            <a:ln>
+              <a:noFill/>
+            </a:ln>
+          </p:spPr>
+          <p:style>
+            <a:lnRef idx="2">
+              <a:schemeClr val="accent1">
+                <a:shade val="50000"/>
+              </a:schemeClr>
+            </a:lnRef>
+            <a:fillRef idx="1">
+              <a:schemeClr val="accent1"/>
+            </a:fillRef>
+            <a:effectRef idx="0">
+              <a:schemeClr val="accent1"/>
+            </a:effectRef>
+            <a:fontRef idx="minor">
+              <a:schemeClr val="lt1"/>
+            </a:fontRef>
+          </p:style>
+          <p:txBody>
+            <a:bodyPr rtlCol="0" anchor="ctr"/>
+            <a:lstStyle/>
+            <a:p>
+              <a:pPr algn="ctr"/>
+              <a:endParaRPr kumimoji="1" lang="ko-Kore-KR" altLang="en-US" sz="1000"/>
+            </a:p>
+          </p:txBody>
+        </p:sp>
+        <p:sp>
+          <p:nvSpPr>
+            <p:cNvPr id="54" name="모서리가 둥근 직사각형 53">
+              <a:extLst>
+                <a:ext uri="{FF2B5EF4-FFF2-40B4-BE49-F238E27FC236}">
+                  <a16:creationId xmlns:a16="http://schemas.microsoft.com/office/drawing/2014/main" id="{ADC4A8DE-5E7C-5F48-A4C8-92280E31DD4C}"/>
+                </a:ext>
+              </a:extLst>
+            </p:cNvPr>
+            <p:cNvSpPr/>
+            <p:nvPr/>
+          </p:nvSpPr>
+          <p:spPr>
+            <a:xfrm>
+              <a:off x="10239779" y="1568004"/>
+              <a:ext cx="308956" cy="224040"/>
+            </a:xfrm>
+            <a:prstGeom prst="roundRect">
+              <a:avLst/>
+            </a:prstGeom>
+            <a:solidFill>
+              <a:schemeClr val="bg1">
+                <a:lumMod val="95000"/>
+              </a:schemeClr>
+            </a:solidFill>
+            <a:ln>
+              <a:noFill/>
+            </a:ln>
+          </p:spPr>
+          <p:style>
+            <a:lnRef idx="2">
+              <a:schemeClr val="accent1">
+                <a:shade val="50000"/>
+              </a:schemeClr>
+            </a:lnRef>
+            <a:fillRef idx="1">
+              <a:schemeClr val="accent1"/>
+            </a:fillRef>
+            <a:effectRef idx="0">
+              <a:schemeClr val="accent1"/>
+            </a:effectRef>
+            <a:fontRef idx="minor">
+              <a:schemeClr val="lt1"/>
+            </a:fontRef>
+          </p:style>
+          <p:txBody>
+            <a:bodyPr rtlCol="0" anchor="ctr"/>
+            <a:lstStyle/>
+            <a:p>
+              <a:pPr algn="ctr"/>
+              <a:endParaRPr kumimoji="1" lang="ko-Kore-KR" altLang="en-US" sz="1000"/>
+            </a:p>
+          </p:txBody>
+        </p:sp>
+        <p:sp>
+          <p:nvSpPr>
+            <p:cNvPr id="55" name="모서리가 둥근 직사각형 54">
+              <a:extLst>
+                <a:ext uri="{FF2B5EF4-FFF2-40B4-BE49-F238E27FC236}">
+                  <a16:creationId xmlns:a16="http://schemas.microsoft.com/office/drawing/2014/main" id="{11164A05-7F43-F843-96D9-9E3C2DA0661A}"/>
+                </a:ext>
+              </a:extLst>
+            </p:cNvPr>
+            <p:cNvSpPr/>
+            <p:nvPr/>
+          </p:nvSpPr>
+          <p:spPr>
+            <a:xfrm>
+              <a:off x="9120677" y="1828547"/>
+              <a:ext cx="308956" cy="224040"/>
+            </a:xfrm>
+            <a:prstGeom prst="roundRect">
+              <a:avLst/>
+            </a:prstGeom>
+            <a:solidFill>
+              <a:schemeClr val="bg1">
+                <a:lumMod val="95000"/>
+              </a:schemeClr>
+            </a:solidFill>
+            <a:ln>
+              <a:noFill/>
+            </a:ln>
+          </p:spPr>
+          <p:style>
+            <a:lnRef idx="2">
+              <a:schemeClr val="accent1">
+                <a:shade val="50000"/>
+              </a:schemeClr>
+            </a:lnRef>
+            <a:fillRef idx="1">
+              <a:schemeClr val="accent1"/>
+            </a:fillRef>
+            <a:effectRef idx="0">
+              <a:schemeClr val="accent1"/>
+            </a:effectRef>
+            <a:fontRef idx="minor">
+              <a:schemeClr val="lt1"/>
+            </a:fontRef>
+          </p:style>
+          <p:txBody>
+            <a:bodyPr rtlCol="0" anchor="ctr"/>
+            <a:lstStyle/>
+            <a:p>
+              <a:pPr algn="ctr"/>
+              <a:endParaRPr kumimoji="1" lang="ko-Kore-KR" altLang="en-US" sz="1000"/>
+            </a:p>
+          </p:txBody>
+        </p:sp>
+        <p:sp>
+          <p:nvSpPr>
+            <p:cNvPr id="56" name="모서리가 둥근 직사각형 55">
+              <a:extLst>
+                <a:ext uri="{FF2B5EF4-FFF2-40B4-BE49-F238E27FC236}">
+                  <a16:creationId xmlns:a16="http://schemas.microsoft.com/office/drawing/2014/main" id="{B4EF29E0-AF77-A548-9D5D-C1F0AF6D84E1}"/>
+                </a:ext>
+              </a:extLst>
+            </p:cNvPr>
+            <p:cNvSpPr/>
+            <p:nvPr/>
+          </p:nvSpPr>
+          <p:spPr>
+            <a:xfrm>
+              <a:off x="9493711" y="1828547"/>
+              <a:ext cx="308956" cy="224040"/>
+            </a:xfrm>
+            <a:prstGeom prst="roundRect">
+              <a:avLst/>
+            </a:prstGeom>
+            <a:solidFill>
+              <a:schemeClr val="bg1">
+                <a:lumMod val="95000"/>
+              </a:schemeClr>
+            </a:solidFill>
+            <a:ln>
+              <a:noFill/>
+            </a:ln>
+          </p:spPr>
+          <p:style>
+            <a:lnRef idx="2">
+              <a:schemeClr val="accent1">
+                <a:shade val="50000"/>
+              </a:schemeClr>
+            </a:lnRef>
+            <a:fillRef idx="1">
+              <a:schemeClr val="accent1"/>
+            </a:fillRef>
+            <a:effectRef idx="0">
+              <a:schemeClr val="accent1"/>
+            </a:effectRef>
+            <a:fontRef idx="minor">
+              <a:schemeClr val="lt1"/>
+            </a:fontRef>
+          </p:style>
+          <p:txBody>
+            <a:bodyPr rtlCol="0" anchor="ctr"/>
+            <a:lstStyle/>
+            <a:p>
+              <a:pPr algn="ctr"/>
+              <a:endParaRPr kumimoji="1" lang="ko-Kore-KR" altLang="en-US" sz="1000"/>
+            </a:p>
+          </p:txBody>
+        </p:sp>
+        <p:sp>
+          <p:nvSpPr>
+            <p:cNvPr id="57" name="모서리가 둥근 직사각형 56">
+              <a:extLst>
+                <a:ext uri="{FF2B5EF4-FFF2-40B4-BE49-F238E27FC236}">
+                  <a16:creationId xmlns:a16="http://schemas.microsoft.com/office/drawing/2014/main" id="{B6F75BB5-F7FA-1245-BAE1-F11BC62BC20A}"/>
+                </a:ext>
+              </a:extLst>
+            </p:cNvPr>
+            <p:cNvSpPr/>
+            <p:nvPr/>
+          </p:nvSpPr>
+          <p:spPr>
+            <a:xfrm>
+              <a:off x="9866745" y="1828547"/>
+              <a:ext cx="308956" cy="224040"/>
+            </a:xfrm>
+            <a:prstGeom prst="roundRect">
+              <a:avLst/>
+            </a:prstGeom>
+            <a:solidFill>
+              <a:schemeClr val="bg1">
+                <a:lumMod val="95000"/>
+              </a:schemeClr>
+            </a:solidFill>
+            <a:ln>
+              <a:noFill/>
+            </a:ln>
+          </p:spPr>
+          <p:style>
+            <a:lnRef idx="2">
+              <a:schemeClr val="accent1">
+                <a:shade val="50000"/>
+              </a:schemeClr>
+            </a:lnRef>
+            <a:fillRef idx="1">
+              <a:schemeClr val="accent1"/>
+            </a:fillRef>
+            <a:effectRef idx="0">
+              <a:schemeClr val="accent1"/>
+            </a:effectRef>
+            <a:fontRef idx="minor">
+              <a:schemeClr val="lt1"/>
+            </a:fontRef>
+          </p:style>
+          <p:txBody>
+            <a:bodyPr rtlCol="0" anchor="ctr"/>
+            <a:lstStyle/>
+            <a:p>
+              <a:pPr algn="ctr"/>
+              <a:endParaRPr kumimoji="1" lang="ko-Kore-KR" altLang="en-US" sz="1000"/>
+            </a:p>
+          </p:txBody>
+        </p:sp>
+        <p:sp>
+          <p:nvSpPr>
+            <p:cNvPr id="58" name="모서리가 둥근 직사각형 57">
+              <a:extLst>
+                <a:ext uri="{FF2B5EF4-FFF2-40B4-BE49-F238E27FC236}">
+                  <a16:creationId xmlns:a16="http://schemas.microsoft.com/office/drawing/2014/main" id="{A8FEB203-9FF8-9542-97E1-E4244B4FDBCA}"/>
+                </a:ext>
+              </a:extLst>
+            </p:cNvPr>
+            <p:cNvSpPr/>
+            <p:nvPr/>
+          </p:nvSpPr>
+          <p:spPr>
+            <a:xfrm>
+              <a:off x="10239779" y="1828547"/>
+              <a:ext cx="308956" cy="224040"/>
+            </a:xfrm>
+            <a:prstGeom prst="roundRect">
+              <a:avLst/>
+            </a:prstGeom>
+            <a:solidFill>
+              <a:schemeClr val="bg1">
+                <a:lumMod val="95000"/>
+              </a:schemeClr>
+            </a:solidFill>
+            <a:ln>
+              <a:noFill/>
+            </a:ln>
+          </p:spPr>
+          <p:style>
+            <a:lnRef idx="2">
+              <a:schemeClr val="accent1">
+                <a:shade val="50000"/>
+              </a:schemeClr>
+            </a:lnRef>
+            <a:fillRef idx="1">
+              <a:schemeClr val="accent1"/>
+            </a:fillRef>
+            <a:effectRef idx="0">
+              <a:schemeClr val="accent1"/>
+            </a:effectRef>
+            <a:fontRef idx="minor">
+              <a:schemeClr val="lt1"/>
+            </a:fontRef>
+          </p:style>
+          <p:txBody>
+            <a:bodyPr rtlCol="0" anchor="ctr"/>
+            <a:lstStyle/>
+            <a:p>
+              <a:pPr algn="ctr"/>
+              <a:endParaRPr kumimoji="1" lang="ko-Kore-KR" altLang="en-US" sz="1000"/>
+            </a:p>
+          </p:txBody>
+        </p:sp>
+        <p:sp>
+          <p:nvSpPr>
+            <p:cNvPr id="59" name="모서리가 둥근 직사각형 58">
+              <a:extLst>
+                <a:ext uri="{FF2B5EF4-FFF2-40B4-BE49-F238E27FC236}">
+                  <a16:creationId xmlns:a16="http://schemas.microsoft.com/office/drawing/2014/main" id="{F65C4845-EC89-E147-B6F9-A75A0AE0C87C}"/>
+                </a:ext>
+              </a:extLst>
+            </p:cNvPr>
+            <p:cNvSpPr/>
+            <p:nvPr/>
+          </p:nvSpPr>
+          <p:spPr>
+            <a:xfrm>
+              <a:off x="8743286" y="1835957"/>
+              <a:ext cx="308956" cy="224040"/>
+            </a:xfrm>
+            <a:prstGeom prst="roundRect">
+              <a:avLst/>
+            </a:prstGeom>
+            <a:solidFill>
+              <a:schemeClr val="bg1">
+                <a:lumMod val="95000"/>
+              </a:schemeClr>
+            </a:solidFill>
+            <a:ln>
+              <a:noFill/>
+            </a:ln>
+          </p:spPr>
+          <p:style>
+            <a:lnRef idx="2">
+              <a:schemeClr val="accent1">
+                <a:shade val="50000"/>
+              </a:schemeClr>
+            </a:lnRef>
+            <a:fillRef idx="1">
+              <a:schemeClr val="accent1"/>
+            </a:fillRef>
+            <a:effectRef idx="0">
+              <a:schemeClr val="accent1"/>
+            </a:effectRef>
+            <a:fontRef idx="minor">
+              <a:schemeClr val="lt1"/>
+            </a:fontRef>
+          </p:style>
+          <p:txBody>
+            <a:bodyPr rtlCol="0" anchor="ctr"/>
+            <a:lstStyle/>
+            <a:p>
+              <a:pPr algn="ctr"/>
+              <a:endParaRPr kumimoji="1" lang="ko-Kore-KR" altLang="en-US" sz="1000"/>
+            </a:p>
+          </p:txBody>
+        </p:sp>
+      </p:grpSp>
+      <p:sp>
+        <p:nvSpPr>
+          <p:cNvPr id="60" name="TextBox 59">
+            <a:extLst>
+              <a:ext uri="{FF2B5EF4-FFF2-40B4-BE49-F238E27FC236}">
+                <a16:creationId xmlns:a16="http://schemas.microsoft.com/office/drawing/2014/main" id="{344E3AC7-778E-1644-8495-89AF61274D6E}"/>
+              </a:ext>
+            </a:extLst>
+          </p:cNvPr>
+          <p:cNvSpPr txBox="1"/>
+          <p:nvPr/>
+        </p:nvSpPr>
+        <p:spPr>
+          <a:xfrm>
+            <a:off x="9468422" y="1665597"/>
+            <a:ext cx="1531345" cy="246221"/>
+          </a:xfrm>
+          <a:prstGeom prst="rect">
+            <a:avLst/>
+          </a:prstGeom>
+          <a:noFill/>
+        </p:spPr>
+        <p:txBody>
+          <a:bodyPr wrap="square" rtlCol="0">
+            <a:spAutoFit/>
+          </a:bodyPr>
+          <a:lstStyle/>
+          <a:p>
+            <a:pPr algn="ctr"/>
+            <a:r>
+              <a:rPr kumimoji="1" lang="ko-KR" altLang="en-US" sz="1000" b="1" dirty="0">
+                <a:solidFill>
+                  <a:srgbClr val="5DA2C5"/>
+                </a:solidFill>
+                <a:latin typeface="SHeadG" panose="02030600000101010101" pitchFamily="18" charset="-127"/>
+                <a:ea typeface="SHeadG" panose="02030600000101010101" pitchFamily="18" charset="-127"/>
+              </a:rPr>
+              <a:t>복제 그룹 </a:t>
+            </a:r>
+            <a:r>
+              <a:rPr kumimoji="1" lang="en-US" altLang="ko-KR" sz="1000" b="1" dirty="0">
+                <a:solidFill>
+                  <a:srgbClr val="5DA2C5"/>
+                </a:solidFill>
+                <a:latin typeface="SHeadG" panose="02030600000101010101" pitchFamily="18" charset="-127"/>
+                <a:ea typeface="SHeadG" panose="02030600000101010101" pitchFamily="18" charset="-127"/>
+              </a:rPr>
+              <a:t>A</a:t>
+            </a:r>
+            <a:endParaRPr kumimoji="1" lang="ko-Kore-KR" altLang="en-US" sz="1000" b="1" dirty="0">
+              <a:solidFill>
+                <a:srgbClr val="5DA2C5"/>
+              </a:solidFill>
+              <a:latin typeface="SHeadG" panose="02030600000101010101" pitchFamily="18" charset="-127"/>
+              <a:ea typeface="SHeadG" panose="02030600000101010101" pitchFamily="18" charset="-127"/>
+            </a:endParaRPr>
+          </a:p>
+        </p:txBody>
+      </p:sp>
+      <p:grpSp>
+        <p:nvGrpSpPr>
+          <p:cNvPr id="61" name="그룹 60">
+            <a:extLst>
+              <a:ext uri="{FF2B5EF4-FFF2-40B4-BE49-F238E27FC236}">
+                <a16:creationId xmlns:a16="http://schemas.microsoft.com/office/drawing/2014/main" id="{648110DA-545B-7145-8965-868E1A1ACC53}"/>
+              </a:ext>
+            </a:extLst>
+          </p:cNvPr>
+          <p:cNvGrpSpPr/>
+          <p:nvPr/>
+        </p:nvGrpSpPr>
+        <p:grpSpPr>
+          <a:xfrm>
+            <a:off x="9247112" y="3434450"/>
+            <a:ext cx="2033744" cy="563176"/>
+            <a:chOff x="8641602" y="1531501"/>
+            <a:chExt cx="2033744" cy="563176"/>
+          </a:xfrm>
+        </p:grpSpPr>
+        <p:sp>
+          <p:nvSpPr>
+            <p:cNvPr id="62" name="직사각형 61">
+              <a:extLst>
+                <a:ext uri="{FF2B5EF4-FFF2-40B4-BE49-F238E27FC236}">
+                  <a16:creationId xmlns:a16="http://schemas.microsoft.com/office/drawing/2014/main" id="{4F0008C6-C861-9948-8A80-373FB32A45E4}"/>
+                </a:ext>
+              </a:extLst>
+            </p:cNvPr>
+            <p:cNvSpPr/>
+            <p:nvPr/>
+          </p:nvSpPr>
+          <p:spPr>
+            <a:xfrm>
+              <a:off x="8641602" y="1531501"/>
+              <a:ext cx="2033744" cy="563176"/>
+            </a:xfrm>
+            <a:prstGeom prst="rect">
+              <a:avLst/>
+            </a:prstGeom>
+            <a:ln w="25400">
+              <a:solidFill>
+                <a:schemeClr val="bg1">
+                  <a:lumMod val="85000"/>
+                </a:schemeClr>
+              </a:solidFill>
+            </a:ln>
+          </p:spPr>
+          <p:style>
+            <a:lnRef idx="1">
+              <a:schemeClr val="accent1"/>
+            </a:lnRef>
+            <a:fillRef idx="0">
+              <a:schemeClr val="accent1"/>
+            </a:fillRef>
+            <a:effectRef idx="0">
+              <a:schemeClr val="accent1"/>
+            </a:effectRef>
+            <a:fontRef idx="minor">
+              <a:schemeClr val="tx1"/>
+            </a:fontRef>
+          </p:style>
+          <p:txBody>
+            <a:bodyPr rtlCol="0" anchor="ctr"/>
+            <a:lstStyle/>
+            <a:p>
+              <a:pPr algn="ctr"/>
+              <a:endParaRPr kumimoji="1" lang="ko-Kore-KR" altLang="en-US" sz="1000"/>
+            </a:p>
+          </p:txBody>
+        </p:sp>
+        <p:sp>
+          <p:nvSpPr>
+            <p:cNvPr id="63" name="모서리가 둥근 직사각형 62">
+              <a:extLst>
+                <a:ext uri="{FF2B5EF4-FFF2-40B4-BE49-F238E27FC236}">
+                  <a16:creationId xmlns:a16="http://schemas.microsoft.com/office/drawing/2014/main" id="{6F5824EA-301C-3245-9C60-FB4A688A9433}"/>
+                </a:ext>
+              </a:extLst>
+            </p:cNvPr>
+            <p:cNvSpPr/>
+            <p:nvPr/>
+          </p:nvSpPr>
+          <p:spPr>
+            <a:xfrm>
+              <a:off x="8738929" y="1571709"/>
+              <a:ext cx="308956" cy="224040"/>
+            </a:xfrm>
+            <a:prstGeom prst="roundRect">
+              <a:avLst/>
+            </a:prstGeom>
+            <a:solidFill>
+              <a:schemeClr val="accent4">
+                <a:lumMod val="40000"/>
+                <a:lumOff val="60000"/>
+              </a:schemeClr>
+            </a:solidFill>
+            <a:ln>
+              <a:noFill/>
+            </a:ln>
+          </p:spPr>
+          <p:style>
+            <a:lnRef idx="2">
+              <a:schemeClr val="accent1">
+                <a:shade val="50000"/>
+              </a:schemeClr>
+            </a:lnRef>
+            <a:fillRef idx="1">
+              <a:schemeClr val="accent1"/>
+            </a:fillRef>
+            <a:effectRef idx="0">
+              <a:schemeClr val="accent1"/>
+            </a:effectRef>
+            <a:fontRef idx="minor">
+              <a:schemeClr val="lt1"/>
+            </a:fontRef>
+          </p:style>
+          <p:txBody>
+            <a:bodyPr rtlCol="0" anchor="ctr"/>
+            <a:lstStyle/>
+            <a:p>
+              <a:pPr algn="ctr"/>
+              <a:endParaRPr kumimoji="1" lang="ko-Kore-KR" altLang="en-US" sz="1000"/>
+            </a:p>
+          </p:txBody>
+        </p:sp>
+        <p:sp>
+          <p:nvSpPr>
+            <p:cNvPr id="64" name="모서리가 둥근 직사각형 63">
+              <a:extLst>
+                <a:ext uri="{FF2B5EF4-FFF2-40B4-BE49-F238E27FC236}">
+                  <a16:creationId xmlns:a16="http://schemas.microsoft.com/office/drawing/2014/main" id="{C0C7D649-C43F-BA4F-BD74-682758672F55}"/>
+                </a:ext>
+              </a:extLst>
+            </p:cNvPr>
+            <p:cNvSpPr/>
+            <p:nvPr/>
+          </p:nvSpPr>
+          <p:spPr>
+            <a:xfrm>
+              <a:off x="9120677" y="1568004"/>
+              <a:ext cx="308956" cy="224040"/>
+            </a:xfrm>
+            <a:prstGeom prst="roundRect">
+              <a:avLst/>
+            </a:prstGeom>
+            <a:solidFill>
+              <a:schemeClr val="bg1">
+                <a:lumMod val="95000"/>
+              </a:schemeClr>
+            </a:solidFill>
+            <a:ln>
+              <a:noFill/>
+            </a:ln>
+          </p:spPr>
+          <p:style>
+            <a:lnRef idx="2">
+              <a:schemeClr val="accent1">
+                <a:shade val="50000"/>
+              </a:schemeClr>
+            </a:lnRef>
+            <a:fillRef idx="1">
+              <a:schemeClr val="accent1"/>
+            </a:fillRef>
+            <a:effectRef idx="0">
+              <a:schemeClr val="accent1"/>
+            </a:effectRef>
+            <a:fontRef idx="minor">
+              <a:schemeClr val="lt1"/>
+            </a:fontRef>
+          </p:style>
+          <p:txBody>
+            <a:bodyPr rtlCol="0" anchor="ctr"/>
+            <a:lstStyle/>
+            <a:p>
+              <a:pPr algn="ctr"/>
+              <a:endParaRPr kumimoji="1" lang="ko-Kore-KR" altLang="en-US" sz="1000"/>
+            </a:p>
+          </p:txBody>
+        </p:sp>
+        <p:sp>
+          <p:nvSpPr>
+            <p:cNvPr id="65" name="모서리가 둥근 직사각형 64">
+              <a:extLst>
+                <a:ext uri="{FF2B5EF4-FFF2-40B4-BE49-F238E27FC236}">
+                  <a16:creationId xmlns:a16="http://schemas.microsoft.com/office/drawing/2014/main" id="{720CD8AB-A0E9-FF49-ABF3-9B1AA74E49BD}"/>
+                </a:ext>
+              </a:extLst>
+            </p:cNvPr>
+            <p:cNvSpPr/>
+            <p:nvPr/>
+          </p:nvSpPr>
+          <p:spPr>
+            <a:xfrm>
+              <a:off x="9493711" y="1568004"/>
+              <a:ext cx="308956" cy="224040"/>
+            </a:xfrm>
+            <a:prstGeom prst="roundRect">
+              <a:avLst/>
+            </a:prstGeom>
+            <a:solidFill>
+              <a:schemeClr val="bg1">
+                <a:lumMod val="95000"/>
+              </a:schemeClr>
+            </a:solidFill>
+            <a:ln>
+              <a:noFill/>
+            </a:ln>
+          </p:spPr>
+          <p:style>
+            <a:lnRef idx="2">
+              <a:schemeClr val="accent1">
+                <a:shade val="50000"/>
+              </a:schemeClr>
+            </a:lnRef>
+            <a:fillRef idx="1">
+              <a:schemeClr val="accent1"/>
+            </a:fillRef>
+            <a:effectRef idx="0">
+              <a:schemeClr val="accent1"/>
+            </a:effectRef>
+            <a:fontRef idx="minor">
+              <a:schemeClr val="lt1"/>
+            </a:fontRef>
+          </p:style>
+          <p:txBody>
+            <a:bodyPr rtlCol="0" anchor="ctr"/>
+            <a:lstStyle/>
+            <a:p>
+              <a:pPr algn="ctr"/>
+              <a:endParaRPr kumimoji="1" lang="ko-Kore-KR" altLang="en-US" sz="1000"/>
+            </a:p>
+          </p:txBody>
+        </p:sp>
+        <p:sp>
+          <p:nvSpPr>
+            <p:cNvPr id="66" name="모서리가 둥근 직사각형 65">
+              <a:extLst>
+                <a:ext uri="{FF2B5EF4-FFF2-40B4-BE49-F238E27FC236}">
+                  <a16:creationId xmlns:a16="http://schemas.microsoft.com/office/drawing/2014/main" id="{79619547-905C-A94B-A033-05287F74CB11}"/>
+                </a:ext>
+              </a:extLst>
+            </p:cNvPr>
+            <p:cNvSpPr/>
+            <p:nvPr/>
+          </p:nvSpPr>
+          <p:spPr>
+            <a:xfrm>
+              <a:off x="9866745" y="1568004"/>
+              <a:ext cx="308956" cy="224040"/>
+            </a:xfrm>
+            <a:prstGeom prst="roundRect">
+              <a:avLst/>
+            </a:prstGeom>
+            <a:solidFill>
+              <a:schemeClr val="bg1">
+                <a:lumMod val="95000"/>
+              </a:schemeClr>
+            </a:solidFill>
+            <a:ln>
+              <a:noFill/>
+            </a:ln>
+          </p:spPr>
+          <p:style>
+            <a:lnRef idx="2">
+              <a:schemeClr val="accent1">
+                <a:shade val="50000"/>
+              </a:schemeClr>
+            </a:lnRef>
+            <a:fillRef idx="1">
+              <a:schemeClr val="accent1"/>
+            </a:fillRef>
+            <a:effectRef idx="0">
+              <a:schemeClr val="accent1"/>
+            </a:effectRef>
+            <a:fontRef idx="minor">
+              <a:schemeClr val="lt1"/>
+            </a:fontRef>
+          </p:style>
+          <p:txBody>
+            <a:bodyPr rtlCol="0" anchor="ctr"/>
+            <a:lstStyle/>
+            <a:p>
+              <a:pPr algn="ctr"/>
+              <a:endParaRPr kumimoji="1" lang="ko-Kore-KR" altLang="en-US" sz="1000"/>
+            </a:p>
+          </p:txBody>
+        </p:sp>
+        <p:sp>
+          <p:nvSpPr>
+            <p:cNvPr id="67" name="모서리가 둥근 직사각형 66">
+              <a:extLst>
+                <a:ext uri="{FF2B5EF4-FFF2-40B4-BE49-F238E27FC236}">
+                  <a16:creationId xmlns:a16="http://schemas.microsoft.com/office/drawing/2014/main" id="{0B33DF02-4D1A-5746-A451-D87396BAB7FB}"/>
+                </a:ext>
+              </a:extLst>
+            </p:cNvPr>
+            <p:cNvSpPr/>
+            <p:nvPr/>
+          </p:nvSpPr>
+          <p:spPr>
+            <a:xfrm>
+              <a:off x="10239779" y="1568004"/>
+              <a:ext cx="308956" cy="224040"/>
+            </a:xfrm>
+            <a:prstGeom prst="roundRect">
+              <a:avLst/>
+            </a:prstGeom>
+            <a:solidFill>
+              <a:schemeClr val="bg1">
+                <a:lumMod val="95000"/>
+              </a:schemeClr>
+            </a:solidFill>
+            <a:ln>
+              <a:noFill/>
+            </a:ln>
+          </p:spPr>
+          <p:style>
+            <a:lnRef idx="2">
+              <a:schemeClr val="accent1">
+                <a:shade val="50000"/>
+              </a:schemeClr>
+            </a:lnRef>
+            <a:fillRef idx="1">
+              <a:schemeClr val="accent1"/>
+            </a:fillRef>
+            <a:effectRef idx="0">
+              <a:schemeClr val="accent1"/>
+            </a:effectRef>
+            <a:fontRef idx="minor">
+              <a:schemeClr val="lt1"/>
+            </a:fontRef>
+          </p:style>
+          <p:txBody>
+            <a:bodyPr rtlCol="0" anchor="ctr"/>
+            <a:lstStyle/>
+            <a:p>
+              <a:pPr algn="ctr"/>
+              <a:endParaRPr kumimoji="1" lang="ko-Kore-KR" altLang="en-US" sz="1000"/>
+            </a:p>
+          </p:txBody>
+        </p:sp>
+        <p:sp>
+          <p:nvSpPr>
+            <p:cNvPr id="68" name="모서리가 둥근 직사각형 67">
+              <a:extLst>
+                <a:ext uri="{FF2B5EF4-FFF2-40B4-BE49-F238E27FC236}">
+                  <a16:creationId xmlns:a16="http://schemas.microsoft.com/office/drawing/2014/main" id="{A17483C3-FDFA-AF4F-A800-6151651AD7A9}"/>
+                </a:ext>
+              </a:extLst>
+            </p:cNvPr>
+            <p:cNvSpPr/>
+            <p:nvPr/>
+          </p:nvSpPr>
+          <p:spPr>
+            <a:xfrm>
+              <a:off x="9120677" y="1828547"/>
+              <a:ext cx="308956" cy="224040"/>
+            </a:xfrm>
+            <a:prstGeom prst="roundRect">
+              <a:avLst/>
+            </a:prstGeom>
+            <a:solidFill>
+              <a:schemeClr val="bg1">
+                <a:lumMod val="95000"/>
+              </a:schemeClr>
+            </a:solidFill>
+            <a:ln>
+              <a:noFill/>
+            </a:ln>
+          </p:spPr>
+          <p:style>
+            <a:lnRef idx="2">
+              <a:schemeClr val="accent1">
+                <a:shade val="50000"/>
+              </a:schemeClr>
+            </a:lnRef>
+            <a:fillRef idx="1">
+              <a:schemeClr val="accent1"/>
+            </a:fillRef>
+            <a:effectRef idx="0">
+              <a:schemeClr val="accent1"/>
+            </a:effectRef>
+            <a:fontRef idx="minor">
+              <a:schemeClr val="lt1"/>
+            </a:fontRef>
+          </p:style>
+          <p:txBody>
+            <a:bodyPr rtlCol="0" anchor="ctr"/>
+            <a:lstStyle/>
+            <a:p>
+              <a:pPr algn="ctr"/>
+              <a:endParaRPr kumimoji="1" lang="ko-Kore-KR" altLang="en-US" sz="1000"/>
+            </a:p>
+          </p:txBody>
+        </p:sp>
+        <p:sp>
+          <p:nvSpPr>
+            <p:cNvPr id="69" name="모서리가 둥근 직사각형 68">
+              <a:extLst>
+                <a:ext uri="{FF2B5EF4-FFF2-40B4-BE49-F238E27FC236}">
+                  <a16:creationId xmlns:a16="http://schemas.microsoft.com/office/drawing/2014/main" id="{B89D835F-20D3-E142-9819-AEA706A42869}"/>
+                </a:ext>
+              </a:extLst>
+            </p:cNvPr>
+            <p:cNvSpPr/>
+            <p:nvPr/>
+          </p:nvSpPr>
+          <p:spPr>
+            <a:xfrm>
+              <a:off x="9493711" y="1828547"/>
+              <a:ext cx="308956" cy="224040"/>
+            </a:xfrm>
+            <a:prstGeom prst="roundRect">
+              <a:avLst/>
+            </a:prstGeom>
+            <a:solidFill>
+              <a:schemeClr val="bg1">
+                <a:lumMod val="95000"/>
+              </a:schemeClr>
+            </a:solidFill>
+            <a:ln>
+              <a:noFill/>
+            </a:ln>
+          </p:spPr>
+          <p:style>
+            <a:lnRef idx="2">
+              <a:schemeClr val="accent1">
+                <a:shade val="50000"/>
+              </a:schemeClr>
+            </a:lnRef>
+            <a:fillRef idx="1">
+              <a:schemeClr val="accent1"/>
+            </a:fillRef>
+            <a:effectRef idx="0">
+              <a:schemeClr val="accent1"/>
+            </a:effectRef>
+            <a:fontRef idx="minor">
+              <a:schemeClr val="lt1"/>
+            </a:fontRef>
+          </p:style>
+          <p:txBody>
+            <a:bodyPr rtlCol="0" anchor="ctr"/>
+            <a:lstStyle/>
+            <a:p>
+              <a:pPr algn="ctr"/>
+              <a:endParaRPr kumimoji="1" lang="ko-Kore-KR" altLang="en-US" sz="1000"/>
+            </a:p>
+          </p:txBody>
+        </p:sp>
+        <p:sp>
+          <p:nvSpPr>
+            <p:cNvPr id="70" name="모서리가 둥근 직사각형 69">
+              <a:extLst>
+                <a:ext uri="{FF2B5EF4-FFF2-40B4-BE49-F238E27FC236}">
+                  <a16:creationId xmlns:a16="http://schemas.microsoft.com/office/drawing/2014/main" id="{1E39D2EE-9670-6446-AB34-8DFD9C9E5CEA}"/>
+                </a:ext>
+              </a:extLst>
+            </p:cNvPr>
+            <p:cNvSpPr/>
+            <p:nvPr/>
+          </p:nvSpPr>
+          <p:spPr>
+            <a:xfrm>
+              <a:off x="9866745" y="1828547"/>
+              <a:ext cx="308956" cy="224040"/>
+            </a:xfrm>
+            <a:prstGeom prst="roundRect">
+              <a:avLst/>
+            </a:prstGeom>
+            <a:solidFill>
+              <a:schemeClr val="bg1">
+                <a:lumMod val="95000"/>
+              </a:schemeClr>
+            </a:solidFill>
+            <a:ln>
+              <a:noFill/>
+            </a:ln>
+          </p:spPr>
+          <p:style>
+            <a:lnRef idx="2">
+              <a:schemeClr val="accent1">
+                <a:shade val="50000"/>
+              </a:schemeClr>
+            </a:lnRef>
+            <a:fillRef idx="1">
+              <a:schemeClr val="accent1"/>
+            </a:fillRef>
+            <a:effectRef idx="0">
+              <a:schemeClr val="accent1"/>
+            </a:effectRef>
+            <a:fontRef idx="minor">
+              <a:schemeClr val="lt1"/>
+            </a:fontRef>
+          </p:style>
+          <p:txBody>
+            <a:bodyPr rtlCol="0" anchor="ctr"/>
+            <a:lstStyle/>
+            <a:p>
+              <a:pPr algn="ctr"/>
+              <a:endParaRPr kumimoji="1" lang="ko-Kore-KR" altLang="en-US" sz="1000"/>
+            </a:p>
+          </p:txBody>
+        </p:sp>
+        <p:sp>
+          <p:nvSpPr>
+            <p:cNvPr id="71" name="모서리가 둥근 직사각형 70">
+              <a:extLst>
+                <a:ext uri="{FF2B5EF4-FFF2-40B4-BE49-F238E27FC236}">
+                  <a16:creationId xmlns:a16="http://schemas.microsoft.com/office/drawing/2014/main" id="{44DDF9C2-8DEB-E244-A2CA-D10CADE46805}"/>
+                </a:ext>
+              </a:extLst>
+            </p:cNvPr>
+            <p:cNvSpPr/>
+            <p:nvPr/>
+          </p:nvSpPr>
+          <p:spPr>
+            <a:xfrm>
+              <a:off x="10239779" y="1828547"/>
+              <a:ext cx="308956" cy="224040"/>
+            </a:xfrm>
+            <a:prstGeom prst="roundRect">
+              <a:avLst/>
+            </a:prstGeom>
+            <a:solidFill>
+              <a:schemeClr val="bg1">
+                <a:lumMod val="95000"/>
+              </a:schemeClr>
+            </a:solidFill>
+            <a:ln>
+              <a:noFill/>
+            </a:ln>
+          </p:spPr>
+          <p:style>
+            <a:lnRef idx="2">
+              <a:schemeClr val="accent1">
+                <a:shade val="50000"/>
+              </a:schemeClr>
+            </a:lnRef>
+            <a:fillRef idx="1">
+              <a:schemeClr val="accent1"/>
+            </a:fillRef>
+            <a:effectRef idx="0">
+              <a:schemeClr val="accent1"/>
+            </a:effectRef>
+            <a:fontRef idx="minor">
+              <a:schemeClr val="lt1"/>
+            </a:fontRef>
+          </p:style>
+          <p:txBody>
+            <a:bodyPr rtlCol="0" anchor="ctr"/>
+            <a:lstStyle/>
+            <a:p>
+              <a:pPr algn="ctr"/>
+              <a:endParaRPr kumimoji="1" lang="ko-Kore-KR" altLang="en-US" sz="1000"/>
+            </a:p>
+          </p:txBody>
+        </p:sp>
+        <p:sp>
+          <p:nvSpPr>
+            <p:cNvPr id="72" name="모서리가 둥근 직사각형 71">
+              <a:extLst>
+                <a:ext uri="{FF2B5EF4-FFF2-40B4-BE49-F238E27FC236}">
+                  <a16:creationId xmlns:a16="http://schemas.microsoft.com/office/drawing/2014/main" id="{1DA92C07-F143-7548-83F7-1906F8725112}"/>
+                </a:ext>
+              </a:extLst>
+            </p:cNvPr>
+            <p:cNvSpPr/>
+            <p:nvPr/>
+          </p:nvSpPr>
+          <p:spPr>
+            <a:xfrm>
+              <a:off x="8743286" y="1835957"/>
+              <a:ext cx="308956" cy="224040"/>
+            </a:xfrm>
+            <a:prstGeom prst="roundRect">
+              <a:avLst/>
+            </a:prstGeom>
+            <a:solidFill>
+              <a:schemeClr val="bg1">
+                <a:lumMod val="95000"/>
+              </a:schemeClr>
+            </a:solidFill>
+            <a:ln>
+              <a:noFill/>
+            </a:ln>
+          </p:spPr>
+          <p:style>
+            <a:lnRef idx="2">
+              <a:schemeClr val="accent1">
+                <a:shade val="50000"/>
+              </a:schemeClr>
+            </a:lnRef>
+            <a:fillRef idx="1">
+              <a:schemeClr val="accent1"/>
+            </a:fillRef>
+            <a:effectRef idx="0">
+              <a:schemeClr val="accent1"/>
+            </a:effectRef>
+            <a:fontRef idx="minor">
+              <a:schemeClr val="lt1"/>
+            </a:fontRef>
+          </p:style>
+          <p:txBody>
+            <a:bodyPr rtlCol="0" anchor="ctr"/>
+            <a:lstStyle/>
+            <a:p>
+              <a:pPr algn="ctr"/>
+              <a:endParaRPr kumimoji="1" lang="ko-Kore-KR" altLang="en-US" sz="1000"/>
+            </a:p>
+          </p:txBody>
+        </p:sp>
+      </p:grpSp>
+      <p:sp>
+        <p:nvSpPr>
+          <p:cNvPr id="73" name="TextBox 72">
+            <a:extLst>
+              <a:ext uri="{FF2B5EF4-FFF2-40B4-BE49-F238E27FC236}">
+                <a16:creationId xmlns:a16="http://schemas.microsoft.com/office/drawing/2014/main" id="{AF22D1DD-4CBD-F543-A6AB-DC8535F31B75}"/>
+              </a:ext>
+            </a:extLst>
+          </p:cNvPr>
+          <p:cNvSpPr txBox="1"/>
+          <p:nvPr/>
+        </p:nvSpPr>
+        <p:spPr>
+          <a:xfrm>
+            <a:off x="9468422" y="4055861"/>
+            <a:ext cx="1531345" cy="246221"/>
+          </a:xfrm>
+          <a:prstGeom prst="rect">
+            <a:avLst/>
+          </a:prstGeom>
+          <a:noFill/>
+        </p:spPr>
+        <p:txBody>
+          <a:bodyPr wrap="square" rtlCol="0">
+            <a:spAutoFit/>
+          </a:bodyPr>
+          <a:lstStyle/>
+          <a:p>
+            <a:pPr algn="ctr"/>
+            <a:r>
+              <a:rPr kumimoji="1" lang="ko-KR" altLang="en-US" sz="1000" b="1" dirty="0">
+                <a:solidFill>
+                  <a:srgbClr val="5DA2C5"/>
+                </a:solidFill>
+                <a:latin typeface="SHeadG" panose="02030600000101010101" pitchFamily="18" charset="-127"/>
+                <a:ea typeface="SHeadG" panose="02030600000101010101" pitchFamily="18" charset="-127"/>
+              </a:rPr>
+              <a:t>복제 그룹 </a:t>
+            </a:r>
+            <a:r>
+              <a:rPr kumimoji="1" lang="en-US" altLang="ko-KR" sz="1000" b="1" dirty="0">
+                <a:solidFill>
+                  <a:srgbClr val="5DA2C5"/>
+                </a:solidFill>
+                <a:latin typeface="SHeadG" panose="02030600000101010101" pitchFamily="18" charset="-127"/>
+                <a:ea typeface="SHeadG" panose="02030600000101010101" pitchFamily="18" charset="-127"/>
+              </a:rPr>
+              <a:t>B</a:t>
+            </a:r>
+            <a:endParaRPr kumimoji="1" lang="ko-Kore-KR" altLang="en-US" sz="1000" b="1" dirty="0">
+              <a:solidFill>
+                <a:srgbClr val="5DA2C5"/>
+              </a:solidFill>
+              <a:latin typeface="SHeadG" panose="02030600000101010101" pitchFamily="18" charset="-127"/>
+              <a:ea typeface="SHeadG" panose="02030600000101010101" pitchFamily="18" charset="-127"/>
+            </a:endParaRPr>
+          </a:p>
+        </p:txBody>
+      </p:sp>
+      <p:grpSp>
+        <p:nvGrpSpPr>
+          <p:cNvPr id="74" name="그룹 73">
+            <a:extLst>
+              <a:ext uri="{FF2B5EF4-FFF2-40B4-BE49-F238E27FC236}">
+                <a16:creationId xmlns:a16="http://schemas.microsoft.com/office/drawing/2014/main" id="{0E803064-313B-384C-AE46-73543123657A}"/>
+              </a:ext>
+            </a:extLst>
+          </p:cNvPr>
+          <p:cNvGrpSpPr/>
+          <p:nvPr/>
+        </p:nvGrpSpPr>
+        <p:grpSpPr>
+          <a:xfrm>
+            <a:off x="9247112" y="5619072"/>
+            <a:ext cx="2033744" cy="563176"/>
+            <a:chOff x="8641602" y="1531501"/>
+            <a:chExt cx="2033744" cy="563176"/>
+          </a:xfrm>
+        </p:grpSpPr>
+        <p:sp>
+          <p:nvSpPr>
+            <p:cNvPr id="75" name="직사각형 74">
+              <a:extLst>
+                <a:ext uri="{FF2B5EF4-FFF2-40B4-BE49-F238E27FC236}">
+                  <a16:creationId xmlns:a16="http://schemas.microsoft.com/office/drawing/2014/main" id="{A4754FF8-CF5B-834B-95DA-B2D43A72E51C}"/>
+                </a:ext>
+              </a:extLst>
+            </p:cNvPr>
+            <p:cNvSpPr/>
+            <p:nvPr/>
+          </p:nvSpPr>
+          <p:spPr>
+            <a:xfrm>
+              <a:off x="8641602" y="1531501"/>
+              <a:ext cx="2033744" cy="563176"/>
+            </a:xfrm>
+            <a:prstGeom prst="rect">
+              <a:avLst/>
+            </a:prstGeom>
+            <a:ln w="25400">
+              <a:solidFill>
+                <a:schemeClr val="bg1">
+                  <a:lumMod val="85000"/>
+                </a:schemeClr>
+              </a:solidFill>
+            </a:ln>
+          </p:spPr>
+          <p:style>
+            <a:lnRef idx="1">
+              <a:schemeClr val="accent1"/>
+            </a:lnRef>
+            <a:fillRef idx="0">
+              <a:schemeClr val="accent1"/>
+            </a:fillRef>
+            <a:effectRef idx="0">
+              <a:schemeClr val="accent1"/>
+            </a:effectRef>
+            <a:fontRef idx="minor">
+              <a:schemeClr val="tx1"/>
+            </a:fontRef>
+          </p:style>
+          <p:txBody>
+            <a:bodyPr rtlCol="0" anchor="ctr"/>
+            <a:lstStyle/>
+            <a:p>
+              <a:pPr algn="ctr"/>
+              <a:endParaRPr kumimoji="1" lang="ko-Kore-KR" altLang="en-US" sz="1000"/>
+            </a:p>
+          </p:txBody>
+        </p:sp>
+        <p:sp>
+          <p:nvSpPr>
+            <p:cNvPr id="76" name="모서리가 둥근 직사각형 75">
+              <a:extLst>
+                <a:ext uri="{FF2B5EF4-FFF2-40B4-BE49-F238E27FC236}">
+                  <a16:creationId xmlns:a16="http://schemas.microsoft.com/office/drawing/2014/main" id="{5D0FC4A0-B6D1-914A-8809-8E84DEB5EC90}"/>
+                </a:ext>
+              </a:extLst>
+            </p:cNvPr>
+            <p:cNvSpPr/>
+            <p:nvPr/>
+          </p:nvSpPr>
+          <p:spPr>
+            <a:xfrm>
+              <a:off x="8738929" y="1571709"/>
+              <a:ext cx="308956" cy="224040"/>
+            </a:xfrm>
+            <a:prstGeom prst="roundRect">
+              <a:avLst/>
+            </a:prstGeom>
+            <a:solidFill>
+              <a:schemeClr val="accent4">
+                <a:lumMod val="40000"/>
+                <a:lumOff val="60000"/>
+              </a:schemeClr>
+            </a:solidFill>
+            <a:ln>
+              <a:noFill/>
+            </a:ln>
+          </p:spPr>
+          <p:style>
+            <a:lnRef idx="2">
+              <a:schemeClr val="accent1">
+                <a:shade val="50000"/>
+              </a:schemeClr>
+            </a:lnRef>
+            <a:fillRef idx="1">
+              <a:schemeClr val="accent1"/>
+            </a:fillRef>
+            <a:effectRef idx="0">
+              <a:schemeClr val="accent1"/>
+            </a:effectRef>
+            <a:fontRef idx="minor">
+              <a:schemeClr val="lt1"/>
+            </a:fontRef>
+          </p:style>
+          <p:txBody>
+            <a:bodyPr rtlCol="0" anchor="ctr"/>
+            <a:lstStyle/>
+            <a:p>
+              <a:pPr algn="ctr"/>
+              <a:endParaRPr kumimoji="1" lang="ko-Kore-KR" altLang="en-US" sz="1000"/>
+            </a:p>
+          </p:txBody>
+        </p:sp>
+        <p:sp>
+          <p:nvSpPr>
+            <p:cNvPr id="77" name="모서리가 둥근 직사각형 76">
+              <a:extLst>
+                <a:ext uri="{FF2B5EF4-FFF2-40B4-BE49-F238E27FC236}">
+                  <a16:creationId xmlns:a16="http://schemas.microsoft.com/office/drawing/2014/main" id="{D69BB43C-679D-CE4C-A1F4-34928B819B76}"/>
+                </a:ext>
+              </a:extLst>
+            </p:cNvPr>
+            <p:cNvSpPr/>
+            <p:nvPr/>
+          </p:nvSpPr>
+          <p:spPr>
+            <a:xfrm>
+              <a:off x="9120677" y="1568004"/>
+              <a:ext cx="308956" cy="224040"/>
+            </a:xfrm>
+            <a:prstGeom prst="roundRect">
+              <a:avLst/>
+            </a:prstGeom>
+            <a:solidFill>
+              <a:schemeClr val="bg1">
+                <a:lumMod val="95000"/>
+              </a:schemeClr>
+            </a:solidFill>
+            <a:ln>
+              <a:noFill/>
+            </a:ln>
+          </p:spPr>
+          <p:style>
+            <a:lnRef idx="2">
+              <a:schemeClr val="accent1">
+                <a:shade val="50000"/>
+              </a:schemeClr>
+            </a:lnRef>
+            <a:fillRef idx="1">
+              <a:schemeClr val="accent1"/>
+            </a:fillRef>
+            <a:effectRef idx="0">
+              <a:schemeClr val="accent1"/>
+            </a:effectRef>
+            <a:fontRef idx="minor">
+              <a:schemeClr val="lt1"/>
+            </a:fontRef>
+          </p:style>
+          <p:txBody>
+            <a:bodyPr rtlCol="0" anchor="ctr"/>
+            <a:lstStyle/>
+            <a:p>
+              <a:pPr algn="ctr"/>
+              <a:endParaRPr kumimoji="1" lang="ko-Kore-KR" altLang="en-US" sz="1000"/>
+            </a:p>
+          </p:txBody>
+        </p:sp>
+        <p:sp>
+          <p:nvSpPr>
+            <p:cNvPr id="78" name="모서리가 둥근 직사각형 77">
+              <a:extLst>
+                <a:ext uri="{FF2B5EF4-FFF2-40B4-BE49-F238E27FC236}">
+                  <a16:creationId xmlns:a16="http://schemas.microsoft.com/office/drawing/2014/main" id="{31AE03D2-278C-A344-95A7-AE1435DBBDDE}"/>
+                </a:ext>
+              </a:extLst>
+            </p:cNvPr>
+            <p:cNvSpPr/>
+            <p:nvPr/>
+          </p:nvSpPr>
+          <p:spPr>
+            <a:xfrm>
+              <a:off x="9493711" y="1568004"/>
+              <a:ext cx="308956" cy="224040"/>
+            </a:xfrm>
+            <a:prstGeom prst="roundRect">
+              <a:avLst/>
+            </a:prstGeom>
+            <a:solidFill>
+              <a:schemeClr val="bg1">
+                <a:lumMod val="95000"/>
+              </a:schemeClr>
+            </a:solidFill>
+            <a:ln>
+              <a:noFill/>
+            </a:ln>
+          </p:spPr>
+          <p:style>
+            <a:lnRef idx="2">
+              <a:schemeClr val="accent1">
+                <a:shade val="50000"/>
+              </a:schemeClr>
+            </a:lnRef>
+            <a:fillRef idx="1">
+              <a:schemeClr val="accent1"/>
+            </a:fillRef>
+            <a:effectRef idx="0">
+              <a:schemeClr val="accent1"/>
+            </a:effectRef>
+            <a:fontRef idx="minor">
+              <a:schemeClr val="lt1"/>
+            </a:fontRef>
+          </p:style>
+          <p:txBody>
+            <a:bodyPr rtlCol="0" anchor="ctr"/>
+            <a:lstStyle/>
+            <a:p>
+              <a:pPr algn="ctr"/>
+              <a:endParaRPr kumimoji="1" lang="ko-Kore-KR" altLang="en-US" sz="1000"/>
+            </a:p>
+          </p:txBody>
+        </p:sp>
+        <p:sp>
+          <p:nvSpPr>
+            <p:cNvPr id="79" name="모서리가 둥근 직사각형 78">
+              <a:extLst>
+                <a:ext uri="{FF2B5EF4-FFF2-40B4-BE49-F238E27FC236}">
+                  <a16:creationId xmlns:a16="http://schemas.microsoft.com/office/drawing/2014/main" id="{E1E289F8-4680-EB43-B2C1-45281A797E28}"/>
+                </a:ext>
+              </a:extLst>
+            </p:cNvPr>
+            <p:cNvSpPr/>
+            <p:nvPr/>
+          </p:nvSpPr>
+          <p:spPr>
+            <a:xfrm>
+              <a:off x="9866745" y="1568004"/>
+              <a:ext cx="308956" cy="224040"/>
+            </a:xfrm>
+            <a:prstGeom prst="roundRect">
+              <a:avLst/>
+            </a:prstGeom>
+            <a:solidFill>
+              <a:schemeClr val="bg1">
+                <a:lumMod val="95000"/>
+              </a:schemeClr>
+            </a:solidFill>
+            <a:ln>
+              <a:noFill/>
+            </a:ln>
+          </p:spPr>
+          <p:style>
+            <a:lnRef idx="2">
+              <a:schemeClr val="accent1">
+                <a:shade val="50000"/>
+              </a:schemeClr>
+            </a:lnRef>
+            <a:fillRef idx="1">
+              <a:schemeClr val="accent1"/>
+            </a:fillRef>
+            <a:effectRef idx="0">
+              <a:schemeClr val="accent1"/>
+            </a:effectRef>
+            <a:fontRef idx="minor">
+              <a:schemeClr val="lt1"/>
+            </a:fontRef>
+          </p:style>
+          <p:txBody>
+            <a:bodyPr rtlCol="0" anchor="ctr"/>
+            <a:lstStyle/>
+            <a:p>
+              <a:pPr algn="ctr"/>
+              <a:endParaRPr kumimoji="1" lang="ko-Kore-KR" altLang="en-US" sz="1000"/>
+            </a:p>
+          </p:txBody>
+        </p:sp>
+        <p:sp>
+          <p:nvSpPr>
+            <p:cNvPr id="80" name="모서리가 둥근 직사각형 79">
+              <a:extLst>
+                <a:ext uri="{FF2B5EF4-FFF2-40B4-BE49-F238E27FC236}">
+                  <a16:creationId xmlns:a16="http://schemas.microsoft.com/office/drawing/2014/main" id="{AD991D69-78E4-884D-8217-F35BF4C01328}"/>
+                </a:ext>
+              </a:extLst>
+            </p:cNvPr>
+            <p:cNvSpPr/>
+            <p:nvPr/>
+          </p:nvSpPr>
+          <p:spPr>
+            <a:xfrm>
+              <a:off x="10239779" y="1568004"/>
+              <a:ext cx="308956" cy="224040"/>
+            </a:xfrm>
+            <a:prstGeom prst="roundRect">
+              <a:avLst/>
+            </a:prstGeom>
+            <a:solidFill>
+              <a:schemeClr val="bg1">
+                <a:lumMod val="95000"/>
+              </a:schemeClr>
+            </a:solidFill>
+            <a:ln>
+              <a:noFill/>
+            </a:ln>
+          </p:spPr>
+          <p:style>
+            <a:lnRef idx="2">
+              <a:schemeClr val="accent1">
+                <a:shade val="50000"/>
+              </a:schemeClr>
+            </a:lnRef>
+            <a:fillRef idx="1">
+              <a:schemeClr val="accent1"/>
+            </a:fillRef>
+            <a:effectRef idx="0">
+              <a:schemeClr val="accent1"/>
+            </a:effectRef>
+            <a:fontRef idx="minor">
+              <a:schemeClr val="lt1"/>
+            </a:fontRef>
+          </p:style>
+          <p:txBody>
+            <a:bodyPr rtlCol="0" anchor="ctr"/>
+            <a:lstStyle/>
+            <a:p>
+              <a:pPr algn="ctr"/>
+              <a:endParaRPr kumimoji="1" lang="ko-Kore-KR" altLang="en-US" sz="1000"/>
+            </a:p>
+          </p:txBody>
+        </p:sp>
+        <p:sp>
+          <p:nvSpPr>
+            <p:cNvPr id="81" name="모서리가 둥근 직사각형 80">
+              <a:extLst>
+                <a:ext uri="{FF2B5EF4-FFF2-40B4-BE49-F238E27FC236}">
+                  <a16:creationId xmlns:a16="http://schemas.microsoft.com/office/drawing/2014/main" id="{65BC1F96-C72D-0E40-8993-173C6704BD59}"/>
+                </a:ext>
+              </a:extLst>
+            </p:cNvPr>
+            <p:cNvSpPr/>
+            <p:nvPr/>
+          </p:nvSpPr>
+          <p:spPr>
+            <a:xfrm>
+              <a:off x="9120677" y="1828547"/>
+              <a:ext cx="308956" cy="224040"/>
+            </a:xfrm>
+            <a:prstGeom prst="roundRect">
+              <a:avLst/>
+            </a:prstGeom>
+            <a:solidFill>
+              <a:schemeClr val="bg1">
+                <a:lumMod val="95000"/>
+              </a:schemeClr>
+            </a:solidFill>
+            <a:ln>
+              <a:noFill/>
+            </a:ln>
+          </p:spPr>
+          <p:style>
+            <a:lnRef idx="2">
+              <a:schemeClr val="accent1">
+                <a:shade val="50000"/>
+              </a:schemeClr>
+            </a:lnRef>
+            <a:fillRef idx="1">
+              <a:schemeClr val="accent1"/>
+            </a:fillRef>
+            <a:effectRef idx="0">
+              <a:schemeClr val="accent1"/>
+            </a:effectRef>
+            <a:fontRef idx="minor">
+              <a:schemeClr val="lt1"/>
+            </a:fontRef>
+          </p:style>
+          <p:txBody>
+            <a:bodyPr rtlCol="0" anchor="ctr"/>
+            <a:lstStyle/>
+            <a:p>
+              <a:pPr algn="ctr"/>
+              <a:endParaRPr kumimoji="1" lang="ko-Kore-KR" altLang="en-US" sz="1000"/>
+            </a:p>
+          </p:txBody>
+        </p:sp>
+        <p:sp>
+          <p:nvSpPr>
+            <p:cNvPr id="82" name="모서리가 둥근 직사각형 81">
+              <a:extLst>
+                <a:ext uri="{FF2B5EF4-FFF2-40B4-BE49-F238E27FC236}">
+                  <a16:creationId xmlns:a16="http://schemas.microsoft.com/office/drawing/2014/main" id="{FED3FCA5-FA74-FB41-8F4F-D8243F5425F3}"/>
+                </a:ext>
+              </a:extLst>
+            </p:cNvPr>
+            <p:cNvSpPr/>
+            <p:nvPr/>
+          </p:nvSpPr>
+          <p:spPr>
+            <a:xfrm>
+              <a:off x="9493711" y="1828547"/>
+              <a:ext cx="308956" cy="224040"/>
+            </a:xfrm>
+            <a:prstGeom prst="roundRect">
+              <a:avLst/>
+            </a:prstGeom>
+            <a:solidFill>
+              <a:schemeClr val="bg1">
+                <a:lumMod val="95000"/>
+              </a:schemeClr>
+            </a:solidFill>
+            <a:ln>
+              <a:noFill/>
+            </a:ln>
+          </p:spPr>
+          <p:style>
+            <a:lnRef idx="2">
+              <a:schemeClr val="accent1">
+                <a:shade val="50000"/>
+              </a:schemeClr>
+            </a:lnRef>
+            <a:fillRef idx="1">
+              <a:schemeClr val="accent1"/>
+            </a:fillRef>
+            <a:effectRef idx="0">
+              <a:schemeClr val="accent1"/>
+            </a:effectRef>
+            <a:fontRef idx="minor">
+              <a:schemeClr val="lt1"/>
+            </a:fontRef>
+          </p:style>
+          <p:txBody>
+            <a:bodyPr rtlCol="0" anchor="ctr"/>
+            <a:lstStyle/>
+            <a:p>
+              <a:pPr algn="ctr"/>
+              <a:endParaRPr kumimoji="1" lang="ko-Kore-KR" altLang="en-US" sz="1000"/>
+            </a:p>
+          </p:txBody>
+        </p:sp>
+        <p:sp>
+          <p:nvSpPr>
+            <p:cNvPr id="83" name="모서리가 둥근 직사각형 82">
+              <a:extLst>
+                <a:ext uri="{FF2B5EF4-FFF2-40B4-BE49-F238E27FC236}">
+                  <a16:creationId xmlns:a16="http://schemas.microsoft.com/office/drawing/2014/main" id="{CEEDFDC3-0AEC-FB41-A86A-3B959F39E390}"/>
+                </a:ext>
+              </a:extLst>
+            </p:cNvPr>
+            <p:cNvSpPr/>
+            <p:nvPr/>
+          </p:nvSpPr>
+          <p:spPr>
+            <a:xfrm>
+              <a:off x="9866745" y="1828547"/>
+              <a:ext cx="308956" cy="224040"/>
+            </a:xfrm>
+            <a:prstGeom prst="roundRect">
+              <a:avLst/>
+            </a:prstGeom>
+            <a:solidFill>
+              <a:schemeClr val="bg1">
+                <a:lumMod val="95000"/>
+              </a:schemeClr>
+            </a:solidFill>
+            <a:ln>
+              <a:noFill/>
+            </a:ln>
+          </p:spPr>
+          <p:style>
+            <a:lnRef idx="2">
+              <a:schemeClr val="accent1">
+                <a:shade val="50000"/>
+              </a:schemeClr>
+            </a:lnRef>
+            <a:fillRef idx="1">
+              <a:schemeClr val="accent1"/>
+            </a:fillRef>
+            <a:effectRef idx="0">
+              <a:schemeClr val="accent1"/>
+            </a:effectRef>
+            <a:fontRef idx="minor">
+              <a:schemeClr val="lt1"/>
+            </a:fontRef>
+          </p:style>
+          <p:txBody>
+            <a:bodyPr rtlCol="0" anchor="ctr"/>
+            <a:lstStyle/>
+            <a:p>
+              <a:pPr algn="ctr"/>
+              <a:endParaRPr kumimoji="1" lang="ko-Kore-KR" altLang="en-US" sz="1000"/>
+            </a:p>
+          </p:txBody>
+        </p:sp>
+        <p:sp>
+          <p:nvSpPr>
+            <p:cNvPr id="84" name="모서리가 둥근 직사각형 83">
+              <a:extLst>
+                <a:ext uri="{FF2B5EF4-FFF2-40B4-BE49-F238E27FC236}">
+                  <a16:creationId xmlns:a16="http://schemas.microsoft.com/office/drawing/2014/main" id="{293440A7-AEDC-C84D-A9AD-4522C2F1B7BF}"/>
+                </a:ext>
+              </a:extLst>
+            </p:cNvPr>
+            <p:cNvSpPr/>
+            <p:nvPr/>
+          </p:nvSpPr>
+          <p:spPr>
+            <a:xfrm>
+              <a:off x="10239779" y="1828547"/>
+              <a:ext cx="308956" cy="224040"/>
+            </a:xfrm>
+            <a:prstGeom prst="roundRect">
+              <a:avLst/>
+            </a:prstGeom>
+            <a:solidFill>
+              <a:schemeClr val="bg1">
+                <a:lumMod val="95000"/>
+              </a:schemeClr>
+            </a:solidFill>
+            <a:ln>
+              <a:noFill/>
+            </a:ln>
+          </p:spPr>
+          <p:style>
+            <a:lnRef idx="2">
+              <a:schemeClr val="accent1">
+                <a:shade val="50000"/>
+              </a:schemeClr>
+            </a:lnRef>
+            <a:fillRef idx="1">
+              <a:schemeClr val="accent1"/>
+            </a:fillRef>
+            <a:effectRef idx="0">
+              <a:schemeClr val="accent1"/>
+            </a:effectRef>
+            <a:fontRef idx="minor">
+              <a:schemeClr val="lt1"/>
+            </a:fontRef>
+          </p:style>
+          <p:txBody>
+            <a:bodyPr rtlCol="0" anchor="ctr"/>
+            <a:lstStyle/>
+            <a:p>
+              <a:pPr algn="ctr"/>
+              <a:endParaRPr kumimoji="1" lang="ko-Kore-KR" altLang="en-US" sz="1000"/>
+            </a:p>
+          </p:txBody>
+        </p:sp>
+        <p:sp>
+          <p:nvSpPr>
+            <p:cNvPr id="85" name="모서리가 둥근 직사각형 84">
+              <a:extLst>
+                <a:ext uri="{FF2B5EF4-FFF2-40B4-BE49-F238E27FC236}">
+                  <a16:creationId xmlns:a16="http://schemas.microsoft.com/office/drawing/2014/main" id="{E44C368B-8792-6A48-B842-1AEA8DEEFC02}"/>
+                </a:ext>
+              </a:extLst>
+            </p:cNvPr>
+            <p:cNvSpPr/>
+            <p:nvPr/>
+          </p:nvSpPr>
+          <p:spPr>
+            <a:xfrm>
+              <a:off x="8743286" y="1835957"/>
+              <a:ext cx="308956" cy="224040"/>
+            </a:xfrm>
+            <a:prstGeom prst="roundRect">
+              <a:avLst/>
+            </a:prstGeom>
+            <a:solidFill>
+              <a:schemeClr val="bg1">
+                <a:lumMod val="95000"/>
+              </a:schemeClr>
+            </a:solidFill>
+            <a:ln>
+              <a:noFill/>
+            </a:ln>
+          </p:spPr>
+          <p:style>
+            <a:lnRef idx="2">
+              <a:schemeClr val="accent1">
+                <a:shade val="50000"/>
+              </a:schemeClr>
+            </a:lnRef>
+            <a:fillRef idx="1">
+              <a:schemeClr val="accent1"/>
+            </a:fillRef>
+            <a:effectRef idx="0">
+              <a:schemeClr val="accent1"/>
+            </a:effectRef>
+            <a:fontRef idx="minor">
+              <a:schemeClr val="lt1"/>
+            </a:fontRef>
+          </p:style>
+          <p:txBody>
+            <a:bodyPr rtlCol="0" anchor="ctr"/>
+            <a:lstStyle/>
+            <a:p>
+              <a:pPr algn="ctr"/>
+              <a:endParaRPr kumimoji="1" lang="ko-Kore-KR" altLang="en-US" sz="1000"/>
+            </a:p>
+          </p:txBody>
+        </p:sp>
+      </p:grpSp>
+      <p:sp>
+        <p:nvSpPr>
+          <p:cNvPr id="86" name="TextBox 85">
+            <a:extLst>
+              <a:ext uri="{FF2B5EF4-FFF2-40B4-BE49-F238E27FC236}">
+                <a16:creationId xmlns:a16="http://schemas.microsoft.com/office/drawing/2014/main" id="{B258B858-5913-A04E-8704-FE936464F0AC}"/>
+              </a:ext>
+            </a:extLst>
+          </p:cNvPr>
+          <p:cNvSpPr txBox="1"/>
+          <p:nvPr/>
+        </p:nvSpPr>
+        <p:spPr>
+          <a:xfrm>
+            <a:off x="9468422" y="6240483"/>
+            <a:ext cx="1531345" cy="246221"/>
+          </a:xfrm>
+          <a:prstGeom prst="rect">
+            <a:avLst/>
+          </a:prstGeom>
+          <a:noFill/>
+        </p:spPr>
+        <p:txBody>
+          <a:bodyPr wrap="square" rtlCol="0">
+            <a:spAutoFit/>
+          </a:bodyPr>
+          <a:lstStyle/>
+          <a:p>
+            <a:pPr algn="ctr"/>
+            <a:r>
+              <a:rPr kumimoji="1" lang="ko-KR" altLang="en-US" sz="1000" b="1" dirty="0">
+                <a:solidFill>
+                  <a:srgbClr val="5DA2C5"/>
+                </a:solidFill>
+                <a:latin typeface="SHeadG" panose="02030600000101010101" pitchFamily="18" charset="-127"/>
+                <a:ea typeface="SHeadG" panose="02030600000101010101" pitchFamily="18" charset="-127"/>
+              </a:rPr>
+              <a:t>복제 그룹 </a:t>
+            </a:r>
+            <a:r>
+              <a:rPr kumimoji="1" lang="en-US" altLang="ko-KR" sz="1000" b="1" dirty="0">
+                <a:solidFill>
+                  <a:srgbClr val="5DA2C5"/>
+                </a:solidFill>
+                <a:latin typeface="SHeadG" panose="02030600000101010101" pitchFamily="18" charset="-127"/>
+                <a:ea typeface="SHeadG" panose="02030600000101010101" pitchFamily="18" charset="-127"/>
+              </a:rPr>
+              <a:t>C</a:t>
+            </a:r>
+            <a:endParaRPr kumimoji="1" lang="ko-Kore-KR" altLang="en-US" sz="1000" b="1" dirty="0">
+              <a:solidFill>
+                <a:srgbClr val="5DA2C5"/>
+              </a:solidFill>
+              <a:latin typeface="SHeadG" panose="02030600000101010101" pitchFamily="18" charset="-127"/>
+              <a:ea typeface="SHeadG" panose="02030600000101010101" pitchFamily="18" charset="-127"/>
+            </a:endParaRPr>
+          </a:p>
+        </p:txBody>
+      </p:sp>
+      <p:cxnSp>
+        <p:nvCxnSpPr>
+          <p:cNvPr id="88" name="직선 화살표 연결선 87">
+            <a:extLst>
+              <a:ext uri="{FF2B5EF4-FFF2-40B4-BE49-F238E27FC236}">
+                <a16:creationId xmlns:a16="http://schemas.microsoft.com/office/drawing/2014/main" id="{2EB5B903-9F80-2C40-BD8E-1A89096399F1}"/>
+              </a:ext>
+            </a:extLst>
+          </p:cNvPr>
+          <p:cNvCxnSpPr>
+            <a:cxnSpLocks/>
+          </p:cNvCxnSpPr>
+          <p:nvPr/>
+        </p:nvCxnSpPr>
+        <p:spPr>
+          <a:xfrm flipV="1">
+            <a:off x="6068745" y="2473332"/>
+            <a:ext cx="575631" cy="523256"/>
+          </a:xfrm>
+          <a:prstGeom prst="straightConnector1">
+            <a:avLst/>
+          </a:prstGeom>
+          <a:ln w="12700">
+            <a:solidFill>
+              <a:srgbClr val="5DA2C5"/>
+            </a:solidFill>
+            <a:tailEnd type="none" w="lg" len="lg"/>
+          </a:ln>
+        </p:spPr>
+        <p:style>
+          <a:lnRef idx="1">
+            <a:schemeClr val="accent1"/>
+          </a:lnRef>
+          <a:fillRef idx="0">
+            <a:schemeClr val="accent1"/>
+          </a:fillRef>
+          <a:effectRef idx="0">
+            <a:schemeClr val="accent1"/>
+          </a:effectRef>
+          <a:fontRef idx="minor">
+            <a:schemeClr val="tx1"/>
+          </a:fontRef>
+        </p:style>
+      </p:cxnSp>
+      <p:cxnSp>
+        <p:nvCxnSpPr>
+          <p:cNvPr id="92" name="직선 화살표 연결선 91">
+            <a:extLst>
+              <a:ext uri="{FF2B5EF4-FFF2-40B4-BE49-F238E27FC236}">
+                <a16:creationId xmlns:a16="http://schemas.microsoft.com/office/drawing/2014/main" id="{B39B5D51-0E81-C64F-82D5-3C11A8C31F07}"/>
+              </a:ext>
+            </a:extLst>
+          </p:cNvPr>
+          <p:cNvCxnSpPr>
+            <a:cxnSpLocks/>
+          </p:cNvCxnSpPr>
+          <p:nvPr/>
+        </p:nvCxnSpPr>
+        <p:spPr>
+          <a:xfrm>
+            <a:off x="6118679" y="3746645"/>
+            <a:ext cx="609700" cy="0"/>
+          </a:xfrm>
+          <a:prstGeom prst="straightConnector1">
+            <a:avLst/>
+          </a:prstGeom>
+          <a:ln w="12700">
+            <a:solidFill>
+              <a:srgbClr val="5DA2C5"/>
+            </a:solidFill>
+            <a:tailEnd type="none" w="lg" len="lg"/>
+          </a:ln>
+        </p:spPr>
+        <p:style>
+          <a:lnRef idx="1">
+            <a:schemeClr val="accent1"/>
+          </a:lnRef>
+          <a:fillRef idx="0">
+            <a:schemeClr val="accent1"/>
+          </a:fillRef>
+          <a:effectRef idx="0">
+            <a:schemeClr val="accent1"/>
+          </a:effectRef>
+          <a:fontRef idx="minor">
+            <a:schemeClr val="tx1"/>
+          </a:fontRef>
+        </p:style>
+      </p:cxnSp>
+      <p:cxnSp>
+        <p:nvCxnSpPr>
+          <p:cNvPr id="94" name="직선 화살표 연결선 93">
+            <a:extLst>
+              <a:ext uri="{FF2B5EF4-FFF2-40B4-BE49-F238E27FC236}">
+                <a16:creationId xmlns:a16="http://schemas.microsoft.com/office/drawing/2014/main" id="{0B534ECC-4F7C-A64D-A489-7626E9551A29}"/>
+              </a:ext>
+            </a:extLst>
+          </p:cNvPr>
+          <p:cNvCxnSpPr>
+            <a:cxnSpLocks/>
+          </p:cNvCxnSpPr>
+          <p:nvPr/>
+        </p:nvCxnSpPr>
+        <p:spPr>
+          <a:xfrm>
+            <a:off x="6096000" y="4393262"/>
+            <a:ext cx="548376" cy="441035"/>
+          </a:xfrm>
+          <a:prstGeom prst="straightConnector1">
+            <a:avLst/>
+          </a:prstGeom>
+          <a:ln w="12700">
+            <a:solidFill>
+              <a:srgbClr val="5DA2C5"/>
+            </a:solidFill>
+            <a:tailEnd type="none" w="lg" len="lg"/>
+          </a:ln>
+        </p:spPr>
+        <p:style>
+          <a:lnRef idx="1">
+            <a:schemeClr val="accent1"/>
+          </a:lnRef>
+          <a:fillRef idx="0">
+            <a:schemeClr val="accent1"/>
+          </a:fillRef>
+          <a:effectRef idx="0">
+            <a:schemeClr val="accent1"/>
+          </a:effectRef>
+          <a:fontRef idx="minor">
+            <a:schemeClr val="tx1"/>
+          </a:fontRef>
+        </p:style>
+      </p:cxnSp>
+      <p:cxnSp>
+        <p:nvCxnSpPr>
+          <p:cNvPr id="97" name="직선 화살표 연결선 96">
+            <a:extLst>
+              <a:ext uri="{FF2B5EF4-FFF2-40B4-BE49-F238E27FC236}">
+                <a16:creationId xmlns:a16="http://schemas.microsoft.com/office/drawing/2014/main" id="{A16C0ABA-4D24-7743-B46F-60473D33A3DD}"/>
+              </a:ext>
+            </a:extLst>
+          </p:cNvPr>
+          <p:cNvCxnSpPr>
+            <a:cxnSpLocks/>
+          </p:cNvCxnSpPr>
+          <p:nvPr/>
+        </p:nvCxnSpPr>
+        <p:spPr>
+          <a:xfrm flipV="1">
+            <a:off x="8312946" y="1409281"/>
+            <a:ext cx="677315" cy="438723"/>
+          </a:xfrm>
+          <a:prstGeom prst="straightConnector1">
+            <a:avLst/>
+          </a:prstGeom>
+          <a:ln w="12700">
+            <a:solidFill>
+              <a:srgbClr val="5DA2C5"/>
+            </a:solidFill>
+            <a:tailEnd type="none" w="lg" len="lg"/>
+          </a:ln>
+        </p:spPr>
+        <p:style>
+          <a:lnRef idx="1">
+            <a:schemeClr val="accent1"/>
+          </a:lnRef>
+          <a:fillRef idx="0">
+            <a:schemeClr val="accent1"/>
+          </a:fillRef>
+          <a:effectRef idx="0">
+            <a:schemeClr val="accent1"/>
+          </a:effectRef>
+          <a:fontRef idx="minor">
+            <a:schemeClr val="tx1"/>
+          </a:fontRef>
+        </p:style>
+      </p:cxnSp>
+      <p:cxnSp>
+        <p:nvCxnSpPr>
+          <p:cNvPr id="98" name="직선 화살표 연결선 97">
+            <a:extLst>
+              <a:ext uri="{FF2B5EF4-FFF2-40B4-BE49-F238E27FC236}">
+                <a16:creationId xmlns:a16="http://schemas.microsoft.com/office/drawing/2014/main" id="{91F1FEB0-9F95-104F-955F-ED1E8CF5E106}"/>
+              </a:ext>
+            </a:extLst>
+          </p:cNvPr>
+          <p:cNvCxnSpPr>
+            <a:cxnSpLocks/>
+          </p:cNvCxnSpPr>
+          <p:nvPr/>
+        </p:nvCxnSpPr>
+        <p:spPr>
+          <a:xfrm>
+            <a:off x="8397429" y="3749767"/>
+            <a:ext cx="609700" cy="0"/>
+          </a:xfrm>
+          <a:prstGeom prst="straightConnector1">
+            <a:avLst/>
+          </a:prstGeom>
+          <a:ln w="12700">
+            <a:solidFill>
+              <a:srgbClr val="5DA2C5"/>
+            </a:solidFill>
+            <a:tailEnd type="none" w="lg" len="lg"/>
+          </a:ln>
+        </p:spPr>
+        <p:style>
+          <a:lnRef idx="1">
+            <a:schemeClr val="accent1"/>
+          </a:lnRef>
+          <a:fillRef idx="0">
+            <a:schemeClr val="accent1"/>
+          </a:fillRef>
+          <a:effectRef idx="0">
+            <a:schemeClr val="accent1"/>
+          </a:effectRef>
+          <a:fontRef idx="minor">
+            <a:schemeClr val="tx1"/>
+          </a:fontRef>
+        </p:style>
+      </p:cxnSp>
+      <p:cxnSp>
+        <p:nvCxnSpPr>
+          <p:cNvPr id="99" name="직선 화살표 연결선 98">
+            <a:extLst>
+              <a:ext uri="{FF2B5EF4-FFF2-40B4-BE49-F238E27FC236}">
+                <a16:creationId xmlns:a16="http://schemas.microsoft.com/office/drawing/2014/main" id="{0612AE8E-CE4A-6544-8660-DC6076C382CF}"/>
+              </a:ext>
+            </a:extLst>
+          </p:cNvPr>
+          <p:cNvCxnSpPr>
+            <a:cxnSpLocks/>
+          </p:cNvCxnSpPr>
+          <p:nvPr/>
+        </p:nvCxnSpPr>
+        <p:spPr>
+          <a:xfrm>
+            <a:off x="8312946" y="5619072"/>
+            <a:ext cx="651399" cy="234476"/>
+          </a:xfrm>
+          <a:prstGeom prst="straightConnector1">
+            <a:avLst/>
+          </a:prstGeom>
+          <a:ln w="12700">
+            <a:solidFill>
+              <a:srgbClr val="5DA2C5"/>
+            </a:solidFill>
+            <a:tailEnd type="none" w="lg" len="lg"/>
+          </a:ln>
+        </p:spPr>
+        <p:style>
+          <a:lnRef idx="1">
+            <a:schemeClr val="accent1"/>
+          </a:lnRef>
+          <a:fillRef idx="0">
+            <a:schemeClr val="accent1"/>
+          </a:fillRef>
+          <a:effectRef idx="0">
+            <a:schemeClr val="accent1"/>
+          </a:effectRef>
+          <a:fontRef idx="minor">
+            <a:schemeClr val="tx1"/>
+          </a:fontRef>
+        </p:style>
+      </p:cxnSp>
+    </p:spTree>
+    <p:extLst>
+      <p:ext uri="{BB962C8B-B14F-4D97-AF65-F5344CB8AC3E}">
+        <p14:creationId xmlns:p14="http://schemas.microsoft.com/office/powerpoint/2010/main" val="2029371524"/>
+      </p:ext>
+    </p:extLst>
+  </p:cSld>
+  <p:clrMapOvr>
+    <a:masterClrMapping/>
+  </p:clrMapOvr>
+</p:sld>
+</file>
+
+<file path=ppt/slides/slide9.xml><?xml version="1.0" encoding="utf-8"?>
+<p:sld xmlns:a="http://schemas.openxmlformats.org/drawingml/2006/main" xmlns:r="http://schemas.openxmlformats.org/officeDocument/2006/relationships" xmlns:p="http://schemas.openxmlformats.org/presentationml/2006/main">
+  <p:cSld>
+    <p:spTree>
+      <p:nvGrpSpPr>
+        <p:cNvPr id="1" name=""/>
+        <p:cNvGrpSpPr/>
+        <p:nvPr/>
+      </p:nvGrpSpPr>
+      <p:grpSpPr>
+        <a:xfrm>
+          <a:off x="0" y="0"/>
+          <a:ext cx="0" cy="0"/>
+          <a:chOff x="0" y="0"/>
+          <a:chExt cx="0" cy="0"/>
+        </a:xfrm>
+      </p:grpSpPr>
+      <p:pic>
+        <p:nvPicPr>
+          <p:cNvPr id="5" name="그림 4">
+            <a:extLst>
+              <a:ext uri="{FF2B5EF4-FFF2-40B4-BE49-F238E27FC236}">
+                <a16:creationId xmlns:a16="http://schemas.microsoft.com/office/drawing/2014/main" id="{22D8F1C1-92CC-9440-9ABB-F9625848BC6A}"/>
+              </a:ext>
+            </a:extLst>
+          </p:cNvPr>
+          <p:cNvPicPr>
+            <a:picLocks noChangeAspect="1"/>
+          </p:cNvPicPr>
+          <p:nvPr/>
+        </p:nvPicPr>
+        <p:blipFill>
+          <a:blip r:embed="rId2">
+            <a:duotone>
+              <a:schemeClr val="accent5">
+                <a:shade val="45000"/>
+                <a:satMod val="135000"/>
+              </a:schemeClr>
+              <a:prstClr val="white"/>
+            </a:duotone>
+          </a:blip>
+          <a:stretch>
+            <a:fillRect/>
+          </a:stretch>
+        </p:blipFill>
+        <p:spPr>
+          <a:xfrm>
+            <a:off x="1407940" y="1208987"/>
+            <a:ext cx="1786416" cy="1786416"/>
+          </a:xfrm>
+          <a:prstGeom prst="rect">
+            <a:avLst/>
+          </a:prstGeom>
+        </p:spPr>
+      </p:pic>
+      <p:grpSp>
+        <p:nvGrpSpPr>
+          <p:cNvPr id="8" name="그룹 7">
+            <a:extLst>
+              <a:ext uri="{FF2B5EF4-FFF2-40B4-BE49-F238E27FC236}">
+                <a16:creationId xmlns:a16="http://schemas.microsoft.com/office/drawing/2014/main" id="{9772D442-D5D6-F042-B233-9B6D4FA8CB05}"/>
+              </a:ext>
+            </a:extLst>
+          </p:cNvPr>
+          <p:cNvGrpSpPr/>
+          <p:nvPr/>
+        </p:nvGrpSpPr>
+        <p:grpSpPr>
+          <a:xfrm>
+            <a:off x="4936475" y="1208987"/>
+            <a:ext cx="1786416" cy="1786416"/>
+            <a:chOff x="3878855" y="1101686"/>
+            <a:chExt cx="1786416" cy="1786416"/>
+          </a:xfrm>
+        </p:grpSpPr>
+        <p:pic>
+          <p:nvPicPr>
+            <p:cNvPr id="7" name="그림 6">
+              <a:extLst>
+                <a:ext uri="{FF2B5EF4-FFF2-40B4-BE49-F238E27FC236}">
+                  <a16:creationId xmlns:a16="http://schemas.microsoft.com/office/drawing/2014/main" id="{1D5C53DE-32EE-774C-BD8A-BE2953A0E12C}"/>
+                </a:ext>
+              </a:extLst>
+            </p:cNvPr>
+            <p:cNvPicPr>
+              <a:picLocks noChangeAspect="1"/>
+            </p:cNvPicPr>
+            <p:nvPr/>
+          </p:nvPicPr>
+          <p:blipFill>
+            <a:blip r:embed="rId3">
+              <a:duotone>
+                <a:schemeClr val="accent5">
+                  <a:shade val="45000"/>
+                  <a:satMod val="135000"/>
+                </a:schemeClr>
+                <a:prstClr val="white"/>
+              </a:duotone>
+            </a:blip>
+            <a:stretch>
+              <a:fillRect/>
+            </a:stretch>
+          </p:blipFill>
+          <p:spPr>
+            <a:xfrm>
+              <a:off x="3878855" y="1101686"/>
+              <a:ext cx="1786416" cy="1786416"/>
+            </a:xfrm>
+            <a:prstGeom prst="rect">
+              <a:avLst/>
+            </a:prstGeom>
+          </p:spPr>
+        </p:pic>
+        <p:pic>
+          <p:nvPicPr>
+            <p:cNvPr id="89" name="그림 88">
+              <a:extLst>
+                <a:ext uri="{FF2B5EF4-FFF2-40B4-BE49-F238E27FC236}">
+                  <a16:creationId xmlns:a16="http://schemas.microsoft.com/office/drawing/2014/main" id="{A370B5E3-F970-DB4D-B4DC-93FACD883694}"/>
+                </a:ext>
+              </a:extLst>
+            </p:cNvPr>
+            <p:cNvPicPr>
+              <a:picLocks noChangeAspect="1"/>
+            </p:cNvPicPr>
+            <p:nvPr/>
+          </p:nvPicPr>
+          <p:blipFill>
+            <a:blip r:embed="rId2">
+              <a:duotone>
+                <a:schemeClr val="accent5">
+                  <a:shade val="45000"/>
+                  <a:satMod val="135000"/>
+                </a:schemeClr>
+                <a:prstClr val="white"/>
+              </a:duotone>
+            </a:blip>
+            <a:stretch>
+              <a:fillRect/>
+            </a:stretch>
+          </p:blipFill>
+          <p:spPr>
+            <a:xfrm>
+              <a:off x="4519593" y="1742424"/>
+              <a:ext cx="504940" cy="504940"/>
+            </a:xfrm>
+            <a:prstGeom prst="rect">
+              <a:avLst/>
+            </a:prstGeom>
+          </p:spPr>
+        </p:pic>
+      </p:grpSp>
+      <p:pic>
+        <p:nvPicPr>
+          <p:cNvPr id="14" name="그림 13">
+            <a:extLst>
+              <a:ext uri="{FF2B5EF4-FFF2-40B4-BE49-F238E27FC236}">
+                <a16:creationId xmlns:a16="http://schemas.microsoft.com/office/drawing/2014/main" id="{D19D6E90-8544-234F-9F50-010D4D2D3158}"/>
+              </a:ext>
+            </a:extLst>
+          </p:cNvPr>
+          <p:cNvPicPr>
+            <a:picLocks noChangeAspect="1"/>
+          </p:cNvPicPr>
+          <p:nvPr/>
+        </p:nvPicPr>
+        <p:blipFill>
+          <a:blip r:embed="rId4">
+            <a:duotone>
+              <a:schemeClr val="accent5">
+                <a:shade val="45000"/>
+                <a:satMod val="135000"/>
+              </a:schemeClr>
+              <a:prstClr val="white"/>
+            </a:duotone>
+          </a:blip>
+          <a:stretch>
+            <a:fillRect/>
+          </a:stretch>
+        </p:blipFill>
+        <p:spPr>
+          <a:xfrm>
+            <a:off x="8766672" y="1087725"/>
+            <a:ext cx="762000" cy="762000"/>
+          </a:xfrm>
+          <a:prstGeom prst="rect">
+            <a:avLst/>
+          </a:prstGeom>
+        </p:spPr>
+      </p:pic>
+      <p:pic>
+        <p:nvPicPr>
+          <p:cNvPr id="90" name="그림 89">
+            <a:extLst>
+              <a:ext uri="{FF2B5EF4-FFF2-40B4-BE49-F238E27FC236}">
+                <a16:creationId xmlns:a16="http://schemas.microsoft.com/office/drawing/2014/main" id="{BC0F8C3B-E707-6943-AE2D-957F32A11122}"/>
+              </a:ext>
+            </a:extLst>
+          </p:cNvPr>
+          <p:cNvPicPr>
+            <a:picLocks noChangeAspect="1"/>
+          </p:cNvPicPr>
+          <p:nvPr/>
+        </p:nvPicPr>
+        <p:blipFill>
+          <a:blip r:embed="rId4">
+            <a:duotone>
+              <a:schemeClr val="accent5">
+                <a:shade val="45000"/>
+                <a:satMod val="135000"/>
+              </a:schemeClr>
+              <a:prstClr val="white"/>
+            </a:duotone>
+          </a:blip>
+          <a:stretch>
+            <a:fillRect/>
+          </a:stretch>
+        </p:blipFill>
+        <p:spPr>
+          <a:xfrm>
+            <a:off x="8766672" y="1721195"/>
+            <a:ext cx="762000" cy="762000"/>
+          </a:xfrm>
+          <a:prstGeom prst="rect">
+            <a:avLst/>
+          </a:prstGeom>
+        </p:spPr>
+      </p:pic>
+      <p:pic>
+        <p:nvPicPr>
+          <p:cNvPr id="91" name="그림 90">
+            <a:extLst>
+              <a:ext uri="{FF2B5EF4-FFF2-40B4-BE49-F238E27FC236}">
+                <a16:creationId xmlns:a16="http://schemas.microsoft.com/office/drawing/2014/main" id="{DCCF117F-33E9-054F-91AC-57D1BC138187}"/>
+              </a:ext>
+            </a:extLst>
+          </p:cNvPr>
+          <p:cNvPicPr>
+            <a:picLocks noChangeAspect="1"/>
+          </p:cNvPicPr>
+          <p:nvPr/>
+        </p:nvPicPr>
+        <p:blipFill>
+          <a:blip r:embed="rId4">
+            <a:duotone>
+              <a:schemeClr val="accent5">
+                <a:shade val="45000"/>
+                <a:satMod val="135000"/>
+              </a:schemeClr>
+              <a:prstClr val="white"/>
+            </a:duotone>
+          </a:blip>
+          <a:stretch>
+            <a:fillRect/>
+          </a:stretch>
+        </p:blipFill>
+        <p:spPr>
+          <a:xfrm>
+            <a:off x="8766672" y="2354665"/>
+            <a:ext cx="762000" cy="762000"/>
+          </a:xfrm>
+          <a:prstGeom prst="rect">
+            <a:avLst/>
+          </a:prstGeom>
+        </p:spPr>
+      </p:pic>
+      <p:cxnSp>
+        <p:nvCxnSpPr>
+          <p:cNvPr id="93" name="직선 화살표 연결선 92">
+            <a:extLst>
+              <a:ext uri="{FF2B5EF4-FFF2-40B4-BE49-F238E27FC236}">
+                <a16:creationId xmlns:a16="http://schemas.microsoft.com/office/drawing/2014/main" id="{BCDC2264-9954-2F43-9C99-642BDEED0ADA}"/>
+              </a:ext>
+            </a:extLst>
+          </p:cNvPr>
+          <p:cNvCxnSpPr>
+            <a:cxnSpLocks/>
+          </p:cNvCxnSpPr>
+          <p:nvPr/>
+        </p:nvCxnSpPr>
+        <p:spPr>
+          <a:xfrm>
+            <a:off x="3459932" y="2141671"/>
+            <a:ext cx="1035868" cy="0"/>
+          </a:xfrm>
+          <a:prstGeom prst="straightConnector1">
+            <a:avLst/>
+          </a:prstGeom>
+          <a:ln w="25400">
+            <a:solidFill>
+              <a:srgbClr val="5DA2C5"/>
+            </a:solidFill>
+            <a:tailEnd type="stealth" w="lg" len="lg"/>
+          </a:ln>
+        </p:spPr>
+        <p:style>
+          <a:lnRef idx="1">
+            <a:schemeClr val="accent1"/>
+          </a:lnRef>
+          <a:fillRef idx="0">
+            <a:schemeClr val="accent1"/>
+          </a:fillRef>
+          <a:effectRef idx="0">
+            <a:schemeClr val="accent1"/>
+          </a:effectRef>
+          <a:fontRef idx="minor">
+            <a:schemeClr val="tx1"/>
+          </a:fontRef>
+        </p:style>
+      </p:cxnSp>
+      <p:cxnSp>
+        <p:nvCxnSpPr>
+          <p:cNvPr id="95" name="직선 화살표 연결선 94">
+            <a:extLst>
+              <a:ext uri="{FF2B5EF4-FFF2-40B4-BE49-F238E27FC236}">
+                <a16:creationId xmlns:a16="http://schemas.microsoft.com/office/drawing/2014/main" id="{7333C267-31C2-5E4F-B5EC-234BAABBF2DB}"/>
+              </a:ext>
+            </a:extLst>
+          </p:cNvPr>
+          <p:cNvCxnSpPr>
+            <a:cxnSpLocks/>
+          </p:cNvCxnSpPr>
+          <p:nvPr/>
+        </p:nvCxnSpPr>
+        <p:spPr>
+          <a:xfrm>
+            <a:off x="7280949" y="2141671"/>
+            <a:ext cx="1035868" cy="0"/>
+          </a:xfrm>
+          <a:prstGeom prst="straightConnector1">
+            <a:avLst/>
+          </a:prstGeom>
+          <a:ln w="25400">
+            <a:solidFill>
+              <a:srgbClr val="5DA2C5"/>
+            </a:solidFill>
+            <a:tailEnd type="stealth" w="lg" len="lg"/>
+          </a:ln>
+        </p:spPr>
+        <p:style>
+          <a:lnRef idx="1">
+            <a:schemeClr val="accent1"/>
+          </a:lnRef>
+          <a:fillRef idx="0">
+            <a:schemeClr val="accent1"/>
+          </a:fillRef>
+          <a:effectRef idx="0">
+            <a:schemeClr val="accent1"/>
+          </a:effectRef>
+          <a:fontRef idx="minor">
+            <a:schemeClr val="tx1"/>
+          </a:fontRef>
+        </p:style>
+      </p:cxnSp>
+      <p:sp>
+        <p:nvSpPr>
+          <p:cNvPr id="96" name="TextBox 95">
+            <a:extLst>
+              <a:ext uri="{FF2B5EF4-FFF2-40B4-BE49-F238E27FC236}">
+                <a16:creationId xmlns:a16="http://schemas.microsoft.com/office/drawing/2014/main" id="{2A241261-A4A3-594F-8BFC-5D678189EB31}"/>
+              </a:ext>
+            </a:extLst>
+          </p:cNvPr>
+          <p:cNvSpPr txBox="1"/>
+          <p:nvPr/>
+        </p:nvSpPr>
+        <p:spPr>
+          <a:xfrm>
+            <a:off x="1293908" y="3116665"/>
+            <a:ext cx="1900447" cy="338554"/>
+          </a:xfrm>
+          <a:prstGeom prst="rect">
+            <a:avLst/>
+          </a:prstGeom>
+          <a:noFill/>
+        </p:spPr>
+        <p:txBody>
+          <a:bodyPr wrap="square" rtlCol="0">
+            <a:spAutoFit/>
+          </a:bodyPr>
+          <a:lstStyle/>
+          <a:p>
+            <a:pPr algn="ctr"/>
+            <a:r>
+              <a:rPr kumimoji="1" lang="en-US" altLang="ko-Kore-KR" sz="1600" b="1" dirty="0">
+                <a:solidFill>
+                  <a:srgbClr val="5DA2C5"/>
+                </a:solidFill>
+                <a:latin typeface="SHeadG" panose="02030600000101010101" pitchFamily="18" charset="-127"/>
+                <a:ea typeface="SHeadG" panose="02030600000101010101" pitchFamily="18" charset="-127"/>
+              </a:rPr>
+              <a:t>Document</a:t>
+            </a:r>
+            <a:endParaRPr kumimoji="1" lang="ko-Kore-KR" altLang="en-US" sz="1600" b="1" dirty="0">
+              <a:solidFill>
+                <a:srgbClr val="5DA2C5"/>
+              </a:solidFill>
+              <a:latin typeface="SHeadG" panose="02030600000101010101" pitchFamily="18" charset="-127"/>
+              <a:ea typeface="SHeadG" panose="02030600000101010101" pitchFamily="18" charset="-127"/>
+            </a:endParaRPr>
+          </a:p>
+        </p:txBody>
+      </p:sp>
+      <p:sp>
+        <p:nvSpPr>
+          <p:cNvPr id="100" name="TextBox 99">
+            <a:extLst>
+              <a:ext uri="{FF2B5EF4-FFF2-40B4-BE49-F238E27FC236}">
+                <a16:creationId xmlns:a16="http://schemas.microsoft.com/office/drawing/2014/main" id="{2C463F83-2E2E-DB43-9962-B0B35CA0B048}"/>
+              </a:ext>
+            </a:extLst>
+          </p:cNvPr>
+          <p:cNvSpPr txBox="1"/>
+          <p:nvPr/>
+        </p:nvSpPr>
+        <p:spPr>
+          <a:xfrm>
+            <a:off x="3036028" y="4206224"/>
+            <a:ext cx="1900447" cy="276999"/>
+          </a:xfrm>
+          <a:prstGeom prst="rect">
+            <a:avLst/>
+          </a:prstGeom>
+          <a:noFill/>
+        </p:spPr>
+        <p:txBody>
+          <a:bodyPr wrap="square" rtlCol="0">
+            <a:spAutoFit/>
+          </a:bodyPr>
+          <a:lstStyle/>
+          <a:p>
+            <a:pPr algn="ctr"/>
+            <a:r>
+              <a:rPr kumimoji="1" lang="en-US" altLang="ko-Kore-KR" sz="1200" b="1" dirty="0">
+                <a:solidFill>
+                  <a:srgbClr val="5DA2C5"/>
+                </a:solidFill>
+                <a:latin typeface="SHeadG" panose="02030600000101010101" pitchFamily="18" charset="-127"/>
+                <a:ea typeface="SHeadG" panose="02030600000101010101" pitchFamily="18" charset="-127"/>
+              </a:rPr>
+              <a:t>Character filters</a:t>
+            </a:r>
+            <a:endParaRPr kumimoji="1" lang="ko-Kore-KR" altLang="en-US" sz="1200" b="1" dirty="0">
+              <a:solidFill>
+                <a:srgbClr val="5DA2C5"/>
+              </a:solidFill>
+              <a:latin typeface="SHeadG" panose="02030600000101010101" pitchFamily="18" charset="-127"/>
+              <a:ea typeface="SHeadG" panose="02030600000101010101" pitchFamily="18" charset="-127"/>
+            </a:endParaRPr>
+          </a:p>
+        </p:txBody>
+      </p:sp>
+      <p:sp>
+        <p:nvSpPr>
+          <p:cNvPr id="101" name="TextBox 100">
+            <a:extLst>
+              <a:ext uri="{FF2B5EF4-FFF2-40B4-BE49-F238E27FC236}">
+                <a16:creationId xmlns:a16="http://schemas.microsoft.com/office/drawing/2014/main" id="{25D7BA0F-34AE-EF42-9222-A8D3B2D71065}"/>
+              </a:ext>
+            </a:extLst>
+          </p:cNvPr>
+          <p:cNvSpPr txBox="1"/>
+          <p:nvPr/>
+        </p:nvSpPr>
+        <p:spPr>
+          <a:xfrm>
+            <a:off x="4879459" y="3116665"/>
+            <a:ext cx="1900447" cy="338554"/>
+          </a:xfrm>
+          <a:prstGeom prst="rect">
+            <a:avLst/>
+          </a:prstGeom>
+          <a:noFill/>
+        </p:spPr>
+        <p:txBody>
+          <a:bodyPr wrap="square" rtlCol="0">
+            <a:spAutoFit/>
+          </a:bodyPr>
+          <a:lstStyle/>
+          <a:p>
+            <a:pPr algn="ctr"/>
+            <a:r>
+              <a:rPr kumimoji="1" lang="en-US" altLang="ko-Kore-KR" sz="1600" b="1" dirty="0">
+                <a:solidFill>
+                  <a:srgbClr val="5DA2C5"/>
+                </a:solidFill>
+                <a:latin typeface="SHeadG" panose="02030600000101010101" pitchFamily="18" charset="-127"/>
+                <a:ea typeface="SHeadG" panose="02030600000101010101" pitchFamily="18" charset="-127"/>
+              </a:rPr>
+              <a:t>Analyzer</a:t>
+            </a:r>
+            <a:endParaRPr kumimoji="1" lang="ko-Kore-KR" altLang="en-US" sz="1600" b="1" dirty="0">
+              <a:solidFill>
+                <a:srgbClr val="5DA2C5"/>
+              </a:solidFill>
+              <a:latin typeface="SHeadG" panose="02030600000101010101" pitchFamily="18" charset="-127"/>
+              <a:ea typeface="SHeadG" panose="02030600000101010101" pitchFamily="18" charset="-127"/>
+            </a:endParaRPr>
+          </a:p>
+        </p:txBody>
+      </p:sp>
+      <p:sp>
+        <p:nvSpPr>
+          <p:cNvPr id="102" name="TextBox 101">
+            <a:extLst>
+              <a:ext uri="{FF2B5EF4-FFF2-40B4-BE49-F238E27FC236}">
+                <a16:creationId xmlns:a16="http://schemas.microsoft.com/office/drawing/2014/main" id="{5967801A-460F-B14C-9783-394A6B31E39F}"/>
+              </a:ext>
+            </a:extLst>
+          </p:cNvPr>
+          <p:cNvSpPr txBox="1"/>
+          <p:nvPr/>
+        </p:nvSpPr>
+        <p:spPr>
+          <a:xfrm>
+            <a:off x="8197448" y="3116665"/>
+            <a:ext cx="1900447" cy="338554"/>
+          </a:xfrm>
+          <a:prstGeom prst="rect">
+            <a:avLst/>
+          </a:prstGeom>
+          <a:noFill/>
+        </p:spPr>
+        <p:txBody>
+          <a:bodyPr wrap="square" rtlCol="0">
+            <a:spAutoFit/>
+          </a:bodyPr>
+          <a:lstStyle/>
+          <a:p>
+            <a:pPr algn="ctr"/>
+            <a:r>
+              <a:rPr kumimoji="1" lang="en-US" altLang="ko-Kore-KR" sz="1600" b="1" dirty="0">
+                <a:solidFill>
+                  <a:srgbClr val="5DA2C5"/>
+                </a:solidFill>
+                <a:latin typeface="SHeadG" panose="02030600000101010101" pitchFamily="18" charset="-127"/>
+                <a:ea typeface="SHeadG" panose="02030600000101010101" pitchFamily="18" charset="-127"/>
+              </a:rPr>
+              <a:t>Storage</a:t>
+            </a:r>
+            <a:endParaRPr kumimoji="1" lang="ko-Kore-KR" altLang="en-US" sz="1600" b="1" dirty="0">
+              <a:solidFill>
+                <a:srgbClr val="5DA2C5"/>
+              </a:solidFill>
+              <a:latin typeface="SHeadG" panose="02030600000101010101" pitchFamily="18" charset="-127"/>
+              <a:ea typeface="SHeadG" panose="02030600000101010101" pitchFamily="18" charset="-127"/>
+            </a:endParaRPr>
+          </a:p>
+        </p:txBody>
+      </p:sp>
+      <p:cxnSp>
+        <p:nvCxnSpPr>
+          <p:cNvPr id="103" name="직선 화살표 연결선 102">
+            <a:extLst>
+              <a:ext uri="{FF2B5EF4-FFF2-40B4-BE49-F238E27FC236}">
+                <a16:creationId xmlns:a16="http://schemas.microsoft.com/office/drawing/2014/main" id="{4E036815-BC40-A64F-A837-7471E3F3DABE}"/>
+              </a:ext>
+            </a:extLst>
+          </p:cNvPr>
+          <p:cNvCxnSpPr>
+            <a:cxnSpLocks/>
+          </p:cNvCxnSpPr>
+          <p:nvPr/>
+        </p:nvCxnSpPr>
+        <p:spPr>
+          <a:xfrm flipH="1">
+            <a:off x="4879459" y="3701668"/>
+            <a:ext cx="627962" cy="396607"/>
+          </a:xfrm>
+          <a:prstGeom prst="straightConnector1">
+            <a:avLst/>
+          </a:prstGeom>
+          <a:ln w="12700">
+            <a:solidFill>
+              <a:srgbClr val="5DA2C5"/>
+            </a:solidFill>
+            <a:tailEnd type="stealth" w="lg" len="lg"/>
+          </a:ln>
+        </p:spPr>
+        <p:style>
+          <a:lnRef idx="1">
+            <a:schemeClr val="accent1"/>
+          </a:lnRef>
+          <a:fillRef idx="0">
+            <a:schemeClr val="accent1"/>
+          </a:fillRef>
+          <a:effectRef idx="0">
+            <a:schemeClr val="accent1"/>
+          </a:effectRef>
+          <a:fontRef idx="minor">
+            <a:schemeClr val="tx1"/>
+          </a:fontRef>
+        </p:style>
+      </p:cxnSp>
+      <p:sp>
+        <p:nvSpPr>
+          <p:cNvPr id="104" name="TextBox 103">
+            <a:extLst>
+              <a:ext uri="{FF2B5EF4-FFF2-40B4-BE49-F238E27FC236}">
+                <a16:creationId xmlns:a16="http://schemas.microsoft.com/office/drawing/2014/main" id="{36FBE83C-97A1-B941-9E6D-CE035AEFBAA6}"/>
+              </a:ext>
+            </a:extLst>
+          </p:cNvPr>
+          <p:cNvSpPr txBox="1"/>
+          <p:nvPr/>
+        </p:nvSpPr>
+        <p:spPr>
+          <a:xfrm>
+            <a:off x="4936475" y="4591172"/>
+            <a:ext cx="1900447" cy="276999"/>
+          </a:xfrm>
+          <a:prstGeom prst="rect">
+            <a:avLst/>
+          </a:prstGeom>
+          <a:noFill/>
+        </p:spPr>
+        <p:txBody>
+          <a:bodyPr wrap="square" rtlCol="0">
+            <a:spAutoFit/>
+          </a:bodyPr>
+          <a:lstStyle/>
+          <a:p>
+            <a:pPr algn="ctr"/>
+            <a:r>
+              <a:rPr kumimoji="1" lang="en-US" altLang="ko-Kore-KR" sz="1200" b="1" dirty="0">
+                <a:solidFill>
+                  <a:srgbClr val="5DA2C5"/>
+                </a:solidFill>
+                <a:latin typeface="SHeadG" panose="02030600000101010101" pitchFamily="18" charset="-127"/>
+                <a:ea typeface="SHeadG" panose="02030600000101010101" pitchFamily="18" charset="-127"/>
+              </a:rPr>
+              <a:t>Tokenizer</a:t>
+            </a:r>
+            <a:endParaRPr kumimoji="1" lang="ko-Kore-KR" altLang="en-US" sz="1200" b="1" dirty="0">
+              <a:solidFill>
+                <a:srgbClr val="5DA2C5"/>
+              </a:solidFill>
+              <a:latin typeface="SHeadG" panose="02030600000101010101" pitchFamily="18" charset="-127"/>
+              <a:ea typeface="SHeadG" panose="02030600000101010101" pitchFamily="18" charset="-127"/>
+            </a:endParaRPr>
+          </a:p>
+        </p:txBody>
+      </p:sp>
+      <p:sp>
+        <p:nvSpPr>
+          <p:cNvPr id="105" name="TextBox 104">
+            <a:extLst>
+              <a:ext uri="{FF2B5EF4-FFF2-40B4-BE49-F238E27FC236}">
+                <a16:creationId xmlns:a16="http://schemas.microsoft.com/office/drawing/2014/main" id="{10CEEEBB-A220-654C-83EA-9B8AA29D3616}"/>
+              </a:ext>
+            </a:extLst>
+          </p:cNvPr>
+          <p:cNvSpPr txBox="1"/>
+          <p:nvPr/>
+        </p:nvSpPr>
+        <p:spPr>
+          <a:xfrm>
+            <a:off x="6297001" y="4182760"/>
+            <a:ext cx="1900447" cy="276999"/>
+          </a:xfrm>
+          <a:prstGeom prst="rect">
+            <a:avLst/>
+          </a:prstGeom>
+          <a:noFill/>
+        </p:spPr>
+        <p:txBody>
+          <a:bodyPr wrap="square" rtlCol="0">
+            <a:spAutoFit/>
+          </a:bodyPr>
+          <a:lstStyle/>
+          <a:p>
+            <a:pPr algn="ctr"/>
+            <a:r>
+              <a:rPr kumimoji="1" lang="en-US" altLang="ko-Kore-KR" sz="1200" b="1" dirty="0">
+                <a:solidFill>
+                  <a:srgbClr val="5DA2C5"/>
+                </a:solidFill>
+                <a:latin typeface="SHeadG" panose="02030600000101010101" pitchFamily="18" charset="-127"/>
+                <a:ea typeface="SHeadG" panose="02030600000101010101" pitchFamily="18" charset="-127"/>
+              </a:rPr>
+              <a:t>Token filters</a:t>
+            </a:r>
+            <a:endParaRPr kumimoji="1" lang="ko-Kore-KR" altLang="en-US" sz="1200" b="1" dirty="0">
+              <a:solidFill>
+                <a:srgbClr val="5DA2C5"/>
+              </a:solidFill>
+              <a:latin typeface="SHeadG" panose="02030600000101010101" pitchFamily="18" charset="-127"/>
+              <a:ea typeface="SHeadG" panose="02030600000101010101" pitchFamily="18" charset="-127"/>
+            </a:endParaRPr>
+          </a:p>
+        </p:txBody>
+      </p:sp>
+      <p:cxnSp>
+        <p:nvCxnSpPr>
+          <p:cNvPr id="106" name="직선 화살표 연결선 105">
+            <a:extLst>
+              <a:ext uri="{FF2B5EF4-FFF2-40B4-BE49-F238E27FC236}">
+                <a16:creationId xmlns:a16="http://schemas.microsoft.com/office/drawing/2014/main" id="{DB3AB768-C1A4-834F-B62E-14A6B1F5C904}"/>
+              </a:ext>
+            </a:extLst>
+          </p:cNvPr>
+          <p:cNvCxnSpPr>
+            <a:cxnSpLocks/>
+          </p:cNvCxnSpPr>
+          <p:nvPr/>
+        </p:nvCxnSpPr>
+        <p:spPr>
+          <a:xfrm flipH="1">
+            <a:off x="5886698" y="3701668"/>
+            <a:ext cx="1" cy="561026"/>
+          </a:xfrm>
+          <a:prstGeom prst="straightConnector1">
+            <a:avLst/>
+          </a:prstGeom>
+          <a:ln w="12700">
+            <a:solidFill>
+              <a:srgbClr val="5DA2C5"/>
+            </a:solidFill>
+            <a:tailEnd type="stealth" w="lg" len="lg"/>
+          </a:ln>
+        </p:spPr>
+        <p:style>
+          <a:lnRef idx="1">
+            <a:schemeClr val="accent1"/>
+          </a:lnRef>
+          <a:fillRef idx="0">
+            <a:schemeClr val="accent1"/>
+          </a:fillRef>
+          <a:effectRef idx="0">
+            <a:schemeClr val="accent1"/>
+          </a:effectRef>
+          <a:fontRef idx="minor">
+            <a:schemeClr val="tx1"/>
+          </a:fontRef>
+        </p:style>
+      </p:cxnSp>
+      <p:cxnSp>
+        <p:nvCxnSpPr>
+          <p:cNvPr id="107" name="직선 화살표 연결선 106">
+            <a:extLst>
+              <a:ext uri="{FF2B5EF4-FFF2-40B4-BE49-F238E27FC236}">
+                <a16:creationId xmlns:a16="http://schemas.microsoft.com/office/drawing/2014/main" id="{FB7A62CA-6629-A349-8D6F-5BB27FCF7F10}"/>
+              </a:ext>
+            </a:extLst>
+          </p:cNvPr>
+          <p:cNvCxnSpPr>
+            <a:cxnSpLocks/>
+          </p:cNvCxnSpPr>
+          <p:nvPr/>
+        </p:nvCxnSpPr>
+        <p:spPr>
+          <a:xfrm>
+            <a:off x="6305303" y="3701668"/>
+            <a:ext cx="474603" cy="396607"/>
+          </a:xfrm>
+          <a:prstGeom prst="straightConnector1">
+            <a:avLst/>
+          </a:prstGeom>
+          <a:ln w="12700">
+            <a:solidFill>
+              <a:srgbClr val="5DA2C5"/>
+            </a:solidFill>
+            <a:tailEnd type="stealth" w="lg" len="lg"/>
+          </a:ln>
+        </p:spPr>
+        <p:style>
+          <a:lnRef idx="1">
+            <a:schemeClr val="accent1"/>
+          </a:lnRef>
+          <a:fillRef idx="0">
+            <a:schemeClr val="accent1"/>
+          </a:fillRef>
+          <a:effectRef idx="0">
+            <a:schemeClr val="accent1"/>
+          </a:effectRef>
+          <a:fontRef idx="minor">
+            <a:schemeClr val="tx1"/>
+          </a:fontRef>
+        </p:style>
+      </p:cxnSp>
+    </p:spTree>
+    <p:extLst>
+      <p:ext uri="{BB962C8B-B14F-4D97-AF65-F5344CB8AC3E}">
+        <p14:creationId xmlns:p14="http://schemas.microsoft.com/office/powerpoint/2010/main" val="1565088166"/>
+      </p:ext>
+    </p:extLst>
+  </p:cSld>
+  <p:clrMapOvr>
+    <a:masterClrMapping/>
+  </p:clrMapOvr>
+</p:sld>
+</file>
+
 <file path=ppt/theme/theme1.xml><?xml version="1.0" encoding="utf-8"?>
 <a:theme xmlns:a="http://schemas.openxmlformats.org/drawingml/2006/main" name="Office 테마">
   <a:themeElements>

--- a/complete-guide-to-elasticsearch/프레젠테이션1.pptx
+++ b/complete-guide-to-elasticsearch/프레젠테이션1.pptx
@@ -4339,8 +4339,8 @@
         </p:nvSpPr>
         <p:spPr>
           <a:xfrm>
-            <a:off x="928740" y="1438662"/>
-            <a:ext cx="1900447" cy="338554"/>
+            <a:off x="484742" y="1438662"/>
+            <a:ext cx="2842352" cy="400110"/>
           </a:xfrm>
           <a:prstGeom prst="rect">
             <a:avLst/>
@@ -4355,7 +4355,7 @@
           <a:p>
             <a:pPr algn="ctr"/>
             <a:r>
-              <a:rPr kumimoji="1" lang="en-US" altLang="ko-Kore-KR" sz="1600" b="1" dirty="0">
+              <a:rPr kumimoji="1" lang="en-US" altLang="ko-Kore-KR" sz="2000" b="1" dirty="0">
                 <a:solidFill>
                   <a:srgbClr val="5DA2C5"/>
                 </a:solidFill>
@@ -4364,7 +4364,7 @@
               </a:rPr>
               <a:t>Character filters</a:t>
             </a:r>
-            <a:endParaRPr kumimoji="1" lang="ko-Kore-KR" altLang="en-US" sz="1600" b="1" dirty="0">
+            <a:endParaRPr kumimoji="1" lang="ko-Kore-KR" altLang="en-US" sz="2000" b="1" dirty="0">
               <a:solidFill>
                 <a:srgbClr val="5DA2C5"/>
               </a:solidFill>
@@ -4389,7 +4389,7 @@
         <p:spPr>
           <a:xfrm>
             <a:off x="5145776" y="1438138"/>
-            <a:ext cx="1900447" cy="338554"/>
+            <a:ext cx="1900447" cy="400110"/>
           </a:xfrm>
           <a:prstGeom prst="rect">
             <a:avLst/>
@@ -4404,7 +4404,7 @@
           <a:p>
             <a:pPr algn="ctr"/>
             <a:r>
-              <a:rPr kumimoji="1" lang="en-US" altLang="ko-Kore-KR" sz="1600" b="1" dirty="0">
+              <a:rPr kumimoji="1" lang="en-US" altLang="ko-Kore-KR" sz="2000" b="1" dirty="0">
                 <a:solidFill>
                   <a:srgbClr val="5DA2C5"/>
                 </a:solidFill>
@@ -4413,7 +4413,7 @@
               </a:rPr>
               <a:t>Tokenizer</a:t>
             </a:r>
-            <a:endParaRPr kumimoji="1" lang="ko-Kore-KR" altLang="en-US" sz="1600" b="1" dirty="0">
+            <a:endParaRPr kumimoji="1" lang="ko-Kore-KR" altLang="en-US" sz="2000" b="1" dirty="0">
               <a:solidFill>
                 <a:srgbClr val="5DA2C5"/>
               </a:solidFill>
@@ -4438,7 +4438,7 @@
         <p:spPr>
           <a:xfrm>
             <a:off x="9417292" y="1433066"/>
-            <a:ext cx="1900447" cy="338554"/>
+            <a:ext cx="1900447" cy="400110"/>
           </a:xfrm>
           <a:prstGeom prst="rect">
             <a:avLst/>
@@ -4453,7 +4453,7 @@
           <a:p>
             <a:pPr algn="ctr"/>
             <a:r>
-              <a:rPr kumimoji="1" lang="en-US" altLang="ko-Kore-KR" sz="1600" b="1" dirty="0">
+              <a:rPr kumimoji="1" lang="en-US" altLang="ko-Kore-KR" sz="2000" b="1" dirty="0">
                 <a:solidFill>
                   <a:srgbClr val="5DA2C5"/>
                 </a:solidFill>
@@ -4462,7 +4462,7 @@
               </a:rPr>
               <a:t>Token filters</a:t>
             </a:r>
-            <a:endParaRPr kumimoji="1" lang="ko-Kore-KR" altLang="en-US" sz="1600" b="1" dirty="0">
+            <a:endParaRPr kumimoji="1" lang="ko-Kore-KR" altLang="en-US" sz="2000" b="1" dirty="0">
               <a:solidFill>
                 <a:srgbClr val="5DA2C5"/>
               </a:solidFill>

--- a/complete-guide-to-elasticsearch/프레젠테이션1.pptx
+++ b/complete-guide-to-elasticsearch/프레젠테이션1.pptx
@@ -15,6 +15,8 @@
     <p:sldId id="279" r:id="rId9"/>
     <p:sldId id="280" r:id="rId10"/>
     <p:sldId id="281" r:id="rId11"/>
+    <p:sldId id="282" r:id="rId12"/>
+    <p:sldId id="283" r:id="rId13"/>
   </p:sldIdLst>
   <p:sldSz cx="12192000" cy="6858000"/>
   <p:notesSz cx="6858000" cy="9144000"/>
@@ -252,7 +254,7 @@
           <a:p>
             <a:fld id="{3083E1A9-A397-4745-BD5D-6E8E767939EE}" type="datetimeFigureOut">
               <a:rPr kumimoji="1" lang="ko-Kore-KR" altLang="en-US" smtClean="0"/>
-              <a:t>2022. 8. 15.</a:t>
+              <a:t>2022. 8. 16.</a:t>
             </a:fld>
             <a:endParaRPr kumimoji="1" lang="ko-Kore-KR" altLang="en-US"/>
           </a:p>
@@ -422,7 +424,7 @@
           <a:p>
             <a:fld id="{3083E1A9-A397-4745-BD5D-6E8E767939EE}" type="datetimeFigureOut">
               <a:rPr kumimoji="1" lang="ko-Kore-KR" altLang="en-US" smtClean="0"/>
-              <a:t>2022. 8. 15.</a:t>
+              <a:t>2022. 8. 16.</a:t>
             </a:fld>
             <a:endParaRPr kumimoji="1" lang="ko-Kore-KR" altLang="en-US"/>
           </a:p>
@@ -602,7 +604,7 @@
           <a:p>
             <a:fld id="{3083E1A9-A397-4745-BD5D-6E8E767939EE}" type="datetimeFigureOut">
               <a:rPr kumimoji="1" lang="ko-Kore-KR" altLang="en-US" smtClean="0"/>
-              <a:t>2022. 8. 15.</a:t>
+              <a:t>2022. 8. 16.</a:t>
             </a:fld>
             <a:endParaRPr kumimoji="1" lang="ko-Kore-KR" altLang="en-US"/>
           </a:p>
@@ -772,7 +774,7 @@
           <a:p>
             <a:fld id="{3083E1A9-A397-4745-BD5D-6E8E767939EE}" type="datetimeFigureOut">
               <a:rPr kumimoji="1" lang="ko-Kore-KR" altLang="en-US" smtClean="0"/>
-              <a:t>2022. 8. 15.</a:t>
+              <a:t>2022. 8. 16.</a:t>
             </a:fld>
             <a:endParaRPr kumimoji="1" lang="ko-Kore-KR" altLang="en-US"/>
           </a:p>
@@ -1018,7 +1020,7 @@
           <a:p>
             <a:fld id="{3083E1A9-A397-4745-BD5D-6E8E767939EE}" type="datetimeFigureOut">
               <a:rPr kumimoji="1" lang="ko-Kore-KR" altLang="en-US" smtClean="0"/>
-              <a:t>2022. 8. 15.</a:t>
+              <a:t>2022. 8. 16.</a:t>
             </a:fld>
             <a:endParaRPr kumimoji="1" lang="ko-Kore-KR" altLang="en-US"/>
           </a:p>
@@ -1250,7 +1252,7 @@
           <a:p>
             <a:fld id="{3083E1A9-A397-4745-BD5D-6E8E767939EE}" type="datetimeFigureOut">
               <a:rPr kumimoji="1" lang="ko-Kore-KR" altLang="en-US" smtClean="0"/>
-              <a:t>2022. 8. 15.</a:t>
+              <a:t>2022. 8. 16.</a:t>
             </a:fld>
             <a:endParaRPr kumimoji="1" lang="ko-Kore-KR" altLang="en-US"/>
           </a:p>
@@ -1617,7 +1619,7 @@
           <a:p>
             <a:fld id="{3083E1A9-A397-4745-BD5D-6E8E767939EE}" type="datetimeFigureOut">
               <a:rPr kumimoji="1" lang="ko-Kore-KR" altLang="en-US" smtClean="0"/>
-              <a:t>2022. 8. 15.</a:t>
+              <a:t>2022. 8. 16.</a:t>
             </a:fld>
             <a:endParaRPr kumimoji="1" lang="ko-Kore-KR" altLang="en-US"/>
           </a:p>
@@ -1735,7 +1737,7 @@
           <a:p>
             <a:fld id="{3083E1A9-A397-4745-BD5D-6E8E767939EE}" type="datetimeFigureOut">
               <a:rPr kumimoji="1" lang="ko-Kore-KR" altLang="en-US" smtClean="0"/>
-              <a:t>2022. 8. 15.</a:t>
+              <a:t>2022. 8. 16.</a:t>
             </a:fld>
             <a:endParaRPr kumimoji="1" lang="ko-Kore-KR" altLang="en-US"/>
           </a:p>
@@ -1830,7 +1832,7 @@
           <a:p>
             <a:fld id="{3083E1A9-A397-4745-BD5D-6E8E767939EE}" type="datetimeFigureOut">
               <a:rPr kumimoji="1" lang="ko-Kore-KR" altLang="en-US" smtClean="0"/>
-              <a:t>2022. 8. 15.</a:t>
+              <a:t>2022. 8. 16.</a:t>
             </a:fld>
             <a:endParaRPr kumimoji="1" lang="ko-Kore-KR" altLang="en-US"/>
           </a:p>
@@ -2107,7 +2109,7 @@
           <a:p>
             <a:fld id="{3083E1A9-A397-4745-BD5D-6E8E767939EE}" type="datetimeFigureOut">
               <a:rPr kumimoji="1" lang="ko-Kore-KR" altLang="en-US" smtClean="0"/>
-              <a:t>2022. 8. 15.</a:t>
+              <a:t>2022. 8. 16.</a:t>
             </a:fld>
             <a:endParaRPr kumimoji="1" lang="ko-Kore-KR" altLang="en-US"/>
           </a:p>
@@ -2364,7 +2366,7 @@
           <a:p>
             <a:fld id="{3083E1A9-A397-4745-BD5D-6E8E767939EE}" type="datetimeFigureOut">
               <a:rPr kumimoji="1" lang="ko-Kore-KR" altLang="en-US" smtClean="0"/>
-              <a:t>2022. 8. 15.</a:t>
+              <a:t>2022. 8. 16.</a:t>
             </a:fld>
             <a:endParaRPr kumimoji="1" lang="ko-Kore-KR" altLang="en-US"/>
           </a:p>
@@ -2577,7 +2579,7 @@
           <a:p>
             <a:fld id="{3083E1A9-A397-4745-BD5D-6E8E767939EE}" type="datetimeFigureOut">
               <a:rPr kumimoji="1" lang="ko-Kore-KR" altLang="en-US" smtClean="0"/>
-              <a:t>2022. 8. 15.</a:t>
+              <a:t>2022. 8. 16.</a:t>
             </a:fld>
             <a:endParaRPr kumimoji="1" lang="ko-Kore-KR" altLang="en-US"/>
           </a:p>
@@ -4712,6 +4714,3360 @@
     <p:extLst>
       <p:ext uri="{BB962C8B-B14F-4D97-AF65-F5344CB8AC3E}">
         <p14:creationId xmlns:p14="http://schemas.microsoft.com/office/powerpoint/2010/main" val="1011342054"/>
+      </p:ext>
+    </p:extLst>
+  </p:cSld>
+  <p:clrMapOvr>
+    <a:masterClrMapping/>
+  </p:clrMapOvr>
+</p:sld>
+</file>
+
+<file path=ppt/slides/slide11.xml><?xml version="1.0" encoding="utf-8"?>
+<p:sld xmlns:a="http://schemas.openxmlformats.org/drawingml/2006/main" xmlns:r="http://schemas.openxmlformats.org/officeDocument/2006/relationships" xmlns:p="http://schemas.openxmlformats.org/presentationml/2006/main">
+  <p:cSld>
+    <p:spTree>
+      <p:nvGrpSpPr>
+        <p:cNvPr id="1" name=""/>
+        <p:cNvGrpSpPr/>
+        <p:nvPr/>
+      </p:nvGrpSpPr>
+      <p:grpSpPr>
+        <a:xfrm>
+          <a:off x="0" y="0"/>
+          <a:ext cx="0" cy="0"/>
+          <a:chOff x="0" y="0"/>
+          <a:chExt cx="0" cy="0"/>
+        </a:xfrm>
+      </p:grpSpPr>
+      <p:cxnSp>
+        <p:nvCxnSpPr>
+          <p:cNvPr id="31" name="직선 화살표 연결선 30">
+            <a:extLst>
+              <a:ext uri="{FF2B5EF4-FFF2-40B4-BE49-F238E27FC236}">
+                <a16:creationId xmlns:a16="http://schemas.microsoft.com/office/drawing/2014/main" id="{703D2B90-112A-754C-8FC2-583B4DCC36CE}"/>
+              </a:ext>
+            </a:extLst>
+          </p:cNvPr>
+          <p:cNvCxnSpPr>
+            <a:cxnSpLocks/>
+          </p:cNvCxnSpPr>
+          <p:nvPr/>
+        </p:nvCxnSpPr>
+        <p:spPr>
+          <a:xfrm>
+            <a:off x="5430674" y="446555"/>
+            <a:ext cx="397525" cy="0"/>
+          </a:xfrm>
+          <a:prstGeom prst="straightConnector1">
+            <a:avLst/>
+          </a:prstGeom>
+          <a:ln w="25400">
+            <a:solidFill>
+              <a:srgbClr val="5DA2C5"/>
+            </a:solidFill>
+            <a:tailEnd type="stealth" w="lg" len="lg"/>
+          </a:ln>
+        </p:spPr>
+        <p:style>
+          <a:lnRef idx="1">
+            <a:schemeClr val="accent1"/>
+          </a:lnRef>
+          <a:fillRef idx="0">
+            <a:schemeClr val="accent1"/>
+          </a:fillRef>
+          <a:effectRef idx="0">
+            <a:schemeClr val="accent1"/>
+          </a:effectRef>
+          <a:fontRef idx="minor">
+            <a:schemeClr val="tx1"/>
+          </a:fontRef>
+        </p:style>
+      </p:cxnSp>
+      <p:sp>
+        <p:nvSpPr>
+          <p:cNvPr id="32" name="TextBox 31">
+            <a:extLst>
+              <a:ext uri="{FF2B5EF4-FFF2-40B4-BE49-F238E27FC236}">
+                <a16:creationId xmlns:a16="http://schemas.microsoft.com/office/drawing/2014/main" id="{2FD6BE23-3431-3940-B2B8-193CDE07A231}"/>
+              </a:ext>
+            </a:extLst>
+          </p:cNvPr>
+          <p:cNvSpPr txBox="1"/>
+          <p:nvPr/>
+        </p:nvSpPr>
+        <p:spPr>
+          <a:xfrm>
+            <a:off x="2588322" y="251098"/>
+            <a:ext cx="2842352" cy="400110"/>
+          </a:xfrm>
+          <a:prstGeom prst="rect">
+            <a:avLst/>
+          </a:prstGeom>
+          <a:noFill/>
+        </p:spPr>
+        <p:txBody>
+          <a:bodyPr wrap="square" rtlCol="0">
+            <a:spAutoFit/>
+          </a:bodyPr>
+          <a:lstStyle/>
+          <a:p>
+            <a:pPr algn="ctr"/>
+            <a:r>
+              <a:rPr kumimoji="1" lang="en-US" altLang="ko-Kore-KR" sz="2000" b="1" dirty="0">
+                <a:solidFill>
+                  <a:srgbClr val="5DA2C5"/>
+                </a:solidFill>
+                <a:latin typeface="SHeadG" panose="02030600000101010101" pitchFamily="18" charset="-127"/>
+                <a:ea typeface="SHeadG" panose="02030600000101010101" pitchFamily="18" charset="-127"/>
+              </a:rPr>
+              <a:t>Sentence</a:t>
+            </a:r>
+            <a:endParaRPr kumimoji="1" lang="ko-Kore-KR" altLang="en-US" sz="2000" b="1" dirty="0">
+              <a:solidFill>
+                <a:srgbClr val="5DA2C5"/>
+              </a:solidFill>
+              <a:latin typeface="SHeadG" panose="02030600000101010101" pitchFamily="18" charset="-127"/>
+              <a:ea typeface="SHeadG" panose="02030600000101010101" pitchFamily="18" charset="-127"/>
+            </a:endParaRPr>
+          </a:p>
+        </p:txBody>
+      </p:sp>
+      <p:sp>
+        <p:nvSpPr>
+          <p:cNvPr id="33" name="TextBox 32">
+            <a:extLst>
+              <a:ext uri="{FF2B5EF4-FFF2-40B4-BE49-F238E27FC236}">
+                <a16:creationId xmlns:a16="http://schemas.microsoft.com/office/drawing/2014/main" id="{8ACDFA4E-3E07-DD47-B343-0CE12F2EE4FE}"/>
+              </a:ext>
+            </a:extLst>
+          </p:cNvPr>
+          <p:cNvSpPr txBox="1"/>
+          <p:nvPr/>
+        </p:nvSpPr>
+        <p:spPr>
+          <a:xfrm>
+            <a:off x="6004560" y="246500"/>
+            <a:ext cx="1900447" cy="400110"/>
+          </a:xfrm>
+          <a:prstGeom prst="rect">
+            <a:avLst/>
+          </a:prstGeom>
+          <a:noFill/>
+        </p:spPr>
+        <p:txBody>
+          <a:bodyPr wrap="square" rtlCol="0">
+            <a:spAutoFit/>
+          </a:bodyPr>
+          <a:lstStyle/>
+          <a:p>
+            <a:pPr algn="ctr"/>
+            <a:r>
+              <a:rPr kumimoji="1" lang="en-US" altLang="ko-Kore-KR" sz="2000" b="1" dirty="0">
+                <a:solidFill>
+                  <a:srgbClr val="5DA2C5"/>
+                </a:solidFill>
+                <a:latin typeface="SHeadG" panose="02030600000101010101" pitchFamily="18" charset="-127"/>
+                <a:ea typeface="SHeadG" panose="02030600000101010101" pitchFamily="18" charset="-127"/>
+              </a:rPr>
+              <a:t>Token</a:t>
+            </a:r>
+            <a:endParaRPr kumimoji="1" lang="ko-Kore-KR" altLang="en-US" sz="2000" b="1" dirty="0">
+              <a:solidFill>
+                <a:srgbClr val="5DA2C5"/>
+              </a:solidFill>
+              <a:latin typeface="SHeadG" panose="02030600000101010101" pitchFamily="18" charset="-127"/>
+              <a:ea typeface="SHeadG" panose="02030600000101010101" pitchFamily="18" charset="-127"/>
+            </a:endParaRPr>
+          </a:p>
+        </p:txBody>
+      </p:sp>
+      <p:sp>
+        <p:nvSpPr>
+          <p:cNvPr id="30" name="TextBox 29">
+            <a:extLst>
+              <a:ext uri="{FF2B5EF4-FFF2-40B4-BE49-F238E27FC236}">
+                <a16:creationId xmlns:a16="http://schemas.microsoft.com/office/drawing/2014/main" id="{50E7905E-DC55-9343-B92E-BB88A00C9232}"/>
+              </a:ext>
+            </a:extLst>
+          </p:cNvPr>
+          <p:cNvSpPr txBox="1"/>
+          <p:nvPr/>
+        </p:nvSpPr>
+        <p:spPr>
+          <a:xfrm>
+            <a:off x="379714" y="982192"/>
+            <a:ext cx="4646438" cy="261610"/>
+          </a:xfrm>
+          <a:prstGeom prst="rect">
+            <a:avLst/>
+          </a:prstGeom>
+          <a:noFill/>
+          <a:ln>
+            <a:solidFill>
+              <a:srgbClr val="5DA2C5"/>
+            </a:solidFill>
+          </a:ln>
+        </p:spPr>
+        <p:txBody>
+          <a:bodyPr wrap="square" rtlCol="0">
+            <a:spAutoFit/>
+          </a:bodyPr>
+          <a:lstStyle/>
+          <a:p>
+            <a:pPr algn="r"/>
+            <a:r>
+              <a:rPr kumimoji="1" lang="en-US" altLang="ko-Kore-KR" sz="1100" dirty="0">
+                <a:solidFill>
+                  <a:srgbClr val="5DA2C5"/>
+                </a:solidFill>
+                <a:latin typeface="SHeadG" panose="02030600000101010101" pitchFamily="18" charset="-127"/>
+                <a:ea typeface="SHeadG" panose="02030600000101010101" pitchFamily="18" charset="-127"/>
+              </a:rPr>
+              <a:t>“2 guys walk into  a bar, but the third… DUCKS! :-)”</a:t>
+            </a:r>
+            <a:endParaRPr kumimoji="1" lang="ko-Kore-KR" altLang="en-US" sz="1100" dirty="0">
+              <a:solidFill>
+                <a:srgbClr val="5DA2C5"/>
+              </a:solidFill>
+              <a:latin typeface="SHeadG" panose="02030600000101010101" pitchFamily="18" charset="-127"/>
+              <a:ea typeface="SHeadG" panose="02030600000101010101" pitchFamily="18" charset="-127"/>
+            </a:endParaRPr>
+          </a:p>
+        </p:txBody>
+      </p:sp>
+      <p:sp>
+        <p:nvSpPr>
+          <p:cNvPr id="38" name="TextBox 37">
+            <a:extLst>
+              <a:ext uri="{FF2B5EF4-FFF2-40B4-BE49-F238E27FC236}">
+                <a16:creationId xmlns:a16="http://schemas.microsoft.com/office/drawing/2014/main" id="{DBC73C95-25F1-F747-ABCE-DDA791A3E388}"/>
+              </a:ext>
+            </a:extLst>
+          </p:cNvPr>
+          <p:cNvSpPr txBox="1"/>
+          <p:nvPr/>
+        </p:nvSpPr>
+        <p:spPr>
+          <a:xfrm>
+            <a:off x="6379686" y="982192"/>
+            <a:ext cx="5608098" cy="261610"/>
+          </a:xfrm>
+          <a:prstGeom prst="rect">
+            <a:avLst/>
+          </a:prstGeom>
+          <a:noFill/>
+          <a:ln>
+            <a:solidFill>
+              <a:srgbClr val="5DA2C5"/>
+            </a:solidFill>
+          </a:ln>
+        </p:spPr>
+        <p:txBody>
+          <a:bodyPr wrap="square" rtlCol="0">
+            <a:spAutoFit/>
+          </a:bodyPr>
+          <a:lstStyle/>
+          <a:p>
+            <a:r>
+              <a:rPr kumimoji="1" lang="en-US" altLang="ko-Kore-KR" sz="1100" dirty="0">
+                <a:solidFill>
+                  <a:srgbClr val="5DA2C5"/>
+                </a:solidFill>
+                <a:latin typeface="SHeadG" panose="02030600000101010101" pitchFamily="18" charset="-127"/>
+                <a:ea typeface="SHeadG" panose="02030600000101010101" pitchFamily="18" charset="-127"/>
+              </a:rPr>
+              <a:t>[“2”,“guys”,“walk”,“into”,“a”,“bar”,“but”,“the”, “</a:t>
+            </a:r>
+            <a:r>
+              <a:rPr kumimoji="1" lang="en-US" altLang="ko-Kore-KR" sz="1100" dirty="0" err="1">
+                <a:solidFill>
+                  <a:srgbClr val="5DA2C5"/>
+                </a:solidFill>
+                <a:latin typeface="SHeadG" panose="02030600000101010101" pitchFamily="18" charset="-127"/>
+                <a:ea typeface="SHeadG" panose="02030600000101010101" pitchFamily="18" charset="-127"/>
+              </a:rPr>
+              <a:t>third”,“ducks</a:t>
+            </a:r>
+            <a:r>
+              <a:rPr kumimoji="1" lang="en-US" altLang="ko-Kore-KR" sz="1100" dirty="0">
+                <a:solidFill>
+                  <a:srgbClr val="5DA2C5"/>
+                </a:solidFill>
+                <a:latin typeface="SHeadG" panose="02030600000101010101" pitchFamily="18" charset="-127"/>
+                <a:ea typeface="SHeadG" panose="02030600000101010101" pitchFamily="18" charset="-127"/>
+              </a:rPr>
+              <a:t>”]</a:t>
+            </a:r>
+            <a:endParaRPr kumimoji="1" lang="ko-Kore-KR" altLang="en-US" sz="1100" dirty="0">
+              <a:solidFill>
+                <a:srgbClr val="5DA2C5"/>
+              </a:solidFill>
+              <a:latin typeface="SHeadG" panose="02030600000101010101" pitchFamily="18" charset="-127"/>
+              <a:ea typeface="SHeadG" panose="02030600000101010101" pitchFamily="18" charset="-127"/>
+            </a:endParaRPr>
+          </a:p>
+        </p:txBody>
+      </p:sp>
+      <p:cxnSp>
+        <p:nvCxnSpPr>
+          <p:cNvPr id="39" name="직선 화살표 연결선 38">
+            <a:extLst>
+              <a:ext uri="{FF2B5EF4-FFF2-40B4-BE49-F238E27FC236}">
+                <a16:creationId xmlns:a16="http://schemas.microsoft.com/office/drawing/2014/main" id="{B834B23C-7B84-6C41-8E28-E7C9C152BF0A}"/>
+              </a:ext>
+            </a:extLst>
+          </p:cNvPr>
+          <p:cNvCxnSpPr>
+            <a:cxnSpLocks/>
+          </p:cNvCxnSpPr>
+          <p:nvPr/>
+        </p:nvCxnSpPr>
+        <p:spPr>
+          <a:xfrm>
+            <a:off x="5430674" y="1092731"/>
+            <a:ext cx="397525" cy="0"/>
+          </a:xfrm>
+          <a:prstGeom prst="straightConnector1">
+            <a:avLst/>
+          </a:prstGeom>
+          <a:ln w="25400">
+            <a:solidFill>
+              <a:srgbClr val="5DA2C5"/>
+            </a:solidFill>
+            <a:tailEnd type="stealth" w="lg" len="lg"/>
+          </a:ln>
+        </p:spPr>
+        <p:style>
+          <a:lnRef idx="1">
+            <a:schemeClr val="accent1"/>
+          </a:lnRef>
+          <a:fillRef idx="0">
+            <a:schemeClr val="accent1"/>
+          </a:fillRef>
+          <a:effectRef idx="0">
+            <a:schemeClr val="accent1"/>
+          </a:effectRef>
+          <a:fontRef idx="minor">
+            <a:schemeClr val="tx1"/>
+          </a:fontRef>
+        </p:style>
+      </p:cxnSp>
+      <p:sp>
+        <p:nvSpPr>
+          <p:cNvPr id="41" name="TextBox 40">
+            <a:extLst>
+              <a:ext uri="{FF2B5EF4-FFF2-40B4-BE49-F238E27FC236}">
+                <a16:creationId xmlns:a16="http://schemas.microsoft.com/office/drawing/2014/main" id="{B991BA29-1536-0445-918D-4B678E6071E2}"/>
+              </a:ext>
+            </a:extLst>
+          </p:cNvPr>
+          <p:cNvSpPr txBox="1"/>
+          <p:nvPr/>
+        </p:nvSpPr>
+        <p:spPr>
+          <a:xfrm>
+            <a:off x="379714" y="1313176"/>
+            <a:ext cx="4646438" cy="261610"/>
+          </a:xfrm>
+          <a:prstGeom prst="rect">
+            <a:avLst/>
+          </a:prstGeom>
+          <a:noFill/>
+          <a:ln>
+            <a:solidFill>
+              <a:srgbClr val="5DA2C5"/>
+            </a:solidFill>
+          </a:ln>
+        </p:spPr>
+        <p:txBody>
+          <a:bodyPr wrap="square" rtlCol="0">
+            <a:spAutoFit/>
+          </a:bodyPr>
+          <a:lstStyle/>
+          <a:p>
+            <a:pPr algn="r"/>
+            <a:r>
+              <a:rPr kumimoji="1" lang="en-US" altLang="ko-Kore-KR" sz="1100" dirty="0">
+                <a:solidFill>
+                  <a:srgbClr val="5DA2C5"/>
+                </a:solidFill>
+                <a:latin typeface="SHeadG" panose="02030600000101010101" pitchFamily="18" charset="-127"/>
+                <a:ea typeface="SHeadG" panose="02030600000101010101" pitchFamily="18" charset="-127"/>
+              </a:rPr>
+              <a:t>“2 guys went into  a bar”</a:t>
+            </a:r>
+            <a:endParaRPr kumimoji="1" lang="ko-Kore-KR" altLang="en-US" sz="1100" dirty="0">
+              <a:solidFill>
+                <a:srgbClr val="5DA2C5"/>
+              </a:solidFill>
+              <a:latin typeface="SHeadG" panose="02030600000101010101" pitchFamily="18" charset="-127"/>
+              <a:ea typeface="SHeadG" panose="02030600000101010101" pitchFamily="18" charset="-127"/>
+            </a:endParaRPr>
+          </a:p>
+        </p:txBody>
+      </p:sp>
+      <p:sp>
+        <p:nvSpPr>
+          <p:cNvPr id="42" name="TextBox 41">
+            <a:extLst>
+              <a:ext uri="{FF2B5EF4-FFF2-40B4-BE49-F238E27FC236}">
+                <a16:creationId xmlns:a16="http://schemas.microsoft.com/office/drawing/2014/main" id="{16DCD3A0-45CD-4F41-9962-E774BBBB17F2}"/>
+              </a:ext>
+            </a:extLst>
+          </p:cNvPr>
+          <p:cNvSpPr txBox="1"/>
+          <p:nvPr/>
+        </p:nvSpPr>
+        <p:spPr>
+          <a:xfrm>
+            <a:off x="6379686" y="1313176"/>
+            <a:ext cx="5608098" cy="261610"/>
+          </a:xfrm>
+          <a:prstGeom prst="rect">
+            <a:avLst/>
+          </a:prstGeom>
+          <a:noFill/>
+          <a:ln>
+            <a:solidFill>
+              <a:srgbClr val="5DA2C5"/>
+            </a:solidFill>
+          </a:ln>
+        </p:spPr>
+        <p:txBody>
+          <a:bodyPr wrap="square" rtlCol="0">
+            <a:spAutoFit/>
+          </a:bodyPr>
+          <a:lstStyle/>
+          <a:p>
+            <a:r>
+              <a:rPr kumimoji="1" lang="en-US" altLang="ko-Kore-KR" sz="1100" dirty="0">
+                <a:solidFill>
+                  <a:srgbClr val="5DA2C5"/>
+                </a:solidFill>
+                <a:latin typeface="SHeadG" panose="02030600000101010101" pitchFamily="18" charset="-127"/>
+                <a:ea typeface="SHeadG" panose="02030600000101010101" pitchFamily="18" charset="-127"/>
+              </a:rPr>
+              <a:t>[“2”,“guys”,“went”,“into”,“a”,“bar”]</a:t>
+            </a:r>
+            <a:endParaRPr kumimoji="1" lang="ko-Kore-KR" altLang="en-US" sz="1100" dirty="0">
+              <a:solidFill>
+                <a:srgbClr val="5DA2C5"/>
+              </a:solidFill>
+              <a:latin typeface="SHeadG" panose="02030600000101010101" pitchFamily="18" charset="-127"/>
+              <a:ea typeface="SHeadG" panose="02030600000101010101" pitchFamily="18" charset="-127"/>
+            </a:endParaRPr>
+          </a:p>
+        </p:txBody>
+      </p:sp>
+      <p:cxnSp>
+        <p:nvCxnSpPr>
+          <p:cNvPr id="43" name="직선 화살표 연결선 42">
+            <a:extLst>
+              <a:ext uri="{FF2B5EF4-FFF2-40B4-BE49-F238E27FC236}">
+                <a16:creationId xmlns:a16="http://schemas.microsoft.com/office/drawing/2014/main" id="{759E35CF-5A96-FB4B-8273-FAB1429EF174}"/>
+              </a:ext>
+            </a:extLst>
+          </p:cNvPr>
+          <p:cNvCxnSpPr>
+            <a:cxnSpLocks/>
+          </p:cNvCxnSpPr>
+          <p:nvPr/>
+        </p:nvCxnSpPr>
+        <p:spPr>
+          <a:xfrm>
+            <a:off x="5430674" y="1423715"/>
+            <a:ext cx="397525" cy="0"/>
+          </a:xfrm>
+          <a:prstGeom prst="straightConnector1">
+            <a:avLst/>
+          </a:prstGeom>
+          <a:ln w="25400">
+            <a:solidFill>
+              <a:srgbClr val="5DA2C5"/>
+            </a:solidFill>
+            <a:tailEnd type="stealth" w="lg" len="lg"/>
+          </a:ln>
+        </p:spPr>
+        <p:style>
+          <a:lnRef idx="1">
+            <a:schemeClr val="accent1"/>
+          </a:lnRef>
+          <a:fillRef idx="0">
+            <a:schemeClr val="accent1"/>
+          </a:fillRef>
+          <a:effectRef idx="0">
+            <a:schemeClr val="accent1"/>
+          </a:effectRef>
+          <a:fontRef idx="minor">
+            <a:schemeClr val="tx1"/>
+          </a:fontRef>
+        </p:style>
+      </p:cxnSp>
+      <p:sp>
+        <p:nvSpPr>
+          <p:cNvPr id="44" name="TextBox 43">
+            <a:extLst>
+              <a:ext uri="{FF2B5EF4-FFF2-40B4-BE49-F238E27FC236}">
+                <a16:creationId xmlns:a16="http://schemas.microsoft.com/office/drawing/2014/main" id="{8DFF3C2D-4FAD-DA4F-BFA1-0A10053FC559}"/>
+              </a:ext>
+            </a:extLst>
+          </p:cNvPr>
+          <p:cNvSpPr txBox="1"/>
+          <p:nvPr/>
+        </p:nvSpPr>
+        <p:spPr>
+          <a:xfrm>
+            <a:off x="379714" y="1644160"/>
+            <a:ext cx="4646438" cy="261610"/>
+          </a:xfrm>
+          <a:prstGeom prst="rect">
+            <a:avLst/>
+          </a:prstGeom>
+          <a:noFill/>
+          <a:ln>
+            <a:solidFill>
+              <a:srgbClr val="5DA2C5"/>
+            </a:solidFill>
+          </a:ln>
+        </p:spPr>
+        <p:txBody>
+          <a:bodyPr wrap="square" rtlCol="0">
+            <a:spAutoFit/>
+          </a:bodyPr>
+          <a:lstStyle/>
+          <a:p>
+            <a:pPr algn="r"/>
+            <a:r>
+              <a:rPr kumimoji="1" lang="en-US" altLang="ko-Kore-KR" sz="1100" dirty="0">
+                <a:solidFill>
+                  <a:srgbClr val="5DA2C5"/>
+                </a:solidFill>
+                <a:latin typeface="SHeadG" panose="02030600000101010101" pitchFamily="18" charset="-127"/>
+                <a:ea typeface="SHeadG" panose="02030600000101010101" pitchFamily="18" charset="-127"/>
+              </a:rPr>
+              <a:t>“2 ducks walk around the lake”</a:t>
+            </a:r>
+            <a:endParaRPr kumimoji="1" lang="ko-Kore-KR" altLang="en-US" sz="1100" dirty="0">
+              <a:solidFill>
+                <a:srgbClr val="5DA2C5"/>
+              </a:solidFill>
+              <a:latin typeface="SHeadG" panose="02030600000101010101" pitchFamily="18" charset="-127"/>
+              <a:ea typeface="SHeadG" panose="02030600000101010101" pitchFamily="18" charset="-127"/>
+            </a:endParaRPr>
+          </a:p>
+        </p:txBody>
+      </p:sp>
+      <p:sp>
+        <p:nvSpPr>
+          <p:cNvPr id="46" name="TextBox 45">
+            <a:extLst>
+              <a:ext uri="{FF2B5EF4-FFF2-40B4-BE49-F238E27FC236}">
+                <a16:creationId xmlns:a16="http://schemas.microsoft.com/office/drawing/2014/main" id="{3E4737F3-E915-8045-B980-C7BAFD757B4D}"/>
+              </a:ext>
+            </a:extLst>
+          </p:cNvPr>
+          <p:cNvSpPr txBox="1"/>
+          <p:nvPr/>
+        </p:nvSpPr>
+        <p:spPr>
+          <a:xfrm>
+            <a:off x="6379686" y="1644160"/>
+            <a:ext cx="5608098" cy="261610"/>
+          </a:xfrm>
+          <a:prstGeom prst="rect">
+            <a:avLst/>
+          </a:prstGeom>
+          <a:noFill/>
+          <a:ln>
+            <a:solidFill>
+              <a:srgbClr val="5DA2C5"/>
+            </a:solidFill>
+          </a:ln>
+        </p:spPr>
+        <p:txBody>
+          <a:bodyPr wrap="square" rtlCol="0">
+            <a:spAutoFit/>
+          </a:bodyPr>
+          <a:lstStyle/>
+          <a:p>
+            <a:r>
+              <a:rPr kumimoji="1" lang="en-US" altLang="ko-Kore-KR" sz="1100" dirty="0">
+                <a:solidFill>
+                  <a:srgbClr val="5DA2C5"/>
+                </a:solidFill>
+                <a:latin typeface="SHeadG" panose="02030600000101010101" pitchFamily="18" charset="-127"/>
+                <a:ea typeface="SHeadG" panose="02030600000101010101" pitchFamily="18" charset="-127"/>
+              </a:rPr>
+              <a:t>[“2”,“ducks”,“walk”,“around”,“the”,“lake”]</a:t>
+            </a:r>
+            <a:endParaRPr kumimoji="1" lang="ko-Kore-KR" altLang="en-US" sz="1100" dirty="0">
+              <a:solidFill>
+                <a:srgbClr val="5DA2C5"/>
+              </a:solidFill>
+              <a:latin typeface="SHeadG" panose="02030600000101010101" pitchFamily="18" charset="-127"/>
+              <a:ea typeface="SHeadG" panose="02030600000101010101" pitchFamily="18" charset="-127"/>
+            </a:endParaRPr>
+          </a:p>
+        </p:txBody>
+      </p:sp>
+      <p:cxnSp>
+        <p:nvCxnSpPr>
+          <p:cNvPr id="47" name="직선 화살표 연결선 46">
+            <a:extLst>
+              <a:ext uri="{FF2B5EF4-FFF2-40B4-BE49-F238E27FC236}">
+                <a16:creationId xmlns:a16="http://schemas.microsoft.com/office/drawing/2014/main" id="{30F996B9-34F4-A344-9E86-4C1B19FEB056}"/>
+              </a:ext>
+            </a:extLst>
+          </p:cNvPr>
+          <p:cNvCxnSpPr>
+            <a:cxnSpLocks/>
+          </p:cNvCxnSpPr>
+          <p:nvPr/>
+        </p:nvCxnSpPr>
+        <p:spPr>
+          <a:xfrm>
+            <a:off x="5430674" y="1754699"/>
+            <a:ext cx="397525" cy="0"/>
+          </a:xfrm>
+          <a:prstGeom prst="straightConnector1">
+            <a:avLst/>
+          </a:prstGeom>
+          <a:ln w="25400">
+            <a:solidFill>
+              <a:srgbClr val="5DA2C5"/>
+            </a:solidFill>
+            <a:tailEnd type="stealth" w="lg" len="lg"/>
+          </a:ln>
+        </p:spPr>
+        <p:style>
+          <a:lnRef idx="1">
+            <a:schemeClr val="accent1"/>
+          </a:lnRef>
+          <a:fillRef idx="0">
+            <a:schemeClr val="accent1"/>
+          </a:fillRef>
+          <a:effectRef idx="0">
+            <a:schemeClr val="accent1"/>
+          </a:effectRef>
+          <a:fontRef idx="minor">
+            <a:schemeClr val="tx1"/>
+          </a:fontRef>
+        </p:style>
+      </p:cxnSp>
+      <p:graphicFrame>
+        <p:nvGraphicFramePr>
+          <p:cNvPr id="2" name="표 2">
+            <a:extLst>
+              <a:ext uri="{FF2B5EF4-FFF2-40B4-BE49-F238E27FC236}">
+                <a16:creationId xmlns:a16="http://schemas.microsoft.com/office/drawing/2014/main" id="{34501FD1-77C0-F74C-96D4-9AFA6B8DCB4F}"/>
+              </a:ext>
+            </a:extLst>
+          </p:cNvPr>
+          <p:cNvGraphicFramePr>
+            <a:graphicFrameLocks noGrp="1"/>
+          </p:cNvGraphicFramePr>
+          <p:nvPr>
+            <p:extLst>
+              <p:ext uri="{D42A27DB-BD31-4B8C-83A1-F6EECF244321}">
+                <p14:modId xmlns:p14="http://schemas.microsoft.com/office/powerpoint/2010/main" val="3040293326"/>
+              </p:ext>
+            </p:extLst>
+          </p:nvPr>
+        </p:nvGraphicFramePr>
+        <p:xfrm>
+          <a:off x="2267627" y="2408553"/>
+          <a:ext cx="7121144" cy="3490496"/>
+        </p:xfrm>
+        <a:graphic>
+          <a:graphicData uri="http://schemas.openxmlformats.org/drawingml/2006/table">
+            <a:tbl>
+              <a:tblPr firstRow="1" bandRow="1">
+                <a:tableStyleId>{5C22544A-7EE6-4342-B048-85BDC9FD1C3A}</a:tableStyleId>
+              </a:tblPr>
+              <a:tblGrid>
+                <a:gridCol w="1780286">
+                  <a:extLst>
+                    <a:ext uri="{9D8B030D-6E8A-4147-A177-3AD203B41FA5}">
+                      <a16:colId xmlns:a16="http://schemas.microsoft.com/office/drawing/2014/main" val="2852157263"/>
+                    </a:ext>
+                  </a:extLst>
+                </a:gridCol>
+                <a:gridCol w="1780286">
+                  <a:extLst>
+                    <a:ext uri="{9D8B030D-6E8A-4147-A177-3AD203B41FA5}">
+                      <a16:colId xmlns:a16="http://schemas.microsoft.com/office/drawing/2014/main" val="4146129547"/>
+                    </a:ext>
+                  </a:extLst>
+                </a:gridCol>
+                <a:gridCol w="1780286">
+                  <a:extLst>
+                    <a:ext uri="{9D8B030D-6E8A-4147-A177-3AD203B41FA5}">
+                      <a16:colId xmlns:a16="http://schemas.microsoft.com/office/drawing/2014/main" val="2647270482"/>
+                    </a:ext>
+                  </a:extLst>
+                </a:gridCol>
+                <a:gridCol w="1780286">
+                  <a:extLst>
+                    <a:ext uri="{9D8B030D-6E8A-4147-A177-3AD203B41FA5}">
+                      <a16:colId xmlns:a16="http://schemas.microsoft.com/office/drawing/2014/main" val="782261653"/>
+                    </a:ext>
+                  </a:extLst>
+                </a:gridCol>
+              </a:tblGrid>
+              <a:tr h="232651">
+                <a:tc>
+                  <a:txBody>
+                    <a:bodyPr/>
+                    <a:lstStyle/>
+                    <a:p>
+                      <a:pPr algn="ctr"/>
+                      <a:r>
+                        <a:rPr lang="en-US" altLang="ko-Kore-KR" sz="1000" dirty="0">
+                          <a:latin typeface="SHeadG" panose="02030600000101010101" pitchFamily="18" charset="-127"/>
+                          <a:ea typeface="SHeadG" panose="02030600000101010101" pitchFamily="18" charset="-127"/>
+                        </a:rPr>
+                        <a:t>TERM</a:t>
+                      </a:r>
+                      <a:endParaRPr lang="ko-Kore-KR" altLang="en-US" sz="1000" dirty="0">
+                        <a:latin typeface="SHeadG" panose="02030600000101010101" pitchFamily="18" charset="-127"/>
+                        <a:ea typeface="SHeadG" panose="02030600000101010101" pitchFamily="18" charset="-127"/>
+                      </a:endParaRPr>
+                    </a:p>
+                  </a:txBody>
+                  <a:tcPr/>
+                </a:tc>
+                <a:tc>
+                  <a:txBody>
+                    <a:bodyPr/>
+                    <a:lstStyle/>
+                    <a:p>
+                      <a:pPr algn="ctr"/>
+                      <a:r>
+                        <a:rPr lang="en-US" altLang="ko-Kore-KR" sz="1000" dirty="0">
+                          <a:latin typeface="SHeadG" panose="02030600000101010101" pitchFamily="18" charset="-127"/>
+                          <a:ea typeface="SHeadG" panose="02030600000101010101" pitchFamily="18" charset="-127"/>
+                        </a:rPr>
+                        <a:t>DOCUMENT #1</a:t>
+                      </a:r>
+                      <a:endParaRPr lang="ko-Kore-KR" altLang="en-US" sz="1000" dirty="0">
+                        <a:latin typeface="SHeadG" panose="02030600000101010101" pitchFamily="18" charset="-127"/>
+                        <a:ea typeface="SHeadG" panose="02030600000101010101" pitchFamily="18" charset="-127"/>
+                      </a:endParaRPr>
+                    </a:p>
+                  </a:txBody>
+                  <a:tcPr/>
+                </a:tc>
+                <a:tc>
+                  <a:txBody>
+                    <a:bodyPr/>
+                    <a:lstStyle/>
+                    <a:p>
+                      <a:pPr marL="0" marR="0" lvl="0" indent="0" algn="ctr" defTabSz="914400" rtl="0" eaLnBrk="1" fontAlgn="auto" latinLnBrk="0" hangingPunct="1">
+                        <a:lnSpc>
+                          <a:spcPct val="100000"/>
+                        </a:lnSpc>
+                        <a:spcBef>
+                          <a:spcPts val="0"/>
+                        </a:spcBef>
+                        <a:spcAft>
+                          <a:spcPts val="0"/>
+                        </a:spcAft>
+                        <a:buClrTx/>
+                        <a:buSzTx/>
+                        <a:buFontTx/>
+                        <a:buNone/>
+                        <a:tabLst/>
+                        <a:defRPr/>
+                      </a:pPr>
+                      <a:r>
+                        <a:rPr lang="en-US" altLang="ko-Kore-KR" sz="1000" dirty="0">
+                          <a:latin typeface="SHeadG" panose="02030600000101010101" pitchFamily="18" charset="-127"/>
+                          <a:ea typeface="SHeadG" panose="02030600000101010101" pitchFamily="18" charset="-127"/>
+                        </a:rPr>
+                        <a:t>DOCUMENT #2</a:t>
+                      </a:r>
+                      <a:endParaRPr lang="ko-Kore-KR" altLang="en-US" sz="1000" dirty="0">
+                        <a:latin typeface="SHeadG" panose="02030600000101010101" pitchFamily="18" charset="-127"/>
+                        <a:ea typeface="SHeadG" panose="02030600000101010101" pitchFamily="18" charset="-127"/>
+                      </a:endParaRPr>
+                    </a:p>
+                  </a:txBody>
+                  <a:tcPr/>
+                </a:tc>
+                <a:tc>
+                  <a:txBody>
+                    <a:bodyPr/>
+                    <a:lstStyle/>
+                    <a:p>
+                      <a:pPr algn="ctr"/>
+                      <a:r>
+                        <a:rPr lang="en-US" altLang="ko-Kore-KR" sz="1000" dirty="0">
+                          <a:latin typeface="SHeadG" panose="02030600000101010101" pitchFamily="18" charset="-127"/>
+                          <a:ea typeface="SHeadG" panose="02030600000101010101" pitchFamily="18" charset="-127"/>
+                        </a:rPr>
+                        <a:t>DOCUMENT #3</a:t>
+                      </a:r>
+                      <a:endParaRPr lang="ko-Kore-KR" altLang="en-US" sz="1000" dirty="0">
+                        <a:latin typeface="SHeadG" panose="02030600000101010101" pitchFamily="18" charset="-127"/>
+                        <a:ea typeface="SHeadG" panose="02030600000101010101" pitchFamily="18" charset="-127"/>
+                      </a:endParaRPr>
+                    </a:p>
+                  </a:txBody>
+                  <a:tcPr/>
+                </a:tc>
+                <a:extLst>
+                  <a:ext uri="{0D108BD9-81ED-4DB2-BD59-A6C34878D82A}">
+                    <a16:rowId xmlns:a16="http://schemas.microsoft.com/office/drawing/2014/main" val="49265347"/>
+                  </a:ext>
+                </a:extLst>
+              </a:tr>
+              <a:tr h="232651">
+                <a:tc>
+                  <a:txBody>
+                    <a:bodyPr/>
+                    <a:lstStyle/>
+                    <a:p>
+                      <a:pPr algn="ctr"/>
+                      <a:r>
+                        <a:rPr lang="en-US" altLang="ko-Kore-KR" sz="1000" dirty="0">
+                          <a:latin typeface="SHeadG" panose="02030600000101010101" pitchFamily="18" charset="-127"/>
+                          <a:ea typeface="SHeadG" panose="02030600000101010101" pitchFamily="18" charset="-127"/>
+                        </a:rPr>
+                        <a:t>2</a:t>
+                      </a:r>
+                      <a:endParaRPr lang="ko-Kore-KR" altLang="en-US" sz="1000" dirty="0">
+                        <a:latin typeface="SHeadG" panose="02030600000101010101" pitchFamily="18" charset="-127"/>
+                        <a:ea typeface="SHeadG" panose="02030600000101010101" pitchFamily="18" charset="-127"/>
+                      </a:endParaRPr>
+                    </a:p>
+                  </a:txBody>
+                  <a:tcPr/>
+                </a:tc>
+                <a:tc>
+                  <a:txBody>
+                    <a:bodyPr/>
+                    <a:lstStyle/>
+                    <a:p>
+                      <a:pPr algn="ctr"/>
+                      <a:r>
+                        <a:rPr lang="en-US" altLang="ko-Kore-KR" sz="1000" dirty="0">
+                          <a:latin typeface="SHeadG" panose="02030600000101010101" pitchFamily="18" charset="-127"/>
+                          <a:ea typeface="SHeadG" panose="02030600000101010101" pitchFamily="18" charset="-127"/>
+                        </a:rPr>
+                        <a:t>X</a:t>
+                      </a:r>
+                      <a:endParaRPr lang="ko-Kore-KR" altLang="en-US" sz="1000" dirty="0">
+                        <a:latin typeface="SHeadG" panose="02030600000101010101" pitchFamily="18" charset="-127"/>
+                        <a:ea typeface="SHeadG" panose="02030600000101010101" pitchFamily="18" charset="-127"/>
+                      </a:endParaRPr>
+                    </a:p>
+                  </a:txBody>
+                  <a:tcPr/>
+                </a:tc>
+                <a:tc>
+                  <a:txBody>
+                    <a:bodyPr/>
+                    <a:lstStyle/>
+                    <a:p>
+                      <a:pPr algn="ctr"/>
+                      <a:r>
+                        <a:rPr lang="en-US" altLang="ko-Kore-KR" sz="1000" dirty="0">
+                          <a:latin typeface="SHeadG" panose="02030600000101010101" pitchFamily="18" charset="-127"/>
+                          <a:ea typeface="SHeadG" panose="02030600000101010101" pitchFamily="18" charset="-127"/>
+                        </a:rPr>
+                        <a:t>X</a:t>
+                      </a:r>
+                      <a:endParaRPr lang="ko-Kore-KR" altLang="en-US" sz="1000" dirty="0">
+                        <a:latin typeface="SHeadG" panose="02030600000101010101" pitchFamily="18" charset="-127"/>
+                        <a:ea typeface="SHeadG" panose="02030600000101010101" pitchFamily="18" charset="-127"/>
+                      </a:endParaRPr>
+                    </a:p>
+                  </a:txBody>
+                  <a:tcPr/>
+                </a:tc>
+                <a:tc>
+                  <a:txBody>
+                    <a:bodyPr/>
+                    <a:lstStyle/>
+                    <a:p>
+                      <a:pPr algn="ctr"/>
+                      <a:r>
+                        <a:rPr lang="en-US" altLang="ko-Kore-KR" sz="1000" dirty="0">
+                          <a:latin typeface="SHeadG" panose="02030600000101010101" pitchFamily="18" charset="-127"/>
+                          <a:ea typeface="SHeadG" panose="02030600000101010101" pitchFamily="18" charset="-127"/>
+                        </a:rPr>
+                        <a:t>X</a:t>
+                      </a:r>
+                      <a:endParaRPr lang="ko-Kore-KR" altLang="en-US" sz="1000" dirty="0">
+                        <a:latin typeface="SHeadG" panose="02030600000101010101" pitchFamily="18" charset="-127"/>
+                        <a:ea typeface="SHeadG" panose="02030600000101010101" pitchFamily="18" charset="-127"/>
+                      </a:endParaRPr>
+                    </a:p>
+                  </a:txBody>
+                  <a:tcPr/>
+                </a:tc>
+                <a:extLst>
+                  <a:ext uri="{0D108BD9-81ED-4DB2-BD59-A6C34878D82A}">
+                    <a16:rowId xmlns:a16="http://schemas.microsoft.com/office/drawing/2014/main" val="2159732333"/>
+                  </a:ext>
+                </a:extLst>
+              </a:tr>
+              <a:tr h="232651">
+                <a:tc>
+                  <a:txBody>
+                    <a:bodyPr/>
+                    <a:lstStyle/>
+                    <a:p>
+                      <a:pPr algn="ctr"/>
+                      <a:r>
+                        <a:rPr lang="en-US" altLang="ko-Kore-KR" sz="1000" dirty="0">
+                          <a:latin typeface="SHeadG" panose="02030600000101010101" pitchFamily="18" charset="-127"/>
+                          <a:ea typeface="SHeadG" panose="02030600000101010101" pitchFamily="18" charset="-127"/>
+                        </a:rPr>
+                        <a:t>a</a:t>
+                      </a:r>
+                      <a:endParaRPr lang="ko-Kore-KR" altLang="en-US" sz="1000" dirty="0">
+                        <a:latin typeface="SHeadG" panose="02030600000101010101" pitchFamily="18" charset="-127"/>
+                        <a:ea typeface="SHeadG" panose="02030600000101010101" pitchFamily="18" charset="-127"/>
+                      </a:endParaRPr>
+                    </a:p>
+                  </a:txBody>
+                  <a:tcPr/>
+                </a:tc>
+                <a:tc>
+                  <a:txBody>
+                    <a:bodyPr/>
+                    <a:lstStyle/>
+                    <a:p>
+                      <a:pPr algn="ctr"/>
+                      <a:r>
+                        <a:rPr lang="en-US" altLang="ko-Kore-KR" sz="1000" dirty="0">
+                          <a:latin typeface="SHeadG" panose="02030600000101010101" pitchFamily="18" charset="-127"/>
+                          <a:ea typeface="SHeadG" panose="02030600000101010101" pitchFamily="18" charset="-127"/>
+                        </a:rPr>
+                        <a:t>X</a:t>
+                      </a:r>
+                      <a:endParaRPr lang="ko-Kore-KR" altLang="en-US" sz="1000" dirty="0">
+                        <a:latin typeface="SHeadG" panose="02030600000101010101" pitchFamily="18" charset="-127"/>
+                        <a:ea typeface="SHeadG" panose="02030600000101010101" pitchFamily="18" charset="-127"/>
+                      </a:endParaRPr>
+                    </a:p>
+                  </a:txBody>
+                  <a:tcPr/>
+                </a:tc>
+                <a:tc>
+                  <a:txBody>
+                    <a:bodyPr/>
+                    <a:lstStyle/>
+                    <a:p>
+                      <a:pPr algn="ctr"/>
+                      <a:r>
+                        <a:rPr lang="en-US" altLang="ko-Kore-KR" sz="1000" dirty="0">
+                          <a:latin typeface="SHeadG" panose="02030600000101010101" pitchFamily="18" charset="-127"/>
+                          <a:ea typeface="SHeadG" panose="02030600000101010101" pitchFamily="18" charset="-127"/>
+                        </a:rPr>
+                        <a:t>X</a:t>
+                      </a:r>
+                      <a:endParaRPr lang="ko-Kore-KR" altLang="en-US" sz="1000" dirty="0">
+                        <a:latin typeface="SHeadG" panose="02030600000101010101" pitchFamily="18" charset="-127"/>
+                        <a:ea typeface="SHeadG" panose="02030600000101010101" pitchFamily="18" charset="-127"/>
+                      </a:endParaRPr>
+                    </a:p>
+                  </a:txBody>
+                  <a:tcPr/>
+                </a:tc>
+                <a:tc>
+                  <a:txBody>
+                    <a:bodyPr/>
+                    <a:lstStyle/>
+                    <a:p>
+                      <a:pPr algn="ctr"/>
+                      <a:endParaRPr lang="ko-Kore-KR" altLang="en-US" sz="1000" dirty="0">
+                        <a:latin typeface="SHeadG" panose="02030600000101010101" pitchFamily="18" charset="-127"/>
+                        <a:ea typeface="SHeadG" panose="02030600000101010101" pitchFamily="18" charset="-127"/>
+                      </a:endParaRPr>
+                    </a:p>
+                  </a:txBody>
+                  <a:tcPr/>
+                </a:tc>
+                <a:extLst>
+                  <a:ext uri="{0D108BD9-81ED-4DB2-BD59-A6C34878D82A}">
+                    <a16:rowId xmlns:a16="http://schemas.microsoft.com/office/drawing/2014/main" val="786570873"/>
+                  </a:ext>
+                </a:extLst>
+              </a:tr>
+              <a:tr h="232651">
+                <a:tc>
+                  <a:txBody>
+                    <a:bodyPr/>
+                    <a:lstStyle/>
+                    <a:p>
+                      <a:pPr algn="ctr"/>
+                      <a:r>
+                        <a:rPr lang="en-US" altLang="ko-Kore-KR" sz="1000" dirty="0">
+                          <a:latin typeface="SHeadG" panose="02030600000101010101" pitchFamily="18" charset="-127"/>
+                          <a:ea typeface="SHeadG" panose="02030600000101010101" pitchFamily="18" charset="-127"/>
+                        </a:rPr>
+                        <a:t>around</a:t>
+                      </a:r>
+                      <a:endParaRPr lang="ko-Kore-KR" altLang="en-US" sz="1000" dirty="0">
+                        <a:latin typeface="SHeadG" panose="02030600000101010101" pitchFamily="18" charset="-127"/>
+                        <a:ea typeface="SHeadG" panose="02030600000101010101" pitchFamily="18" charset="-127"/>
+                      </a:endParaRPr>
+                    </a:p>
+                  </a:txBody>
+                  <a:tcPr/>
+                </a:tc>
+                <a:tc>
+                  <a:txBody>
+                    <a:bodyPr/>
+                    <a:lstStyle/>
+                    <a:p>
+                      <a:pPr algn="ctr"/>
+                      <a:endParaRPr lang="ko-Kore-KR" altLang="en-US" sz="1000" dirty="0">
+                        <a:latin typeface="SHeadG" panose="02030600000101010101" pitchFamily="18" charset="-127"/>
+                        <a:ea typeface="SHeadG" panose="02030600000101010101" pitchFamily="18" charset="-127"/>
+                      </a:endParaRPr>
+                    </a:p>
+                  </a:txBody>
+                  <a:tcPr/>
+                </a:tc>
+                <a:tc>
+                  <a:txBody>
+                    <a:bodyPr/>
+                    <a:lstStyle/>
+                    <a:p>
+                      <a:pPr algn="ctr"/>
+                      <a:endParaRPr lang="ko-Kore-KR" altLang="en-US" sz="1000" dirty="0">
+                        <a:latin typeface="SHeadG" panose="02030600000101010101" pitchFamily="18" charset="-127"/>
+                        <a:ea typeface="SHeadG" panose="02030600000101010101" pitchFamily="18" charset="-127"/>
+                      </a:endParaRPr>
+                    </a:p>
+                  </a:txBody>
+                  <a:tcPr/>
+                </a:tc>
+                <a:tc>
+                  <a:txBody>
+                    <a:bodyPr/>
+                    <a:lstStyle/>
+                    <a:p>
+                      <a:pPr algn="ctr"/>
+                      <a:r>
+                        <a:rPr lang="en-US" altLang="ko-Kore-KR" sz="1000" dirty="0">
+                          <a:latin typeface="SHeadG" panose="02030600000101010101" pitchFamily="18" charset="-127"/>
+                          <a:ea typeface="SHeadG" panose="02030600000101010101" pitchFamily="18" charset="-127"/>
+                        </a:rPr>
+                        <a:t>X</a:t>
+                      </a:r>
+                      <a:endParaRPr lang="ko-Kore-KR" altLang="en-US" sz="1000" dirty="0">
+                        <a:latin typeface="SHeadG" panose="02030600000101010101" pitchFamily="18" charset="-127"/>
+                        <a:ea typeface="SHeadG" panose="02030600000101010101" pitchFamily="18" charset="-127"/>
+                      </a:endParaRPr>
+                    </a:p>
+                  </a:txBody>
+                  <a:tcPr/>
+                </a:tc>
+                <a:extLst>
+                  <a:ext uri="{0D108BD9-81ED-4DB2-BD59-A6C34878D82A}">
+                    <a16:rowId xmlns:a16="http://schemas.microsoft.com/office/drawing/2014/main" val="4185569470"/>
+                  </a:ext>
+                </a:extLst>
+              </a:tr>
+              <a:tr h="232651">
+                <a:tc>
+                  <a:txBody>
+                    <a:bodyPr/>
+                    <a:lstStyle/>
+                    <a:p>
+                      <a:pPr algn="ctr"/>
+                      <a:r>
+                        <a:rPr lang="en-US" altLang="ko-Kore-KR" sz="1000" dirty="0">
+                          <a:latin typeface="SHeadG" panose="02030600000101010101" pitchFamily="18" charset="-127"/>
+                          <a:ea typeface="SHeadG" panose="02030600000101010101" pitchFamily="18" charset="-127"/>
+                        </a:rPr>
+                        <a:t>bar</a:t>
+                      </a:r>
+                      <a:endParaRPr lang="ko-Kore-KR" altLang="en-US" sz="1000" dirty="0">
+                        <a:latin typeface="SHeadG" panose="02030600000101010101" pitchFamily="18" charset="-127"/>
+                        <a:ea typeface="SHeadG" panose="02030600000101010101" pitchFamily="18" charset="-127"/>
+                      </a:endParaRPr>
+                    </a:p>
+                  </a:txBody>
+                  <a:tcPr/>
+                </a:tc>
+                <a:tc>
+                  <a:txBody>
+                    <a:bodyPr/>
+                    <a:lstStyle/>
+                    <a:p>
+                      <a:pPr algn="ctr"/>
+                      <a:r>
+                        <a:rPr lang="en-US" altLang="ko-Kore-KR" sz="1000" dirty="0">
+                          <a:latin typeface="SHeadG" panose="02030600000101010101" pitchFamily="18" charset="-127"/>
+                          <a:ea typeface="SHeadG" panose="02030600000101010101" pitchFamily="18" charset="-127"/>
+                        </a:rPr>
+                        <a:t>X</a:t>
+                      </a:r>
+                      <a:endParaRPr lang="ko-Kore-KR" altLang="en-US" sz="1000" dirty="0">
+                        <a:latin typeface="SHeadG" panose="02030600000101010101" pitchFamily="18" charset="-127"/>
+                        <a:ea typeface="SHeadG" panose="02030600000101010101" pitchFamily="18" charset="-127"/>
+                      </a:endParaRPr>
+                    </a:p>
+                  </a:txBody>
+                  <a:tcPr/>
+                </a:tc>
+                <a:tc>
+                  <a:txBody>
+                    <a:bodyPr/>
+                    <a:lstStyle/>
+                    <a:p>
+                      <a:pPr algn="ctr"/>
+                      <a:r>
+                        <a:rPr lang="en-US" altLang="ko-Kore-KR" sz="1000" dirty="0">
+                          <a:latin typeface="SHeadG" panose="02030600000101010101" pitchFamily="18" charset="-127"/>
+                          <a:ea typeface="SHeadG" panose="02030600000101010101" pitchFamily="18" charset="-127"/>
+                        </a:rPr>
+                        <a:t>X</a:t>
+                      </a:r>
+                      <a:endParaRPr lang="ko-Kore-KR" altLang="en-US" sz="1000" dirty="0">
+                        <a:latin typeface="SHeadG" panose="02030600000101010101" pitchFamily="18" charset="-127"/>
+                        <a:ea typeface="SHeadG" panose="02030600000101010101" pitchFamily="18" charset="-127"/>
+                      </a:endParaRPr>
+                    </a:p>
+                  </a:txBody>
+                  <a:tcPr/>
+                </a:tc>
+                <a:tc>
+                  <a:txBody>
+                    <a:bodyPr/>
+                    <a:lstStyle/>
+                    <a:p>
+                      <a:pPr algn="ctr"/>
+                      <a:endParaRPr lang="ko-Kore-KR" altLang="en-US" sz="1000" dirty="0">
+                        <a:latin typeface="SHeadG" panose="02030600000101010101" pitchFamily="18" charset="-127"/>
+                        <a:ea typeface="SHeadG" panose="02030600000101010101" pitchFamily="18" charset="-127"/>
+                      </a:endParaRPr>
+                    </a:p>
+                  </a:txBody>
+                  <a:tcPr/>
+                </a:tc>
+                <a:extLst>
+                  <a:ext uri="{0D108BD9-81ED-4DB2-BD59-A6C34878D82A}">
+                    <a16:rowId xmlns:a16="http://schemas.microsoft.com/office/drawing/2014/main" val="4187411522"/>
+                  </a:ext>
+                </a:extLst>
+              </a:tr>
+              <a:tr h="232651">
+                <a:tc>
+                  <a:txBody>
+                    <a:bodyPr/>
+                    <a:lstStyle/>
+                    <a:p>
+                      <a:pPr algn="ctr"/>
+                      <a:r>
+                        <a:rPr lang="en-US" altLang="ko-Kore-KR" sz="1000" dirty="0">
+                          <a:latin typeface="SHeadG" panose="02030600000101010101" pitchFamily="18" charset="-127"/>
+                          <a:ea typeface="SHeadG" panose="02030600000101010101" pitchFamily="18" charset="-127"/>
+                        </a:rPr>
+                        <a:t>but</a:t>
+                      </a:r>
+                      <a:endParaRPr lang="ko-Kore-KR" altLang="en-US" sz="1000" dirty="0">
+                        <a:latin typeface="SHeadG" panose="02030600000101010101" pitchFamily="18" charset="-127"/>
+                        <a:ea typeface="SHeadG" panose="02030600000101010101" pitchFamily="18" charset="-127"/>
+                      </a:endParaRPr>
+                    </a:p>
+                  </a:txBody>
+                  <a:tcPr/>
+                </a:tc>
+                <a:tc>
+                  <a:txBody>
+                    <a:bodyPr/>
+                    <a:lstStyle/>
+                    <a:p>
+                      <a:pPr algn="ctr"/>
+                      <a:r>
+                        <a:rPr lang="en-US" altLang="ko-Kore-KR" sz="1000" dirty="0">
+                          <a:latin typeface="SHeadG" panose="02030600000101010101" pitchFamily="18" charset="-127"/>
+                          <a:ea typeface="SHeadG" panose="02030600000101010101" pitchFamily="18" charset="-127"/>
+                        </a:rPr>
+                        <a:t>X</a:t>
+                      </a:r>
+                      <a:endParaRPr lang="ko-Kore-KR" altLang="en-US" sz="1000" dirty="0">
+                        <a:latin typeface="SHeadG" panose="02030600000101010101" pitchFamily="18" charset="-127"/>
+                        <a:ea typeface="SHeadG" panose="02030600000101010101" pitchFamily="18" charset="-127"/>
+                      </a:endParaRPr>
+                    </a:p>
+                  </a:txBody>
+                  <a:tcPr/>
+                </a:tc>
+                <a:tc>
+                  <a:txBody>
+                    <a:bodyPr/>
+                    <a:lstStyle/>
+                    <a:p>
+                      <a:pPr algn="ctr"/>
+                      <a:endParaRPr lang="ko-Kore-KR" altLang="en-US" sz="1000" dirty="0">
+                        <a:latin typeface="SHeadG" panose="02030600000101010101" pitchFamily="18" charset="-127"/>
+                        <a:ea typeface="SHeadG" panose="02030600000101010101" pitchFamily="18" charset="-127"/>
+                      </a:endParaRPr>
+                    </a:p>
+                  </a:txBody>
+                  <a:tcPr/>
+                </a:tc>
+                <a:tc>
+                  <a:txBody>
+                    <a:bodyPr/>
+                    <a:lstStyle/>
+                    <a:p>
+                      <a:pPr algn="ctr"/>
+                      <a:endParaRPr lang="ko-Kore-KR" altLang="en-US" sz="1000" dirty="0">
+                        <a:latin typeface="SHeadG" panose="02030600000101010101" pitchFamily="18" charset="-127"/>
+                        <a:ea typeface="SHeadG" panose="02030600000101010101" pitchFamily="18" charset="-127"/>
+                      </a:endParaRPr>
+                    </a:p>
+                  </a:txBody>
+                  <a:tcPr/>
+                </a:tc>
+                <a:extLst>
+                  <a:ext uri="{0D108BD9-81ED-4DB2-BD59-A6C34878D82A}">
+                    <a16:rowId xmlns:a16="http://schemas.microsoft.com/office/drawing/2014/main" val="4161938154"/>
+                  </a:ext>
+                </a:extLst>
+              </a:tr>
+              <a:tr h="232651">
+                <a:tc>
+                  <a:txBody>
+                    <a:bodyPr/>
+                    <a:lstStyle/>
+                    <a:p>
+                      <a:pPr algn="ctr"/>
+                      <a:r>
+                        <a:rPr lang="en-US" altLang="ko-Kore-KR" sz="1000" dirty="0">
+                          <a:latin typeface="SHeadG" panose="02030600000101010101" pitchFamily="18" charset="-127"/>
+                          <a:ea typeface="SHeadG" panose="02030600000101010101" pitchFamily="18" charset="-127"/>
+                        </a:rPr>
+                        <a:t>ducks</a:t>
+                      </a:r>
+                      <a:endParaRPr lang="ko-Kore-KR" altLang="en-US" sz="1000" dirty="0">
+                        <a:latin typeface="SHeadG" panose="02030600000101010101" pitchFamily="18" charset="-127"/>
+                        <a:ea typeface="SHeadG" panose="02030600000101010101" pitchFamily="18" charset="-127"/>
+                      </a:endParaRPr>
+                    </a:p>
+                  </a:txBody>
+                  <a:tcPr/>
+                </a:tc>
+                <a:tc>
+                  <a:txBody>
+                    <a:bodyPr/>
+                    <a:lstStyle/>
+                    <a:p>
+                      <a:pPr algn="ctr"/>
+                      <a:r>
+                        <a:rPr lang="en-US" altLang="ko-Kore-KR" sz="1000" dirty="0">
+                          <a:latin typeface="SHeadG" panose="02030600000101010101" pitchFamily="18" charset="-127"/>
+                          <a:ea typeface="SHeadG" panose="02030600000101010101" pitchFamily="18" charset="-127"/>
+                        </a:rPr>
+                        <a:t>X</a:t>
+                      </a:r>
+                      <a:endParaRPr lang="ko-Kore-KR" altLang="en-US" sz="1000" dirty="0">
+                        <a:latin typeface="SHeadG" panose="02030600000101010101" pitchFamily="18" charset="-127"/>
+                        <a:ea typeface="SHeadG" panose="02030600000101010101" pitchFamily="18" charset="-127"/>
+                      </a:endParaRPr>
+                    </a:p>
+                  </a:txBody>
+                  <a:tcPr/>
+                </a:tc>
+                <a:tc>
+                  <a:txBody>
+                    <a:bodyPr/>
+                    <a:lstStyle/>
+                    <a:p>
+                      <a:pPr algn="ctr"/>
+                      <a:endParaRPr lang="ko-Kore-KR" altLang="en-US" sz="1000" dirty="0">
+                        <a:latin typeface="SHeadG" panose="02030600000101010101" pitchFamily="18" charset="-127"/>
+                        <a:ea typeface="SHeadG" panose="02030600000101010101" pitchFamily="18" charset="-127"/>
+                      </a:endParaRPr>
+                    </a:p>
+                  </a:txBody>
+                  <a:tcPr/>
+                </a:tc>
+                <a:tc>
+                  <a:txBody>
+                    <a:bodyPr/>
+                    <a:lstStyle/>
+                    <a:p>
+                      <a:pPr algn="ctr"/>
+                      <a:r>
+                        <a:rPr lang="en-US" altLang="ko-Kore-KR" sz="1000" dirty="0">
+                          <a:latin typeface="SHeadG" panose="02030600000101010101" pitchFamily="18" charset="-127"/>
+                          <a:ea typeface="SHeadG" panose="02030600000101010101" pitchFamily="18" charset="-127"/>
+                        </a:rPr>
+                        <a:t>X</a:t>
+                      </a:r>
+                      <a:endParaRPr lang="ko-Kore-KR" altLang="en-US" sz="1000" dirty="0">
+                        <a:latin typeface="SHeadG" panose="02030600000101010101" pitchFamily="18" charset="-127"/>
+                        <a:ea typeface="SHeadG" panose="02030600000101010101" pitchFamily="18" charset="-127"/>
+                      </a:endParaRPr>
+                    </a:p>
+                  </a:txBody>
+                  <a:tcPr/>
+                </a:tc>
+                <a:extLst>
+                  <a:ext uri="{0D108BD9-81ED-4DB2-BD59-A6C34878D82A}">
+                    <a16:rowId xmlns:a16="http://schemas.microsoft.com/office/drawing/2014/main" val="3012894220"/>
+                  </a:ext>
+                </a:extLst>
+              </a:tr>
+              <a:tr h="232651">
+                <a:tc>
+                  <a:txBody>
+                    <a:bodyPr/>
+                    <a:lstStyle/>
+                    <a:p>
+                      <a:pPr algn="ctr"/>
+                      <a:r>
+                        <a:rPr lang="en-US" altLang="ko-Kore-KR" sz="1000" dirty="0">
+                          <a:latin typeface="SHeadG" panose="02030600000101010101" pitchFamily="18" charset="-127"/>
+                          <a:ea typeface="SHeadG" panose="02030600000101010101" pitchFamily="18" charset="-127"/>
+                        </a:rPr>
+                        <a:t>guys</a:t>
+                      </a:r>
+                      <a:endParaRPr lang="ko-Kore-KR" altLang="en-US" sz="1000" dirty="0">
+                        <a:latin typeface="SHeadG" panose="02030600000101010101" pitchFamily="18" charset="-127"/>
+                        <a:ea typeface="SHeadG" panose="02030600000101010101" pitchFamily="18" charset="-127"/>
+                      </a:endParaRPr>
+                    </a:p>
+                  </a:txBody>
+                  <a:tcPr/>
+                </a:tc>
+                <a:tc>
+                  <a:txBody>
+                    <a:bodyPr/>
+                    <a:lstStyle/>
+                    <a:p>
+                      <a:pPr algn="ctr"/>
+                      <a:r>
+                        <a:rPr lang="en-US" altLang="ko-Kore-KR" sz="1000" dirty="0">
+                          <a:latin typeface="SHeadG" panose="02030600000101010101" pitchFamily="18" charset="-127"/>
+                          <a:ea typeface="SHeadG" panose="02030600000101010101" pitchFamily="18" charset="-127"/>
+                        </a:rPr>
+                        <a:t>X</a:t>
+                      </a:r>
+                      <a:endParaRPr lang="ko-Kore-KR" altLang="en-US" sz="1000" dirty="0">
+                        <a:latin typeface="SHeadG" panose="02030600000101010101" pitchFamily="18" charset="-127"/>
+                        <a:ea typeface="SHeadG" panose="02030600000101010101" pitchFamily="18" charset="-127"/>
+                      </a:endParaRPr>
+                    </a:p>
+                  </a:txBody>
+                  <a:tcPr/>
+                </a:tc>
+                <a:tc>
+                  <a:txBody>
+                    <a:bodyPr/>
+                    <a:lstStyle/>
+                    <a:p>
+                      <a:pPr algn="ctr"/>
+                      <a:r>
+                        <a:rPr lang="en-US" altLang="ko-Kore-KR" sz="1000" dirty="0">
+                          <a:latin typeface="SHeadG" panose="02030600000101010101" pitchFamily="18" charset="-127"/>
+                          <a:ea typeface="SHeadG" panose="02030600000101010101" pitchFamily="18" charset="-127"/>
+                        </a:rPr>
+                        <a:t>X</a:t>
+                      </a:r>
+                      <a:endParaRPr lang="ko-Kore-KR" altLang="en-US" sz="1000" dirty="0">
+                        <a:latin typeface="SHeadG" panose="02030600000101010101" pitchFamily="18" charset="-127"/>
+                        <a:ea typeface="SHeadG" panose="02030600000101010101" pitchFamily="18" charset="-127"/>
+                      </a:endParaRPr>
+                    </a:p>
+                  </a:txBody>
+                  <a:tcPr/>
+                </a:tc>
+                <a:tc>
+                  <a:txBody>
+                    <a:bodyPr/>
+                    <a:lstStyle/>
+                    <a:p>
+                      <a:pPr algn="ctr"/>
+                      <a:endParaRPr lang="ko-Kore-KR" altLang="en-US" sz="1000" dirty="0">
+                        <a:latin typeface="SHeadG" panose="02030600000101010101" pitchFamily="18" charset="-127"/>
+                        <a:ea typeface="SHeadG" panose="02030600000101010101" pitchFamily="18" charset="-127"/>
+                      </a:endParaRPr>
+                    </a:p>
+                  </a:txBody>
+                  <a:tcPr/>
+                </a:tc>
+                <a:extLst>
+                  <a:ext uri="{0D108BD9-81ED-4DB2-BD59-A6C34878D82A}">
+                    <a16:rowId xmlns:a16="http://schemas.microsoft.com/office/drawing/2014/main" val="1909594931"/>
+                  </a:ext>
+                </a:extLst>
+              </a:tr>
+              <a:tr h="232651">
+                <a:tc>
+                  <a:txBody>
+                    <a:bodyPr/>
+                    <a:lstStyle/>
+                    <a:p>
+                      <a:pPr algn="ctr"/>
+                      <a:r>
+                        <a:rPr lang="en-US" altLang="ko-Kore-KR" sz="1000" dirty="0">
+                          <a:latin typeface="SHeadG" panose="02030600000101010101" pitchFamily="18" charset="-127"/>
+                          <a:ea typeface="SHeadG" panose="02030600000101010101" pitchFamily="18" charset="-127"/>
+                        </a:rPr>
+                        <a:t>into</a:t>
+                      </a:r>
+                      <a:endParaRPr lang="ko-Kore-KR" altLang="en-US" sz="1000" dirty="0">
+                        <a:latin typeface="SHeadG" panose="02030600000101010101" pitchFamily="18" charset="-127"/>
+                        <a:ea typeface="SHeadG" panose="02030600000101010101" pitchFamily="18" charset="-127"/>
+                      </a:endParaRPr>
+                    </a:p>
+                  </a:txBody>
+                  <a:tcPr/>
+                </a:tc>
+                <a:tc>
+                  <a:txBody>
+                    <a:bodyPr/>
+                    <a:lstStyle/>
+                    <a:p>
+                      <a:pPr algn="ctr"/>
+                      <a:r>
+                        <a:rPr lang="en-US" altLang="ko-Kore-KR" sz="1000" dirty="0">
+                          <a:latin typeface="SHeadG" panose="02030600000101010101" pitchFamily="18" charset="-127"/>
+                          <a:ea typeface="SHeadG" panose="02030600000101010101" pitchFamily="18" charset="-127"/>
+                        </a:rPr>
+                        <a:t>X</a:t>
+                      </a:r>
+                      <a:endParaRPr lang="ko-Kore-KR" altLang="en-US" sz="1000" dirty="0">
+                        <a:latin typeface="SHeadG" panose="02030600000101010101" pitchFamily="18" charset="-127"/>
+                        <a:ea typeface="SHeadG" panose="02030600000101010101" pitchFamily="18" charset="-127"/>
+                      </a:endParaRPr>
+                    </a:p>
+                  </a:txBody>
+                  <a:tcPr/>
+                </a:tc>
+                <a:tc>
+                  <a:txBody>
+                    <a:bodyPr/>
+                    <a:lstStyle/>
+                    <a:p>
+                      <a:pPr algn="ctr"/>
+                      <a:r>
+                        <a:rPr lang="en-US" altLang="ko-Kore-KR" sz="1000" dirty="0">
+                          <a:latin typeface="SHeadG" panose="02030600000101010101" pitchFamily="18" charset="-127"/>
+                          <a:ea typeface="SHeadG" panose="02030600000101010101" pitchFamily="18" charset="-127"/>
+                        </a:rPr>
+                        <a:t>X</a:t>
+                      </a:r>
+                      <a:endParaRPr lang="ko-Kore-KR" altLang="en-US" sz="1000" dirty="0">
+                        <a:latin typeface="SHeadG" panose="02030600000101010101" pitchFamily="18" charset="-127"/>
+                        <a:ea typeface="SHeadG" panose="02030600000101010101" pitchFamily="18" charset="-127"/>
+                      </a:endParaRPr>
+                    </a:p>
+                  </a:txBody>
+                  <a:tcPr/>
+                </a:tc>
+                <a:tc>
+                  <a:txBody>
+                    <a:bodyPr/>
+                    <a:lstStyle/>
+                    <a:p>
+                      <a:pPr algn="ctr"/>
+                      <a:endParaRPr lang="ko-Kore-KR" altLang="en-US" sz="1000" dirty="0">
+                        <a:latin typeface="SHeadG" panose="02030600000101010101" pitchFamily="18" charset="-127"/>
+                        <a:ea typeface="SHeadG" panose="02030600000101010101" pitchFamily="18" charset="-127"/>
+                      </a:endParaRPr>
+                    </a:p>
+                  </a:txBody>
+                  <a:tcPr/>
+                </a:tc>
+                <a:extLst>
+                  <a:ext uri="{0D108BD9-81ED-4DB2-BD59-A6C34878D82A}">
+                    <a16:rowId xmlns:a16="http://schemas.microsoft.com/office/drawing/2014/main" val="3569507538"/>
+                  </a:ext>
+                </a:extLst>
+              </a:tr>
+              <a:tr h="232651">
+                <a:tc>
+                  <a:txBody>
+                    <a:bodyPr/>
+                    <a:lstStyle/>
+                    <a:p>
+                      <a:pPr algn="ctr"/>
+                      <a:r>
+                        <a:rPr lang="en-US" altLang="ko-Kore-KR" sz="1000" dirty="0">
+                          <a:latin typeface="SHeadG" panose="02030600000101010101" pitchFamily="18" charset="-127"/>
+                          <a:ea typeface="SHeadG" panose="02030600000101010101" pitchFamily="18" charset="-127"/>
+                        </a:rPr>
+                        <a:t>lake</a:t>
+                      </a:r>
+                      <a:endParaRPr lang="ko-Kore-KR" altLang="en-US" sz="1000" dirty="0">
+                        <a:latin typeface="SHeadG" panose="02030600000101010101" pitchFamily="18" charset="-127"/>
+                        <a:ea typeface="SHeadG" panose="02030600000101010101" pitchFamily="18" charset="-127"/>
+                      </a:endParaRPr>
+                    </a:p>
+                  </a:txBody>
+                  <a:tcPr/>
+                </a:tc>
+                <a:tc>
+                  <a:txBody>
+                    <a:bodyPr/>
+                    <a:lstStyle/>
+                    <a:p>
+                      <a:pPr algn="ctr"/>
+                      <a:endParaRPr lang="ko-Kore-KR" altLang="en-US" sz="1000" dirty="0">
+                        <a:latin typeface="SHeadG" panose="02030600000101010101" pitchFamily="18" charset="-127"/>
+                        <a:ea typeface="SHeadG" panose="02030600000101010101" pitchFamily="18" charset="-127"/>
+                      </a:endParaRPr>
+                    </a:p>
+                  </a:txBody>
+                  <a:tcPr/>
+                </a:tc>
+                <a:tc>
+                  <a:txBody>
+                    <a:bodyPr/>
+                    <a:lstStyle/>
+                    <a:p>
+                      <a:pPr algn="ctr"/>
+                      <a:endParaRPr lang="ko-Kore-KR" altLang="en-US" sz="1000" dirty="0">
+                        <a:latin typeface="SHeadG" panose="02030600000101010101" pitchFamily="18" charset="-127"/>
+                        <a:ea typeface="SHeadG" panose="02030600000101010101" pitchFamily="18" charset="-127"/>
+                      </a:endParaRPr>
+                    </a:p>
+                  </a:txBody>
+                  <a:tcPr/>
+                </a:tc>
+                <a:tc>
+                  <a:txBody>
+                    <a:bodyPr/>
+                    <a:lstStyle/>
+                    <a:p>
+                      <a:pPr algn="ctr"/>
+                      <a:r>
+                        <a:rPr lang="en-US" altLang="ko-Kore-KR" sz="1000" dirty="0">
+                          <a:latin typeface="SHeadG" panose="02030600000101010101" pitchFamily="18" charset="-127"/>
+                          <a:ea typeface="SHeadG" panose="02030600000101010101" pitchFamily="18" charset="-127"/>
+                        </a:rPr>
+                        <a:t>X</a:t>
+                      </a:r>
+                      <a:endParaRPr lang="ko-Kore-KR" altLang="en-US" sz="1000" dirty="0">
+                        <a:latin typeface="SHeadG" panose="02030600000101010101" pitchFamily="18" charset="-127"/>
+                        <a:ea typeface="SHeadG" panose="02030600000101010101" pitchFamily="18" charset="-127"/>
+                      </a:endParaRPr>
+                    </a:p>
+                  </a:txBody>
+                  <a:tcPr/>
+                </a:tc>
+                <a:extLst>
+                  <a:ext uri="{0D108BD9-81ED-4DB2-BD59-A6C34878D82A}">
+                    <a16:rowId xmlns:a16="http://schemas.microsoft.com/office/drawing/2014/main" val="2695908874"/>
+                  </a:ext>
+                </a:extLst>
+              </a:tr>
+              <a:tr h="232651">
+                <a:tc>
+                  <a:txBody>
+                    <a:bodyPr/>
+                    <a:lstStyle/>
+                    <a:p>
+                      <a:pPr algn="ctr"/>
+                      <a:r>
+                        <a:rPr lang="en-US" altLang="ko-Kore-KR" sz="1000" dirty="0">
+                          <a:latin typeface="SHeadG" panose="02030600000101010101" pitchFamily="18" charset="-127"/>
+                          <a:ea typeface="SHeadG" panose="02030600000101010101" pitchFamily="18" charset="-127"/>
+                        </a:rPr>
+                        <a:t>the</a:t>
+                      </a:r>
+                      <a:endParaRPr lang="ko-Kore-KR" altLang="en-US" sz="1000" dirty="0">
+                        <a:latin typeface="SHeadG" panose="02030600000101010101" pitchFamily="18" charset="-127"/>
+                        <a:ea typeface="SHeadG" panose="02030600000101010101" pitchFamily="18" charset="-127"/>
+                      </a:endParaRPr>
+                    </a:p>
+                  </a:txBody>
+                  <a:tcPr/>
+                </a:tc>
+                <a:tc>
+                  <a:txBody>
+                    <a:bodyPr/>
+                    <a:lstStyle/>
+                    <a:p>
+                      <a:pPr algn="ctr"/>
+                      <a:r>
+                        <a:rPr lang="en-US" altLang="ko-Kore-KR" sz="1000" dirty="0">
+                          <a:latin typeface="SHeadG" panose="02030600000101010101" pitchFamily="18" charset="-127"/>
+                          <a:ea typeface="SHeadG" panose="02030600000101010101" pitchFamily="18" charset="-127"/>
+                        </a:rPr>
+                        <a:t>X</a:t>
+                      </a:r>
+                      <a:endParaRPr lang="ko-Kore-KR" altLang="en-US" sz="1000" dirty="0">
+                        <a:latin typeface="SHeadG" panose="02030600000101010101" pitchFamily="18" charset="-127"/>
+                        <a:ea typeface="SHeadG" panose="02030600000101010101" pitchFamily="18" charset="-127"/>
+                      </a:endParaRPr>
+                    </a:p>
+                  </a:txBody>
+                  <a:tcPr/>
+                </a:tc>
+                <a:tc>
+                  <a:txBody>
+                    <a:bodyPr/>
+                    <a:lstStyle/>
+                    <a:p>
+                      <a:pPr algn="ctr"/>
+                      <a:endParaRPr lang="ko-Kore-KR" altLang="en-US" sz="1000" dirty="0">
+                        <a:latin typeface="SHeadG" panose="02030600000101010101" pitchFamily="18" charset="-127"/>
+                        <a:ea typeface="SHeadG" panose="02030600000101010101" pitchFamily="18" charset="-127"/>
+                      </a:endParaRPr>
+                    </a:p>
+                  </a:txBody>
+                  <a:tcPr/>
+                </a:tc>
+                <a:tc>
+                  <a:txBody>
+                    <a:bodyPr/>
+                    <a:lstStyle/>
+                    <a:p>
+                      <a:pPr algn="ctr"/>
+                      <a:r>
+                        <a:rPr lang="en-US" altLang="ko-Kore-KR" sz="1000" dirty="0">
+                          <a:latin typeface="SHeadG" panose="02030600000101010101" pitchFamily="18" charset="-127"/>
+                          <a:ea typeface="SHeadG" panose="02030600000101010101" pitchFamily="18" charset="-127"/>
+                        </a:rPr>
+                        <a:t>X</a:t>
+                      </a:r>
+                      <a:endParaRPr lang="ko-Kore-KR" altLang="en-US" sz="1000" dirty="0">
+                        <a:latin typeface="SHeadG" panose="02030600000101010101" pitchFamily="18" charset="-127"/>
+                        <a:ea typeface="SHeadG" panose="02030600000101010101" pitchFamily="18" charset="-127"/>
+                      </a:endParaRPr>
+                    </a:p>
+                  </a:txBody>
+                  <a:tcPr/>
+                </a:tc>
+                <a:extLst>
+                  <a:ext uri="{0D108BD9-81ED-4DB2-BD59-A6C34878D82A}">
+                    <a16:rowId xmlns:a16="http://schemas.microsoft.com/office/drawing/2014/main" val="3761970322"/>
+                  </a:ext>
+                </a:extLst>
+              </a:tr>
+              <a:tr h="232651">
+                <a:tc>
+                  <a:txBody>
+                    <a:bodyPr/>
+                    <a:lstStyle/>
+                    <a:p>
+                      <a:pPr algn="ctr"/>
+                      <a:r>
+                        <a:rPr lang="en-US" altLang="ko-Kore-KR" sz="1000" dirty="0">
+                          <a:latin typeface="SHeadG" panose="02030600000101010101" pitchFamily="18" charset="-127"/>
+                          <a:ea typeface="SHeadG" panose="02030600000101010101" pitchFamily="18" charset="-127"/>
+                        </a:rPr>
+                        <a:t>third</a:t>
+                      </a:r>
+                      <a:endParaRPr lang="ko-Kore-KR" altLang="en-US" sz="1000" dirty="0">
+                        <a:latin typeface="SHeadG" panose="02030600000101010101" pitchFamily="18" charset="-127"/>
+                        <a:ea typeface="SHeadG" panose="02030600000101010101" pitchFamily="18" charset="-127"/>
+                      </a:endParaRPr>
+                    </a:p>
+                  </a:txBody>
+                  <a:tcPr/>
+                </a:tc>
+                <a:tc>
+                  <a:txBody>
+                    <a:bodyPr/>
+                    <a:lstStyle/>
+                    <a:p>
+                      <a:pPr algn="ctr"/>
+                      <a:r>
+                        <a:rPr lang="en-US" altLang="ko-Kore-KR" sz="1000" dirty="0">
+                          <a:latin typeface="SHeadG" panose="02030600000101010101" pitchFamily="18" charset="-127"/>
+                          <a:ea typeface="SHeadG" panose="02030600000101010101" pitchFamily="18" charset="-127"/>
+                        </a:rPr>
+                        <a:t>X</a:t>
+                      </a:r>
+                      <a:endParaRPr lang="ko-Kore-KR" altLang="en-US" sz="1000" dirty="0">
+                        <a:latin typeface="SHeadG" panose="02030600000101010101" pitchFamily="18" charset="-127"/>
+                        <a:ea typeface="SHeadG" panose="02030600000101010101" pitchFamily="18" charset="-127"/>
+                      </a:endParaRPr>
+                    </a:p>
+                  </a:txBody>
+                  <a:tcPr/>
+                </a:tc>
+                <a:tc>
+                  <a:txBody>
+                    <a:bodyPr/>
+                    <a:lstStyle/>
+                    <a:p>
+                      <a:pPr algn="ctr"/>
+                      <a:endParaRPr lang="ko-Kore-KR" altLang="en-US" sz="1000" dirty="0">
+                        <a:latin typeface="SHeadG" panose="02030600000101010101" pitchFamily="18" charset="-127"/>
+                        <a:ea typeface="SHeadG" panose="02030600000101010101" pitchFamily="18" charset="-127"/>
+                      </a:endParaRPr>
+                    </a:p>
+                  </a:txBody>
+                  <a:tcPr/>
+                </a:tc>
+                <a:tc>
+                  <a:txBody>
+                    <a:bodyPr/>
+                    <a:lstStyle/>
+                    <a:p>
+                      <a:pPr algn="ctr"/>
+                      <a:endParaRPr lang="ko-Kore-KR" altLang="en-US" sz="1000" dirty="0">
+                        <a:latin typeface="SHeadG" panose="02030600000101010101" pitchFamily="18" charset="-127"/>
+                        <a:ea typeface="SHeadG" panose="02030600000101010101" pitchFamily="18" charset="-127"/>
+                      </a:endParaRPr>
+                    </a:p>
+                  </a:txBody>
+                  <a:tcPr/>
+                </a:tc>
+                <a:extLst>
+                  <a:ext uri="{0D108BD9-81ED-4DB2-BD59-A6C34878D82A}">
+                    <a16:rowId xmlns:a16="http://schemas.microsoft.com/office/drawing/2014/main" val="2445754246"/>
+                  </a:ext>
+                </a:extLst>
+              </a:tr>
+              <a:tr h="282208">
+                <a:tc>
+                  <a:txBody>
+                    <a:bodyPr/>
+                    <a:lstStyle/>
+                    <a:p>
+                      <a:pPr algn="ctr"/>
+                      <a:r>
+                        <a:rPr lang="en-US" altLang="ko-Kore-KR" sz="1000" dirty="0">
+                          <a:latin typeface="SHeadG" panose="02030600000101010101" pitchFamily="18" charset="-127"/>
+                          <a:ea typeface="SHeadG" panose="02030600000101010101" pitchFamily="18" charset="-127"/>
+                        </a:rPr>
+                        <a:t>walk</a:t>
+                      </a:r>
+                      <a:endParaRPr lang="ko-Kore-KR" altLang="en-US" sz="1000" dirty="0">
+                        <a:latin typeface="SHeadG" panose="02030600000101010101" pitchFamily="18" charset="-127"/>
+                        <a:ea typeface="SHeadG" panose="02030600000101010101" pitchFamily="18" charset="-127"/>
+                      </a:endParaRPr>
+                    </a:p>
+                  </a:txBody>
+                  <a:tcPr/>
+                </a:tc>
+                <a:tc>
+                  <a:txBody>
+                    <a:bodyPr/>
+                    <a:lstStyle/>
+                    <a:p>
+                      <a:pPr algn="ctr"/>
+                      <a:r>
+                        <a:rPr lang="en-US" altLang="ko-Kore-KR" sz="1000" dirty="0">
+                          <a:latin typeface="SHeadG" panose="02030600000101010101" pitchFamily="18" charset="-127"/>
+                          <a:ea typeface="SHeadG" panose="02030600000101010101" pitchFamily="18" charset="-127"/>
+                        </a:rPr>
+                        <a:t>X</a:t>
+                      </a:r>
+                      <a:endParaRPr lang="ko-Kore-KR" altLang="en-US" sz="1000" dirty="0">
+                        <a:latin typeface="SHeadG" panose="02030600000101010101" pitchFamily="18" charset="-127"/>
+                        <a:ea typeface="SHeadG" panose="02030600000101010101" pitchFamily="18" charset="-127"/>
+                      </a:endParaRPr>
+                    </a:p>
+                  </a:txBody>
+                  <a:tcPr/>
+                </a:tc>
+                <a:tc>
+                  <a:txBody>
+                    <a:bodyPr/>
+                    <a:lstStyle/>
+                    <a:p>
+                      <a:pPr algn="ctr"/>
+                      <a:endParaRPr lang="ko-Kore-KR" altLang="en-US" sz="1000" dirty="0">
+                        <a:latin typeface="SHeadG" panose="02030600000101010101" pitchFamily="18" charset="-127"/>
+                        <a:ea typeface="SHeadG" panose="02030600000101010101" pitchFamily="18" charset="-127"/>
+                      </a:endParaRPr>
+                    </a:p>
+                  </a:txBody>
+                  <a:tcPr/>
+                </a:tc>
+                <a:tc>
+                  <a:txBody>
+                    <a:bodyPr/>
+                    <a:lstStyle/>
+                    <a:p>
+                      <a:pPr algn="ctr"/>
+                      <a:r>
+                        <a:rPr lang="en-US" altLang="ko-Kore-KR" sz="1000" dirty="0">
+                          <a:latin typeface="SHeadG" panose="02030600000101010101" pitchFamily="18" charset="-127"/>
+                          <a:ea typeface="SHeadG" panose="02030600000101010101" pitchFamily="18" charset="-127"/>
+                        </a:rPr>
+                        <a:t>X</a:t>
+                      </a:r>
+                      <a:endParaRPr lang="ko-Kore-KR" altLang="en-US" sz="1000" dirty="0">
+                        <a:latin typeface="SHeadG" panose="02030600000101010101" pitchFamily="18" charset="-127"/>
+                        <a:ea typeface="SHeadG" panose="02030600000101010101" pitchFamily="18" charset="-127"/>
+                      </a:endParaRPr>
+                    </a:p>
+                  </a:txBody>
+                  <a:tcPr/>
+                </a:tc>
+                <a:extLst>
+                  <a:ext uri="{0D108BD9-81ED-4DB2-BD59-A6C34878D82A}">
+                    <a16:rowId xmlns:a16="http://schemas.microsoft.com/office/drawing/2014/main" val="3424303952"/>
+                  </a:ext>
+                </a:extLst>
+              </a:tr>
+              <a:tr h="282208">
+                <a:tc>
+                  <a:txBody>
+                    <a:bodyPr/>
+                    <a:lstStyle/>
+                    <a:p>
+                      <a:pPr algn="ctr"/>
+                      <a:r>
+                        <a:rPr lang="en-US" altLang="ko-Kore-KR" sz="1000" dirty="0">
+                          <a:latin typeface="SHeadG" panose="02030600000101010101" pitchFamily="18" charset="-127"/>
+                          <a:ea typeface="SHeadG" panose="02030600000101010101" pitchFamily="18" charset="-127"/>
+                        </a:rPr>
+                        <a:t>went</a:t>
+                      </a:r>
+                      <a:endParaRPr lang="ko-Kore-KR" altLang="en-US" sz="1000" dirty="0">
+                        <a:latin typeface="SHeadG" panose="02030600000101010101" pitchFamily="18" charset="-127"/>
+                        <a:ea typeface="SHeadG" panose="02030600000101010101" pitchFamily="18" charset="-127"/>
+                      </a:endParaRPr>
+                    </a:p>
+                  </a:txBody>
+                  <a:tcPr/>
+                </a:tc>
+                <a:tc>
+                  <a:txBody>
+                    <a:bodyPr/>
+                    <a:lstStyle/>
+                    <a:p>
+                      <a:pPr algn="ctr"/>
+                      <a:endParaRPr lang="ko-Kore-KR" altLang="en-US" sz="1000" dirty="0">
+                        <a:latin typeface="SHeadG" panose="02030600000101010101" pitchFamily="18" charset="-127"/>
+                        <a:ea typeface="SHeadG" panose="02030600000101010101" pitchFamily="18" charset="-127"/>
+                      </a:endParaRPr>
+                    </a:p>
+                  </a:txBody>
+                  <a:tcPr/>
+                </a:tc>
+                <a:tc>
+                  <a:txBody>
+                    <a:bodyPr/>
+                    <a:lstStyle/>
+                    <a:p>
+                      <a:pPr algn="ctr"/>
+                      <a:r>
+                        <a:rPr lang="en-US" altLang="ko-Kore-KR" sz="1000" dirty="0">
+                          <a:latin typeface="SHeadG" panose="02030600000101010101" pitchFamily="18" charset="-127"/>
+                          <a:ea typeface="SHeadG" panose="02030600000101010101" pitchFamily="18" charset="-127"/>
+                        </a:rPr>
+                        <a:t>X</a:t>
+                      </a:r>
+                      <a:endParaRPr lang="ko-Kore-KR" altLang="en-US" sz="1000" dirty="0">
+                        <a:latin typeface="SHeadG" panose="02030600000101010101" pitchFamily="18" charset="-127"/>
+                        <a:ea typeface="SHeadG" panose="02030600000101010101" pitchFamily="18" charset="-127"/>
+                      </a:endParaRPr>
+                    </a:p>
+                  </a:txBody>
+                  <a:tcPr/>
+                </a:tc>
+                <a:tc>
+                  <a:txBody>
+                    <a:bodyPr/>
+                    <a:lstStyle/>
+                    <a:p>
+                      <a:pPr algn="ctr"/>
+                      <a:endParaRPr lang="ko-Kore-KR" altLang="en-US" sz="1000" dirty="0">
+                        <a:latin typeface="SHeadG" panose="02030600000101010101" pitchFamily="18" charset="-127"/>
+                        <a:ea typeface="SHeadG" panose="02030600000101010101" pitchFamily="18" charset="-127"/>
+                      </a:endParaRPr>
+                    </a:p>
+                  </a:txBody>
+                  <a:tcPr/>
+                </a:tc>
+                <a:extLst>
+                  <a:ext uri="{0D108BD9-81ED-4DB2-BD59-A6C34878D82A}">
+                    <a16:rowId xmlns:a16="http://schemas.microsoft.com/office/drawing/2014/main" val="2686260727"/>
+                  </a:ext>
+                </a:extLst>
+              </a:tr>
+            </a:tbl>
+          </a:graphicData>
+        </a:graphic>
+      </p:graphicFrame>
+    </p:spTree>
+    <p:extLst>
+      <p:ext uri="{BB962C8B-B14F-4D97-AF65-F5344CB8AC3E}">
+        <p14:creationId xmlns:p14="http://schemas.microsoft.com/office/powerpoint/2010/main" val="1499046587"/>
+      </p:ext>
+    </p:extLst>
+  </p:cSld>
+  <p:clrMapOvr>
+    <a:masterClrMapping/>
+  </p:clrMapOvr>
+</p:sld>
+</file>
+
+<file path=ppt/slides/slide12.xml><?xml version="1.0" encoding="utf-8"?>
+<p:sld xmlns:a="http://schemas.openxmlformats.org/drawingml/2006/main" xmlns:r="http://schemas.openxmlformats.org/officeDocument/2006/relationships" xmlns:p="http://schemas.openxmlformats.org/presentationml/2006/main">
+  <p:cSld>
+    <p:spTree>
+      <p:nvGrpSpPr>
+        <p:cNvPr id="1" name=""/>
+        <p:cNvGrpSpPr/>
+        <p:nvPr/>
+      </p:nvGrpSpPr>
+      <p:grpSpPr>
+        <a:xfrm>
+          <a:off x="0" y="0"/>
+          <a:ext cx="0" cy="0"/>
+          <a:chOff x="0" y="0"/>
+          <a:chExt cx="0" cy="0"/>
+        </a:xfrm>
+      </p:grpSpPr>
+      <p:grpSp>
+        <p:nvGrpSpPr>
+          <p:cNvPr id="4" name="그룹 3">
+            <a:extLst>
+              <a:ext uri="{FF2B5EF4-FFF2-40B4-BE49-F238E27FC236}">
+                <a16:creationId xmlns:a16="http://schemas.microsoft.com/office/drawing/2014/main" id="{7B5985E9-852B-4B43-A210-A980E35803F9}"/>
+              </a:ext>
+            </a:extLst>
+          </p:cNvPr>
+          <p:cNvGrpSpPr/>
+          <p:nvPr/>
+        </p:nvGrpSpPr>
+        <p:grpSpPr>
+          <a:xfrm>
+            <a:off x="1277957" y="881349"/>
+            <a:ext cx="4175394" cy="1740665"/>
+            <a:chOff x="848299" y="903383"/>
+            <a:chExt cx="4175394" cy="1740665"/>
+          </a:xfrm>
+        </p:grpSpPr>
+        <p:sp>
+          <p:nvSpPr>
+            <p:cNvPr id="3" name="직사각형 2">
+              <a:extLst>
+                <a:ext uri="{FF2B5EF4-FFF2-40B4-BE49-F238E27FC236}">
+                  <a16:creationId xmlns:a16="http://schemas.microsoft.com/office/drawing/2014/main" id="{46B3667A-0320-2047-AF16-1F02F71F64B9}"/>
+                </a:ext>
+              </a:extLst>
+            </p:cNvPr>
+            <p:cNvSpPr/>
+            <p:nvPr/>
+          </p:nvSpPr>
+          <p:spPr>
+            <a:xfrm>
+              <a:off x="848299" y="903383"/>
+              <a:ext cx="4175394" cy="1740665"/>
+            </a:xfrm>
+            <a:prstGeom prst="rect">
+              <a:avLst/>
+            </a:prstGeom>
+            <a:noFill/>
+            <a:ln w="25400">
+              <a:solidFill>
+                <a:srgbClr val="5DA2C5"/>
+              </a:solidFill>
+            </a:ln>
+          </p:spPr>
+          <p:style>
+            <a:lnRef idx="2">
+              <a:schemeClr val="accent1">
+                <a:shade val="50000"/>
+              </a:schemeClr>
+            </a:lnRef>
+            <a:fillRef idx="1">
+              <a:schemeClr val="accent1"/>
+            </a:fillRef>
+            <a:effectRef idx="0">
+              <a:schemeClr val="accent1"/>
+            </a:effectRef>
+            <a:fontRef idx="minor">
+              <a:schemeClr val="lt1"/>
+            </a:fontRef>
+          </p:style>
+          <p:txBody>
+            <a:bodyPr rtlCol="0" anchor="ctr"/>
+            <a:lstStyle/>
+            <a:p>
+              <a:pPr algn="ctr"/>
+              <a:endParaRPr kumimoji="1" lang="ko-Kore-KR" altLang="en-US"/>
+            </a:p>
+          </p:txBody>
+        </p:sp>
+        <p:sp>
+          <p:nvSpPr>
+            <p:cNvPr id="17" name="TextBox 16">
+              <a:extLst>
+                <a:ext uri="{FF2B5EF4-FFF2-40B4-BE49-F238E27FC236}">
+                  <a16:creationId xmlns:a16="http://schemas.microsoft.com/office/drawing/2014/main" id="{E7FE50D7-1962-9444-8FA5-A4363E6D77C8}"/>
+                </a:ext>
+              </a:extLst>
+            </p:cNvPr>
+            <p:cNvSpPr txBox="1"/>
+            <p:nvPr/>
+          </p:nvSpPr>
+          <p:spPr>
+            <a:xfrm>
+              <a:off x="1007566" y="1071869"/>
+              <a:ext cx="3910988" cy="1384995"/>
+            </a:xfrm>
+            <a:prstGeom prst="rect">
+              <a:avLst/>
+            </a:prstGeom>
+            <a:noFill/>
+          </p:spPr>
+          <p:txBody>
+            <a:bodyPr wrap="square" rtlCol="0">
+              <a:spAutoFit/>
+            </a:bodyPr>
+            <a:lstStyle/>
+            <a:p>
+              <a:r>
+                <a:rPr kumimoji="1" lang="en-US" altLang="ko-Kore-KR" sz="1200" dirty="0">
+                  <a:solidFill>
+                    <a:srgbClr val="5DA2C5"/>
+                  </a:solidFill>
+                  <a:latin typeface="SHeadG" panose="02030600000101010101" pitchFamily="18" charset="-127"/>
+                  <a:ea typeface="SHeadG" panose="02030600000101010101" pitchFamily="18" charset="-127"/>
+                </a:rPr>
+                <a:t>{</a:t>
+              </a:r>
+            </a:p>
+            <a:p>
+              <a:r>
+                <a:rPr kumimoji="1" lang="ko-KR" altLang="en-US" sz="1200" dirty="0">
+                  <a:solidFill>
+                    <a:srgbClr val="5DA2C5"/>
+                  </a:solidFill>
+                  <a:latin typeface="SHeadG" panose="02030600000101010101" pitchFamily="18" charset="-127"/>
+                  <a:ea typeface="SHeadG" panose="02030600000101010101" pitchFamily="18" charset="-127"/>
+                </a:rPr>
+                <a:t>  </a:t>
+              </a:r>
+              <a:r>
+                <a:rPr kumimoji="1" lang="en-US" altLang="ko-KR" sz="1200" dirty="0">
+                  <a:solidFill>
+                    <a:srgbClr val="5DA2C5"/>
+                  </a:solidFill>
+                  <a:latin typeface="SHeadG" panose="02030600000101010101" pitchFamily="18" charset="-127"/>
+                  <a:ea typeface="SHeadG" panose="02030600000101010101" pitchFamily="18" charset="-127"/>
+                </a:rPr>
+                <a:t>“name”: “Coffee Maker”,</a:t>
+              </a:r>
+            </a:p>
+            <a:p>
+              <a:r>
+                <a:rPr kumimoji="1" lang="en-US" altLang="ko-Kore-KR" sz="1200" dirty="0">
+                  <a:solidFill>
+                    <a:srgbClr val="5DA2C5"/>
+                  </a:solidFill>
+                  <a:latin typeface="SHeadG" panose="02030600000101010101" pitchFamily="18" charset="-127"/>
+                  <a:ea typeface="SHeadG" panose="02030600000101010101" pitchFamily="18" charset="-127"/>
+                </a:rPr>
+                <a:t>  “description”: “Makes coffee super fast!”,</a:t>
+              </a:r>
+            </a:p>
+            <a:p>
+              <a:r>
+                <a:rPr kumimoji="1" lang="en-US" altLang="ko-Kore-KR" sz="1200" dirty="0">
+                  <a:solidFill>
+                    <a:srgbClr val="5DA2C5"/>
+                  </a:solidFill>
+                  <a:latin typeface="SHeadG" panose="02030600000101010101" pitchFamily="18" charset="-127"/>
+                  <a:ea typeface="SHeadG" panose="02030600000101010101" pitchFamily="18" charset="-127"/>
+                </a:rPr>
+                <a:t>  “price”: 64,</a:t>
+              </a:r>
+            </a:p>
+            <a:p>
+              <a:r>
+                <a:rPr kumimoji="1" lang="en-US" altLang="ko-Kore-KR" sz="1200" dirty="0">
+                  <a:solidFill>
+                    <a:srgbClr val="5DA2C5"/>
+                  </a:solidFill>
+                  <a:latin typeface="SHeadG" panose="02030600000101010101" pitchFamily="18" charset="-127"/>
+                  <a:ea typeface="SHeadG" panose="02030600000101010101" pitchFamily="18" charset="-127"/>
+                </a:rPr>
+                <a:t>  “</a:t>
+              </a:r>
+              <a:r>
+                <a:rPr kumimoji="1" lang="en-US" altLang="ko-Kore-KR" sz="1200" dirty="0" err="1">
+                  <a:solidFill>
+                    <a:srgbClr val="5DA2C5"/>
+                  </a:solidFill>
+                  <a:latin typeface="SHeadG" panose="02030600000101010101" pitchFamily="18" charset="-127"/>
+                  <a:ea typeface="SHeadG" panose="02030600000101010101" pitchFamily="18" charset="-127"/>
+                </a:rPr>
+                <a:t>in_stock</a:t>
+              </a:r>
+              <a:r>
+                <a:rPr kumimoji="1" lang="en-US" altLang="ko-Kore-KR" sz="1200" dirty="0">
+                  <a:solidFill>
+                    <a:srgbClr val="5DA2C5"/>
+                  </a:solidFill>
+                  <a:latin typeface="SHeadG" panose="02030600000101010101" pitchFamily="18" charset="-127"/>
+                  <a:ea typeface="SHeadG" panose="02030600000101010101" pitchFamily="18" charset="-127"/>
+                </a:rPr>
+                <a:t>”: 10,</a:t>
+              </a:r>
+            </a:p>
+            <a:p>
+              <a:r>
+                <a:rPr kumimoji="1" lang="en-US" altLang="ko-Kore-KR" sz="1200" dirty="0">
+                  <a:solidFill>
+                    <a:srgbClr val="5DA2C5"/>
+                  </a:solidFill>
+                  <a:latin typeface="SHeadG" panose="02030600000101010101" pitchFamily="18" charset="-127"/>
+                  <a:ea typeface="SHeadG" panose="02030600000101010101" pitchFamily="18" charset="-127"/>
+                </a:rPr>
+                <a:t>  “</a:t>
+              </a:r>
+              <a:r>
+                <a:rPr kumimoji="1" lang="en-US" altLang="ko-Kore-KR" sz="1200" dirty="0" err="1">
+                  <a:solidFill>
+                    <a:srgbClr val="5DA2C5"/>
+                  </a:solidFill>
+                  <a:latin typeface="SHeadG" panose="02030600000101010101" pitchFamily="18" charset="-127"/>
+                  <a:ea typeface="SHeadG" panose="02030600000101010101" pitchFamily="18" charset="-127"/>
+                </a:rPr>
+                <a:t>created_at</a:t>
+              </a:r>
+              <a:r>
+                <a:rPr kumimoji="1" lang="en-US" altLang="ko-Kore-KR" sz="1200" dirty="0">
+                  <a:solidFill>
+                    <a:srgbClr val="5DA2C5"/>
+                  </a:solidFill>
+                  <a:latin typeface="SHeadG" panose="02030600000101010101" pitchFamily="18" charset="-127"/>
+                  <a:ea typeface="SHeadG" panose="02030600000101010101" pitchFamily="18" charset="-127"/>
+                </a:rPr>
+                <a:t>”: “2009-11-08T14:21:51Z”</a:t>
+              </a:r>
+            </a:p>
+            <a:p>
+              <a:r>
+                <a:rPr kumimoji="1" lang="en-US" altLang="ko-KR" sz="1200" dirty="0">
+                  <a:solidFill>
+                    <a:srgbClr val="5DA2C5"/>
+                  </a:solidFill>
+                  <a:latin typeface="SHeadG" panose="02030600000101010101" pitchFamily="18" charset="-127"/>
+                  <a:ea typeface="SHeadG" panose="02030600000101010101" pitchFamily="18" charset="-127"/>
+                </a:rPr>
+                <a:t>}</a:t>
+              </a:r>
+              <a:endParaRPr kumimoji="1" lang="ko-Kore-KR" altLang="en-US" sz="1200" dirty="0">
+                <a:solidFill>
+                  <a:srgbClr val="5DA2C5"/>
+                </a:solidFill>
+                <a:latin typeface="SHeadG" panose="02030600000101010101" pitchFamily="18" charset="-127"/>
+                <a:ea typeface="SHeadG" panose="02030600000101010101" pitchFamily="18" charset="-127"/>
+              </a:endParaRPr>
+            </a:p>
+          </p:txBody>
+        </p:sp>
+      </p:grpSp>
+      <p:grpSp>
+        <p:nvGrpSpPr>
+          <p:cNvPr id="19" name="그룹 18">
+            <a:extLst>
+              <a:ext uri="{FF2B5EF4-FFF2-40B4-BE49-F238E27FC236}">
+                <a16:creationId xmlns:a16="http://schemas.microsoft.com/office/drawing/2014/main" id="{3D297938-3103-3F41-B39B-748A3DE5C93B}"/>
+              </a:ext>
+            </a:extLst>
+          </p:cNvPr>
+          <p:cNvGrpSpPr/>
+          <p:nvPr/>
+        </p:nvGrpSpPr>
+        <p:grpSpPr>
+          <a:xfrm>
+            <a:off x="6387947" y="881349"/>
+            <a:ext cx="4175394" cy="1740665"/>
+            <a:chOff x="848299" y="903383"/>
+            <a:chExt cx="4175394" cy="1740665"/>
+          </a:xfrm>
+        </p:grpSpPr>
+        <p:sp>
+          <p:nvSpPr>
+            <p:cNvPr id="20" name="직사각형 19">
+              <a:extLst>
+                <a:ext uri="{FF2B5EF4-FFF2-40B4-BE49-F238E27FC236}">
+                  <a16:creationId xmlns:a16="http://schemas.microsoft.com/office/drawing/2014/main" id="{46F1B078-6674-6445-AEE3-3C190A9DF0A8}"/>
+                </a:ext>
+              </a:extLst>
+            </p:cNvPr>
+            <p:cNvSpPr/>
+            <p:nvPr/>
+          </p:nvSpPr>
+          <p:spPr>
+            <a:xfrm>
+              <a:off x="848299" y="903383"/>
+              <a:ext cx="4175394" cy="1740665"/>
+            </a:xfrm>
+            <a:prstGeom prst="rect">
+              <a:avLst/>
+            </a:prstGeom>
+            <a:noFill/>
+            <a:ln w="25400">
+              <a:solidFill>
+                <a:srgbClr val="5DA2C5"/>
+              </a:solidFill>
+            </a:ln>
+          </p:spPr>
+          <p:style>
+            <a:lnRef idx="2">
+              <a:schemeClr val="accent1">
+                <a:shade val="50000"/>
+              </a:schemeClr>
+            </a:lnRef>
+            <a:fillRef idx="1">
+              <a:schemeClr val="accent1"/>
+            </a:fillRef>
+            <a:effectRef idx="0">
+              <a:schemeClr val="accent1"/>
+            </a:effectRef>
+            <a:fontRef idx="minor">
+              <a:schemeClr val="lt1"/>
+            </a:fontRef>
+          </p:style>
+          <p:txBody>
+            <a:bodyPr rtlCol="0" anchor="ctr"/>
+            <a:lstStyle/>
+            <a:p>
+              <a:pPr algn="ctr"/>
+              <a:endParaRPr kumimoji="1" lang="ko-Kore-KR" altLang="en-US"/>
+            </a:p>
+          </p:txBody>
+        </p:sp>
+        <p:sp>
+          <p:nvSpPr>
+            <p:cNvPr id="21" name="TextBox 20">
+              <a:extLst>
+                <a:ext uri="{FF2B5EF4-FFF2-40B4-BE49-F238E27FC236}">
+                  <a16:creationId xmlns:a16="http://schemas.microsoft.com/office/drawing/2014/main" id="{A2FB7F2F-4101-3C45-88FE-1FD3774D9380}"/>
+                </a:ext>
+              </a:extLst>
+            </p:cNvPr>
+            <p:cNvSpPr txBox="1"/>
+            <p:nvPr/>
+          </p:nvSpPr>
+          <p:spPr>
+            <a:xfrm>
+              <a:off x="1007566" y="1071869"/>
+              <a:ext cx="3910988" cy="1384995"/>
+            </a:xfrm>
+            <a:prstGeom prst="rect">
+              <a:avLst/>
+            </a:prstGeom>
+            <a:noFill/>
+          </p:spPr>
+          <p:txBody>
+            <a:bodyPr wrap="square" rtlCol="0">
+              <a:spAutoFit/>
+            </a:bodyPr>
+            <a:lstStyle/>
+            <a:p>
+              <a:r>
+                <a:rPr kumimoji="1" lang="en-US" altLang="ko-Kore-KR" sz="1200" dirty="0">
+                  <a:solidFill>
+                    <a:srgbClr val="5DA2C5"/>
+                  </a:solidFill>
+                  <a:latin typeface="SHeadG" panose="02030600000101010101" pitchFamily="18" charset="-127"/>
+                  <a:ea typeface="SHeadG" panose="02030600000101010101" pitchFamily="18" charset="-127"/>
+                </a:rPr>
+                <a:t>{</a:t>
+              </a:r>
+            </a:p>
+            <a:p>
+              <a:r>
+                <a:rPr kumimoji="1" lang="ko-KR" altLang="en-US" sz="1200" dirty="0">
+                  <a:solidFill>
+                    <a:srgbClr val="5DA2C5"/>
+                  </a:solidFill>
+                  <a:latin typeface="SHeadG" panose="02030600000101010101" pitchFamily="18" charset="-127"/>
+                  <a:ea typeface="SHeadG" panose="02030600000101010101" pitchFamily="18" charset="-127"/>
+                </a:rPr>
+                <a:t>  </a:t>
+              </a:r>
+              <a:r>
+                <a:rPr kumimoji="1" lang="en-US" altLang="ko-KR" sz="1200" dirty="0">
+                  <a:solidFill>
+                    <a:srgbClr val="5DA2C5"/>
+                  </a:solidFill>
+                  <a:latin typeface="SHeadG" panose="02030600000101010101" pitchFamily="18" charset="-127"/>
+                  <a:ea typeface="SHeadG" panose="02030600000101010101" pitchFamily="18" charset="-127"/>
+                </a:rPr>
+                <a:t>“name”: “Toaster”,</a:t>
+              </a:r>
+            </a:p>
+            <a:p>
+              <a:r>
+                <a:rPr kumimoji="1" lang="en-US" altLang="ko-Kore-KR" sz="1200" dirty="0">
+                  <a:solidFill>
+                    <a:srgbClr val="5DA2C5"/>
+                  </a:solidFill>
+                  <a:latin typeface="SHeadG" panose="02030600000101010101" pitchFamily="18" charset="-127"/>
+                  <a:ea typeface="SHeadG" panose="02030600000101010101" pitchFamily="18" charset="-127"/>
+                </a:rPr>
+                <a:t>  “description”: “Makes delicious toasts...”,</a:t>
+              </a:r>
+            </a:p>
+            <a:p>
+              <a:r>
+                <a:rPr kumimoji="1" lang="en-US" altLang="ko-Kore-KR" sz="1200" dirty="0">
+                  <a:solidFill>
+                    <a:srgbClr val="5DA2C5"/>
+                  </a:solidFill>
+                  <a:latin typeface="SHeadG" panose="02030600000101010101" pitchFamily="18" charset="-127"/>
+                  <a:ea typeface="SHeadG" panose="02030600000101010101" pitchFamily="18" charset="-127"/>
+                </a:rPr>
+                <a:t>  “price”: 49,</a:t>
+              </a:r>
+            </a:p>
+            <a:p>
+              <a:r>
+                <a:rPr kumimoji="1" lang="en-US" altLang="ko-Kore-KR" sz="1200" dirty="0">
+                  <a:solidFill>
+                    <a:srgbClr val="5DA2C5"/>
+                  </a:solidFill>
+                  <a:latin typeface="SHeadG" panose="02030600000101010101" pitchFamily="18" charset="-127"/>
+                  <a:ea typeface="SHeadG" panose="02030600000101010101" pitchFamily="18" charset="-127"/>
+                </a:rPr>
+                <a:t>  “</a:t>
+              </a:r>
+              <a:r>
+                <a:rPr kumimoji="1" lang="en-US" altLang="ko-Kore-KR" sz="1200" dirty="0" err="1">
+                  <a:solidFill>
+                    <a:srgbClr val="5DA2C5"/>
+                  </a:solidFill>
+                  <a:latin typeface="SHeadG" panose="02030600000101010101" pitchFamily="18" charset="-127"/>
+                  <a:ea typeface="SHeadG" panose="02030600000101010101" pitchFamily="18" charset="-127"/>
+                </a:rPr>
+                <a:t>in_stock</a:t>
+              </a:r>
+              <a:r>
+                <a:rPr kumimoji="1" lang="en-US" altLang="ko-Kore-KR" sz="1200" dirty="0">
+                  <a:solidFill>
+                    <a:srgbClr val="5DA2C5"/>
+                  </a:solidFill>
+                  <a:latin typeface="SHeadG" panose="02030600000101010101" pitchFamily="18" charset="-127"/>
+                  <a:ea typeface="SHeadG" panose="02030600000101010101" pitchFamily="18" charset="-127"/>
+                </a:rPr>
+                <a:t>”: 4,</a:t>
+              </a:r>
+            </a:p>
+            <a:p>
+              <a:r>
+                <a:rPr kumimoji="1" lang="en-US" altLang="ko-Kore-KR" sz="1200" dirty="0">
+                  <a:solidFill>
+                    <a:srgbClr val="5DA2C5"/>
+                  </a:solidFill>
+                  <a:latin typeface="SHeadG" panose="02030600000101010101" pitchFamily="18" charset="-127"/>
+                  <a:ea typeface="SHeadG" panose="02030600000101010101" pitchFamily="18" charset="-127"/>
+                </a:rPr>
+                <a:t>  “</a:t>
+              </a:r>
+              <a:r>
+                <a:rPr kumimoji="1" lang="en-US" altLang="ko-Kore-KR" sz="1200" dirty="0" err="1">
+                  <a:solidFill>
+                    <a:srgbClr val="5DA2C5"/>
+                  </a:solidFill>
+                  <a:latin typeface="SHeadG" panose="02030600000101010101" pitchFamily="18" charset="-127"/>
+                  <a:ea typeface="SHeadG" panose="02030600000101010101" pitchFamily="18" charset="-127"/>
+                </a:rPr>
+                <a:t>created_at</a:t>
+              </a:r>
+              <a:r>
+                <a:rPr kumimoji="1" lang="en-US" altLang="ko-Kore-KR" sz="1200" dirty="0">
+                  <a:solidFill>
+                    <a:srgbClr val="5DA2C5"/>
+                  </a:solidFill>
+                  <a:latin typeface="SHeadG" panose="02030600000101010101" pitchFamily="18" charset="-127"/>
+                  <a:ea typeface="SHeadG" panose="02030600000101010101" pitchFamily="18" charset="-127"/>
+                </a:rPr>
+                <a:t>”: “2007-01-29T09:44:15Z”</a:t>
+              </a:r>
+            </a:p>
+            <a:p>
+              <a:r>
+                <a:rPr kumimoji="1" lang="en-US" altLang="ko-KR" sz="1200" dirty="0">
+                  <a:solidFill>
+                    <a:srgbClr val="5DA2C5"/>
+                  </a:solidFill>
+                  <a:latin typeface="SHeadG" panose="02030600000101010101" pitchFamily="18" charset="-127"/>
+                  <a:ea typeface="SHeadG" panose="02030600000101010101" pitchFamily="18" charset="-127"/>
+                </a:rPr>
+                <a:t>}</a:t>
+              </a:r>
+              <a:endParaRPr kumimoji="1" lang="ko-Kore-KR" altLang="en-US" sz="1200" dirty="0">
+                <a:solidFill>
+                  <a:srgbClr val="5DA2C5"/>
+                </a:solidFill>
+                <a:latin typeface="SHeadG" panose="02030600000101010101" pitchFamily="18" charset="-127"/>
+                <a:ea typeface="SHeadG" panose="02030600000101010101" pitchFamily="18" charset="-127"/>
+              </a:endParaRPr>
+            </a:p>
+          </p:txBody>
+        </p:sp>
+      </p:grpSp>
+      <p:graphicFrame>
+        <p:nvGraphicFramePr>
+          <p:cNvPr id="23" name="표 2">
+            <a:extLst>
+              <a:ext uri="{FF2B5EF4-FFF2-40B4-BE49-F238E27FC236}">
+                <a16:creationId xmlns:a16="http://schemas.microsoft.com/office/drawing/2014/main" id="{33D60640-C49D-0043-92FF-677788303A5A}"/>
+              </a:ext>
+            </a:extLst>
+          </p:cNvPr>
+          <p:cNvGraphicFramePr>
+            <a:graphicFrameLocks noGrp="1"/>
+          </p:cNvGraphicFramePr>
+          <p:nvPr>
+            <p:extLst>
+              <p:ext uri="{D42A27DB-BD31-4B8C-83A1-F6EECF244321}">
+                <p14:modId xmlns:p14="http://schemas.microsoft.com/office/powerpoint/2010/main" val="1412097003"/>
+              </p:ext>
+            </p:extLst>
+          </p:nvPr>
+        </p:nvGraphicFramePr>
+        <p:xfrm>
+          <a:off x="6387947" y="3429000"/>
+          <a:ext cx="4175394" cy="1706880"/>
+        </p:xfrm>
+        <a:graphic>
+          <a:graphicData uri="http://schemas.openxmlformats.org/drawingml/2006/table">
+            <a:tbl>
+              <a:tblPr firstRow="1" bandRow="1">
+                <a:tableStyleId>{5C22544A-7EE6-4342-B048-85BDC9FD1C3A}</a:tableStyleId>
+              </a:tblPr>
+              <a:tblGrid>
+                <a:gridCol w="1391798">
+                  <a:extLst>
+                    <a:ext uri="{9D8B030D-6E8A-4147-A177-3AD203B41FA5}">
+                      <a16:colId xmlns:a16="http://schemas.microsoft.com/office/drawing/2014/main" val="2852157263"/>
+                    </a:ext>
+                  </a:extLst>
+                </a:gridCol>
+                <a:gridCol w="1391798">
+                  <a:extLst>
+                    <a:ext uri="{9D8B030D-6E8A-4147-A177-3AD203B41FA5}">
+                      <a16:colId xmlns:a16="http://schemas.microsoft.com/office/drawing/2014/main" val="4146129547"/>
+                    </a:ext>
+                  </a:extLst>
+                </a:gridCol>
+                <a:gridCol w="1391798">
+                  <a:extLst>
+                    <a:ext uri="{9D8B030D-6E8A-4147-A177-3AD203B41FA5}">
+                      <a16:colId xmlns:a16="http://schemas.microsoft.com/office/drawing/2014/main" val="2647270482"/>
+                    </a:ext>
+                  </a:extLst>
+                </a:gridCol>
+              </a:tblGrid>
+              <a:tr h="0">
+                <a:tc>
+                  <a:txBody>
+                    <a:bodyPr/>
+                    <a:lstStyle/>
+                    <a:p>
+                      <a:pPr algn="ctr"/>
+                      <a:r>
+                        <a:rPr lang="en-US" altLang="ko-Kore-KR" sz="1000" dirty="0">
+                          <a:latin typeface="SHeadG" panose="02030600000101010101" pitchFamily="18" charset="-127"/>
+                          <a:ea typeface="SHeadG" panose="02030600000101010101" pitchFamily="18" charset="-127"/>
+                        </a:rPr>
+                        <a:t>TERM</a:t>
+                      </a:r>
+                      <a:endParaRPr lang="ko-Kore-KR" altLang="en-US" sz="1000" dirty="0">
+                        <a:latin typeface="SHeadG" panose="02030600000101010101" pitchFamily="18" charset="-127"/>
+                        <a:ea typeface="SHeadG" panose="02030600000101010101" pitchFamily="18" charset="-127"/>
+                      </a:endParaRPr>
+                    </a:p>
+                  </a:txBody>
+                  <a:tcPr/>
+                </a:tc>
+                <a:tc>
+                  <a:txBody>
+                    <a:bodyPr/>
+                    <a:lstStyle/>
+                    <a:p>
+                      <a:pPr algn="ctr"/>
+                      <a:r>
+                        <a:rPr lang="en-US" altLang="ko-Kore-KR" sz="1000" dirty="0">
+                          <a:latin typeface="SHeadG" panose="02030600000101010101" pitchFamily="18" charset="-127"/>
+                          <a:ea typeface="SHeadG" panose="02030600000101010101" pitchFamily="18" charset="-127"/>
+                        </a:rPr>
+                        <a:t>DOCUMENT #1</a:t>
+                      </a:r>
+                      <a:endParaRPr lang="ko-Kore-KR" altLang="en-US" sz="1000" dirty="0">
+                        <a:latin typeface="SHeadG" panose="02030600000101010101" pitchFamily="18" charset="-127"/>
+                        <a:ea typeface="SHeadG" panose="02030600000101010101" pitchFamily="18" charset="-127"/>
+                      </a:endParaRPr>
+                    </a:p>
+                  </a:txBody>
+                  <a:tcPr/>
+                </a:tc>
+                <a:tc>
+                  <a:txBody>
+                    <a:bodyPr/>
+                    <a:lstStyle/>
+                    <a:p>
+                      <a:pPr marL="0" marR="0" lvl="0" indent="0" algn="ctr" defTabSz="914400" rtl="0" eaLnBrk="1" fontAlgn="auto" latinLnBrk="0" hangingPunct="1">
+                        <a:lnSpc>
+                          <a:spcPct val="100000"/>
+                        </a:lnSpc>
+                        <a:spcBef>
+                          <a:spcPts val="0"/>
+                        </a:spcBef>
+                        <a:spcAft>
+                          <a:spcPts val="0"/>
+                        </a:spcAft>
+                        <a:buClrTx/>
+                        <a:buSzTx/>
+                        <a:buFontTx/>
+                        <a:buNone/>
+                        <a:tabLst/>
+                        <a:defRPr/>
+                      </a:pPr>
+                      <a:r>
+                        <a:rPr lang="en-US" altLang="ko-Kore-KR" sz="1000" dirty="0">
+                          <a:latin typeface="SHeadG" panose="02030600000101010101" pitchFamily="18" charset="-127"/>
+                          <a:ea typeface="SHeadG" panose="02030600000101010101" pitchFamily="18" charset="-127"/>
+                        </a:rPr>
+                        <a:t>DOCUMENT #2</a:t>
+                      </a:r>
+                      <a:endParaRPr lang="ko-Kore-KR" altLang="en-US" sz="1000" dirty="0">
+                        <a:latin typeface="SHeadG" panose="02030600000101010101" pitchFamily="18" charset="-127"/>
+                        <a:ea typeface="SHeadG" panose="02030600000101010101" pitchFamily="18" charset="-127"/>
+                      </a:endParaRPr>
+                    </a:p>
+                  </a:txBody>
+                  <a:tcPr/>
+                </a:tc>
+                <a:extLst>
+                  <a:ext uri="{0D108BD9-81ED-4DB2-BD59-A6C34878D82A}">
+                    <a16:rowId xmlns:a16="http://schemas.microsoft.com/office/drawing/2014/main" val="49265347"/>
+                  </a:ext>
+                </a:extLst>
+              </a:tr>
+              <a:tr h="232651">
+                <a:tc>
+                  <a:txBody>
+                    <a:bodyPr/>
+                    <a:lstStyle/>
+                    <a:p>
+                      <a:pPr algn="ctr"/>
+                      <a:r>
+                        <a:rPr lang="en-US" altLang="ko-Kore-KR" sz="1000" dirty="0">
+                          <a:latin typeface="SHeadG" panose="02030600000101010101" pitchFamily="18" charset="-127"/>
+                          <a:ea typeface="SHeadG" panose="02030600000101010101" pitchFamily="18" charset="-127"/>
+                        </a:rPr>
+                        <a:t>coffee</a:t>
+                      </a:r>
+                      <a:endParaRPr lang="ko-Kore-KR" altLang="en-US" sz="1000" dirty="0">
+                        <a:latin typeface="SHeadG" panose="02030600000101010101" pitchFamily="18" charset="-127"/>
+                        <a:ea typeface="SHeadG" panose="02030600000101010101" pitchFamily="18" charset="-127"/>
+                      </a:endParaRPr>
+                    </a:p>
+                  </a:txBody>
+                  <a:tcPr/>
+                </a:tc>
+                <a:tc>
+                  <a:txBody>
+                    <a:bodyPr/>
+                    <a:lstStyle/>
+                    <a:p>
+                      <a:pPr algn="ctr"/>
+                      <a:endParaRPr lang="ko-Kore-KR" altLang="en-US" sz="1000" dirty="0">
+                        <a:latin typeface="SHeadG" panose="02030600000101010101" pitchFamily="18" charset="-127"/>
+                        <a:ea typeface="SHeadG" panose="02030600000101010101" pitchFamily="18" charset="-127"/>
+                      </a:endParaRPr>
+                    </a:p>
+                  </a:txBody>
+                  <a:tcPr/>
+                </a:tc>
+                <a:tc>
+                  <a:txBody>
+                    <a:bodyPr/>
+                    <a:lstStyle/>
+                    <a:p>
+                      <a:pPr algn="ctr"/>
+                      <a:r>
+                        <a:rPr lang="en-US" altLang="ko-Kore-KR" sz="1000" dirty="0">
+                          <a:latin typeface="SHeadG" panose="02030600000101010101" pitchFamily="18" charset="-127"/>
+                          <a:ea typeface="SHeadG" panose="02030600000101010101" pitchFamily="18" charset="-127"/>
+                        </a:rPr>
+                        <a:t>X</a:t>
+                      </a:r>
+                      <a:endParaRPr lang="ko-Kore-KR" altLang="en-US" sz="1000" dirty="0">
+                        <a:latin typeface="SHeadG" panose="02030600000101010101" pitchFamily="18" charset="-127"/>
+                        <a:ea typeface="SHeadG" panose="02030600000101010101" pitchFamily="18" charset="-127"/>
+                      </a:endParaRPr>
+                    </a:p>
+                  </a:txBody>
+                  <a:tcPr/>
+                </a:tc>
+                <a:extLst>
+                  <a:ext uri="{0D108BD9-81ED-4DB2-BD59-A6C34878D82A}">
+                    <a16:rowId xmlns:a16="http://schemas.microsoft.com/office/drawing/2014/main" val="2159732333"/>
+                  </a:ext>
+                </a:extLst>
+              </a:tr>
+              <a:tr h="232651">
+                <a:tc>
+                  <a:txBody>
+                    <a:bodyPr/>
+                    <a:lstStyle/>
+                    <a:p>
+                      <a:pPr algn="ctr"/>
+                      <a:r>
+                        <a:rPr lang="en-US" altLang="ko-Kore-KR" sz="1000" dirty="0">
+                          <a:latin typeface="SHeadG" panose="02030600000101010101" pitchFamily="18" charset="-127"/>
+                          <a:ea typeface="SHeadG" panose="02030600000101010101" pitchFamily="18" charset="-127"/>
+                        </a:rPr>
+                        <a:t>delicious</a:t>
+                      </a:r>
+                      <a:endParaRPr lang="ko-Kore-KR" altLang="en-US" sz="1000" dirty="0">
+                        <a:latin typeface="SHeadG" panose="02030600000101010101" pitchFamily="18" charset="-127"/>
+                        <a:ea typeface="SHeadG" panose="02030600000101010101" pitchFamily="18" charset="-127"/>
+                      </a:endParaRPr>
+                    </a:p>
+                  </a:txBody>
+                  <a:tcPr/>
+                </a:tc>
+                <a:tc>
+                  <a:txBody>
+                    <a:bodyPr/>
+                    <a:lstStyle/>
+                    <a:p>
+                      <a:pPr algn="ctr"/>
+                      <a:r>
+                        <a:rPr lang="en-US" altLang="ko-Kore-KR" sz="1000" dirty="0">
+                          <a:latin typeface="SHeadG" panose="02030600000101010101" pitchFamily="18" charset="-127"/>
+                          <a:ea typeface="SHeadG" panose="02030600000101010101" pitchFamily="18" charset="-127"/>
+                        </a:rPr>
+                        <a:t>X</a:t>
+                      </a:r>
+                      <a:endParaRPr lang="ko-Kore-KR" altLang="en-US" sz="1000" dirty="0">
+                        <a:latin typeface="SHeadG" panose="02030600000101010101" pitchFamily="18" charset="-127"/>
+                        <a:ea typeface="SHeadG" panose="02030600000101010101" pitchFamily="18" charset="-127"/>
+                      </a:endParaRPr>
+                    </a:p>
+                  </a:txBody>
+                  <a:tcPr/>
+                </a:tc>
+                <a:tc>
+                  <a:txBody>
+                    <a:bodyPr/>
+                    <a:lstStyle/>
+                    <a:p>
+                      <a:pPr algn="ctr"/>
+                      <a:endParaRPr lang="ko-Kore-KR" altLang="en-US" sz="1000" dirty="0">
+                        <a:latin typeface="SHeadG" panose="02030600000101010101" pitchFamily="18" charset="-127"/>
+                        <a:ea typeface="SHeadG" panose="02030600000101010101" pitchFamily="18" charset="-127"/>
+                      </a:endParaRPr>
+                    </a:p>
+                  </a:txBody>
+                  <a:tcPr/>
+                </a:tc>
+                <a:extLst>
+                  <a:ext uri="{0D108BD9-81ED-4DB2-BD59-A6C34878D82A}">
+                    <a16:rowId xmlns:a16="http://schemas.microsoft.com/office/drawing/2014/main" val="786570873"/>
+                  </a:ext>
+                </a:extLst>
+              </a:tr>
+              <a:tr h="232651">
+                <a:tc>
+                  <a:txBody>
+                    <a:bodyPr/>
+                    <a:lstStyle/>
+                    <a:p>
+                      <a:pPr algn="ctr"/>
+                      <a:r>
+                        <a:rPr lang="en-US" altLang="ko-Kore-KR" sz="1000" dirty="0">
+                          <a:latin typeface="SHeadG" panose="02030600000101010101" pitchFamily="18" charset="-127"/>
+                          <a:ea typeface="SHeadG" panose="02030600000101010101" pitchFamily="18" charset="-127"/>
+                        </a:rPr>
+                        <a:t>fast</a:t>
+                      </a:r>
+                      <a:endParaRPr lang="ko-Kore-KR" altLang="en-US" sz="1000" dirty="0">
+                        <a:latin typeface="SHeadG" panose="02030600000101010101" pitchFamily="18" charset="-127"/>
+                        <a:ea typeface="SHeadG" panose="02030600000101010101" pitchFamily="18" charset="-127"/>
+                      </a:endParaRPr>
+                    </a:p>
+                  </a:txBody>
+                  <a:tcPr/>
+                </a:tc>
+                <a:tc>
+                  <a:txBody>
+                    <a:bodyPr/>
+                    <a:lstStyle/>
+                    <a:p>
+                      <a:pPr algn="ctr"/>
+                      <a:endParaRPr lang="ko-Kore-KR" altLang="en-US" sz="1000" dirty="0">
+                        <a:latin typeface="SHeadG" panose="02030600000101010101" pitchFamily="18" charset="-127"/>
+                        <a:ea typeface="SHeadG" panose="02030600000101010101" pitchFamily="18" charset="-127"/>
+                      </a:endParaRPr>
+                    </a:p>
+                  </a:txBody>
+                  <a:tcPr/>
+                </a:tc>
+                <a:tc>
+                  <a:txBody>
+                    <a:bodyPr/>
+                    <a:lstStyle/>
+                    <a:p>
+                      <a:pPr algn="ctr"/>
+                      <a:r>
+                        <a:rPr lang="en-US" altLang="ko-Kore-KR" sz="1000" dirty="0">
+                          <a:latin typeface="SHeadG" panose="02030600000101010101" pitchFamily="18" charset="-127"/>
+                          <a:ea typeface="SHeadG" panose="02030600000101010101" pitchFamily="18" charset="-127"/>
+                        </a:rPr>
+                        <a:t>X</a:t>
+                      </a:r>
+                      <a:endParaRPr lang="ko-Kore-KR" altLang="en-US" sz="1000" dirty="0">
+                        <a:latin typeface="SHeadG" panose="02030600000101010101" pitchFamily="18" charset="-127"/>
+                        <a:ea typeface="SHeadG" panose="02030600000101010101" pitchFamily="18" charset="-127"/>
+                      </a:endParaRPr>
+                    </a:p>
+                  </a:txBody>
+                  <a:tcPr/>
+                </a:tc>
+                <a:extLst>
+                  <a:ext uri="{0D108BD9-81ED-4DB2-BD59-A6C34878D82A}">
+                    <a16:rowId xmlns:a16="http://schemas.microsoft.com/office/drawing/2014/main" val="4185569470"/>
+                  </a:ext>
+                </a:extLst>
+              </a:tr>
+              <a:tr h="232651">
+                <a:tc>
+                  <a:txBody>
+                    <a:bodyPr/>
+                    <a:lstStyle/>
+                    <a:p>
+                      <a:pPr algn="ctr"/>
+                      <a:r>
+                        <a:rPr lang="en-US" altLang="ko-Kore-KR" sz="1000" dirty="0">
+                          <a:latin typeface="SHeadG" panose="02030600000101010101" pitchFamily="18" charset="-127"/>
+                          <a:ea typeface="SHeadG" panose="02030600000101010101" pitchFamily="18" charset="-127"/>
+                        </a:rPr>
+                        <a:t>makes</a:t>
+                      </a:r>
+                      <a:endParaRPr lang="ko-Kore-KR" altLang="en-US" sz="1000" dirty="0">
+                        <a:latin typeface="SHeadG" panose="02030600000101010101" pitchFamily="18" charset="-127"/>
+                        <a:ea typeface="SHeadG" panose="02030600000101010101" pitchFamily="18" charset="-127"/>
+                      </a:endParaRPr>
+                    </a:p>
+                  </a:txBody>
+                  <a:tcPr/>
+                </a:tc>
+                <a:tc>
+                  <a:txBody>
+                    <a:bodyPr/>
+                    <a:lstStyle/>
+                    <a:p>
+                      <a:pPr algn="ctr"/>
+                      <a:r>
+                        <a:rPr lang="en-US" altLang="ko-Kore-KR" sz="1000" dirty="0">
+                          <a:latin typeface="SHeadG" panose="02030600000101010101" pitchFamily="18" charset="-127"/>
+                          <a:ea typeface="SHeadG" panose="02030600000101010101" pitchFamily="18" charset="-127"/>
+                        </a:rPr>
+                        <a:t>X</a:t>
+                      </a:r>
+                      <a:endParaRPr lang="ko-Kore-KR" altLang="en-US" sz="1000" dirty="0">
+                        <a:latin typeface="SHeadG" panose="02030600000101010101" pitchFamily="18" charset="-127"/>
+                        <a:ea typeface="SHeadG" panose="02030600000101010101" pitchFamily="18" charset="-127"/>
+                      </a:endParaRPr>
+                    </a:p>
+                  </a:txBody>
+                  <a:tcPr/>
+                </a:tc>
+                <a:tc>
+                  <a:txBody>
+                    <a:bodyPr/>
+                    <a:lstStyle/>
+                    <a:p>
+                      <a:pPr algn="ctr"/>
+                      <a:r>
+                        <a:rPr lang="en-US" altLang="ko-Kore-KR" sz="1000" dirty="0">
+                          <a:latin typeface="SHeadG" panose="02030600000101010101" pitchFamily="18" charset="-127"/>
+                          <a:ea typeface="SHeadG" panose="02030600000101010101" pitchFamily="18" charset="-127"/>
+                        </a:rPr>
+                        <a:t>X</a:t>
+                      </a:r>
+                      <a:endParaRPr lang="ko-Kore-KR" altLang="en-US" sz="1000" dirty="0">
+                        <a:latin typeface="SHeadG" panose="02030600000101010101" pitchFamily="18" charset="-127"/>
+                        <a:ea typeface="SHeadG" panose="02030600000101010101" pitchFamily="18" charset="-127"/>
+                      </a:endParaRPr>
+                    </a:p>
+                  </a:txBody>
+                  <a:tcPr/>
+                </a:tc>
+                <a:extLst>
+                  <a:ext uri="{0D108BD9-81ED-4DB2-BD59-A6C34878D82A}">
+                    <a16:rowId xmlns:a16="http://schemas.microsoft.com/office/drawing/2014/main" val="4187411522"/>
+                  </a:ext>
+                </a:extLst>
+              </a:tr>
+              <a:tr h="232651">
+                <a:tc>
+                  <a:txBody>
+                    <a:bodyPr/>
+                    <a:lstStyle/>
+                    <a:p>
+                      <a:pPr algn="ctr"/>
+                      <a:r>
+                        <a:rPr lang="en-US" altLang="ko-Kore-KR" sz="1000" dirty="0">
+                          <a:latin typeface="SHeadG" panose="02030600000101010101" pitchFamily="18" charset="-127"/>
+                          <a:ea typeface="SHeadG" panose="02030600000101010101" pitchFamily="18" charset="-127"/>
+                        </a:rPr>
+                        <a:t>super</a:t>
+                      </a:r>
+                      <a:endParaRPr lang="ko-Kore-KR" altLang="en-US" sz="1000" dirty="0">
+                        <a:latin typeface="SHeadG" panose="02030600000101010101" pitchFamily="18" charset="-127"/>
+                        <a:ea typeface="SHeadG" panose="02030600000101010101" pitchFamily="18" charset="-127"/>
+                      </a:endParaRPr>
+                    </a:p>
+                  </a:txBody>
+                  <a:tcPr/>
+                </a:tc>
+                <a:tc>
+                  <a:txBody>
+                    <a:bodyPr/>
+                    <a:lstStyle/>
+                    <a:p>
+                      <a:pPr algn="ctr"/>
+                      <a:endParaRPr lang="ko-Kore-KR" altLang="en-US" sz="1000" dirty="0">
+                        <a:latin typeface="SHeadG" panose="02030600000101010101" pitchFamily="18" charset="-127"/>
+                        <a:ea typeface="SHeadG" panose="02030600000101010101" pitchFamily="18" charset="-127"/>
+                      </a:endParaRPr>
+                    </a:p>
+                  </a:txBody>
+                  <a:tcPr/>
+                </a:tc>
+                <a:tc>
+                  <a:txBody>
+                    <a:bodyPr/>
+                    <a:lstStyle/>
+                    <a:p>
+                      <a:pPr algn="ctr"/>
+                      <a:r>
+                        <a:rPr lang="en-US" altLang="ko-Kore-KR" sz="1000" dirty="0">
+                          <a:latin typeface="SHeadG" panose="02030600000101010101" pitchFamily="18" charset="-127"/>
+                          <a:ea typeface="SHeadG" panose="02030600000101010101" pitchFamily="18" charset="-127"/>
+                        </a:rPr>
+                        <a:t>X</a:t>
+                      </a:r>
+                      <a:endParaRPr lang="ko-Kore-KR" altLang="en-US" sz="1000" dirty="0">
+                        <a:latin typeface="SHeadG" panose="02030600000101010101" pitchFamily="18" charset="-127"/>
+                        <a:ea typeface="SHeadG" panose="02030600000101010101" pitchFamily="18" charset="-127"/>
+                      </a:endParaRPr>
+                    </a:p>
+                  </a:txBody>
+                  <a:tcPr/>
+                </a:tc>
+                <a:extLst>
+                  <a:ext uri="{0D108BD9-81ED-4DB2-BD59-A6C34878D82A}">
+                    <a16:rowId xmlns:a16="http://schemas.microsoft.com/office/drawing/2014/main" val="4161938154"/>
+                  </a:ext>
+                </a:extLst>
+              </a:tr>
+              <a:tr h="232651">
+                <a:tc>
+                  <a:txBody>
+                    <a:bodyPr/>
+                    <a:lstStyle/>
+                    <a:p>
+                      <a:pPr algn="ctr"/>
+                      <a:r>
+                        <a:rPr lang="en-US" altLang="ko-Kore-KR" sz="1000" dirty="0">
+                          <a:latin typeface="SHeadG" panose="02030600000101010101" pitchFamily="18" charset="-127"/>
+                          <a:ea typeface="SHeadG" panose="02030600000101010101" pitchFamily="18" charset="-127"/>
+                        </a:rPr>
+                        <a:t>toasts</a:t>
+                      </a:r>
+                      <a:endParaRPr lang="ko-Kore-KR" altLang="en-US" sz="1000" dirty="0">
+                        <a:latin typeface="SHeadG" panose="02030600000101010101" pitchFamily="18" charset="-127"/>
+                        <a:ea typeface="SHeadG" panose="02030600000101010101" pitchFamily="18" charset="-127"/>
+                      </a:endParaRPr>
+                    </a:p>
+                  </a:txBody>
+                  <a:tcPr/>
+                </a:tc>
+                <a:tc>
+                  <a:txBody>
+                    <a:bodyPr/>
+                    <a:lstStyle/>
+                    <a:p>
+                      <a:pPr algn="ctr"/>
+                      <a:r>
+                        <a:rPr lang="en-US" altLang="ko-Kore-KR" sz="1000" dirty="0">
+                          <a:latin typeface="SHeadG" panose="02030600000101010101" pitchFamily="18" charset="-127"/>
+                          <a:ea typeface="SHeadG" panose="02030600000101010101" pitchFamily="18" charset="-127"/>
+                        </a:rPr>
+                        <a:t>X</a:t>
+                      </a:r>
+                      <a:endParaRPr lang="ko-Kore-KR" altLang="en-US" sz="1000" dirty="0">
+                        <a:latin typeface="SHeadG" panose="02030600000101010101" pitchFamily="18" charset="-127"/>
+                        <a:ea typeface="SHeadG" panose="02030600000101010101" pitchFamily="18" charset="-127"/>
+                      </a:endParaRPr>
+                    </a:p>
+                  </a:txBody>
+                  <a:tcPr/>
+                </a:tc>
+                <a:tc>
+                  <a:txBody>
+                    <a:bodyPr/>
+                    <a:lstStyle/>
+                    <a:p>
+                      <a:pPr algn="ctr"/>
+                      <a:endParaRPr lang="ko-Kore-KR" altLang="en-US" sz="1000" dirty="0">
+                        <a:latin typeface="SHeadG" panose="02030600000101010101" pitchFamily="18" charset="-127"/>
+                        <a:ea typeface="SHeadG" panose="02030600000101010101" pitchFamily="18" charset="-127"/>
+                      </a:endParaRPr>
+                    </a:p>
+                  </a:txBody>
+                  <a:tcPr/>
+                </a:tc>
+                <a:extLst>
+                  <a:ext uri="{0D108BD9-81ED-4DB2-BD59-A6C34878D82A}">
+                    <a16:rowId xmlns:a16="http://schemas.microsoft.com/office/drawing/2014/main" val="3012894220"/>
+                  </a:ext>
+                </a:extLst>
+              </a:tr>
+            </a:tbl>
+          </a:graphicData>
+        </a:graphic>
+      </p:graphicFrame>
+      <p:graphicFrame>
+        <p:nvGraphicFramePr>
+          <p:cNvPr id="24" name="표 2">
+            <a:extLst>
+              <a:ext uri="{FF2B5EF4-FFF2-40B4-BE49-F238E27FC236}">
+                <a16:creationId xmlns:a16="http://schemas.microsoft.com/office/drawing/2014/main" id="{69FB14C7-BC21-1741-A589-7D8CDA5DFE71}"/>
+              </a:ext>
+            </a:extLst>
+          </p:cNvPr>
+          <p:cNvGraphicFramePr>
+            <a:graphicFrameLocks noGrp="1"/>
+          </p:cNvGraphicFramePr>
+          <p:nvPr>
+            <p:extLst>
+              <p:ext uri="{D42A27DB-BD31-4B8C-83A1-F6EECF244321}">
+                <p14:modId xmlns:p14="http://schemas.microsoft.com/office/powerpoint/2010/main" val="2039334095"/>
+              </p:ext>
+            </p:extLst>
+          </p:nvPr>
+        </p:nvGraphicFramePr>
+        <p:xfrm>
+          <a:off x="1277957" y="3429000"/>
+          <a:ext cx="4175394" cy="975360"/>
+        </p:xfrm>
+        <a:graphic>
+          <a:graphicData uri="http://schemas.openxmlformats.org/drawingml/2006/table">
+            <a:tbl>
+              <a:tblPr firstRow="1" bandRow="1">
+                <a:tableStyleId>{5C22544A-7EE6-4342-B048-85BDC9FD1C3A}</a:tableStyleId>
+              </a:tblPr>
+              <a:tblGrid>
+                <a:gridCol w="1391798">
+                  <a:extLst>
+                    <a:ext uri="{9D8B030D-6E8A-4147-A177-3AD203B41FA5}">
+                      <a16:colId xmlns:a16="http://schemas.microsoft.com/office/drawing/2014/main" val="2852157263"/>
+                    </a:ext>
+                  </a:extLst>
+                </a:gridCol>
+                <a:gridCol w="1391798">
+                  <a:extLst>
+                    <a:ext uri="{9D8B030D-6E8A-4147-A177-3AD203B41FA5}">
+                      <a16:colId xmlns:a16="http://schemas.microsoft.com/office/drawing/2014/main" val="4146129547"/>
+                    </a:ext>
+                  </a:extLst>
+                </a:gridCol>
+                <a:gridCol w="1391798">
+                  <a:extLst>
+                    <a:ext uri="{9D8B030D-6E8A-4147-A177-3AD203B41FA5}">
+                      <a16:colId xmlns:a16="http://schemas.microsoft.com/office/drawing/2014/main" val="2647270482"/>
+                    </a:ext>
+                  </a:extLst>
+                </a:gridCol>
+              </a:tblGrid>
+              <a:tr h="0">
+                <a:tc>
+                  <a:txBody>
+                    <a:bodyPr/>
+                    <a:lstStyle/>
+                    <a:p>
+                      <a:pPr algn="ctr"/>
+                      <a:r>
+                        <a:rPr lang="en-US" altLang="ko-Kore-KR" sz="1000" dirty="0">
+                          <a:latin typeface="SHeadG" panose="02030600000101010101" pitchFamily="18" charset="-127"/>
+                          <a:ea typeface="SHeadG" panose="02030600000101010101" pitchFamily="18" charset="-127"/>
+                        </a:rPr>
+                        <a:t>TERM</a:t>
+                      </a:r>
+                      <a:endParaRPr lang="ko-Kore-KR" altLang="en-US" sz="1000" dirty="0">
+                        <a:latin typeface="SHeadG" panose="02030600000101010101" pitchFamily="18" charset="-127"/>
+                        <a:ea typeface="SHeadG" panose="02030600000101010101" pitchFamily="18" charset="-127"/>
+                      </a:endParaRPr>
+                    </a:p>
+                  </a:txBody>
+                  <a:tcPr/>
+                </a:tc>
+                <a:tc>
+                  <a:txBody>
+                    <a:bodyPr/>
+                    <a:lstStyle/>
+                    <a:p>
+                      <a:pPr algn="ctr"/>
+                      <a:r>
+                        <a:rPr lang="en-US" altLang="ko-Kore-KR" sz="1000" dirty="0">
+                          <a:latin typeface="SHeadG" panose="02030600000101010101" pitchFamily="18" charset="-127"/>
+                          <a:ea typeface="SHeadG" panose="02030600000101010101" pitchFamily="18" charset="-127"/>
+                        </a:rPr>
+                        <a:t>DOCUMENT #1</a:t>
+                      </a:r>
+                      <a:endParaRPr lang="ko-Kore-KR" altLang="en-US" sz="1000" dirty="0">
+                        <a:latin typeface="SHeadG" panose="02030600000101010101" pitchFamily="18" charset="-127"/>
+                        <a:ea typeface="SHeadG" panose="02030600000101010101" pitchFamily="18" charset="-127"/>
+                      </a:endParaRPr>
+                    </a:p>
+                  </a:txBody>
+                  <a:tcPr/>
+                </a:tc>
+                <a:tc>
+                  <a:txBody>
+                    <a:bodyPr/>
+                    <a:lstStyle/>
+                    <a:p>
+                      <a:pPr marL="0" marR="0" lvl="0" indent="0" algn="ctr" defTabSz="914400" rtl="0" eaLnBrk="1" fontAlgn="auto" latinLnBrk="0" hangingPunct="1">
+                        <a:lnSpc>
+                          <a:spcPct val="100000"/>
+                        </a:lnSpc>
+                        <a:spcBef>
+                          <a:spcPts val="0"/>
+                        </a:spcBef>
+                        <a:spcAft>
+                          <a:spcPts val="0"/>
+                        </a:spcAft>
+                        <a:buClrTx/>
+                        <a:buSzTx/>
+                        <a:buFontTx/>
+                        <a:buNone/>
+                        <a:tabLst/>
+                        <a:defRPr/>
+                      </a:pPr>
+                      <a:r>
+                        <a:rPr lang="en-US" altLang="ko-Kore-KR" sz="1000" dirty="0">
+                          <a:latin typeface="SHeadG" panose="02030600000101010101" pitchFamily="18" charset="-127"/>
+                          <a:ea typeface="SHeadG" panose="02030600000101010101" pitchFamily="18" charset="-127"/>
+                        </a:rPr>
+                        <a:t>DOCUMENT #2</a:t>
+                      </a:r>
+                      <a:endParaRPr lang="ko-Kore-KR" altLang="en-US" sz="1000" dirty="0">
+                        <a:latin typeface="SHeadG" panose="02030600000101010101" pitchFamily="18" charset="-127"/>
+                        <a:ea typeface="SHeadG" panose="02030600000101010101" pitchFamily="18" charset="-127"/>
+                      </a:endParaRPr>
+                    </a:p>
+                  </a:txBody>
+                  <a:tcPr/>
+                </a:tc>
+                <a:extLst>
+                  <a:ext uri="{0D108BD9-81ED-4DB2-BD59-A6C34878D82A}">
+                    <a16:rowId xmlns:a16="http://schemas.microsoft.com/office/drawing/2014/main" val="49265347"/>
+                  </a:ext>
+                </a:extLst>
+              </a:tr>
+              <a:tr h="232651">
+                <a:tc>
+                  <a:txBody>
+                    <a:bodyPr/>
+                    <a:lstStyle/>
+                    <a:p>
+                      <a:pPr algn="ctr"/>
+                      <a:r>
+                        <a:rPr lang="en-US" altLang="ko-Kore-KR" sz="1000" dirty="0">
+                          <a:latin typeface="SHeadG" panose="02030600000101010101" pitchFamily="18" charset="-127"/>
+                          <a:ea typeface="SHeadG" panose="02030600000101010101" pitchFamily="18" charset="-127"/>
+                        </a:rPr>
+                        <a:t>coffee</a:t>
+                      </a:r>
+                      <a:endParaRPr lang="ko-Kore-KR" altLang="en-US" sz="1000" dirty="0">
+                        <a:latin typeface="SHeadG" panose="02030600000101010101" pitchFamily="18" charset="-127"/>
+                        <a:ea typeface="SHeadG" panose="02030600000101010101" pitchFamily="18" charset="-127"/>
+                      </a:endParaRPr>
+                    </a:p>
+                  </a:txBody>
+                  <a:tcPr/>
+                </a:tc>
+                <a:tc>
+                  <a:txBody>
+                    <a:bodyPr/>
+                    <a:lstStyle/>
+                    <a:p>
+                      <a:pPr algn="ctr"/>
+                      <a:r>
+                        <a:rPr lang="en-US" altLang="ko-Kore-KR" sz="1000" dirty="0">
+                          <a:latin typeface="SHeadG" panose="02030600000101010101" pitchFamily="18" charset="-127"/>
+                          <a:ea typeface="SHeadG" panose="02030600000101010101" pitchFamily="18" charset="-127"/>
+                        </a:rPr>
+                        <a:t>X</a:t>
+                      </a:r>
+                      <a:endParaRPr lang="ko-Kore-KR" altLang="en-US" sz="1000" dirty="0">
+                        <a:latin typeface="SHeadG" panose="02030600000101010101" pitchFamily="18" charset="-127"/>
+                        <a:ea typeface="SHeadG" panose="02030600000101010101" pitchFamily="18" charset="-127"/>
+                      </a:endParaRPr>
+                    </a:p>
+                  </a:txBody>
+                  <a:tcPr/>
+                </a:tc>
+                <a:tc>
+                  <a:txBody>
+                    <a:bodyPr/>
+                    <a:lstStyle/>
+                    <a:p>
+                      <a:pPr algn="ctr"/>
+                      <a:endParaRPr lang="ko-Kore-KR" altLang="en-US" sz="1000" dirty="0">
+                        <a:latin typeface="SHeadG" panose="02030600000101010101" pitchFamily="18" charset="-127"/>
+                        <a:ea typeface="SHeadG" panose="02030600000101010101" pitchFamily="18" charset="-127"/>
+                      </a:endParaRPr>
+                    </a:p>
+                  </a:txBody>
+                  <a:tcPr/>
+                </a:tc>
+                <a:extLst>
+                  <a:ext uri="{0D108BD9-81ED-4DB2-BD59-A6C34878D82A}">
+                    <a16:rowId xmlns:a16="http://schemas.microsoft.com/office/drawing/2014/main" val="2159732333"/>
+                  </a:ext>
+                </a:extLst>
+              </a:tr>
+              <a:tr h="232651">
+                <a:tc>
+                  <a:txBody>
+                    <a:bodyPr/>
+                    <a:lstStyle/>
+                    <a:p>
+                      <a:pPr algn="ctr"/>
+                      <a:r>
+                        <a:rPr lang="en-US" altLang="ko-Kore-KR" sz="1000" dirty="0">
+                          <a:latin typeface="SHeadG" panose="02030600000101010101" pitchFamily="18" charset="-127"/>
+                          <a:ea typeface="SHeadG" panose="02030600000101010101" pitchFamily="18" charset="-127"/>
+                        </a:rPr>
+                        <a:t>maker</a:t>
+                      </a:r>
+                      <a:endParaRPr lang="ko-Kore-KR" altLang="en-US" sz="1000" dirty="0">
+                        <a:latin typeface="SHeadG" panose="02030600000101010101" pitchFamily="18" charset="-127"/>
+                        <a:ea typeface="SHeadG" panose="02030600000101010101" pitchFamily="18" charset="-127"/>
+                      </a:endParaRPr>
+                    </a:p>
+                  </a:txBody>
+                  <a:tcPr/>
+                </a:tc>
+                <a:tc>
+                  <a:txBody>
+                    <a:bodyPr/>
+                    <a:lstStyle/>
+                    <a:p>
+                      <a:pPr algn="ctr"/>
+                      <a:r>
+                        <a:rPr lang="en-US" altLang="ko-Kore-KR" sz="1000" dirty="0">
+                          <a:latin typeface="SHeadG" panose="02030600000101010101" pitchFamily="18" charset="-127"/>
+                          <a:ea typeface="SHeadG" panose="02030600000101010101" pitchFamily="18" charset="-127"/>
+                        </a:rPr>
+                        <a:t>X</a:t>
+                      </a:r>
+                      <a:endParaRPr lang="ko-Kore-KR" altLang="en-US" sz="1000" dirty="0">
+                        <a:latin typeface="SHeadG" panose="02030600000101010101" pitchFamily="18" charset="-127"/>
+                        <a:ea typeface="SHeadG" panose="02030600000101010101" pitchFamily="18" charset="-127"/>
+                      </a:endParaRPr>
+                    </a:p>
+                  </a:txBody>
+                  <a:tcPr/>
+                </a:tc>
+                <a:tc>
+                  <a:txBody>
+                    <a:bodyPr/>
+                    <a:lstStyle/>
+                    <a:p>
+                      <a:pPr algn="ctr"/>
+                      <a:endParaRPr lang="ko-Kore-KR" altLang="en-US" sz="1000" dirty="0">
+                        <a:latin typeface="SHeadG" panose="02030600000101010101" pitchFamily="18" charset="-127"/>
+                        <a:ea typeface="SHeadG" panose="02030600000101010101" pitchFamily="18" charset="-127"/>
+                      </a:endParaRPr>
+                    </a:p>
+                  </a:txBody>
+                  <a:tcPr/>
+                </a:tc>
+                <a:extLst>
+                  <a:ext uri="{0D108BD9-81ED-4DB2-BD59-A6C34878D82A}">
+                    <a16:rowId xmlns:a16="http://schemas.microsoft.com/office/drawing/2014/main" val="786570873"/>
+                  </a:ext>
+                </a:extLst>
+              </a:tr>
+              <a:tr h="232651">
+                <a:tc>
+                  <a:txBody>
+                    <a:bodyPr/>
+                    <a:lstStyle/>
+                    <a:p>
+                      <a:pPr algn="ctr"/>
+                      <a:r>
+                        <a:rPr lang="en-US" altLang="ko-Kore-KR" sz="1000" dirty="0">
+                          <a:latin typeface="SHeadG" panose="02030600000101010101" pitchFamily="18" charset="-127"/>
+                          <a:ea typeface="SHeadG" panose="02030600000101010101" pitchFamily="18" charset="-127"/>
+                        </a:rPr>
+                        <a:t>toaster</a:t>
+                      </a:r>
+                      <a:endParaRPr lang="ko-Kore-KR" altLang="en-US" sz="1000" dirty="0">
+                        <a:latin typeface="SHeadG" panose="02030600000101010101" pitchFamily="18" charset="-127"/>
+                        <a:ea typeface="SHeadG" panose="02030600000101010101" pitchFamily="18" charset="-127"/>
+                      </a:endParaRPr>
+                    </a:p>
+                  </a:txBody>
+                  <a:tcPr/>
+                </a:tc>
+                <a:tc>
+                  <a:txBody>
+                    <a:bodyPr/>
+                    <a:lstStyle/>
+                    <a:p>
+                      <a:pPr algn="ctr"/>
+                      <a:endParaRPr lang="ko-Kore-KR" altLang="en-US" sz="1000" dirty="0">
+                        <a:latin typeface="SHeadG" panose="02030600000101010101" pitchFamily="18" charset="-127"/>
+                        <a:ea typeface="SHeadG" panose="02030600000101010101" pitchFamily="18" charset="-127"/>
+                      </a:endParaRPr>
+                    </a:p>
+                  </a:txBody>
+                  <a:tcPr/>
+                </a:tc>
+                <a:tc>
+                  <a:txBody>
+                    <a:bodyPr/>
+                    <a:lstStyle/>
+                    <a:p>
+                      <a:pPr algn="ctr"/>
+                      <a:r>
+                        <a:rPr lang="en-US" altLang="ko-Kore-KR" sz="1000" dirty="0">
+                          <a:latin typeface="SHeadG" panose="02030600000101010101" pitchFamily="18" charset="-127"/>
+                          <a:ea typeface="SHeadG" panose="02030600000101010101" pitchFamily="18" charset="-127"/>
+                        </a:rPr>
+                        <a:t>X</a:t>
+                      </a:r>
+                      <a:endParaRPr lang="ko-Kore-KR" altLang="en-US" sz="1000" dirty="0">
+                        <a:latin typeface="SHeadG" panose="02030600000101010101" pitchFamily="18" charset="-127"/>
+                        <a:ea typeface="SHeadG" panose="02030600000101010101" pitchFamily="18" charset="-127"/>
+                      </a:endParaRPr>
+                    </a:p>
+                  </a:txBody>
+                  <a:tcPr/>
+                </a:tc>
+                <a:extLst>
+                  <a:ext uri="{0D108BD9-81ED-4DB2-BD59-A6C34878D82A}">
+                    <a16:rowId xmlns:a16="http://schemas.microsoft.com/office/drawing/2014/main" val="4185569470"/>
+                  </a:ext>
+                </a:extLst>
+              </a:tr>
+            </a:tbl>
+          </a:graphicData>
+        </a:graphic>
+      </p:graphicFrame>
+      <p:sp>
+        <p:nvSpPr>
+          <p:cNvPr id="25" name="TextBox 24">
+            <a:extLst>
+              <a:ext uri="{FF2B5EF4-FFF2-40B4-BE49-F238E27FC236}">
+                <a16:creationId xmlns:a16="http://schemas.microsoft.com/office/drawing/2014/main" id="{AB7AC5EB-058F-984E-8A20-9E070A7D6E70}"/>
+              </a:ext>
+            </a:extLst>
+          </p:cNvPr>
+          <p:cNvSpPr txBox="1"/>
+          <p:nvPr/>
+        </p:nvSpPr>
+        <p:spPr>
+          <a:xfrm>
+            <a:off x="1944478" y="2950231"/>
+            <a:ext cx="2842352" cy="400110"/>
+          </a:xfrm>
+          <a:prstGeom prst="rect">
+            <a:avLst/>
+          </a:prstGeom>
+          <a:noFill/>
+        </p:spPr>
+        <p:txBody>
+          <a:bodyPr wrap="square" rtlCol="0">
+            <a:spAutoFit/>
+          </a:bodyPr>
+          <a:lstStyle/>
+          <a:p>
+            <a:pPr algn="ctr"/>
+            <a:r>
+              <a:rPr kumimoji="1" lang="en-US" altLang="ko-Kore-KR" sz="2000" b="1" dirty="0">
+                <a:solidFill>
+                  <a:srgbClr val="5DA2C5"/>
+                </a:solidFill>
+                <a:latin typeface="SHeadG" panose="02030600000101010101" pitchFamily="18" charset="-127"/>
+                <a:ea typeface="SHeadG" panose="02030600000101010101" pitchFamily="18" charset="-127"/>
+              </a:rPr>
+              <a:t>name field</a:t>
+            </a:r>
+            <a:endParaRPr kumimoji="1" lang="ko-Kore-KR" altLang="en-US" sz="2000" b="1" dirty="0">
+              <a:solidFill>
+                <a:srgbClr val="5DA2C5"/>
+              </a:solidFill>
+              <a:latin typeface="SHeadG" panose="02030600000101010101" pitchFamily="18" charset="-127"/>
+              <a:ea typeface="SHeadG" panose="02030600000101010101" pitchFamily="18" charset="-127"/>
+            </a:endParaRPr>
+          </a:p>
+        </p:txBody>
+      </p:sp>
+      <p:sp>
+        <p:nvSpPr>
+          <p:cNvPr id="26" name="TextBox 25">
+            <a:extLst>
+              <a:ext uri="{FF2B5EF4-FFF2-40B4-BE49-F238E27FC236}">
+                <a16:creationId xmlns:a16="http://schemas.microsoft.com/office/drawing/2014/main" id="{232FCBE1-7D90-6F44-B52D-321B0E1C0EF0}"/>
+              </a:ext>
+            </a:extLst>
+          </p:cNvPr>
+          <p:cNvSpPr txBox="1"/>
+          <p:nvPr/>
+        </p:nvSpPr>
+        <p:spPr>
+          <a:xfrm>
+            <a:off x="7081532" y="2950231"/>
+            <a:ext cx="2842352" cy="400110"/>
+          </a:xfrm>
+          <a:prstGeom prst="rect">
+            <a:avLst/>
+          </a:prstGeom>
+          <a:noFill/>
+        </p:spPr>
+        <p:txBody>
+          <a:bodyPr wrap="square" rtlCol="0">
+            <a:spAutoFit/>
+          </a:bodyPr>
+          <a:lstStyle/>
+          <a:p>
+            <a:pPr algn="ctr"/>
+            <a:r>
+              <a:rPr kumimoji="1" lang="en-US" altLang="ko-Kore-KR" sz="2000" b="1" dirty="0">
+                <a:solidFill>
+                  <a:srgbClr val="5DA2C5"/>
+                </a:solidFill>
+                <a:latin typeface="SHeadG" panose="02030600000101010101" pitchFamily="18" charset="-127"/>
+                <a:ea typeface="SHeadG" panose="02030600000101010101" pitchFamily="18" charset="-127"/>
+              </a:rPr>
+              <a:t>description field</a:t>
+            </a:r>
+            <a:endParaRPr kumimoji="1" lang="ko-Kore-KR" altLang="en-US" sz="2000" b="1" dirty="0">
+              <a:solidFill>
+                <a:srgbClr val="5DA2C5"/>
+              </a:solidFill>
+              <a:latin typeface="SHeadG" panose="02030600000101010101" pitchFamily="18" charset="-127"/>
+              <a:ea typeface="SHeadG" panose="02030600000101010101" pitchFamily="18" charset="-127"/>
+            </a:endParaRPr>
+          </a:p>
+        </p:txBody>
+      </p:sp>
+    </p:spTree>
+    <p:extLst>
+      <p:ext uri="{BB962C8B-B14F-4D97-AF65-F5344CB8AC3E}">
+        <p14:creationId xmlns:p14="http://schemas.microsoft.com/office/powerpoint/2010/main" val="2925421503"/>
       </p:ext>
     </p:extLst>
   </p:cSld>

--- a/complete-guide-to-elasticsearch/프레젠테이션1.pptx
+++ b/complete-guide-to-elasticsearch/프레젠테이션1.pptx
@@ -17,6 +17,9 @@
     <p:sldId id="281" r:id="rId11"/>
     <p:sldId id="282" r:id="rId12"/>
     <p:sldId id="283" r:id="rId13"/>
+    <p:sldId id="284" r:id="rId14"/>
+    <p:sldId id="285" r:id="rId15"/>
+    <p:sldId id="286" r:id="rId16"/>
   </p:sldIdLst>
   <p:sldSz cx="12192000" cy="6858000"/>
   <p:notesSz cx="6858000" cy="9144000"/>
@@ -254,7 +257,7 @@
           <a:p>
             <a:fld id="{3083E1A9-A397-4745-BD5D-6E8E767939EE}" type="datetimeFigureOut">
               <a:rPr kumimoji="1" lang="ko-Kore-KR" altLang="en-US" smtClean="0"/>
-              <a:t>2022. 8. 16.</a:t>
+              <a:t>2022. 8. 17.</a:t>
             </a:fld>
             <a:endParaRPr kumimoji="1" lang="ko-Kore-KR" altLang="en-US"/>
           </a:p>
@@ -424,7 +427,7 @@
           <a:p>
             <a:fld id="{3083E1A9-A397-4745-BD5D-6E8E767939EE}" type="datetimeFigureOut">
               <a:rPr kumimoji="1" lang="ko-Kore-KR" altLang="en-US" smtClean="0"/>
-              <a:t>2022. 8. 16.</a:t>
+              <a:t>2022. 8. 17.</a:t>
             </a:fld>
             <a:endParaRPr kumimoji="1" lang="ko-Kore-KR" altLang="en-US"/>
           </a:p>
@@ -604,7 +607,7 @@
           <a:p>
             <a:fld id="{3083E1A9-A397-4745-BD5D-6E8E767939EE}" type="datetimeFigureOut">
               <a:rPr kumimoji="1" lang="ko-Kore-KR" altLang="en-US" smtClean="0"/>
-              <a:t>2022. 8. 16.</a:t>
+              <a:t>2022. 8. 17.</a:t>
             </a:fld>
             <a:endParaRPr kumimoji="1" lang="ko-Kore-KR" altLang="en-US"/>
           </a:p>
@@ -774,7 +777,7 @@
           <a:p>
             <a:fld id="{3083E1A9-A397-4745-BD5D-6E8E767939EE}" type="datetimeFigureOut">
               <a:rPr kumimoji="1" lang="ko-Kore-KR" altLang="en-US" smtClean="0"/>
-              <a:t>2022. 8. 16.</a:t>
+              <a:t>2022. 8. 17.</a:t>
             </a:fld>
             <a:endParaRPr kumimoji="1" lang="ko-Kore-KR" altLang="en-US"/>
           </a:p>
@@ -1020,7 +1023,7 @@
           <a:p>
             <a:fld id="{3083E1A9-A397-4745-BD5D-6E8E767939EE}" type="datetimeFigureOut">
               <a:rPr kumimoji="1" lang="ko-Kore-KR" altLang="en-US" smtClean="0"/>
-              <a:t>2022. 8. 16.</a:t>
+              <a:t>2022. 8. 17.</a:t>
             </a:fld>
             <a:endParaRPr kumimoji="1" lang="ko-Kore-KR" altLang="en-US"/>
           </a:p>
@@ -1252,7 +1255,7 @@
           <a:p>
             <a:fld id="{3083E1A9-A397-4745-BD5D-6E8E767939EE}" type="datetimeFigureOut">
               <a:rPr kumimoji="1" lang="ko-Kore-KR" altLang="en-US" smtClean="0"/>
-              <a:t>2022. 8. 16.</a:t>
+              <a:t>2022. 8. 17.</a:t>
             </a:fld>
             <a:endParaRPr kumimoji="1" lang="ko-Kore-KR" altLang="en-US"/>
           </a:p>
@@ -1619,7 +1622,7 @@
           <a:p>
             <a:fld id="{3083E1A9-A397-4745-BD5D-6E8E767939EE}" type="datetimeFigureOut">
               <a:rPr kumimoji="1" lang="ko-Kore-KR" altLang="en-US" smtClean="0"/>
-              <a:t>2022. 8. 16.</a:t>
+              <a:t>2022. 8. 17.</a:t>
             </a:fld>
             <a:endParaRPr kumimoji="1" lang="ko-Kore-KR" altLang="en-US"/>
           </a:p>
@@ -1737,7 +1740,7 @@
           <a:p>
             <a:fld id="{3083E1A9-A397-4745-BD5D-6E8E767939EE}" type="datetimeFigureOut">
               <a:rPr kumimoji="1" lang="ko-Kore-KR" altLang="en-US" smtClean="0"/>
-              <a:t>2022. 8. 16.</a:t>
+              <a:t>2022. 8. 17.</a:t>
             </a:fld>
             <a:endParaRPr kumimoji="1" lang="ko-Kore-KR" altLang="en-US"/>
           </a:p>
@@ -1832,7 +1835,7 @@
           <a:p>
             <a:fld id="{3083E1A9-A397-4745-BD5D-6E8E767939EE}" type="datetimeFigureOut">
               <a:rPr kumimoji="1" lang="ko-Kore-KR" altLang="en-US" smtClean="0"/>
-              <a:t>2022. 8. 16.</a:t>
+              <a:t>2022. 8. 17.</a:t>
             </a:fld>
             <a:endParaRPr kumimoji="1" lang="ko-Kore-KR" altLang="en-US"/>
           </a:p>
@@ -2109,7 +2112,7 @@
           <a:p>
             <a:fld id="{3083E1A9-A397-4745-BD5D-6E8E767939EE}" type="datetimeFigureOut">
               <a:rPr kumimoji="1" lang="ko-Kore-KR" altLang="en-US" smtClean="0"/>
-              <a:t>2022. 8. 16.</a:t>
+              <a:t>2022. 8. 17.</a:t>
             </a:fld>
             <a:endParaRPr kumimoji="1" lang="ko-Kore-KR" altLang="en-US"/>
           </a:p>
@@ -2366,7 +2369,7 @@
           <a:p>
             <a:fld id="{3083E1A9-A397-4745-BD5D-6E8E767939EE}" type="datetimeFigureOut">
               <a:rPr kumimoji="1" lang="ko-Kore-KR" altLang="en-US" smtClean="0"/>
-              <a:t>2022. 8. 16.</a:t>
+              <a:t>2022. 8. 17.</a:t>
             </a:fld>
             <a:endParaRPr kumimoji="1" lang="ko-Kore-KR" altLang="en-US"/>
           </a:p>
@@ -2579,7 +2582,7 @@
           <a:p>
             <a:fld id="{3083E1A9-A397-4745-BD5D-6E8E767939EE}" type="datetimeFigureOut">
               <a:rPr kumimoji="1" lang="ko-Kore-KR" altLang="en-US" smtClean="0"/>
-              <a:t>2022. 8. 16.</a:t>
+              <a:t>2022. 8. 17.</a:t>
             </a:fld>
             <a:endParaRPr kumimoji="1" lang="ko-Kore-KR" altLang="en-US"/>
           </a:p>
@@ -8068,6 +8071,3492 @@
     <p:extLst>
       <p:ext uri="{BB962C8B-B14F-4D97-AF65-F5344CB8AC3E}">
         <p14:creationId xmlns:p14="http://schemas.microsoft.com/office/powerpoint/2010/main" val="2925421503"/>
+      </p:ext>
+    </p:extLst>
+  </p:cSld>
+  <p:clrMapOvr>
+    <a:masterClrMapping/>
+  </p:clrMapOvr>
+</p:sld>
+</file>
+
+<file path=ppt/slides/slide13.xml><?xml version="1.0" encoding="utf-8"?>
+<p:sld xmlns:a="http://schemas.openxmlformats.org/drawingml/2006/main" xmlns:r="http://schemas.openxmlformats.org/officeDocument/2006/relationships" xmlns:p="http://schemas.openxmlformats.org/presentationml/2006/main">
+  <p:cSld>
+    <p:spTree>
+      <p:nvGrpSpPr>
+        <p:cNvPr id="1" name=""/>
+        <p:cNvGrpSpPr/>
+        <p:nvPr/>
+      </p:nvGrpSpPr>
+      <p:grpSpPr>
+        <a:xfrm>
+          <a:off x="0" y="0"/>
+          <a:ext cx="0" cy="0"/>
+          <a:chOff x="0" y="0"/>
+          <a:chExt cx="0" cy="0"/>
+        </a:xfrm>
+      </p:grpSpPr>
+      <p:grpSp>
+        <p:nvGrpSpPr>
+          <p:cNvPr id="4" name="그룹 3">
+            <a:extLst>
+              <a:ext uri="{FF2B5EF4-FFF2-40B4-BE49-F238E27FC236}">
+                <a16:creationId xmlns:a16="http://schemas.microsoft.com/office/drawing/2014/main" id="{7B5985E9-852B-4B43-A210-A980E35803F9}"/>
+              </a:ext>
+            </a:extLst>
+          </p:cNvPr>
+          <p:cNvGrpSpPr/>
+          <p:nvPr/>
+        </p:nvGrpSpPr>
+        <p:grpSpPr>
+          <a:xfrm>
+            <a:off x="1287101" y="177261"/>
+            <a:ext cx="4175394" cy="2410491"/>
+            <a:chOff x="848299" y="903383"/>
+            <a:chExt cx="4175394" cy="2410491"/>
+          </a:xfrm>
+        </p:grpSpPr>
+        <p:sp>
+          <p:nvSpPr>
+            <p:cNvPr id="3" name="직사각형 2">
+              <a:extLst>
+                <a:ext uri="{FF2B5EF4-FFF2-40B4-BE49-F238E27FC236}">
+                  <a16:creationId xmlns:a16="http://schemas.microsoft.com/office/drawing/2014/main" id="{46B3667A-0320-2047-AF16-1F02F71F64B9}"/>
+                </a:ext>
+              </a:extLst>
+            </p:cNvPr>
+            <p:cNvSpPr/>
+            <p:nvPr/>
+          </p:nvSpPr>
+          <p:spPr>
+            <a:xfrm>
+              <a:off x="848299" y="903383"/>
+              <a:ext cx="4175394" cy="2410491"/>
+            </a:xfrm>
+            <a:prstGeom prst="rect">
+              <a:avLst/>
+            </a:prstGeom>
+            <a:noFill/>
+            <a:ln w="25400">
+              <a:solidFill>
+                <a:srgbClr val="5DA2C5"/>
+              </a:solidFill>
+            </a:ln>
+          </p:spPr>
+          <p:style>
+            <a:lnRef idx="2">
+              <a:schemeClr val="accent1">
+                <a:shade val="50000"/>
+              </a:schemeClr>
+            </a:lnRef>
+            <a:fillRef idx="1">
+              <a:schemeClr val="accent1"/>
+            </a:fillRef>
+            <a:effectRef idx="0">
+              <a:schemeClr val="accent1"/>
+            </a:effectRef>
+            <a:fontRef idx="minor">
+              <a:schemeClr val="lt1"/>
+            </a:fontRef>
+          </p:style>
+          <p:txBody>
+            <a:bodyPr rtlCol="0" anchor="ctr"/>
+            <a:lstStyle/>
+            <a:p>
+              <a:pPr algn="ctr"/>
+              <a:endParaRPr kumimoji="1" lang="ko-Kore-KR" altLang="en-US"/>
+            </a:p>
+          </p:txBody>
+        </p:sp>
+        <p:sp>
+          <p:nvSpPr>
+            <p:cNvPr id="17" name="TextBox 16">
+              <a:extLst>
+                <a:ext uri="{FF2B5EF4-FFF2-40B4-BE49-F238E27FC236}">
+                  <a16:creationId xmlns:a16="http://schemas.microsoft.com/office/drawing/2014/main" id="{E7FE50D7-1962-9444-8FA5-A4363E6D77C8}"/>
+                </a:ext>
+              </a:extLst>
+            </p:cNvPr>
+            <p:cNvSpPr txBox="1"/>
+            <p:nvPr/>
+          </p:nvSpPr>
+          <p:spPr>
+            <a:xfrm>
+              <a:off x="1007566" y="1071869"/>
+              <a:ext cx="3910988" cy="2123658"/>
+            </a:xfrm>
+            <a:prstGeom prst="rect">
+              <a:avLst/>
+            </a:prstGeom>
+            <a:noFill/>
+          </p:spPr>
+          <p:txBody>
+            <a:bodyPr wrap="square" rtlCol="0">
+              <a:spAutoFit/>
+            </a:bodyPr>
+            <a:lstStyle/>
+            <a:p>
+              <a:r>
+                <a:rPr kumimoji="1" lang="en-US" altLang="ko-Kore-KR" sz="1200" dirty="0">
+                  <a:solidFill>
+                    <a:srgbClr val="5DA2C5"/>
+                  </a:solidFill>
+                  <a:latin typeface="SHeadG" panose="02030600000101010101" pitchFamily="18" charset="-127"/>
+                  <a:ea typeface="SHeadG" panose="02030600000101010101" pitchFamily="18" charset="-127"/>
+                </a:rPr>
+                <a:t>{</a:t>
+              </a:r>
+            </a:p>
+            <a:p>
+              <a:r>
+                <a:rPr kumimoji="1" lang="ko-KR" altLang="en-US" sz="1200" dirty="0">
+                  <a:solidFill>
+                    <a:srgbClr val="5DA2C5"/>
+                  </a:solidFill>
+                  <a:latin typeface="SHeadG" panose="02030600000101010101" pitchFamily="18" charset="-127"/>
+                  <a:ea typeface="SHeadG" panose="02030600000101010101" pitchFamily="18" charset="-127"/>
+                </a:rPr>
+                <a:t>  </a:t>
+              </a:r>
+              <a:r>
+                <a:rPr kumimoji="1" lang="en-US" altLang="ko-KR" sz="1200" dirty="0">
+                  <a:solidFill>
+                    <a:srgbClr val="5DA2C5"/>
+                  </a:solidFill>
+                  <a:latin typeface="SHeadG" panose="02030600000101010101" pitchFamily="18" charset="-127"/>
+                  <a:ea typeface="SHeadG" panose="02030600000101010101" pitchFamily="18" charset="-127"/>
+                </a:rPr>
+                <a:t>“name”: “Coffee Maker”,</a:t>
+              </a:r>
+            </a:p>
+            <a:p>
+              <a:r>
+                <a:rPr kumimoji="1" lang="en-US" altLang="ko-Kore-KR" sz="1200" dirty="0">
+                  <a:solidFill>
+                    <a:srgbClr val="5DA2C5"/>
+                  </a:solidFill>
+                  <a:latin typeface="SHeadG" panose="02030600000101010101" pitchFamily="18" charset="-127"/>
+                  <a:ea typeface="SHeadG" panose="02030600000101010101" pitchFamily="18" charset="-127"/>
+                </a:rPr>
+                <a:t>  “description”: “Makes coffee super fast!”,</a:t>
+              </a:r>
+            </a:p>
+            <a:p>
+              <a:r>
+                <a:rPr kumimoji="1" lang="en-US" altLang="ko-Kore-KR" sz="1200" dirty="0">
+                  <a:solidFill>
+                    <a:srgbClr val="5DA2C5"/>
+                  </a:solidFill>
+                  <a:latin typeface="SHeadG" panose="02030600000101010101" pitchFamily="18" charset="-127"/>
+                  <a:ea typeface="SHeadG" panose="02030600000101010101" pitchFamily="18" charset="-127"/>
+                </a:rPr>
+                <a:t>  “price”: 64,</a:t>
+              </a:r>
+            </a:p>
+            <a:p>
+              <a:r>
+                <a:rPr kumimoji="1" lang="en-US" altLang="ko-Kore-KR" sz="1200" dirty="0">
+                  <a:solidFill>
+                    <a:srgbClr val="5DA2C5"/>
+                  </a:solidFill>
+                  <a:latin typeface="SHeadG" panose="02030600000101010101" pitchFamily="18" charset="-127"/>
+                  <a:ea typeface="SHeadG" panose="02030600000101010101" pitchFamily="18" charset="-127"/>
+                </a:rPr>
+                <a:t>  “</a:t>
+              </a:r>
+              <a:r>
+                <a:rPr kumimoji="1" lang="en-US" altLang="ko-Kore-KR" sz="1200" dirty="0" err="1">
+                  <a:solidFill>
+                    <a:srgbClr val="5DA2C5"/>
+                  </a:solidFill>
+                  <a:latin typeface="SHeadG" panose="02030600000101010101" pitchFamily="18" charset="-127"/>
+                  <a:ea typeface="SHeadG" panose="02030600000101010101" pitchFamily="18" charset="-127"/>
+                </a:rPr>
+                <a:t>in_stock</a:t>
+              </a:r>
+              <a:r>
+                <a:rPr kumimoji="1" lang="en-US" altLang="ko-Kore-KR" sz="1200" dirty="0">
+                  <a:solidFill>
+                    <a:srgbClr val="5DA2C5"/>
+                  </a:solidFill>
+                  <a:latin typeface="SHeadG" panose="02030600000101010101" pitchFamily="18" charset="-127"/>
+                  <a:ea typeface="SHeadG" panose="02030600000101010101" pitchFamily="18" charset="-127"/>
+                </a:rPr>
+                <a:t>”: 10,</a:t>
+              </a:r>
+            </a:p>
+            <a:p>
+              <a:r>
+                <a:rPr kumimoji="1" lang="en-US" altLang="ko-Kore-KR" sz="1200" dirty="0">
+                  <a:solidFill>
+                    <a:srgbClr val="5DA2C5"/>
+                  </a:solidFill>
+                  <a:latin typeface="SHeadG" panose="02030600000101010101" pitchFamily="18" charset="-127"/>
+                  <a:ea typeface="SHeadG" panose="02030600000101010101" pitchFamily="18" charset="-127"/>
+                </a:rPr>
+                <a:t>  “</a:t>
+              </a:r>
+              <a:r>
+                <a:rPr kumimoji="1" lang="en-US" altLang="ko-Kore-KR" sz="1200" dirty="0" err="1">
+                  <a:solidFill>
+                    <a:srgbClr val="5DA2C5"/>
+                  </a:solidFill>
+                  <a:latin typeface="SHeadG" panose="02030600000101010101" pitchFamily="18" charset="-127"/>
+                  <a:ea typeface="SHeadG" panose="02030600000101010101" pitchFamily="18" charset="-127"/>
+                </a:rPr>
+                <a:t>created_at</a:t>
+              </a:r>
+              <a:r>
+                <a:rPr kumimoji="1" lang="en-US" altLang="ko-Kore-KR" sz="1200" dirty="0">
+                  <a:solidFill>
+                    <a:srgbClr val="5DA2C5"/>
+                  </a:solidFill>
+                  <a:latin typeface="SHeadG" panose="02030600000101010101" pitchFamily="18" charset="-127"/>
+                  <a:ea typeface="SHeadG" panose="02030600000101010101" pitchFamily="18" charset="-127"/>
+                </a:rPr>
+                <a:t>”: “2009-11-08T14:21:51Z”</a:t>
+              </a:r>
+              <a:r>
+                <a:rPr kumimoji="1" lang="en-US" altLang="ko-KR" sz="1200" dirty="0">
+                  <a:solidFill>
+                    <a:srgbClr val="5DA2C5"/>
+                  </a:solidFill>
+                  <a:latin typeface="SHeadG" panose="02030600000101010101" pitchFamily="18" charset="-127"/>
+                  <a:ea typeface="SHeadG" panose="02030600000101010101" pitchFamily="18" charset="-127"/>
+                </a:rPr>
+                <a:t>,</a:t>
+              </a:r>
+            </a:p>
+            <a:p>
+              <a:r>
+                <a:rPr kumimoji="1" lang="ko-KR" altLang="en-US" sz="1200" dirty="0">
+                  <a:solidFill>
+                    <a:srgbClr val="5DA2C5"/>
+                  </a:solidFill>
+                  <a:latin typeface="SHeadG" panose="02030600000101010101" pitchFamily="18" charset="-127"/>
+                  <a:ea typeface="SHeadG" panose="02030600000101010101" pitchFamily="18" charset="-127"/>
+                </a:rPr>
+                <a:t>  </a:t>
+              </a:r>
+              <a:r>
+                <a:rPr kumimoji="1" lang="en-US" altLang="ko-KR" sz="1200" dirty="0">
+                  <a:solidFill>
+                    <a:srgbClr val="5DA2C5"/>
+                  </a:solidFill>
+                  <a:latin typeface="SHeadG" panose="02030600000101010101" pitchFamily="18" charset="-127"/>
+                  <a:ea typeface="SHeadG" panose="02030600000101010101" pitchFamily="18" charset="-127"/>
+                </a:rPr>
+                <a:t>“manufacturer”: {</a:t>
+              </a:r>
+            </a:p>
+            <a:p>
+              <a:r>
+                <a:rPr kumimoji="1" lang="en-US" altLang="ko-KR" sz="1200" dirty="0">
+                  <a:solidFill>
+                    <a:srgbClr val="5DA2C5"/>
+                  </a:solidFill>
+                  <a:latin typeface="SHeadG" panose="02030600000101010101" pitchFamily="18" charset="-127"/>
+                  <a:ea typeface="SHeadG" panose="02030600000101010101" pitchFamily="18" charset="-127"/>
+                </a:rPr>
+                <a:t>     “name”: “Nespresso”,</a:t>
+              </a:r>
+            </a:p>
+            <a:p>
+              <a:r>
+                <a:rPr kumimoji="1" lang="en-US" altLang="ko-KR" sz="1200" dirty="0">
+                  <a:solidFill>
+                    <a:srgbClr val="5DA2C5"/>
+                  </a:solidFill>
+                  <a:latin typeface="SHeadG" panose="02030600000101010101" pitchFamily="18" charset="-127"/>
+                  <a:ea typeface="SHeadG" panose="02030600000101010101" pitchFamily="18" charset="-127"/>
+                </a:rPr>
+                <a:t>     “country”: “Switzerland”</a:t>
+              </a:r>
+            </a:p>
+            <a:p>
+              <a:r>
+                <a:rPr kumimoji="1" lang="en-US" altLang="ko-KR" sz="1200" dirty="0">
+                  <a:solidFill>
+                    <a:srgbClr val="5DA2C5"/>
+                  </a:solidFill>
+                  <a:latin typeface="SHeadG" panose="02030600000101010101" pitchFamily="18" charset="-127"/>
+                  <a:ea typeface="SHeadG" panose="02030600000101010101" pitchFamily="18" charset="-127"/>
+                </a:rPr>
+                <a:t>   }</a:t>
+              </a:r>
+              <a:endParaRPr kumimoji="1" lang="en-US" altLang="ko-Kore-KR" sz="1200" dirty="0">
+                <a:solidFill>
+                  <a:srgbClr val="5DA2C5"/>
+                </a:solidFill>
+                <a:latin typeface="SHeadG" panose="02030600000101010101" pitchFamily="18" charset="-127"/>
+                <a:ea typeface="SHeadG" panose="02030600000101010101" pitchFamily="18" charset="-127"/>
+              </a:endParaRPr>
+            </a:p>
+            <a:p>
+              <a:r>
+                <a:rPr kumimoji="1" lang="en-US" altLang="ko-KR" sz="1200" dirty="0">
+                  <a:solidFill>
+                    <a:srgbClr val="5DA2C5"/>
+                  </a:solidFill>
+                  <a:latin typeface="SHeadG" panose="02030600000101010101" pitchFamily="18" charset="-127"/>
+                  <a:ea typeface="SHeadG" panose="02030600000101010101" pitchFamily="18" charset="-127"/>
+                </a:rPr>
+                <a:t>}</a:t>
+              </a:r>
+              <a:endParaRPr kumimoji="1" lang="ko-Kore-KR" altLang="en-US" sz="1200" dirty="0">
+                <a:solidFill>
+                  <a:srgbClr val="5DA2C5"/>
+                </a:solidFill>
+                <a:latin typeface="SHeadG" panose="02030600000101010101" pitchFamily="18" charset="-127"/>
+                <a:ea typeface="SHeadG" panose="02030600000101010101" pitchFamily="18" charset="-127"/>
+              </a:endParaRPr>
+            </a:p>
+          </p:txBody>
+        </p:sp>
+      </p:grpSp>
+      <p:grpSp>
+        <p:nvGrpSpPr>
+          <p:cNvPr id="12" name="그룹 11">
+            <a:extLst>
+              <a:ext uri="{FF2B5EF4-FFF2-40B4-BE49-F238E27FC236}">
+                <a16:creationId xmlns:a16="http://schemas.microsoft.com/office/drawing/2014/main" id="{CEDED13B-9F73-964C-9BFE-08B52B58C3A3}"/>
+              </a:ext>
+            </a:extLst>
+          </p:cNvPr>
+          <p:cNvGrpSpPr/>
+          <p:nvPr/>
+        </p:nvGrpSpPr>
+        <p:grpSpPr>
+          <a:xfrm>
+            <a:off x="6747793" y="177260"/>
+            <a:ext cx="4175394" cy="2410491"/>
+            <a:chOff x="848299" y="903383"/>
+            <a:chExt cx="4175394" cy="2410491"/>
+          </a:xfrm>
+        </p:grpSpPr>
+        <p:sp>
+          <p:nvSpPr>
+            <p:cNvPr id="13" name="직사각형 12">
+              <a:extLst>
+                <a:ext uri="{FF2B5EF4-FFF2-40B4-BE49-F238E27FC236}">
+                  <a16:creationId xmlns:a16="http://schemas.microsoft.com/office/drawing/2014/main" id="{79C5369B-68DA-5446-97FB-CABDD9571E54}"/>
+                </a:ext>
+              </a:extLst>
+            </p:cNvPr>
+            <p:cNvSpPr/>
+            <p:nvPr/>
+          </p:nvSpPr>
+          <p:spPr>
+            <a:xfrm>
+              <a:off x="848299" y="903383"/>
+              <a:ext cx="4175394" cy="2410491"/>
+            </a:xfrm>
+            <a:prstGeom prst="rect">
+              <a:avLst/>
+            </a:prstGeom>
+            <a:noFill/>
+            <a:ln w="25400">
+              <a:solidFill>
+                <a:srgbClr val="5DA2C5"/>
+              </a:solidFill>
+            </a:ln>
+          </p:spPr>
+          <p:style>
+            <a:lnRef idx="2">
+              <a:schemeClr val="accent1">
+                <a:shade val="50000"/>
+              </a:schemeClr>
+            </a:lnRef>
+            <a:fillRef idx="1">
+              <a:schemeClr val="accent1"/>
+            </a:fillRef>
+            <a:effectRef idx="0">
+              <a:schemeClr val="accent1"/>
+            </a:effectRef>
+            <a:fontRef idx="minor">
+              <a:schemeClr val="lt1"/>
+            </a:fontRef>
+          </p:style>
+          <p:txBody>
+            <a:bodyPr rtlCol="0" anchor="ctr"/>
+            <a:lstStyle/>
+            <a:p>
+              <a:pPr algn="ctr"/>
+              <a:endParaRPr kumimoji="1" lang="ko-Kore-KR" altLang="en-US"/>
+            </a:p>
+          </p:txBody>
+        </p:sp>
+        <p:sp>
+          <p:nvSpPr>
+            <p:cNvPr id="14" name="TextBox 13">
+              <a:extLst>
+                <a:ext uri="{FF2B5EF4-FFF2-40B4-BE49-F238E27FC236}">
+                  <a16:creationId xmlns:a16="http://schemas.microsoft.com/office/drawing/2014/main" id="{372CCC6B-9F6C-254A-B362-150204B8CFDA}"/>
+                </a:ext>
+              </a:extLst>
+            </p:cNvPr>
+            <p:cNvSpPr txBox="1"/>
+            <p:nvPr/>
+          </p:nvSpPr>
+          <p:spPr>
+            <a:xfrm>
+              <a:off x="1007566" y="1071869"/>
+              <a:ext cx="3910988" cy="1754326"/>
+            </a:xfrm>
+            <a:prstGeom prst="rect">
+              <a:avLst/>
+            </a:prstGeom>
+            <a:noFill/>
+          </p:spPr>
+          <p:txBody>
+            <a:bodyPr wrap="square" rtlCol="0">
+              <a:spAutoFit/>
+            </a:bodyPr>
+            <a:lstStyle/>
+            <a:p>
+              <a:r>
+                <a:rPr kumimoji="1" lang="en-US" altLang="ko-Kore-KR" sz="1200" dirty="0">
+                  <a:solidFill>
+                    <a:srgbClr val="5DA2C5"/>
+                  </a:solidFill>
+                  <a:latin typeface="SHeadG" panose="02030600000101010101" pitchFamily="18" charset="-127"/>
+                  <a:ea typeface="SHeadG" panose="02030600000101010101" pitchFamily="18" charset="-127"/>
+                </a:rPr>
+                <a:t>{</a:t>
+              </a:r>
+            </a:p>
+            <a:p>
+              <a:r>
+                <a:rPr kumimoji="1" lang="ko-KR" altLang="en-US" sz="1200" dirty="0">
+                  <a:solidFill>
+                    <a:srgbClr val="5DA2C5"/>
+                  </a:solidFill>
+                  <a:latin typeface="SHeadG" panose="02030600000101010101" pitchFamily="18" charset="-127"/>
+                  <a:ea typeface="SHeadG" panose="02030600000101010101" pitchFamily="18" charset="-127"/>
+                </a:rPr>
+                <a:t>  </a:t>
+              </a:r>
+              <a:r>
+                <a:rPr kumimoji="1" lang="en-US" altLang="ko-KR" sz="1200" dirty="0">
+                  <a:solidFill>
+                    <a:srgbClr val="5DA2C5"/>
+                  </a:solidFill>
+                  <a:latin typeface="SHeadG" panose="02030600000101010101" pitchFamily="18" charset="-127"/>
+                  <a:ea typeface="SHeadG" panose="02030600000101010101" pitchFamily="18" charset="-127"/>
+                </a:rPr>
+                <a:t>“name”: “Coffee Maker”,</a:t>
+              </a:r>
+            </a:p>
+            <a:p>
+              <a:r>
+                <a:rPr kumimoji="1" lang="en-US" altLang="ko-Kore-KR" sz="1200" dirty="0">
+                  <a:solidFill>
+                    <a:srgbClr val="5DA2C5"/>
+                  </a:solidFill>
+                  <a:latin typeface="SHeadG" panose="02030600000101010101" pitchFamily="18" charset="-127"/>
+                  <a:ea typeface="SHeadG" panose="02030600000101010101" pitchFamily="18" charset="-127"/>
+                </a:rPr>
+                <a:t>  “description”: “Makes coffee super fast!”,</a:t>
+              </a:r>
+            </a:p>
+            <a:p>
+              <a:r>
+                <a:rPr kumimoji="1" lang="en-US" altLang="ko-Kore-KR" sz="1200" dirty="0">
+                  <a:solidFill>
+                    <a:srgbClr val="5DA2C5"/>
+                  </a:solidFill>
+                  <a:latin typeface="SHeadG" panose="02030600000101010101" pitchFamily="18" charset="-127"/>
+                  <a:ea typeface="SHeadG" panose="02030600000101010101" pitchFamily="18" charset="-127"/>
+                </a:rPr>
+                <a:t>  “price”: 64,</a:t>
+              </a:r>
+            </a:p>
+            <a:p>
+              <a:r>
+                <a:rPr kumimoji="1" lang="en-US" altLang="ko-Kore-KR" sz="1200" dirty="0">
+                  <a:solidFill>
+                    <a:srgbClr val="5DA2C5"/>
+                  </a:solidFill>
+                  <a:latin typeface="SHeadG" panose="02030600000101010101" pitchFamily="18" charset="-127"/>
+                  <a:ea typeface="SHeadG" panose="02030600000101010101" pitchFamily="18" charset="-127"/>
+                </a:rPr>
+                <a:t>  “</a:t>
+              </a:r>
+              <a:r>
+                <a:rPr kumimoji="1" lang="en-US" altLang="ko-Kore-KR" sz="1200" dirty="0" err="1">
+                  <a:solidFill>
+                    <a:srgbClr val="5DA2C5"/>
+                  </a:solidFill>
+                  <a:latin typeface="SHeadG" panose="02030600000101010101" pitchFamily="18" charset="-127"/>
+                  <a:ea typeface="SHeadG" panose="02030600000101010101" pitchFamily="18" charset="-127"/>
+                </a:rPr>
+                <a:t>in_stock</a:t>
+              </a:r>
+              <a:r>
+                <a:rPr kumimoji="1" lang="en-US" altLang="ko-Kore-KR" sz="1200" dirty="0">
+                  <a:solidFill>
+                    <a:srgbClr val="5DA2C5"/>
+                  </a:solidFill>
+                  <a:latin typeface="SHeadG" panose="02030600000101010101" pitchFamily="18" charset="-127"/>
+                  <a:ea typeface="SHeadG" panose="02030600000101010101" pitchFamily="18" charset="-127"/>
+                </a:rPr>
+                <a:t>”: 10,</a:t>
+              </a:r>
+            </a:p>
+            <a:p>
+              <a:r>
+                <a:rPr kumimoji="1" lang="en-US" altLang="ko-Kore-KR" sz="1200" dirty="0">
+                  <a:solidFill>
+                    <a:srgbClr val="5DA2C5"/>
+                  </a:solidFill>
+                  <a:latin typeface="SHeadG" panose="02030600000101010101" pitchFamily="18" charset="-127"/>
+                  <a:ea typeface="SHeadG" panose="02030600000101010101" pitchFamily="18" charset="-127"/>
+                </a:rPr>
+                <a:t>  “</a:t>
+              </a:r>
+              <a:r>
+                <a:rPr kumimoji="1" lang="en-US" altLang="ko-Kore-KR" sz="1200" dirty="0" err="1">
+                  <a:solidFill>
+                    <a:srgbClr val="5DA2C5"/>
+                  </a:solidFill>
+                  <a:latin typeface="SHeadG" panose="02030600000101010101" pitchFamily="18" charset="-127"/>
+                  <a:ea typeface="SHeadG" panose="02030600000101010101" pitchFamily="18" charset="-127"/>
+                </a:rPr>
+                <a:t>created_at</a:t>
+              </a:r>
+              <a:r>
+                <a:rPr kumimoji="1" lang="en-US" altLang="ko-Kore-KR" sz="1200" dirty="0">
+                  <a:solidFill>
+                    <a:srgbClr val="5DA2C5"/>
+                  </a:solidFill>
+                  <a:latin typeface="SHeadG" panose="02030600000101010101" pitchFamily="18" charset="-127"/>
+                  <a:ea typeface="SHeadG" panose="02030600000101010101" pitchFamily="18" charset="-127"/>
+                </a:rPr>
+                <a:t>”: “2009-11-08T14:21:51Z”</a:t>
+              </a:r>
+              <a:r>
+                <a:rPr kumimoji="1" lang="en-US" altLang="ko-KR" sz="1200" dirty="0">
+                  <a:solidFill>
+                    <a:srgbClr val="5DA2C5"/>
+                  </a:solidFill>
+                  <a:latin typeface="SHeadG" panose="02030600000101010101" pitchFamily="18" charset="-127"/>
+                  <a:ea typeface="SHeadG" panose="02030600000101010101" pitchFamily="18" charset="-127"/>
+                </a:rPr>
+                <a:t>,</a:t>
+              </a:r>
+            </a:p>
+            <a:p>
+              <a:r>
+                <a:rPr kumimoji="1" lang="ko-KR" altLang="en-US" sz="1200" dirty="0">
+                  <a:solidFill>
+                    <a:srgbClr val="5DA2C5"/>
+                  </a:solidFill>
+                  <a:latin typeface="SHeadG" panose="02030600000101010101" pitchFamily="18" charset="-127"/>
+                  <a:ea typeface="SHeadG" panose="02030600000101010101" pitchFamily="18" charset="-127"/>
+                </a:rPr>
+                <a:t>  </a:t>
+              </a:r>
+              <a:r>
+                <a:rPr kumimoji="1" lang="en-US" altLang="ko-KR" sz="1200" dirty="0">
+                  <a:solidFill>
+                    <a:srgbClr val="5DA2C5"/>
+                  </a:solidFill>
+                  <a:latin typeface="SHeadG" panose="02030600000101010101" pitchFamily="18" charset="-127"/>
+                  <a:ea typeface="SHeadG" panose="02030600000101010101" pitchFamily="18" charset="-127"/>
+                </a:rPr>
+                <a:t>“</a:t>
+              </a:r>
+              <a:r>
+                <a:rPr kumimoji="1" lang="en-US" altLang="ko-KR" sz="1200" dirty="0" err="1">
+                  <a:solidFill>
+                    <a:srgbClr val="5DA2C5"/>
+                  </a:solidFill>
+                  <a:latin typeface="SHeadG" panose="02030600000101010101" pitchFamily="18" charset="-127"/>
+                  <a:ea typeface="SHeadG" panose="02030600000101010101" pitchFamily="18" charset="-127"/>
+                </a:rPr>
+                <a:t>manufacturer.name</a:t>
+              </a:r>
+              <a:r>
+                <a:rPr kumimoji="1" lang="en-US" altLang="ko-KR" sz="1200" dirty="0">
+                  <a:solidFill>
+                    <a:srgbClr val="5DA2C5"/>
+                  </a:solidFill>
+                  <a:latin typeface="SHeadG" panose="02030600000101010101" pitchFamily="18" charset="-127"/>
+                  <a:ea typeface="SHeadG" panose="02030600000101010101" pitchFamily="18" charset="-127"/>
+                </a:rPr>
+                <a:t>” :“Nespresso”,</a:t>
+              </a:r>
+            </a:p>
+            <a:p>
+              <a:r>
+                <a:rPr kumimoji="1" lang="en-US" altLang="ko-KR" sz="1200" dirty="0">
+                  <a:solidFill>
+                    <a:srgbClr val="5DA2C5"/>
+                  </a:solidFill>
+                  <a:latin typeface="SHeadG" panose="02030600000101010101" pitchFamily="18" charset="-127"/>
+                  <a:ea typeface="SHeadG" panose="02030600000101010101" pitchFamily="18" charset="-127"/>
+                </a:rPr>
+                <a:t>  “</a:t>
+              </a:r>
+              <a:r>
+                <a:rPr kumimoji="1" lang="en-US" altLang="ko-KR" sz="1200" dirty="0" err="1">
+                  <a:solidFill>
+                    <a:srgbClr val="5DA2C5"/>
+                  </a:solidFill>
+                  <a:latin typeface="SHeadG" panose="02030600000101010101" pitchFamily="18" charset="-127"/>
+                  <a:ea typeface="SHeadG" panose="02030600000101010101" pitchFamily="18" charset="-127"/>
+                </a:rPr>
+                <a:t>manufacturer.country</a:t>
+              </a:r>
+              <a:r>
+                <a:rPr kumimoji="1" lang="en-US" altLang="ko-KR" sz="1200" dirty="0">
+                  <a:solidFill>
+                    <a:srgbClr val="5DA2C5"/>
+                  </a:solidFill>
+                  <a:latin typeface="SHeadG" panose="02030600000101010101" pitchFamily="18" charset="-127"/>
+                  <a:ea typeface="SHeadG" panose="02030600000101010101" pitchFamily="18" charset="-127"/>
+                </a:rPr>
+                <a:t>”: “Switzerland”</a:t>
+              </a:r>
+            </a:p>
+            <a:p>
+              <a:r>
+                <a:rPr kumimoji="1" lang="en-US" altLang="ko-KR" sz="1200" dirty="0">
+                  <a:solidFill>
+                    <a:srgbClr val="5DA2C5"/>
+                  </a:solidFill>
+                  <a:latin typeface="SHeadG" panose="02030600000101010101" pitchFamily="18" charset="-127"/>
+                  <a:ea typeface="SHeadG" panose="02030600000101010101" pitchFamily="18" charset="-127"/>
+                </a:rPr>
+                <a:t>}</a:t>
+              </a:r>
+              <a:endParaRPr kumimoji="1" lang="ko-Kore-KR" altLang="en-US" sz="1200" dirty="0">
+                <a:solidFill>
+                  <a:srgbClr val="5DA2C5"/>
+                </a:solidFill>
+                <a:latin typeface="SHeadG" panose="02030600000101010101" pitchFamily="18" charset="-127"/>
+                <a:ea typeface="SHeadG" panose="02030600000101010101" pitchFamily="18" charset="-127"/>
+              </a:endParaRPr>
+            </a:p>
+          </p:txBody>
+        </p:sp>
+      </p:grpSp>
+      <p:cxnSp>
+        <p:nvCxnSpPr>
+          <p:cNvPr id="15" name="직선 화살표 연결선 14">
+            <a:extLst>
+              <a:ext uri="{FF2B5EF4-FFF2-40B4-BE49-F238E27FC236}">
+                <a16:creationId xmlns:a16="http://schemas.microsoft.com/office/drawing/2014/main" id="{45AFF705-12AA-734C-B07C-037FD9782608}"/>
+              </a:ext>
+            </a:extLst>
+          </p:cNvPr>
+          <p:cNvCxnSpPr>
+            <a:cxnSpLocks/>
+          </p:cNvCxnSpPr>
+          <p:nvPr/>
+        </p:nvCxnSpPr>
+        <p:spPr>
+          <a:xfrm>
+            <a:off x="5985410" y="1379243"/>
+            <a:ext cx="397525" cy="0"/>
+          </a:xfrm>
+          <a:prstGeom prst="straightConnector1">
+            <a:avLst/>
+          </a:prstGeom>
+          <a:ln w="25400">
+            <a:solidFill>
+              <a:srgbClr val="5DA2C5"/>
+            </a:solidFill>
+            <a:tailEnd type="stealth" w="lg" len="lg"/>
+          </a:ln>
+        </p:spPr>
+        <p:style>
+          <a:lnRef idx="1">
+            <a:schemeClr val="accent1"/>
+          </a:lnRef>
+          <a:fillRef idx="0">
+            <a:schemeClr val="accent1"/>
+          </a:fillRef>
+          <a:effectRef idx="0">
+            <a:schemeClr val="accent1"/>
+          </a:effectRef>
+          <a:fontRef idx="minor">
+            <a:schemeClr val="tx1"/>
+          </a:fontRef>
+        </p:style>
+      </p:cxnSp>
+      <p:grpSp>
+        <p:nvGrpSpPr>
+          <p:cNvPr id="16" name="그룹 15">
+            <a:extLst>
+              <a:ext uri="{FF2B5EF4-FFF2-40B4-BE49-F238E27FC236}">
+                <a16:creationId xmlns:a16="http://schemas.microsoft.com/office/drawing/2014/main" id="{14EFED7E-FC13-7F45-BEE4-41F5F3006F84}"/>
+              </a:ext>
+            </a:extLst>
+          </p:cNvPr>
+          <p:cNvGrpSpPr/>
+          <p:nvPr/>
+        </p:nvGrpSpPr>
+        <p:grpSpPr>
+          <a:xfrm>
+            <a:off x="1314165" y="3008853"/>
+            <a:ext cx="4175394" cy="3030808"/>
+            <a:chOff x="848299" y="903383"/>
+            <a:chExt cx="4175394" cy="3030808"/>
+          </a:xfrm>
+        </p:grpSpPr>
+        <p:sp>
+          <p:nvSpPr>
+            <p:cNvPr id="18" name="직사각형 17">
+              <a:extLst>
+                <a:ext uri="{FF2B5EF4-FFF2-40B4-BE49-F238E27FC236}">
+                  <a16:creationId xmlns:a16="http://schemas.microsoft.com/office/drawing/2014/main" id="{61F2F6FA-6BB9-0F49-BE87-B62F227DB116}"/>
+                </a:ext>
+              </a:extLst>
+            </p:cNvPr>
+            <p:cNvSpPr/>
+            <p:nvPr/>
+          </p:nvSpPr>
+          <p:spPr>
+            <a:xfrm>
+              <a:off x="848299" y="903383"/>
+              <a:ext cx="4175394" cy="3030808"/>
+            </a:xfrm>
+            <a:prstGeom prst="rect">
+              <a:avLst/>
+            </a:prstGeom>
+            <a:noFill/>
+            <a:ln w="25400">
+              <a:solidFill>
+                <a:srgbClr val="5DA2C5"/>
+              </a:solidFill>
+            </a:ln>
+          </p:spPr>
+          <p:style>
+            <a:lnRef idx="2">
+              <a:schemeClr val="accent1">
+                <a:shade val="50000"/>
+              </a:schemeClr>
+            </a:lnRef>
+            <a:fillRef idx="1">
+              <a:schemeClr val="accent1"/>
+            </a:fillRef>
+            <a:effectRef idx="0">
+              <a:schemeClr val="accent1"/>
+            </a:effectRef>
+            <a:fontRef idx="minor">
+              <a:schemeClr val="lt1"/>
+            </a:fontRef>
+          </p:style>
+          <p:txBody>
+            <a:bodyPr rtlCol="0" anchor="ctr"/>
+            <a:lstStyle/>
+            <a:p>
+              <a:pPr algn="ctr"/>
+              <a:endParaRPr kumimoji="1" lang="ko-Kore-KR" altLang="en-US"/>
+            </a:p>
+          </p:txBody>
+        </p:sp>
+        <p:sp>
+          <p:nvSpPr>
+            <p:cNvPr id="22" name="TextBox 21">
+              <a:extLst>
+                <a:ext uri="{FF2B5EF4-FFF2-40B4-BE49-F238E27FC236}">
+                  <a16:creationId xmlns:a16="http://schemas.microsoft.com/office/drawing/2014/main" id="{AFD6E897-DFD0-174A-9976-1BB8A29F2432}"/>
+                </a:ext>
+              </a:extLst>
+            </p:cNvPr>
+            <p:cNvSpPr txBox="1"/>
+            <p:nvPr/>
+          </p:nvSpPr>
+          <p:spPr>
+            <a:xfrm>
+              <a:off x="1007566" y="1071869"/>
+              <a:ext cx="3910988" cy="2862322"/>
+            </a:xfrm>
+            <a:prstGeom prst="rect">
+              <a:avLst/>
+            </a:prstGeom>
+            <a:noFill/>
+          </p:spPr>
+          <p:txBody>
+            <a:bodyPr wrap="square" rtlCol="0">
+              <a:spAutoFit/>
+            </a:bodyPr>
+            <a:lstStyle/>
+            <a:p>
+              <a:r>
+                <a:rPr kumimoji="1" lang="en-US" altLang="ko-Kore-KR" sz="1200" dirty="0">
+                  <a:solidFill>
+                    <a:srgbClr val="5DA2C5"/>
+                  </a:solidFill>
+                  <a:latin typeface="SHeadG" panose="02030600000101010101" pitchFamily="18" charset="-127"/>
+                  <a:ea typeface="SHeadG" panose="02030600000101010101" pitchFamily="18" charset="-127"/>
+                </a:rPr>
+                <a:t>{</a:t>
+              </a:r>
+            </a:p>
+            <a:p>
+              <a:r>
+                <a:rPr kumimoji="1" lang="ko-KR" altLang="en-US" sz="1200" dirty="0">
+                  <a:solidFill>
+                    <a:srgbClr val="5DA2C5"/>
+                  </a:solidFill>
+                  <a:latin typeface="SHeadG" panose="02030600000101010101" pitchFamily="18" charset="-127"/>
+                  <a:ea typeface="SHeadG" panose="02030600000101010101" pitchFamily="18" charset="-127"/>
+                </a:rPr>
+                <a:t>  </a:t>
+              </a:r>
+              <a:r>
+                <a:rPr kumimoji="1" lang="en-US" altLang="ko-KR" sz="1200" dirty="0">
+                  <a:solidFill>
+                    <a:srgbClr val="5DA2C5"/>
+                  </a:solidFill>
+                  <a:latin typeface="SHeadG" panose="02030600000101010101" pitchFamily="18" charset="-127"/>
+                  <a:ea typeface="SHeadG" panose="02030600000101010101" pitchFamily="18" charset="-127"/>
+                </a:rPr>
+                <a:t>“name”: “Coffee Maker”,</a:t>
+              </a:r>
+            </a:p>
+            <a:p>
+              <a:r>
+                <a:rPr kumimoji="1" lang="en-US" altLang="ko-KR" sz="1200" dirty="0">
+                  <a:solidFill>
+                    <a:srgbClr val="5DA2C5"/>
+                  </a:solidFill>
+                  <a:latin typeface="SHeadG" panose="02030600000101010101" pitchFamily="18" charset="-127"/>
+                  <a:ea typeface="SHeadG" panose="02030600000101010101" pitchFamily="18" charset="-127"/>
+                </a:rPr>
+                <a:t>  “reviews”: [</a:t>
+              </a:r>
+            </a:p>
+            <a:p>
+              <a:r>
+                <a:rPr kumimoji="1" lang="en-US" altLang="ko-KR" sz="1200" dirty="0">
+                  <a:solidFill>
+                    <a:srgbClr val="5DA2C5"/>
+                  </a:solidFill>
+                  <a:latin typeface="SHeadG" panose="02030600000101010101" pitchFamily="18" charset="-127"/>
+                  <a:ea typeface="SHeadG" panose="02030600000101010101" pitchFamily="18" charset="-127"/>
+                </a:rPr>
+                <a:t>    {</a:t>
+              </a:r>
+            </a:p>
+            <a:p>
+              <a:r>
+                <a:rPr kumimoji="1" lang="en-US" altLang="ko-KR" sz="1200" dirty="0">
+                  <a:solidFill>
+                    <a:srgbClr val="5DA2C5"/>
+                  </a:solidFill>
+                  <a:latin typeface="SHeadG" panose="02030600000101010101" pitchFamily="18" charset="-127"/>
+                  <a:ea typeface="SHeadG" panose="02030600000101010101" pitchFamily="18" charset="-127"/>
+                </a:rPr>
+                <a:t>      “rating”: 5.0,</a:t>
+              </a:r>
+            </a:p>
+            <a:p>
+              <a:r>
+                <a:rPr kumimoji="1" lang="en-US" altLang="ko-KR" sz="1200" dirty="0">
+                  <a:solidFill>
+                    <a:srgbClr val="5DA2C5"/>
+                  </a:solidFill>
+                  <a:latin typeface="SHeadG" panose="02030600000101010101" pitchFamily="18" charset="-127"/>
+                  <a:ea typeface="SHeadG" panose="02030600000101010101" pitchFamily="18" charset="-127"/>
+                </a:rPr>
+                <a:t>      “author”: “Average Joe”,</a:t>
+              </a:r>
+            </a:p>
+            <a:p>
+              <a:r>
+                <a:rPr kumimoji="1" lang="en-US" altLang="ko-KR" sz="1200" dirty="0">
+                  <a:solidFill>
+                    <a:srgbClr val="5DA2C5"/>
+                  </a:solidFill>
+                  <a:latin typeface="SHeadG" panose="02030600000101010101" pitchFamily="18" charset="-127"/>
+                  <a:ea typeface="SHeadG" panose="02030600000101010101" pitchFamily="18" charset="-127"/>
+                </a:rPr>
+                <a:t>      “description”: “Haven’t slept for days…”</a:t>
+              </a:r>
+            </a:p>
+            <a:p>
+              <a:r>
+                <a:rPr kumimoji="1" lang="en-US" altLang="ko-KR" sz="1200" dirty="0">
+                  <a:solidFill>
+                    <a:srgbClr val="5DA2C5"/>
+                  </a:solidFill>
+                  <a:latin typeface="SHeadG" panose="02030600000101010101" pitchFamily="18" charset="-127"/>
+                  <a:ea typeface="SHeadG" panose="02030600000101010101" pitchFamily="18" charset="-127"/>
+                </a:rPr>
+                <a:t>    },</a:t>
+              </a:r>
+            </a:p>
+            <a:p>
+              <a:r>
+                <a:rPr kumimoji="1" lang="en-US" altLang="ko-KR" sz="1200" dirty="0">
+                  <a:solidFill>
+                    <a:srgbClr val="5DA2C5"/>
+                  </a:solidFill>
+                  <a:latin typeface="SHeadG" panose="02030600000101010101" pitchFamily="18" charset="-127"/>
+                  <a:ea typeface="SHeadG" panose="02030600000101010101" pitchFamily="18" charset="-127"/>
+                </a:rPr>
+                <a:t>    {</a:t>
+              </a:r>
+            </a:p>
+            <a:p>
+              <a:r>
+                <a:rPr kumimoji="1" lang="en-US" altLang="ko-KR" sz="1200" dirty="0">
+                  <a:solidFill>
+                    <a:srgbClr val="5DA2C5"/>
+                  </a:solidFill>
+                  <a:latin typeface="SHeadG" panose="02030600000101010101" pitchFamily="18" charset="-127"/>
+                  <a:ea typeface="SHeadG" panose="02030600000101010101" pitchFamily="18" charset="-127"/>
+                </a:rPr>
+                <a:t>      “rating”: 3.5,</a:t>
+              </a:r>
+            </a:p>
+            <a:p>
+              <a:r>
+                <a:rPr kumimoji="1" lang="en-US" altLang="ko-KR" sz="1200" dirty="0">
+                  <a:solidFill>
+                    <a:srgbClr val="5DA2C5"/>
+                  </a:solidFill>
+                  <a:latin typeface="SHeadG" panose="02030600000101010101" pitchFamily="18" charset="-127"/>
+                  <a:ea typeface="SHeadG" panose="02030600000101010101" pitchFamily="18" charset="-127"/>
+                </a:rPr>
+                <a:t>      “author”: “Jhon Doe”,</a:t>
+              </a:r>
+            </a:p>
+            <a:p>
+              <a:r>
+                <a:rPr kumimoji="1" lang="en-US" altLang="ko-KR" sz="1200" dirty="0">
+                  <a:solidFill>
+                    <a:srgbClr val="5DA2C5"/>
+                  </a:solidFill>
+                  <a:latin typeface="SHeadG" panose="02030600000101010101" pitchFamily="18" charset="-127"/>
+                  <a:ea typeface="SHeadG" panose="02030600000101010101" pitchFamily="18" charset="-127"/>
+                </a:rPr>
+                <a:t>      “description”: “Could be better </a:t>
+              </a:r>
+              <a:r>
+                <a:rPr kumimoji="1" lang="en-US" altLang="ko-KR" sz="1200" dirty="0">
+                  <a:solidFill>
+                    <a:srgbClr val="5DA2C5"/>
+                  </a:solidFill>
+                  <a:latin typeface="SHeadG" panose="02030600000101010101" pitchFamily="18" charset="-127"/>
+                  <a:ea typeface="SHeadG" panose="02030600000101010101" pitchFamily="18" charset="-127"/>
+                  <a:sym typeface="Wingdings" pitchFamily="2" charset="2"/>
+                </a:rPr>
+                <a:t>:)</a:t>
+              </a:r>
+              <a:r>
+                <a:rPr kumimoji="1" lang="en-US" altLang="ko-KR" sz="1200" dirty="0">
+                  <a:solidFill>
+                    <a:srgbClr val="5DA2C5"/>
+                  </a:solidFill>
+                  <a:latin typeface="SHeadG" panose="02030600000101010101" pitchFamily="18" charset="-127"/>
+                  <a:ea typeface="SHeadG" panose="02030600000101010101" pitchFamily="18" charset="-127"/>
+                </a:rPr>
+                <a:t>”</a:t>
+              </a:r>
+            </a:p>
+            <a:p>
+              <a:r>
+                <a:rPr kumimoji="1" lang="en-US" altLang="ko-KR" sz="1200" dirty="0">
+                  <a:solidFill>
+                    <a:srgbClr val="5DA2C5"/>
+                  </a:solidFill>
+                  <a:latin typeface="SHeadG" panose="02030600000101010101" pitchFamily="18" charset="-127"/>
+                  <a:ea typeface="SHeadG" panose="02030600000101010101" pitchFamily="18" charset="-127"/>
+                </a:rPr>
+                <a:t>    }</a:t>
+              </a:r>
+            </a:p>
+            <a:p>
+              <a:r>
+                <a:rPr kumimoji="1" lang="en-US" altLang="ko-KR" sz="1200" dirty="0">
+                  <a:solidFill>
+                    <a:srgbClr val="5DA2C5"/>
+                  </a:solidFill>
+                  <a:latin typeface="SHeadG" panose="02030600000101010101" pitchFamily="18" charset="-127"/>
+                  <a:ea typeface="SHeadG" panose="02030600000101010101" pitchFamily="18" charset="-127"/>
+                </a:rPr>
+                <a:t>   ]</a:t>
+              </a:r>
+            </a:p>
+            <a:p>
+              <a:r>
+                <a:rPr kumimoji="1" lang="en-US" altLang="ko-KR" sz="1200" dirty="0">
+                  <a:solidFill>
+                    <a:srgbClr val="5DA2C5"/>
+                  </a:solidFill>
+                  <a:latin typeface="SHeadG" panose="02030600000101010101" pitchFamily="18" charset="-127"/>
+                  <a:ea typeface="SHeadG" panose="02030600000101010101" pitchFamily="18" charset="-127"/>
+                </a:rPr>
+                <a:t>}</a:t>
+              </a:r>
+              <a:endParaRPr kumimoji="1" lang="ko-Kore-KR" altLang="en-US" sz="1200" dirty="0">
+                <a:solidFill>
+                  <a:srgbClr val="5DA2C5"/>
+                </a:solidFill>
+                <a:latin typeface="SHeadG" panose="02030600000101010101" pitchFamily="18" charset="-127"/>
+                <a:ea typeface="SHeadG" panose="02030600000101010101" pitchFamily="18" charset="-127"/>
+              </a:endParaRPr>
+            </a:p>
+          </p:txBody>
+        </p:sp>
+      </p:grpSp>
+      <p:grpSp>
+        <p:nvGrpSpPr>
+          <p:cNvPr id="27" name="그룹 26">
+            <a:extLst>
+              <a:ext uri="{FF2B5EF4-FFF2-40B4-BE49-F238E27FC236}">
+                <a16:creationId xmlns:a16="http://schemas.microsoft.com/office/drawing/2014/main" id="{5FE6A559-65ED-C949-A5F6-E2C26F363F93}"/>
+              </a:ext>
+            </a:extLst>
+          </p:cNvPr>
+          <p:cNvGrpSpPr/>
+          <p:nvPr/>
+        </p:nvGrpSpPr>
+        <p:grpSpPr>
+          <a:xfrm>
+            <a:off x="6774856" y="3008853"/>
+            <a:ext cx="4554560" cy="2047779"/>
+            <a:chOff x="848298" y="903383"/>
+            <a:chExt cx="4316815" cy="2047779"/>
+          </a:xfrm>
+        </p:grpSpPr>
+        <p:sp>
+          <p:nvSpPr>
+            <p:cNvPr id="28" name="직사각형 27">
+              <a:extLst>
+                <a:ext uri="{FF2B5EF4-FFF2-40B4-BE49-F238E27FC236}">
+                  <a16:creationId xmlns:a16="http://schemas.microsoft.com/office/drawing/2014/main" id="{ED918F07-E1F8-414E-82A5-13D47ACFA5E3}"/>
+                </a:ext>
+              </a:extLst>
+            </p:cNvPr>
+            <p:cNvSpPr/>
+            <p:nvPr/>
+          </p:nvSpPr>
+          <p:spPr>
+            <a:xfrm>
+              <a:off x="848298" y="903383"/>
+              <a:ext cx="4316815" cy="2047779"/>
+            </a:xfrm>
+            <a:prstGeom prst="rect">
+              <a:avLst/>
+            </a:prstGeom>
+            <a:noFill/>
+            <a:ln w="25400">
+              <a:solidFill>
+                <a:srgbClr val="5DA2C5"/>
+              </a:solidFill>
+            </a:ln>
+          </p:spPr>
+          <p:style>
+            <a:lnRef idx="2">
+              <a:schemeClr val="accent1">
+                <a:shade val="50000"/>
+              </a:schemeClr>
+            </a:lnRef>
+            <a:fillRef idx="1">
+              <a:schemeClr val="accent1"/>
+            </a:fillRef>
+            <a:effectRef idx="0">
+              <a:schemeClr val="accent1"/>
+            </a:effectRef>
+            <a:fontRef idx="minor">
+              <a:schemeClr val="lt1"/>
+            </a:fontRef>
+          </p:style>
+          <p:txBody>
+            <a:bodyPr rtlCol="0" anchor="ctr"/>
+            <a:lstStyle/>
+            <a:p>
+              <a:pPr algn="ctr"/>
+              <a:endParaRPr kumimoji="1" lang="ko-Kore-KR" altLang="en-US"/>
+            </a:p>
+          </p:txBody>
+        </p:sp>
+        <p:sp>
+          <p:nvSpPr>
+            <p:cNvPr id="29" name="TextBox 28">
+              <a:extLst>
+                <a:ext uri="{FF2B5EF4-FFF2-40B4-BE49-F238E27FC236}">
+                  <a16:creationId xmlns:a16="http://schemas.microsoft.com/office/drawing/2014/main" id="{81A57A43-2A0C-8040-B82F-481F89F88F4F}"/>
+                </a:ext>
+              </a:extLst>
+            </p:cNvPr>
+            <p:cNvSpPr txBox="1"/>
+            <p:nvPr/>
+          </p:nvSpPr>
+          <p:spPr>
+            <a:xfrm>
+              <a:off x="1007566" y="1071869"/>
+              <a:ext cx="4157547" cy="1754326"/>
+            </a:xfrm>
+            <a:prstGeom prst="rect">
+              <a:avLst/>
+            </a:prstGeom>
+            <a:noFill/>
+          </p:spPr>
+          <p:txBody>
+            <a:bodyPr wrap="square" rtlCol="0">
+              <a:spAutoFit/>
+            </a:bodyPr>
+            <a:lstStyle/>
+            <a:p>
+              <a:r>
+                <a:rPr kumimoji="1" lang="en-US" altLang="ko-Kore-KR" sz="1200" dirty="0">
+                  <a:solidFill>
+                    <a:srgbClr val="5DA2C5"/>
+                  </a:solidFill>
+                  <a:latin typeface="SHeadG" panose="02030600000101010101" pitchFamily="18" charset="-127"/>
+                  <a:ea typeface="SHeadG" panose="02030600000101010101" pitchFamily="18" charset="-127"/>
+                </a:rPr>
+                <a:t>{</a:t>
+              </a:r>
+            </a:p>
+            <a:p>
+              <a:r>
+                <a:rPr kumimoji="1" lang="ko-KR" altLang="en-US" sz="1200" dirty="0">
+                  <a:solidFill>
+                    <a:srgbClr val="5DA2C5"/>
+                  </a:solidFill>
+                  <a:latin typeface="SHeadG" panose="02030600000101010101" pitchFamily="18" charset="-127"/>
+                  <a:ea typeface="SHeadG" panose="02030600000101010101" pitchFamily="18" charset="-127"/>
+                </a:rPr>
+                <a:t>  </a:t>
+              </a:r>
+              <a:r>
+                <a:rPr kumimoji="1" lang="en-US" altLang="ko-KR" sz="1200" dirty="0">
+                  <a:solidFill>
+                    <a:srgbClr val="5DA2C5"/>
+                  </a:solidFill>
+                  <a:latin typeface="SHeadG" panose="02030600000101010101" pitchFamily="18" charset="-127"/>
+                  <a:ea typeface="SHeadG" panose="02030600000101010101" pitchFamily="18" charset="-127"/>
+                </a:rPr>
+                <a:t>“name”: “Coffee Maker”,</a:t>
+              </a:r>
+            </a:p>
+            <a:p>
+              <a:r>
+                <a:rPr kumimoji="1" lang="en-US" altLang="ko-KR" sz="1200" dirty="0">
+                  <a:solidFill>
+                    <a:srgbClr val="5DA2C5"/>
+                  </a:solidFill>
+                  <a:latin typeface="SHeadG" panose="02030600000101010101" pitchFamily="18" charset="-127"/>
+                  <a:ea typeface="SHeadG" panose="02030600000101010101" pitchFamily="18" charset="-127"/>
+                </a:rPr>
+                <a:t>  “</a:t>
+              </a:r>
+              <a:r>
+                <a:rPr kumimoji="1" lang="en-US" altLang="ko-KR" sz="1200" dirty="0" err="1">
+                  <a:solidFill>
+                    <a:srgbClr val="5DA2C5"/>
+                  </a:solidFill>
+                  <a:latin typeface="SHeadG" panose="02030600000101010101" pitchFamily="18" charset="-127"/>
+                  <a:ea typeface="SHeadG" panose="02030600000101010101" pitchFamily="18" charset="-127"/>
+                </a:rPr>
+                <a:t>reviews.rating</a:t>
+              </a:r>
+              <a:r>
+                <a:rPr kumimoji="1" lang="en-US" altLang="ko-KR" sz="1200" dirty="0">
+                  <a:solidFill>
+                    <a:srgbClr val="5DA2C5"/>
+                  </a:solidFill>
+                  <a:latin typeface="SHeadG" panose="02030600000101010101" pitchFamily="18" charset="-127"/>
+                  <a:ea typeface="SHeadG" panose="02030600000101010101" pitchFamily="18" charset="-127"/>
+                </a:rPr>
+                <a:t>”: [5.0, 3.5],</a:t>
+              </a:r>
+            </a:p>
+            <a:p>
+              <a:r>
+                <a:rPr kumimoji="1" lang="en-US" altLang="ko-KR" sz="1200" dirty="0">
+                  <a:solidFill>
+                    <a:srgbClr val="5DA2C5"/>
+                  </a:solidFill>
+                  <a:latin typeface="SHeadG" panose="02030600000101010101" pitchFamily="18" charset="-127"/>
+                  <a:ea typeface="SHeadG" panose="02030600000101010101" pitchFamily="18" charset="-127"/>
+                </a:rPr>
+                <a:t>  “</a:t>
+              </a:r>
+              <a:r>
+                <a:rPr kumimoji="1" lang="en-US" altLang="ko-KR" sz="1200" dirty="0" err="1">
+                  <a:solidFill>
+                    <a:srgbClr val="5DA2C5"/>
+                  </a:solidFill>
+                  <a:latin typeface="SHeadG" panose="02030600000101010101" pitchFamily="18" charset="-127"/>
+                  <a:ea typeface="SHeadG" panose="02030600000101010101" pitchFamily="18" charset="-127"/>
+                </a:rPr>
+                <a:t>review”author</a:t>
+              </a:r>
+              <a:r>
+                <a:rPr kumimoji="1" lang="en-US" altLang="ko-KR" sz="1200" dirty="0">
+                  <a:solidFill>
+                    <a:srgbClr val="5DA2C5"/>
+                  </a:solidFill>
+                  <a:latin typeface="SHeadG" panose="02030600000101010101" pitchFamily="18" charset="-127"/>
+                  <a:ea typeface="SHeadG" panose="02030600000101010101" pitchFamily="18" charset="-127"/>
+                </a:rPr>
+                <a:t>”: [Average Joe”, “John Doe”],</a:t>
+              </a:r>
+            </a:p>
+            <a:p>
+              <a:r>
+                <a:rPr kumimoji="1" lang="en-US" altLang="ko-KR" sz="1200" dirty="0">
+                  <a:solidFill>
+                    <a:srgbClr val="5DA2C5"/>
+                  </a:solidFill>
+                  <a:latin typeface="SHeadG" panose="02030600000101010101" pitchFamily="18" charset="-127"/>
+                  <a:ea typeface="SHeadG" panose="02030600000101010101" pitchFamily="18" charset="-127"/>
+                </a:rPr>
+                <a:t>  “</a:t>
+              </a:r>
+              <a:r>
+                <a:rPr kumimoji="1" lang="en-US" altLang="ko-KR" sz="1200" dirty="0" err="1">
+                  <a:solidFill>
+                    <a:srgbClr val="5DA2C5"/>
+                  </a:solidFill>
+                  <a:latin typeface="SHeadG" panose="02030600000101010101" pitchFamily="18" charset="-127"/>
+                  <a:ea typeface="SHeadG" panose="02030600000101010101" pitchFamily="18" charset="-127"/>
+                </a:rPr>
+                <a:t>reviews.description</a:t>
+              </a:r>
+              <a:r>
+                <a:rPr kumimoji="1" lang="en-US" altLang="ko-KR" sz="1200" dirty="0">
+                  <a:solidFill>
+                    <a:srgbClr val="5DA2C5"/>
+                  </a:solidFill>
+                  <a:latin typeface="SHeadG" panose="02030600000101010101" pitchFamily="18" charset="-127"/>
+                  <a:ea typeface="SHeadG" panose="02030600000101010101" pitchFamily="18" charset="-127"/>
+                </a:rPr>
+                <a:t>”: [</a:t>
+              </a:r>
+            </a:p>
+            <a:p>
+              <a:r>
+                <a:rPr kumimoji="1" lang="en-US" altLang="ko-KR" sz="1200" dirty="0">
+                  <a:solidFill>
+                    <a:srgbClr val="5DA2C5"/>
+                  </a:solidFill>
+                  <a:latin typeface="SHeadG" panose="02030600000101010101" pitchFamily="18" charset="-127"/>
+                  <a:ea typeface="SHeadG" panose="02030600000101010101" pitchFamily="18" charset="-127"/>
+                </a:rPr>
+                <a:t>      “Haven’t slept for days…”,</a:t>
+              </a:r>
+            </a:p>
+            <a:p>
+              <a:r>
+                <a:rPr kumimoji="1" lang="en-US" altLang="ko-KR" sz="1200" dirty="0">
+                  <a:solidFill>
+                    <a:srgbClr val="5DA2C5"/>
+                  </a:solidFill>
+                  <a:latin typeface="SHeadG" panose="02030600000101010101" pitchFamily="18" charset="-127"/>
+                  <a:ea typeface="SHeadG" panose="02030600000101010101" pitchFamily="18" charset="-127"/>
+                </a:rPr>
+                <a:t>      “Could be better </a:t>
+              </a:r>
+              <a:r>
+                <a:rPr kumimoji="1" lang="en-US" altLang="ko-KR" sz="1200" dirty="0">
+                  <a:solidFill>
+                    <a:srgbClr val="5DA2C5"/>
+                  </a:solidFill>
+                  <a:latin typeface="SHeadG" panose="02030600000101010101" pitchFamily="18" charset="-127"/>
+                  <a:ea typeface="SHeadG" panose="02030600000101010101" pitchFamily="18" charset="-127"/>
+                  <a:sym typeface="Wingdings" pitchFamily="2" charset="2"/>
+                </a:rPr>
+                <a:t>:)</a:t>
+              </a:r>
+              <a:r>
+                <a:rPr kumimoji="1" lang="en-US" altLang="ko-KR" sz="1200" dirty="0">
+                  <a:solidFill>
+                    <a:srgbClr val="5DA2C5"/>
+                  </a:solidFill>
+                  <a:latin typeface="SHeadG" panose="02030600000101010101" pitchFamily="18" charset="-127"/>
+                  <a:ea typeface="SHeadG" panose="02030600000101010101" pitchFamily="18" charset="-127"/>
+                </a:rPr>
+                <a:t>”</a:t>
+              </a:r>
+            </a:p>
+            <a:p>
+              <a:r>
+                <a:rPr kumimoji="1" lang="en-US" altLang="ko-KR" sz="1200" dirty="0">
+                  <a:solidFill>
+                    <a:srgbClr val="5DA2C5"/>
+                  </a:solidFill>
+                  <a:latin typeface="SHeadG" panose="02030600000101010101" pitchFamily="18" charset="-127"/>
+                  <a:ea typeface="SHeadG" panose="02030600000101010101" pitchFamily="18" charset="-127"/>
+                </a:rPr>
+                <a:t>   ]</a:t>
+              </a:r>
+            </a:p>
+            <a:p>
+              <a:r>
+                <a:rPr kumimoji="1" lang="en-US" altLang="ko-KR" sz="1200" dirty="0">
+                  <a:solidFill>
+                    <a:srgbClr val="5DA2C5"/>
+                  </a:solidFill>
+                  <a:latin typeface="SHeadG" panose="02030600000101010101" pitchFamily="18" charset="-127"/>
+                  <a:ea typeface="SHeadG" panose="02030600000101010101" pitchFamily="18" charset="-127"/>
+                </a:rPr>
+                <a:t>}</a:t>
+              </a:r>
+              <a:endParaRPr kumimoji="1" lang="ko-Kore-KR" altLang="en-US" sz="1200" dirty="0">
+                <a:solidFill>
+                  <a:srgbClr val="5DA2C5"/>
+                </a:solidFill>
+                <a:latin typeface="SHeadG" panose="02030600000101010101" pitchFamily="18" charset="-127"/>
+                <a:ea typeface="SHeadG" panose="02030600000101010101" pitchFamily="18" charset="-127"/>
+              </a:endParaRPr>
+            </a:p>
+          </p:txBody>
+        </p:sp>
+      </p:grpSp>
+      <p:cxnSp>
+        <p:nvCxnSpPr>
+          <p:cNvPr id="30" name="직선 화살표 연결선 29">
+            <a:extLst>
+              <a:ext uri="{FF2B5EF4-FFF2-40B4-BE49-F238E27FC236}">
+                <a16:creationId xmlns:a16="http://schemas.microsoft.com/office/drawing/2014/main" id="{AA71D2D1-D750-554E-A039-AE875513D447}"/>
+              </a:ext>
+            </a:extLst>
+          </p:cNvPr>
+          <p:cNvCxnSpPr>
+            <a:cxnSpLocks/>
+          </p:cNvCxnSpPr>
+          <p:nvPr/>
+        </p:nvCxnSpPr>
+        <p:spPr>
+          <a:xfrm>
+            <a:off x="5897237" y="4174259"/>
+            <a:ext cx="397525" cy="0"/>
+          </a:xfrm>
+          <a:prstGeom prst="straightConnector1">
+            <a:avLst/>
+          </a:prstGeom>
+          <a:ln w="25400">
+            <a:solidFill>
+              <a:srgbClr val="5DA2C5"/>
+            </a:solidFill>
+            <a:tailEnd type="stealth" w="lg" len="lg"/>
+          </a:ln>
+        </p:spPr>
+        <p:style>
+          <a:lnRef idx="1">
+            <a:schemeClr val="accent1"/>
+          </a:lnRef>
+          <a:fillRef idx="0">
+            <a:schemeClr val="accent1"/>
+          </a:fillRef>
+          <a:effectRef idx="0">
+            <a:schemeClr val="accent1"/>
+          </a:effectRef>
+          <a:fontRef idx="minor">
+            <a:schemeClr val="tx1"/>
+          </a:fontRef>
+        </p:style>
+      </p:cxnSp>
+    </p:spTree>
+    <p:extLst>
+      <p:ext uri="{BB962C8B-B14F-4D97-AF65-F5344CB8AC3E}">
+        <p14:creationId xmlns:p14="http://schemas.microsoft.com/office/powerpoint/2010/main" val="3771992044"/>
+      </p:ext>
+    </p:extLst>
+  </p:cSld>
+  <p:clrMapOvr>
+    <a:masterClrMapping/>
+  </p:clrMapOvr>
+</p:sld>
+</file>
+
+<file path=ppt/slides/slide14.xml><?xml version="1.0" encoding="utf-8"?>
+<p:sld xmlns:a="http://schemas.openxmlformats.org/drawingml/2006/main" xmlns:r="http://schemas.openxmlformats.org/officeDocument/2006/relationships" xmlns:p="http://schemas.openxmlformats.org/presentationml/2006/main">
+  <p:cSld>
+    <p:spTree>
+      <p:nvGrpSpPr>
+        <p:cNvPr id="1" name=""/>
+        <p:cNvGrpSpPr/>
+        <p:nvPr/>
+      </p:nvGrpSpPr>
+      <p:grpSpPr>
+        <a:xfrm>
+          <a:off x="0" y="0"/>
+          <a:ext cx="0" cy="0"/>
+          <a:chOff x="0" y="0"/>
+          <a:chExt cx="0" cy="0"/>
+        </a:xfrm>
+      </p:grpSpPr>
+      <p:grpSp>
+        <p:nvGrpSpPr>
+          <p:cNvPr id="16" name="그룹 15">
+            <a:extLst>
+              <a:ext uri="{FF2B5EF4-FFF2-40B4-BE49-F238E27FC236}">
+                <a16:creationId xmlns:a16="http://schemas.microsoft.com/office/drawing/2014/main" id="{14EFED7E-FC13-7F45-BEE4-41F5F3006F84}"/>
+              </a:ext>
+            </a:extLst>
+          </p:cNvPr>
+          <p:cNvGrpSpPr/>
+          <p:nvPr/>
+        </p:nvGrpSpPr>
+        <p:grpSpPr>
+          <a:xfrm>
+            <a:off x="1269986" y="735917"/>
+            <a:ext cx="4175394" cy="2110714"/>
+            <a:chOff x="848299" y="903383"/>
+            <a:chExt cx="4175394" cy="2110714"/>
+          </a:xfrm>
+        </p:grpSpPr>
+        <p:sp>
+          <p:nvSpPr>
+            <p:cNvPr id="18" name="직사각형 17">
+              <a:extLst>
+                <a:ext uri="{FF2B5EF4-FFF2-40B4-BE49-F238E27FC236}">
+                  <a16:creationId xmlns:a16="http://schemas.microsoft.com/office/drawing/2014/main" id="{61F2F6FA-6BB9-0F49-BE87-B62F227DB116}"/>
+                </a:ext>
+              </a:extLst>
+            </p:cNvPr>
+            <p:cNvSpPr/>
+            <p:nvPr/>
+          </p:nvSpPr>
+          <p:spPr>
+            <a:xfrm>
+              <a:off x="848299" y="903383"/>
+              <a:ext cx="4175394" cy="2110714"/>
+            </a:xfrm>
+            <a:prstGeom prst="rect">
+              <a:avLst/>
+            </a:prstGeom>
+            <a:noFill/>
+            <a:ln w="25400">
+              <a:solidFill>
+                <a:srgbClr val="5DA2C5"/>
+              </a:solidFill>
+            </a:ln>
+          </p:spPr>
+          <p:style>
+            <a:lnRef idx="2">
+              <a:schemeClr val="accent1">
+                <a:shade val="50000"/>
+              </a:schemeClr>
+            </a:lnRef>
+            <a:fillRef idx="1">
+              <a:schemeClr val="accent1"/>
+            </a:fillRef>
+            <a:effectRef idx="0">
+              <a:schemeClr val="accent1"/>
+            </a:effectRef>
+            <a:fontRef idx="minor">
+              <a:schemeClr val="lt1"/>
+            </a:fontRef>
+          </p:style>
+          <p:txBody>
+            <a:bodyPr rtlCol="0" anchor="ctr"/>
+            <a:lstStyle/>
+            <a:p>
+              <a:pPr algn="ctr"/>
+              <a:endParaRPr kumimoji="1" lang="ko-Kore-KR" altLang="en-US"/>
+            </a:p>
+          </p:txBody>
+        </p:sp>
+        <p:sp>
+          <p:nvSpPr>
+            <p:cNvPr id="22" name="TextBox 21">
+              <a:extLst>
+                <a:ext uri="{FF2B5EF4-FFF2-40B4-BE49-F238E27FC236}">
+                  <a16:creationId xmlns:a16="http://schemas.microsoft.com/office/drawing/2014/main" id="{AFD6E897-DFD0-174A-9976-1BB8A29F2432}"/>
+                </a:ext>
+              </a:extLst>
+            </p:cNvPr>
+            <p:cNvSpPr txBox="1"/>
+            <p:nvPr/>
+          </p:nvSpPr>
+          <p:spPr>
+            <a:xfrm>
+              <a:off x="1007566" y="1071869"/>
+              <a:ext cx="3910988" cy="1754326"/>
+            </a:xfrm>
+            <a:prstGeom prst="rect">
+              <a:avLst/>
+            </a:prstGeom>
+            <a:noFill/>
+          </p:spPr>
+          <p:txBody>
+            <a:bodyPr wrap="square" rtlCol="0">
+              <a:spAutoFit/>
+            </a:bodyPr>
+            <a:lstStyle/>
+            <a:p>
+              <a:r>
+                <a:rPr kumimoji="1" lang="en-US" altLang="ko-Kore-KR" sz="1200" dirty="0">
+                  <a:solidFill>
+                    <a:srgbClr val="5DA2C5"/>
+                  </a:solidFill>
+                  <a:latin typeface="SHeadG" panose="02030600000101010101" pitchFamily="18" charset="-127"/>
+                  <a:ea typeface="SHeadG" panose="02030600000101010101" pitchFamily="18" charset="-127"/>
+                </a:rPr>
+                <a:t>PUT /products</a:t>
+              </a:r>
+            </a:p>
+            <a:p>
+              <a:r>
+                <a:rPr kumimoji="1" lang="en-US" altLang="ko-Kore-KR" sz="1200" dirty="0">
+                  <a:solidFill>
+                    <a:srgbClr val="5DA2C5"/>
+                  </a:solidFill>
+                  <a:latin typeface="SHeadG" panose="02030600000101010101" pitchFamily="18" charset="-127"/>
+                  <a:ea typeface="SHeadG" panose="02030600000101010101" pitchFamily="18" charset="-127"/>
+                </a:rPr>
+                <a:t>{</a:t>
+              </a:r>
+            </a:p>
+            <a:p>
+              <a:r>
+                <a:rPr kumimoji="1" lang="en-US" altLang="ko-Kore-KR" sz="1200" dirty="0">
+                  <a:solidFill>
+                    <a:srgbClr val="5DA2C5"/>
+                  </a:solidFill>
+                  <a:latin typeface="SHeadG" panose="02030600000101010101" pitchFamily="18" charset="-127"/>
+                  <a:ea typeface="SHeadG" panose="02030600000101010101" pitchFamily="18" charset="-127"/>
+                </a:rPr>
+                <a:t>  “mappings”: {</a:t>
+              </a:r>
+            </a:p>
+            <a:p>
+              <a:r>
+                <a:rPr kumimoji="1" lang="en-US" altLang="ko-Kore-KR" sz="1200" dirty="0">
+                  <a:solidFill>
+                    <a:srgbClr val="5DA2C5"/>
+                  </a:solidFill>
+                  <a:latin typeface="SHeadG" panose="02030600000101010101" pitchFamily="18" charset="-127"/>
+                  <a:ea typeface="SHeadG" panose="02030600000101010101" pitchFamily="18" charset="-127"/>
+                </a:rPr>
+                <a:t>     “properties”: {</a:t>
+              </a:r>
+            </a:p>
+            <a:p>
+              <a:r>
+                <a:rPr kumimoji="1" lang="en-US" altLang="ko-Kore-KR" sz="1200" dirty="0">
+                  <a:solidFill>
+                    <a:srgbClr val="5DA2C5"/>
+                  </a:solidFill>
+                  <a:latin typeface="SHeadG" panose="02030600000101010101" pitchFamily="18" charset="-127"/>
+                  <a:ea typeface="SHeadG" panose="02030600000101010101" pitchFamily="18" charset="-127"/>
+                </a:rPr>
+                <a:t>         “name”: { “type”: “text” },</a:t>
+              </a:r>
+            </a:p>
+            <a:p>
+              <a:r>
+                <a:rPr kumimoji="1" lang="en-US" altLang="ko-Kore-KR" sz="1200" dirty="0">
+                  <a:solidFill>
+                    <a:srgbClr val="5DA2C5"/>
+                  </a:solidFill>
+                  <a:latin typeface="SHeadG" panose="02030600000101010101" pitchFamily="18" charset="-127"/>
+                  <a:ea typeface="SHeadG" panose="02030600000101010101" pitchFamily="18" charset="-127"/>
+                </a:rPr>
+                <a:t>         “reviews”: { “type”: “nested” }</a:t>
+              </a:r>
+              <a:br>
+                <a:rPr kumimoji="1" lang="en-US" altLang="ko-Kore-KR" sz="1200" dirty="0">
+                  <a:solidFill>
+                    <a:srgbClr val="5DA2C5"/>
+                  </a:solidFill>
+                  <a:latin typeface="SHeadG" panose="02030600000101010101" pitchFamily="18" charset="-127"/>
+                  <a:ea typeface="SHeadG" panose="02030600000101010101" pitchFamily="18" charset="-127"/>
+                </a:rPr>
+              </a:br>
+              <a:r>
+                <a:rPr kumimoji="1" lang="en-US" altLang="ko-Kore-KR" sz="1200" dirty="0">
+                  <a:solidFill>
+                    <a:srgbClr val="5DA2C5"/>
+                  </a:solidFill>
+                  <a:latin typeface="SHeadG" panose="02030600000101010101" pitchFamily="18" charset="-127"/>
+                  <a:ea typeface="SHeadG" panose="02030600000101010101" pitchFamily="18" charset="-127"/>
+                </a:rPr>
+                <a:t>      }</a:t>
+              </a:r>
+            </a:p>
+            <a:p>
+              <a:r>
+                <a:rPr kumimoji="1" lang="en-US" altLang="ko-Kore-KR" sz="1200" dirty="0">
+                  <a:solidFill>
+                    <a:srgbClr val="5DA2C5"/>
+                  </a:solidFill>
+                  <a:latin typeface="SHeadG" panose="02030600000101010101" pitchFamily="18" charset="-127"/>
+                  <a:ea typeface="SHeadG" panose="02030600000101010101" pitchFamily="18" charset="-127"/>
+                </a:rPr>
+                <a:t>   }</a:t>
+              </a:r>
+            </a:p>
+            <a:p>
+              <a:r>
+                <a:rPr kumimoji="1" lang="en-US" altLang="ko-Kore-KR" sz="1200" dirty="0">
+                  <a:solidFill>
+                    <a:srgbClr val="5DA2C5"/>
+                  </a:solidFill>
+                  <a:latin typeface="SHeadG" panose="02030600000101010101" pitchFamily="18" charset="-127"/>
+                  <a:ea typeface="SHeadG" panose="02030600000101010101" pitchFamily="18" charset="-127"/>
+                </a:rPr>
+                <a:t>}</a:t>
+              </a:r>
+              <a:endParaRPr kumimoji="1" lang="ko-Kore-KR" altLang="en-US" sz="1200" dirty="0">
+                <a:solidFill>
+                  <a:srgbClr val="5DA2C5"/>
+                </a:solidFill>
+                <a:latin typeface="SHeadG" panose="02030600000101010101" pitchFamily="18" charset="-127"/>
+                <a:ea typeface="SHeadG" panose="02030600000101010101" pitchFamily="18" charset="-127"/>
+              </a:endParaRPr>
+            </a:p>
+          </p:txBody>
+        </p:sp>
+      </p:grpSp>
+      <p:grpSp>
+        <p:nvGrpSpPr>
+          <p:cNvPr id="19" name="그룹 18">
+            <a:extLst>
+              <a:ext uri="{FF2B5EF4-FFF2-40B4-BE49-F238E27FC236}">
+                <a16:creationId xmlns:a16="http://schemas.microsoft.com/office/drawing/2014/main" id="{3A181983-A3BB-5E45-903C-F078E4F63154}"/>
+              </a:ext>
+            </a:extLst>
+          </p:cNvPr>
+          <p:cNvGrpSpPr/>
+          <p:nvPr/>
+        </p:nvGrpSpPr>
+        <p:grpSpPr>
+          <a:xfrm>
+            <a:off x="6495913" y="275870"/>
+            <a:ext cx="4175394" cy="3030808"/>
+            <a:chOff x="848299" y="903383"/>
+            <a:chExt cx="4175394" cy="3030808"/>
+          </a:xfrm>
+        </p:grpSpPr>
+        <p:sp>
+          <p:nvSpPr>
+            <p:cNvPr id="20" name="직사각형 19">
+              <a:extLst>
+                <a:ext uri="{FF2B5EF4-FFF2-40B4-BE49-F238E27FC236}">
+                  <a16:creationId xmlns:a16="http://schemas.microsoft.com/office/drawing/2014/main" id="{A8DD2870-4B14-BF4D-83E6-5D33BCB405BB}"/>
+                </a:ext>
+              </a:extLst>
+            </p:cNvPr>
+            <p:cNvSpPr/>
+            <p:nvPr/>
+          </p:nvSpPr>
+          <p:spPr>
+            <a:xfrm>
+              <a:off x="848299" y="903383"/>
+              <a:ext cx="4175394" cy="3030808"/>
+            </a:xfrm>
+            <a:prstGeom prst="rect">
+              <a:avLst/>
+            </a:prstGeom>
+            <a:noFill/>
+            <a:ln w="25400">
+              <a:solidFill>
+                <a:srgbClr val="5DA2C5"/>
+              </a:solidFill>
+            </a:ln>
+          </p:spPr>
+          <p:style>
+            <a:lnRef idx="2">
+              <a:schemeClr val="accent1">
+                <a:shade val="50000"/>
+              </a:schemeClr>
+            </a:lnRef>
+            <a:fillRef idx="1">
+              <a:schemeClr val="accent1"/>
+            </a:fillRef>
+            <a:effectRef idx="0">
+              <a:schemeClr val="accent1"/>
+            </a:effectRef>
+            <a:fontRef idx="minor">
+              <a:schemeClr val="lt1"/>
+            </a:fontRef>
+          </p:style>
+          <p:txBody>
+            <a:bodyPr rtlCol="0" anchor="ctr"/>
+            <a:lstStyle/>
+            <a:p>
+              <a:pPr algn="ctr"/>
+              <a:endParaRPr kumimoji="1" lang="ko-Kore-KR" altLang="en-US"/>
+            </a:p>
+          </p:txBody>
+        </p:sp>
+        <p:sp>
+          <p:nvSpPr>
+            <p:cNvPr id="21" name="TextBox 20">
+              <a:extLst>
+                <a:ext uri="{FF2B5EF4-FFF2-40B4-BE49-F238E27FC236}">
+                  <a16:creationId xmlns:a16="http://schemas.microsoft.com/office/drawing/2014/main" id="{F7000863-ED92-6249-91AA-0D7A56A18E67}"/>
+                </a:ext>
+              </a:extLst>
+            </p:cNvPr>
+            <p:cNvSpPr txBox="1"/>
+            <p:nvPr/>
+          </p:nvSpPr>
+          <p:spPr>
+            <a:xfrm>
+              <a:off x="1007566" y="1071869"/>
+              <a:ext cx="3910988" cy="2862322"/>
+            </a:xfrm>
+            <a:prstGeom prst="rect">
+              <a:avLst/>
+            </a:prstGeom>
+            <a:noFill/>
+          </p:spPr>
+          <p:txBody>
+            <a:bodyPr wrap="square" rtlCol="0">
+              <a:spAutoFit/>
+            </a:bodyPr>
+            <a:lstStyle/>
+            <a:p>
+              <a:r>
+                <a:rPr kumimoji="1" lang="en-US" altLang="ko-Kore-KR" sz="1200" dirty="0">
+                  <a:solidFill>
+                    <a:srgbClr val="5DA2C5"/>
+                  </a:solidFill>
+                  <a:latin typeface="SHeadG" panose="02030600000101010101" pitchFamily="18" charset="-127"/>
+                  <a:ea typeface="SHeadG" panose="02030600000101010101" pitchFamily="18" charset="-127"/>
+                </a:rPr>
+                <a:t>{</a:t>
+              </a:r>
+            </a:p>
+            <a:p>
+              <a:r>
+                <a:rPr kumimoji="1" lang="ko-KR" altLang="en-US" sz="1200" dirty="0">
+                  <a:solidFill>
+                    <a:srgbClr val="5DA2C5"/>
+                  </a:solidFill>
+                  <a:latin typeface="SHeadG" panose="02030600000101010101" pitchFamily="18" charset="-127"/>
+                  <a:ea typeface="SHeadG" panose="02030600000101010101" pitchFamily="18" charset="-127"/>
+                </a:rPr>
+                <a:t>  </a:t>
+              </a:r>
+              <a:r>
+                <a:rPr kumimoji="1" lang="en-US" altLang="ko-KR" sz="1200" dirty="0">
+                  <a:solidFill>
+                    <a:srgbClr val="5DA2C5"/>
+                  </a:solidFill>
+                  <a:latin typeface="SHeadG" panose="02030600000101010101" pitchFamily="18" charset="-127"/>
+                  <a:ea typeface="SHeadG" panose="02030600000101010101" pitchFamily="18" charset="-127"/>
+                </a:rPr>
+                <a:t>“name”: “Coffee Maker”,</a:t>
+              </a:r>
+            </a:p>
+            <a:p>
+              <a:r>
+                <a:rPr kumimoji="1" lang="en-US" altLang="ko-KR" sz="1200" dirty="0">
+                  <a:solidFill>
+                    <a:srgbClr val="5DA2C5"/>
+                  </a:solidFill>
+                  <a:latin typeface="SHeadG" panose="02030600000101010101" pitchFamily="18" charset="-127"/>
+                  <a:ea typeface="SHeadG" panose="02030600000101010101" pitchFamily="18" charset="-127"/>
+                </a:rPr>
+                <a:t>  “reviews”: [</a:t>
+              </a:r>
+            </a:p>
+            <a:p>
+              <a:r>
+                <a:rPr kumimoji="1" lang="en-US" altLang="ko-KR" sz="1200" dirty="0">
+                  <a:solidFill>
+                    <a:srgbClr val="5DA2C5"/>
+                  </a:solidFill>
+                  <a:latin typeface="SHeadG" panose="02030600000101010101" pitchFamily="18" charset="-127"/>
+                  <a:ea typeface="SHeadG" panose="02030600000101010101" pitchFamily="18" charset="-127"/>
+                </a:rPr>
+                <a:t>    {</a:t>
+              </a:r>
+            </a:p>
+            <a:p>
+              <a:r>
+                <a:rPr kumimoji="1" lang="en-US" altLang="ko-KR" sz="1200" dirty="0">
+                  <a:solidFill>
+                    <a:srgbClr val="5DA2C5"/>
+                  </a:solidFill>
+                  <a:latin typeface="SHeadG" panose="02030600000101010101" pitchFamily="18" charset="-127"/>
+                  <a:ea typeface="SHeadG" panose="02030600000101010101" pitchFamily="18" charset="-127"/>
+                </a:rPr>
+                <a:t>      “rating”: 5.0,</a:t>
+              </a:r>
+            </a:p>
+            <a:p>
+              <a:r>
+                <a:rPr kumimoji="1" lang="en-US" altLang="ko-KR" sz="1200" dirty="0">
+                  <a:solidFill>
+                    <a:srgbClr val="5DA2C5"/>
+                  </a:solidFill>
+                  <a:latin typeface="SHeadG" panose="02030600000101010101" pitchFamily="18" charset="-127"/>
+                  <a:ea typeface="SHeadG" panose="02030600000101010101" pitchFamily="18" charset="-127"/>
+                </a:rPr>
+                <a:t>      “author”: “Average Joe”,</a:t>
+              </a:r>
+            </a:p>
+            <a:p>
+              <a:r>
+                <a:rPr kumimoji="1" lang="en-US" altLang="ko-KR" sz="1200" dirty="0">
+                  <a:solidFill>
+                    <a:srgbClr val="5DA2C5"/>
+                  </a:solidFill>
+                  <a:latin typeface="SHeadG" panose="02030600000101010101" pitchFamily="18" charset="-127"/>
+                  <a:ea typeface="SHeadG" panose="02030600000101010101" pitchFamily="18" charset="-127"/>
+                </a:rPr>
+                <a:t>      “description”: “Haven’t slept for days…”</a:t>
+              </a:r>
+            </a:p>
+            <a:p>
+              <a:r>
+                <a:rPr kumimoji="1" lang="en-US" altLang="ko-KR" sz="1200" dirty="0">
+                  <a:solidFill>
+                    <a:srgbClr val="5DA2C5"/>
+                  </a:solidFill>
+                  <a:latin typeface="SHeadG" panose="02030600000101010101" pitchFamily="18" charset="-127"/>
+                  <a:ea typeface="SHeadG" panose="02030600000101010101" pitchFamily="18" charset="-127"/>
+                </a:rPr>
+                <a:t>    },</a:t>
+              </a:r>
+            </a:p>
+            <a:p>
+              <a:r>
+                <a:rPr kumimoji="1" lang="en-US" altLang="ko-KR" sz="1200" dirty="0">
+                  <a:solidFill>
+                    <a:srgbClr val="5DA2C5"/>
+                  </a:solidFill>
+                  <a:latin typeface="SHeadG" panose="02030600000101010101" pitchFamily="18" charset="-127"/>
+                  <a:ea typeface="SHeadG" panose="02030600000101010101" pitchFamily="18" charset="-127"/>
+                </a:rPr>
+                <a:t>    {</a:t>
+              </a:r>
+            </a:p>
+            <a:p>
+              <a:r>
+                <a:rPr kumimoji="1" lang="en-US" altLang="ko-KR" sz="1200" dirty="0">
+                  <a:solidFill>
+                    <a:srgbClr val="5DA2C5"/>
+                  </a:solidFill>
+                  <a:latin typeface="SHeadG" panose="02030600000101010101" pitchFamily="18" charset="-127"/>
+                  <a:ea typeface="SHeadG" panose="02030600000101010101" pitchFamily="18" charset="-127"/>
+                </a:rPr>
+                <a:t>      “rating”: 3.5,</a:t>
+              </a:r>
+            </a:p>
+            <a:p>
+              <a:r>
+                <a:rPr kumimoji="1" lang="en-US" altLang="ko-KR" sz="1200" dirty="0">
+                  <a:solidFill>
+                    <a:srgbClr val="5DA2C5"/>
+                  </a:solidFill>
+                  <a:latin typeface="SHeadG" panose="02030600000101010101" pitchFamily="18" charset="-127"/>
+                  <a:ea typeface="SHeadG" panose="02030600000101010101" pitchFamily="18" charset="-127"/>
+                </a:rPr>
+                <a:t>      “author”: “Jhon Doe”,</a:t>
+              </a:r>
+            </a:p>
+            <a:p>
+              <a:r>
+                <a:rPr kumimoji="1" lang="en-US" altLang="ko-KR" sz="1200" dirty="0">
+                  <a:solidFill>
+                    <a:srgbClr val="5DA2C5"/>
+                  </a:solidFill>
+                  <a:latin typeface="SHeadG" panose="02030600000101010101" pitchFamily="18" charset="-127"/>
+                  <a:ea typeface="SHeadG" panose="02030600000101010101" pitchFamily="18" charset="-127"/>
+                </a:rPr>
+                <a:t>      “description”: “Could be better </a:t>
+              </a:r>
+              <a:r>
+                <a:rPr kumimoji="1" lang="en-US" altLang="ko-KR" sz="1200" dirty="0">
+                  <a:solidFill>
+                    <a:srgbClr val="5DA2C5"/>
+                  </a:solidFill>
+                  <a:latin typeface="SHeadG" panose="02030600000101010101" pitchFamily="18" charset="-127"/>
+                  <a:ea typeface="SHeadG" panose="02030600000101010101" pitchFamily="18" charset="-127"/>
+                  <a:sym typeface="Wingdings" pitchFamily="2" charset="2"/>
+                </a:rPr>
+                <a:t>:)</a:t>
+              </a:r>
+              <a:r>
+                <a:rPr kumimoji="1" lang="en-US" altLang="ko-KR" sz="1200" dirty="0">
+                  <a:solidFill>
+                    <a:srgbClr val="5DA2C5"/>
+                  </a:solidFill>
+                  <a:latin typeface="SHeadG" panose="02030600000101010101" pitchFamily="18" charset="-127"/>
+                  <a:ea typeface="SHeadG" panose="02030600000101010101" pitchFamily="18" charset="-127"/>
+                </a:rPr>
+                <a:t>”</a:t>
+              </a:r>
+            </a:p>
+            <a:p>
+              <a:r>
+                <a:rPr kumimoji="1" lang="en-US" altLang="ko-KR" sz="1200" dirty="0">
+                  <a:solidFill>
+                    <a:srgbClr val="5DA2C5"/>
+                  </a:solidFill>
+                  <a:latin typeface="SHeadG" panose="02030600000101010101" pitchFamily="18" charset="-127"/>
+                  <a:ea typeface="SHeadG" panose="02030600000101010101" pitchFamily="18" charset="-127"/>
+                </a:rPr>
+                <a:t>    }</a:t>
+              </a:r>
+            </a:p>
+            <a:p>
+              <a:r>
+                <a:rPr kumimoji="1" lang="en-US" altLang="ko-KR" sz="1200" dirty="0">
+                  <a:solidFill>
+                    <a:srgbClr val="5DA2C5"/>
+                  </a:solidFill>
+                  <a:latin typeface="SHeadG" panose="02030600000101010101" pitchFamily="18" charset="-127"/>
+                  <a:ea typeface="SHeadG" panose="02030600000101010101" pitchFamily="18" charset="-127"/>
+                </a:rPr>
+                <a:t>   ]</a:t>
+              </a:r>
+            </a:p>
+            <a:p>
+              <a:r>
+                <a:rPr kumimoji="1" lang="en-US" altLang="ko-KR" sz="1200" dirty="0">
+                  <a:solidFill>
+                    <a:srgbClr val="5DA2C5"/>
+                  </a:solidFill>
+                  <a:latin typeface="SHeadG" panose="02030600000101010101" pitchFamily="18" charset="-127"/>
+                  <a:ea typeface="SHeadG" panose="02030600000101010101" pitchFamily="18" charset="-127"/>
+                </a:rPr>
+                <a:t>}</a:t>
+              </a:r>
+              <a:endParaRPr kumimoji="1" lang="ko-Kore-KR" altLang="en-US" sz="1200" dirty="0">
+                <a:solidFill>
+                  <a:srgbClr val="5DA2C5"/>
+                </a:solidFill>
+                <a:latin typeface="SHeadG" panose="02030600000101010101" pitchFamily="18" charset="-127"/>
+                <a:ea typeface="SHeadG" panose="02030600000101010101" pitchFamily="18" charset="-127"/>
+              </a:endParaRPr>
+            </a:p>
+          </p:txBody>
+        </p:sp>
+      </p:grpSp>
+    </p:spTree>
+    <p:extLst>
+      <p:ext uri="{BB962C8B-B14F-4D97-AF65-F5344CB8AC3E}">
+        <p14:creationId xmlns:p14="http://schemas.microsoft.com/office/powerpoint/2010/main" val="2149517143"/>
+      </p:ext>
+    </p:extLst>
+  </p:cSld>
+  <p:clrMapOvr>
+    <a:masterClrMapping/>
+  </p:clrMapOvr>
+</p:sld>
+</file>
+
+<file path=ppt/slides/slide15.xml><?xml version="1.0" encoding="utf-8"?>
+<p:sld xmlns:a="http://schemas.openxmlformats.org/drawingml/2006/main" xmlns:r="http://schemas.openxmlformats.org/officeDocument/2006/relationships" xmlns:p="http://schemas.openxmlformats.org/presentationml/2006/main">
+  <p:cSld>
+    <p:spTree>
+      <p:nvGrpSpPr>
+        <p:cNvPr id="1" name=""/>
+        <p:cNvGrpSpPr/>
+        <p:nvPr/>
+      </p:nvGrpSpPr>
+      <p:grpSpPr>
+        <a:xfrm>
+          <a:off x="0" y="0"/>
+          <a:ext cx="0" cy="0"/>
+          <a:chOff x="0" y="0"/>
+          <a:chExt cx="0" cy="0"/>
+        </a:xfrm>
+      </p:grpSpPr>
+      <p:grpSp>
+        <p:nvGrpSpPr>
+          <p:cNvPr id="19" name="그룹 18">
+            <a:extLst>
+              <a:ext uri="{FF2B5EF4-FFF2-40B4-BE49-F238E27FC236}">
+                <a16:creationId xmlns:a16="http://schemas.microsoft.com/office/drawing/2014/main" id="{3A181983-A3BB-5E45-903C-F078E4F63154}"/>
+              </a:ext>
+            </a:extLst>
+          </p:cNvPr>
+          <p:cNvGrpSpPr/>
+          <p:nvPr/>
+        </p:nvGrpSpPr>
+        <p:grpSpPr>
+          <a:xfrm>
+            <a:off x="3514969" y="2314982"/>
+            <a:ext cx="4175394" cy="1488922"/>
+            <a:chOff x="848299" y="903383"/>
+            <a:chExt cx="4175394" cy="1488922"/>
+          </a:xfrm>
+        </p:grpSpPr>
+        <p:sp>
+          <p:nvSpPr>
+            <p:cNvPr id="20" name="직사각형 19">
+              <a:extLst>
+                <a:ext uri="{FF2B5EF4-FFF2-40B4-BE49-F238E27FC236}">
+                  <a16:creationId xmlns:a16="http://schemas.microsoft.com/office/drawing/2014/main" id="{A8DD2870-4B14-BF4D-83E6-5D33BCB405BB}"/>
+                </a:ext>
+              </a:extLst>
+            </p:cNvPr>
+            <p:cNvSpPr/>
+            <p:nvPr/>
+          </p:nvSpPr>
+          <p:spPr>
+            <a:xfrm>
+              <a:off x="848299" y="903383"/>
+              <a:ext cx="4175394" cy="1488922"/>
+            </a:xfrm>
+            <a:prstGeom prst="rect">
+              <a:avLst/>
+            </a:prstGeom>
+            <a:noFill/>
+            <a:ln w="25400">
+              <a:solidFill>
+                <a:srgbClr val="5DA2C5"/>
+              </a:solidFill>
+            </a:ln>
+          </p:spPr>
+          <p:style>
+            <a:lnRef idx="2">
+              <a:schemeClr val="accent1">
+                <a:shade val="50000"/>
+              </a:schemeClr>
+            </a:lnRef>
+            <a:fillRef idx="1">
+              <a:schemeClr val="accent1"/>
+            </a:fillRef>
+            <a:effectRef idx="0">
+              <a:schemeClr val="accent1"/>
+            </a:effectRef>
+            <a:fontRef idx="minor">
+              <a:schemeClr val="lt1"/>
+            </a:fontRef>
+          </p:style>
+          <p:txBody>
+            <a:bodyPr rtlCol="0" anchor="ctr"/>
+            <a:lstStyle/>
+            <a:p>
+              <a:pPr algn="ctr"/>
+              <a:endParaRPr kumimoji="1" lang="ko-Kore-KR" altLang="en-US"/>
+            </a:p>
+          </p:txBody>
+        </p:sp>
+        <p:sp>
+          <p:nvSpPr>
+            <p:cNvPr id="21" name="TextBox 20">
+              <a:extLst>
+                <a:ext uri="{FF2B5EF4-FFF2-40B4-BE49-F238E27FC236}">
+                  <a16:creationId xmlns:a16="http://schemas.microsoft.com/office/drawing/2014/main" id="{F7000863-ED92-6249-91AA-0D7A56A18E67}"/>
+                </a:ext>
+              </a:extLst>
+            </p:cNvPr>
+            <p:cNvSpPr txBox="1"/>
+            <p:nvPr/>
+          </p:nvSpPr>
+          <p:spPr>
+            <a:xfrm>
+              <a:off x="1007566" y="1071869"/>
+              <a:ext cx="3910988" cy="1200329"/>
+            </a:xfrm>
+            <a:prstGeom prst="rect">
+              <a:avLst/>
+            </a:prstGeom>
+            <a:noFill/>
+          </p:spPr>
+          <p:txBody>
+            <a:bodyPr wrap="square" rtlCol="0">
+              <a:spAutoFit/>
+            </a:bodyPr>
+            <a:lstStyle/>
+            <a:p>
+              <a:r>
+                <a:rPr kumimoji="1" lang="en-US" altLang="ko-Kore-KR" sz="1200" dirty="0">
+                  <a:solidFill>
+                    <a:srgbClr val="5DA2C5"/>
+                  </a:solidFill>
+                  <a:latin typeface="SHeadG" panose="02030600000101010101" pitchFamily="18" charset="-127"/>
+                  <a:ea typeface="SHeadG" panose="02030600000101010101" pitchFamily="18" charset="-127"/>
+                </a:rPr>
+                <a:t>{</a:t>
+              </a:r>
+            </a:p>
+            <a:p>
+              <a:r>
+                <a:rPr kumimoji="1" lang="ko-KR" altLang="en-US" sz="1200" dirty="0">
+                  <a:solidFill>
+                    <a:srgbClr val="5DA2C5"/>
+                  </a:solidFill>
+                  <a:latin typeface="SHeadG" panose="02030600000101010101" pitchFamily="18" charset="-127"/>
+                  <a:ea typeface="SHeadG" panose="02030600000101010101" pitchFamily="18" charset="-127"/>
+                </a:rPr>
+                <a:t>  </a:t>
+              </a:r>
+              <a:r>
+                <a:rPr kumimoji="1" lang="en-US" altLang="ko-KR" sz="1200" dirty="0">
+                  <a:solidFill>
+                    <a:srgbClr val="5DA2C5"/>
+                  </a:solidFill>
+                  <a:latin typeface="SHeadG" panose="02030600000101010101" pitchFamily="18" charset="-127"/>
+                  <a:ea typeface="SHeadG" panose="02030600000101010101" pitchFamily="18" charset="-127"/>
+                </a:rPr>
+                <a:t>“name”: “Coffee Maker”,</a:t>
+              </a:r>
+            </a:p>
+            <a:p>
+              <a:r>
+                <a:rPr kumimoji="1" lang="en-US" altLang="ko-KR" sz="1200" dirty="0">
+                  <a:solidFill>
+                    <a:srgbClr val="5DA2C5"/>
+                  </a:solidFill>
+                  <a:latin typeface="SHeadG" panose="02030600000101010101" pitchFamily="18" charset="-127"/>
+                  <a:ea typeface="SHeadG" panose="02030600000101010101" pitchFamily="18" charset="-127"/>
+                </a:rPr>
+                <a:t>  “reviews”: [</a:t>
+              </a:r>
+            </a:p>
+            <a:p>
+              <a:r>
+                <a:rPr kumimoji="1" lang="ko-KR" altLang="en-US" sz="1200" dirty="0">
+                  <a:solidFill>
+                    <a:srgbClr val="5DA2C5"/>
+                  </a:solidFill>
+                  <a:latin typeface="SHeadG" panose="02030600000101010101" pitchFamily="18" charset="-127"/>
+                  <a:ea typeface="SHeadG" panose="02030600000101010101" pitchFamily="18" charset="-127"/>
+                </a:rPr>
+                <a:t>     </a:t>
+              </a:r>
+              <a:r>
+                <a:rPr kumimoji="1" lang="en-US" altLang="ko-KR" sz="1200" dirty="0">
+                  <a:solidFill>
+                    <a:srgbClr val="5DA2C5"/>
+                  </a:solidFill>
+                  <a:latin typeface="SHeadG" panose="02030600000101010101" pitchFamily="18" charset="-127"/>
+                  <a:ea typeface="SHeadG" panose="02030600000101010101" pitchFamily="18" charset="-127"/>
+                </a:rPr>
+                <a:t>...</a:t>
+              </a:r>
+            </a:p>
+            <a:p>
+              <a:r>
+                <a:rPr kumimoji="1" lang="ko-KR" altLang="en-US" sz="1200" dirty="0">
+                  <a:solidFill>
+                    <a:srgbClr val="5DA2C5"/>
+                  </a:solidFill>
+                  <a:latin typeface="SHeadG" panose="02030600000101010101" pitchFamily="18" charset="-127"/>
+                  <a:ea typeface="SHeadG" panose="02030600000101010101" pitchFamily="18" charset="-127"/>
+                </a:rPr>
+                <a:t>   </a:t>
+              </a:r>
+              <a:r>
+                <a:rPr kumimoji="1" lang="en-US" altLang="ko-KR" sz="1200" dirty="0">
+                  <a:solidFill>
+                    <a:srgbClr val="5DA2C5"/>
+                  </a:solidFill>
+                  <a:latin typeface="SHeadG" panose="02030600000101010101" pitchFamily="18" charset="-127"/>
+                  <a:ea typeface="SHeadG" panose="02030600000101010101" pitchFamily="18" charset="-127"/>
+                </a:rPr>
+                <a:t>]</a:t>
+              </a:r>
+            </a:p>
+            <a:p>
+              <a:r>
+                <a:rPr kumimoji="1" lang="en-US" altLang="ko-KR" sz="1200" dirty="0">
+                  <a:solidFill>
+                    <a:srgbClr val="5DA2C5"/>
+                  </a:solidFill>
+                  <a:latin typeface="SHeadG" panose="02030600000101010101" pitchFamily="18" charset="-127"/>
+                  <a:ea typeface="SHeadG" panose="02030600000101010101" pitchFamily="18" charset="-127"/>
+                </a:rPr>
+                <a:t>}</a:t>
+              </a:r>
+              <a:endParaRPr kumimoji="1" lang="ko-Kore-KR" altLang="en-US" sz="1200" dirty="0">
+                <a:solidFill>
+                  <a:srgbClr val="5DA2C5"/>
+                </a:solidFill>
+                <a:latin typeface="SHeadG" panose="02030600000101010101" pitchFamily="18" charset="-127"/>
+                <a:ea typeface="SHeadG" panose="02030600000101010101" pitchFamily="18" charset="-127"/>
+              </a:endParaRPr>
+            </a:p>
+          </p:txBody>
+        </p:sp>
+      </p:grpSp>
+      <p:grpSp>
+        <p:nvGrpSpPr>
+          <p:cNvPr id="2" name="그룹 1">
+            <a:extLst>
+              <a:ext uri="{FF2B5EF4-FFF2-40B4-BE49-F238E27FC236}">
+                <a16:creationId xmlns:a16="http://schemas.microsoft.com/office/drawing/2014/main" id="{8E37B616-7390-E441-B4BD-C67A3F331E37}"/>
+              </a:ext>
+            </a:extLst>
+          </p:cNvPr>
+          <p:cNvGrpSpPr/>
+          <p:nvPr/>
+        </p:nvGrpSpPr>
+        <p:grpSpPr>
+          <a:xfrm>
+            <a:off x="2078787" y="581110"/>
+            <a:ext cx="981509" cy="1243118"/>
+            <a:chOff x="1097280" y="422839"/>
+            <a:chExt cx="981509" cy="1243118"/>
+          </a:xfrm>
+        </p:grpSpPr>
+        <p:pic>
+          <p:nvPicPr>
+            <p:cNvPr id="8" name="그림 7">
+              <a:extLst>
+                <a:ext uri="{FF2B5EF4-FFF2-40B4-BE49-F238E27FC236}">
+                  <a16:creationId xmlns:a16="http://schemas.microsoft.com/office/drawing/2014/main" id="{7D5F7A77-4F5B-6F4A-957B-DADE98135449}"/>
+                </a:ext>
+              </a:extLst>
+            </p:cNvPr>
+            <p:cNvPicPr>
+              <a:picLocks noChangeAspect="1"/>
+            </p:cNvPicPr>
+            <p:nvPr/>
+          </p:nvPicPr>
+          <p:blipFill>
+            <a:blip r:embed="rId2">
+              <a:duotone>
+                <a:schemeClr val="accent5">
+                  <a:shade val="45000"/>
+                  <a:satMod val="135000"/>
+                </a:schemeClr>
+                <a:prstClr val="white"/>
+              </a:duotone>
+            </a:blip>
+            <a:stretch>
+              <a:fillRect/>
+            </a:stretch>
+          </p:blipFill>
+          <p:spPr>
+            <a:xfrm>
+              <a:off x="1097280" y="422839"/>
+              <a:ext cx="981508" cy="981508"/>
+            </a:xfrm>
+            <a:prstGeom prst="rect">
+              <a:avLst/>
+            </a:prstGeom>
+          </p:spPr>
+        </p:pic>
+        <p:sp>
+          <p:nvSpPr>
+            <p:cNvPr id="9" name="TextBox 8">
+              <a:extLst>
+                <a:ext uri="{FF2B5EF4-FFF2-40B4-BE49-F238E27FC236}">
+                  <a16:creationId xmlns:a16="http://schemas.microsoft.com/office/drawing/2014/main" id="{0815AF0F-0042-244D-9C46-A0265BE61750}"/>
+                </a:ext>
+              </a:extLst>
+            </p:cNvPr>
+            <p:cNvSpPr txBox="1"/>
+            <p:nvPr/>
+          </p:nvSpPr>
+          <p:spPr>
+            <a:xfrm>
+              <a:off x="1097280" y="1404347"/>
+              <a:ext cx="981509" cy="261610"/>
+            </a:xfrm>
+            <a:prstGeom prst="rect">
+              <a:avLst/>
+            </a:prstGeom>
+            <a:noFill/>
+          </p:spPr>
+          <p:txBody>
+            <a:bodyPr wrap="square" rtlCol="0">
+              <a:spAutoFit/>
+            </a:bodyPr>
+            <a:lstStyle/>
+            <a:p>
+              <a:pPr algn="ctr"/>
+              <a:r>
+                <a:rPr kumimoji="1" lang="en-US" altLang="ko-KR" sz="1100" b="1" dirty="0">
+                  <a:solidFill>
+                    <a:srgbClr val="5DA2C5"/>
+                  </a:solidFill>
+                  <a:latin typeface="SHeadG" panose="02030600000101010101" pitchFamily="18" charset="-127"/>
+                  <a:ea typeface="SHeadG" panose="02030600000101010101" pitchFamily="18" charset="-127"/>
+                </a:rPr>
+                <a:t>Review</a:t>
+              </a:r>
+              <a:r>
+                <a:rPr kumimoji="1" lang="ko-KR" altLang="en-US" sz="1100" b="1" dirty="0">
+                  <a:solidFill>
+                    <a:srgbClr val="5DA2C5"/>
+                  </a:solidFill>
+                  <a:latin typeface="SHeadG" panose="02030600000101010101" pitchFamily="18" charset="-127"/>
+                  <a:ea typeface="SHeadG" panose="02030600000101010101" pitchFamily="18" charset="-127"/>
+                </a:rPr>
+                <a:t> </a:t>
+              </a:r>
+              <a:r>
+                <a:rPr kumimoji="1" lang="en-US" altLang="ko-KR" sz="1100" b="1" dirty="0">
+                  <a:solidFill>
+                    <a:srgbClr val="5DA2C5"/>
+                  </a:solidFill>
+                  <a:latin typeface="SHeadG" panose="02030600000101010101" pitchFamily="18" charset="-127"/>
+                  <a:ea typeface="SHeadG" panose="02030600000101010101" pitchFamily="18" charset="-127"/>
+                </a:rPr>
+                <a:t>1</a:t>
+              </a:r>
+              <a:endParaRPr kumimoji="1" lang="ko-Kore-KR" altLang="en-US" sz="1100" b="1" dirty="0">
+                <a:solidFill>
+                  <a:srgbClr val="5DA2C5"/>
+                </a:solidFill>
+                <a:latin typeface="SHeadG" panose="02030600000101010101" pitchFamily="18" charset="-127"/>
+                <a:ea typeface="SHeadG" panose="02030600000101010101" pitchFamily="18" charset="-127"/>
+              </a:endParaRPr>
+            </a:p>
+          </p:txBody>
+        </p:sp>
+      </p:grpSp>
+      <p:grpSp>
+        <p:nvGrpSpPr>
+          <p:cNvPr id="11" name="그룹 10">
+            <a:extLst>
+              <a:ext uri="{FF2B5EF4-FFF2-40B4-BE49-F238E27FC236}">
+                <a16:creationId xmlns:a16="http://schemas.microsoft.com/office/drawing/2014/main" id="{C88642AA-3315-EF46-B898-975B6EBD2C9F}"/>
+              </a:ext>
+            </a:extLst>
+          </p:cNvPr>
+          <p:cNvGrpSpPr/>
+          <p:nvPr/>
+        </p:nvGrpSpPr>
+        <p:grpSpPr>
+          <a:xfrm>
+            <a:off x="3674234" y="581110"/>
+            <a:ext cx="981509" cy="1243118"/>
+            <a:chOff x="1097280" y="422839"/>
+            <a:chExt cx="981509" cy="1243118"/>
+          </a:xfrm>
+        </p:grpSpPr>
+        <p:pic>
+          <p:nvPicPr>
+            <p:cNvPr id="12" name="그림 11">
+              <a:extLst>
+                <a:ext uri="{FF2B5EF4-FFF2-40B4-BE49-F238E27FC236}">
+                  <a16:creationId xmlns:a16="http://schemas.microsoft.com/office/drawing/2014/main" id="{531E5FDA-9CCA-3248-B7DE-274FD5767344}"/>
+                </a:ext>
+              </a:extLst>
+            </p:cNvPr>
+            <p:cNvPicPr>
+              <a:picLocks noChangeAspect="1"/>
+            </p:cNvPicPr>
+            <p:nvPr/>
+          </p:nvPicPr>
+          <p:blipFill>
+            <a:blip r:embed="rId2">
+              <a:duotone>
+                <a:schemeClr val="accent5">
+                  <a:shade val="45000"/>
+                  <a:satMod val="135000"/>
+                </a:schemeClr>
+                <a:prstClr val="white"/>
+              </a:duotone>
+            </a:blip>
+            <a:stretch>
+              <a:fillRect/>
+            </a:stretch>
+          </p:blipFill>
+          <p:spPr>
+            <a:xfrm>
+              <a:off x="1097280" y="422839"/>
+              <a:ext cx="981508" cy="981508"/>
+            </a:xfrm>
+            <a:prstGeom prst="rect">
+              <a:avLst/>
+            </a:prstGeom>
+          </p:spPr>
+        </p:pic>
+        <p:sp>
+          <p:nvSpPr>
+            <p:cNvPr id="13" name="TextBox 12">
+              <a:extLst>
+                <a:ext uri="{FF2B5EF4-FFF2-40B4-BE49-F238E27FC236}">
+                  <a16:creationId xmlns:a16="http://schemas.microsoft.com/office/drawing/2014/main" id="{0C22335C-FAEA-5B42-8EAD-641DF2008A4F}"/>
+                </a:ext>
+              </a:extLst>
+            </p:cNvPr>
+            <p:cNvSpPr txBox="1"/>
+            <p:nvPr/>
+          </p:nvSpPr>
+          <p:spPr>
+            <a:xfrm>
+              <a:off x="1097280" y="1404347"/>
+              <a:ext cx="981509" cy="261610"/>
+            </a:xfrm>
+            <a:prstGeom prst="rect">
+              <a:avLst/>
+            </a:prstGeom>
+            <a:noFill/>
+          </p:spPr>
+          <p:txBody>
+            <a:bodyPr wrap="square" rtlCol="0">
+              <a:spAutoFit/>
+            </a:bodyPr>
+            <a:lstStyle/>
+            <a:p>
+              <a:pPr algn="ctr"/>
+              <a:r>
+                <a:rPr kumimoji="1" lang="en-US" altLang="ko-KR" sz="1100" b="1" dirty="0">
+                  <a:solidFill>
+                    <a:srgbClr val="5DA2C5"/>
+                  </a:solidFill>
+                  <a:latin typeface="SHeadG" panose="02030600000101010101" pitchFamily="18" charset="-127"/>
+                  <a:ea typeface="SHeadG" panose="02030600000101010101" pitchFamily="18" charset="-127"/>
+                </a:rPr>
+                <a:t>Review</a:t>
+              </a:r>
+              <a:r>
+                <a:rPr kumimoji="1" lang="ko-KR" altLang="en-US" sz="1100" b="1" dirty="0">
+                  <a:solidFill>
+                    <a:srgbClr val="5DA2C5"/>
+                  </a:solidFill>
+                  <a:latin typeface="SHeadG" panose="02030600000101010101" pitchFamily="18" charset="-127"/>
+                  <a:ea typeface="SHeadG" panose="02030600000101010101" pitchFamily="18" charset="-127"/>
+                </a:rPr>
+                <a:t> </a:t>
+              </a:r>
+              <a:r>
+                <a:rPr kumimoji="1" lang="en-US" altLang="ko-KR" sz="1100" b="1" dirty="0">
+                  <a:solidFill>
+                    <a:srgbClr val="5DA2C5"/>
+                  </a:solidFill>
+                  <a:latin typeface="SHeadG" panose="02030600000101010101" pitchFamily="18" charset="-127"/>
+                  <a:ea typeface="SHeadG" panose="02030600000101010101" pitchFamily="18" charset="-127"/>
+                </a:rPr>
+                <a:t>2</a:t>
+              </a:r>
+              <a:endParaRPr kumimoji="1" lang="ko-Kore-KR" altLang="en-US" sz="1100" b="1" dirty="0">
+                <a:solidFill>
+                  <a:srgbClr val="5DA2C5"/>
+                </a:solidFill>
+                <a:latin typeface="SHeadG" panose="02030600000101010101" pitchFamily="18" charset="-127"/>
+                <a:ea typeface="SHeadG" panose="02030600000101010101" pitchFamily="18" charset="-127"/>
+              </a:endParaRPr>
+            </a:p>
+          </p:txBody>
+        </p:sp>
+      </p:grpSp>
+      <p:grpSp>
+        <p:nvGrpSpPr>
+          <p:cNvPr id="14" name="그룹 13">
+            <a:extLst>
+              <a:ext uri="{FF2B5EF4-FFF2-40B4-BE49-F238E27FC236}">
+                <a16:creationId xmlns:a16="http://schemas.microsoft.com/office/drawing/2014/main" id="{F2D4062E-19F4-D74E-B689-82BF9E4D9B27}"/>
+              </a:ext>
+            </a:extLst>
+          </p:cNvPr>
+          <p:cNvGrpSpPr/>
+          <p:nvPr/>
+        </p:nvGrpSpPr>
+        <p:grpSpPr>
+          <a:xfrm>
+            <a:off x="5269681" y="581110"/>
+            <a:ext cx="981509" cy="1243118"/>
+            <a:chOff x="1097280" y="422839"/>
+            <a:chExt cx="981509" cy="1243118"/>
+          </a:xfrm>
+        </p:grpSpPr>
+        <p:pic>
+          <p:nvPicPr>
+            <p:cNvPr id="15" name="그림 14">
+              <a:extLst>
+                <a:ext uri="{FF2B5EF4-FFF2-40B4-BE49-F238E27FC236}">
+                  <a16:creationId xmlns:a16="http://schemas.microsoft.com/office/drawing/2014/main" id="{9929FF49-5A10-C743-B653-E26660478552}"/>
+                </a:ext>
+              </a:extLst>
+            </p:cNvPr>
+            <p:cNvPicPr>
+              <a:picLocks noChangeAspect="1"/>
+            </p:cNvPicPr>
+            <p:nvPr/>
+          </p:nvPicPr>
+          <p:blipFill>
+            <a:blip r:embed="rId2">
+              <a:duotone>
+                <a:schemeClr val="accent5">
+                  <a:shade val="45000"/>
+                  <a:satMod val="135000"/>
+                </a:schemeClr>
+                <a:prstClr val="white"/>
+              </a:duotone>
+            </a:blip>
+            <a:stretch>
+              <a:fillRect/>
+            </a:stretch>
+          </p:blipFill>
+          <p:spPr>
+            <a:xfrm>
+              <a:off x="1097280" y="422839"/>
+              <a:ext cx="981508" cy="981508"/>
+            </a:xfrm>
+            <a:prstGeom prst="rect">
+              <a:avLst/>
+            </a:prstGeom>
+          </p:spPr>
+        </p:pic>
+        <p:sp>
+          <p:nvSpPr>
+            <p:cNvPr id="17" name="TextBox 16">
+              <a:extLst>
+                <a:ext uri="{FF2B5EF4-FFF2-40B4-BE49-F238E27FC236}">
+                  <a16:creationId xmlns:a16="http://schemas.microsoft.com/office/drawing/2014/main" id="{4E4A56F4-36F3-F94B-B1B0-0F73A3401167}"/>
+                </a:ext>
+              </a:extLst>
+            </p:cNvPr>
+            <p:cNvSpPr txBox="1"/>
+            <p:nvPr/>
+          </p:nvSpPr>
+          <p:spPr>
+            <a:xfrm>
+              <a:off x="1097280" y="1404347"/>
+              <a:ext cx="981509" cy="261610"/>
+            </a:xfrm>
+            <a:prstGeom prst="rect">
+              <a:avLst/>
+            </a:prstGeom>
+            <a:noFill/>
+          </p:spPr>
+          <p:txBody>
+            <a:bodyPr wrap="square" rtlCol="0">
+              <a:spAutoFit/>
+            </a:bodyPr>
+            <a:lstStyle/>
+            <a:p>
+              <a:pPr algn="ctr"/>
+              <a:r>
+                <a:rPr kumimoji="1" lang="en-US" altLang="ko-KR" sz="1100" b="1" dirty="0">
+                  <a:solidFill>
+                    <a:srgbClr val="5DA2C5"/>
+                  </a:solidFill>
+                  <a:latin typeface="SHeadG" panose="02030600000101010101" pitchFamily="18" charset="-127"/>
+                  <a:ea typeface="SHeadG" panose="02030600000101010101" pitchFamily="18" charset="-127"/>
+                </a:rPr>
+                <a:t>Review</a:t>
+              </a:r>
+              <a:r>
+                <a:rPr kumimoji="1" lang="ko-KR" altLang="en-US" sz="1100" b="1" dirty="0">
+                  <a:solidFill>
+                    <a:srgbClr val="5DA2C5"/>
+                  </a:solidFill>
+                  <a:latin typeface="SHeadG" panose="02030600000101010101" pitchFamily="18" charset="-127"/>
+                  <a:ea typeface="SHeadG" panose="02030600000101010101" pitchFamily="18" charset="-127"/>
+                </a:rPr>
+                <a:t> </a:t>
+              </a:r>
+              <a:r>
+                <a:rPr kumimoji="1" lang="en-US" altLang="ko-KR" sz="1100" b="1" dirty="0">
+                  <a:solidFill>
+                    <a:srgbClr val="5DA2C5"/>
+                  </a:solidFill>
+                  <a:latin typeface="SHeadG" panose="02030600000101010101" pitchFamily="18" charset="-127"/>
+                  <a:ea typeface="SHeadG" panose="02030600000101010101" pitchFamily="18" charset="-127"/>
+                </a:rPr>
+                <a:t>3</a:t>
+              </a:r>
+              <a:endParaRPr kumimoji="1" lang="ko-Kore-KR" altLang="en-US" sz="1100" b="1" dirty="0">
+                <a:solidFill>
+                  <a:srgbClr val="5DA2C5"/>
+                </a:solidFill>
+                <a:latin typeface="SHeadG" panose="02030600000101010101" pitchFamily="18" charset="-127"/>
+                <a:ea typeface="SHeadG" panose="02030600000101010101" pitchFamily="18" charset="-127"/>
+              </a:endParaRPr>
+            </a:p>
+          </p:txBody>
+        </p:sp>
+      </p:grpSp>
+      <p:grpSp>
+        <p:nvGrpSpPr>
+          <p:cNvPr id="23" name="그룹 22">
+            <a:extLst>
+              <a:ext uri="{FF2B5EF4-FFF2-40B4-BE49-F238E27FC236}">
+                <a16:creationId xmlns:a16="http://schemas.microsoft.com/office/drawing/2014/main" id="{7465F76F-3FC0-0841-8E81-850A49BEABA1}"/>
+              </a:ext>
+            </a:extLst>
+          </p:cNvPr>
+          <p:cNvGrpSpPr/>
+          <p:nvPr/>
+        </p:nvGrpSpPr>
+        <p:grpSpPr>
+          <a:xfrm>
+            <a:off x="6865128" y="581110"/>
+            <a:ext cx="981509" cy="1243118"/>
+            <a:chOff x="1097280" y="422839"/>
+            <a:chExt cx="981509" cy="1243118"/>
+          </a:xfrm>
+        </p:grpSpPr>
+        <p:pic>
+          <p:nvPicPr>
+            <p:cNvPr id="24" name="그림 23">
+              <a:extLst>
+                <a:ext uri="{FF2B5EF4-FFF2-40B4-BE49-F238E27FC236}">
+                  <a16:creationId xmlns:a16="http://schemas.microsoft.com/office/drawing/2014/main" id="{98FEB1E2-DD61-C447-BFCE-E54D70942244}"/>
+                </a:ext>
+              </a:extLst>
+            </p:cNvPr>
+            <p:cNvPicPr>
+              <a:picLocks noChangeAspect="1"/>
+            </p:cNvPicPr>
+            <p:nvPr/>
+          </p:nvPicPr>
+          <p:blipFill>
+            <a:blip r:embed="rId2">
+              <a:duotone>
+                <a:schemeClr val="accent5">
+                  <a:shade val="45000"/>
+                  <a:satMod val="135000"/>
+                </a:schemeClr>
+                <a:prstClr val="white"/>
+              </a:duotone>
+            </a:blip>
+            <a:stretch>
+              <a:fillRect/>
+            </a:stretch>
+          </p:blipFill>
+          <p:spPr>
+            <a:xfrm>
+              <a:off x="1097280" y="422839"/>
+              <a:ext cx="981508" cy="981508"/>
+            </a:xfrm>
+            <a:prstGeom prst="rect">
+              <a:avLst/>
+            </a:prstGeom>
+          </p:spPr>
+        </p:pic>
+        <p:sp>
+          <p:nvSpPr>
+            <p:cNvPr id="25" name="TextBox 24">
+              <a:extLst>
+                <a:ext uri="{FF2B5EF4-FFF2-40B4-BE49-F238E27FC236}">
+                  <a16:creationId xmlns:a16="http://schemas.microsoft.com/office/drawing/2014/main" id="{119A8E03-0E56-E240-BA65-E470EA061BCF}"/>
+                </a:ext>
+              </a:extLst>
+            </p:cNvPr>
+            <p:cNvSpPr txBox="1"/>
+            <p:nvPr/>
+          </p:nvSpPr>
+          <p:spPr>
+            <a:xfrm>
+              <a:off x="1097280" y="1404347"/>
+              <a:ext cx="981509" cy="261610"/>
+            </a:xfrm>
+            <a:prstGeom prst="rect">
+              <a:avLst/>
+            </a:prstGeom>
+            <a:noFill/>
+          </p:spPr>
+          <p:txBody>
+            <a:bodyPr wrap="square" rtlCol="0">
+              <a:spAutoFit/>
+            </a:bodyPr>
+            <a:lstStyle/>
+            <a:p>
+              <a:pPr algn="ctr"/>
+              <a:r>
+                <a:rPr kumimoji="1" lang="en-US" altLang="ko-KR" sz="1100" b="1" dirty="0">
+                  <a:solidFill>
+                    <a:srgbClr val="5DA2C5"/>
+                  </a:solidFill>
+                  <a:latin typeface="SHeadG" panose="02030600000101010101" pitchFamily="18" charset="-127"/>
+                  <a:ea typeface="SHeadG" panose="02030600000101010101" pitchFamily="18" charset="-127"/>
+                </a:rPr>
+                <a:t>Review</a:t>
+              </a:r>
+              <a:r>
+                <a:rPr kumimoji="1" lang="ko-KR" altLang="en-US" sz="1100" b="1" dirty="0">
+                  <a:solidFill>
+                    <a:srgbClr val="5DA2C5"/>
+                  </a:solidFill>
+                  <a:latin typeface="SHeadG" panose="02030600000101010101" pitchFamily="18" charset="-127"/>
+                  <a:ea typeface="SHeadG" panose="02030600000101010101" pitchFamily="18" charset="-127"/>
+                </a:rPr>
+                <a:t> </a:t>
+              </a:r>
+              <a:r>
+                <a:rPr kumimoji="1" lang="en-US" altLang="ko-KR" sz="1100" b="1" dirty="0">
+                  <a:solidFill>
+                    <a:srgbClr val="5DA2C5"/>
+                  </a:solidFill>
+                  <a:latin typeface="SHeadG" panose="02030600000101010101" pitchFamily="18" charset="-127"/>
+                  <a:ea typeface="SHeadG" panose="02030600000101010101" pitchFamily="18" charset="-127"/>
+                </a:rPr>
+                <a:t>4</a:t>
+              </a:r>
+              <a:endParaRPr kumimoji="1" lang="ko-Kore-KR" altLang="en-US" sz="1100" b="1" dirty="0">
+                <a:solidFill>
+                  <a:srgbClr val="5DA2C5"/>
+                </a:solidFill>
+                <a:latin typeface="SHeadG" panose="02030600000101010101" pitchFamily="18" charset="-127"/>
+                <a:ea typeface="SHeadG" panose="02030600000101010101" pitchFamily="18" charset="-127"/>
+              </a:endParaRPr>
+            </a:p>
+          </p:txBody>
+        </p:sp>
+      </p:grpSp>
+      <p:grpSp>
+        <p:nvGrpSpPr>
+          <p:cNvPr id="26" name="그룹 25">
+            <a:extLst>
+              <a:ext uri="{FF2B5EF4-FFF2-40B4-BE49-F238E27FC236}">
+                <a16:creationId xmlns:a16="http://schemas.microsoft.com/office/drawing/2014/main" id="{2CA687D1-134C-7541-A784-C23ADA652C48}"/>
+              </a:ext>
+            </a:extLst>
+          </p:cNvPr>
+          <p:cNvGrpSpPr/>
+          <p:nvPr/>
+        </p:nvGrpSpPr>
+        <p:grpSpPr>
+          <a:xfrm>
+            <a:off x="8460575" y="581110"/>
+            <a:ext cx="981509" cy="1243118"/>
+            <a:chOff x="1097280" y="422839"/>
+            <a:chExt cx="981509" cy="1243118"/>
+          </a:xfrm>
+        </p:grpSpPr>
+        <p:pic>
+          <p:nvPicPr>
+            <p:cNvPr id="27" name="그림 26">
+              <a:extLst>
+                <a:ext uri="{FF2B5EF4-FFF2-40B4-BE49-F238E27FC236}">
+                  <a16:creationId xmlns:a16="http://schemas.microsoft.com/office/drawing/2014/main" id="{223046B7-8758-A143-A383-617F41B92472}"/>
+                </a:ext>
+              </a:extLst>
+            </p:cNvPr>
+            <p:cNvPicPr>
+              <a:picLocks noChangeAspect="1"/>
+            </p:cNvPicPr>
+            <p:nvPr/>
+          </p:nvPicPr>
+          <p:blipFill>
+            <a:blip r:embed="rId2">
+              <a:duotone>
+                <a:schemeClr val="accent5">
+                  <a:shade val="45000"/>
+                  <a:satMod val="135000"/>
+                </a:schemeClr>
+                <a:prstClr val="white"/>
+              </a:duotone>
+            </a:blip>
+            <a:stretch>
+              <a:fillRect/>
+            </a:stretch>
+          </p:blipFill>
+          <p:spPr>
+            <a:xfrm>
+              <a:off x="1097280" y="422839"/>
+              <a:ext cx="981508" cy="981508"/>
+            </a:xfrm>
+            <a:prstGeom prst="rect">
+              <a:avLst/>
+            </a:prstGeom>
+          </p:spPr>
+        </p:pic>
+        <p:sp>
+          <p:nvSpPr>
+            <p:cNvPr id="28" name="TextBox 27">
+              <a:extLst>
+                <a:ext uri="{FF2B5EF4-FFF2-40B4-BE49-F238E27FC236}">
+                  <a16:creationId xmlns:a16="http://schemas.microsoft.com/office/drawing/2014/main" id="{E05FCE5A-306B-0C4E-91C3-D7237710E491}"/>
+                </a:ext>
+              </a:extLst>
+            </p:cNvPr>
+            <p:cNvSpPr txBox="1"/>
+            <p:nvPr/>
+          </p:nvSpPr>
+          <p:spPr>
+            <a:xfrm>
+              <a:off x="1097280" y="1404347"/>
+              <a:ext cx="981509" cy="261610"/>
+            </a:xfrm>
+            <a:prstGeom prst="rect">
+              <a:avLst/>
+            </a:prstGeom>
+            <a:noFill/>
+          </p:spPr>
+          <p:txBody>
+            <a:bodyPr wrap="square" rtlCol="0">
+              <a:spAutoFit/>
+            </a:bodyPr>
+            <a:lstStyle/>
+            <a:p>
+              <a:pPr algn="ctr"/>
+              <a:r>
+                <a:rPr kumimoji="1" lang="en-US" altLang="ko-KR" sz="1100" b="1" dirty="0">
+                  <a:solidFill>
+                    <a:srgbClr val="5DA2C5"/>
+                  </a:solidFill>
+                  <a:latin typeface="SHeadG" panose="02030600000101010101" pitchFamily="18" charset="-127"/>
+                  <a:ea typeface="SHeadG" panose="02030600000101010101" pitchFamily="18" charset="-127"/>
+                </a:rPr>
+                <a:t>Review</a:t>
+              </a:r>
+              <a:r>
+                <a:rPr kumimoji="1" lang="ko-KR" altLang="en-US" sz="1100" b="1" dirty="0">
+                  <a:solidFill>
+                    <a:srgbClr val="5DA2C5"/>
+                  </a:solidFill>
+                  <a:latin typeface="SHeadG" panose="02030600000101010101" pitchFamily="18" charset="-127"/>
+                  <a:ea typeface="SHeadG" panose="02030600000101010101" pitchFamily="18" charset="-127"/>
+                </a:rPr>
+                <a:t> </a:t>
+              </a:r>
+              <a:r>
+                <a:rPr kumimoji="1" lang="en-US" altLang="ko-KR" sz="1100" b="1" dirty="0">
+                  <a:solidFill>
+                    <a:srgbClr val="5DA2C5"/>
+                  </a:solidFill>
+                  <a:latin typeface="SHeadG" panose="02030600000101010101" pitchFamily="18" charset="-127"/>
+                  <a:ea typeface="SHeadG" panose="02030600000101010101" pitchFamily="18" charset="-127"/>
+                </a:rPr>
+                <a:t>5</a:t>
+              </a:r>
+              <a:endParaRPr kumimoji="1" lang="ko-Kore-KR" altLang="en-US" sz="1100" b="1" dirty="0">
+                <a:solidFill>
+                  <a:srgbClr val="5DA2C5"/>
+                </a:solidFill>
+                <a:latin typeface="SHeadG" panose="02030600000101010101" pitchFamily="18" charset="-127"/>
+                <a:ea typeface="SHeadG" panose="02030600000101010101" pitchFamily="18" charset="-127"/>
+              </a:endParaRPr>
+            </a:p>
+          </p:txBody>
+        </p:sp>
+      </p:grpSp>
+      <p:grpSp>
+        <p:nvGrpSpPr>
+          <p:cNvPr id="29" name="그룹 28">
+            <a:extLst>
+              <a:ext uri="{FF2B5EF4-FFF2-40B4-BE49-F238E27FC236}">
+                <a16:creationId xmlns:a16="http://schemas.microsoft.com/office/drawing/2014/main" id="{743E764F-4907-2A4A-881B-AD0B9909E42E}"/>
+              </a:ext>
+            </a:extLst>
+          </p:cNvPr>
+          <p:cNvGrpSpPr/>
+          <p:nvPr/>
+        </p:nvGrpSpPr>
+        <p:grpSpPr>
+          <a:xfrm>
+            <a:off x="2078788" y="4452929"/>
+            <a:ext cx="981509" cy="1243118"/>
+            <a:chOff x="1097280" y="422839"/>
+            <a:chExt cx="981509" cy="1243118"/>
+          </a:xfrm>
+        </p:grpSpPr>
+        <p:pic>
+          <p:nvPicPr>
+            <p:cNvPr id="30" name="그림 29">
+              <a:extLst>
+                <a:ext uri="{FF2B5EF4-FFF2-40B4-BE49-F238E27FC236}">
+                  <a16:creationId xmlns:a16="http://schemas.microsoft.com/office/drawing/2014/main" id="{2BBFBB43-9942-B84F-A1C3-288CB39B290A}"/>
+                </a:ext>
+              </a:extLst>
+            </p:cNvPr>
+            <p:cNvPicPr>
+              <a:picLocks noChangeAspect="1"/>
+            </p:cNvPicPr>
+            <p:nvPr/>
+          </p:nvPicPr>
+          <p:blipFill>
+            <a:blip r:embed="rId2">
+              <a:duotone>
+                <a:schemeClr val="accent5">
+                  <a:shade val="45000"/>
+                  <a:satMod val="135000"/>
+                </a:schemeClr>
+                <a:prstClr val="white"/>
+              </a:duotone>
+            </a:blip>
+            <a:stretch>
+              <a:fillRect/>
+            </a:stretch>
+          </p:blipFill>
+          <p:spPr>
+            <a:xfrm>
+              <a:off x="1097280" y="422839"/>
+              <a:ext cx="981508" cy="981508"/>
+            </a:xfrm>
+            <a:prstGeom prst="rect">
+              <a:avLst/>
+            </a:prstGeom>
+          </p:spPr>
+        </p:pic>
+        <p:sp>
+          <p:nvSpPr>
+            <p:cNvPr id="31" name="TextBox 30">
+              <a:extLst>
+                <a:ext uri="{FF2B5EF4-FFF2-40B4-BE49-F238E27FC236}">
+                  <a16:creationId xmlns:a16="http://schemas.microsoft.com/office/drawing/2014/main" id="{16DAB8E1-B4A4-E94F-830B-462E8EA7E281}"/>
+                </a:ext>
+              </a:extLst>
+            </p:cNvPr>
+            <p:cNvSpPr txBox="1"/>
+            <p:nvPr/>
+          </p:nvSpPr>
+          <p:spPr>
+            <a:xfrm>
+              <a:off x="1097280" y="1404347"/>
+              <a:ext cx="981509" cy="261610"/>
+            </a:xfrm>
+            <a:prstGeom prst="rect">
+              <a:avLst/>
+            </a:prstGeom>
+            <a:noFill/>
+          </p:spPr>
+          <p:txBody>
+            <a:bodyPr wrap="square" rtlCol="0">
+              <a:spAutoFit/>
+            </a:bodyPr>
+            <a:lstStyle/>
+            <a:p>
+              <a:pPr algn="ctr"/>
+              <a:r>
+                <a:rPr kumimoji="1" lang="en-US" altLang="ko-KR" sz="1100" b="1" dirty="0">
+                  <a:solidFill>
+                    <a:srgbClr val="5DA2C5"/>
+                  </a:solidFill>
+                  <a:latin typeface="SHeadG" panose="02030600000101010101" pitchFamily="18" charset="-127"/>
+                  <a:ea typeface="SHeadG" panose="02030600000101010101" pitchFamily="18" charset="-127"/>
+                </a:rPr>
+                <a:t>Review</a:t>
+              </a:r>
+              <a:r>
+                <a:rPr kumimoji="1" lang="ko-KR" altLang="en-US" sz="1100" b="1" dirty="0">
+                  <a:solidFill>
+                    <a:srgbClr val="5DA2C5"/>
+                  </a:solidFill>
+                  <a:latin typeface="SHeadG" panose="02030600000101010101" pitchFamily="18" charset="-127"/>
+                  <a:ea typeface="SHeadG" panose="02030600000101010101" pitchFamily="18" charset="-127"/>
+                </a:rPr>
+                <a:t> </a:t>
+              </a:r>
+              <a:r>
+                <a:rPr kumimoji="1" lang="en-US" altLang="ko-KR" sz="1100" b="1" dirty="0">
+                  <a:solidFill>
+                    <a:srgbClr val="5DA2C5"/>
+                  </a:solidFill>
+                  <a:latin typeface="SHeadG" panose="02030600000101010101" pitchFamily="18" charset="-127"/>
+                  <a:ea typeface="SHeadG" panose="02030600000101010101" pitchFamily="18" charset="-127"/>
+                </a:rPr>
+                <a:t>6</a:t>
+              </a:r>
+              <a:endParaRPr kumimoji="1" lang="ko-Kore-KR" altLang="en-US" sz="1100" b="1" dirty="0">
+                <a:solidFill>
+                  <a:srgbClr val="5DA2C5"/>
+                </a:solidFill>
+                <a:latin typeface="SHeadG" panose="02030600000101010101" pitchFamily="18" charset="-127"/>
+                <a:ea typeface="SHeadG" panose="02030600000101010101" pitchFamily="18" charset="-127"/>
+              </a:endParaRPr>
+            </a:p>
+          </p:txBody>
+        </p:sp>
+      </p:grpSp>
+      <p:grpSp>
+        <p:nvGrpSpPr>
+          <p:cNvPr id="32" name="그룹 31">
+            <a:extLst>
+              <a:ext uri="{FF2B5EF4-FFF2-40B4-BE49-F238E27FC236}">
+                <a16:creationId xmlns:a16="http://schemas.microsoft.com/office/drawing/2014/main" id="{D648A3D4-3DA1-E245-AF8D-6C7DE76B17C5}"/>
+              </a:ext>
+            </a:extLst>
+          </p:cNvPr>
+          <p:cNvGrpSpPr/>
+          <p:nvPr/>
+        </p:nvGrpSpPr>
+        <p:grpSpPr>
+          <a:xfrm>
+            <a:off x="3674235" y="4452929"/>
+            <a:ext cx="981509" cy="1243118"/>
+            <a:chOff x="1097280" y="422839"/>
+            <a:chExt cx="981509" cy="1243118"/>
+          </a:xfrm>
+        </p:grpSpPr>
+        <p:pic>
+          <p:nvPicPr>
+            <p:cNvPr id="33" name="그림 32">
+              <a:extLst>
+                <a:ext uri="{FF2B5EF4-FFF2-40B4-BE49-F238E27FC236}">
+                  <a16:creationId xmlns:a16="http://schemas.microsoft.com/office/drawing/2014/main" id="{D3AEC260-264E-B642-8AFB-A44ADC1CC8F2}"/>
+                </a:ext>
+              </a:extLst>
+            </p:cNvPr>
+            <p:cNvPicPr>
+              <a:picLocks noChangeAspect="1"/>
+            </p:cNvPicPr>
+            <p:nvPr/>
+          </p:nvPicPr>
+          <p:blipFill>
+            <a:blip r:embed="rId2">
+              <a:duotone>
+                <a:schemeClr val="accent5">
+                  <a:shade val="45000"/>
+                  <a:satMod val="135000"/>
+                </a:schemeClr>
+                <a:prstClr val="white"/>
+              </a:duotone>
+            </a:blip>
+            <a:stretch>
+              <a:fillRect/>
+            </a:stretch>
+          </p:blipFill>
+          <p:spPr>
+            <a:xfrm>
+              <a:off x="1097280" y="422839"/>
+              <a:ext cx="981508" cy="981508"/>
+            </a:xfrm>
+            <a:prstGeom prst="rect">
+              <a:avLst/>
+            </a:prstGeom>
+          </p:spPr>
+        </p:pic>
+        <p:sp>
+          <p:nvSpPr>
+            <p:cNvPr id="34" name="TextBox 33">
+              <a:extLst>
+                <a:ext uri="{FF2B5EF4-FFF2-40B4-BE49-F238E27FC236}">
+                  <a16:creationId xmlns:a16="http://schemas.microsoft.com/office/drawing/2014/main" id="{2D6E1736-C57B-CE44-8FAA-B68D8835B57C}"/>
+                </a:ext>
+              </a:extLst>
+            </p:cNvPr>
+            <p:cNvSpPr txBox="1"/>
+            <p:nvPr/>
+          </p:nvSpPr>
+          <p:spPr>
+            <a:xfrm>
+              <a:off x="1097280" y="1404347"/>
+              <a:ext cx="981509" cy="261610"/>
+            </a:xfrm>
+            <a:prstGeom prst="rect">
+              <a:avLst/>
+            </a:prstGeom>
+            <a:noFill/>
+          </p:spPr>
+          <p:txBody>
+            <a:bodyPr wrap="square" rtlCol="0">
+              <a:spAutoFit/>
+            </a:bodyPr>
+            <a:lstStyle/>
+            <a:p>
+              <a:pPr algn="ctr"/>
+              <a:r>
+                <a:rPr kumimoji="1" lang="en-US" altLang="ko-KR" sz="1100" b="1" dirty="0">
+                  <a:solidFill>
+                    <a:srgbClr val="5DA2C5"/>
+                  </a:solidFill>
+                  <a:latin typeface="SHeadG" panose="02030600000101010101" pitchFamily="18" charset="-127"/>
+                  <a:ea typeface="SHeadG" panose="02030600000101010101" pitchFamily="18" charset="-127"/>
+                </a:rPr>
+                <a:t>Review</a:t>
+              </a:r>
+              <a:r>
+                <a:rPr kumimoji="1" lang="ko-KR" altLang="en-US" sz="1100" b="1" dirty="0">
+                  <a:solidFill>
+                    <a:srgbClr val="5DA2C5"/>
+                  </a:solidFill>
+                  <a:latin typeface="SHeadG" panose="02030600000101010101" pitchFamily="18" charset="-127"/>
+                  <a:ea typeface="SHeadG" panose="02030600000101010101" pitchFamily="18" charset="-127"/>
+                </a:rPr>
+                <a:t> </a:t>
+              </a:r>
+              <a:r>
+                <a:rPr kumimoji="1" lang="en-US" altLang="ko-KR" sz="1100" b="1" dirty="0">
+                  <a:solidFill>
+                    <a:srgbClr val="5DA2C5"/>
+                  </a:solidFill>
+                  <a:latin typeface="SHeadG" panose="02030600000101010101" pitchFamily="18" charset="-127"/>
+                  <a:ea typeface="SHeadG" panose="02030600000101010101" pitchFamily="18" charset="-127"/>
+                </a:rPr>
+                <a:t>7</a:t>
+              </a:r>
+              <a:endParaRPr kumimoji="1" lang="ko-Kore-KR" altLang="en-US" sz="1100" b="1" dirty="0">
+                <a:solidFill>
+                  <a:srgbClr val="5DA2C5"/>
+                </a:solidFill>
+                <a:latin typeface="SHeadG" panose="02030600000101010101" pitchFamily="18" charset="-127"/>
+                <a:ea typeface="SHeadG" panose="02030600000101010101" pitchFamily="18" charset="-127"/>
+              </a:endParaRPr>
+            </a:p>
+          </p:txBody>
+        </p:sp>
+      </p:grpSp>
+      <p:grpSp>
+        <p:nvGrpSpPr>
+          <p:cNvPr id="35" name="그룹 34">
+            <a:extLst>
+              <a:ext uri="{FF2B5EF4-FFF2-40B4-BE49-F238E27FC236}">
+                <a16:creationId xmlns:a16="http://schemas.microsoft.com/office/drawing/2014/main" id="{5C20D14A-CC32-3840-9081-73D3F5A85719}"/>
+              </a:ext>
+            </a:extLst>
+          </p:cNvPr>
+          <p:cNvGrpSpPr/>
+          <p:nvPr/>
+        </p:nvGrpSpPr>
+        <p:grpSpPr>
+          <a:xfrm>
+            <a:off x="5269682" y="4452929"/>
+            <a:ext cx="981509" cy="1243118"/>
+            <a:chOff x="1097280" y="422839"/>
+            <a:chExt cx="981509" cy="1243118"/>
+          </a:xfrm>
+        </p:grpSpPr>
+        <p:pic>
+          <p:nvPicPr>
+            <p:cNvPr id="36" name="그림 35">
+              <a:extLst>
+                <a:ext uri="{FF2B5EF4-FFF2-40B4-BE49-F238E27FC236}">
+                  <a16:creationId xmlns:a16="http://schemas.microsoft.com/office/drawing/2014/main" id="{3298B7D1-CE24-1341-9437-DD7AC16B1091}"/>
+                </a:ext>
+              </a:extLst>
+            </p:cNvPr>
+            <p:cNvPicPr>
+              <a:picLocks noChangeAspect="1"/>
+            </p:cNvPicPr>
+            <p:nvPr/>
+          </p:nvPicPr>
+          <p:blipFill>
+            <a:blip r:embed="rId2">
+              <a:duotone>
+                <a:schemeClr val="accent5">
+                  <a:shade val="45000"/>
+                  <a:satMod val="135000"/>
+                </a:schemeClr>
+                <a:prstClr val="white"/>
+              </a:duotone>
+            </a:blip>
+            <a:stretch>
+              <a:fillRect/>
+            </a:stretch>
+          </p:blipFill>
+          <p:spPr>
+            <a:xfrm>
+              <a:off x="1097280" y="422839"/>
+              <a:ext cx="981508" cy="981508"/>
+            </a:xfrm>
+            <a:prstGeom prst="rect">
+              <a:avLst/>
+            </a:prstGeom>
+          </p:spPr>
+        </p:pic>
+        <p:sp>
+          <p:nvSpPr>
+            <p:cNvPr id="37" name="TextBox 36">
+              <a:extLst>
+                <a:ext uri="{FF2B5EF4-FFF2-40B4-BE49-F238E27FC236}">
+                  <a16:creationId xmlns:a16="http://schemas.microsoft.com/office/drawing/2014/main" id="{B9CF2480-FD66-BA4D-ACB5-9341A4B66515}"/>
+                </a:ext>
+              </a:extLst>
+            </p:cNvPr>
+            <p:cNvSpPr txBox="1"/>
+            <p:nvPr/>
+          </p:nvSpPr>
+          <p:spPr>
+            <a:xfrm>
+              <a:off x="1097280" y="1404347"/>
+              <a:ext cx="981509" cy="261610"/>
+            </a:xfrm>
+            <a:prstGeom prst="rect">
+              <a:avLst/>
+            </a:prstGeom>
+            <a:noFill/>
+          </p:spPr>
+          <p:txBody>
+            <a:bodyPr wrap="square" rtlCol="0">
+              <a:spAutoFit/>
+            </a:bodyPr>
+            <a:lstStyle/>
+            <a:p>
+              <a:pPr algn="ctr"/>
+              <a:r>
+                <a:rPr kumimoji="1" lang="en-US" altLang="ko-KR" sz="1100" b="1" dirty="0">
+                  <a:solidFill>
+                    <a:srgbClr val="5DA2C5"/>
+                  </a:solidFill>
+                  <a:latin typeface="SHeadG" panose="02030600000101010101" pitchFamily="18" charset="-127"/>
+                  <a:ea typeface="SHeadG" panose="02030600000101010101" pitchFamily="18" charset="-127"/>
+                </a:rPr>
+                <a:t>Review</a:t>
+              </a:r>
+              <a:r>
+                <a:rPr kumimoji="1" lang="ko-KR" altLang="en-US" sz="1100" b="1" dirty="0">
+                  <a:solidFill>
+                    <a:srgbClr val="5DA2C5"/>
+                  </a:solidFill>
+                  <a:latin typeface="SHeadG" panose="02030600000101010101" pitchFamily="18" charset="-127"/>
+                  <a:ea typeface="SHeadG" panose="02030600000101010101" pitchFamily="18" charset="-127"/>
+                </a:rPr>
+                <a:t> </a:t>
+              </a:r>
+              <a:r>
+                <a:rPr kumimoji="1" lang="en-US" altLang="ko-KR" sz="1100" b="1" dirty="0">
+                  <a:solidFill>
+                    <a:srgbClr val="5DA2C5"/>
+                  </a:solidFill>
+                  <a:latin typeface="SHeadG" panose="02030600000101010101" pitchFamily="18" charset="-127"/>
+                  <a:ea typeface="SHeadG" panose="02030600000101010101" pitchFamily="18" charset="-127"/>
+                </a:rPr>
+                <a:t>8</a:t>
+              </a:r>
+              <a:endParaRPr kumimoji="1" lang="ko-Kore-KR" altLang="en-US" sz="1100" b="1" dirty="0">
+                <a:solidFill>
+                  <a:srgbClr val="5DA2C5"/>
+                </a:solidFill>
+                <a:latin typeface="SHeadG" panose="02030600000101010101" pitchFamily="18" charset="-127"/>
+                <a:ea typeface="SHeadG" panose="02030600000101010101" pitchFamily="18" charset="-127"/>
+              </a:endParaRPr>
+            </a:p>
+          </p:txBody>
+        </p:sp>
+      </p:grpSp>
+      <p:grpSp>
+        <p:nvGrpSpPr>
+          <p:cNvPr id="38" name="그룹 37">
+            <a:extLst>
+              <a:ext uri="{FF2B5EF4-FFF2-40B4-BE49-F238E27FC236}">
+                <a16:creationId xmlns:a16="http://schemas.microsoft.com/office/drawing/2014/main" id="{59AF63EC-05B9-5743-92E7-EFDCA1A4896E}"/>
+              </a:ext>
+            </a:extLst>
+          </p:cNvPr>
+          <p:cNvGrpSpPr/>
+          <p:nvPr/>
+        </p:nvGrpSpPr>
+        <p:grpSpPr>
+          <a:xfrm>
+            <a:off x="6865129" y="4452929"/>
+            <a:ext cx="981509" cy="1243118"/>
+            <a:chOff x="1097280" y="422839"/>
+            <a:chExt cx="981509" cy="1243118"/>
+          </a:xfrm>
+        </p:grpSpPr>
+        <p:pic>
+          <p:nvPicPr>
+            <p:cNvPr id="39" name="그림 38">
+              <a:extLst>
+                <a:ext uri="{FF2B5EF4-FFF2-40B4-BE49-F238E27FC236}">
+                  <a16:creationId xmlns:a16="http://schemas.microsoft.com/office/drawing/2014/main" id="{E8E89240-0760-8C4C-AC83-2BA7671A544E}"/>
+                </a:ext>
+              </a:extLst>
+            </p:cNvPr>
+            <p:cNvPicPr>
+              <a:picLocks noChangeAspect="1"/>
+            </p:cNvPicPr>
+            <p:nvPr/>
+          </p:nvPicPr>
+          <p:blipFill>
+            <a:blip r:embed="rId2">
+              <a:duotone>
+                <a:schemeClr val="accent5">
+                  <a:shade val="45000"/>
+                  <a:satMod val="135000"/>
+                </a:schemeClr>
+                <a:prstClr val="white"/>
+              </a:duotone>
+            </a:blip>
+            <a:stretch>
+              <a:fillRect/>
+            </a:stretch>
+          </p:blipFill>
+          <p:spPr>
+            <a:xfrm>
+              <a:off x="1097280" y="422839"/>
+              <a:ext cx="981508" cy="981508"/>
+            </a:xfrm>
+            <a:prstGeom prst="rect">
+              <a:avLst/>
+            </a:prstGeom>
+          </p:spPr>
+        </p:pic>
+        <p:sp>
+          <p:nvSpPr>
+            <p:cNvPr id="40" name="TextBox 39">
+              <a:extLst>
+                <a:ext uri="{FF2B5EF4-FFF2-40B4-BE49-F238E27FC236}">
+                  <a16:creationId xmlns:a16="http://schemas.microsoft.com/office/drawing/2014/main" id="{FF200A73-20E6-E846-88D6-8EE2121644DB}"/>
+                </a:ext>
+              </a:extLst>
+            </p:cNvPr>
+            <p:cNvSpPr txBox="1"/>
+            <p:nvPr/>
+          </p:nvSpPr>
+          <p:spPr>
+            <a:xfrm>
+              <a:off x="1097280" y="1404347"/>
+              <a:ext cx="981509" cy="261610"/>
+            </a:xfrm>
+            <a:prstGeom prst="rect">
+              <a:avLst/>
+            </a:prstGeom>
+            <a:noFill/>
+          </p:spPr>
+          <p:txBody>
+            <a:bodyPr wrap="square" rtlCol="0">
+              <a:spAutoFit/>
+            </a:bodyPr>
+            <a:lstStyle/>
+            <a:p>
+              <a:pPr algn="ctr"/>
+              <a:r>
+                <a:rPr kumimoji="1" lang="en-US" altLang="ko-KR" sz="1100" b="1" dirty="0">
+                  <a:solidFill>
+                    <a:srgbClr val="5DA2C5"/>
+                  </a:solidFill>
+                  <a:latin typeface="SHeadG" panose="02030600000101010101" pitchFamily="18" charset="-127"/>
+                  <a:ea typeface="SHeadG" panose="02030600000101010101" pitchFamily="18" charset="-127"/>
+                </a:rPr>
+                <a:t>Review</a:t>
+              </a:r>
+              <a:r>
+                <a:rPr kumimoji="1" lang="ko-KR" altLang="en-US" sz="1100" b="1" dirty="0">
+                  <a:solidFill>
+                    <a:srgbClr val="5DA2C5"/>
+                  </a:solidFill>
+                  <a:latin typeface="SHeadG" panose="02030600000101010101" pitchFamily="18" charset="-127"/>
+                  <a:ea typeface="SHeadG" panose="02030600000101010101" pitchFamily="18" charset="-127"/>
+                </a:rPr>
+                <a:t> </a:t>
+              </a:r>
+              <a:r>
+                <a:rPr kumimoji="1" lang="en-US" altLang="ko-KR" sz="1100" b="1" dirty="0">
+                  <a:solidFill>
+                    <a:srgbClr val="5DA2C5"/>
+                  </a:solidFill>
+                  <a:latin typeface="SHeadG" panose="02030600000101010101" pitchFamily="18" charset="-127"/>
+                  <a:ea typeface="SHeadG" panose="02030600000101010101" pitchFamily="18" charset="-127"/>
+                </a:rPr>
+                <a:t>9</a:t>
+              </a:r>
+              <a:endParaRPr kumimoji="1" lang="ko-Kore-KR" altLang="en-US" sz="1100" b="1" dirty="0">
+                <a:solidFill>
+                  <a:srgbClr val="5DA2C5"/>
+                </a:solidFill>
+                <a:latin typeface="SHeadG" panose="02030600000101010101" pitchFamily="18" charset="-127"/>
+                <a:ea typeface="SHeadG" panose="02030600000101010101" pitchFamily="18" charset="-127"/>
+              </a:endParaRPr>
+            </a:p>
+          </p:txBody>
+        </p:sp>
+      </p:grpSp>
+      <p:grpSp>
+        <p:nvGrpSpPr>
+          <p:cNvPr id="41" name="그룹 40">
+            <a:extLst>
+              <a:ext uri="{FF2B5EF4-FFF2-40B4-BE49-F238E27FC236}">
+                <a16:creationId xmlns:a16="http://schemas.microsoft.com/office/drawing/2014/main" id="{FBD01531-2262-0345-8DCF-189E211E83E1}"/>
+              </a:ext>
+            </a:extLst>
+          </p:cNvPr>
+          <p:cNvGrpSpPr/>
+          <p:nvPr/>
+        </p:nvGrpSpPr>
+        <p:grpSpPr>
+          <a:xfrm>
+            <a:off x="8460576" y="4452929"/>
+            <a:ext cx="981509" cy="1243118"/>
+            <a:chOff x="1097280" y="422839"/>
+            <a:chExt cx="981509" cy="1243118"/>
+          </a:xfrm>
+        </p:grpSpPr>
+        <p:pic>
+          <p:nvPicPr>
+            <p:cNvPr id="42" name="그림 41">
+              <a:extLst>
+                <a:ext uri="{FF2B5EF4-FFF2-40B4-BE49-F238E27FC236}">
+                  <a16:creationId xmlns:a16="http://schemas.microsoft.com/office/drawing/2014/main" id="{B81BB5DE-C35A-EB46-AA3D-AFD4F05F824F}"/>
+                </a:ext>
+              </a:extLst>
+            </p:cNvPr>
+            <p:cNvPicPr>
+              <a:picLocks noChangeAspect="1"/>
+            </p:cNvPicPr>
+            <p:nvPr/>
+          </p:nvPicPr>
+          <p:blipFill>
+            <a:blip r:embed="rId2">
+              <a:duotone>
+                <a:schemeClr val="accent5">
+                  <a:shade val="45000"/>
+                  <a:satMod val="135000"/>
+                </a:schemeClr>
+                <a:prstClr val="white"/>
+              </a:duotone>
+            </a:blip>
+            <a:stretch>
+              <a:fillRect/>
+            </a:stretch>
+          </p:blipFill>
+          <p:spPr>
+            <a:xfrm>
+              <a:off x="1097280" y="422839"/>
+              <a:ext cx="981508" cy="981508"/>
+            </a:xfrm>
+            <a:prstGeom prst="rect">
+              <a:avLst/>
+            </a:prstGeom>
+          </p:spPr>
+        </p:pic>
+        <p:sp>
+          <p:nvSpPr>
+            <p:cNvPr id="43" name="TextBox 42">
+              <a:extLst>
+                <a:ext uri="{FF2B5EF4-FFF2-40B4-BE49-F238E27FC236}">
+                  <a16:creationId xmlns:a16="http://schemas.microsoft.com/office/drawing/2014/main" id="{11834375-D111-A84E-93A5-70E6096A62C9}"/>
+                </a:ext>
+              </a:extLst>
+            </p:cNvPr>
+            <p:cNvSpPr txBox="1"/>
+            <p:nvPr/>
+          </p:nvSpPr>
+          <p:spPr>
+            <a:xfrm>
+              <a:off x="1097280" y="1404347"/>
+              <a:ext cx="981509" cy="261610"/>
+            </a:xfrm>
+            <a:prstGeom prst="rect">
+              <a:avLst/>
+            </a:prstGeom>
+            <a:noFill/>
+          </p:spPr>
+          <p:txBody>
+            <a:bodyPr wrap="square" rtlCol="0">
+              <a:spAutoFit/>
+            </a:bodyPr>
+            <a:lstStyle/>
+            <a:p>
+              <a:pPr algn="ctr"/>
+              <a:r>
+                <a:rPr kumimoji="1" lang="en-US" altLang="ko-KR" sz="1100" b="1" dirty="0">
+                  <a:solidFill>
+                    <a:srgbClr val="5DA2C5"/>
+                  </a:solidFill>
+                  <a:latin typeface="SHeadG" panose="02030600000101010101" pitchFamily="18" charset="-127"/>
+                  <a:ea typeface="SHeadG" panose="02030600000101010101" pitchFamily="18" charset="-127"/>
+                </a:rPr>
+                <a:t>Review</a:t>
+              </a:r>
+              <a:r>
+                <a:rPr kumimoji="1" lang="ko-KR" altLang="en-US" sz="1100" b="1" dirty="0">
+                  <a:solidFill>
+                    <a:srgbClr val="5DA2C5"/>
+                  </a:solidFill>
+                  <a:latin typeface="SHeadG" panose="02030600000101010101" pitchFamily="18" charset="-127"/>
+                  <a:ea typeface="SHeadG" panose="02030600000101010101" pitchFamily="18" charset="-127"/>
+                </a:rPr>
+                <a:t> </a:t>
+              </a:r>
+              <a:r>
+                <a:rPr kumimoji="1" lang="en-US" altLang="ko-KR" sz="1100" b="1" dirty="0">
+                  <a:solidFill>
+                    <a:srgbClr val="5DA2C5"/>
+                  </a:solidFill>
+                  <a:latin typeface="SHeadG" panose="02030600000101010101" pitchFamily="18" charset="-127"/>
+                  <a:ea typeface="SHeadG" panose="02030600000101010101" pitchFamily="18" charset="-127"/>
+                </a:rPr>
+                <a:t>10</a:t>
+              </a:r>
+              <a:endParaRPr kumimoji="1" lang="ko-Kore-KR" altLang="en-US" sz="1100" b="1" dirty="0">
+                <a:solidFill>
+                  <a:srgbClr val="5DA2C5"/>
+                </a:solidFill>
+                <a:latin typeface="SHeadG" panose="02030600000101010101" pitchFamily="18" charset="-127"/>
+                <a:ea typeface="SHeadG" panose="02030600000101010101" pitchFamily="18" charset="-127"/>
+              </a:endParaRPr>
+            </a:p>
+          </p:txBody>
+        </p:sp>
+      </p:grpSp>
+    </p:spTree>
+    <p:extLst>
+      <p:ext uri="{BB962C8B-B14F-4D97-AF65-F5344CB8AC3E}">
+        <p14:creationId xmlns:p14="http://schemas.microsoft.com/office/powerpoint/2010/main" val="1962028517"/>
       </p:ext>
     </p:extLst>
   </p:cSld>

--- a/complete-guide-to-elasticsearch/프레젠테이션1.pptx
+++ b/complete-guide-to-elasticsearch/프레젠테이션1.pptx
@@ -20,6 +20,7 @@
     <p:sldId id="284" r:id="rId14"/>
     <p:sldId id="285" r:id="rId15"/>
     <p:sldId id="286" r:id="rId16"/>
+    <p:sldId id="287" r:id="rId17"/>
   </p:sldIdLst>
   <p:sldSz cx="12192000" cy="6858000"/>
   <p:notesSz cx="6858000" cy="9144000"/>
@@ -257,7 +258,7 @@
           <a:p>
             <a:fld id="{3083E1A9-A397-4745-BD5D-6E8E767939EE}" type="datetimeFigureOut">
               <a:rPr kumimoji="1" lang="ko-Kore-KR" altLang="en-US" smtClean="0"/>
-              <a:t>2022. 8. 17.</a:t>
+              <a:t>2022. 8. 18.</a:t>
             </a:fld>
             <a:endParaRPr kumimoji="1" lang="ko-Kore-KR" altLang="en-US"/>
           </a:p>
@@ -427,7 +428,7 @@
           <a:p>
             <a:fld id="{3083E1A9-A397-4745-BD5D-6E8E767939EE}" type="datetimeFigureOut">
               <a:rPr kumimoji="1" lang="ko-Kore-KR" altLang="en-US" smtClean="0"/>
-              <a:t>2022. 8. 17.</a:t>
+              <a:t>2022. 8. 18.</a:t>
             </a:fld>
             <a:endParaRPr kumimoji="1" lang="ko-Kore-KR" altLang="en-US"/>
           </a:p>
@@ -607,7 +608,7 @@
           <a:p>
             <a:fld id="{3083E1A9-A397-4745-BD5D-6E8E767939EE}" type="datetimeFigureOut">
               <a:rPr kumimoji="1" lang="ko-Kore-KR" altLang="en-US" smtClean="0"/>
-              <a:t>2022. 8. 17.</a:t>
+              <a:t>2022. 8. 18.</a:t>
             </a:fld>
             <a:endParaRPr kumimoji="1" lang="ko-Kore-KR" altLang="en-US"/>
           </a:p>
@@ -777,7 +778,7 @@
           <a:p>
             <a:fld id="{3083E1A9-A397-4745-BD5D-6E8E767939EE}" type="datetimeFigureOut">
               <a:rPr kumimoji="1" lang="ko-Kore-KR" altLang="en-US" smtClean="0"/>
-              <a:t>2022. 8. 17.</a:t>
+              <a:t>2022. 8. 18.</a:t>
             </a:fld>
             <a:endParaRPr kumimoji="1" lang="ko-Kore-KR" altLang="en-US"/>
           </a:p>
@@ -1023,7 +1024,7 @@
           <a:p>
             <a:fld id="{3083E1A9-A397-4745-BD5D-6E8E767939EE}" type="datetimeFigureOut">
               <a:rPr kumimoji="1" lang="ko-Kore-KR" altLang="en-US" smtClean="0"/>
-              <a:t>2022. 8. 17.</a:t>
+              <a:t>2022. 8. 18.</a:t>
             </a:fld>
             <a:endParaRPr kumimoji="1" lang="ko-Kore-KR" altLang="en-US"/>
           </a:p>
@@ -1255,7 +1256,7 @@
           <a:p>
             <a:fld id="{3083E1A9-A397-4745-BD5D-6E8E767939EE}" type="datetimeFigureOut">
               <a:rPr kumimoji="1" lang="ko-Kore-KR" altLang="en-US" smtClean="0"/>
-              <a:t>2022. 8. 17.</a:t>
+              <a:t>2022. 8. 18.</a:t>
             </a:fld>
             <a:endParaRPr kumimoji="1" lang="ko-Kore-KR" altLang="en-US"/>
           </a:p>
@@ -1622,7 +1623,7 @@
           <a:p>
             <a:fld id="{3083E1A9-A397-4745-BD5D-6E8E767939EE}" type="datetimeFigureOut">
               <a:rPr kumimoji="1" lang="ko-Kore-KR" altLang="en-US" smtClean="0"/>
-              <a:t>2022. 8. 17.</a:t>
+              <a:t>2022. 8. 18.</a:t>
             </a:fld>
             <a:endParaRPr kumimoji="1" lang="ko-Kore-KR" altLang="en-US"/>
           </a:p>
@@ -1740,7 +1741,7 @@
           <a:p>
             <a:fld id="{3083E1A9-A397-4745-BD5D-6E8E767939EE}" type="datetimeFigureOut">
               <a:rPr kumimoji="1" lang="ko-Kore-KR" altLang="en-US" smtClean="0"/>
-              <a:t>2022. 8. 17.</a:t>
+              <a:t>2022. 8. 18.</a:t>
             </a:fld>
             <a:endParaRPr kumimoji="1" lang="ko-Kore-KR" altLang="en-US"/>
           </a:p>
@@ -1835,7 +1836,7 @@
           <a:p>
             <a:fld id="{3083E1A9-A397-4745-BD5D-6E8E767939EE}" type="datetimeFigureOut">
               <a:rPr kumimoji="1" lang="ko-Kore-KR" altLang="en-US" smtClean="0"/>
-              <a:t>2022. 8. 17.</a:t>
+              <a:t>2022. 8. 18.</a:t>
             </a:fld>
             <a:endParaRPr kumimoji="1" lang="ko-Kore-KR" altLang="en-US"/>
           </a:p>
@@ -2112,7 +2113,7 @@
           <a:p>
             <a:fld id="{3083E1A9-A397-4745-BD5D-6E8E767939EE}" type="datetimeFigureOut">
               <a:rPr kumimoji="1" lang="ko-Kore-KR" altLang="en-US" smtClean="0"/>
-              <a:t>2022. 8. 17.</a:t>
+              <a:t>2022. 8. 18.</a:t>
             </a:fld>
             <a:endParaRPr kumimoji="1" lang="ko-Kore-KR" altLang="en-US"/>
           </a:p>
@@ -2369,7 +2370,7 @@
           <a:p>
             <a:fld id="{3083E1A9-A397-4745-BD5D-6E8E767939EE}" type="datetimeFigureOut">
               <a:rPr kumimoji="1" lang="ko-Kore-KR" altLang="en-US" smtClean="0"/>
-              <a:t>2022. 8. 17.</a:t>
+              <a:t>2022. 8. 18.</a:t>
             </a:fld>
             <a:endParaRPr kumimoji="1" lang="ko-Kore-KR" altLang="en-US"/>
           </a:p>
@@ -2582,7 +2583,7 @@
           <a:p>
             <a:fld id="{3083E1A9-A397-4745-BD5D-6E8E767939EE}" type="datetimeFigureOut">
               <a:rPr kumimoji="1" lang="ko-Kore-KR" altLang="en-US" smtClean="0"/>
-              <a:t>2022. 8. 17.</a:t>
+              <a:t>2022. 8. 18.</a:t>
             </a:fld>
             <a:endParaRPr kumimoji="1" lang="ko-Kore-KR" altLang="en-US"/>
           </a:p>
@@ -11566,6 +11567,635 @@
 </p:sld>
 </file>
 
+<file path=ppt/slides/slide16.xml><?xml version="1.0" encoding="utf-8"?>
+<p:sld xmlns:a="http://schemas.openxmlformats.org/drawingml/2006/main" xmlns:r="http://schemas.openxmlformats.org/officeDocument/2006/relationships" xmlns:p="http://schemas.openxmlformats.org/presentationml/2006/main">
+  <p:cSld>
+    <p:spTree>
+      <p:nvGrpSpPr>
+        <p:cNvPr id="1" name=""/>
+        <p:cNvGrpSpPr/>
+        <p:nvPr/>
+      </p:nvGrpSpPr>
+      <p:grpSpPr>
+        <a:xfrm>
+          <a:off x="0" y="0"/>
+          <a:ext cx="0" cy="0"/>
+          <a:chOff x="0" y="0"/>
+          <a:chExt cx="0" cy="0"/>
+        </a:xfrm>
+      </p:grpSpPr>
+      <p:grpSp>
+        <p:nvGrpSpPr>
+          <p:cNvPr id="44" name="그룹 43">
+            <a:extLst>
+              <a:ext uri="{FF2B5EF4-FFF2-40B4-BE49-F238E27FC236}">
+                <a16:creationId xmlns:a16="http://schemas.microsoft.com/office/drawing/2014/main" id="{95E1F34C-0442-484E-A7FE-17E535D7C9FB}"/>
+              </a:ext>
+            </a:extLst>
+          </p:cNvPr>
+          <p:cNvGrpSpPr/>
+          <p:nvPr/>
+        </p:nvGrpSpPr>
+        <p:grpSpPr>
+          <a:xfrm>
+            <a:off x="1503289" y="1802918"/>
+            <a:ext cx="4175394" cy="1095730"/>
+            <a:chOff x="848299" y="903383"/>
+            <a:chExt cx="4175394" cy="1095730"/>
+          </a:xfrm>
+        </p:grpSpPr>
+        <p:sp>
+          <p:nvSpPr>
+            <p:cNvPr id="45" name="직사각형 44">
+              <a:extLst>
+                <a:ext uri="{FF2B5EF4-FFF2-40B4-BE49-F238E27FC236}">
+                  <a16:creationId xmlns:a16="http://schemas.microsoft.com/office/drawing/2014/main" id="{F7E07B28-BB53-F04B-A857-9467C723FA4F}"/>
+                </a:ext>
+              </a:extLst>
+            </p:cNvPr>
+            <p:cNvSpPr/>
+            <p:nvPr/>
+          </p:nvSpPr>
+          <p:spPr>
+            <a:xfrm>
+              <a:off x="848299" y="903383"/>
+              <a:ext cx="4175394" cy="1095730"/>
+            </a:xfrm>
+            <a:prstGeom prst="rect">
+              <a:avLst/>
+            </a:prstGeom>
+            <a:noFill/>
+            <a:ln w="25400">
+              <a:solidFill>
+                <a:srgbClr val="5DA2C5"/>
+              </a:solidFill>
+            </a:ln>
+          </p:spPr>
+          <p:style>
+            <a:lnRef idx="2">
+              <a:schemeClr val="accent1">
+                <a:shade val="50000"/>
+              </a:schemeClr>
+            </a:lnRef>
+            <a:fillRef idx="1">
+              <a:schemeClr val="accent1"/>
+            </a:fillRef>
+            <a:effectRef idx="0">
+              <a:schemeClr val="accent1"/>
+            </a:effectRef>
+            <a:fontRef idx="minor">
+              <a:schemeClr val="lt1"/>
+            </a:fontRef>
+          </p:style>
+          <p:txBody>
+            <a:bodyPr rtlCol="0" anchor="ctr"/>
+            <a:lstStyle/>
+            <a:p>
+              <a:pPr algn="ctr"/>
+              <a:endParaRPr kumimoji="1" lang="ko-Kore-KR" altLang="en-US"/>
+            </a:p>
+          </p:txBody>
+        </p:sp>
+        <p:sp>
+          <p:nvSpPr>
+            <p:cNvPr id="46" name="TextBox 45">
+              <a:extLst>
+                <a:ext uri="{FF2B5EF4-FFF2-40B4-BE49-F238E27FC236}">
+                  <a16:creationId xmlns:a16="http://schemas.microsoft.com/office/drawing/2014/main" id="{235FCF65-F6DD-F641-8B46-07EE8832433E}"/>
+                </a:ext>
+              </a:extLst>
+            </p:cNvPr>
+            <p:cNvSpPr txBox="1"/>
+            <p:nvPr/>
+          </p:nvSpPr>
+          <p:spPr>
+            <a:xfrm>
+              <a:off x="1007566" y="1071869"/>
+              <a:ext cx="3910988" cy="830997"/>
+            </a:xfrm>
+            <a:prstGeom prst="rect">
+              <a:avLst/>
+            </a:prstGeom>
+            <a:noFill/>
+          </p:spPr>
+          <p:txBody>
+            <a:bodyPr wrap="square" rtlCol="0">
+              <a:spAutoFit/>
+            </a:bodyPr>
+            <a:lstStyle/>
+            <a:p>
+              <a:r>
+                <a:rPr kumimoji="1" lang="en-US" altLang="ko-Kore-KR" sz="1200" dirty="0">
+                  <a:solidFill>
+                    <a:srgbClr val="5DA2C5"/>
+                  </a:solidFill>
+                  <a:latin typeface="SHeadG" panose="02030600000101010101" pitchFamily="18" charset="-127"/>
+                  <a:ea typeface="SHeadG" panose="02030600000101010101" pitchFamily="18" charset="-127"/>
+                </a:rPr>
+                <a:t>POST products/_doc</a:t>
+              </a:r>
+            </a:p>
+            <a:p>
+              <a:r>
+                <a:rPr kumimoji="1" lang="en-US" altLang="ko-Kore-KR" sz="1200" dirty="0">
+                  <a:solidFill>
+                    <a:srgbClr val="5DA2C5"/>
+                  </a:solidFill>
+                  <a:latin typeface="SHeadG" panose="02030600000101010101" pitchFamily="18" charset="-127"/>
+                  <a:ea typeface="SHeadG" panose="02030600000101010101" pitchFamily="18" charset="-127"/>
+                </a:rPr>
+                <a:t>{</a:t>
+              </a:r>
+            </a:p>
+            <a:p>
+              <a:r>
+                <a:rPr kumimoji="1" lang="en-US" altLang="ko-Kore-KR" sz="1200" dirty="0">
+                  <a:solidFill>
+                    <a:srgbClr val="5DA2C5"/>
+                  </a:solidFill>
+                  <a:latin typeface="SHeadG" panose="02030600000101010101" pitchFamily="18" charset="-127"/>
+                  <a:ea typeface="SHeadG" panose="02030600000101010101" pitchFamily="18" charset="-127"/>
+                </a:rPr>
+                <a:t>  “tags”: “Smartphone”</a:t>
+              </a:r>
+            </a:p>
+            <a:p>
+              <a:r>
+                <a:rPr kumimoji="1" lang="en-US" altLang="ko-Kore-KR" sz="1200" dirty="0">
+                  <a:solidFill>
+                    <a:srgbClr val="5DA2C5"/>
+                  </a:solidFill>
+                  <a:latin typeface="SHeadG" panose="02030600000101010101" pitchFamily="18" charset="-127"/>
+                  <a:ea typeface="SHeadG" panose="02030600000101010101" pitchFamily="18" charset="-127"/>
+                </a:rPr>
+                <a:t>}</a:t>
+              </a:r>
+              <a:endParaRPr kumimoji="1" lang="ko-Kore-KR" altLang="en-US" sz="1200" dirty="0">
+                <a:solidFill>
+                  <a:srgbClr val="5DA2C5"/>
+                </a:solidFill>
+                <a:latin typeface="SHeadG" panose="02030600000101010101" pitchFamily="18" charset="-127"/>
+                <a:ea typeface="SHeadG" panose="02030600000101010101" pitchFamily="18" charset="-127"/>
+              </a:endParaRPr>
+            </a:p>
+          </p:txBody>
+        </p:sp>
+      </p:grpSp>
+      <p:grpSp>
+        <p:nvGrpSpPr>
+          <p:cNvPr id="47" name="그룹 46">
+            <a:extLst>
+              <a:ext uri="{FF2B5EF4-FFF2-40B4-BE49-F238E27FC236}">
+                <a16:creationId xmlns:a16="http://schemas.microsoft.com/office/drawing/2014/main" id="{F3BD7E04-FC3A-DC4D-AFAD-5D264C764F5C}"/>
+              </a:ext>
+            </a:extLst>
+          </p:cNvPr>
+          <p:cNvGrpSpPr/>
+          <p:nvPr/>
+        </p:nvGrpSpPr>
+        <p:grpSpPr>
+          <a:xfrm>
+            <a:off x="1503289" y="3518942"/>
+            <a:ext cx="4175394" cy="1095730"/>
+            <a:chOff x="848299" y="903383"/>
+            <a:chExt cx="4175394" cy="1095730"/>
+          </a:xfrm>
+        </p:grpSpPr>
+        <p:sp>
+          <p:nvSpPr>
+            <p:cNvPr id="48" name="직사각형 47">
+              <a:extLst>
+                <a:ext uri="{FF2B5EF4-FFF2-40B4-BE49-F238E27FC236}">
+                  <a16:creationId xmlns:a16="http://schemas.microsoft.com/office/drawing/2014/main" id="{D8937B25-E20F-0540-982C-0B9B95078C65}"/>
+                </a:ext>
+              </a:extLst>
+            </p:cNvPr>
+            <p:cNvSpPr/>
+            <p:nvPr/>
+          </p:nvSpPr>
+          <p:spPr>
+            <a:xfrm>
+              <a:off x="848299" y="903383"/>
+              <a:ext cx="4175394" cy="1095730"/>
+            </a:xfrm>
+            <a:prstGeom prst="rect">
+              <a:avLst/>
+            </a:prstGeom>
+            <a:noFill/>
+            <a:ln w="25400">
+              <a:solidFill>
+                <a:srgbClr val="5DA2C5"/>
+              </a:solidFill>
+            </a:ln>
+          </p:spPr>
+          <p:style>
+            <a:lnRef idx="2">
+              <a:schemeClr val="accent1">
+                <a:shade val="50000"/>
+              </a:schemeClr>
+            </a:lnRef>
+            <a:fillRef idx="1">
+              <a:schemeClr val="accent1"/>
+            </a:fillRef>
+            <a:effectRef idx="0">
+              <a:schemeClr val="accent1"/>
+            </a:effectRef>
+            <a:fontRef idx="minor">
+              <a:schemeClr val="lt1"/>
+            </a:fontRef>
+          </p:style>
+          <p:txBody>
+            <a:bodyPr rtlCol="0" anchor="ctr"/>
+            <a:lstStyle/>
+            <a:p>
+              <a:pPr algn="ctr"/>
+              <a:endParaRPr kumimoji="1" lang="ko-Kore-KR" altLang="en-US"/>
+            </a:p>
+          </p:txBody>
+        </p:sp>
+        <p:sp>
+          <p:nvSpPr>
+            <p:cNvPr id="49" name="TextBox 48">
+              <a:extLst>
+                <a:ext uri="{FF2B5EF4-FFF2-40B4-BE49-F238E27FC236}">
+                  <a16:creationId xmlns:a16="http://schemas.microsoft.com/office/drawing/2014/main" id="{6958B531-22B2-FD4E-9EC9-EB574ED59AD8}"/>
+                </a:ext>
+              </a:extLst>
+            </p:cNvPr>
+            <p:cNvSpPr txBox="1"/>
+            <p:nvPr/>
+          </p:nvSpPr>
+          <p:spPr>
+            <a:xfrm>
+              <a:off x="1007566" y="1071869"/>
+              <a:ext cx="3910988" cy="830997"/>
+            </a:xfrm>
+            <a:prstGeom prst="rect">
+              <a:avLst/>
+            </a:prstGeom>
+            <a:noFill/>
+          </p:spPr>
+          <p:txBody>
+            <a:bodyPr wrap="square" rtlCol="0">
+              <a:spAutoFit/>
+            </a:bodyPr>
+            <a:lstStyle/>
+            <a:p>
+              <a:r>
+                <a:rPr kumimoji="1" lang="en-US" altLang="ko-Kore-KR" sz="1200" dirty="0">
+                  <a:solidFill>
+                    <a:srgbClr val="5DA2C5"/>
+                  </a:solidFill>
+                  <a:latin typeface="SHeadG" panose="02030600000101010101" pitchFamily="18" charset="-127"/>
+                  <a:ea typeface="SHeadG" panose="02030600000101010101" pitchFamily="18" charset="-127"/>
+                </a:rPr>
+                <a:t>POST products/_doc</a:t>
+              </a:r>
+            </a:p>
+            <a:p>
+              <a:r>
+                <a:rPr kumimoji="1" lang="en-US" altLang="ko-Kore-KR" sz="1200" dirty="0">
+                  <a:solidFill>
+                    <a:srgbClr val="5DA2C5"/>
+                  </a:solidFill>
+                  <a:latin typeface="SHeadG" panose="02030600000101010101" pitchFamily="18" charset="-127"/>
+                  <a:ea typeface="SHeadG" panose="02030600000101010101" pitchFamily="18" charset="-127"/>
+                </a:rPr>
+                <a:t>{</a:t>
+              </a:r>
+            </a:p>
+            <a:p>
+              <a:r>
+                <a:rPr kumimoji="1" lang="en-US" altLang="ko-Kore-KR" sz="1200" dirty="0">
+                  <a:solidFill>
+                    <a:srgbClr val="5DA2C5"/>
+                  </a:solidFill>
+                  <a:latin typeface="SHeadG" panose="02030600000101010101" pitchFamily="18" charset="-127"/>
+                  <a:ea typeface="SHeadG" panose="02030600000101010101" pitchFamily="18" charset="-127"/>
+                </a:rPr>
+                <a:t>  “tags”: [“Smartphone”, “Electronics”]</a:t>
+              </a:r>
+            </a:p>
+            <a:p>
+              <a:r>
+                <a:rPr kumimoji="1" lang="en-US" altLang="ko-Kore-KR" sz="1200" dirty="0">
+                  <a:solidFill>
+                    <a:srgbClr val="5DA2C5"/>
+                  </a:solidFill>
+                  <a:latin typeface="SHeadG" panose="02030600000101010101" pitchFamily="18" charset="-127"/>
+                  <a:ea typeface="SHeadG" panose="02030600000101010101" pitchFamily="18" charset="-127"/>
+                </a:rPr>
+                <a:t>}</a:t>
+              </a:r>
+              <a:endParaRPr kumimoji="1" lang="ko-Kore-KR" altLang="en-US" sz="1200" dirty="0">
+                <a:solidFill>
+                  <a:srgbClr val="5DA2C5"/>
+                </a:solidFill>
+                <a:latin typeface="SHeadG" panose="02030600000101010101" pitchFamily="18" charset="-127"/>
+                <a:ea typeface="SHeadG" panose="02030600000101010101" pitchFamily="18" charset="-127"/>
+              </a:endParaRPr>
+            </a:p>
+          </p:txBody>
+        </p:sp>
+      </p:grpSp>
+      <p:grpSp>
+        <p:nvGrpSpPr>
+          <p:cNvPr id="50" name="그룹 49">
+            <a:extLst>
+              <a:ext uri="{FF2B5EF4-FFF2-40B4-BE49-F238E27FC236}">
+                <a16:creationId xmlns:a16="http://schemas.microsoft.com/office/drawing/2014/main" id="{BBD4CD06-B279-5340-91C8-71A1ED399356}"/>
+              </a:ext>
+            </a:extLst>
+          </p:cNvPr>
+          <p:cNvGrpSpPr/>
+          <p:nvPr/>
+        </p:nvGrpSpPr>
+        <p:grpSpPr>
+          <a:xfrm>
+            <a:off x="6730609" y="1709927"/>
+            <a:ext cx="4175394" cy="2542031"/>
+            <a:chOff x="848299" y="903382"/>
+            <a:chExt cx="4175394" cy="1412285"/>
+          </a:xfrm>
+        </p:grpSpPr>
+        <p:sp>
+          <p:nvSpPr>
+            <p:cNvPr id="51" name="직사각형 50">
+              <a:extLst>
+                <a:ext uri="{FF2B5EF4-FFF2-40B4-BE49-F238E27FC236}">
+                  <a16:creationId xmlns:a16="http://schemas.microsoft.com/office/drawing/2014/main" id="{87C8A2C2-79F5-0F42-832D-AD357DBE08EF}"/>
+                </a:ext>
+              </a:extLst>
+            </p:cNvPr>
+            <p:cNvSpPr/>
+            <p:nvPr/>
+          </p:nvSpPr>
+          <p:spPr>
+            <a:xfrm>
+              <a:off x="848299" y="903382"/>
+              <a:ext cx="4175394" cy="1412285"/>
+            </a:xfrm>
+            <a:prstGeom prst="rect">
+              <a:avLst/>
+            </a:prstGeom>
+            <a:noFill/>
+            <a:ln w="25400">
+              <a:solidFill>
+                <a:srgbClr val="5DA2C5"/>
+              </a:solidFill>
+            </a:ln>
+          </p:spPr>
+          <p:style>
+            <a:lnRef idx="2">
+              <a:schemeClr val="accent1">
+                <a:shade val="50000"/>
+              </a:schemeClr>
+            </a:lnRef>
+            <a:fillRef idx="1">
+              <a:schemeClr val="accent1"/>
+            </a:fillRef>
+            <a:effectRef idx="0">
+              <a:schemeClr val="accent1"/>
+            </a:effectRef>
+            <a:fontRef idx="minor">
+              <a:schemeClr val="lt1"/>
+            </a:fontRef>
+          </p:style>
+          <p:txBody>
+            <a:bodyPr rtlCol="0" anchor="ctr"/>
+            <a:lstStyle/>
+            <a:p>
+              <a:pPr algn="ctr"/>
+              <a:endParaRPr kumimoji="1" lang="ko-Kore-KR" altLang="en-US"/>
+            </a:p>
+          </p:txBody>
+        </p:sp>
+        <p:sp>
+          <p:nvSpPr>
+            <p:cNvPr id="52" name="TextBox 51">
+              <a:extLst>
+                <a:ext uri="{FF2B5EF4-FFF2-40B4-BE49-F238E27FC236}">
+                  <a16:creationId xmlns:a16="http://schemas.microsoft.com/office/drawing/2014/main" id="{05E08110-F40A-8443-B777-2CA56EA84EF5}"/>
+                </a:ext>
+              </a:extLst>
+            </p:cNvPr>
+            <p:cNvSpPr txBox="1"/>
+            <p:nvPr/>
+          </p:nvSpPr>
+          <p:spPr>
+            <a:xfrm>
+              <a:off x="1007566" y="1071869"/>
+              <a:ext cx="3910988" cy="1179848"/>
+            </a:xfrm>
+            <a:prstGeom prst="rect">
+              <a:avLst/>
+            </a:prstGeom>
+            <a:noFill/>
+          </p:spPr>
+          <p:txBody>
+            <a:bodyPr wrap="square" rtlCol="0">
+              <a:spAutoFit/>
+            </a:bodyPr>
+            <a:lstStyle/>
+            <a:p>
+              <a:r>
+                <a:rPr kumimoji="1" lang="en-US" altLang="ko-Kore-KR" sz="1200" dirty="0">
+                  <a:solidFill>
+                    <a:srgbClr val="5DA2C5"/>
+                  </a:solidFill>
+                  <a:latin typeface="SHeadG" panose="02030600000101010101" pitchFamily="18" charset="-127"/>
+                  <a:ea typeface="SHeadG" panose="02030600000101010101" pitchFamily="18" charset="-127"/>
+                </a:rPr>
+                <a:t>{</a:t>
+              </a:r>
+            </a:p>
+            <a:p>
+              <a:r>
+                <a:rPr kumimoji="1" lang="en-US" altLang="ko-Kore-KR" sz="1200" dirty="0">
+                  <a:solidFill>
+                    <a:srgbClr val="5DA2C5"/>
+                  </a:solidFill>
+                  <a:latin typeface="SHeadG" panose="02030600000101010101" pitchFamily="18" charset="-127"/>
+                  <a:ea typeface="SHeadG" panose="02030600000101010101" pitchFamily="18" charset="-127"/>
+                </a:rPr>
+                <a:t>  “products”: {</a:t>
+              </a:r>
+            </a:p>
+            <a:p>
+              <a:r>
+                <a:rPr kumimoji="1" lang="en-US" altLang="ko-Kore-KR" sz="1200" dirty="0">
+                  <a:solidFill>
+                    <a:srgbClr val="5DA2C5"/>
+                  </a:solidFill>
+                  <a:latin typeface="SHeadG" panose="02030600000101010101" pitchFamily="18" charset="-127"/>
+                  <a:ea typeface="SHeadG" panose="02030600000101010101" pitchFamily="18" charset="-127"/>
+                </a:rPr>
+                <a:t>      “mappings”: {</a:t>
+              </a:r>
+            </a:p>
+            <a:p>
+              <a:r>
+                <a:rPr kumimoji="1" lang="en-US" altLang="ko-Kore-KR" sz="1200" dirty="0">
+                  <a:solidFill>
+                    <a:srgbClr val="5DA2C5"/>
+                  </a:solidFill>
+                  <a:latin typeface="SHeadG" panose="02030600000101010101" pitchFamily="18" charset="-127"/>
+                  <a:ea typeface="SHeadG" panose="02030600000101010101" pitchFamily="18" charset="-127"/>
+                </a:rPr>
+                <a:t>         “properties”: {</a:t>
+              </a:r>
+            </a:p>
+            <a:p>
+              <a:r>
+                <a:rPr kumimoji="1" lang="en-US" altLang="ko-Kore-KR" sz="1200" dirty="0">
+                  <a:solidFill>
+                    <a:srgbClr val="5DA2C5"/>
+                  </a:solidFill>
+                  <a:latin typeface="SHeadG" panose="02030600000101010101" pitchFamily="18" charset="-127"/>
+                  <a:ea typeface="SHeadG" panose="02030600000101010101" pitchFamily="18" charset="-127"/>
+                </a:rPr>
+                <a:t>            “tags”: {</a:t>
+              </a:r>
+            </a:p>
+            <a:p>
+              <a:r>
+                <a:rPr kumimoji="1" lang="en-US" altLang="ko-Kore-KR" sz="1200" dirty="0">
+                  <a:solidFill>
+                    <a:srgbClr val="5DA2C5"/>
+                  </a:solidFill>
+                  <a:latin typeface="SHeadG" panose="02030600000101010101" pitchFamily="18" charset="-127"/>
+                  <a:ea typeface="SHeadG" panose="02030600000101010101" pitchFamily="18" charset="-127"/>
+                </a:rPr>
+                <a:t>               “type”: “text”</a:t>
+              </a:r>
+            </a:p>
+            <a:p>
+              <a:r>
+                <a:rPr kumimoji="1" lang="en-US" altLang="ko-Kore-KR" sz="1200" dirty="0">
+                  <a:solidFill>
+                    <a:srgbClr val="5DA2C5"/>
+                  </a:solidFill>
+                  <a:latin typeface="SHeadG" panose="02030600000101010101" pitchFamily="18" charset="-127"/>
+                  <a:ea typeface="SHeadG" panose="02030600000101010101" pitchFamily="18" charset="-127"/>
+                </a:rPr>
+                <a:t>             }</a:t>
+              </a:r>
+            </a:p>
+            <a:p>
+              <a:r>
+                <a:rPr kumimoji="1" lang="en-US" altLang="ko-Kore-KR" sz="1200" dirty="0">
+                  <a:solidFill>
+                    <a:srgbClr val="5DA2C5"/>
+                  </a:solidFill>
+                  <a:latin typeface="SHeadG" panose="02030600000101010101" pitchFamily="18" charset="-127"/>
+                  <a:ea typeface="SHeadG" panose="02030600000101010101" pitchFamily="18" charset="-127"/>
+                </a:rPr>
+                <a:t>          }</a:t>
+              </a:r>
+            </a:p>
+            <a:p>
+              <a:r>
+                <a:rPr kumimoji="1" lang="en-US" altLang="ko-Kore-KR" sz="1200" dirty="0">
+                  <a:solidFill>
+                    <a:srgbClr val="5DA2C5"/>
+                  </a:solidFill>
+                  <a:latin typeface="SHeadG" panose="02030600000101010101" pitchFamily="18" charset="-127"/>
+                  <a:ea typeface="SHeadG" panose="02030600000101010101" pitchFamily="18" charset="-127"/>
+                </a:rPr>
+                <a:t>       }</a:t>
+              </a:r>
+            </a:p>
+            <a:p>
+              <a:r>
+                <a:rPr kumimoji="1" lang="en-US" altLang="ko-Kore-KR" sz="1200" dirty="0">
+                  <a:solidFill>
+                    <a:srgbClr val="5DA2C5"/>
+                  </a:solidFill>
+                  <a:latin typeface="SHeadG" panose="02030600000101010101" pitchFamily="18" charset="-127"/>
+                  <a:ea typeface="SHeadG" panose="02030600000101010101" pitchFamily="18" charset="-127"/>
+                </a:rPr>
+                <a:t>   }</a:t>
+              </a:r>
+            </a:p>
+            <a:p>
+              <a:r>
+                <a:rPr kumimoji="1" lang="en-US" altLang="ko-Kore-KR" sz="1200" dirty="0">
+                  <a:solidFill>
+                    <a:srgbClr val="5DA2C5"/>
+                  </a:solidFill>
+                  <a:latin typeface="SHeadG" panose="02030600000101010101" pitchFamily="18" charset="-127"/>
+                  <a:ea typeface="SHeadG" panose="02030600000101010101" pitchFamily="18" charset="-127"/>
+                </a:rPr>
+                <a:t>}</a:t>
+              </a:r>
+              <a:endParaRPr kumimoji="1" lang="ko-Kore-KR" altLang="en-US" sz="1200" dirty="0">
+                <a:solidFill>
+                  <a:srgbClr val="5DA2C5"/>
+                </a:solidFill>
+                <a:latin typeface="SHeadG" panose="02030600000101010101" pitchFamily="18" charset="-127"/>
+                <a:ea typeface="SHeadG" panose="02030600000101010101" pitchFamily="18" charset="-127"/>
+              </a:endParaRPr>
+            </a:p>
+          </p:txBody>
+        </p:sp>
+      </p:grpSp>
+      <p:cxnSp>
+        <p:nvCxnSpPr>
+          <p:cNvPr id="53" name="직선 화살표 연결선 52">
+            <a:extLst>
+              <a:ext uri="{FF2B5EF4-FFF2-40B4-BE49-F238E27FC236}">
+                <a16:creationId xmlns:a16="http://schemas.microsoft.com/office/drawing/2014/main" id="{11827AB3-CEF8-3F43-841A-D491F3A8BC60}"/>
+              </a:ext>
+            </a:extLst>
+          </p:cNvPr>
+          <p:cNvCxnSpPr>
+            <a:cxnSpLocks/>
+          </p:cNvCxnSpPr>
+          <p:nvPr/>
+        </p:nvCxnSpPr>
+        <p:spPr>
+          <a:xfrm>
+            <a:off x="5973218" y="3198899"/>
+            <a:ext cx="397525" cy="0"/>
+          </a:xfrm>
+          <a:prstGeom prst="straightConnector1">
+            <a:avLst/>
+          </a:prstGeom>
+          <a:ln w="25400">
+            <a:solidFill>
+              <a:srgbClr val="5DA2C5"/>
+            </a:solidFill>
+            <a:tailEnd type="stealth" w="lg" len="lg"/>
+          </a:ln>
+        </p:spPr>
+        <p:style>
+          <a:lnRef idx="1">
+            <a:schemeClr val="accent1"/>
+          </a:lnRef>
+          <a:fillRef idx="0">
+            <a:schemeClr val="accent1"/>
+          </a:fillRef>
+          <a:effectRef idx="0">
+            <a:schemeClr val="accent1"/>
+          </a:effectRef>
+          <a:fontRef idx="minor">
+            <a:schemeClr val="tx1"/>
+          </a:fontRef>
+        </p:style>
+      </p:cxnSp>
+    </p:spTree>
+    <p:extLst>
+      <p:ext uri="{BB962C8B-B14F-4D97-AF65-F5344CB8AC3E}">
+        <p14:creationId xmlns:p14="http://schemas.microsoft.com/office/powerpoint/2010/main" val="1015847719"/>
+      </p:ext>
+    </p:extLst>
+  </p:cSld>
+  <p:clrMapOvr>
+    <a:masterClrMapping/>
+  </p:clrMapOvr>
+</p:sld>
+</file>
+
 <file path=ppt/slides/slide2.xml><?xml version="1.0" encoding="utf-8"?>
 <p:sld xmlns:a="http://schemas.openxmlformats.org/drawingml/2006/main" xmlns:r="http://schemas.openxmlformats.org/officeDocument/2006/relationships" xmlns:p="http://schemas.openxmlformats.org/presentationml/2006/main">
   <p:cSld>

--- a/complete-guide-to-elasticsearch/프레젠테이션1.pptx
+++ b/complete-guide-to-elasticsearch/프레젠테이션1.pptx
@@ -21,6 +21,8 @@
     <p:sldId id="285" r:id="rId15"/>
     <p:sldId id="286" r:id="rId16"/>
     <p:sldId id="287" r:id="rId17"/>
+    <p:sldId id="288" r:id="rId18"/>
+    <p:sldId id="289" r:id="rId19"/>
   </p:sldIdLst>
   <p:sldSz cx="12192000" cy="6858000"/>
   <p:notesSz cx="6858000" cy="9144000"/>
@@ -12196,6 +12198,1162 @@
 </p:sld>
 </file>
 
+<file path=ppt/slides/slide17.xml><?xml version="1.0" encoding="utf-8"?>
+<p:sld xmlns:a="http://schemas.openxmlformats.org/drawingml/2006/main" xmlns:r="http://schemas.openxmlformats.org/officeDocument/2006/relationships" xmlns:p="http://schemas.openxmlformats.org/presentationml/2006/main">
+  <p:cSld>
+    <p:spTree>
+      <p:nvGrpSpPr>
+        <p:cNvPr id="1" name=""/>
+        <p:cNvGrpSpPr/>
+        <p:nvPr/>
+      </p:nvGrpSpPr>
+      <p:grpSpPr>
+        <a:xfrm>
+          <a:off x="0" y="0"/>
+          <a:ext cx="0" cy="0"/>
+          <a:chOff x="0" y="0"/>
+          <a:chExt cx="0" cy="0"/>
+        </a:xfrm>
+      </p:grpSpPr>
+      <p:grpSp>
+        <p:nvGrpSpPr>
+          <p:cNvPr id="44" name="그룹 43">
+            <a:extLst>
+              <a:ext uri="{FF2B5EF4-FFF2-40B4-BE49-F238E27FC236}">
+                <a16:creationId xmlns:a16="http://schemas.microsoft.com/office/drawing/2014/main" id="{95E1F34C-0442-484E-A7FE-17E535D7C9FB}"/>
+              </a:ext>
+            </a:extLst>
+          </p:cNvPr>
+          <p:cNvGrpSpPr/>
+          <p:nvPr/>
+        </p:nvGrpSpPr>
+        <p:grpSpPr>
+          <a:xfrm>
+            <a:off x="1503289" y="1802918"/>
+            <a:ext cx="4175394" cy="2609962"/>
+            <a:chOff x="848299" y="903383"/>
+            <a:chExt cx="4175394" cy="2609962"/>
+          </a:xfrm>
+        </p:grpSpPr>
+        <p:sp>
+          <p:nvSpPr>
+            <p:cNvPr id="45" name="직사각형 44">
+              <a:extLst>
+                <a:ext uri="{FF2B5EF4-FFF2-40B4-BE49-F238E27FC236}">
+                  <a16:creationId xmlns:a16="http://schemas.microsoft.com/office/drawing/2014/main" id="{F7E07B28-BB53-F04B-A857-9467C723FA4F}"/>
+                </a:ext>
+              </a:extLst>
+            </p:cNvPr>
+            <p:cNvSpPr/>
+            <p:nvPr/>
+          </p:nvSpPr>
+          <p:spPr>
+            <a:xfrm>
+              <a:off x="848299" y="903383"/>
+              <a:ext cx="4175394" cy="2609962"/>
+            </a:xfrm>
+            <a:prstGeom prst="rect">
+              <a:avLst/>
+            </a:prstGeom>
+            <a:noFill/>
+            <a:ln w="25400">
+              <a:solidFill>
+                <a:srgbClr val="5DA2C5"/>
+              </a:solidFill>
+            </a:ln>
+          </p:spPr>
+          <p:style>
+            <a:lnRef idx="2">
+              <a:schemeClr val="accent1">
+                <a:shade val="50000"/>
+              </a:schemeClr>
+            </a:lnRef>
+            <a:fillRef idx="1">
+              <a:schemeClr val="accent1"/>
+            </a:fillRef>
+            <a:effectRef idx="0">
+              <a:schemeClr val="accent1"/>
+            </a:effectRef>
+            <a:fontRef idx="minor">
+              <a:schemeClr val="lt1"/>
+            </a:fontRef>
+          </p:style>
+          <p:txBody>
+            <a:bodyPr rtlCol="0" anchor="ctr"/>
+            <a:lstStyle/>
+            <a:p>
+              <a:pPr algn="ctr"/>
+              <a:endParaRPr kumimoji="1" lang="ko-Kore-KR" altLang="en-US"/>
+            </a:p>
+          </p:txBody>
+        </p:sp>
+        <p:sp>
+          <p:nvSpPr>
+            <p:cNvPr id="46" name="TextBox 45">
+              <a:extLst>
+                <a:ext uri="{FF2B5EF4-FFF2-40B4-BE49-F238E27FC236}">
+                  <a16:creationId xmlns:a16="http://schemas.microsoft.com/office/drawing/2014/main" id="{235FCF65-F6DD-F641-8B46-07EE8832433E}"/>
+                </a:ext>
+              </a:extLst>
+            </p:cNvPr>
+            <p:cNvSpPr txBox="1"/>
+            <p:nvPr/>
+          </p:nvSpPr>
+          <p:spPr>
+            <a:xfrm>
+              <a:off x="1007566" y="1071869"/>
+              <a:ext cx="3910988" cy="2308324"/>
+            </a:xfrm>
+            <a:prstGeom prst="rect">
+              <a:avLst/>
+            </a:prstGeom>
+            <a:noFill/>
+          </p:spPr>
+          <p:txBody>
+            <a:bodyPr wrap="square" rtlCol="0">
+              <a:spAutoFit/>
+            </a:bodyPr>
+            <a:lstStyle/>
+            <a:p>
+              <a:r>
+                <a:rPr kumimoji="1" lang="en-US" altLang="ko-Kore-KR" sz="1200" dirty="0">
+                  <a:solidFill>
+                    <a:srgbClr val="5DA2C5"/>
+                  </a:solidFill>
+                  <a:latin typeface="SHeadG" panose="02030600000101010101" pitchFamily="18" charset="-127"/>
+                  <a:ea typeface="SHeadG" panose="02030600000101010101" pitchFamily="18" charset="-127"/>
+                </a:rPr>
+                <a:t>PUT sales</a:t>
+              </a:r>
+            </a:p>
+            <a:p>
+              <a:r>
+                <a:rPr kumimoji="1" lang="en-US" altLang="ko-Kore-KR" sz="1200" dirty="0">
+                  <a:solidFill>
+                    <a:srgbClr val="5DA2C5"/>
+                  </a:solidFill>
+                  <a:latin typeface="SHeadG" panose="02030600000101010101" pitchFamily="18" charset="-127"/>
+                  <a:ea typeface="SHeadG" panose="02030600000101010101" pitchFamily="18" charset="-127"/>
+                </a:rPr>
+                <a:t>{</a:t>
+              </a:r>
+            </a:p>
+            <a:p>
+              <a:r>
+                <a:rPr kumimoji="1" lang="en-US" altLang="ko-Kore-KR" sz="1200" dirty="0">
+                  <a:solidFill>
+                    <a:srgbClr val="5DA2C5"/>
+                  </a:solidFill>
+                  <a:latin typeface="SHeadG" panose="02030600000101010101" pitchFamily="18" charset="-127"/>
+                  <a:ea typeface="SHeadG" panose="02030600000101010101" pitchFamily="18" charset="-127"/>
+                </a:rPr>
+                <a:t>  "mappings": {</a:t>
+              </a:r>
+            </a:p>
+            <a:p>
+              <a:r>
+                <a:rPr kumimoji="1" lang="en-US" altLang="ko-Kore-KR" sz="1200" dirty="0">
+                  <a:solidFill>
+                    <a:srgbClr val="5DA2C5"/>
+                  </a:solidFill>
+                  <a:latin typeface="SHeadG" panose="02030600000101010101" pitchFamily="18" charset="-127"/>
+                  <a:ea typeface="SHeadG" panose="02030600000101010101" pitchFamily="18" charset="-127"/>
+                </a:rPr>
+                <a:t>    "properties": {</a:t>
+              </a:r>
+            </a:p>
+            <a:p>
+              <a:r>
+                <a:rPr kumimoji="1" lang="en-US" altLang="ko-Kore-KR" sz="1200" dirty="0">
+                  <a:solidFill>
+                    <a:srgbClr val="5DA2C5"/>
+                  </a:solidFill>
+                  <a:latin typeface="SHeadG" panose="02030600000101010101" pitchFamily="18" charset="-127"/>
+                  <a:ea typeface="SHeadG" panose="02030600000101010101" pitchFamily="18" charset="-127"/>
+                </a:rPr>
+                <a:t>      "</a:t>
+              </a:r>
+              <a:r>
+                <a:rPr kumimoji="1" lang="en-US" altLang="ko-Kore-KR" sz="1200" dirty="0" err="1">
+                  <a:solidFill>
+                    <a:srgbClr val="5DA2C5"/>
+                  </a:solidFill>
+                  <a:latin typeface="SHeadG" panose="02030600000101010101" pitchFamily="18" charset="-127"/>
+                  <a:ea typeface="SHeadG" panose="02030600000101010101" pitchFamily="18" charset="-127"/>
+                </a:rPr>
+                <a:t>sold_by</a:t>
+              </a:r>
+              <a:r>
+                <a:rPr kumimoji="1" lang="en-US" altLang="ko-Kore-KR" sz="1200" dirty="0">
+                  <a:solidFill>
+                    <a:srgbClr val="5DA2C5"/>
+                  </a:solidFill>
+                  <a:latin typeface="SHeadG" panose="02030600000101010101" pitchFamily="18" charset="-127"/>
+                  <a:ea typeface="SHeadG" panose="02030600000101010101" pitchFamily="18" charset="-127"/>
+                </a:rPr>
+                <a:t>": {</a:t>
+              </a:r>
+            </a:p>
+            <a:p>
+              <a:r>
+                <a:rPr kumimoji="1" lang="en-US" altLang="ko-Kore-KR" sz="1200" dirty="0">
+                  <a:solidFill>
+                    <a:srgbClr val="5DA2C5"/>
+                  </a:solidFill>
+                  <a:latin typeface="SHeadG" panose="02030600000101010101" pitchFamily="18" charset="-127"/>
+                  <a:ea typeface="SHeadG" panose="02030600000101010101" pitchFamily="18" charset="-127"/>
+                </a:rPr>
+                <a:t>        </a:t>
+              </a:r>
+              <a:r>
+                <a:rPr kumimoji="1" lang="en-US" altLang="ko-Kore-KR" sz="1200" dirty="0">
+                  <a:solidFill>
+                    <a:srgbClr val="FF0000"/>
+                  </a:solidFill>
+                  <a:latin typeface="SHeadG" panose="02030600000101010101" pitchFamily="18" charset="-127"/>
+                  <a:ea typeface="SHeadG" panose="02030600000101010101" pitchFamily="18" charset="-127"/>
+                </a:rPr>
+                <a:t>"properties": {</a:t>
+              </a:r>
+            </a:p>
+            <a:p>
+              <a:r>
+                <a:rPr kumimoji="1" lang="en-US" altLang="ko-Kore-KR" sz="1200" dirty="0">
+                  <a:solidFill>
+                    <a:srgbClr val="FF0000"/>
+                  </a:solidFill>
+                  <a:latin typeface="SHeadG" panose="02030600000101010101" pitchFamily="18" charset="-127"/>
+                  <a:ea typeface="SHeadG" panose="02030600000101010101" pitchFamily="18" charset="-127"/>
+                </a:rPr>
+                <a:t>          "name": { "type": "text" }</a:t>
+              </a:r>
+            </a:p>
+            <a:p>
+              <a:r>
+                <a:rPr kumimoji="1" lang="en-US" altLang="ko-Kore-KR" sz="1200" dirty="0">
+                  <a:solidFill>
+                    <a:srgbClr val="FF0000"/>
+                  </a:solidFill>
+                  <a:latin typeface="SHeadG" panose="02030600000101010101" pitchFamily="18" charset="-127"/>
+                  <a:ea typeface="SHeadG" panose="02030600000101010101" pitchFamily="18" charset="-127"/>
+                </a:rPr>
+                <a:t>        }</a:t>
+              </a:r>
+            </a:p>
+            <a:p>
+              <a:r>
+                <a:rPr kumimoji="1" lang="en-US" altLang="ko-Kore-KR" sz="1200" dirty="0">
+                  <a:solidFill>
+                    <a:srgbClr val="5DA2C5"/>
+                  </a:solidFill>
+                  <a:latin typeface="SHeadG" panose="02030600000101010101" pitchFamily="18" charset="-127"/>
+                  <a:ea typeface="SHeadG" panose="02030600000101010101" pitchFamily="18" charset="-127"/>
+                </a:rPr>
+                <a:t>      }</a:t>
+              </a:r>
+            </a:p>
+            <a:p>
+              <a:r>
+                <a:rPr kumimoji="1" lang="en-US" altLang="ko-Kore-KR" sz="1200" dirty="0">
+                  <a:solidFill>
+                    <a:srgbClr val="5DA2C5"/>
+                  </a:solidFill>
+                  <a:latin typeface="SHeadG" panose="02030600000101010101" pitchFamily="18" charset="-127"/>
+                  <a:ea typeface="SHeadG" panose="02030600000101010101" pitchFamily="18" charset="-127"/>
+                </a:rPr>
+                <a:t>    }</a:t>
+              </a:r>
+            </a:p>
+            <a:p>
+              <a:r>
+                <a:rPr kumimoji="1" lang="en-US" altLang="ko-Kore-KR" sz="1200" dirty="0">
+                  <a:solidFill>
+                    <a:srgbClr val="5DA2C5"/>
+                  </a:solidFill>
+                  <a:latin typeface="SHeadG" panose="02030600000101010101" pitchFamily="18" charset="-127"/>
+                  <a:ea typeface="SHeadG" panose="02030600000101010101" pitchFamily="18" charset="-127"/>
+                </a:rPr>
+                <a:t>  }</a:t>
+              </a:r>
+            </a:p>
+            <a:p>
+              <a:r>
+                <a:rPr kumimoji="1" lang="en-US" altLang="ko-Kore-KR" sz="1200" dirty="0">
+                  <a:solidFill>
+                    <a:srgbClr val="5DA2C5"/>
+                  </a:solidFill>
+                  <a:latin typeface="SHeadG" panose="02030600000101010101" pitchFamily="18" charset="-127"/>
+                  <a:ea typeface="SHeadG" panose="02030600000101010101" pitchFamily="18" charset="-127"/>
+                </a:rPr>
+                <a:t>}</a:t>
+              </a:r>
+              <a:endParaRPr kumimoji="1" lang="ko-Kore-KR" altLang="en-US" sz="1200" dirty="0">
+                <a:solidFill>
+                  <a:srgbClr val="5DA2C5"/>
+                </a:solidFill>
+                <a:latin typeface="SHeadG" panose="02030600000101010101" pitchFamily="18" charset="-127"/>
+                <a:ea typeface="SHeadG" panose="02030600000101010101" pitchFamily="18" charset="-127"/>
+              </a:endParaRPr>
+            </a:p>
+          </p:txBody>
+        </p:sp>
+      </p:grpSp>
+      <p:grpSp>
+        <p:nvGrpSpPr>
+          <p:cNvPr id="47" name="그룹 46">
+            <a:extLst>
+              <a:ext uri="{FF2B5EF4-FFF2-40B4-BE49-F238E27FC236}">
+                <a16:creationId xmlns:a16="http://schemas.microsoft.com/office/drawing/2014/main" id="{F3BD7E04-FC3A-DC4D-AFAD-5D264C764F5C}"/>
+              </a:ext>
+            </a:extLst>
+          </p:cNvPr>
+          <p:cNvGrpSpPr/>
+          <p:nvPr/>
+        </p:nvGrpSpPr>
+        <p:grpSpPr>
+          <a:xfrm>
+            <a:off x="6578209" y="1802918"/>
+            <a:ext cx="4175394" cy="2609962"/>
+            <a:chOff x="848299" y="1071023"/>
+            <a:chExt cx="4175394" cy="2609962"/>
+          </a:xfrm>
+        </p:grpSpPr>
+        <p:sp>
+          <p:nvSpPr>
+            <p:cNvPr id="48" name="직사각형 47">
+              <a:extLst>
+                <a:ext uri="{FF2B5EF4-FFF2-40B4-BE49-F238E27FC236}">
+                  <a16:creationId xmlns:a16="http://schemas.microsoft.com/office/drawing/2014/main" id="{D8937B25-E20F-0540-982C-0B9B95078C65}"/>
+                </a:ext>
+              </a:extLst>
+            </p:cNvPr>
+            <p:cNvSpPr/>
+            <p:nvPr/>
+          </p:nvSpPr>
+          <p:spPr>
+            <a:xfrm>
+              <a:off x="848299" y="1071023"/>
+              <a:ext cx="4175394" cy="2609962"/>
+            </a:xfrm>
+            <a:prstGeom prst="rect">
+              <a:avLst/>
+            </a:prstGeom>
+            <a:noFill/>
+            <a:ln w="25400">
+              <a:solidFill>
+                <a:srgbClr val="5DA2C5"/>
+              </a:solidFill>
+            </a:ln>
+          </p:spPr>
+          <p:style>
+            <a:lnRef idx="2">
+              <a:schemeClr val="accent1">
+                <a:shade val="50000"/>
+              </a:schemeClr>
+            </a:lnRef>
+            <a:fillRef idx="1">
+              <a:schemeClr val="accent1"/>
+            </a:fillRef>
+            <a:effectRef idx="0">
+              <a:schemeClr val="accent1"/>
+            </a:effectRef>
+            <a:fontRef idx="minor">
+              <a:schemeClr val="lt1"/>
+            </a:fontRef>
+          </p:style>
+          <p:txBody>
+            <a:bodyPr rtlCol="0" anchor="ctr"/>
+            <a:lstStyle/>
+            <a:p>
+              <a:pPr algn="ctr"/>
+              <a:endParaRPr kumimoji="1" lang="ko-Kore-KR" altLang="en-US"/>
+            </a:p>
+          </p:txBody>
+        </p:sp>
+        <p:sp>
+          <p:nvSpPr>
+            <p:cNvPr id="49" name="TextBox 48">
+              <a:extLst>
+                <a:ext uri="{FF2B5EF4-FFF2-40B4-BE49-F238E27FC236}">
+                  <a16:creationId xmlns:a16="http://schemas.microsoft.com/office/drawing/2014/main" id="{6958B531-22B2-FD4E-9EC9-EB574ED59AD8}"/>
+                </a:ext>
+              </a:extLst>
+            </p:cNvPr>
+            <p:cNvSpPr txBox="1"/>
+            <p:nvPr/>
+          </p:nvSpPr>
+          <p:spPr>
+            <a:xfrm>
+              <a:off x="980502" y="1187995"/>
+              <a:ext cx="3910988" cy="2492990"/>
+            </a:xfrm>
+            <a:prstGeom prst="rect">
+              <a:avLst/>
+            </a:prstGeom>
+            <a:noFill/>
+          </p:spPr>
+          <p:txBody>
+            <a:bodyPr wrap="square" rtlCol="0">
+              <a:spAutoFit/>
+            </a:bodyPr>
+            <a:lstStyle/>
+            <a:p>
+              <a:r>
+                <a:rPr kumimoji="1" lang="en-US" altLang="ko-Kore-KR" sz="1200" dirty="0">
+                  <a:solidFill>
+                    <a:srgbClr val="5DA2C5"/>
+                  </a:solidFill>
+                  <a:latin typeface="SHeadG" panose="02030600000101010101" pitchFamily="18" charset="-127"/>
+                  <a:ea typeface="SHeadG" panose="02030600000101010101" pitchFamily="18" charset="-127"/>
+                </a:rPr>
+                <a:t>PUT sales</a:t>
+              </a:r>
+            </a:p>
+            <a:p>
+              <a:r>
+                <a:rPr kumimoji="1" lang="en-US" altLang="ko-Kore-KR" sz="1200" dirty="0">
+                  <a:solidFill>
+                    <a:srgbClr val="5DA2C5"/>
+                  </a:solidFill>
+                  <a:latin typeface="SHeadG" panose="02030600000101010101" pitchFamily="18" charset="-127"/>
+                  <a:ea typeface="SHeadG" panose="02030600000101010101" pitchFamily="18" charset="-127"/>
+                </a:rPr>
+                <a:t>{</a:t>
+              </a:r>
+            </a:p>
+            <a:p>
+              <a:r>
+                <a:rPr kumimoji="1" lang="en-US" altLang="ko-Kore-KR" sz="1200" dirty="0">
+                  <a:solidFill>
+                    <a:srgbClr val="5DA2C5"/>
+                  </a:solidFill>
+                  <a:latin typeface="SHeadG" panose="02030600000101010101" pitchFamily="18" charset="-127"/>
+                  <a:ea typeface="SHeadG" panose="02030600000101010101" pitchFamily="18" charset="-127"/>
+                </a:rPr>
+                <a:t>  "mappings": {</a:t>
+              </a:r>
+            </a:p>
+            <a:p>
+              <a:r>
+                <a:rPr kumimoji="1" lang="en-US" altLang="ko-Kore-KR" sz="1200" dirty="0">
+                  <a:solidFill>
+                    <a:srgbClr val="5DA2C5"/>
+                  </a:solidFill>
+                  <a:latin typeface="SHeadG" panose="02030600000101010101" pitchFamily="18" charset="-127"/>
+                  <a:ea typeface="SHeadG" panose="02030600000101010101" pitchFamily="18" charset="-127"/>
+                </a:rPr>
+                <a:t>    "properties": {</a:t>
+              </a:r>
+            </a:p>
+            <a:p>
+              <a:r>
+                <a:rPr kumimoji="1" lang="en-US" altLang="ko-Kore-KR" sz="1200" dirty="0">
+                  <a:solidFill>
+                    <a:srgbClr val="5DA2C5"/>
+                  </a:solidFill>
+                  <a:latin typeface="SHeadG" panose="02030600000101010101" pitchFamily="18" charset="-127"/>
+                  <a:ea typeface="SHeadG" panose="02030600000101010101" pitchFamily="18" charset="-127"/>
+                </a:rPr>
+                <a:t>      "products": {</a:t>
+              </a:r>
+            </a:p>
+            <a:p>
+              <a:r>
+                <a:rPr kumimoji="1" lang="en-US" altLang="ko-Kore-KR" sz="1200" dirty="0">
+                  <a:solidFill>
+                    <a:srgbClr val="5DA2C5"/>
+                  </a:solidFill>
+                  <a:latin typeface="SHeadG" panose="02030600000101010101" pitchFamily="18" charset="-127"/>
+                  <a:ea typeface="SHeadG" panose="02030600000101010101" pitchFamily="18" charset="-127"/>
+                </a:rPr>
+                <a:t>        "type": "nested",</a:t>
+              </a:r>
+            </a:p>
+            <a:p>
+              <a:r>
+                <a:rPr kumimoji="1" lang="en-US" altLang="ko-Kore-KR" sz="1200" dirty="0">
+                  <a:solidFill>
+                    <a:srgbClr val="FF0000"/>
+                  </a:solidFill>
+                  <a:latin typeface="SHeadG" panose="02030600000101010101" pitchFamily="18" charset="-127"/>
+                  <a:ea typeface="SHeadG" panose="02030600000101010101" pitchFamily="18" charset="-127"/>
+                </a:rPr>
+                <a:t>        "properties": {</a:t>
+              </a:r>
+            </a:p>
+            <a:p>
+              <a:r>
+                <a:rPr kumimoji="1" lang="en-US" altLang="ko-Kore-KR" sz="1200" dirty="0">
+                  <a:solidFill>
+                    <a:srgbClr val="FF0000"/>
+                  </a:solidFill>
+                  <a:latin typeface="SHeadG" panose="02030600000101010101" pitchFamily="18" charset="-127"/>
+                  <a:ea typeface="SHeadG" panose="02030600000101010101" pitchFamily="18" charset="-127"/>
+                </a:rPr>
+                <a:t>          "name": { "type": "text" }</a:t>
+              </a:r>
+            </a:p>
+            <a:p>
+              <a:r>
+                <a:rPr kumimoji="1" lang="en-US" altLang="ko-Kore-KR" sz="1200" dirty="0">
+                  <a:solidFill>
+                    <a:srgbClr val="FF0000"/>
+                  </a:solidFill>
+                  <a:latin typeface="SHeadG" panose="02030600000101010101" pitchFamily="18" charset="-127"/>
+                  <a:ea typeface="SHeadG" panose="02030600000101010101" pitchFamily="18" charset="-127"/>
+                </a:rPr>
+                <a:t>        }</a:t>
+              </a:r>
+            </a:p>
+            <a:p>
+              <a:r>
+                <a:rPr kumimoji="1" lang="en-US" altLang="ko-Kore-KR" sz="1200" dirty="0">
+                  <a:solidFill>
+                    <a:srgbClr val="5DA2C5"/>
+                  </a:solidFill>
+                  <a:latin typeface="SHeadG" panose="02030600000101010101" pitchFamily="18" charset="-127"/>
+                  <a:ea typeface="SHeadG" panose="02030600000101010101" pitchFamily="18" charset="-127"/>
+                </a:rPr>
+                <a:t>      }</a:t>
+              </a:r>
+            </a:p>
+            <a:p>
+              <a:r>
+                <a:rPr kumimoji="1" lang="en-US" altLang="ko-Kore-KR" sz="1200" dirty="0">
+                  <a:solidFill>
+                    <a:srgbClr val="5DA2C5"/>
+                  </a:solidFill>
+                  <a:latin typeface="SHeadG" panose="02030600000101010101" pitchFamily="18" charset="-127"/>
+                  <a:ea typeface="SHeadG" panose="02030600000101010101" pitchFamily="18" charset="-127"/>
+                </a:rPr>
+                <a:t>    }</a:t>
+              </a:r>
+            </a:p>
+            <a:p>
+              <a:r>
+                <a:rPr kumimoji="1" lang="en-US" altLang="ko-Kore-KR" sz="1200" dirty="0">
+                  <a:solidFill>
+                    <a:srgbClr val="5DA2C5"/>
+                  </a:solidFill>
+                  <a:latin typeface="SHeadG" panose="02030600000101010101" pitchFamily="18" charset="-127"/>
+                  <a:ea typeface="SHeadG" panose="02030600000101010101" pitchFamily="18" charset="-127"/>
+                </a:rPr>
+                <a:t>  }</a:t>
+              </a:r>
+            </a:p>
+            <a:p>
+              <a:r>
+                <a:rPr kumimoji="1" lang="en-US" altLang="ko-Kore-KR" sz="1200" dirty="0">
+                  <a:solidFill>
+                    <a:srgbClr val="5DA2C5"/>
+                  </a:solidFill>
+                  <a:latin typeface="SHeadG" panose="02030600000101010101" pitchFamily="18" charset="-127"/>
+                  <a:ea typeface="SHeadG" panose="02030600000101010101" pitchFamily="18" charset="-127"/>
+                </a:rPr>
+                <a:t>}</a:t>
+              </a:r>
+              <a:endParaRPr kumimoji="1" lang="ko-Kore-KR" altLang="en-US" sz="1200" dirty="0">
+                <a:solidFill>
+                  <a:srgbClr val="5DA2C5"/>
+                </a:solidFill>
+                <a:latin typeface="SHeadG" panose="02030600000101010101" pitchFamily="18" charset="-127"/>
+                <a:ea typeface="SHeadG" panose="02030600000101010101" pitchFamily="18" charset="-127"/>
+              </a:endParaRPr>
+            </a:p>
+          </p:txBody>
+        </p:sp>
+      </p:grpSp>
+    </p:spTree>
+    <p:extLst>
+      <p:ext uri="{BB962C8B-B14F-4D97-AF65-F5344CB8AC3E}">
+        <p14:creationId xmlns:p14="http://schemas.microsoft.com/office/powerpoint/2010/main" val="1283483735"/>
+      </p:ext>
+    </p:extLst>
+  </p:cSld>
+  <p:clrMapOvr>
+    <a:masterClrMapping/>
+  </p:clrMapOvr>
+</p:sld>
+</file>
+
+<file path=ppt/slides/slide18.xml><?xml version="1.0" encoding="utf-8"?>
+<p:sld xmlns:a="http://schemas.openxmlformats.org/drawingml/2006/main" xmlns:r="http://schemas.openxmlformats.org/officeDocument/2006/relationships" xmlns:p="http://schemas.openxmlformats.org/presentationml/2006/main">
+  <p:cSld>
+    <p:spTree>
+      <p:nvGrpSpPr>
+        <p:cNvPr id="1" name=""/>
+        <p:cNvGrpSpPr/>
+        <p:nvPr/>
+      </p:nvGrpSpPr>
+      <p:grpSpPr>
+        <a:xfrm>
+          <a:off x="0" y="0"/>
+          <a:ext cx="0" cy="0"/>
+          <a:chOff x="0" y="0"/>
+          <a:chExt cx="0" cy="0"/>
+        </a:xfrm>
+      </p:grpSpPr>
+      <p:grpSp>
+        <p:nvGrpSpPr>
+          <p:cNvPr id="44" name="그룹 43">
+            <a:extLst>
+              <a:ext uri="{FF2B5EF4-FFF2-40B4-BE49-F238E27FC236}">
+                <a16:creationId xmlns:a16="http://schemas.microsoft.com/office/drawing/2014/main" id="{95E1F34C-0442-484E-A7FE-17E535D7C9FB}"/>
+              </a:ext>
+            </a:extLst>
+          </p:cNvPr>
+          <p:cNvGrpSpPr/>
+          <p:nvPr/>
+        </p:nvGrpSpPr>
+        <p:grpSpPr>
+          <a:xfrm>
+            <a:off x="1503289" y="1802918"/>
+            <a:ext cx="4175394" cy="2609962"/>
+            <a:chOff x="848299" y="903383"/>
+            <a:chExt cx="4175394" cy="2609962"/>
+          </a:xfrm>
+        </p:grpSpPr>
+        <p:sp>
+          <p:nvSpPr>
+            <p:cNvPr id="45" name="직사각형 44">
+              <a:extLst>
+                <a:ext uri="{FF2B5EF4-FFF2-40B4-BE49-F238E27FC236}">
+                  <a16:creationId xmlns:a16="http://schemas.microsoft.com/office/drawing/2014/main" id="{F7E07B28-BB53-F04B-A857-9467C723FA4F}"/>
+                </a:ext>
+              </a:extLst>
+            </p:cNvPr>
+            <p:cNvSpPr/>
+            <p:nvPr/>
+          </p:nvSpPr>
+          <p:spPr>
+            <a:xfrm>
+              <a:off x="848299" y="903383"/>
+              <a:ext cx="4175394" cy="2609962"/>
+            </a:xfrm>
+            <a:prstGeom prst="rect">
+              <a:avLst/>
+            </a:prstGeom>
+            <a:noFill/>
+            <a:ln w="25400">
+              <a:solidFill>
+                <a:srgbClr val="5DA2C5"/>
+              </a:solidFill>
+            </a:ln>
+          </p:spPr>
+          <p:style>
+            <a:lnRef idx="2">
+              <a:schemeClr val="accent1">
+                <a:shade val="50000"/>
+              </a:schemeClr>
+            </a:lnRef>
+            <a:fillRef idx="1">
+              <a:schemeClr val="accent1"/>
+            </a:fillRef>
+            <a:effectRef idx="0">
+              <a:schemeClr val="accent1"/>
+            </a:effectRef>
+            <a:fontRef idx="minor">
+              <a:schemeClr val="lt1"/>
+            </a:fontRef>
+          </p:style>
+          <p:txBody>
+            <a:bodyPr rtlCol="0" anchor="ctr"/>
+            <a:lstStyle/>
+            <a:p>
+              <a:pPr algn="ctr"/>
+              <a:endParaRPr kumimoji="1" lang="ko-Kore-KR" altLang="en-US"/>
+            </a:p>
+          </p:txBody>
+        </p:sp>
+        <p:sp>
+          <p:nvSpPr>
+            <p:cNvPr id="46" name="TextBox 45">
+              <a:extLst>
+                <a:ext uri="{FF2B5EF4-FFF2-40B4-BE49-F238E27FC236}">
+                  <a16:creationId xmlns:a16="http://schemas.microsoft.com/office/drawing/2014/main" id="{235FCF65-F6DD-F641-8B46-07EE8832433E}"/>
+                </a:ext>
+              </a:extLst>
+            </p:cNvPr>
+            <p:cNvSpPr txBox="1"/>
+            <p:nvPr/>
+          </p:nvSpPr>
+          <p:spPr>
+            <a:xfrm>
+              <a:off x="1007566" y="1071869"/>
+              <a:ext cx="3910988" cy="2123658"/>
+            </a:xfrm>
+            <a:prstGeom prst="rect">
+              <a:avLst/>
+            </a:prstGeom>
+            <a:noFill/>
+          </p:spPr>
+          <p:txBody>
+            <a:bodyPr wrap="square" rtlCol="0">
+              <a:spAutoFit/>
+            </a:bodyPr>
+            <a:lstStyle/>
+            <a:p>
+              <a:r>
+                <a:rPr kumimoji="1" lang="en-US" altLang="ko-Kore-KR" sz="1200" dirty="0">
+                  <a:solidFill>
+                    <a:srgbClr val="5DA2C5"/>
+                  </a:solidFill>
+                  <a:latin typeface="SHeadG" panose="02030600000101010101" pitchFamily="18" charset="-127"/>
+                  <a:ea typeface="SHeadG" panose="02030600000101010101" pitchFamily="18" charset="-127"/>
+                </a:rPr>
+                <a:t>PUT sales</a:t>
+              </a:r>
+            </a:p>
+            <a:p>
+              <a:r>
+                <a:rPr kumimoji="1" lang="en-US" altLang="ko-Kore-KR" sz="1200" dirty="0">
+                  <a:solidFill>
+                    <a:srgbClr val="5DA2C5"/>
+                  </a:solidFill>
+                  <a:latin typeface="SHeadG" panose="02030600000101010101" pitchFamily="18" charset="-127"/>
+                  <a:ea typeface="SHeadG" panose="02030600000101010101" pitchFamily="18" charset="-127"/>
+                </a:rPr>
+                <a:t>{</a:t>
+              </a:r>
+            </a:p>
+            <a:p>
+              <a:r>
+                <a:rPr kumimoji="1" lang="en-US" altLang="ko-Kore-KR" sz="1200" dirty="0">
+                  <a:solidFill>
+                    <a:srgbClr val="5DA2C5"/>
+                  </a:solidFill>
+                  <a:latin typeface="SHeadG" panose="02030600000101010101" pitchFamily="18" charset="-127"/>
+                  <a:ea typeface="SHeadG" panose="02030600000101010101" pitchFamily="18" charset="-127"/>
+                </a:rPr>
+                <a:t>  "mappings": {</a:t>
+              </a:r>
+            </a:p>
+            <a:p>
+              <a:r>
+                <a:rPr kumimoji="1" lang="en-US" altLang="ko-Kore-KR" sz="1200" dirty="0">
+                  <a:solidFill>
+                    <a:srgbClr val="5DA2C5"/>
+                  </a:solidFill>
+                  <a:latin typeface="SHeadG" panose="02030600000101010101" pitchFamily="18" charset="-127"/>
+                  <a:ea typeface="SHeadG" panose="02030600000101010101" pitchFamily="18" charset="-127"/>
+                </a:rPr>
+                <a:t>    "properties": {</a:t>
+              </a:r>
+            </a:p>
+            <a:p>
+              <a:r>
+                <a:rPr kumimoji="1" lang="en-US" altLang="ko-Kore-KR" sz="1200" dirty="0">
+                  <a:solidFill>
+                    <a:srgbClr val="5DA2C5"/>
+                  </a:solidFill>
+                  <a:latin typeface="SHeadG" panose="02030600000101010101" pitchFamily="18" charset="-127"/>
+                  <a:ea typeface="SHeadG" panose="02030600000101010101" pitchFamily="18" charset="-127"/>
+                </a:rPr>
+                <a:t>      "amount": {</a:t>
+              </a:r>
+            </a:p>
+            <a:p>
+              <a:r>
+                <a:rPr kumimoji="1" lang="en-US" altLang="ko-Kore-KR" sz="1200" dirty="0">
+                  <a:solidFill>
+                    <a:srgbClr val="5DA2C5"/>
+                  </a:solidFill>
+                  <a:latin typeface="SHeadG" panose="02030600000101010101" pitchFamily="18" charset="-127"/>
+                  <a:ea typeface="SHeadG" panose="02030600000101010101" pitchFamily="18" charset="-127"/>
+                </a:rPr>
+                <a:t>        "type": "float",</a:t>
+              </a:r>
+            </a:p>
+            <a:p>
+              <a:r>
+                <a:rPr kumimoji="1" lang="en-US" altLang="ko-Kore-KR" sz="1200" dirty="0">
+                  <a:solidFill>
+                    <a:srgbClr val="FF0000"/>
+                  </a:solidFill>
+                  <a:latin typeface="SHeadG" panose="02030600000101010101" pitchFamily="18" charset="-127"/>
+                  <a:ea typeface="SHeadG" panose="02030600000101010101" pitchFamily="18" charset="-127"/>
+                </a:rPr>
+                <a:t>        "coerce": false</a:t>
+              </a:r>
+            </a:p>
+            <a:p>
+              <a:r>
+                <a:rPr kumimoji="1" lang="en-US" altLang="ko-Kore-KR" sz="1200" dirty="0">
+                  <a:solidFill>
+                    <a:srgbClr val="5DA2C5"/>
+                  </a:solidFill>
+                  <a:latin typeface="SHeadG" panose="02030600000101010101" pitchFamily="18" charset="-127"/>
+                  <a:ea typeface="SHeadG" panose="02030600000101010101" pitchFamily="18" charset="-127"/>
+                </a:rPr>
+                <a:t>      }</a:t>
+              </a:r>
+            </a:p>
+            <a:p>
+              <a:r>
+                <a:rPr kumimoji="1" lang="en-US" altLang="ko-Kore-KR" sz="1200" dirty="0">
+                  <a:solidFill>
+                    <a:srgbClr val="5DA2C5"/>
+                  </a:solidFill>
+                  <a:latin typeface="SHeadG" panose="02030600000101010101" pitchFamily="18" charset="-127"/>
+                  <a:ea typeface="SHeadG" panose="02030600000101010101" pitchFamily="18" charset="-127"/>
+                </a:rPr>
+                <a:t>    }</a:t>
+              </a:r>
+            </a:p>
+            <a:p>
+              <a:r>
+                <a:rPr kumimoji="1" lang="en-US" altLang="ko-Kore-KR" sz="1200" dirty="0">
+                  <a:solidFill>
+                    <a:srgbClr val="5DA2C5"/>
+                  </a:solidFill>
+                  <a:latin typeface="SHeadG" panose="02030600000101010101" pitchFamily="18" charset="-127"/>
+                  <a:ea typeface="SHeadG" panose="02030600000101010101" pitchFamily="18" charset="-127"/>
+                </a:rPr>
+                <a:t>  }</a:t>
+              </a:r>
+            </a:p>
+            <a:p>
+              <a:r>
+                <a:rPr kumimoji="1" lang="en-US" altLang="ko-Kore-KR" sz="1200" dirty="0">
+                  <a:solidFill>
+                    <a:srgbClr val="5DA2C5"/>
+                  </a:solidFill>
+                  <a:latin typeface="SHeadG" panose="02030600000101010101" pitchFamily="18" charset="-127"/>
+                  <a:ea typeface="SHeadG" panose="02030600000101010101" pitchFamily="18" charset="-127"/>
+                </a:rPr>
+                <a:t>}</a:t>
+              </a:r>
+              <a:endParaRPr kumimoji="1" lang="ko-Kore-KR" altLang="en-US" sz="1200" dirty="0">
+                <a:solidFill>
+                  <a:srgbClr val="5DA2C5"/>
+                </a:solidFill>
+                <a:latin typeface="SHeadG" panose="02030600000101010101" pitchFamily="18" charset="-127"/>
+                <a:ea typeface="SHeadG" panose="02030600000101010101" pitchFamily="18" charset="-127"/>
+              </a:endParaRPr>
+            </a:p>
+          </p:txBody>
+        </p:sp>
+      </p:grpSp>
+      <p:grpSp>
+        <p:nvGrpSpPr>
+          <p:cNvPr id="47" name="그룹 46">
+            <a:extLst>
+              <a:ext uri="{FF2B5EF4-FFF2-40B4-BE49-F238E27FC236}">
+                <a16:creationId xmlns:a16="http://schemas.microsoft.com/office/drawing/2014/main" id="{F3BD7E04-FC3A-DC4D-AFAD-5D264C764F5C}"/>
+              </a:ext>
+            </a:extLst>
+          </p:cNvPr>
+          <p:cNvGrpSpPr/>
+          <p:nvPr/>
+        </p:nvGrpSpPr>
+        <p:grpSpPr>
+          <a:xfrm>
+            <a:off x="6578209" y="1802918"/>
+            <a:ext cx="4175394" cy="2794628"/>
+            <a:chOff x="848299" y="1071023"/>
+            <a:chExt cx="4175394" cy="2794628"/>
+          </a:xfrm>
+        </p:grpSpPr>
+        <p:sp>
+          <p:nvSpPr>
+            <p:cNvPr id="48" name="직사각형 47">
+              <a:extLst>
+                <a:ext uri="{FF2B5EF4-FFF2-40B4-BE49-F238E27FC236}">
+                  <a16:creationId xmlns:a16="http://schemas.microsoft.com/office/drawing/2014/main" id="{D8937B25-E20F-0540-982C-0B9B95078C65}"/>
+                </a:ext>
+              </a:extLst>
+            </p:cNvPr>
+            <p:cNvSpPr/>
+            <p:nvPr/>
+          </p:nvSpPr>
+          <p:spPr>
+            <a:xfrm>
+              <a:off x="848299" y="1071023"/>
+              <a:ext cx="4175394" cy="2794628"/>
+            </a:xfrm>
+            <a:prstGeom prst="rect">
+              <a:avLst/>
+            </a:prstGeom>
+            <a:noFill/>
+            <a:ln w="25400">
+              <a:solidFill>
+                <a:srgbClr val="5DA2C5"/>
+              </a:solidFill>
+            </a:ln>
+          </p:spPr>
+          <p:style>
+            <a:lnRef idx="2">
+              <a:schemeClr val="accent1">
+                <a:shade val="50000"/>
+              </a:schemeClr>
+            </a:lnRef>
+            <a:fillRef idx="1">
+              <a:schemeClr val="accent1"/>
+            </a:fillRef>
+            <a:effectRef idx="0">
+              <a:schemeClr val="accent1"/>
+            </a:effectRef>
+            <a:fontRef idx="minor">
+              <a:schemeClr val="lt1"/>
+            </a:fontRef>
+          </p:style>
+          <p:txBody>
+            <a:bodyPr rtlCol="0" anchor="ctr"/>
+            <a:lstStyle/>
+            <a:p>
+              <a:pPr algn="ctr"/>
+              <a:endParaRPr kumimoji="1" lang="ko-Kore-KR" altLang="en-US"/>
+            </a:p>
+          </p:txBody>
+        </p:sp>
+        <p:sp>
+          <p:nvSpPr>
+            <p:cNvPr id="49" name="TextBox 48">
+              <a:extLst>
+                <a:ext uri="{FF2B5EF4-FFF2-40B4-BE49-F238E27FC236}">
+                  <a16:creationId xmlns:a16="http://schemas.microsoft.com/office/drawing/2014/main" id="{6958B531-22B2-FD4E-9EC9-EB574ED59AD8}"/>
+                </a:ext>
+              </a:extLst>
+            </p:cNvPr>
+            <p:cNvSpPr txBox="1"/>
+            <p:nvPr/>
+          </p:nvSpPr>
+          <p:spPr>
+            <a:xfrm>
+              <a:off x="980502" y="1187995"/>
+              <a:ext cx="3910988" cy="2677656"/>
+            </a:xfrm>
+            <a:prstGeom prst="rect">
+              <a:avLst/>
+            </a:prstGeom>
+            <a:noFill/>
+          </p:spPr>
+          <p:txBody>
+            <a:bodyPr wrap="square" rtlCol="0">
+              <a:spAutoFit/>
+            </a:bodyPr>
+            <a:lstStyle/>
+            <a:p>
+              <a:r>
+                <a:rPr kumimoji="1" lang="en-US" altLang="ko-Kore-KR" sz="1200" dirty="0">
+                  <a:solidFill>
+                    <a:srgbClr val="5DA2C5"/>
+                  </a:solidFill>
+                  <a:latin typeface="SHeadG" panose="02030600000101010101" pitchFamily="18" charset="-127"/>
+                  <a:ea typeface="SHeadG" panose="02030600000101010101" pitchFamily="18" charset="-127"/>
+                </a:rPr>
+                <a:t>PUT sales</a:t>
+              </a:r>
+            </a:p>
+            <a:p>
+              <a:r>
+                <a:rPr kumimoji="1" lang="en-US" altLang="ko-Kore-KR" sz="1200" dirty="0">
+                  <a:solidFill>
+                    <a:srgbClr val="5DA2C5"/>
+                  </a:solidFill>
+                  <a:latin typeface="SHeadG" panose="02030600000101010101" pitchFamily="18" charset="-127"/>
+                  <a:ea typeface="SHeadG" panose="02030600000101010101" pitchFamily="18" charset="-127"/>
+                </a:rPr>
+                <a:t>{</a:t>
+              </a:r>
+            </a:p>
+            <a:p>
+              <a:r>
+                <a:rPr kumimoji="1" lang="en-US" altLang="ko-Kore-KR" sz="1200" dirty="0">
+                  <a:solidFill>
+                    <a:srgbClr val="5DA2C5"/>
+                  </a:solidFill>
+                  <a:latin typeface="SHeadG" panose="02030600000101010101" pitchFamily="18" charset="-127"/>
+                  <a:ea typeface="SHeadG" panose="02030600000101010101" pitchFamily="18" charset="-127"/>
+                </a:rPr>
+                <a:t>  "settings": {</a:t>
+              </a:r>
+            </a:p>
+            <a:p>
+              <a:r>
+                <a:rPr kumimoji="1" lang="en-US" altLang="ko-Kore-KR" sz="1200" dirty="0">
+                  <a:solidFill>
+                    <a:srgbClr val="FF0000"/>
+                  </a:solidFill>
+                  <a:latin typeface="SHeadG" panose="02030600000101010101" pitchFamily="18" charset="-127"/>
+                  <a:ea typeface="SHeadG" panose="02030600000101010101" pitchFamily="18" charset="-127"/>
+                </a:rPr>
+                <a:t>    "</a:t>
+              </a:r>
+              <a:r>
+                <a:rPr kumimoji="1" lang="en-US" altLang="ko-Kore-KR" sz="1200" dirty="0" err="1">
+                  <a:solidFill>
+                    <a:srgbClr val="FF0000"/>
+                  </a:solidFill>
+                  <a:latin typeface="SHeadG" panose="02030600000101010101" pitchFamily="18" charset="-127"/>
+                  <a:ea typeface="SHeadG" panose="02030600000101010101" pitchFamily="18" charset="-127"/>
+                </a:rPr>
+                <a:t>index.mapping.coerce</a:t>
+              </a:r>
+              <a:r>
+                <a:rPr kumimoji="1" lang="en-US" altLang="ko-Kore-KR" sz="1200" dirty="0">
+                  <a:solidFill>
+                    <a:srgbClr val="FF0000"/>
+                  </a:solidFill>
+                  <a:latin typeface="SHeadG" panose="02030600000101010101" pitchFamily="18" charset="-127"/>
+                  <a:ea typeface="SHeadG" panose="02030600000101010101" pitchFamily="18" charset="-127"/>
+                </a:rPr>
+                <a:t>": false</a:t>
+              </a:r>
+            </a:p>
+            <a:p>
+              <a:r>
+                <a:rPr kumimoji="1" lang="en-US" altLang="ko-Kore-KR" sz="1200" dirty="0">
+                  <a:solidFill>
+                    <a:srgbClr val="5DA2C5"/>
+                  </a:solidFill>
+                  <a:latin typeface="SHeadG" panose="02030600000101010101" pitchFamily="18" charset="-127"/>
+                  <a:ea typeface="SHeadG" panose="02030600000101010101" pitchFamily="18" charset="-127"/>
+                </a:rPr>
+                <a:t>  }, </a:t>
+              </a:r>
+            </a:p>
+            <a:p>
+              <a:r>
+                <a:rPr kumimoji="1" lang="en-US" altLang="ko-Kore-KR" sz="1200" dirty="0">
+                  <a:solidFill>
+                    <a:srgbClr val="5DA2C5"/>
+                  </a:solidFill>
+                  <a:latin typeface="SHeadG" panose="02030600000101010101" pitchFamily="18" charset="-127"/>
+                  <a:ea typeface="SHeadG" panose="02030600000101010101" pitchFamily="18" charset="-127"/>
+                </a:rPr>
+                <a:t>  "mappings": {</a:t>
+              </a:r>
+            </a:p>
+            <a:p>
+              <a:r>
+                <a:rPr kumimoji="1" lang="en-US" altLang="ko-Kore-KR" sz="1200" dirty="0">
+                  <a:solidFill>
+                    <a:srgbClr val="5DA2C5"/>
+                  </a:solidFill>
+                  <a:latin typeface="SHeadG" panose="02030600000101010101" pitchFamily="18" charset="-127"/>
+                  <a:ea typeface="SHeadG" panose="02030600000101010101" pitchFamily="18" charset="-127"/>
+                </a:rPr>
+                <a:t>    "properties": {</a:t>
+              </a:r>
+            </a:p>
+            <a:p>
+              <a:r>
+                <a:rPr kumimoji="1" lang="en-US" altLang="ko-Kore-KR" sz="1200" dirty="0">
+                  <a:solidFill>
+                    <a:srgbClr val="5DA2C5"/>
+                  </a:solidFill>
+                  <a:latin typeface="SHeadG" panose="02030600000101010101" pitchFamily="18" charset="-127"/>
+                  <a:ea typeface="SHeadG" panose="02030600000101010101" pitchFamily="18" charset="-127"/>
+                </a:rPr>
+                <a:t>      "amount": {</a:t>
+              </a:r>
+            </a:p>
+            <a:p>
+              <a:r>
+                <a:rPr kumimoji="1" lang="en-US" altLang="ko-Kore-KR" sz="1200" dirty="0">
+                  <a:solidFill>
+                    <a:srgbClr val="5DA2C5"/>
+                  </a:solidFill>
+                  <a:latin typeface="SHeadG" panose="02030600000101010101" pitchFamily="18" charset="-127"/>
+                  <a:ea typeface="SHeadG" panose="02030600000101010101" pitchFamily="18" charset="-127"/>
+                </a:rPr>
+                <a:t>        "type": "float",</a:t>
+              </a:r>
+            </a:p>
+            <a:p>
+              <a:r>
+                <a:rPr kumimoji="1" lang="en-US" altLang="ko-Kore-KR" sz="1200" dirty="0">
+                  <a:solidFill>
+                    <a:srgbClr val="5DA2C5"/>
+                  </a:solidFill>
+                  <a:latin typeface="SHeadG" panose="02030600000101010101" pitchFamily="18" charset="-127"/>
+                  <a:ea typeface="SHeadG" panose="02030600000101010101" pitchFamily="18" charset="-127"/>
+                </a:rPr>
+                <a:t>        </a:t>
+              </a:r>
+              <a:r>
+                <a:rPr kumimoji="1" lang="en-US" altLang="ko-Kore-KR" sz="1200" dirty="0">
+                  <a:solidFill>
+                    <a:srgbClr val="FF0000"/>
+                  </a:solidFill>
+                  <a:latin typeface="SHeadG" panose="02030600000101010101" pitchFamily="18" charset="-127"/>
+                  <a:ea typeface="SHeadG" panose="02030600000101010101" pitchFamily="18" charset="-127"/>
+                </a:rPr>
+                <a:t>"coerce": true</a:t>
+              </a:r>
+            </a:p>
+            <a:p>
+              <a:r>
+                <a:rPr kumimoji="1" lang="en-US" altLang="ko-Kore-KR" sz="1200" dirty="0">
+                  <a:solidFill>
+                    <a:srgbClr val="5DA2C5"/>
+                  </a:solidFill>
+                  <a:latin typeface="SHeadG" panose="02030600000101010101" pitchFamily="18" charset="-127"/>
+                  <a:ea typeface="SHeadG" panose="02030600000101010101" pitchFamily="18" charset="-127"/>
+                </a:rPr>
+                <a:t>      }</a:t>
+              </a:r>
+            </a:p>
+            <a:p>
+              <a:r>
+                <a:rPr kumimoji="1" lang="en-US" altLang="ko-Kore-KR" sz="1200" dirty="0">
+                  <a:solidFill>
+                    <a:srgbClr val="5DA2C5"/>
+                  </a:solidFill>
+                  <a:latin typeface="SHeadG" panose="02030600000101010101" pitchFamily="18" charset="-127"/>
+                  <a:ea typeface="SHeadG" panose="02030600000101010101" pitchFamily="18" charset="-127"/>
+                </a:rPr>
+                <a:t>    }</a:t>
+              </a:r>
+            </a:p>
+            <a:p>
+              <a:r>
+                <a:rPr kumimoji="1" lang="en-US" altLang="ko-Kore-KR" sz="1200" dirty="0">
+                  <a:solidFill>
+                    <a:srgbClr val="5DA2C5"/>
+                  </a:solidFill>
+                  <a:latin typeface="SHeadG" panose="02030600000101010101" pitchFamily="18" charset="-127"/>
+                  <a:ea typeface="SHeadG" panose="02030600000101010101" pitchFamily="18" charset="-127"/>
+                </a:rPr>
+                <a:t>  }</a:t>
+              </a:r>
+            </a:p>
+            <a:p>
+              <a:r>
+                <a:rPr kumimoji="1" lang="en-US" altLang="ko-Kore-KR" sz="1200" dirty="0">
+                  <a:solidFill>
+                    <a:srgbClr val="5DA2C5"/>
+                  </a:solidFill>
+                  <a:latin typeface="SHeadG" panose="02030600000101010101" pitchFamily="18" charset="-127"/>
+                  <a:ea typeface="SHeadG" panose="02030600000101010101" pitchFamily="18" charset="-127"/>
+                </a:rPr>
+                <a:t>}</a:t>
+              </a:r>
+              <a:endParaRPr kumimoji="1" lang="ko-Kore-KR" altLang="en-US" sz="1200" dirty="0">
+                <a:solidFill>
+                  <a:srgbClr val="5DA2C5"/>
+                </a:solidFill>
+                <a:latin typeface="SHeadG" panose="02030600000101010101" pitchFamily="18" charset="-127"/>
+                <a:ea typeface="SHeadG" panose="02030600000101010101" pitchFamily="18" charset="-127"/>
+              </a:endParaRPr>
+            </a:p>
+          </p:txBody>
+        </p:sp>
+      </p:grpSp>
+    </p:spTree>
+    <p:extLst>
+      <p:ext uri="{BB962C8B-B14F-4D97-AF65-F5344CB8AC3E}">
+        <p14:creationId xmlns:p14="http://schemas.microsoft.com/office/powerpoint/2010/main" val="3152396817"/>
+      </p:ext>
+    </p:extLst>
+  </p:cSld>
+  <p:clrMapOvr>
+    <a:masterClrMapping/>
+  </p:clrMapOvr>
+</p:sld>
+</file>
+
 <file path=ppt/slides/slide2.xml><?xml version="1.0" encoding="utf-8"?>
 <p:sld xmlns:a="http://schemas.openxmlformats.org/drawingml/2006/main" xmlns:r="http://schemas.openxmlformats.org/officeDocument/2006/relationships" xmlns:p="http://schemas.openxmlformats.org/presentationml/2006/main">
   <p:cSld>

--- a/complete-guide-to-elasticsearch/프레젠테이션1.pptx
+++ b/complete-guide-to-elasticsearch/프레젠테이션1.pptx
@@ -23,6 +23,8 @@
     <p:sldId id="287" r:id="rId17"/>
     <p:sldId id="288" r:id="rId18"/>
     <p:sldId id="289" r:id="rId19"/>
+    <p:sldId id="290" r:id="rId20"/>
+    <p:sldId id="291" r:id="rId21"/>
   </p:sldIdLst>
   <p:sldSz cx="12192000" cy="6858000"/>
   <p:notesSz cx="6858000" cy="9144000"/>
@@ -260,7 +262,7 @@
           <a:p>
             <a:fld id="{3083E1A9-A397-4745-BD5D-6E8E767939EE}" type="datetimeFigureOut">
               <a:rPr kumimoji="1" lang="ko-Kore-KR" altLang="en-US" smtClean="0"/>
-              <a:t>2022. 8. 18.</a:t>
+              <a:t>2022. 8. 19.</a:t>
             </a:fld>
             <a:endParaRPr kumimoji="1" lang="ko-Kore-KR" altLang="en-US"/>
           </a:p>
@@ -430,7 +432,7 @@
           <a:p>
             <a:fld id="{3083E1A9-A397-4745-BD5D-6E8E767939EE}" type="datetimeFigureOut">
               <a:rPr kumimoji="1" lang="ko-Kore-KR" altLang="en-US" smtClean="0"/>
-              <a:t>2022. 8. 18.</a:t>
+              <a:t>2022. 8. 19.</a:t>
             </a:fld>
             <a:endParaRPr kumimoji="1" lang="ko-Kore-KR" altLang="en-US"/>
           </a:p>
@@ -610,7 +612,7 @@
           <a:p>
             <a:fld id="{3083E1A9-A397-4745-BD5D-6E8E767939EE}" type="datetimeFigureOut">
               <a:rPr kumimoji="1" lang="ko-Kore-KR" altLang="en-US" smtClean="0"/>
-              <a:t>2022. 8. 18.</a:t>
+              <a:t>2022. 8. 19.</a:t>
             </a:fld>
             <a:endParaRPr kumimoji="1" lang="ko-Kore-KR" altLang="en-US"/>
           </a:p>
@@ -780,7 +782,7 @@
           <a:p>
             <a:fld id="{3083E1A9-A397-4745-BD5D-6E8E767939EE}" type="datetimeFigureOut">
               <a:rPr kumimoji="1" lang="ko-Kore-KR" altLang="en-US" smtClean="0"/>
-              <a:t>2022. 8. 18.</a:t>
+              <a:t>2022. 8. 19.</a:t>
             </a:fld>
             <a:endParaRPr kumimoji="1" lang="ko-Kore-KR" altLang="en-US"/>
           </a:p>
@@ -1026,7 +1028,7 @@
           <a:p>
             <a:fld id="{3083E1A9-A397-4745-BD5D-6E8E767939EE}" type="datetimeFigureOut">
               <a:rPr kumimoji="1" lang="ko-Kore-KR" altLang="en-US" smtClean="0"/>
-              <a:t>2022. 8. 18.</a:t>
+              <a:t>2022. 8. 19.</a:t>
             </a:fld>
             <a:endParaRPr kumimoji="1" lang="ko-Kore-KR" altLang="en-US"/>
           </a:p>
@@ -1258,7 +1260,7 @@
           <a:p>
             <a:fld id="{3083E1A9-A397-4745-BD5D-6E8E767939EE}" type="datetimeFigureOut">
               <a:rPr kumimoji="1" lang="ko-Kore-KR" altLang="en-US" smtClean="0"/>
-              <a:t>2022. 8. 18.</a:t>
+              <a:t>2022. 8. 19.</a:t>
             </a:fld>
             <a:endParaRPr kumimoji="1" lang="ko-Kore-KR" altLang="en-US"/>
           </a:p>
@@ -1625,7 +1627,7 @@
           <a:p>
             <a:fld id="{3083E1A9-A397-4745-BD5D-6E8E767939EE}" type="datetimeFigureOut">
               <a:rPr kumimoji="1" lang="ko-Kore-KR" altLang="en-US" smtClean="0"/>
-              <a:t>2022. 8. 18.</a:t>
+              <a:t>2022. 8. 19.</a:t>
             </a:fld>
             <a:endParaRPr kumimoji="1" lang="ko-Kore-KR" altLang="en-US"/>
           </a:p>
@@ -1743,7 +1745,7 @@
           <a:p>
             <a:fld id="{3083E1A9-A397-4745-BD5D-6E8E767939EE}" type="datetimeFigureOut">
               <a:rPr kumimoji="1" lang="ko-Kore-KR" altLang="en-US" smtClean="0"/>
-              <a:t>2022. 8. 18.</a:t>
+              <a:t>2022. 8. 19.</a:t>
             </a:fld>
             <a:endParaRPr kumimoji="1" lang="ko-Kore-KR" altLang="en-US"/>
           </a:p>
@@ -1838,7 +1840,7 @@
           <a:p>
             <a:fld id="{3083E1A9-A397-4745-BD5D-6E8E767939EE}" type="datetimeFigureOut">
               <a:rPr kumimoji="1" lang="ko-Kore-KR" altLang="en-US" smtClean="0"/>
-              <a:t>2022. 8. 18.</a:t>
+              <a:t>2022. 8. 19.</a:t>
             </a:fld>
             <a:endParaRPr kumimoji="1" lang="ko-Kore-KR" altLang="en-US"/>
           </a:p>
@@ -2115,7 +2117,7 @@
           <a:p>
             <a:fld id="{3083E1A9-A397-4745-BD5D-6E8E767939EE}" type="datetimeFigureOut">
               <a:rPr kumimoji="1" lang="ko-Kore-KR" altLang="en-US" smtClean="0"/>
-              <a:t>2022. 8. 18.</a:t>
+              <a:t>2022. 8. 19.</a:t>
             </a:fld>
             <a:endParaRPr kumimoji="1" lang="ko-Kore-KR" altLang="en-US"/>
           </a:p>
@@ -2372,7 +2374,7 @@
           <a:p>
             <a:fld id="{3083E1A9-A397-4745-BD5D-6E8E767939EE}" type="datetimeFigureOut">
               <a:rPr kumimoji="1" lang="ko-Kore-KR" altLang="en-US" smtClean="0"/>
-              <a:t>2022. 8. 18.</a:t>
+              <a:t>2022. 8. 19.</a:t>
             </a:fld>
             <a:endParaRPr kumimoji="1" lang="ko-Kore-KR" altLang="en-US"/>
           </a:p>
@@ -2585,7 +2587,7 @@
           <a:p>
             <a:fld id="{3083E1A9-A397-4745-BD5D-6E8E767939EE}" type="datetimeFigureOut">
               <a:rPr kumimoji="1" lang="ko-Kore-KR" altLang="en-US" smtClean="0"/>
-              <a:t>2022. 8. 18.</a:t>
+              <a:t>2022. 8. 19.</a:t>
             </a:fld>
             <a:endParaRPr kumimoji="1" lang="ko-Kore-KR" altLang="en-US"/>
           </a:p>
@@ -13354,6 +13356,980 @@
 </p:sld>
 </file>
 
+<file path=ppt/slides/slide19.xml><?xml version="1.0" encoding="utf-8"?>
+<p:sld xmlns:a="http://schemas.openxmlformats.org/drawingml/2006/main" xmlns:r="http://schemas.openxmlformats.org/officeDocument/2006/relationships" xmlns:p="http://schemas.openxmlformats.org/presentationml/2006/main">
+  <p:cSld>
+    <p:spTree>
+      <p:nvGrpSpPr>
+        <p:cNvPr id="1" name=""/>
+        <p:cNvGrpSpPr/>
+        <p:nvPr/>
+      </p:nvGrpSpPr>
+      <p:grpSpPr>
+        <a:xfrm>
+          <a:off x="0" y="0"/>
+          <a:ext cx="0" cy="0"/>
+          <a:chOff x="0" y="0"/>
+          <a:chExt cx="0" cy="0"/>
+        </a:xfrm>
+      </p:grpSpPr>
+      <p:grpSp>
+        <p:nvGrpSpPr>
+          <p:cNvPr id="44" name="그룹 43">
+            <a:extLst>
+              <a:ext uri="{FF2B5EF4-FFF2-40B4-BE49-F238E27FC236}">
+                <a16:creationId xmlns:a16="http://schemas.microsoft.com/office/drawing/2014/main" id="{95E1F34C-0442-484E-A7FE-17E535D7C9FB}"/>
+              </a:ext>
+            </a:extLst>
+          </p:cNvPr>
+          <p:cNvGrpSpPr/>
+          <p:nvPr/>
+        </p:nvGrpSpPr>
+        <p:grpSpPr>
+          <a:xfrm>
+            <a:off x="963793" y="1802918"/>
+            <a:ext cx="4175394" cy="1534642"/>
+            <a:chOff x="848299" y="903383"/>
+            <a:chExt cx="4175394" cy="1534642"/>
+          </a:xfrm>
+        </p:grpSpPr>
+        <p:sp>
+          <p:nvSpPr>
+            <p:cNvPr id="45" name="직사각형 44">
+              <a:extLst>
+                <a:ext uri="{FF2B5EF4-FFF2-40B4-BE49-F238E27FC236}">
+                  <a16:creationId xmlns:a16="http://schemas.microsoft.com/office/drawing/2014/main" id="{F7E07B28-BB53-F04B-A857-9467C723FA4F}"/>
+                </a:ext>
+              </a:extLst>
+            </p:cNvPr>
+            <p:cNvSpPr/>
+            <p:nvPr/>
+          </p:nvSpPr>
+          <p:spPr>
+            <a:xfrm>
+              <a:off x="848299" y="903383"/>
+              <a:ext cx="4175394" cy="1534642"/>
+            </a:xfrm>
+            <a:prstGeom prst="rect">
+              <a:avLst/>
+            </a:prstGeom>
+            <a:noFill/>
+            <a:ln w="25400">
+              <a:solidFill>
+                <a:srgbClr val="5DA2C5"/>
+              </a:solidFill>
+            </a:ln>
+          </p:spPr>
+          <p:style>
+            <a:lnRef idx="2">
+              <a:schemeClr val="accent1">
+                <a:shade val="50000"/>
+              </a:schemeClr>
+            </a:lnRef>
+            <a:fillRef idx="1">
+              <a:schemeClr val="accent1"/>
+            </a:fillRef>
+            <a:effectRef idx="0">
+              <a:schemeClr val="accent1"/>
+            </a:effectRef>
+            <a:fontRef idx="minor">
+              <a:schemeClr val="lt1"/>
+            </a:fontRef>
+          </p:style>
+          <p:txBody>
+            <a:bodyPr rtlCol="0" anchor="ctr"/>
+            <a:lstStyle/>
+            <a:p>
+              <a:pPr algn="ctr"/>
+              <a:endParaRPr kumimoji="1" lang="ko-Kore-KR" altLang="en-US"/>
+            </a:p>
+          </p:txBody>
+        </p:sp>
+        <p:sp>
+          <p:nvSpPr>
+            <p:cNvPr id="46" name="TextBox 45">
+              <a:extLst>
+                <a:ext uri="{FF2B5EF4-FFF2-40B4-BE49-F238E27FC236}">
+                  <a16:creationId xmlns:a16="http://schemas.microsoft.com/office/drawing/2014/main" id="{235FCF65-F6DD-F641-8B46-07EE8832433E}"/>
+                </a:ext>
+              </a:extLst>
+            </p:cNvPr>
+            <p:cNvSpPr txBox="1"/>
+            <p:nvPr/>
+          </p:nvSpPr>
+          <p:spPr>
+            <a:xfrm>
+              <a:off x="1007566" y="1071869"/>
+              <a:ext cx="3910988" cy="1200329"/>
+            </a:xfrm>
+            <a:prstGeom prst="rect">
+              <a:avLst/>
+            </a:prstGeom>
+            <a:noFill/>
+          </p:spPr>
+          <p:txBody>
+            <a:bodyPr wrap="square" rtlCol="0">
+              <a:spAutoFit/>
+            </a:bodyPr>
+            <a:lstStyle/>
+            <a:p>
+              <a:r>
+                <a:rPr kumimoji="1" lang="en-US" altLang="ko-Kore-KR" sz="1200" dirty="0">
+                  <a:solidFill>
+                    <a:srgbClr val="5DA2C5"/>
+                  </a:solidFill>
+                  <a:latin typeface="SHeadG" panose="02030600000101010101" pitchFamily="18" charset="-127"/>
+                  <a:ea typeface="SHeadG" panose="02030600000101010101" pitchFamily="18" charset="-127"/>
+                </a:rPr>
+                <a:t>POST reviews/_doc</a:t>
+              </a:r>
+            </a:p>
+            <a:p>
+              <a:r>
+                <a:rPr kumimoji="1" lang="en-US" altLang="ko-Kore-KR" sz="1200" dirty="0">
+                  <a:solidFill>
+                    <a:srgbClr val="5DA2C5"/>
+                  </a:solidFill>
+                  <a:latin typeface="SHeadG" panose="02030600000101010101" pitchFamily="18" charset="-127"/>
+                  <a:ea typeface="SHeadG" panose="02030600000101010101" pitchFamily="18" charset="-127"/>
+                </a:rPr>
+                <a:t>{</a:t>
+              </a:r>
+            </a:p>
+            <a:p>
+              <a:r>
+                <a:rPr kumimoji="1" lang="en-US" altLang="ko-Kore-KR" sz="1200" dirty="0">
+                  <a:solidFill>
+                    <a:srgbClr val="5DA2C5"/>
+                  </a:solidFill>
+                  <a:latin typeface="SHeadG" panose="02030600000101010101" pitchFamily="18" charset="-127"/>
+                  <a:ea typeface="SHeadG" panose="02030600000101010101" pitchFamily="18" charset="-127"/>
+                </a:rPr>
+                <a:t>  "rating": 5.0,</a:t>
+              </a:r>
+            </a:p>
+            <a:p>
+              <a:r>
+                <a:rPr kumimoji="1" lang="en-US" altLang="ko-Kore-KR" sz="1200" dirty="0">
+                  <a:solidFill>
+                    <a:srgbClr val="5DA2C5"/>
+                  </a:solidFill>
+                  <a:latin typeface="SHeadG" panose="02030600000101010101" pitchFamily="18" charset="-127"/>
+                  <a:ea typeface="SHeadG" panose="02030600000101010101" pitchFamily="18" charset="-127"/>
+                </a:rPr>
+                <a:t>  "comment": "Outstanding course!",</a:t>
+              </a:r>
+            </a:p>
+            <a:p>
+              <a:r>
+                <a:rPr kumimoji="1" lang="en-US" altLang="ko-Kore-KR" sz="1200" dirty="0">
+                  <a:solidFill>
+                    <a:srgbClr val="5DA2C5"/>
+                  </a:solidFill>
+                  <a:latin typeface="SHeadG" panose="02030600000101010101" pitchFamily="18" charset="-127"/>
+                  <a:ea typeface="SHeadG" panose="02030600000101010101" pitchFamily="18" charset="-127"/>
+                </a:rPr>
+                <a:t>  ...</a:t>
+              </a:r>
+            </a:p>
+            <a:p>
+              <a:r>
+                <a:rPr kumimoji="1" lang="en-US" altLang="ko-Kore-KR" sz="1200" dirty="0">
+                  <a:solidFill>
+                    <a:srgbClr val="5DA2C5"/>
+                  </a:solidFill>
+                  <a:latin typeface="SHeadG" panose="02030600000101010101" pitchFamily="18" charset="-127"/>
+                  <a:ea typeface="SHeadG" panose="02030600000101010101" pitchFamily="18" charset="-127"/>
+                </a:rPr>
+                <a:t>}</a:t>
+              </a:r>
+              <a:endParaRPr kumimoji="1" lang="ko-Kore-KR" altLang="en-US" sz="1200" dirty="0">
+                <a:solidFill>
+                  <a:srgbClr val="5DA2C5"/>
+                </a:solidFill>
+                <a:latin typeface="SHeadG" panose="02030600000101010101" pitchFamily="18" charset="-127"/>
+                <a:ea typeface="SHeadG" panose="02030600000101010101" pitchFamily="18" charset="-127"/>
+              </a:endParaRPr>
+            </a:p>
+          </p:txBody>
+        </p:sp>
+      </p:grpSp>
+      <p:grpSp>
+        <p:nvGrpSpPr>
+          <p:cNvPr id="47" name="그룹 46">
+            <a:extLst>
+              <a:ext uri="{FF2B5EF4-FFF2-40B4-BE49-F238E27FC236}">
+                <a16:creationId xmlns:a16="http://schemas.microsoft.com/office/drawing/2014/main" id="{F3BD7E04-FC3A-DC4D-AFAD-5D264C764F5C}"/>
+              </a:ext>
+            </a:extLst>
+          </p:cNvPr>
+          <p:cNvGrpSpPr/>
+          <p:nvPr/>
+        </p:nvGrpSpPr>
+        <p:grpSpPr>
+          <a:xfrm>
+            <a:off x="6578209" y="1802918"/>
+            <a:ext cx="4175394" cy="1534642"/>
+            <a:chOff x="848299" y="1071023"/>
+            <a:chExt cx="4175394" cy="1534642"/>
+          </a:xfrm>
+        </p:grpSpPr>
+        <p:sp>
+          <p:nvSpPr>
+            <p:cNvPr id="48" name="직사각형 47">
+              <a:extLst>
+                <a:ext uri="{FF2B5EF4-FFF2-40B4-BE49-F238E27FC236}">
+                  <a16:creationId xmlns:a16="http://schemas.microsoft.com/office/drawing/2014/main" id="{D8937B25-E20F-0540-982C-0B9B95078C65}"/>
+                </a:ext>
+              </a:extLst>
+            </p:cNvPr>
+            <p:cNvSpPr/>
+            <p:nvPr/>
+          </p:nvSpPr>
+          <p:spPr>
+            <a:xfrm>
+              <a:off x="848299" y="1071023"/>
+              <a:ext cx="4175394" cy="1534642"/>
+            </a:xfrm>
+            <a:prstGeom prst="rect">
+              <a:avLst/>
+            </a:prstGeom>
+            <a:noFill/>
+            <a:ln w="25400">
+              <a:solidFill>
+                <a:srgbClr val="5DA2C5"/>
+              </a:solidFill>
+            </a:ln>
+          </p:spPr>
+          <p:style>
+            <a:lnRef idx="2">
+              <a:schemeClr val="accent1">
+                <a:shade val="50000"/>
+              </a:schemeClr>
+            </a:lnRef>
+            <a:fillRef idx="1">
+              <a:schemeClr val="accent1"/>
+            </a:fillRef>
+            <a:effectRef idx="0">
+              <a:schemeClr val="accent1"/>
+            </a:effectRef>
+            <a:fontRef idx="minor">
+              <a:schemeClr val="lt1"/>
+            </a:fontRef>
+          </p:style>
+          <p:txBody>
+            <a:bodyPr rtlCol="0" anchor="ctr"/>
+            <a:lstStyle/>
+            <a:p>
+              <a:pPr algn="ctr"/>
+              <a:endParaRPr kumimoji="1" lang="ko-Kore-KR" altLang="en-US"/>
+            </a:p>
+          </p:txBody>
+        </p:sp>
+        <p:sp>
+          <p:nvSpPr>
+            <p:cNvPr id="49" name="TextBox 48">
+              <a:extLst>
+                <a:ext uri="{FF2B5EF4-FFF2-40B4-BE49-F238E27FC236}">
+                  <a16:creationId xmlns:a16="http://schemas.microsoft.com/office/drawing/2014/main" id="{6958B531-22B2-FD4E-9EC9-EB574ED59AD8}"/>
+                </a:ext>
+              </a:extLst>
+            </p:cNvPr>
+            <p:cNvSpPr txBox="1"/>
+            <p:nvPr/>
+          </p:nvSpPr>
+          <p:spPr>
+            <a:xfrm>
+              <a:off x="980502" y="1187995"/>
+              <a:ext cx="3910988" cy="1200329"/>
+            </a:xfrm>
+            <a:prstGeom prst="rect">
+              <a:avLst/>
+            </a:prstGeom>
+            <a:noFill/>
+          </p:spPr>
+          <p:txBody>
+            <a:bodyPr wrap="square" rtlCol="0">
+              <a:spAutoFit/>
+            </a:bodyPr>
+            <a:lstStyle/>
+            <a:p>
+              <a:r>
+                <a:rPr kumimoji="1" lang="en-US" altLang="ko-Kore-KR" sz="1200" dirty="0">
+                  <a:solidFill>
+                    <a:srgbClr val="5DA2C5"/>
+                  </a:solidFill>
+                  <a:latin typeface="SHeadG" panose="02030600000101010101" pitchFamily="18" charset="-127"/>
+                  <a:ea typeface="SHeadG" panose="02030600000101010101" pitchFamily="18" charset="-127"/>
+                </a:rPr>
+                <a:t>POST reviews/_doc</a:t>
+              </a:r>
+            </a:p>
+            <a:p>
+              <a:r>
+                <a:rPr kumimoji="1" lang="en-US" altLang="ko-Kore-KR" sz="1200" dirty="0">
+                  <a:solidFill>
+                    <a:srgbClr val="5DA2C5"/>
+                  </a:solidFill>
+                  <a:latin typeface="SHeadG" panose="02030600000101010101" pitchFamily="18" charset="-127"/>
+                  <a:ea typeface="SHeadG" panose="02030600000101010101" pitchFamily="18" charset="-127"/>
+                </a:rPr>
+                <a:t>{</a:t>
+              </a:r>
+            </a:p>
+            <a:p>
+              <a:r>
+                <a:rPr kumimoji="1" lang="en-US" altLang="ko-Kore-KR" sz="1200" dirty="0">
+                  <a:solidFill>
+                    <a:srgbClr val="5DA2C5"/>
+                  </a:solidFill>
+                  <a:latin typeface="SHeadG" panose="02030600000101010101" pitchFamily="18" charset="-127"/>
+                  <a:ea typeface="SHeadG" panose="02030600000101010101" pitchFamily="18" charset="-127"/>
+                </a:rPr>
+                <a:t>  "rating": 5.0,</a:t>
+              </a:r>
+            </a:p>
+            <a:p>
+              <a:r>
+                <a:rPr kumimoji="1" lang="en-US" altLang="ko-Kore-KR" sz="1200" dirty="0">
+                  <a:solidFill>
+                    <a:srgbClr val="5DA2C5"/>
+                  </a:solidFill>
+                  <a:latin typeface="SHeadG" panose="02030600000101010101" pitchFamily="18" charset="-127"/>
+                  <a:ea typeface="SHeadG" panose="02030600000101010101" pitchFamily="18" charset="-127"/>
+                </a:rPr>
+                <a:t>  ”content": "Outstanding course!",</a:t>
+              </a:r>
+            </a:p>
+            <a:p>
+              <a:r>
+                <a:rPr kumimoji="1" lang="en-US" altLang="ko-Kore-KR" sz="1200" dirty="0">
+                  <a:solidFill>
+                    <a:srgbClr val="5DA2C5"/>
+                  </a:solidFill>
+                  <a:latin typeface="SHeadG" panose="02030600000101010101" pitchFamily="18" charset="-127"/>
+                  <a:ea typeface="SHeadG" panose="02030600000101010101" pitchFamily="18" charset="-127"/>
+                </a:rPr>
+                <a:t>  ...</a:t>
+              </a:r>
+            </a:p>
+            <a:p>
+              <a:r>
+                <a:rPr kumimoji="1" lang="en-US" altLang="ko-Kore-KR" sz="1200" dirty="0">
+                  <a:solidFill>
+                    <a:srgbClr val="5DA2C5"/>
+                  </a:solidFill>
+                  <a:latin typeface="SHeadG" panose="02030600000101010101" pitchFamily="18" charset="-127"/>
+                  <a:ea typeface="SHeadG" panose="02030600000101010101" pitchFamily="18" charset="-127"/>
+                </a:rPr>
+                <a:t>}</a:t>
+              </a:r>
+              <a:endParaRPr kumimoji="1" lang="ko-Kore-KR" altLang="en-US" sz="1200" dirty="0">
+                <a:solidFill>
+                  <a:srgbClr val="5DA2C5"/>
+                </a:solidFill>
+                <a:latin typeface="SHeadG" panose="02030600000101010101" pitchFamily="18" charset="-127"/>
+                <a:ea typeface="SHeadG" panose="02030600000101010101" pitchFamily="18" charset="-127"/>
+              </a:endParaRPr>
+            </a:p>
+          </p:txBody>
+        </p:sp>
+      </p:grpSp>
+      <p:cxnSp>
+        <p:nvCxnSpPr>
+          <p:cNvPr id="8" name="직선 화살표 연결선 7">
+            <a:extLst>
+              <a:ext uri="{FF2B5EF4-FFF2-40B4-BE49-F238E27FC236}">
+                <a16:creationId xmlns:a16="http://schemas.microsoft.com/office/drawing/2014/main" id="{176A9AB2-4701-8742-BD72-03195D19C739}"/>
+              </a:ext>
+            </a:extLst>
+          </p:cNvPr>
+          <p:cNvCxnSpPr>
+            <a:cxnSpLocks/>
+          </p:cNvCxnSpPr>
+          <p:nvPr/>
+        </p:nvCxnSpPr>
+        <p:spPr>
+          <a:xfrm>
+            <a:off x="5394960" y="2513099"/>
+            <a:ext cx="899802" cy="0"/>
+          </a:xfrm>
+          <a:prstGeom prst="straightConnector1">
+            <a:avLst/>
+          </a:prstGeom>
+          <a:ln w="25400">
+            <a:solidFill>
+              <a:srgbClr val="5DA2C5"/>
+            </a:solidFill>
+            <a:tailEnd type="stealth" w="lg" len="lg"/>
+          </a:ln>
+        </p:spPr>
+        <p:style>
+          <a:lnRef idx="1">
+            <a:schemeClr val="accent1"/>
+          </a:lnRef>
+          <a:fillRef idx="0">
+            <a:schemeClr val="accent1"/>
+          </a:fillRef>
+          <a:effectRef idx="0">
+            <a:schemeClr val="accent1"/>
+          </a:effectRef>
+          <a:fontRef idx="minor">
+            <a:schemeClr val="tx1"/>
+          </a:fontRef>
+        </p:style>
+      </p:cxnSp>
+      <p:sp>
+        <p:nvSpPr>
+          <p:cNvPr id="11" name="TextBox 10">
+            <a:extLst>
+              <a:ext uri="{FF2B5EF4-FFF2-40B4-BE49-F238E27FC236}">
+                <a16:creationId xmlns:a16="http://schemas.microsoft.com/office/drawing/2014/main" id="{F0BB44F1-FF76-D64C-83E2-FF2EEAD3925A}"/>
+              </a:ext>
+            </a:extLst>
+          </p:cNvPr>
+          <p:cNvSpPr txBox="1"/>
+          <p:nvPr/>
+        </p:nvSpPr>
+        <p:spPr>
+          <a:xfrm>
+            <a:off x="5271390" y="2668262"/>
+            <a:ext cx="1293876" cy="276999"/>
+          </a:xfrm>
+          <a:prstGeom prst="rect">
+            <a:avLst/>
+          </a:prstGeom>
+          <a:noFill/>
+        </p:spPr>
+        <p:txBody>
+          <a:bodyPr wrap="square">
+            <a:spAutoFit/>
+          </a:bodyPr>
+          <a:lstStyle/>
+          <a:p>
+            <a:r>
+              <a:rPr kumimoji="1" lang="ko-KR" altLang="en-US" sz="1200" dirty="0">
+                <a:solidFill>
+                  <a:srgbClr val="5DA2C5"/>
+                </a:solidFill>
+                <a:latin typeface="SHeadG" panose="02030600000101010101" pitchFamily="18" charset="-127"/>
+                <a:ea typeface="SHeadG" panose="02030600000101010101" pitchFamily="18" charset="-127"/>
+              </a:rPr>
+              <a:t>이렇게 변환된다</a:t>
+            </a:r>
+            <a:endParaRPr lang="ko-Kore-KR" altLang="en-US" sz="1200" dirty="0"/>
+          </a:p>
+        </p:txBody>
+      </p:sp>
+      <p:grpSp>
+        <p:nvGrpSpPr>
+          <p:cNvPr id="20" name="그룹 19">
+            <a:extLst>
+              <a:ext uri="{FF2B5EF4-FFF2-40B4-BE49-F238E27FC236}">
+                <a16:creationId xmlns:a16="http://schemas.microsoft.com/office/drawing/2014/main" id="{2FC411C9-7893-AC43-81E3-DAFCC3524C87}"/>
+              </a:ext>
+            </a:extLst>
+          </p:cNvPr>
+          <p:cNvGrpSpPr/>
+          <p:nvPr/>
+        </p:nvGrpSpPr>
+        <p:grpSpPr>
+          <a:xfrm>
+            <a:off x="963793" y="3729253"/>
+            <a:ext cx="4175394" cy="1811999"/>
+            <a:chOff x="848299" y="903382"/>
+            <a:chExt cx="4175394" cy="1811999"/>
+          </a:xfrm>
+        </p:grpSpPr>
+        <p:sp>
+          <p:nvSpPr>
+            <p:cNvPr id="21" name="직사각형 20">
+              <a:extLst>
+                <a:ext uri="{FF2B5EF4-FFF2-40B4-BE49-F238E27FC236}">
+                  <a16:creationId xmlns:a16="http://schemas.microsoft.com/office/drawing/2014/main" id="{4F9B41AE-5D06-794E-A186-DA0399661D9D}"/>
+                </a:ext>
+              </a:extLst>
+            </p:cNvPr>
+            <p:cNvSpPr/>
+            <p:nvPr/>
+          </p:nvSpPr>
+          <p:spPr>
+            <a:xfrm>
+              <a:off x="848299" y="903382"/>
+              <a:ext cx="4175394" cy="1811999"/>
+            </a:xfrm>
+            <a:prstGeom prst="rect">
+              <a:avLst/>
+            </a:prstGeom>
+            <a:noFill/>
+            <a:ln w="25400">
+              <a:solidFill>
+                <a:srgbClr val="5DA2C5"/>
+              </a:solidFill>
+            </a:ln>
+          </p:spPr>
+          <p:style>
+            <a:lnRef idx="2">
+              <a:schemeClr val="accent1">
+                <a:shade val="50000"/>
+              </a:schemeClr>
+            </a:lnRef>
+            <a:fillRef idx="1">
+              <a:schemeClr val="accent1"/>
+            </a:fillRef>
+            <a:effectRef idx="0">
+              <a:schemeClr val="accent1"/>
+            </a:effectRef>
+            <a:fontRef idx="minor">
+              <a:schemeClr val="lt1"/>
+            </a:fontRef>
+          </p:style>
+          <p:txBody>
+            <a:bodyPr rtlCol="0" anchor="ctr"/>
+            <a:lstStyle/>
+            <a:p>
+              <a:pPr algn="ctr"/>
+              <a:endParaRPr kumimoji="1" lang="ko-Kore-KR" altLang="en-US"/>
+            </a:p>
+          </p:txBody>
+        </p:sp>
+        <p:sp>
+          <p:nvSpPr>
+            <p:cNvPr id="22" name="TextBox 21">
+              <a:extLst>
+                <a:ext uri="{FF2B5EF4-FFF2-40B4-BE49-F238E27FC236}">
+                  <a16:creationId xmlns:a16="http://schemas.microsoft.com/office/drawing/2014/main" id="{23C7C606-DCA4-774D-A982-9217DB5B1F00}"/>
+                </a:ext>
+              </a:extLst>
+            </p:cNvPr>
+            <p:cNvSpPr txBox="1"/>
+            <p:nvPr/>
+          </p:nvSpPr>
+          <p:spPr>
+            <a:xfrm>
+              <a:off x="1007566" y="1071869"/>
+              <a:ext cx="3910988" cy="1569660"/>
+            </a:xfrm>
+            <a:prstGeom prst="rect">
+              <a:avLst/>
+            </a:prstGeom>
+            <a:noFill/>
+          </p:spPr>
+          <p:txBody>
+            <a:bodyPr wrap="square" rtlCol="0">
+              <a:spAutoFit/>
+            </a:bodyPr>
+            <a:lstStyle/>
+            <a:p>
+              <a:r>
+                <a:rPr kumimoji="1" lang="en-US" altLang="ko-Kore-KR" sz="1200" dirty="0">
+                  <a:solidFill>
+                    <a:srgbClr val="5DA2C5"/>
+                  </a:solidFill>
+                  <a:latin typeface="SHeadG" panose="02030600000101010101" pitchFamily="18" charset="-127"/>
+                  <a:ea typeface="SHeadG" panose="02030600000101010101" pitchFamily="18" charset="-127"/>
+                </a:rPr>
+                <a:t>GET reviews/_search</a:t>
+              </a:r>
+            </a:p>
+            <a:p>
+              <a:r>
+                <a:rPr kumimoji="1" lang="en-US" altLang="ko-Kore-KR" sz="1200" dirty="0">
+                  <a:solidFill>
+                    <a:srgbClr val="5DA2C5"/>
+                  </a:solidFill>
+                  <a:latin typeface="SHeadG" panose="02030600000101010101" pitchFamily="18" charset="-127"/>
+                  <a:ea typeface="SHeadG" panose="02030600000101010101" pitchFamily="18" charset="-127"/>
+                </a:rPr>
+                <a:t>{</a:t>
+              </a:r>
+            </a:p>
+            <a:p>
+              <a:r>
+                <a:rPr kumimoji="1" lang="en-US" altLang="ko-Kore-KR" sz="1200" dirty="0">
+                  <a:solidFill>
+                    <a:srgbClr val="5DA2C5"/>
+                  </a:solidFill>
+                  <a:latin typeface="SHeadG" panose="02030600000101010101" pitchFamily="18" charset="-127"/>
+                  <a:ea typeface="SHeadG" panose="02030600000101010101" pitchFamily="18" charset="-127"/>
+                </a:rPr>
+                <a:t>  "query": {</a:t>
+              </a:r>
+            </a:p>
+            <a:p>
+              <a:r>
+                <a:rPr kumimoji="1" lang="en-US" altLang="ko-Kore-KR" sz="1200" dirty="0">
+                  <a:solidFill>
+                    <a:srgbClr val="5DA2C5"/>
+                  </a:solidFill>
+                  <a:latin typeface="SHeadG" panose="02030600000101010101" pitchFamily="18" charset="-127"/>
+                  <a:ea typeface="SHeadG" panose="02030600000101010101" pitchFamily="18" charset="-127"/>
+                </a:rPr>
+                <a:t>    "match": {</a:t>
+              </a:r>
+            </a:p>
+            <a:p>
+              <a:r>
+                <a:rPr kumimoji="1" lang="en-US" altLang="ko-Kore-KR" sz="1200" dirty="0">
+                  <a:solidFill>
+                    <a:srgbClr val="5DA2C5"/>
+                  </a:solidFill>
+                  <a:latin typeface="SHeadG" panose="02030600000101010101" pitchFamily="18" charset="-127"/>
+                  <a:ea typeface="SHeadG" panose="02030600000101010101" pitchFamily="18" charset="-127"/>
+                </a:rPr>
+                <a:t>      "comment": "outstanding"</a:t>
+              </a:r>
+            </a:p>
+            <a:p>
+              <a:r>
+                <a:rPr kumimoji="1" lang="en-US" altLang="ko-Kore-KR" sz="1200" dirty="0">
+                  <a:solidFill>
+                    <a:srgbClr val="5DA2C5"/>
+                  </a:solidFill>
+                  <a:latin typeface="SHeadG" panose="02030600000101010101" pitchFamily="18" charset="-127"/>
+                  <a:ea typeface="SHeadG" panose="02030600000101010101" pitchFamily="18" charset="-127"/>
+                </a:rPr>
+                <a:t>    }</a:t>
+              </a:r>
+            </a:p>
+            <a:p>
+              <a:r>
+                <a:rPr kumimoji="1" lang="en-US" altLang="ko-Kore-KR" sz="1200" dirty="0">
+                  <a:solidFill>
+                    <a:srgbClr val="5DA2C5"/>
+                  </a:solidFill>
+                  <a:latin typeface="SHeadG" panose="02030600000101010101" pitchFamily="18" charset="-127"/>
+                  <a:ea typeface="SHeadG" panose="02030600000101010101" pitchFamily="18" charset="-127"/>
+                </a:rPr>
+                <a:t>  }</a:t>
+              </a:r>
+            </a:p>
+            <a:p>
+              <a:r>
+                <a:rPr kumimoji="1" lang="en-US" altLang="ko-Kore-KR" sz="1200" dirty="0">
+                  <a:solidFill>
+                    <a:srgbClr val="5DA2C5"/>
+                  </a:solidFill>
+                  <a:latin typeface="SHeadG" panose="02030600000101010101" pitchFamily="18" charset="-127"/>
+                  <a:ea typeface="SHeadG" panose="02030600000101010101" pitchFamily="18" charset="-127"/>
+                </a:rPr>
+                <a:t>}</a:t>
+              </a:r>
+              <a:endParaRPr kumimoji="1" lang="ko-Kore-KR" altLang="en-US" sz="1200" dirty="0">
+                <a:solidFill>
+                  <a:srgbClr val="5DA2C5"/>
+                </a:solidFill>
+                <a:latin typeface="SHeadG" panose="02030600000101010101" pitchFamily="18" charset="-127"/>
+                <a:ea typeface="SHeadG" panose="02030600000101010101" pitchFamily="18" charset="-127"/>
+              </a:endParaRPr>
+            </a:p>
+          </p:txBody>
+        </p:sp>
+      </p:grpSp>
+      <p:grpSp>
+        <p:nvGrpSpPr>
+          <p:cNvPr id="23" name="그룹 22">
+            <a:extLst>
+              <a:ext uri="{FF2B5EF4-FFF2-40B4-BE49-F238E27FC236}">
+                <a16:creationId xmlns:a16="http://schemas.microsoft.com/office/drawing/2014/main" id="{01BB63ED-678C-DB4A-95F7-62F8C4395647}"/>
+              </a:ext>
+            </a:extLst>
+          </p:cNvPr>
+          <p:cNvGrpSpPr/>
+          <p:nvPr/>
+        </p:nvGrpSpPr>
+        <p:grpSpPr>
+          <a:xfrm>
+            <a:off x="6578209" y="3729253"/>
+            <a:ext cx="4175394" cy="1811995"/>
+            <a:chOff x="848299" y="1071022"/>
+            <a:chExt cx="4175394" cy="1811995"/>
+          </a:xfrm>
+        </p:grpSpPr>
+        <p:sp>
+          <p:nvSpPr>
+            <p:cNvPr id="24" name="직사각형 23">
+              <a:extLst>
+                <a:ext uri="{FF2B5EF4-FFF2-40B4-BE49-F238E27FC236}">
+                  <a16:creationId xmlns:a16="http://schemas.microsoft.com/office/drawing/2014/main" id="{4E50C966-C34C-C94D-80C8-8DF154C39918}"/>
+                </a:ext>
+              </a:extLst>
+            </p:cNvPr>
+            <p:cNvSpPr/>
+            <p:nvPr/>
+          </p:nvSpPr>
+          <p:spPr>
+            <a:xfrm>
+              <a:off x="848299" y="1071022"/>
+              <a:ext cx="4175394" cy="1811995"/>
+            </a:xfrm>
+            <a:prstGeom prst="rect">
+              <a:avLst/>
+            </a:prstGeom>
+            <a:noFill/>
+            <a:ln w="25400">
+              <a:solidFill>
+                <a:srgbClr val="5DA2C5"/>
+              </a:solidFill>
+            </a:ln>
+          </p:spPr>
+          <p:style>
+            <a:lnRef idx="2">
+              <a:schemeClr val="accent1">
+                <a:shade val="50000"/>
+              </a:schemeClr>
+            </a:lnRef>
+            <a:fillRef idx="1">
+              <a:schemeClr val="accent1"/>
+            </a:fillRef>
+            <a:effectRef idx="0">
+              <a:schemeClr val="accent1"/>
+            </a:effectRef>
+            <a:fontRef idx="minor">
+              <a:schemeClr val="lt1"/>
+            </a:fontRef>
+          </p:style>
+          <p:txBody>
+            <a:bodyPr rtlCol="0" anchor="ctr"/>
+            <a:lstStyle/>
+            <a:p>
+              <a:pPr algn="ctr"/>
+              <a:endParaRPr kumimoji="1" lang="ko-Kore-KR" altLang="en-US"/>
+            </a:p>
+          </p:txBody>
+        </p:sp>
+        <p:sp>
+          <p:nvSpPr>
+            <p:cNvPr id="25" name="TextBox 24">
+              <a:extLst>
+                <a:ext uri="{FF2B5EF4-FFF2-40B4-BE49-F238E27FC236}">
+                  <a16:creationId xmlns:a16="http://schemas.microsoft.com/office/drawing/2014/main" id="{9890D734-5EC7-8645-AF81-3F7D18236449}"/>
+                </a:ext>
+              </a:extLst>
+            </p:cNvPr>
+            <p:cNvSpPr txBox="1"/>
+            <p:nvPr/>
+          </p:nvSpPr>
+          <p:spPr>
+            <a:xfrm>
+              <a:off x="980502" y="1187995"/>
+              <a:ext cx="3910988" cy="1569660"/>
+            </a:xfrm>
+            <a:prstGeom prst="rect">
+              <a:avLst/>
+            </a:prstGeom>
+            <a:noFill/>
+          </p:spPr>
+          <p:txBody>
+            <a:bodyPr wrap="square" rtlCol="0">
+              <a:spAutoFit/>
+            </a:bodyPr>
+            <a:lstStyle/>
+            <a:p>
+              <a:r>
+                <a:rPr kumimoji="1" lang="en-US" altLang="ko-Kore-KR" sz="1200" dirty="0">
+                  <a:solidFill>
+                    <a:srgbClr val="5DA2C5"/>
+                  </a:solidFill>
+                  <a:latin typeface="SHeadG" panose="02030600000101010101" pitchFamily="18" charset="-127"/>
+                  <a:ea typeface="SHeadG" panose="02030600000101010101" pitchFamily="18" charset="-127"/>
+                </a:rPr>
+                <a:t>GET reviews/_search</a:t>
+              </a:r>
+            </a:p>
+            <a:p>
+              <a:r>
+                <a:rPr kumimoji="1" lang="en-US" altLang="ko-Kore-KR" sz="1200" dirty="0">
+                  <a:solidFill>
+                    <a:srgbClr val="5DA2C5"/>
+                  </a:solidFill>
+                  <a:latin typeface="SHeadG" panose="02030600000101010101" pitchFamily="18" charset="-127"/>
+                  <a:ea typeface="SHeadG" panose="02030600000101010101" pitchFamily="18" charset="-127"/>
+                </a:rPr>
+                <a:t>{</a:t>
+              </a:r>
+            </a:p>
+            <a:p>
+              <a:r>
+                <a:rPr kumimoji="1" lang="en-US" altLang="ko-Kore-KR" sz="1200" dirty="0">
+                  <a:solidFill>
+                    <a:srgbClr val="5DA2C5"/>
+                  </a:solidFill>
+                  <a:latin typeface="SHeadG" panose="02030600000101010101" pitchFamily="18" charset="-127"/>
+                  <a:ea typeface="SHeadG" panose="02030600000101010101" pitchFamily="18" charset="-127"/>
+                </a:rPr>
+                <a:t>  "query": {</a:t>
+              </a:r>
+            </a:p>
+            <a:p>
+              <a:r>
+                <a:rPr kumimoji="1" lang="en-US" altLang="ko-Kore-KR" sz="1200" dirty="0">
+                  <a:solidFill>
+                    <a:srgbClr val="5DA2C5"/>
+                  </a:solidFill>
+                  <a:latin typeface="SHeadG" panose="02030600000101010101" pitchFamily="18" charset="-127"/>
+                  <a:ea typeface="SHeadG" panose="02030600000101010101" pitchFamily="18" charset="-127"/>
+                </a:rPr>
+                <a:t>    "match": {</a:t>
+              </a:r>
+            </a:p>
+            <a:p>
+              <a:r>
+                <a:rPr kumimoji="1" lang="en-US" altLang="ko-Kore-KR" sz="1200" dirty="0">
+                  <a:solidFill>
+                    <a:srgbClr val="5DA2C5"/>
+                  </a:solidFill>
+                  <a:latin typeface="SHeadG" panose="02030600000101010101" pitchFamily="18" charset="-127"/>
+                  <a:ea typeface="SHeadG" panose="02030600000101010101" pitchFamily="18" charset="-127"/>
+                </a:rPr>
+                <a:t>      ”content": "outstanding"</a:t>
+              </a:r>
+            </a:p>
+            <a:p>
+              <a:r>
+                <a:rPr kumimoji="1" lang="en-US" altLang="ko-Kore-KR" sz="1200" dirty="0">
+                  <a:solidFill>
+                    <a:srgbClr val="5DA2C5"/>
+                  </a:solidFill>
+                  <a:latin typeface="SHeadG" panose="02030600000101010101" pitchFamily="18" charset="-127"/>
+                  <a:ea typeface="SHeadG" panose="02030600000101010101" pitchFamily="18" charset="-127"/>
+                </a:rPr>
+                <a:t>    }</a:t>
+              </a:r>
+            </a:p>
+            <a:p>
+              <a:r>
+                <a:rPr kumimoji="1" lang="en-US" altLang="ko-Kore-KR" sz="1200" dirty="0">
+                  <a:solidFill>
+                    <a:srgbClr val="5DA2C5"/>
+                  </a:solidFill>
+                  <a:latin typeface="SHeadG" panose="02030600000101010101" pitchFamily="18" charset="-127"/>
+                  <a:ea typeface="SHeadG" panose="02030600000101010101" pitchFamily="18" charset="-127"/>
+                </a:rPr>
+                <a:t>  }</a:t>
+              </a:r>
+            </a:p>
+            <a:p>
+              <a:r>
+                <a:rPr kumimoji="1" lang="en-US" altLang="ko-Kore-KR" sz="1200" dirty="0">
+                  <a:solidFill>
+                    <a:srgbClr val="5DA2C5"/>
+                  </a:solidFill>
+                  <a:latin typeface="SHeadG" panose="02030600000101010101" pitchFamily="18" charset="-127"/>
+                  <a:ea typeface="SHeadG" panose="02030600000101010101" pitchFamily="18" charset="-127"/>
+                </a:rPr>
+                <a:t>}</a:t>
+              </a:r>
+              <a:endParaRPr kumimoji="1" lang="ko-Kore-KR" altLang="en-US" sz="1200" dirty="0">
+                <a:solidFill>
+                  <a:srgbClr val="5DA2C5"/>
+                </a:solidFill>
+                <a:latin typeface="SHeadG" panose="02030600000101010101" pitchFamily="18" charset="-127"/>
+                <a:ea typeface="SHeadG" panose="02030600000101010101" pitchFamily="18" charset="-127"/>
+              </a:endParaRPr>
+            </a:p>
+          </p:txBody>
+        </p:sp>
+      </p:grpSp>
+      <p:cxnSp>
+        <p:nvCxnSpPr>
+          <p:cNvPr id="26" name="직선 화살표 연결선 25">
+            <a:extLst>
+              <a:ext uri="{FF2B5EF4-FFF2-40B4-BE49-F238E27FC236}">
+                <a16:creationId xmlns:a16="http://schemas.microsoft.com/office/drawing/2014/main" id="{78887EFC-0FC4-504F-8683-05886EBD4158}"/>
+              </a:ext>
+            </a:extLst>
+          </p:cNvPr>
+          <p:cNvCxnSpPr>
+            <a:cxnSpLocks/>
+          </p:cNvCxnSpPr>
+          <p:nvPr/>
+        </p:nvCxnSpPr>
+        <p:spPr>
+          <a:xfrm>
+            <a:off x="5394960" y="4439435"/>
+            <a:ext cx="899802" cy="0"/>
+          </a:xfrm>
+          <a:prstGeom prst="straightConnector1">
+            <a:avLst/>
+          </a:prstGeom>
+          <a:ln w="25400">
+            <a:solidFill>
+              <a:srgbClr val="5DA2C5"/>
+            </a:solidFill>
+            <a:tailEnd type="stealth" w="lg" len="lg"/>
+          </a:ln>
+        </p:spPr>
+        <p:style>
+          <a:lnRef idx="1">
+            <a:schemeClr val="accent1"/>
+          </a:lnRef>
+          <a:fillRef idx="0">
+            <a:schemeClr val="accent1"/>
+          </a:fillRef>
+          <a:effectRef idx="0">
+            <a:schemeClr val="accent1"/>
+          </a:effectRef>
+          <a:fontRef idx="minor">
+            <a:schemeClr val="tx1"/>
+          </a:fontRef>
+        </p:style>
+      </p:cxnSp>
+      <p:sp>
+        <p:nvSpPr>
+          <p:cNvPr id="27" name="TextBox 26">
+            <a:extLst>
+              <a:ext uri="{FF2B5EF4-FFF2-40B4-BE49-F238E27FC236}">
+                <a16:creationId xmlns:a16="http://schemas.microsoft.com/office/drawing/2014/main" id="{FF9DD282-4282-614C-AB0C-891C53076DA5}"/>
+              </a:ext>
+            </a:extLst>
+          </p:cNvPr>
+          <p:cNvSpPr txBox="1"/>
+          <p:nvPr/>
+        </p:nvSpPr>
+        <p:spPr>
+          <a:xfrm>
+            <a:off x="5271390" y="4594598"/>
+            <a:ext cx="1293876" cy="276999"/>
+          </a:xfrm>
+          <a:prstGeom prst="rect">
+            <a:avLst/>
+          </a:prstGeom>
+          <a:noFill/>
+        </p:spPr>
+        <p:txBody>
+          <a:bodyPr wrap="square">
+            <a:spAutoFit/>
+          </a:bodyPr>
+          <a:lstStyle/>
+          <a:p>
+            <a:r>
+              <a:rPr kumimoji="1" lang="ko-KR" altLang="en-US" sz="1200" dirty="0">
+                <a:solidFill>
+                  <a:srgbClr val="5DA2C5"/>
+                </a:solidFill>
+                <a:latin typeface="SHeadG" panose="02030600000101010101" pitchFamily="18" charset="-127"/>
+                <a:ea typeface="SHeadG" panose="02030600000101010101" pitchFamily="18" charset="-127"/>
+              </a:rPr>
+              <a:t>이렇게 변환된다</a:t>
+            </a:r>
+            <a:endParaRPr lang="ko-Kore-KR" altLang="en-US" sz="1200" dirty="0"/>
+          </a:p>
+        </p:txBody>
+      </p:sp>
+    </p:spTree>
+    <p:extLst>
+      <p:ext uri="{BB962C8B-B14F-4D97-AF65-F5344CB8AC3E}">
+        <p14:creationId xmlns:p14="http://schemas.microsoft.com/office/powerpoint/2010/main" val="1161799223"/>
+      </p:ext>
+    </p:extLst>
+  </p:cSld>
+  <p:clrMapOvr>
+    <a:masterClrMapping/>
+  </p:clrMapOvr>
+</p:sld>
+</file>
+
 <file path=ppt/slides/slide2.xml><?xml version="1.0" encoding="utf-8"?>
 <p:sld xmlns:a="http://schemas.openxmlformats.org/drawingml/2006/main" xmlns:r="http://schemas.openxmlformats.org/officeDocument/2006/relationships" xmlns:p="http://schemas.openxmlformats.org/presentationml/2006/main">
   <p:cSld>
@@ -14838,6 +15814,882 @@
     <p:extLst>
       <p:ext uri="{BB962C8B-B14F-4D97-AF65-F5344CB8AC3E}">
         <p14:creationId xmlns:p14="http://schemas.microsoft.com/office/powerpoint/2010/main" val="3540409925"/>
+      </p:ext>
+    </p:extLst>
+  </p:cSld>
+  <p:clrMapOvr>
+    <a:masterClrMapping/>
+  </p:clrMapOvr>
+</p:sld>
+</file>
+
+<file path=ppt/slides/slide20.xml><?xml version="1.0" encoding="utf-8"?>
+<p:sld xmlns:a="http://schemas.openxmlformats.org/drawingml/2006/main" xmlns:r="http://schemas.openxmlformats.org/officeDocument/2006/relationships" xmlns:p="http://schemas.openxmlformats.org/presentationml/2006/main">
+  <p:cSld>
+    <p:spTree>
+      <p:nvGrpSpPr>
+        <p:cNvPr id="1" name=""/>
+        <p:cNvGrpSpPr/>
+        <p:nvPr/>
+      </p:nvGrpSpPr>
+      <p:grpSpPr>
+        <a:xfrm>
+          <a:off x="0" y="0"/>
+          <a:ext cx="0" cy="0"/>
+          <a:chOff x="0" y="0"/>
+          <a:chExt cx="0" cy="0"/>
+        </a:xfrm>
+      </p:grpSpPr>
+      <p:pic>
+        <p:nvPicPr>
+          <p:cNvPr id="18" name="Picture 2" descr="elasticsearch icon">
+            <a:extLst>
+              <a:ext uri="{FF2B5EF4-FFF2-40B4-BE49-F238E27FC236}">
+                <a16:creationId xmlns:a16="http://schemas.microsoft.com/office/drawing/2014/main" id="{5DA23174-52AE-1E4A-9DE4-50F58CB7C015}"/>
+              </a:ext>
+            </a:extLst>
+          </p:cNvPr>
+          <p:cNvPicPr>
+            <a:picLocks noChangeAspect="1" noChangeArrowheads="1"/>
+          </p:cNvPicPr>
+          <p:nvPr/>
+        </p:nvPicPr>
+        <p:blipFill>
+          <a:blip r:embed="rId2">
+            <a:extLst>
+              <a:ext uri="{28A0092B-C50C-407E-A947-70E740481C1C}">
+                <a14:useLocalDpi xmlns:a14="http://schemas.microsoft.com/office/drawing/2010/main" val="0"/>
+              </a:ext>
+            </a:extLst>
+          </a:blip>
+          <a:srcRect/>
+          <a:stretch>
+            <a:fillRect/>
+          </a:stretch>
+        </p:blipFill>
+        <p:spPr bwMode="auto">
+          <a:xfrm>
+            <a:off x="4496694" y="2402904"/>
+            <a:ext cx="1600200" cy="1600200"/>
+          </a:xfrm>
+          <a:prstGeom prst="rect">
+            <a:avLst/>
+          </a:prstGeom>
+          <a:noFill/>
+          <a:extLst>
+            <a:ext uri="{909E8E84-426E-40DD-AFC4-6F175D3DCCD1}">
+              <a14:hiddenFill xmlns:a14="http://schemas.microsoft.com/office/drawing/2010/main">
+                <a:solidFill>
+                  <a:srgbClr val="FFFFFF"/>
+                </a:solidFill>
+              </a14:hiddenFill>
+            </a:ext>
+          </a:extLst>
+        </p:spPr>
+      </p:pic>
+      <p:pic>
+        <p:nvPicPr>
+          <p:cNvPr id="1026" name="Picture 2" descr="Postgres Icon? · Issue #197 · PKief/vscode-material-icon ...">
+            <a:extLst>
+              <a:ext uri="{FF2B5EF4-FFF2-40B4-BE49-F238E27FC236}">
+                <a16:creationId xmlns:a16="http://schemas.microsoft.com/office/drawing/2014/main" id="{D217DC0A-9897-5B48-ABAB-74A24FD46121}"/>
+              </a:ext>
+            </a:extLst>
+          </p:cNvPr>
+          <p:cNvPicPr>
+            <a:picLocks noChangeAspect="1" noChangeArrowheads="1"/>
+          </p:cNvPicPr>
+          <p:nvPr/>
+        </p:nvPicPr>
+        <p:blipFill>
+          <a:blip r:embed="rId3">
+            <a:extLst>
+              <a:ext uri="{28A0092B-C50C-407E-A947-70E740481C1C}">
+                <a14:useLocalDpi xmlns:a14="http://schemas.microsoft.com/office/drawing/2010/main" val="0"/>
+              </a:ext>
+            </a:extLst>
+          </a:blip>
+          <a:srcRect/>
+          <a:stretch>
+            <a:fillRect/>
+          </a:stretch>
+        </p:blipFill>
+        <p:spPr bwMode="auto">
+          <a:xfrm>
+            <a:off x="2089379" y="791151"/>
+            <a:ext cx="638556" cy="658368"/>
+          </a:xfrm>
+          <a:prstGeom prst="rect">
+            <a:avLst/>
+          </a:prstGeom>
+          <a:noFill/>
+          <a:extLst>
+            <a:ext uri="{909E8E84-426E-40DD-AFC4-6F175D3DCCD1}">
+              <a14:hiddenFill xmlns:a14="http://schemas.microsoft.com/office/drawing/2010/main">
+                <a:solidFill>
+                  <a:srgbClr val="FFFFFF"/>
+                </a:solidFill>
+              </a14:hiddenFill>
+            </a:ext>
+          </a:extLst>
+        </p:spPr>
+      </p:pic>
+      <p:pic>
+        <p:nvPicPr>
+          <p:cNvPr id="1028" name="Picture 4" descr="아파치는, kafka 아이콘 에 Material Design">
+            <a:extLst>
+              <a:ext uri="{FF2B5EF4-FFF2-40B4-BE49-F238E27FC236}">
+                <a16:creationId xmlns:a16="http://schemas.microsoft.com/office/drawing/2014/main" id="{36C4A1D1-FC48-6A4F-B2F0-94F3CA1AA40C}"/>
+              </a:ext>
+            </a:extLst>
+          </p:cNvPr>
+          <p:cNvPicPr>
+            <a:picLocks noChangeAspect="1" noChangeArrowheads="1"/>
+          </p:cNvPicPr>
+          <p:nvPr/>
+        </p:nvPicPr>
+        <p:blipFill>
+          <a:blip r:embed="rId4">
+            <a:extLst>
+              <a:ext uri="{28A0092B-C50C-407E-A947-70E740481C1C}">
+                <a14:useLocalDpi xmlns:a14="http://schemas.microsoft.com/office/drawing/2010/main" val="0"/>
+              </a:ext>
+            </a:extLst>
+          </a:blip>
+          <a:srcRect/>
+          <a:stretch>
+            <a:fillRect/>
+          </a:stretch>
+        </p:blipFill>
+        <p:spPr bwMode="auto">
+          <a:xfrm>
+            <a:off x="1455184" y="1784772"/>
+            <a:ext cx="918338" cy="918338"/>
+          </a:xfrm>
+          <a:prstGeom prst="rect">
+            <a:avLst/>
+          </a:prstGeom>
+          <a:noFill/>
+          <a:extLst>
+            <a:ext uri="{909E8E84-426E-40DD-AFC4-6F175D3DCCD1}">
+              <a14:hiddenFill xmlns:a14="http://schemas.microsoft.com/office/drawing/2010/main">
+                <a:solidFill>
+                  <a:srgbClr val="FFFFFF"/>
+                </a:solidFill>
+              </a14:hiddenFill>
+            </a:ext>
+          </a:extLst>
+        </p:spPr>
+      </p:pic>
+      <p:pic>
+        <p:nvPicPr>
+          <p:cNvPr id="1030" name="Picture 6" descr="파일의, 유형, nginx 아이콘 에 vscode">
+            <a:extLst>
+              <a:ext uri="{FF2B5EF4-FFF2-40B4-BE49-F238E27FC236}">
+                <a16:creationId xmlns:a16="http://schemas.microsoft.com/office/drawing/2014/main" id="{9A79DFC2-931D-6D43-8C18-D35AE1B99940}"/>
+              </a:ext>
+            </a:extLst>
+          </p:cNvPr>
+          <p:cNvPicPr>
+            <a:picLocks noChangeAspect="1" noChangeArrowheads="1"/>
+          </p:cNvPicPr>
+          <p:nvPr/>
+        </p:nvPicPr>
+        <p:blipFill>
+          <a:blip r:embed="rId5">
+            <a:extLst>
+              <a:ext uri="{28A0092B-C50C-407E-A947-70E740481C1C}">
+                <a14:useLocalDpi xmlns:a14="http://schemas.microsoft.com/office/drawing/2010/main" val="0"/>
+              </a:ext>
+            </a:extLst>
+          </a:blip>
+          <a:srcRect/>
+          <a:stretch>
+            <a:fillRect/>
+          </a:stretch>
+        </p:blipFill>
+        <p:spPr bwMode="auto">
+          <a:xfrm>
+            <a:off x="1267857" y="3190150"/>
+            <a:ext cx="964741" cy="964741"/>
+          </a:xfrm>
+          <a:prstGeom prst="rect">
+            <a:avLst/>
+          </a:prstGeom>
+          <a:noFill/>
+          <a:extLst>
+            <a:ext uri="{909E8E84-426E-40DD-AFC4-6F175D3DCCD1}">
+              <a14:hiddenFill xmlns:a14="http://schemas.microsoft.com/office/drawing/2010/main">
+                <a:solidFill>
+                  <a:srgbClr val="FFFFFF"/>
+                </a:solidFill>
+              </a14:hiddenFill>
+            </a:ext>
+          </a:extLst>
+        </p:spPr>
+      </p:pic>
+      <p:pic>
+        <p:nvPicPr>
+          <p:cNvPr id="1032" name="Picture 8" descr="Redis icon - Free download on Iconfinder">
+            <a:extLst>
+              <a:ext uri="{FF2B5EF4-FFF2-40B4-BE49-F238E27FC236}">
+                <a16:creationId xmlns:a16="http://schemas.microsoft.com/office/drawing/2014/main" id="{D44C222C-45D1-5447-A7B8-F2AC4F7DDB9A}"/>
+              </a:ext>
+            </a:extLst>
+          </p:cNvPr>
+          <p:cNvPicPr>
+            <a:picLocks noChangeAspect="1" noChangeArrowheads="1"/>
+          </p:cNvPicPr>
+          <p:nvPr/>
+        </p:nvPicPr>
+        <p:blipFill>
+          <a:blip r:embed="rId6">
+            <a:extLst>
+              <a:ext uri="{28A0092B-C50C-407E-A947-70E740481C1C}">
+                <a14:useLocalDpi xmlns:a14="http://schemas.microsoft.com/office/drawing/2010/main" val="0"/>
+              </a:ext>
+            </a:extLst>
+          </a:blip>
+          <a:srcRect/>
+          <a:stretch>
+            <a:fillRect/>
+          </a:stretch>
+        </p:blipFill>
+        <p:spPr bwMode="auto">
+          <a:xfrm>
+            <a:off x="1914353" y="4770303"/>
+            <a:ext cx="734921" cy="734921"/>
+          </a:xfrm>
+          <a:prstGeom prst="rect">
+            <a:avLst/>
+          </a:prstGeom>
+          <a:noFill/>
+          <a:extLst>
+            <a:ext uri="{909E8E84-426E-40DD-AFC4-6F175D3DCCD1}">
+              <a14:hiddenFill xmlns:a14="http://schemas.microsoft.com/office/drawing/2010/main">
+                <a:solidFill>
+                  <a:srgbClr val="FFFFFF"/>
+                </a:solidFill>
+              </a14:hiddenFill>
+            </a:ext>
+          </a:extLst>
+        </p:spPr>
+      </p:pic>
+      <p:sp>
+        <p:nvSpPr>
+          <p:cNvPr id="28" name="TextBox 27">
+            <a:extLst>
+              <a:ext uri="{FF2B5EF4-FFF2-40B4-BE49-F238E27FC236}">
+                <a16:creationId xmlns:a16="http://schemas.microsoft.com/office/drawing/2014/main" id="{FD5227D7-D2E4-2340-9E5A-807C008E6764}"/>
+              </a:ext>
+            </a:extLst>
+          </p:cNvPr>
+          <p:cNvSpPr txBox="1"/>
+          <p:nvPr/>
+        </p:nvSpPr>
+        <p:spPr>
+          <a:xfrm>
+            <a:off x="1761719" y="1488125"/>
+            <a:ext cx="1293876" cy="276999"/>
+          </a:xfrm>
+          <a:prstGeom prst="rect">
+            <a:avLst/>
+          </a:prstGeom>
+          <a:noFill/>
+        </p:spPr>
+        <p:txBody>
+          <a:bodyPr wrap="square">
+            <a:spAutoFit/>
+          </a:bodyPr>
+          <a:lstStyle/>
+          <a:p>
+            <a:pPr algn="ctr"/>
+            <a:r>
+              <a:rPr kumimoji="1" lang="en-US" altLang="ko-KR" sz="1200" dirty="0" err="1">
+                <a:solidFill>
+                  <a:srgbClr val="5DA2C5"/>
+                </a:solidFill>
+                <a:latin typeface="SHeadG" panose="02030600000101010101" pitchFamily="18" charset="-127"/>
+                <a:ea typeface="SHeadG" panose="02030600000101010101" pitchFamily="18" charset="-127"/>
+              </a:rPr>
+              <a:t>postgres</a:t>
+            </a:r>
+            <a:endParaRPr lang="ko-Kore-KR" altLang="en-US" sz="1200" dirty="0"/>
+          </a:p>
+        </p:txBody>
+      </p:sp>
+      <p:sp>
+        <p:nvSpPr>
+          <p:cNvPr id="29" name="TextBox 28">
+            <a:extLst>
+              <a:ext uri="{FF2B5EF4-FFF2-40B4-BE49-F238E27FC236}">
+                <a16:creationId xmlns:a16="http://schemas.microsoft.com/office/drawing/2014/main" id="{7029E0F7-D2E9-234F-B2D2-DA4CA5C8FFDB}"/>
+              </a:ext>
+            </a:extLst>
+          </p:cNvPr>
+          <p:cNvSpPr txBox="1"/>
+          <p:nvPr/>
+        </p:nvSpPr>
+        <p:spPr>
+          <a:xfrm>
+            <a:off x="1235709" y="2669630"/>
+            <a:ext cx="1293876" cy="276999"/>
+          </a:xfrm>
+          <a:prstGeom prst="rect">
+            <a:avLst/>
+          </a:prstGeom>
+          <a:noFill/>
+        </p:spPr>
+        <p:txBody>
+          <a:bodyPr wrap="square">
+            <a:spAutoFit/>
+          </a:bodyPr>
+          <a:lstStyle/>
+          <a:p>
+            <a:pPr algn="ctr"/>
+            <a:r>
+              <a:rPr kumimoji="1" lang="en-US" altLang="ko-KR" sz="1200" dirty="0" err="1">
+                <a:solidFill>
+                  <a:srgbClr val="5DA2C5"/>
+                </a:solidFill>
+                <a:latin typeface="SHeadG" panose="02030600000101010101" pitchFamily="18" charset="-127"/>
+                <a:ea typeface="SHeadG" panose="02030600000101010101" pitchFamily="18" charset="-127"/>
+              </a:rPr>
+              <a:t>kafka</a:t>
+            </a:r>
+            <a:endParaRPr lang="ko-Kore-KR" altLang="en-US" sz="1200" dirty="0"/>
+          </a:p>
+        </p:txBody>
+      </p:sp>
+      <p:sp>
+        <p:nvSpPr>
+          <p:cNvPr id="30" name="TextBox 29">
+            <a:extLst>
+              <a:ext uri="{FF2B5EF4-FFF2-40B4-BE49-F238E27FC236}">
+                <a16:creationId xmlns:a16="http://schemas.microsoft.com/office/drawing/2014/main" id="{30B52036-5ABA-5342-9A60-F741CAE87B29}"/>
+              </a:ext>
+            </a:extLst>
+          </p:cNvPr>
+          <p:cNvSpPr txBox="1"/>
+          <p:nvPr/>
+        </p:nvSpPr>
+        <p:spPr>
+          <a:xfrm>
+            <a:off x="1103289" y="4154891"/>
+            <a:ext cx="1293876" cy="276999"/>
+          </a:xfrm>
+          <a:prstGeom prst="rect">
+            <a:avLst/>
+          </a:prstGeom>
+          <a:noFill/>
+        </p:spPr>
+        <p:txBody>
+          <a:bodyPr wrap="square">
+            <a:spAutoFit/>
+          </a:bodyPr>
+          <a:lstStyle/>
+          <a:p>
+            <a:pPr algn="ctr"/>
+            <a:r>
+              <a:rPr kumimoji="1" lang="en-US" altLang="ko-KR" sz="1200" dirty="0" err="1">
+                <a:solidFill>
+                  <a:srgbClr val="5DA2C5"/>
+                </a:solidFill>
+                <a:latin typeface="SHeadG" panose="02030600000101010101" pitchFamily="18" charset="-127"/>
+                <a:ea typeface="SHeadG" panose="02030600000101010101" pitchFamily="18" charset="-127"/>
+              </a:rPr>
+              <a:t>nginx</a:t>
+            </a:r>
+            <a:endParaRPr lang="ko-Kore-KR" altLang="en-US" sz="1200" dirty="0"/>
+          </a:p>
+        </p:txBody>
+      </p:sp>
+      <p:sp>
+        <p:nvSpPr>
+          <p:cNvPr id="31" name="TextBox 30">
+            <a:extLst>
+              <a:ext uri="{FF2B5EF4-FFF2-40B4-BE49-F238E27FC236}">
+                <a16:creationId xmlns:a16="http://schemas.microsoft.com/office/drawing/2014/main" id="{FC40382F-9B51-0C47-B6BD-2CA79A74D429}"/>
+              </a:ext>
+            </a:extLst>
+          </p:cNvPr>
+          <p:cNvSpPr txBox="1"/>
+          <p:nvPr/>
+        </p:nvSpPr>
+        <p:spPr>
+          <a:xfrm>
+            <a:off x="1585660" y="5566638"/>
+            <a:ext cx="1293876" cy="276999"/>
+          </a:xfrm>
+          <a:prstGeom prst="rect">
+            <a:avLst/>
+          </a:prstGeom>
+          <a:noFill/>
+        </p:spPr>
+        <p:txBody>
+          <a:bodyPr wrap="square">
+            <a:spAutoFit/>
+          </a:bodyPr>
+          <a:lstStyle/>
+          <a:p>
+            <a:pPr algn="ctr"/>
+            <a:r>
+              <a:rPr kumimoji="1" lang="en-US" altLang="ko-KR" sz="1200" dirty="0" err="1">
+                <a:solidFill>
+                  <a:srgbClr val="5DA2C5"/>
+                </a:solidFill>
+                <a:latin typeface="SHeadG" panose="02030600000101010101" pitchFamily="18" charset="-127"/>
+                <a:ea typeface="SHeadG" panose="02030600000101010101" pitchFamily="18" charset="-127"/>
+              </a:rPr>
+              <a:t>redis</a:t>
+            </a:r>
+            <a:endParaRPr lang="ko-Kore-KR" altLang="en-US" sz="1200" dirty="0"/>
+          </a:p>
+        </p:txBody>
+      </p:sp>
+      <p:cxnSp>
+        <p:nvCxnSpPr>
+          <p:cNvPr id="32" name="직선 화살표 연결선 31">
+            <a:extLst>
+              <a:ext uri="{FF2B5EF4-FFF2-40B4-BE49-F238E27FC236}">
+                <a16:creationId xmlns:a16="http://schemas.microsoft.com/office/drawing/2014/main" id="{E6E2251B-B647-4F45-A0D1-481A711FE307}"/>
+              </a:ext>
+            </a:extLst>
+          </p:cNvPr>
+          <p:cNvCxnSpPr>
+            <a:cxnSpLocks/>
+          </p:cNvCxnSpPr>
+          <p:nvPr/>
+        </p:nvCxnSpPr>
+        <p:spPr>
+          <a:xfrm flipV="1">
+            <a:off x="2727935" y="4003104"/>
+            <a:ext cx="1601694" cy="910420"/>
+          </a:xfrm>
+          <a:prstGeom prst="straightConnector1">
+            <a:avLst/>
+          </a:prstGeom>
+          <a:ln w="25400">
+            <a:solidFill>
+              <a:srgbClr val="5DA2C5"/>
+            </a:solidFill>
+            <a:tailEnd type="stealth" w="lg" len="lg"/>
+          </a:ln>
+        </p:spPr>
+        <p:style>
+          <a:lnRef idx="1">
+            <a:schemeClr val="accent1"/>
+          </a:lnRef>
+          <a:fillRef idx="0">
+            <a:schemeClr val="accent1"/>
+          </a:fillRef>
+          <a:effectRef idx="0">
+            <a:schemeClr val="accent1"/>
+          </a:effectRef>
+          <a:fontRef idx="minor">
+            <a:schemeClr val="tx1"/>
+          </a:fontRef>
+        </p:style>
+      </p:cxnSp>
+      <p:cxnSp>
+        <p:nvCxnSpPr>
+          <p:cNvPr id="33" name="직선 화살표 연결선 32">
+            <a:extLst>
+              <a:ext uri="{FF2B5EF4-FFF2-40B4-BE49-F238E27FC236}">
+                <a16:creationId xmlns:a16="http://schemas.microsoft.com/office/drawing/2014/main" id="{91D74B90-1DEF-4249-9252-F4D64E66A404}"/>
+              </a:ext>
+            </a:extLst>
+          </p:cNvPr>
+          <p:cNvCxnSpPr>
+            <a:cxnSpLocks/>
+          </p:cNvCxnSpPr>
+          <p:nvPr/>
+        </p:nvCxnSpPr>
+        <p:spPr>
+          <a:xfrm flipV="1">
+            <a:off x="2281813" y="3349990"/>
+            <a:ext cx="1917894" cy="283188"/>
+          </a:xfrm>
+          <a:prstGeom prst="straightConnector1">
+            <a:avLst/>
+          </a:prstGeom>
+          <a:ln w="25400">
+            <a:solidFill>
+              <a:srgbClr val="5DA2C5"/>
+            </a:solidFill>
+            <a:tailEnd type="stealth" w="lg" len="lg"/>
+          </a:ln>
+        </p:spPr>
+        <p:style>
+          <a:lnRef idx="1">
+            <a:schemeClr val="accent1"/>
+          </a:lnRef>
+          <a:fillRef idx="0">
+            <a:schemeClr val="accent1"/>
+          </a:fillRef>
+          <a:effectRef idx="0">
+            <a:schemeClr val="accent1"/>
+          </a:effectRef>
+          <a:fontRef idx="minor">
+            <a:schemeClr val="tx1"/>
+          </a:fontRef>
+        </p:style>
+      </p:cxnSp>
+      <p:cxnSp>
+        <p:nvCxnSpPr>
+          <p:cNvPr id="34" name="직선 화살표 연결선 33">
+            <a:extLst>
+              <a:ext uri="{FF2B5EF4-FFF2-40B4-BE49-F238E27FC236}">
+                <a16:creationId xmlns:a16="http://schemas.microsoft.com/office/drawing/2014/main" id="{76A10784-FD52-854D-B1E3-572AE62AE8E7}"/>
+              </a:ext>
+            </a:extLst>
+          </p:cNvPr>
+          <p:cNvCxnSpPr>
+            <a:cxnSpLocks/>
+          </p:cNvCxnSpPr>
+          <p:nvPr/>
+        </p:nvCxnSpPr>
+        <p:spPr>
+          <a:xfrm>
+            <a:off x="2373522" y="2326356"/>
+            <a:ext cx="1826185" cy="356920"/>
+          </a:xfrm>
+          <a:prstGeom prst="straightConnector1">
+            <a:avLst/>
+          </a:prstGeom>
+          <a:ln w="25400">
+            <a:solidFill>
+              <a:srgbClr val="5DA2C5"/>
+            </a:solidFill>
+            <a:tailEnd type="stealth" w="lg" len="lg"/>
+          </a:ln>
+        </p:spPr>
+        <p:style>
+          <a:lnRef idx="1">
+            <a:schemeClr val="accent1"/>
+          </a:lnRef>
+          <a:fillRef idx="0">
+            <a:schemeClr val="accent1"/>
+          </a:fillRef>
+          <a:effectRef idx="0">
+            <a:schemeClr val="accent1"/>
+          </a:effectRef>
+          <a:fontRef idx="minor">
+            <a:schemeClr val="tx1"/>
+          </a:fontRef>
+        </p:style>
+      </p:cxnSp>
+      <p:cxnSp>
+        <p:nvCxnSpPr>
+          <p:cNvPr id="35" name="직선 화살표 연결선 34">
+            <a:extLst>
+              <a:ext uri="{FF2B5EF4-FFF2-40B4-BE49-F238E27FC236}">
+                <a16:creationId xmlns:a16="http://schemas.microsoft.com/office/drawing/2014/main" id="{11365479-6C22-1B4A-BFC6-22756C1AB389}"/>
+              </a:ext>
+            </a:extLst>
+          </p:cNvPr>
+          <p:cNvCxnSpPr>
+            <a:cxnSpLocks/>
+          </p:cNvCxnSpPr>
+          <p:nvPr/>
+        </p:nvCxnSpPr>
+        <p:spPr>
+          <a:xfrm>
+            <a:off x="2879536" y="1290362"/>
+            <a:ext cx="1450093" cy="903375"/>
+          </a:xfrm>
+          <a:prstGeom prst="straightConnector1">
+            <a:avLst/>
+          </a:prstGeom>
+          <a:ln w="25400">
+            <a:solidFill>
+              <a:srgbClr val="5DA2C5"/>
+            </a:solidFill>
+            <a:tailEnd type="stealth" w="lg" len="lg"/>
+          </a:ln>
+        </p:spPr>
+        <p:style>
+          <a:lnRef idx="1">
+            <a:schemeClr val="accent1"/>
+          </a:lnRef>
+          <a:fillRef idx="0">
+            <a:schemeClr val="accent1"/>
+          </a:fillRef>
+          <a:effectRef idx="0">
+            <a:schemeClr val="accent1"/>
+          </a:effectRef>
+          <a:fontRef idx="minor">
+            <a:schemeClr val="tx1"/>
+          </a:fontRef>
+        </p:style>
+      </p:cxnSp>
+      <p:sp>
+        <p:nvSpPr>
+          <p:cNvPr id="36" name="TextBox 35">
+            <a:extLst>
+              <a:ext uri="{FF2B5EF4-FFF2-40B4-BE49-F238E27FC236}">
+                <a16:creationId xmlns:a16="http://schemas.microsoft.com/office/drawing/2014/main" id="{2C3EA159-2578-184D-8C69-69AF283862FC}"/>
+              </a:ext>
+            </a:extLst>
+          </p:cNvPr>
+          <p:cNvSpPr txBox="1"/>
+          <p:nvPr/>
+        </p:nvSpPr>
+        <p:spPr>
+          <a:xfrm rot="1952560">
+            <a:off x="3065105" y="1458672"/>
+            <a:ext cx="1293876" cy="276999"/>
+          </a:xfrm>
+          <a:prstGeom prst="rect">
+            <a:avLst/>
+          </a:prstGeom>
+          <a:noFill/>
+        </p:spPr>
+        <p:txBody>
+          <a:bodyPr wrap="square">
+            <a:spAutoFit/>
+          </a:bodyPr>
+          <a:lstStyle/>
+          <a:p>
+            <a:pPr algn="ctr"/>
+            <a:r>
+              <a:rPr kumimoji="1" lang="en-US" altLang="ko-KR" sz="1200" dirty="0">
+                <a:solidFill>
+                  <a:srgbClr val="5DA2C5"/>
+                </a:solidFill>
+                <a:latin typeface="SHeadG" panose="02030600000101010101" pitchFamily="18" charset="-127"/>
+                <a:ea typeface="SHeadG" panose="02030600000101010101" pitchFamily="18" charset="-127"/>
+              </a:rPr>
+              <a:t>@timestamp</a:t>
+            </a:r>
+            <a:endParaRPr lang="ko-Kore-KR" altLang="en-US" sz="1200" dirty="0"/>
+          </a:p>
+        </p:txBody>
+      </p:sp>
+      <p:sp>
+        <p:nvSpPr>
+          <p:cNvPr id="37" name="TextBox 36">
+            <a:extLst>
+              <a:ext uri="{FF2B5EF4-FFF2-40B4-BE49-F238E27FC236}">
+                <a16:creationId xmlns:a16="http://schemas.microsoft.com/office/drawing/2014/main" id="{8DEC1FC6-B74F-E545-8B48-52F415569076}"/>
+              </a:ext>
+            </a:extLst>
+          </p:cNvPr>
+          <p:cNvSpPr txBox="1"/>
+          <p:nvPr/>
+        </p:nvSpPr>
+        <p:spPr>
+          <a:xfrm rot="639006">
+            <a:off x="2639676" y="2179934"/>
+            <a:ext cx="1293876" cy="276999"/>
+          </a:xfrm>
+          <a:prstGeom prst="rect">
+            <a:avLst/>
+          </a:prstGeom>
+          <a:noFill/>
+        </p:spPr>
+        <p:txBody>
+          <a:bodyPr wrap="square">
+            <a:spAutoFit/>
+          </a:bodyPr>
+          <a:lstStyle/>
+          <a:p>
+            <a:pPr algn="ctr"/>
+            <a:r>
+              <a:rPr kumimoji="1" lang="en-US" altLang="ko-KR" sz="1200" dirty="0">
+                <a:solidFill>
+                  <a:srgbClr val="5DA2C5"/>
+                </a:solidFill>
+                <a:latin typeface="SHeadG" panose="02030600000101010101" pitchFamily="18" charset="-127"/>
+                <a:ea typeface="SHeadG" panose="02030600000101010101" pitchFamily="18" charset="-127"/>
+              </a:rPr>
+              <a:t>@timestamp</a:t>
+            </a:r>
+            <a:endParaRPr lang="ko-Kore-KR" altLang="en-US" sz="1200" dirty="0"/>
+          </a:p>
+        </p:txBody>
+      </p:sp>
+      <p:sp>
+        <p:nvSpPr>
+          <p:cNvPr id="38" name="TextBox 37">
+            <a:extLst>
+              <a:ext uri="{FF2B5EF4-FFF2-40B4-BE49-F238E27FC236}">
+                <a16:creationId xmlns:a16="http://schemas.microsoft.com/office/drawing/2014/main" id="{83685D5E-202E-7445-9C6C-59361B7FA38C}"/>
+              </a:ext>
+            </a:extLst>
+          </p:cNvPr>
+          <p:cNvSpPr txBox="1"/>
+          <p:nvPr/>
+        </p:nvSpPr>
+        <p:spPr>
+          <a:xfrm rot="21125591">
+            <a:off x="2461148" y="3163173"/>
+            <a:ext cx="1293876" cy="276999"/>
+          </a:xfrm>
+          <a:prstGeom prst="rect">
+            <a:avLst/>
+          </a:prstGeom>
+          <a:noFill/>
+        </p:spPr>
+        <p:txBody>
+          <a:bodyPr wrap="square">
+            <a:spAutoFit/>
+          </a:bodyPr>
+          <a:lstStyle/>
+          <a:p>
+            <a:pPr algn="ctr"/>
+            <a:r>
+              <a:rPr kumimoji="1" lang="en-US" altLang="ko-KR" sz="1200" dirty="0">
+                <a:solidFill>
+                  <a:srgbClr val="5DA2C5"/>
+                </a:solidFill>
+                <a:latin typeface="SHeadG" panose="02030600000101010101" pitchFamily="18" charset="-127"/>
+                <a:ea typeface="SHeadG" panose="02030600000101010101" pitchFamily="18" charset="-127"/>
+              </a:rPr>
+              <a:t>@timestamp</a:t>
+            </a:r>
+            <a:endParaRPr lang="ko-Kore-KR" altLang="en-US" sz="1200" dirty="0"/>
+          </a:p>
+        </p:txBody>
+      </p:sp>
+      <p:sp>
+        <p:nvSpPr>
+          <p:cNvPr id="39" name="TextBox 38">
+            <a:extLst>
+              <a:ext uri="{FF2B5EF4-FFF2-40B4-BE49-F238E27FC236}">
+                <a16:creationId xmlns:a16="http://schemas.microsoft.com/office/drawing/2014/main" id="{601BF3F5-8D54-2B4F-95EC-B7CE17ACE34E}"/>
+              </a:ext>
+            </a:extLst>
+          </p:cNvPr>
+          <p:cNvSpPr txBox="1"/>
+          <p:nvPr/>
+        </p:nvSpPr>
+        <p:spPr>
+          <a:xfrm rot="19916858">
+            <a:off x="2684349" y="4240511"/>
+            <a:ext cx="1293876" cy="276999"/>
+          </a:xfrm>
+          <a:prstGeom prst="rect">
+            <a:avLst/>
+          </a:prstGeom>
+          <a:noFill/>
+        </p:spPr>
+        <p:txBody>
+          <a:bodyPr wrap="square">
+            <a:spAutoFit/>
+          </a:bodyPr>
+          <a:lstStyle/>
+          <a:p>
+            <a:pPr algn="ctr"/>
+            <a:r>
+              <a:rPr kumimoji="1" lang="en-US" altLang="ko-KR" sz="1200" dirty="0">
+                <a:solidFill>
+                  <a:srgbClr val="5DA2C5"/>
+                </a:solidFill>
+                <a:latin typeface="SHeadG" panose="02030600000101010101" pitchFamily="18" charset="-127"/>
+                <a:ea typeface="SHeadG" panose="02030600000101010101" pitchFamily="18" charset="-127"/>
+              </a:rPr>
+              <a:t>@timestamp</a:t>
+            </a:r>
+            <a:endParaRPr lang="ko-Kore-KR" altLang="en-US" sz="1200" dirty="0"/>
+          </a:p>
+        </p:txBody>
+      </p:sp>
+      <p:pic>
+        <p:nvPicPr>
+          <p:cNvPr id="1034" name="Picture 10" descr="Color 스타일의 Kibana 아이콘">
+            <a:extLst>
+              <a:ext uri="{FF2B5EF4-FFF2-40B4-BE49-F238E27FC236}">
+                <a16:creationId xmlns:a16="http://schemas.microsoft.com/office/drawing/2014/main" id="{BA7C73A3-D8A7-4A43-903B-F5C88A2D6EBB}"/>
+              </a:ext>
+            </a:extLst>
+          </p:cNvPr>
+          <p:cNvPicPr>
+            <a:picLocks noChangeAspect="1" noChangeArrowheads="1"/>
+          </p:cNvPicPr>
+          <p:nvPr/>
+        </p:nvPicPr>
+        <p:blipFill>
+          <a:blip r:embed="rId7">
+            <a:extLst>
+              <a:ext uri="{28A0092B-C50C-407E-A947-70E740481C1C}">
+                <a14:useLocalDpi xmlns:a14="http://schemas.microsoft.com/office/drawing/2010/main" val="0"/>
+              </a:ext>
+            </a:extLst>
+          </a:blip>
+          <a:srcRect/>
+          <a:stretch>
+            <a:fillRect/>
+          </a:stretch>
+        </p:blipFill>
+        <p:spPr bwMode="auto">
+          <a:xfrm>
+            <a:off x="8250822" y="2634257"/>
+            <a:ext cx="1111786" cy="1111786"/>
+          </a:xfrm>
+          <a:prstGeom prst="rect">
+            <a:avLst/>
+          </a:prstGeom>
+          <a:noFill/>
+          <a:extLst>
+            <a:ext uri="{909E8E84-426E-40DD-AFC4-6F175D3DCCD1}">
+              <a14:hiddenFill xmlns:a14="http://schemas.microsoft.com/office/drawing/2010/main">
+                <a:solidFill>
+                  <a:srgbClr val="FFFFFF"/>
+                </a:solidFill>
+              </a14:hiddenFill>
+            </a:ext>
+          </a:extLst>
+        </p:spPr>
+      </p:pic>
+      <p:cxnSp>
+        <p:nvCxnSpPr>
+          <p:cNvPr id="41" name="직선 화살표 연결선 40">
+            <a:extLst>
+              <a:ext uri="{FF2B5EF4-FFF2-40B4-BE49-F238E27FC236}">
+                <a16:creationId xmlns:a16="http://schemas.microsoft.com/office/drawing/2014/main" id="{51BE1360-2FA5-B546-BC4A-AB2D2AAC1591}"/>
+              </a:ext>
+            </a:extLst>
+          </p:cNvPr>
+          <p:cNvCxnSpPr>
+            <a:cxnSpLocks/>
+          </p:cNvCxnSpPr>
+          <p:nvPr/>
+        </p:nvCxnSpPr>
+        <p:spPr>
+          <a:xfrm flipH="1">
+            <a:off x="6477918" y="3219812"/>
+            <a:ext cx="1622540" cy="0"/>
+          </a:xfrm>
+          <a:prstGeom prst="straightConnector1">
+            <a:avLst/>
+          </a:prstGeom>
+          <a:ln w="25400">
+            <a:solidFill>
+              <a:srgbClr val="5DA2C5"/>
+            </a:solidFill>
+            <a:tailEnd type="stealth" w="lg" len="lg"/>
+          </a:ln>
+        </p:spPr>
+        <p:style>
+          <a:lnRef idx="1">
+            <a:schemeClr val="accent1"/>
+          </a:lnRef>
+          <a:fillRef idx="0">
+            <a:schemeClr val="accent1"/>
+          </a:fillRef>
+          <a:effectRef idx="0">
+            <a:schemeClr val="accent1"/>
+          </a:effectRef>
+          <a:fontRef idx="minor">
+            <a:schemeClr val="tx1"/>
+          </a:fontRef>
+        </p:style>
+      </p:cxnSp>
+    </p:spTree>
+    <p:extLst>
+      <p:ext uri="{BB962C8B-B14F-4D97-AF65-F5344CB8AC3E}">
+        <p14:creationId xmlns:p14="http://schemas.microsoft.com/office/powerpoint/2010/main" val="3492904138"/>
       </p:ext>
     </p:extLst>
   </p:cSld>
